--- a/trunk/Project 2/Part1/CS554_EuroTeam_Project2_OP4.pptx
+++ b/trunk/Project 2/Part1/CS554_EuroTeam_Project2_OP4.pptx
@@ -5,18 +5,32 @@
     <p:sldMasterId id="2147483660" r:id="rId2"/>
   </p:sldMasterIdLst>
   <p:notesMasterIdLst>
-    <p:notesMasterId r:id="rId9"/>
+    <p:notesMasterId r:id="rId23"/>
   </p:notesMasterIdLst>
   <p:handoutMasterIdLst>
-    <p:handoutMasterId r:id="rId10"/>
+    <p:handoutMasterId r:id="rId24"/>
   </p:handoutMasterIdLst>
   <p:sldIdLst>
     <p:sldId id="256" r:id="rId3"/>
     <p:sldId id="261" r:id="rId4"/>
-    <p:sldId id="333" r:id="rId5"/>
-    <p:sldId id="334" r:id="rId6"/>
-    <p:sldId id="332" r:id="rId7"/>
-    <p:sldId id="286" r:id="rId8"/>
+    <p:sldId id="344" r:id="rId5"/>
+    <p:sldId id="345" r:id="rId6"/>
+    <p:sldId id="343" r:id="rId7"/>
+    <p:sldId id="342" r:id="rId8"/>
+    <p:sldId id="335" r:id="rId9"/>
+    <p:sldId id="347" r:id="rId10"/>
+    <p:sldId id="348" r:id="rId11"/>
+    <p:sldId id="349" r:id="rId12"/>
+    <p:sldId id="336" r:id="rId13"/>
+    <p:sldId id="346" r:id="rId14"/>
+    <p:sldId id="334" r:id="rId15"/>
+    <p:sldId id="337" r:id="rId16"/>
+    <p:sldId id="338" r:id="rId17"/>
+    <p:sldId id="339" r:id="rId18"/>
+    <p:sldId id="340" r:id="rId19"/>
+    <p:sldId id="341" r:id="rId20"/>
+    <p:sldId id="350" r:id="rId21"/>
+    <p:sldId id="286" r:id="rId22"/>
   </p:sldIdLst>
   <p:sldSz cx="9144000" cy="6858000" type="screen4x3"/>
   <p:notesSz cx="7099300" cy="10234613"/>
@@ -148,16 +162,3360 @@
 </p:presentation>
 </file>
 
-<file path=ppt/diagrams/drawing2.xml><?xml version="1.0" encoding="utf-8"?>
-<dsp:drawing xmlns:dgm="http://schemas.openxmlformats.org/drawingml/2006/diagram" xmlns:dsp="http://schemas.microsoft.com/office/drawing/2008/diagram" xmlns:a="http://schemas.openxmlformats.org/drawingml/2006/main">
-  <dsp:spTree>
-    <dsp:nvGrpSpPr>
-      <dsp:cNvPr id="0" name=""/>
-      <dsp:cNvGrpSpPr/>
-    </dsp:nvGrpSpPr>
-    <dsp:grpSpPr/>
-  </dsp:spTree>
-</dsp:drawing>
+<file path=ppt/diagrams/colors1.xml><?xml version="1.0" encoding="utf-8"?>
+<dgm:colorsDef xmlns:dgm="http://schemas.openxmlformats.org/drawingml/2006/diagram" xmlns:a="http://schemas.openxmlformats.org/drawingml/2006/main" uniqueId="urn:microsoft.com/office/officeart/2005/8/colors/accent6_2">
+  <dgm:title val=""/>
+  <dgm:desc val=""/>
+  <dgm:catLst>
+    <dgm:cat type="accent6" pri="11200"/>
+  </dgm:catLst>
+  <dgm:styleLbl name="node0">
+    <dgm:fillClrLst meth="repeat">
+      <a:schemeClr val="accent6"/>
+    </dgm:fillClrLst>
+    <dgm:linClrLst meth="repeat">
+      <a:schemeClr val="lt1"/>
+    </dgm:linClrLst>
+    <dgm:effectClrLst/>
+    <dgm:txLinClrLst/>
+    <dgm:txFillClrLst/>
+    <dgm:txEffectClrLst/>
+  </dgm:styleLbl>
+  <dgm:styleLbl name="node1">
+    <dgm:fillClrLst meth="repeat">
+      <a:schemeClr val="accent6"/>
+    </dgm:fillClrLst>
+    <dgm:linClrLst meth="repeat">
+      <a:schemeClr val="lt1"/>
+    </dgm:linClrLst>
+    <dgm:effectClrLst/>
+    <dgm:txLinClrLst/>
+    <dgm:txFillClrLst/>
+    <dgm:txEffectClrLst/>
+  </dgm:styleLbl>
+  <dgm:styleLbl name="alignNode1">
+    <dgm:fillClrLst meth="repeat">
+      <a:schemeClr val="accent6"/>
+    </dgm:fillClrLst>
+    <dgm:linClrLst meth="repeat">
+      <a:schemeClr val="accent6"/>
+    </dgm:linClrLst>
+    <dgm:effectClrLst/>
+    <dgm:txLinClrLst/>
+    <dgm:txFillClrLst/>
+    <dgm:txEffectClrLst/>
+  </dgm:styleLbl>
+  <dgm:styleLbl name="lnNode1">
+    <dgm:fillClrLst meth="repeat">
+      <a:schemeClr val="accent6"/>
+    </dgm:fillClrLst>
+    <dgm:linClrLst meth="repeat">
+      <a:schemeClr val="lt1"/>
+    </dgm:linClrLst>
+    <dgm:effectClrLst/>
+    <dgm:txLinClrLst/>
+    <dgm:txFillClrLst/>
+    <dgm:txEffectClrLst/>
+  </dgm:styleLbl>
+  <dgm:styleLbl name="vennNode1">
+    <dgm:fillClrLst meth="repeat">
+      <a:schemeClr val="accent6">
+        <a:alpha val="50000"/>
+      </a:schemeClr>
+    </dgm:fillClrLst>
+    <dgm:linClrLst meth="repeat">
+      <a:schemeClr val="lt1"/>
+    </dgm:linClrLst>
+    <dgm:effectClrLst/>
+    <dgm:txLinClrLst/>
+    <dgm:txFillClrLst/>
+    <dgm:txEffectClrLst/>
+  </dgm:styleLbl>
+  <dgm:styleLbl name="node2">
+    <dgm:fillClrLst meth="repeat">
+      <a:schemeClr val="accent6"/>
+    </dgm:fillClrLst>
+    <dgm:linClrLst meth="repeat">
+      <a:schemeClr val="lt1"/>
+    </dgm:linClrLst>
+    <dgm:effectClrLst/>
+    <dgm:txLinClrLst/>
+    <dgm:txFillClrLst/>
+    <dgm:txEffectClrLst/>
+  </dgm:styleLbl>
+  <dgm:styleLbl name="node3">
+    <dgm:fillClrLst meth="repeat">
+      <a:schemeClr val="accent6"/>
+    </dgm:fillClrLst>
+    <dgm:linClrLst meth="repeat">
+      <a:schemeClr val="lt1"/>
+    </dgm:linClrLst>
+    <dgm:effectClrLst/>
+    <dgm:txLinClrLst/>
+    <dgm:txFillClrLst/>
+    <dgm:txEffectClrLst/>
+  </dgm:styleLbl>
+  <dgm:styleLbl name="node4">
+    <dgm:fillClrLst meth="repeat">
+      <a:schemeClr val="accent6"/>
+    </dgm:fillClrLst>
+    <dgm:linClrLst meth="repeat">
+      <a:schemeClr val="lt1"/>
+    </dgm:linClrLst>
+    <dgm:effectClrLst/>
+    <dgm:txLinClrLst/>
+    <dgm:txFillClrLst/>
+    <dgm:txEffectClrLst/>
+  </dgm:styleLbl>
+  <dgm:styleLbl name="fgImgPlace1">
+    <dgm:fillClrLst meth="repeat">
+      <a:schemeClr val="accent6">
+        <a:tint val="50000"/>
+      </a:schemeClr>
+    </dgm:fillClrLst>
+    <dgm:linClrLst meth="repeat">
+      <a:schemeClr val="lt1"/>
+    </dgm:linClrLst>
+    <dgm:effectClrLst/>
+    <dgm:txLinClrLst/>
+    <dgm:txFillClrLst meth="repeat">
+      <a:schemeClr val="lt1"/>
+    </dgm:txFillClrLst>
+    <dgm:txEffectClrLst/>
+  </dgm:styleLbl>
+  <dgm:styleLbl name="alignImgPlace1">
+    <dgm:fillClrLst meth="repeat">
+      <a:schemeClr val="accent6">
+        <a:tint val="50000"/>
+      </a:schemeClr>
+    </dgm:fillClrLst>
+    <dgm:linClrLst meth="repeat">
+      <a:schemeClr val="lt1"/>
+    </dgm:linClrLst>
+    <dgm:effectClrLst/>
+    <dgm:txLinClrLst/>
+    <dgm:txFillClrLst meth="repeat">
+      <a:schemeClr val="lt1"/>
+    </dgm:txFillClrLst>
+    <dgm:txEffectClrLst/>
+  </dgm:styleLbl>
+  <dgm:styleLbl name="bgImgPlace1">
+    <dgm:fillClrLst meth="repeat">
+      <a:schemeClr val="accent6">
+        <a:tint val="50000"/>
+      </a:schemeClr>
+    </dgm:fillClrLst>
+    <dgm:linClrLst meth="repeat">
+      <a:schemeClr val="lt1"/>
+    </dgm:linClrLst>
+    <dgm:effectClrLst/>
+    <dgm:txLinClrLst/>
+    <dgm:txFillClrLst meth="repeat">
+      <a:schemeClr val="lt1"/>
+    </dgm:txFillClrLst>
+    <dgm:txEffectClrLst/>
+  </dgm:styleLbl>
+  <dgm:styleLbl name="sibTrans2D1">
+    <dgm:fillClrLst meth="repeat">
+      <a:schemeClr val="accent6">
+        <a:tint val="60000"/>
+      </a:schemeClr>
+    </dgm:fillClrLst>
+    <dgm:linClrLst meth="repeat">
+      <a:schemeClr val="accent6">
+        <a:tint val="60000"/>
+      </a:schemeClr>
+    </dgm:linClrLst>
+    <dgm:effectClrLst/>
+    <dgm:txLinClrLst/>
+    <dgm:txFillClrLst/>
+    <dgm:txEffectClrLst/>
+  </dgm:styleLbl>
+  <dgm:styleLbl name="fgSibTrans2D1">
+    <dgm:fillClrLst meth="repeat">
+      <a:schemeClr val="accent6">
+        <a:tint val="60000"/>
+      </a:schemeClr>
+    </dgm:fillClrLst>
+    <dgm:linClrLst meth="repeat">
+      <a:schemeClr val="accent6">
+        <a:tint val="60000"/>
+      </a:schemeClr>
+    </dgm:linClrLst>
+    <dgm:effectClrLst/>
+    <dgm:txLinClrLst/>
+    <dgm:txFillClrLst/>
+    <dgm:txEffectClrLst/>
+  </dgm:styleLbl>
+  <dgm:styleLbl name="bgSibTrans2D1">
+    <dgm:fillClrLst meth="repeat">
+      <a:schemeClr val="accent6">
+        <a:tint val="60000"/>
+      </a:schemeClr>
+    </dgm:fillClrLst>
+    <dgm:linClrLst meth="repeat">
+      <a:schemeClr val="accent6">
+        <a:tint val="60000"/>
+      </a:schemeClr>
+    </dgm:linClrLst>
+    <dgm:effectClrLst/>
+    <dgm:txLinClrLst/>
+    <dgm:txFillClrLst/>
+    <dgm:txEffectClrLst/>
+  </dgm:styleLbl>
+  <dgm:styleLbl name="sibTrans1D1">
+    <dgm:fillClrLst meth="repeat">
+      <a:schemeClr val="accent6"/>
+    </dgm:fillClrLst>
+    <dgm:linClrLst meth="repeat">
+      <a:schemeClr val="accent6"/>
+    </dgm:linClrLst>
+    <dgm:effectClrLst/>
+    <dgm:txLinClrLst/>
+    <dgm:txFillClrLst meth="repeat">
+      <a:schemeClr val="tx1"/>
+    </dgm:txFillClrLst>
+    <dgm:txEffectClrLst/>
+  </dgm:styleLbl>
+  <dgm:styleLbl name="callout">
+    <dgm:fillClrLst meth="repeat">
+      <a:schemeClr val="accent6"/>
+    </dgm:fillClrLst>
+    <dgm:linClrLst meth="repeat">
+      <a:schemeClr val="accent6">
+        <a:tint val="50000"/>
+      </a:schemeClr>
+    </dgm:linClrLst>
+    <dgm:effectClrLst/>
+    <dgm:txLinClrLst/>
+    <dgm:txFillClrLst meth="repeat">
+      <a:schemeClr val="tx1"/>
+    </dgm:txFillClrLst>
+    <dgm:txEffectClrLst/>
+  </dgm:styleLbl>
+  <dgm:styleLbl name="asst0">
+    <dgm:fillClrLst meth="repeat">
+      <a:schemeClr val="accent6"/>
+    </dgm:fillClrLst>
+    <dgm:linClrLst meth="repeat">
+      <a:schemeClr val="lt1"/>
+    </dgm:linClrLst>
+    <dgm:effectClrLst/>
+    <dgm:txLinClrLst/>
+    <dgm:txFillClrLst/>
+    <dgm:txEffectClrLst/>
+  </dgm:styleLbl>
+  <dgm:styleLbl name="asst1">
+    <dgm:fillClrLst meth="repeat">
+      <a:schemeClr val="accent6"/>
+    </dgm:fillClrLst>
+    <dgm:linClrLst meth="repeat">
+      <a:schemeClr val="lt1"/>
+    </dgm:linClrLst>
+    <dgm:effectClrLst/>
+    <dgm:txLinClrLst/>
+    <dgm:txFillClrLst/>
+    <dgm:txEffectClrLst/>
+  </dgm:styleLbl>
+  <dgm:styleLbl name="asst2">
+    <dgm:fillClrLst meth="repeat">
+      <a:schemeClr val="accent6"/>
+    </dgm:fillClrLst>
+    <dgm:linClrLst meth="repeat">
+      <a:schemeClr val="lt1"/>
+    </dgm:linClrLst>
+    <dgm:effectClrLst/>
+    <dgm:txLinClrLst/>
+    <dgm:txFillClrLst/>
+    <dgm:txEffectClrLst/>
+  </dgm:styleLbl>
+  <dgm:styleLbl name="asst3">
+    <dgm:fillClrLst meth="repeat">
+      <a:schemeClr val="accent6"/>
+    </dgm:fillClrLst>
+    <dgm:linClrLst meth="repeat">
+      <a:schemeClr val="lt1"/>
+    </dgm:linClrLst>
+    <dgm:effectClrLst/>
+    <dgm:txLinClrLst/>
+    <dgm:txFillClrLst/>
+    <dgm:txEffectClrLst/>
+  </dgm:styleLbl>
+  <dgm:styleLbl name="asst4">
+    <dgm:fillClrLst meth="repeat">
+      <a:schemeClr val="accent6"/>
+    </dgm:fillClrLst>
+    <dgm:linClrLst meth="repeat">
+      <a:schemeClr val="lt1"/>
+    </dgm:linClrLst>
+    <dgm:effectClrLst/>
+    <dgm:txLinClrLst/>
+    <dgm:txFillClrLst/>
+    <dgm:txEffectClrLst/>
+  </dgm:styleLbl>
+  <dgm:styleLbl name="parChTrans2D1">
+    <dgm:fillClrLst meth="repeat">
+      <a:schemeClr val="accent6">
+        <a:tint val="60000"/>
+      </a:schemeClr>
+    </dgm:fillClrLst>
+    <dgm:linClrLst meth="repeat">
+      <a:schemeClr val="accent6">
+        <a:tint val="60000"/>
+      </a:schemeClr>
+    </dgm:linClrLst>
+    <dgm:effectClrLst/>
+    <dgm:txLinClrLst/>
+    <dgm:txFillClrLst meth="repeat">
+      <a:schemeClr val="lt1"/>
+    </dgm:txFillClrLst>
+    <dgm:txEffectClrLst/>
+  </dgm:styleLbl>
+  <dgm:styleLbl name="parChTrans2D2">
+    <dgm:fillClrLst meth="repeat">
+      <a:schemeClr val="accent6"/>
+    </dgm:fillClrLst>
+    <dgm:linClrLst meth="repeat">
+      <a:schemeClr val="accent6"/>
+    </dgm:linClrLst>
+    <dgm:effectClrLst/>
+    <dgm:txLinClrLst/>
+    <dgm:txFillClrLst meth="repeat">
+      <a:schemeClr val="lt1"/>
+    </dgm:txFillClrLst>
+    <dgm:txEffectClrLst/>
+  </dgm:styleLbl>
+  <dgm:styleLbl name="parChTrans2D3">
+    <dgm:fillClrLst meth="repeat">
+      <a:schemeClr val="accent6"/>
+    </dgm:fillClrLst>
+    <dgm:linClrLst meth="repeat">
+      <a:schemeClr val="accent6"/>
+    </dgm:linClrLst>
+    <dgm:effectClrLst/>
+    <dgm:txLinClrLst/>
+    <dgm:txFillClrLst meth="repeat">
+      <a:schemeClr val="lt1"/>
+    </dgm:txFillClrLst>
+    <dgm:txEffectClrLst/>
+  </dgm:styleLbl>
+  <dgm:styleLbl name="parChTrans2D4">
+    <dgm:fillClrLst meth="repeat">
+      <a:schemeClr val="accent6"/>
+    </dgm:fillClrLst>
+    <dgm:linClrLst meth="repeat">
+      <a:schemeClr val="accent6"/>
+    </dgm:linClrLst>
+    <dgm:effectClrLst/>
+    <dgm:txLinClrLst/>
+    <dgm:txFillClrLst meth="repeat">
+      <a:schemeClr val="lt1"/>
+    </dgm:txFillClrLst>
+    <dgm:txEffectClrLst/>
+  </dgm:styleLbl>
+  <dgm:styleLbl name="parChTrans1D1">
+    <dgm:fillClrLst meth="repeat">
+      <a:schemeClr val="accent6"/>
+    </dgm:fillClrLst>
+    <dgm:linClrLst meth="repeat">
+      <a:schemeClr val="accent6">
+        <a:shade val="60000"/>
+      </a:schemeClr>
+    </dgm:linClrLst>
+    <dgm:effectClrLst/>
+    <dgm:txLinClrLst/>
+    <dgm:txFillClrLst meth="repeat">
+      <a:schemeClr val="tx1"/>
+    </dgm:txFillClrLst>
+    <dgm:txEffectClrLst/>
+  </dgm:styleLbl>
+  <dgm:styleLbl name="parChTrans1D2">
+    <dgm:fillClrLst meth="repeat">
+      <a:schemeClr val="accent6"/>
+    </dgm:fillClrLst>
+    <dgm:linClrLst meth="repeat">
+      <a:schemeClr val="accent6">
+        <a:shade val="60000"/>
+      </a:schemeClr>
+    </dgm:linClrLst>
+    <dgm:effectClrLst/>
+    <dgm:txLinClrLst/>
+    <dgm:txFillClrLst meth="repeat">
+      <a:schemeClr val="tx1"/>
+    </dgm:txFillClrLst>
+    <dgm:txEffectClrLst/>
+  </dgm:styleLbl>
+  <dgm:styleLbl name="parChTrans1D3">
+    <dgm:fillClrLst meth="repeat">
+      <a:schemeClr val="accent6"/>
+    </dgm:fillClrLst>
+    <dgm:linClrLst meth="repeat">
+      <a:schemeClr val="accent6">
+        <a:shade val="80000"/>
+      </a:schemeClr>
+    </dgm:linClrLst>
+    <dgm:effectClrLst/>
+    <dgm:txLinClrLst/>
+    <dgm:txFillClrLst meth="repeat">
+      <a:schemeClr val="tx1"/>
+    </dgm:txFillClrLst>
+    <dgm:txEffectClrLst/>
+  </dgm:styleLbl>
+  <dgm:styleLbl name="parChTrans1D4">
+    <dgm:fillClrLst meth="repeat">
+      <a:schemeClr val="accent6"/>
+    </dgm:fillClrLst>
+    <dgm:linClrLst meth="repeat">
+      <a:schemeClr val="accent6">
+        <a:shade val="80000"/>
+      </a:schemeClr>
+    </dgm:linClrLst>
+    <dgm:effectClrLst/>
+    <dgm:txLinClrLst/>
+    <dgm:txFillClrLst meth="repeat">
+      <a:schemeClr val="tx1"/>
+    </dgm:txFillClrLst>
+    <dgm:txEffectClrLst/>
+  </dgm:styleLbl>
+  <dgm:styleLbl name="fgAcc1">
+    <dgm:fillClrLst meth="repeat">
+      <a:schemeClr val="lt1">
+        <a:alpha val="90000"/>
+      </a:schemeClr>
+    </dgm:fillClrLst>
+    <dgm:linClrLst meth="repeat">
+      <a:schemeClr val="accent6"/>
+    </dgm:linClrLst>
+    <dgm:effectClrLst/>
+    <dgm:txLinClrLst/>
+    <dgm:txFillClrLst meth="repeat">
+      <a:schemeClr val="dk1"/>
+    </dgm:txFillClrLst>
+    <dgm:txEffectClrLst/>
+  </dgm:styleLbl>
+  <dgm:styleLbl name="conFgAcc1">
+    <dgm:fillClrLst meth="repeat">
+      <a:schemeClr val="lt1">
+        <a:alpha val="90000"/>
+      </a:schemeClr>
+    </dgm:fillClrLst>
+    <dgm:linClrLst meth="repeat">
+      <a:schemeClr val="accent6"/>
+    </dgm:linClrLst>
+    <dgm:effectClrLst/>
+    <dgm:txLinClrLst/>
+    <dgm:txFillClrLst meth="repeat">
+      <a:schemeClr val="dk1"/>
+    </dgm:txFillClrLst>
+    <dgm:txEffectClrLst/>
+  </dgm:styleLbl>
+  <dgm:styleLbl name="alignAcc1">
+    <dgm:fillClrLst meth="repeat">
+      <a:schemeClr val="lt1">
+        <a:alpha val="90000"/>
+      </a:schemeClr>
+    </dgm:fillClrLst>
+    <dgm:linClrLst meth="repeat">
+      <a:schemeClr val="accent6"/>
+    </dgm:linClrLst>
+    <dgm:effectClrLst/>
+    <dgm:txLinClrLst/>
+    <dgm:txFillClrLst meth="repeat">
+      <a:schemeClr val="dk1"/>
+    </dgm:txFillClrLst>
+    <dgm:txEffectClrLst/>
+  </dgm:styleLbl>
+  <dgm:styleLbl name="trAlignAcc1">
+    <dgm:fillClrLst meth="repeat">
+      <a:schemeClr val="lt1">
+        <a:alpha val="40000"/>
+      </a:schemeClr>
+    </dgm:fillClrLst>
+    <dgm:linClrLst meth="repeat">
+      <a:schemeClr val="accent6"/>
+    </dgm:linClrLst>
+    <dgm:effectClrLst/>
+    <dgm:txLinClrLst/>
+    <dgm:txFillClrLst meth="repeat">
+      <a:schemeClr val="dk1"/>
+    </dgm:txFillClrLst>
+    <dgm:txEffectClrLst/>
+  </dgm:styleLbl>
+  <dgm:styleLbl name="bgAcc1">
+    <dgm:fillClrLst meth="repeat">
+      <a:schemeClr val="lt1">
+        <a:alpha val="90000"/>
+      </a:schemeClr>
+    </dgm:fillClrLst>
+    <dgm:linClrLst meth="repeat">
+      <a:schemeClr val="accent6"/>
+    </dgm:linClrLst>
+    <dgm:effectClrLst/>
+    <dgm:txLinClrLst/>
+    <dgm:txFillClrLst meth="repeat">
+      <a:schemeClr val="dk1"/>
+    </dgm:txFillClrLst>
+    <dgm:txEffectClrLst/>
+  </dgm:styleLbl>
+  <dgm:styleLbl name="solidFgAcc1">
+    <dgm:fillClrLst meth="repeat">
+      <a:schemeClr val="lt1"/>
+    </dgm:fillClrLst>
+    <dgm:linClrLst meth="repeat">
+      <a:schemeClr val="accent6"/>
+    </dgm:linClrLst>
+    <dgm:effectClrLst/>
+    <dgm:txLinClrLst/>
+    <dgm:txFillClrLst meth="repeat">
+      <a:schemeClr val="dk1"/>
+    </dgm:txFillClrLst>
+    <dgm:txEffectClrLst/>
+  </dgm:styleLbl>
+  <dgm:styleLbl name="solidAlignAcc1">
+    <dgm:fillClrLst meth="repeat">
+      <a:schemeClr val="lt1"/>
+    </dgm:fillClrLst>
+    <dgm:linClrLst meth="repeat">
+      <a:schemeClr val="accent6"/>
+    </dgm:linClrLst>
+    <dgm:effectClrLst/>
+    <dgm:txLinClrLst/>
+    <dgm:txFillClrLst meth="repeat">
+      <a:schemeClr val="dk1"/>
+    </dgm:txFillClrLst>
+    <dgm:txEffectClrLst/>
+  </dgm:styleLbl>
+  <dgm:styleLbl name="solidBgAcc1">
+    <dgm:fillClrLst meth="repeat">
+      <a:schemeClr val="lt1"/>
+    </dgm:fillClrLst>
+    <dgm:linClrLst meth="repeat">
+      <a:schemeClr val="accent6"/>
+    </dgm:linClrLst>
+    <dgm:effectClrLst/>
+    <dgm:txLinClrLst/>
+    <dgm:txFillClrLst meth="repeat">
+      <a:schemeClr val="dk1"/>
+    </dgm:txFillClrLst>
+    <dgm:txEffectClrLst/>
+  </dgm:styleLbl>
+  <dgm:styleLbl name="fgAccFollowNode1">
+    <dgm:fillClrLst meth="repeat">
+      <a:schemeClr val="accent6">
+        <a:alpha val="90000"/>
+        <a:tint val="40000"/>
+      </a:schemeClr>
+    </dgm:fillClrLst>
+    <dgm:linClrLst meth="repeat">
+      <a:schemeClr val="accent6">
+        <a:alpha val="90000"/>
+        <a:tint val="40000"/>
+      </a:schemeClr>
+    </dgm:linClrLst>
+    <dgm:effectClrLst/>
+    <dgm:txLinClrLst/>
+    <dgm:txFillClrLst meth="repeat">
+      <a:schemeClr val="dk1"/>
+    </dgm:txFillClrLst>
+    <dgm:txEffectClrLst/>
+  </dgm:styleLbl>
+  <dgm:styleLbl name="alignAccFollowNode1">
+    <dgm:fillClrLst meth="repeat">
+      <a:schemeClr val="accent6">
+        <a:alpha val="90000"/>
+        <a:tint val="40000"/>
+      </a:schemeClr>
+    </dgm:fillClrLst>
+    <dgm:linClrLst meth="repeat">
+      <a:schemeClr val="accent6">
+        <a:alpha val="90000"/>
+        <a:tint val="40000"/>
+      </a:schemeClr>
+    </dgm:linClrLst>
+    <dgm:effectClrLst/>
+    <dgm:txLinClrLst/>
+    <dgm:txFillClrLst meth="repeat">
+      <a:schemeClr val="dk1"/>
+    </dgm:txFillClrLst>
+    <dgm:txEffectClrLst/>
+  </dgm:styleLbl>
+  <dgm:styleLbl name="bgAccFollowNode1">
+    <dgm:fillClrLst meth="repeat">
+      <a:schemeClr val="accent6">
+        <a:alpha val="90000"/>
+        <a:tint val="40000"/>
+      </a:schemeClr>
+    </dgm:fillClrLst>
+    <dgm:linClrLst meth="repeat">
+      <a:schemeClr val="accent6">
+        <a:alpha val="90000"/>
+        <a:tint val="40000"/>
+      </a:schemeClr>
+    </dgm:linClrLst>
+    <dgm:effectClrLst/>
+    <dgm:txLinClrLst/>
+    <dgm:txFillClrLst meth="repeat">
+      <a:schemeClr val="dk1"/>
+    </dgm:txFillClrLst>
+    <dgm:txEffectClrLst/>
+  </dgm:styleLbl>
+  <dgm:styleLbl name="fgAcc0">
+    <dgm:fillClrLst meth="repeat">
+      <a:schemeClr val="lt1">
+        <a:alpha val="90000"/>
+      </a:schemeClr>
+    </dgm:fillClrLst>
+    <dgm:linClrLst meth="repeat">
+      <a:schemeClr val="accent6"/>
+    </dgm:linClrLst>
+    <dgm:effectClrLst/>
+    <dgm:txLinClrLst/>
+    <dgm:txFillClrLst meth="repeat">
+      <a:schemeClr val="dk1"/>
+    </dgm:txFillClrLst>
+    <dgm:txEffectClrLst/>
+  </dgm:styleLbl>
+  <dgm:styleLbl name="fgAcc2">
+    <dgm:fillClrLst meth="repeat">
+      <a:schemeClr val="lt1">
+        <a:alpha val="90000"/>
+      </a:schemeClr>
+    </dgm:fillClrLst>
+    <dgm:linClrLst meth="repeat">
+      <a:schemeClr val="accent6"/>
+    </dgm:linClrLst>
+    <dgm:effectClrLst/>
+    <dgm:txLinClrLst/>
+    <dgm:txFillClrLst meth="repeat">
+      <a:schemeClr val="dk1"/>
+    </dgm:txFillClrLst>
+    <dgm:txEffectClrLst/>
+  </dgm:styleLbl>
+  <dgm:styleLbl name="fgAcc3">
+    <dgm:fillClrLst meth="repeat">
+      <a:schemeClr val="lt1">
+        <a:alpha val="90000"/>
+      </a:schemeClr>
+    </dgm:fillClrLst>
+    <dgm:linClrLst meth="repeat">
+      <a:schemeClr val="accent6"/>
+    </dgm:linClrLst>
+    <dgm:effectClrLst/>
+    <dgm:txLinClrLst/>
+    <dgm:txFillClrLst meth="repeat">
+      <a:schemeClr val="dk1"/>
+    </dgm:txFillClrLst>
+    <dgm:txEffectClrLst/>
+  </dgm:styleLbl>
+  <dgm:styleLbl name="fgAcc4">
+    <dgm:fillClrLst meth="repeat">
+      <a:schemeClr val="lt1">
+        <a:alpha val="90000"/>
+      </a:schemeClr>
+    </dgm:fillClrLst>
+    <dgm:linClrLst meth="repeat">
+      <a:schemeClr val="accent6"/>
+    </dgm:linClrLst>
+    <dgm:effectClrLst/>
+    <dgm:txLinClrLst/>
+    <dgm:txFillClrLst meth="repeat">
+      <a:schemeClr val="dk1"/>
+    </dgm:txFillClrLst>
+    <dgm:txEffectClrLst/>
+  </dgm:styleLbl>
+  <dgm:styleLbl name="bgShp">
+    <dgm:fillClrLst meth="repeat">
+      <a:schemeClr val="accent6">
+        <a:tint val="40000"/>
+      </a:schemeClr>
+    </dgm:fillClrLst>
+    <dgm:linClrLst meth="repeat">
+      <a:schemeClr val="accent6"/>
+    </dgm:linClrLst>
+    <dgm:effectClrLst/>
+    <dgm:txLinClrLst/>
+    <dgm:txFillClrLst meth="repeat">
+      <a:schemeClr val="dk1"/>
+    </dgm:txFillClrLst>
+    <dgm:txEffectClrLst/>
+  </dgm:styleLbl>
+  <dgm:styleLbl name="dkBgShp">
+    <dgm:fillClrLst meth="repeat">
+      <a:schemeClr val="accent6">
+        <a:shade val="80000"/>
+      </a:schemeClr>
+    </dgm:fillClrLst>
+    <dgm:linClrLst meth="repeat">
+      <a:schemeClr val="accent6"/>
+    </dgm:linClrLst>
+    <dgm:effectClrLst/>
+    <dgm:txLinClrLst/>
+    <dgm:txFillClrLst meth="repeat">
+      <a:schemeClr val="lt1"/>
+    </dgm:txFillClrLst>
+    <dgm:txEffectClrLst/>
+  </dgm:styleLbl>
+  <dgm:styleLbl name="trBgShp">
+    <dgm:fillClrLst meth="repeat">
+      <a:schemeClr val="accent6">
+        <a:tint val="50000"/>
+        <a:alpha val="40000"/>
+      </a:schemeClr>
+    </dgm:fillClrLst>
+    <dgm:linClrLst meth="repeat">
+      <a:schemeClr val="accent6"/>
+    </dgm:linClrLst>
+    <dgm:effectClrLst/>
+    <dgm:txLinClrLst/>
+    <dgm:txFillClrLst meth="repeat">
+      <a:schemeClr val="lt1"/>
+    </dgm:txFillClrLst>
+    <dgm:txEffectClrLst/>
+  </dgm:styleLbl>
+  <dgm:styleLbl name="fgShp">
+    <dgm:fillClrLst meth="repeat">
+      <a:schemeClr val="accent6">
+        <a:tint val="60000"/>
+      </a:schemeClr>
+    </dgm:fillClrLst>
+    <dgm:linClrLst meth="repeat">
+      <a:schemeClr val="lt1"/>
+    </dgm:linClrLst>
+    <dgm:effectClrLst/>
+    <dgm:txLinClrLst/>
+    <dgm:txFillClrLst meth="repeat">
+      <a:schemeClr val="dk1"/>
+    </dgm:txFillClrLst>
+    <dgm:txEffectClrLst/>
+  </dgm:styleLbl>
+  <dgm:styleLbl name="revTx">
+    <dgm:fillClrLst meth="repeat">
+      <a:schemeClr val="lt1">
+        <a:alpha val="0"/>
+      </a:schemeClr>
+    </dgm:fillClrLst>
+    <dgm:linClrLst meth="repeat">
+      <a:schemeClr val="dk1">
+        <a:alpha val="0"/>
+      </a:schemeClr>
+    </dgm:linClrLst>
+    <dgm:effectClrLst/>
+    <dgm:txLinClrLst/>
+    <dgm:txFillClrLst meth="repeat">
+      <a:schemeClr val="tx1"/>
+    </dgm:txFillClrLst>
+    <dgm:txEffectClrLst/>
+  </dgm:styleLbl>
+</dgm:colorsDef>
+</file>
+
+<file path=ppt/diagrams/data1.xml><?xml version="1.0" encoding="utf-8"?>
+<dgm:dataModel xmlns:dgm="http://schemas.openxmlformats.org/drawingml/2006/diagram" xmlns:a="http://schemas.openxmlformats.org/drawingml/2006/main">
+  <dgm:ptLst>
+    <dgm:pt modelId="{E2468726-E2C5-4CAB-A87E-212CDACC1D39}" type="doc">
+      <dgm:prSet loTypeId="urn:microsoft.com/office/officeart/2005/8/layout/chevron2" loCatId="process" qsTypeId="urn:microsoft.com/office/officeart/2005/8/quickstyle/simple4" qsCatId="simple" csTypeId="urn:microsoft.com/office/officeart/2005/8/colors/accent6_2" csCatId="accent6" phldr="1"/>
+      <dgm:spPr/>
+      <dgm:t>
+        <a:bodyPr/>
+        <a:lstStyle/>
+        <a:p>
+          <a:endParaRPr lang="en-US"/>
+        </a:p>
+      </dgm:t>
+    </dgm:pt>
+    <dgm:pt modelId="{C5C4F80A-ADCA-43BF-ACC9-3F5C75B9E216}">
+      <dgm:prSet phldrT="[Texte]"/>
+      <dgm:spPr/>
+      <dgm:t>
+        <a:bodyPr/>
+        <a:lstStyle/>
+        <a:p>
+          <a:r>
+            <a:rPr lang="en-US" b="0" smtClean="0"/>
+            <a:t>1</a:t>
+          </a:r>
+          <a:endParaRPr lang="en-US" b="0" dirty="0"/>
+        </a:p>
+      </dgm:t>
+    </dgm:pt>
+    <dgm:pt modelId="{D4A6EDEB-7925-4265-839A-BA2463961342}" type="parTrans" cxnId="{A201BCCE-6BA6-4F0C-BD3A-2CDA0C9535F4}">
+      <dgm:prSet/>
+      <dgm:spPr/>
+      <dgm:t>
+        <a:bodyPr/>
+        <a:lstStyle/>
+        <a:p>
+          <a:endParaRPr lang="en-US" b="0"/>
+        </a:p>
+      </dgm:t>
+    </dgm:pt>
+    <dgm:pt modelId="{0EA00AD6-FC62-420D-BF9A-DA8D83DA3EE4}" type="sibTrans" cxnId="{A201BCCE-6BA6-4F0C-BD3A-2CDA0C9535F4}">
+      <dgm:prSet/>
+      <dgm:spPr/>
+      <dgm:t>
+        <a:bodyPr/>
+        <a:lstStyle/>
+        <a:p>
+          <a:endParaRPr lang="en-US" b="0"/>
+        </a:p>
+      </dgm:t>
+    </dgm:pt>
+    <dgm:pt modelId="{89DC5C5C-4497-464A-BEDD-3EC8F5FBE9CF}">
+      <dgm:prSet phldrT="[Texte]"/>
+      <dgm:spPr/>
+      <dgm:t>
+        <a:bodyPr/>
+        <a:lstStyle/>
+        <a:p>
+          <a:r>
+            <a:rPr lang="en-US" b="0" dirty="0" smtClean="0"/>
+            <a:t>2</a:t>
+          </a:r>
+          <a:endParaRPr lang="en-US" b="0" dirty="0"/>
+        </a:p>
+      </dgm:t>
+    </dgm:pt>
+    <dgm:pt modelId="{7B53E502-3A0A-46DE-BA83-A92D956A35B6}" type="parTrans" cxnId="{A79E98CC-09A3-4F97-98DE-A21F8B76EDD2}">
+      <dgm:prSet/>
+      <dgm:spPr/>
+      <dgm:t>
+        <a:bodyPr/>
+        <a:lstStyle/>
+        <a:p>
+          <a:endParaRPr lang="en-US" b="0"/>
+        </a:p>
+      </dgm:t>
+    </dgm:pt>
+    <dgm:pt modelId="{BC99A5B3-4005-45EE-819F-3100434DD236}" type="sibTrans" cxnId="{A79E98CC-09A3-4F97-98DE-A21F8B76EDD2}">
+      <dgm:prSet/>
+      <dgm:spPr/>
+      <dgm:t>
+        <a:bodyPr/>
+        <a:lstStyle/>
+        <a:p>
+          <a:endParaRPr lang="en-US" b="0"/>
+        </a:p>
+      </dgm:t>
+    </dgm:pt>
+    <dgm:pt modelId="{67D24913-09F9-4F86-B612-DD5C4945B52C}">
+      <dgm:prSet phldrT="[Texte]"/>
+      <dgm:spPr/>
+      <dgm:t>
+        <a:bodyPr/>
+        <a:lstStyle/>
+        <a:p>
+          <a:r>
+            <a:rPr lang="en-US" b="0" dirty="0" smtClean="0"/>
+            <a:t>Present </a:t>
+          </a:r>
+          <a:r>
+            <a:rPr lang="en-US" b="1" dirty="0" smtClean="0"/>
+            <a:t>FDIR</a:t>
+          </a:r>
+          <a:r>
+            <a:rPr lang="en-US" b="0" dirty="0" smtClean="0"/>
+            <a:t> business case</a:t>
+          </a:r>
+          <a:endParaRPr lang="en-US" b="1" dirty="0"/>
+        </a:p>
+      </dgm:t>
+    </dgm:pt>
+    <dgm:pt modelId="{9EBA8817-F214-4A4A-8083-1932E61E2620}" type="parTrans" cxnId="{43E1100A-C06A-4844-A3FB-7AC650E6A408}">
+      <dgm:prSet/>
+      <dgm:spPr/>
+      <dgm:t>
+        <a:bodyPr/>
+        <a:lstStyle/>
+        <a:p>
+          <a:endParaRPr lang="en-US" b="0"/>
+        </a:p>
+      </dgm:t>
+    </dgm:pt>
+    <dgm:pt modelId="{35782166-5978-4FA5-A3B1-A5A139C2A91E}" type="sibTrans" cxnId="{43E1100A-C06A-4844-A3FB-7AC650E6A408}">
+      <dgm:prSet/>
+      <dgm:spPr/>
+      <dgm:t>
+        <a:bodyPr/>
+        <a:lstStyle/>
+        <a:p>
+          <a:endParaRPr lang="en-US" b="0"/>
+        </a:p>
+      </dgm:t>
+    </dgm:pt>
+    <dgm:pt modelId="{6D29025B-7E9E-4523-984D-758507BDFCD3}">
+      <dgm:prSet phldrT="[Texte]"/>
+      <dgm:spPr/>
+      <dgm:t>
+        <a:bodyPr/>
+        <a:lstStyle/>
+        <a:p>
+          <a:r>
+            <a:rPr lang="en-US" b="0" dirty="0" smtClean="0"/>
+            <a:t>3</a:t>
+          </a:r>
+          <a:endParaRPr lang="en-US" b="0" dirty="0"/>
+        </a:p>
+      </dgm:t>
+    </dgm:pt>
+    <dgm:pt modelId="{98E63EB7-8DC2-4823-A8ED-76A44E5AAA61}" type="parTrans" cxnId="{0AF3FEC9-FF76-4F6F-B6D2-D035790D3CC3}">
+      <dgm:prSet/>
+      <dgm:spPr/>
+      <dgm:t>
+        <a:bodyPr/>
+        <a:lstStyle/>
+        <a:p>
+          <a:endParaRPr lang="en-US" b="0"/>
+        </a:p>
+      </dgm:t>
+    </dgm:pt>
+    <dgm:pt modelId="{26943680-5C60-48D5-A0AE-54064428B433}" type="sibTrans" cxnId="{0AF3FEC9-FF76-4F6F-B6D2-D035790D3CC3}">
+      <dgm:prSet/>
+      <dgm:spPr/>
+      <dgm:t>
+        <a:bodyPr/>
+        <a:lstStyle/>
+        <a:p>
+          <a:endParaRPr lang="en-US" b="0"/>
+        </a:p>
+      </dgm:t>
+    </dgm:pt>
+    <dgm:pt modelId="{1C17E32D-E5BC-4650-8F69-5E37774C067C}">
+      <dgm:prSet phldrT="[Texte]"/>
+      <dgm:spPr/>
+      <dgm:t>
+        <a:bodyPr/>
+        <a:lstStyle/>
+        <a:p>
+          <a:r>
+            <a:rPr lang="en-US" b="0" dirty="0" smtClean="0"/>
+            <a:t>Present </a:t>
+          </a:r>
+          <a:r>
+            <a:rPr lang="en-US" b="1" dirty="0" smtClean="0"/>
+            <a:t>FDIR</a:t>
+          </a:r>
+          <a:r>
+            <a:rPr lang="en-US" b="0" dirty="0" smtClean="0"/>
+            <a:t> architecture made through </a:t>
+          </a:r>
+          <a:r>
+            <a:rPr lang="en-US" b="1" dirty="0" smtClean="0"/>
+            <a:t>ACME</a:t>
+          </a:r>
+          <a:endParaRPr lang="en-US" b="1" dirty="0"/>
+        </a:p>
+      </dgm:t>
+    </dgm:pt>
+    <dgm:pt modelId="{4875A793-05FF-4D44-8D6C-DD5183DF0AE2}" type="parTrans" cxnId="{E9BAE26F-1DE9-46E9-B7A4-7CCF8A3DEAA2}">
+      <dgm:prSet/>
+      <dgm:spPr/>
+      <dgm:t>
+        <a:bodyPr/>
+        <a:lstStyle/>
+        <a:p>
+          <a:endParaRPr lang="en-US" b="0"/>
+        </a:p>
+      </dgm:t>
+    </dgm:pt>
+    <dgm:pt modelId="{2CFB2501-97A8-4E13-9605-3255509F9738}" type="sibTrans" cxnId="{E9BAE26F-1DE9-46E9-B7A4-7CCF8A3DEAA2}">
+      <dgm:prSet/>
+      <dgm:spPr/>
+      <dgm:t>
+        <a:bodyPr/>
+        <a:lstStyle/>
+        <a:p>
+          <a:endParaRPr lang="en-US" b="0"/>
+        </a:p>
+      </dgm:t>
+    </dgm:pt>
+    <dgm:pt modelId="{3C486B70-D3FE-4970-B9B5-CA2D8B6F3EEE}">
+      <dgm:prSet/>
+      <dgm:spPr/>
+      <dgm:t>
+        <a:bodyPr/>
+        <a:lstStyle/>
+        <a:p>
+          <a:r>
+            <a:rPr lang="en-US" b="0" dirty="0" smtClean="0"/>
+            <a:t>4</a:t>
+          </a:r>
+          <a:endParaRPr lang="en-US" b="0" dirty="0"/>
+        </a:p>
+      </dgm:t>
+    </dgm:pt>
+    <dgm:pt modelId="{1865F844-472F-4BB6-934F-E2B53C1A4B4A}" type="parTrans" cxnId="{C5530A6B-DBCA-4005-A741-B86D7C8E4CD0}">
+      <dgm:prSet/>
+      <dgm:spPr/>
+      <dgm:t>
+        <a:bodyPr/>
+        <a:lstStyle/>
+        <a:p>
+          <a:endParaRPr lang="en-US" b="0"/>
+        </a:p>
+      </dgm:t>
+    </dgm:pt>
+    <dgm:pt modelId="{954CD116-88A4-41A9-ACFA-9224822CD487}" type="sibTrans" cxnId="{C5530A6B-DBCA-4005-A741-B86D7C8E4CD0}">
+      <dgm:prSet/>
+      <dgm:spPr/>
+      <dgm:t>
+        <a:bodyPr/>
+        <a:lstStyle/>
+        <a:p>
+          <a:endParaRPr lang="en-US" b="0"/>
+        </a:p>
+      </dgm:t>
+    </dgm:pt>
+    <dgm:pt modelId="{9EFC650E-4E74-4F71-8B71-A5F227EAD719}">
+      <dgm:prSet/>
+      <dgm:spPr/>
+      <dgm:t>
+        <a:bodyPr/>
+        <a:lstStyle/>
+        <a:p>
+          <a:r>
+            <a:rPr lang="en-US" b="0" dirty="0" smtClean="0"/>
+            <a:t>5</a:t>
+          </a:r>
+          <a:endParaRPr lang="en-US" b="0" dirty="0"/>
+        </a:p>
+      </dgm:t>
+    </dgm:pt>
+    <dgm:pt modelId="{43776194-2C2D-490F-A5F9-279D000771CA}" type="parTrans" cxnId="{AF333052-B43F-4C14-B3CC-C21383155209}">
+      <dgm:prSet/>
+      <dgm:spPr/>
+      <dgm:t>
+        <a:bodyPr/>
+        <a:lstStyle/>
+        <a:p>
+          <a:endParaRPr lang="en-US" b="0"/>
+        </a:p>
+      </dgm:t>
+    </dgm:pt>
+    <dgm:pt modelId="{6A8EEF53-32BB-4548-A55F-A1ECF75EEE06}" type="sibTrans" cxnId="{AF333052-B43F-4C14-B3CC-C21383155209}">
+      <dgm:prSet/>
+      <dgm:spPr/>
+      <dgm:t>
+        <a:bodyPr/>
+        <a:lstStyle/>
+        <a:p>
+          <a:endParaRPr lang="en-US" b="0"/>
+        </a:p>
+      </dgm:t>
+    </dgm:pt>
+    <dgm:pt modelId="{CD622641-F3D4-45C1-9D46-EA5724F7F5F3}">
+      <dgm:prSet/>
+      <dgm:spPr/>
+      <dgm:t>
+        <a:bodyPr/>
+        <a:lstStyle/>
+        <a:p>
+          <a:r>
+            <a:rPr lang="en-US" b="0" dirty="0" smtClean="0"/>
+            <a:t>6</a:t>
+          </a:r>
+          <a:endParaRPr lang="en-US" b="0" dirty="0"/>
+        </a:p>
+      </dgm:t>
+    </dgm:pt>
+    <dgm:pt modelId="{AF39D6AE-DF6D-4C47-ACCC-662597F8BB6F}" type="parTrans" cxnId="{EF9CFEAC-15CD-4113-8A27-AB753E92F767}">
+      <dgm:prSet/>
+      <dgm:spPr/>
+      <dgm:t>
+        <a:bodyPr/>
+        <a:lstStyle/>
+        <a:p>
+          <a:endParaRPr lang="en-US" b="0"/>
+        </a:p>
+      </dgm:t>
+    </dgm:pt>
+    <dgm:pt modelId="{0926A5F9-BDB5-4FED-B681-48EAB9DE1C17}" type="sibTrans" cxnId="{EF9CFEAC-15CD-4113-8A27-AB753E92F767}">
+      <dgm:prSet/>
+      <dgm:spPr/>
+      <dgm:t>
+        <a:bodyPr/>
+        <a:lstStyle/>
+        <a:p>
+          <a:endParaRPr lang="en-US" b="0"/>
+        </a:p>
+      </dgm:t>
+    </dgm:pt>
+    <dgm:pt modelId="{A3E414CC-462E-4214-ABF4-C1F7D6637270}">
+      <dgm:prSet/>
+      <dgm:spPr/>
+      <dgm:t>
+        <a:bodyPr/>
+        <a:lstStyle/>
+        <a:p>
+          <a:r>
+            <a:rPr lang="en-US" b="0" dirty="0" smtClean="0"/>
+            <a:t>7</a:t>
+          </a:r>
+          <a:endParaRPr lang="en-US" b="0" dirty="0"/>
+        </a:p>
+      </dgm:t>
+    </dgm:pt>
+    <dgm:pt modelId="{5592D795-FC4F-454C-A7B8-F2901236367A}" type="parTrans" cxnId="{69028F9B-46A5-4396-B9F2-2AF19881C5A1}">
+      <dgm:prSet/>
+      <dgm:spPr/>
+      <dgm:t>
+        <a:bodyPr/>
+        <a:lstStyle/>
+        <a:p>
+          <a:endParaRPr lang="en-US" b="0"/>
+        </a:p>
+      </dgm:t>
+    </dgm:pt>
+    <dgm:pt modelId="{2DC9A183-3F70-48B9-9D32-D893FC32B4EA}" type="sibTrans" cxnId="{69028F9B-46A5-4396-B9F2-2AF19881C5A1}">
+      <dgm:prSet/>
+      <dgm:spPr/>
+      <dgm:t>
+        <a:bodyPr/>
+        <a:lstStyle/>
+        <a:p>
+          <a:endParaRPr lang="en-US" b="0"/>
+        </a:p>
+      </dgm:t>
+    </dgm:pt>
+    <dgm:pt modelId="{2F387301-5DE6-45E2-82CF-0968614BE5FA}">
+      <dgm:prSet/>
+      <dgm:spPr/>
+      <dgm:t>
+        <a:bodyPr/>
+        <a:lstStyle/>
+        <a:p>
+          <a:r>
+            <a:rPr lang="en-US" b="0" dirty="0" smtClean="0"/>
+            <a:t>8</a:t>
+          </a:r>
+          <a:endParaRPr lang="en-US" b="0" dirty="0"/>
+        </a:p>
+      </dgm:t>
+    </dgm:pt>
+    <dgm:pt modelId="{D17231D7-E093-4F5A-AF59-EE031F2F0593}" type="parTrans" cxnId="{F0C337C6-B59E-4B34-A7F5-15F19690AD5D}">
+      <dgm:prSet/>
+      <dgm:spPr/>
+      <dgm:t>
+        <a:bodyPr/>
+        <a:lstStyle/>
+        <a:p>
+          <a:endParaRPr lang="en-US" b="0"/>
+        </a:p>
+      </dgm:t>
+    </dgm:pt>
+    <dgm:pt modelId="{F166C28F-508C-4106-9681-D94CE212568D}" type="sibTrans" cxnId="{F0C337C6-B59E-4B34-A7F5-15F19690AD5D}">
+      <dgm:prSet/>
+      <dgm:spPr/>
+      <dgm:t>
+        <a:bodyPr/>
+        <a:lstStyle/>
+        <a:p>
+          <a:endParaRPr lang="en-US" b="0"/>
+        </a:p>
+      </dgm:t>
+    </dgm:pt>
+    <dgm:pt modelId="{40BE8CB0-D409-4286-83A7-7CB88975B308}">
+      <dgm:prSet/>
+      <dgm:spPr/>
+      <dgm:t>
+        <a:bodyPr/>
+        <a:lstStyle/>
+        <a:p>
+          <a:r>
+            <a:rPr lang="en-US" b="0" dirty="0" smtClean="0"/>
+            <a:t>9</a:t>
+          </a:r>
+          <a:endParaRPr lang="en-US" b="0" dirty="0"/>
+        </a:p>
+      </dgm:t>
+    </dgm:pt>
+    <dgm:pt modelId="{218DB297-C48E-4DC0-B2A0-7DDEB3A91740}" type="parTrans" cxnId="{818D575C-8B00-47BF-9FB0-01AC297B5103}">
+      <dgm:prSet/>
+      <dgm:spPr/>
+      <dgm:t>
+        <a:bodyPr/>
+        <a:lstStyle/>
+        <a:p>
+          <a:endParaRPr lang="en-US" b="0"/>
+        </a:p>
+      </dgm:t>
+    </dgm:pt>
+    <dgm:pt modelId="{3CBC6FE4-05EB-4B7A-BC6E-F620CDC26D86}" type="sibTrans" cxnId="{818D575C-8B00-47BF-9FB0-01AC297B5103}">
+      <dgm:prSet/>
+      <dgm:spPr/>
+      <dgm:t>
+        <a:bodyPr/>
+        <a:lstStyle/>
+        <a:p>
+          <a:endParaRPr lang="en-US" b="0"/>
+        </a:p>
+      </dgm:t>
+    </dgm:pt>
+    <dgm:pt modelId="{7FE59F3C-D076-40C7-967F-EE61C565D313}">
+      <dgm:prSet/>
+      <dgm:spPr/>
+      <dgm:t>
+        <a:bodyPr/>
+        <a:lstStyle/>
+        <a:p>
+          <a:r>
+            <a:rPr lang="en-US" b="0" dirty="0" smtClean="0"/>
+            <a:t>Identify </a:t>
+          </a:r>
+          <a:r>
+            <a:rPr lang="en-US" b="1" dirty="0" smtClean="0"/>
+            <a:t>FDIR</a:t>
+          </a:r>
+          <a:r>
+            <a:rPr lang="en-US" b="0" dirty="0" smtClean="0"/>
+            <a:t> architectural approaches made through </a:t>
+          </a:r>
+          <a:r>
+            <a:rPr lang="en-US" b="1" dirty="0" smtClean="0"/>
+            <a:t>ACME </a:t>
+          </a:r>
+          <a:endParaRPr lang="en-US" b="1" dirty="0"/>
+        </a:p>
+      </dgm:t>
+    </dgm:pt>
+    <dgm:pt modelId="{35B1ED5D-72B5-4938-80B2-CB585C375170}" type="parTrans" cxnId="{4EFB58CA-56B5-48BA-B167-FCD2349FE277}">
+      <dgm:prSet/>
+      <dgm:spPr/>
+      <dgm:t>
+        <a:bodyPr/>
+        <a:lstStyle/>
+        <a:p>
+          <a:endParaRPr lang="en-US" b="0"/>
+        </a:p>
+      </dgm:t>
+    </dgm:pt>
+    <dgm:pt modelId="{8C9A28DC-BA0D-4CC9-A380-0D01F4F09DBC}" type="sibTrans" cxnId="{4EFB58CA-56B5-48BA-B167-FCD2349FE277}">
+      <dgm:prSet/>
+      <dgm:spPr/>
+      <dgm:t>
+        <a:bodyPr/>
+        <a:lstStyle/>
+        <a:p>
+          <a:endParaRPr lang="en-US" b="0"/>
+        </a:p>
+      </dgm:t>
+    </dgm:pt>
+    <dgm:pt modelId="{BD27B93E-B34D-4D94-A918-74D1D64A6C14}">
+      <dgm:prSet/>
+      <dgm:spPr/>
+      <dgm:t>
+        <a:bodyPr/>
+        <a:lstStyle/>
+        <a:p>
+          <a:r>
+            <a:rPr lang="en-US" b="0" dirty="0" smtClean="0"/>
+            <a:t>Generate </a:t>
+          </a:r>
+          <a:r>
+            <a:rPr lang="en-US" b="1" dirty="0" smtClean="0"/>
+            <a:t>FDIR </a:t>
+          </a:r>
+          <a:r>
+            <a:rPr lang="en-US" b="0" dirty="0" smtClean="0"/>
+            <a:t>quality attribute utility tree</a:t>
+          </a:r>
+          <a:endParaRPr lang="en-US" b="1" dirty="0"/>
+        </a:p>
+      </dgm:t>
+    </dgm:pt>
+    <dgm:pt modelId="{DB14A2D9-EAC3-4267-BC9F-F4906C7E45DA}" type="parTrans" cxnId="{1C9AED06-CB88-475C-9B49-660AD14E02B6}">
+      <dgm:prSet/>
+      <dgm:spPr/>
+      <dgm:t>
+        <a:bodyPr/>
+        <a:lstStyle/>
+        <a:p>
+          <a:endParaRPr lang="en-US" b="0"/>
+        </a:p>
+      </dgm:t>
+    </dgm:pt>
+    <dgm:pt modelId="{8F3DB2B2-E264-4F2C-AA2B-9D47A95229A0}" type="sibTrans" cxnId="{1C9AED06-CB88-475C-9B49-660AD14E02B6}">
+      <dgm:prSet/>
+      <dgm:spPr/>
+      <dgm:t>
+        <a:bodyPr/>
+        <a:lstStyle/>
+        <a:p>
+          <a:endParaRPr lang="en-US" b="0"/>
+        </a:p>
+      </dgm:t>
+    </dgm:pt>
+    <dgm:pt modelId="{14D14EFE-6C54-446C-82B7-D64794AE17D7}">
+      <dgm:prSet/>
+      <dgm:spPr/>
+      <dgm:t>
+        <a:bodyPr/>
+        <a:lstStyle/>
+        <a:p>
+          <a:r>
+            <a:rPr lang="en-US" b="0" dirty="0" smtClean="0"/>
+            <a:t>Analyze architectural </a:t>
+          </a:r>
+          <a:r>
+            <a:rPr lang="en-US" b="1" dirty="0" smtClean="0"/>
+            <a:t>FDIR</a:t>
+          </a:r>
+          <a:r>
+            <a:rPr lang="en-US" b="0" dirty="0" smtClean="0"/>
+            <a:t> approaches made through </a:t>
+          </a:r>
+          <a:r>
+            <a:rPr lang="en-US" b="1" dirty="0" smtClean="0"/>
+            <a:t>ACME </a:t>
+          </a:r>
+          <a:endParaRPr lang="en-US" b="1" dirty="0"/>
+        </a:p>
+      </dgm:t>
+    </dgm:pt>
+    <dgm:pt modelId="{7AE9206E-8A2E-4C39-84FF-A8A7385F1A2C}" type="parTrans" cxnId="{C0E0ABB1-1575-41A5-AFD3-4C9A275C5B6C}">
+      <dgm:prSet/>
+      <dgm:spPr/>
+      <dgm:t>
+        <a:bodyPr/>
+        <a:lstStyle/>
+        <a:p>
+          <a:endParaRPr lang="en-US" b="0"/>
+        </a:p>
+      </dgm:t>
+    </dgm:pt>
+    <dgm:pt modelId="{A4470B5C-C5A0-4303-8418-A3D8FB37E33F}" type="sibTrans" cxnId="{C0E0ABB1-1575-41A5-AFD3-4C9A275C5B6C}">
+      <dgm:prSet/>
+      <dgm:spPr/>
+      <dgm:t>
+        <a:bodyPr/>
+        <a:lstStyle/>
+        <a:p>
+          <a:endParaRPr lang="en-US" b="0"/>
+        </a:p>
+      </dgm:t>
+    </dgm:pt>
+    <dgm:pt modelId="{64FD7011-1C57-4ACA-8B55-9E1489E37311}">
+      <dgm:prSet/>
+      <dgm:spPr/>
+      <dgm:t>
+        <a:bodyPr/>
+        <a:lstStyle/>
+        <a:p>
+          <a:r>
+            <a:rPr lang="en-US" b="0" dirty="0" smtClean="0"/>
+            <a:t>Brainstorm and prioritize scenarios of </a:t>
+          </a:r>
+          <a:r>
+            <a:rPr lang="en-US" b="1" dirty="0" smtClean="0"/>
+            <a:t>FDIR requirement </a:t>
+          </a:r>
+          <a:endParaRPr lang="en-US" b="1" dirty="0"/>
+        </a:p>
+      </dgm:t>
+    </dgm:pt>
+    <dgm:pt modelId="{239C5B33-9642-4B50-B044-E5ADAC9B3A5B}" type="parTrans" cxnId="{155FF36C-D1D1-4E9A-97E6-351EC663800D}">
+      <dgm:prSet/>
+      <dgm:spPr/>
+      <dgm:t>
+        <a:bodyPr/>
+        <a:lstStyle/>
+        <a:p>
+          <a:endParaRPr lang="en-US" b="0"/>
+        </a:p>
+      </dgm:t>
+    </dgm:pt>
+    <dgm:pt modelId="{F2B8F262-6CDC-45CF-A7C1-BBEAE54DB4FF}" type="sibTrans" cxnId="{155FF36C-D1D1-4E9A-97E6-351EC663800D}">
+      <dgm:prSet/>
+      <dgm:spPr/>
+      <dgm:t>
+        <a:bodyPr/>
+        <a:lstStyle/>
+        <a:p>
+          <a:endParaRPr lang="en-US" b="0"/>
+        </a:p>
+      </dgm:t>
+    </dgm:pt>
+    <dgm:pt modelId="{46644A12-61EF-421C-AD66-692EB805B048}">
+      <dgm:prSet/>
+      <dgm:spPr/>
+      <dgm:t>
+        <a:bodyPr/>
+        <a:lstStyle/>
+        <a:p>
+          <a:r>
+            <a:rPr lang="en-US" b="0" dirty="0" smtClean="0"/>
+            <a:t>Analyze </a:t>
+          </a:r>
+          <a:r>
+            <a:rPr lang="en-US" b="1" dirty="0" smtClean="0"/>
+            <a:t>FDIR</a:t>
+          </a:r>
+          <a:r>
+            <a:rPr lang="en-US" b="0" dirty="0" smtClean="0"/>
+            <a:t> architectural approaches made through </a:t>
+          </a:r>
+          <a:r>
+            <a:rPr lang="en-US" b="1" dirty="0" smtClean="0"/>
+            <a:t>ACME </a:t>
+          </a:r>
+          <a:endParaRPr lang="en-US" b="1" dirty="0"/>
+        </a:p>
+      </dgm:t>
+    </dgm:pt>
+    <dgm:pt modelId="{35E85560-6E83-44EA-9448-56A5205AD6C1}" type="parTrans" cxnId="{5A2D9707-AF4A-4D04-BA81-68EC61602565}">
+      <dgm:prSet/>
+      <dgm:spPr/>
+      <dgm:t>
+        <a:bodyPr/>
+        <a:lstStyle/>
+        <a:p>
+          <a:endParaRPr lang="en-US" b="0"/>
+        </a:p>
+      </dgm:t>
+    </dgm:pt>
+    <dgm:pt modelId="{A54C44D6-097E-487C-A2C6-13DCB3A2A27E}" type="sibTrans" cxnId="{5A2D9707-AF4A-4D04-BA81-68EC61602565}">
+      <dgm:prSet/>
+      <dgm:spPr/>
+      <dgm:t>
+        <a:bodyPr/>
+        <a:lstStyle/>
+        <a:p>
+          <a:endParaRPr lang="en-US" b="0"/>
+        </a:p>
+      </dgm:t>
+    </dgm:pt>
+    <dgm:pt modelId="{0748FFA0-8B6F-4C0E-B3E0-2D39A1C0DFB1}">
+      <dgm:prSet/>
+      <dgm:spPr/>
+      <dgm:t>
+        <a:bodyPr/>
+        <a:lstStyle/>
+        <a:p>
+          <a:r>
+            <a:rPr lang="en-US" b="0" dirty="0" smtClean="0"/>
+            <a:t>Present </a:t>
+          </a:r>
+          <a:r>
+            <a:rPr lang="en-US" b="1" dirty="0" smtClean="0"/>
+            <a:t>FDIR</a:t>
+          </a:r>
+          <a:r>
+            <a:rPr lang="en-US" b="0" dirty="0" smtClean="0"/>
+            <a:t> ATAM assessment results</a:t>
+          </a:r>
+          <a:endParaRPr lang="en-US" b="0" dirty="0"/>
+        </a:p>
+      </dgm:t>
+    </dgm:pt>
+    <dgm:pt modelId="{450C8141-9176-442F-8EF4-AFAE2D1881BD}" type="parTrans" cxnId="{68D3BAA2-15F8-4006-A5BE-B4B786D822A7}">
+      <dgm:prSet/>
+      <dgm:spPr/>
+      <dgm:t>
+        <a:bodyPr/>
+        <a:lstStyle/>
+        <a:p>
+          <a:endParaRPr lang="en-US" b="0"/>
+        </a:p>
+      </dgm:t>
+    </dgm:pt>
+    <dgm:pt modelId="{93ED563D-E879-4D90-9F83-BEFEEC3EE7B4}" type="sibTrans" cxnId="{68D3BAA2-15F8-4006-A5BE-B4B786D822A7}">
+      <dgm:prSet/>
+      <dgm:spPr/>
+      <dgm:t>
+        <a:bodyPr/>
+        <a:lstStyle/>
+        <a:p>
+          <a:endParaRPr lang="en-US" b="0"/>
+        </a:p>
+      </dgm:t>
+    </dgm:pt>
+    <dgm:pt modelId="{8EF861FA-3808-4B5F-A394-808F8FCA844F}">
+      <dgm:prSet phldrT="[Texte]"/>
+      <dgm:spPr/>
+      <dgm:t>
+        <a:bodyPr/>
+        <a:lstStyle/>
+        <a:p>
+          <a:r>
+            <a:rPr lang="en-US" b="0" dirty="0" smtClean="0"/>
+            <a:t>Present the ATAM </a:t>
+          </a:r>
+          <a:endParaRPr lang="en-US" b="0" dirty="0"/>
+        </a:p>
+      </dgm:t>
+    </dgm:pt>
+    <dgm:pt modelId="{FB5620C7-30F0-4575-8788-F4FABCD0AD2A}" type="sibTrans" cxnId="{5338633B-903A-4BDB-9C83-8156BF28794B}">
+      <dgm:prSet/>
+      <dgm:spPr/>
+      <dgm:t>
+        <a:bodyPr/>
+        <a:lstStyle/>
+        <a:p>
+          <a:endParaRPr lang="en-US" b="0"/>
+        </a:p>
+      </dgm:t>
+    </dgm:pt>
+    <dgm:pt modelId="{C8FCB78E-4FD8-48A8-9856-964CFB82D6DE}" type="parTrans" cxnId="{5338633B-903A-4BDB-9C83-8156BF28794B}">
+      <dgm:prSet/>
+      <dgm:spPr/>
+      <dgm:t>
+        <a:bodyPr/>
+        <a:lstStyle/>
+        <a:p>
+          <a:endParaRPr lang="en-US" b="0"/>
+        </a:p>
+      </dgm:t>
+    </dgm:pt>
+    <dgm:pt modelId="{BCF9926A-63CD-4519-B280-55D6BCE32101}" type="pres">
+      <dgm:prSet presAssocID="{E2468726-E2C5-4CAB-A87E-212CDACC1D39}" presName="linearFlow" presStyleCnt="0">
+        <dgm:presLayoutVars>
+          <dgm:dir/>
+          <dgm:animLvl val="lvl"/>
+          <dgm:resizeHandles val="exact"/>
+        </dgm:presLayoutVars>
+      </dgm:prSet>
+      <dgm:spPr/>
+      <dgm:t>
+        <a:bodyPr/>
+        <a:lstStyle/>
+        <a:p>
+          <a:endParaRPr lang="fr-FR"/>
+        </a:p>
+      </dgm:t>
+    </dgm:pt>
+    <dgm:pt modelId="{B685A86D-C3FF-4C29-81CB-ECEFC3F9CA2E}" type="pres">
+      <dgm:prSet presAssocID="{C5C4F80A-ADCA-43BF-ACC9-3F5C75B9E216}" presName="composite" presStyleCnt="0"/>
+      <dgm:spPr/>
+      <dgm:t>
+        <a:bodyPr/>
+        <a:lstStyle/>
+        <a:p>
+          <a:endParaRPr lang="fr-FR"/>
+        </a:p>
+      </dgm:t>
+    </dgm:pt>
+    <dgm:pt modelId="{A8EFB1D0-AFE1-4ABB-998F-BC8F5022F6DE}" type="pres">
+      <dgm:prSet presAssocID="{C5C4F80A-ADCA-43BF-ACC9-3F5C75B9E216}" presName="parentText" presStyleLbl="alignNode1" presStyleIdx="0" presStyleCnt="9">
+        <dgm:presLayoutVars>
+          <dgm:chMax val="1"/>
+          <dgm:bulletEnabled val="1"/>
+        </dgm:presLayoutVars>
+      </dgm:prSet>
+      <dgm:spPr/>
+      <dgm:t>
+        <a:bodyPr/>
+        <a:lstStyle/>
+        <a:p>
+          <a:endParaRPr lang="fr-FR"/>
+        </a:p>
+      </dgm:t>
+    </dgm:pt>
+    <dgm:pt modelId="{7D4674C8-3BBD-4727-A37D-F0C903662B5E}" type="pres">
+      <dgm:prSet presAssocID="{C5C4F80A-ADCA-43BF-ACC9-3F5C75B9E216}" presName="descendantText" presStyleLbl="alignAcc1" presStyleIdx="0" presStyleCnt="9">
+        <dgm:presLayoutVars>
+          <dgm:bulletEnabled val="1"/>
+        </dgm:presLayoutVars>
+      </dgm:prSet>
+      <dgm:spPr/>
+      <dgm:t>
+        <a:bodyPr/>
+        <a:lstStyle/>
+        <a:p>
+          <a:endParaRPr lang="en-US"/>
+        </a:p>
+      </dgm:t>
+    </dgm:pt>
+    <dgm:pt modelId="{3DB66672-19AD-4748-9181-A079BB18C4FC}" type="pres">
+      <dgm:prSet presAssocID="{0EA00AD6-FC62-420D-BF9A-DA8D83DA3EE4}" presName="sp" presStyleCnt="0"/>
+      <dgm:spPr/>
+      <dgm:t>
+        <a:bodyPr/>
+        <a:lstStyle/>
+        <a:p>
+          <a:endParaRPr lang="fr-FR"/>
+        </a:p>
+      </dgm:t>
+    </dgm:pt>
+    <dgm:pt modelId="{9DA3AA2C-EA36-459C-BB04-E859C5805F51}" type="pres">
+      <dgm:prSet presAssocID="{89DC5C5C-4497-464A-BEDD-3EC8F5FBE9CF}" presName="composite" presStyleCnt="0"/>
+      <dgm:spPr/>
+      <dgm:t>
+        <a:bodyPr/>
+        <a:lstStyle/>
+        <a:p>
+          <a:endParaRPr lang="fr-FR"/>
+        </a:p>
+      </dgm:t>
+    </dgm:pt>
+    <dgm:pt modelId="{60ADE2E7-EE22-4F1B-B618-0810AEAB69CF}" type="pres">
+      <dgm:prSet presAssocID="{89DC5C5C-4497-464A-BEDD-3EC8F5FBE9CF}" presName="parentText" presStyleLbl="alignNode1" presStyleIdx="1" presStyleCnt="9">
+        <dgm:presLayoutVars>
+          <dgm:chMax val="1"/>
+          <dgm:bulletEnabled val="1"/>
+        </dgm:presLayoutVars>
+      </dgm:prSet>
+      <dgm:spPr/>
+      <dgm:t>
+        <a:bodyPr/>
+        <a:lstStyle/>
+        <a:p>
+          <a:endParaRPr lang="fr-FR"/>
+        </a:p>
+      </dgm:t>
+    </dgm:pt>
+    <dgm:pt modelId="{504D6305-7D78-4993-9F6D-D86EC1407DE3}" type="pres">
+      <dgm:prSet presAssocID="{89DC5C5C-4497-464A-BEDD-3EC8F5FBE9CF}" presName="descendantText" presStyleLbl="alignAcc1" presStyleIdx="1" presStyleCnt="9">
+        <dgm:presLayoutVars>
+          <dgm:bulletEnabled val="1"/>
+        </dgm:presLayoutVars>
+      </dgm:prSet>
+      <dgm:spPr/>
+      <dgm:t>
+        <a:bodyPr/>
+        <a:lstStyle/>
+        <a:p>
+          <a:endParaRPr lang="en-US"/>
+        </a:p>
+      </dgm:t>
+    </dgm:pt>
+    <dgm:pt modelId="{13EE3A4B-ECED-4353-BCE6-D95F8976A538}" type="pres">
+      <dgm:prSet presAssocID="{BC99A5B3-4005-45EE-819F-3100434DD236}" presName="sp" presStyleCnt="0"/>
+      <dgm:spPr/>
+      <dgm:t>
+        <a:bodyPr/>
+        <a:lstStyle/>
+        <a:p>
+          <a:endParaRPr lang="fr-FR"/>
+        </a:p>
+      </dgm:t>
+    </dgm:pt>
+    <dgm:pt modelId="{1A6E4B5F-9628-4EE5-9B6D-EBDBE6103752}" type="pres">
+      <dgm:prSet presAssocID="{6D29025B-7E9E-4523-984D-758507BDFCD3}" presName="composite" presStyleCnt="0"/>
+      <dgm:spPr/>
+      <dgm:t>
+        <a:bodyPr/>
+        <a:lstStyle/>
+        <a:p>
+          <a:endParaRPr lang="fr-FR"/>
+        </a:p>
+      </dgm:t>
+    </dgm:pt>
+    <dgm:pt modelId="{098EBCC1-266D-4A29-8BA8-958004418245}" type="pres">
+      <dgm:prSet presAssocID="{6D29025B-7E9E-4523-984D-758507BDFCD3}" presName="parentText" presStyleLbl="alignNode1" presStyleIdx="2" presStyleCnt="9">
+        <dgm:presLayoutVars>
+          <dgm:chMax val="1"/>
+          <dgm:bulletEnabled val="1"/>
+        </dgm:presLayoutVars>
+      </dgm:prSet>
+      <dgm:spPr/>
+      <dgm:t>
+        <a:bodyPr/>
+        <a:lstStyle/>
+        <a:p>
+          <a:endParaRPr lang="fr-FR"/>
+        </a:p>
+      </dgm:t>
+    </dgm:pt>
+    <dgm:pt modelId="{02AC38D5-023A-4A73-950E-DD6AFA43F046}" type="pres">
+      <dgm:prSet presAssocID="{6D29025B-7E9E-4523-984D-758507BDFCD3}" presName="descendantText" presStyleLbl="alignAcc1" presStyleIdx="2" presStyleCnt="9">
+        <dgm:presLayoutVars>
+          <dgm:bulletEnabled val="1"/>
+        </dgm:presLayoutVars>
+      </dgm:prSet>
+      <dgm:spPr/>
+      <dgm:t>
+        <a:bodyPr/>
+        <a:lstStyle/>
+        <a:p>
+          <a:endParaRPr lang="en-US"/>
+        </a:p>
+      </dgm:t>
+    </dgm:pt>
+    <dgm:pt modelId="{89028E1F-40B5-40FC-8281-CB6E0D7C24F4}" type="pres">
+      <dgm:prSet presAssocID="{26943680-5C60-48D5-A0AE-54064428B433}" presName="sp" presStyleCnt="0"/>
+      <dgm:spPr/>
+      <dgm:t>
+        <a:bodyPr/>
+        <a:lstStyle/>
+        <a:p>
+          <a:endParaRPr lang="fr-FR"/>
+        </a:p>
+      </dgm:t>
+    </dgm:pt>
+    <dgm:pt modelId="{6750A149-C2C9-4CDE-B7C2-BCBF6D0F039F}" type="pres">
+      <dgm:prSet presAssocID="{3C486B70-D3FE-4970-B9B5-CA2D8B6F3EEE}" presName="composite" presStyleCnt="0"/>
+      <dgm:spPr/>
+      <dgm:t>
+        <a:bodyPr/>
+        <a:lstStyle/>
+        <a:p>
+          <a:endParaRPr lang="fr-FR"/>
+        </a:p>
+      </dgm:t>
+    </dgm:pt>
+    <dgm:pt modelId="{69ABBA2A-1B53-4120-8B56-E28A6169C332}" type="pres">
+      <dgm:prSet presAssocID="{3C486B70-D3FE-4970-B9B5-CA2D8B6F3EEE}" presName="parentText" presStyleLbl="alignNode1" presStyleIdx="3" presStyleCnt="9">
+        <dgm:presLayoutVars>
+          <dgm:chMax val="1"/>
+          <dgm:bulletEnabled val="1"/>
+        </dgm:presLayoutVars>
+      </dgm:prSet>
+      <dgm:spPr/>
+      <dgm:t>
+        <a:bodyPr/>
+        <a:lstStyle/>
+        <a:p>
+          <a:endParaRPr lang="fr-FR"/>
+        </a:p>
+      </dgm:t>
+    </dgm:pt>
+    <dgm:pt modelId="{E62D6163-FD5E-4FC3-8631-1DE5C8F0E4FD}" type="pres">
+      <dgm:prSet presAssocID="{3C486B70-D3FE-4970-B9B5-CA2D8B6F3EEE}" presName="descendantText" presStyleLbl="alignAcc1" presStyleIdx="3" presStyleCnt="9">
+        <dgm:presLayoutVars>
+          <dgm:bulletEnabled val="1"/>
+        </dgm:presLayoutVars>
+      </dgm:prSet>
+      <dgm:spPr/>
+      <dgm:t>
+        <a:bodyPr/>
+        <a:lstStyle/>
+        <a:p>
+          <a:endParaRPr lang="fr-FR"/>
+        </a:p>
+      </dgm:t>
+    </dgm:pt>
+    <dgm:pt modelId="{EC6ADB9B-8157-4831-985B-061683CC1EEB}" type="pres">
+      <dgm:prSet presAssocID="{954CD116-88A4-41A9-ACFA-9224822CD487}" presName="sp" presStyleCnt="0"/>
+      <dgm:spPr/>
+      <dgm:t>
+        <a:bodyPr/>
+        <a:lstStyle/>
+        <a:p>
+          <a:endParaRPr lang="fr-FR"/>
+        </a:p>
+      </dgm:t>
+    </dgm:pt>
+    <dgm:pt modelId="{FC01F299-D96D-4F48-8A0E-C1D0E7F9525F}" type="pres">
+      <dgm:prSet presAssocID="{9EFC650E-4E74-4F71-8B71-A5F227EAD719}" presName="composite" presStyleCnt="0"/>
+      <dgm:spPr/>
+      <dgm:t>
+        <a:bodyPr/>
+        <a:lstStyle/>
+        <a:p>
+          <a:endParaRPr lang="fr-FR"/>
+        </a:p>
+      </dgm:t>
+    </dgm:pt>
+    <dgm:pt modelId="{C0B70794-7FBF-4132-BE23-89D055D34807}" type="pres">
+      <dgm:prSet presAssocID="{9EFC650E-4E74-4F71-8B71-A5F227EAD719}" presName="parentText" presStyleLbl="alignNode1" presStyleIdx="4" presStyleCnt="9">
+        <dgm:presLayoutVars>
+          <dgm:chMax val="1"/>
+          <dgm:bulletEnabled val="1"/>
+        </dgm:presLayoutVars>
+      </dgm:prSet>
+      <dgm:spPr/>
+      <dgm:t>
+        <a:bodyPr/>
+        <a:lstStyle/>
+        <a:p>
+          <a:endParaRPr lang="fr-FR"/>
+        </a:p>
+      </dgm:t>
+    </dgm:pt>
+    <dgm:pt modelId="{CBA989B8-077B-4FBE-A07C-9D242D152BED}" type="pres">
+      <dgm:prSet presAssocID="{9EFC650E-4E74-4F71-8B71-A5F227EAD719}" presName="descendantText" presStyleLbl="alignAcc1" presStyleIdx="4" presStyleCnt="9">
+        <dgm:presLayoutVars>
+          <dgm:bulletEnabled val="1"/>
+        </dgm:presLayoutVars>
+      </dgm:prSet>
+      <dgm:spPr/>
+      <dgm:t>
+        <a:bodyPr/>
+        <a:lstStyle/>
+        <a:p>
+          <a:endParaRPr lang="fr-FR"/>
+        </a:p>
+      </dgm:t>
+    </dgm:pt>
+    <dgm:pt modelId="{A69712B6-3920-4DDC-8BD9-68FEA667200E}" type="pres">
+      <dgm:prSet presAssocID="{6A8EEF53-32BB-4548-A55F-A1ECF75EEE06}" presName="sp" presStyleCnt="0"/>
+      <dgm:spPr/>
+      <dgm:t>
+        <a:bodyPr/>
+        <a:lstStyle/>
+        <a:p>
+          <a:endParaRPr lang="fr-FR"/>
+        </a:p>
+      </dgm:t>
+    </dgm:pt>
+    <dgm:pt modelId="{93541746-2B73-45D7-A371-2F578D68E6B7}" type="pres">
+      <dgm:prSet presAssocID="{CD622641-F3D4-45C1-9D46-EA5724F7F5F3}" presName="composite" presStyleCnt="0"/>
+      <dgm:spPr/>
+      <dgm:t>
+        <a:bodyPr/>
+        <a:lstStyle/>
+        <a:p>
+          <a:endParaRPr lang="fr-FR"/>
+        </a:p>
+      </dgm:t>
+    </dgm:pt>
+    <dgm:pt modelId="{215AEA54-2758-4555-8621-D6B3E55C1C40}" type="pres">
+      <dgm:prSet presAssocID="{CD622641-F3D4-45C1-9D46-EA5724F7F5F3}" presName="parentText" presStyleLbl="alignNode1" presStyleIdx="5" presStyleCnt="9">
+        <dgm:presLayoutVars>
+          <dgm:chMax val="1"/>
+          <dgm:bulletEnabled val="1"/>
+        </dgm:presLayoutVars>
+      </dgm:prSet>
+      <dgm:spPr/>
+      <dgm:t>
+        <a:bodyPr/>
+        <a:lstStyle/>
+        <a:p>
+          <a:endParaRPr lang="fr-FR"/>
+        </a:p>
+      </dgm:t>
+    </dgm:pt>
+    <dgm:pt modelId="{D5B43576-7BA0-48C9-B6FC-680D13C3B8E5}" type="pres">
+      <dgm:prSet presAssocID="{CD622641-F3D4-45C1-9D46-EA5724F7F5F3}" presName="descendantText" presStyleLbl="alignAcc1" presStyleIdx="5" presStyleCnt="9">
+        <dgm:presLayoutVars>
+          <dgm:bulletEnabled val="1"/>
+        </dgm:presLayoutVars>
+      </dgm:prSet>
+      <dgm:spPr/>
+      <dgm:t>
+        <a:bodyPr/>
+        <a:lstStyle/>
+        <a:p>
+          <a:endParaRPr lang="en-US"/>
+        </a:p>
+      </dgm:t>
+    </dgm:pt>
+    <dgm:pt modelId="{FBBC8427-C78E-450F-BD2D-D925572D4B55}" type="pres">
+      <dgm:prSet presAssocID="{0926A5F9-BDB5-4FED-B681-48EAB9DE1C17}" presName="sp" presStyleCnt="0"/>
+      <dgm:spPr/>
+      <dgm:t>
+        <a:bodyPr/>
+        <a:lstStyle/>
+        <a:p>
+          <a:endParaRPr lang="fr-FR"/>
+        </a:p>
+      </dgm:t>
+    </dgm:pt>
+    <dgm:pt modelId="{BA02F535-A28B-4D0C-A498-43764D7F217A}" type="pres">
+      <dgm:prSet presAssocID="{A3E414CC-462E-4214-ABF4-C1F7D6637270}" presName="composite" presStyleCnt="0"/>
+      <dgm:spPr/>
+      <dgm:t>
+        <a:bodyPr/>
+        <a:lstStyle/>
+        <a:p>
+          <a:endParaRPr lang="fr-FR"/>
+        </a:p>
+      </dgm:t>
+    </dgm:pt>
+    <dgm:pt modelId="{A896D615-4805-490D-88BB-D96DE1A517B9}" type="pres">
+      <dgm:prSet presAssocID="{A3E414CC-462E-4214-ABF4-C1F7D6637270}" presName="parentText" presStyleLbl="alignNode1" presStyleIdx="6" presStyleCnt="9">
+        <dgm:presLayoutVars>
+          <dgm:chMax val="1"/>
+          <dgm:bulletEnabled val="1"/>
+        </dgm:presLayoutVars>
+      </dgm:prSet>
+      <dgm:spPr/>
+      <dgm:t>
+        <a:bodyPr/>
+        <a:lstStyle/>
+        <a:p>
+          <a:endParaRPr lang="fr-FR"/>
+        </a:p>
+      </dgm:t>
+    </dgm:pt>
+    <dgm:pt modelId="{E2098CAB-8FA0-4A3B-9077-802A97F44736}" type="pres">
+      <dgm:prSet presAssocID="{A3E414CC-462E-4214-ABF4-C1F7D6637270}" presName="descendantText" presStyleLbl="alignAcc1" presStyleIdx="6" presStyleCnt="9">
+        <dgm:presLayoutVars>
+          <dgm:bulletEnabled val="1"/>
+        </dgm:presLayoutVars>
+      </dgm:prSet>
+      <dgm:spPr/>
+      <dgm:t>
+        <a:bodyPr/>
+        <a:lstStyle/>
+        <a:p>
+          <a:endParaRPr lang="fr-FR"/>
+        </a:p>
+      </dgm:t>
+    </dgm:pt>
+    <dgm:pt modelId="{25C8FA7B-98D6-49F3-B221-E7D84FFA4AE3}" type="pres">
+      <dgm:prSet presAssocID="{2DC9A183-3F70-48B9-9D32-D893FC32B4EA}" presName="sp" presStyleCnt="0"/>
+      <dgm:spPr/>
+      <dgm:t>
+        <a:bodyPr/>
+        <a:lstStyle/>
+        <a:p>
+          <a:endParaRPr lang="fr-FR"/>
+        </a:p>
+      </dgm:t>
+    </dgm:pt>
+    <dgm:pt modelId="{EBB15920-05D6-476B-8ADE-253C9F0867B5}" type="pres">
+      <dgm:prSet presAssocID="{2F387301-5DE6-45E2-82CF-0968614BE5FA}" presName="composite" presStyleCnt="0"/>
+      <dgm:spPr/>
+      <dgm:t>
+        <a:bodyPr/>
+        <a:lstStyle/>
+        <a:p>
+          <a:endParaRPr lang="fr-FR"/>
+        </a:p>
+      </dgm:t>
+    </dgm:pt>
+    <dgm:pt modelId="{425E8F97-BAF5-4DED-8FE7-DD5A3C7B24FE}" type="pres">
+      <dgm:prSet presAssocID="{2F387301-5DE6-45E2-82CF-0968614BE5FA}" presName="parentText" presStyleLbl="alignNode1" presStyleIdx="7" presStyleCnt="9">
+        <dgm:presLayoutVars>
+          <dgm:chMax val="1"/>
+          <dgm:bulletEnabled val="1"/>
+        </dgm:presLayoutVars>
+      </dgm:prSet>
+      <dgm:spPr/>
+      <dgm:t>
+        <a:bodyPr/>
+        <a:lstStyle/>
+        <a:p>
+          <a:endParaRPr lang="fr-FR"/>
+        </a:p>
+      </dgm:t>
+    </dgm:pt>
+    <dgm:pt modelId="{5E8AA695-8E16-481C-8474-78940AF4C855}" type="pres">
+      <dgm:prSet presAssocID="{2F387301-5DE6-45E2-82CF-0968614BE5FA}" presName="descendantText" presStyleLbl="alignAcc1" presStyleIdx="7" presStyleCnt="9">
+        <dgm:presLayoutVars>
+          <dgm:bulletEnabled val="1"/>
+        </dgm:presLayoutVars>
+      </dgm:prSet>
+      <dgm:spPr/>
+      <dgm:t>
+        <a:bodyPr/>
+        <a:lstStyle/>
+        <a:p>
+          <a:endParaRPr lang="fr-FR"/>
+        </a:p>
+      </dgm:t>
+    </dgm:pt>
+    <dgm:pt modelId="{D23A7527-3485-49CA-BC1C-D76A47930A6B}" type="pres">
+      <dgm:prSet presAssocID="{F166C28F-508C-4106-9681-D94CE212568D}" presName="sp" presStyleCnt="0"/>
+      <dgm:spPr/>
+      <dgm:t>
+        <a:bodyPr/>
+        <a:lstStyle/>
+        <a:p>
+          <a:endParaRPr lang="fr-FR"/>
+        </a:p>
+      </dgm:t>
+    </dgm:pt>
+    <dgm:pt modelId="{C61F94FF-537C-4844-B009-E922E46B74CA}" type="pres">
+      <dgm:prSet presAssocID="{40BE8CB0-D409-4286-83A7-7CB88975B308}" presName="composite" presStyleCnt="0"/>
+      <dgm:spPr/>
+      <dgm:t>
+        <a:bodyPr/>
+        <a:lstStyle/>
+        <a:p>
+          <a:endParaRPr lang="fr-FR"/>
+        </a:p>
+      </dgm:t>
+    </dgm:pt>
+    <dgm:pt modelId="{0EC195B2-5C88-4735-92E1-811CE7167169}" type="pres">
+      <dgm:prSet presAssocID="{40BE8CB0-D409-4286-83A7-7CB88975B308}" presName="parentText" presStyleLbl="alignNode1" presStyleIdx="8" presStyleCnt="9">
+        <dgm:presLayoutVars>
+          <dgm:chMax val="1"/>
+          <dgm:bulletEnabled val="1"/>
+        </dgm:presLayoutVars>
+      </dgm:prSet>
+      <dgm:spPr/>
+      <dgm:t>
+        <a:bodyPr/>
+        <a:lstStyle/>
+        <a:p>
+          <a:endParaRPr lang="fr-FR"/>
+        </a:p>
+      </dgm:t>
+    </dgm:pt>
+    <dgm:pt modelId="{14B4288F-6627-46EB-BCBA-12FAAE9CB246}" type="pres">
+      <dgm:prSet presAssocID="{40BE8CB0-D409-4286-83A7-7CB88975B308}" presName="descendantText" presStyleLbl="alignAcc1" presStyleIdx="8" presStyleCnt="9">
+        <dgm:presLayoutVars>
+          <dgm:bulletEnabled val="1"/>
+        </dgm:presLayoutVars>
+      </dgm:prSet>
+      <dgm:spPr/>
+      <dgm:t>
+        <a:bodyPr/>
+        <a:lstStyle/>
+        <a:p>
+          <a:endParaRPr lang="fr-FR"/>
+        </a:p>
+      </dgm:t>
+    </dgm:pt>
+  </dgm:ptLst>
+  <dgm:cxnLst>
+    <dgm:cxn modelId="{F3F541E3-3AC5-46F7-B08F-6758B52CE593}" type="presOf" srcId="{BD27B93E-B34D-4D94-A918-74D1D64A6C14}" destId="{CBA989B8-077B-4FBE-A07C-9D242D152BED}" srcOrd="0" destOrd="0" presId="urn:microsoft.com/office/officeart/2005/8/layout/chevron2"/>
+    <dgm:cxn modelId="{9DAA08A4-A91A-44AC-B193-A84C18935570}" type="presOf" srcId="{9EFC650E-4E74-4F71-8B71-A5F227EAD719}" destId="{C0B70794-7FBF-4132-BE23-89D055D34807}" srcOrd="0" destOrd="0" presId="urn:microsoft.com/office/officeart/2005/8/layout/chevron2"/>
+    <dgm:cxn modelId="{793EA126-6F5C-46C8-882C-EDD084FA1D44}" type="presOf" srcId="{A3E414CC-462E-4214-ABF4-C1F7D6637270}" destId="{A896D615-4805-490D-88BB-D96DE1A517B9}" srcOrd="0" destOrd="0" presId="urn:microsoft.com/office/officeart/2005/8/layout/chevron2"/>
+    <dgm:cxn modelId="{5A2D9707-AF4A-4D04-BA81-68EC61602565}" srcId="{2F387301-5DE6-45E2-82CF-0968614BE5FA}" destId="{46644A12-61EF-421C-AD66-692EB805B048}" srcOrd="0" destOrd="0" parTransId="{35E85560-6E83-44EA-9448-56A5205AD6C1}" sibTransId="{A54C44D6-097E-487C-A2C6-13DCB3A2A27E}"/>
+    <dgm:cxn modelId="{C5530A6B-DBCA-4005-A741-B86D7C8E4CD0}" srcId="{E2468726-E2C5-4CAB-A87E-212CDACC1D39}" destId="{3C486B70-D3FE-4970-B9B5-CA2D8B6F3EEE}" srcOrd="3" destOrd="0" parTransId="{1865F844-472F-4BB6-934F-E2B53C1A4B4A}" sibTransId="{954CD116-88A4-41A9-ACFA-9224822CD487}"/>
+    <dgm:cxn modelId="{B9523A68-4F00-460A-8002-F0FD15126617}" type="presOf" srcId="{67D24913-09F9-4F86-B612-DD5C4945B52C}" destId="{504D6305-7D78-4993-9F6D-D86EC1407DE3}" srcOrd="0" destOrd="0" presId="urn:microsoft.com/office/officeart/2005/8/layout/chevron2"/>
+    <dgm:cxn modelId="{B38D4A8E-B380-4D2D-BA3E-8DE081FDADD8}" type="presOf" srcId="{14D14EFE-6C54-446C-82B7-D64794AE17D7}" destId="{D5B43576-7BA0-48C9-B6FC-680D13C3B8E5}" srcOrd="0" destOrd="0" presId="urn:microsoft.com/office/officeart/2005/8/layout/chevron2"/>
+    <dgm:cxn modelId="{155FF36C-D1D1-4E9A-97E6-351EC663800D}" srcId="{A3E414CC-462E-4214-ABF4-C1F7D6637270}" destId="{64FD7011-1C57-4ACA-8B55-9E1489E37311}" srcOrd="0" destOrd="0" parTransId="{239C5B33-9642-4B50-B044-E5ADAC9B3A5B}" sibTransId="{F2B8F262-6CDC-45CF-A7C1-BBEAE54DB4FF}"/>
+    <dgm:cxn modelId="{33DAEF7E-4D59-4850-956F-63DDE3670D88}" type="presOf" srcId="{0748FFA0-8B6F-4C0E-B3E0-2D39A1C0DFB1}" destId="{14B4288F-6627-46EB-BCBA-12FAAE9CB246}" srcOrd="0" destOrd="0" presId="urn:microsoft.com/office/officeart/2005/8/layout/chevron2"/>
+    <dgm:cxn modelId="{7D9D60E3-B3CE-487C-87B6-1952040B6B2D}" type="presOf" srcId="{3C486B70-D3FE-4970-B9B5-CA2D8B6F3EEE}" destId="{69ABBA2A-1B53-4120-8B56-E28A6169C332}" srcOrd="0" destOrd="0" presId="urn:microsoft.com/office/officeart/2005/8/layout/chevron2"/>
+    <dgm:cxn modelId="{43E1100A-C06A-4844-A3FB-7AC650E6A408}" srcId="{89DC5C5C-4497-464A-BEDD-3EC8F5FBE9CF}" destId="{67D24913-09F9-4F86-B612-DD5C4945B52C}" srcOrd="0" destOrd="0" parTransId="{9EBA8817-F214-4A4A-8083-1932E61E2620}" sibTransId="{35782166-5978-4FA5-A3B1-A5A139C2A91E}"/>
+    <dgm:cxn modelId="{F0C337C6-B59E-4B34-A7F5-15F19690AD5D}" srcId="{E2468726-E2C5-4CAB-A87E-212CDACC1D39}" destId="{2F387301-5DE6-45E2-82CF-0968614BE5FA}" srcOrd="7" destOrd="0" parTransId="{D17231D7-E093-4F5A-AF59-EE031F2F0593}" sibTransId="{F166C28F-508C-4106-9681-D94CE212568D}"/>
+    <dgm:cxn modelId="{0AF3FEC9-FF76-4F6F-B6D2-D035790D3CC3}" srcId="{E2468726-E2C5-4CAB-A87E-212CDACC1D39}" destId="{6D29025B-7E9E-4523-984D-758507BDFCD3}" srcOrd="2" destOrd="0" parTransId="{98E63EB7-8DC2-4823-A8ED-76A44E5AAA61}" sibTransId="{26943680-5C60-48D5-A0AE-54064428B433}"/>
+    <dgm:cxn modelId="{1999F0E4-4B7B-4510-940C-9C0DE723E021}" type="presOf" srcId="{7FE59F3C-D076-40C7-967F-EE61C565D313}" destId="{E62D6163-FD5E-4FC3-8631-1DE5C8F0E4FD}" srcOrd="0" destOrd="0" presId="urn:microsoft.com/office/officeart/2005/8/layout/chevron2"/>
+    <dgm:cxn modelId="{867FF0A1-1E21-4983-BE14-1B41F3AC1B1C}" type="presOf" srcId="{8EF861FA-3808-4B5F-A394-808F8FCA844F}" destId="{7D4674C8-3BBD-4727-A37D-F0C903662B5E}" srcOrd="0" destOrd="0" presId="urn:microsoft.com/office/officeart/2005/8/layout/chevron2"/>
+    <dgm:cxn modelId="{F6E4618F-7761-4514-901D-26E9C6E1D509}" type="presOf" srcId="{40BE8CB0-D409-4286-83A7-7CB88975B308}" destId="{0EC195B2-5C88-4735-92E1-811CE7167169}" srcOrd="0" destOrd="0" presId="urn:microsoft.com/office/officeart/2005/8/layout/chevron2"/>
+    <dgm:cxn modelId="{E9BAE26F-1DE9-46E9-B7A4-7CCF8A3DEAA2}" srcId="{6D29025B-7E9E-4523-984D-758507BDFCD3}" destId="{1C17E32D-E5BC-4650-8F69-5E37774C067C}" srcOrd="0" destOrd="0" parTransId="{4875A793-05FF-4D44-8D6C-DD5183DF0AE2}" sibTransId="{2CFB2501-97A8-4E13-9605-3255509F9738}"/>
+    <dgm:cxn modelId="{7DAE6E9F-F8CB-41FE-8919-8AD5795003D6}" type="presOf" srcId="{CD622641-F3D4-45C1-9D46-EA5724F7F5F3}" destId="{215AEA54-2758-4555-8621-D6B3E55C1C40}" srcOrd="0" destOrd="0" presId="urn:microsoft.com/office/officeart/2005/8/layout/chevron2"/>
+    <dgm:cxn modelId="{3C263098-B760-43C3-95B5-9BE6A9EF7735}" type="presOf" srcId="{2F387301-5DE6-45E2-82CF-0968614BE5FA}" destId="{425E8F97-BAF5-4DED-8FE7-DD5A3C7B24FE}" srcOrd="0" destOrd="0" presId="urn:microsoft.com/office/officeart/2005/8/layout/chevron2"/>
+    <dgm:cxn modelId="{A1DE459D-B6BC-46EF-8A41-2386560A3AC7}" type="presOf" srcId="{6D29025B-7E9E-4523-984D-758507BDFCD3}" destId="{098EBCC1-266D-4A29-8BA8-958004418245}" srcOrd="0" destOrd="0" presId="urn:microsoft.com/office/officeart/2005/8/layout/chevron2"/>
+    <dgm:cxn modelId="{68D3BAA2-15F8-4006-A5BE-B4B786D822A7}" srcId="{40BE8CB0-D409-4286-83A7-7CB88975B308}" destId="{0748FFA0-8B6F-4C0E-B3E0-2D39A1C0DFB1}" srcOrd="0" destOrd="0" parTransId="{450C8141-9176-442F-8EF4-AFAE2D1881BD}" sibTransId="{93ED563D-E879-4D90-9F83-BEFEEC3EE7B4}"/>
+    <dgm:cxn modelId="{818D575C-8B00-47BF-9FB0-01AC297B5103}" srcId="{E2468726-E2C5-4CAB-A87E-212CDACC1D39}" destId="{40BE8CB0-D409-4286-83A7-7CB88975B308}" srcOrd="8" destOrd="0" parTransId="{218DB297-C48E-4DC0-B2A0-7DDEB3A91740}" sibTransId="{3CBC6FE4-05EB-4B7A-BC6E-F620CDC26D86}"/>
+    <dgm:cxn modelId="{A79E98CC-09A3-4F97-98DE-A21F8B76EDD2}" srcId="{E2468726-E2C5-4CAB-A87E-212CDACC1D39}" destId="{89DC5C5C-4497-464A-BEDD-3EC8F5FBE9CF}" srcOrd="1" destOrd="0" parTransId="{7B53E502-3A0A-46DE-BA83-A92D956A35B6}" sibTransId="{BC99A5B3-4005-45EE-819F-3100434DD236}"/>
+    <dgm:cxn modelId="{AE25BFBC-910C-4E31-9ED2-82851BA20954}" type="presOf" srcId="{46644A12-61EF-421C-AD66-692EB805B048}" destId="{5E8AA695-8E16-481C-8474-78940AF4C855}" srcOrd="0" destOrd="0" presId="urn:microsoft.com/office/officeart/2005/8/layout/chevron2"/>
+    <dgm:cxn modelId="{AF333052-B43F-4C14-B3CC-C21383155209}" srcId="{E2468726-E2C5-4CAB-A87E-212CDACC1D39}" destId="{9EFC650E-4E74-4F71-8B71-A5F227EAD719}" srcOrd="4" destOrd="0" parTransId="{43776194-2C2D-490F-A5F9-279D000771CA}" sibTransId="{6A8EEF53-32BB-4548-A55F-A1ECF75EEE06}"/>
+    <dgm:cxn modelId="{A201BCCE-6BA6-4F0C-BD3A-2CDA0C9535F4}" srcId="{E2468726-E2C5-4CAB-A87E-212CDACC1D39}" destId="{C5C4F80A-ADCA-43BF-ACC9-3F5C75B9E216}" srcOrd="0" destOrd="0" parTransId="{D4A6EDEB-7925-4265-839A-BA2463961342}" sibTransId="{0EA00AD6-FC62-420D-BF9A-DA8D83DA3EE4}"/>
+    <dgm:cxn modelId="{5338633B-903A-4BDB-9C83-8156BF28794B}" srcId="{C5C4F80A-ADCA-43BF-ACC9-3F5C75B9E216}" destId="{8EF861FA-3808-4B5F-A394-808F8FCA844F}" srcOrd="0" destOrd="0" parTransId="{C8FCB78E-4FD8-48A8-9856-964CFB82D6DE}" sibTransId="{FB5620C7-30F0-4575-8788-F4FABCD0AD2A}"/>
+    <dgm:cxn modelId="{EF9CFEAC-15CD-4113-8A27-AB753E92F767}" srcId="{E2468726-E2C5-4CAB-A87E-212CDACC1D39}" destId="{CD622641-F3D4-45C1-9D46-EA5724F7F5F3}" srcOrd="5" destOrd="0" parTransId="{AF39D6AE-DF6D-4C47-ACCC-662597F8BB6F}" sibTransId="{0926A5F9-BDB5-4FED-B681-48EAB9DE1C17}"/>
+    <dgm:cxn modelId="{116F7FA3-6FE2-41F6-BF0F-F43C5AAD7EC8}" type="presOf" srcId="{E2468726-E2C5-4CAB-A87E-212CDACC1D39}" destId="{BCF9926A-63CD-4519-B280-55D6BCE32101}" srcOrd="0" destOrd="0" presId="urn:microsoft.com/office/officeart/2005/8/layout/chevron2"/>
+    <dgm:cxn modelId="{D0B4141B-6B34-4986-ADB4-F44AF9735ABF}" type="presOf" srcId="{64FD7011-1C57-4ACA-8B55-9E1489E37311}" destId="{E2098CAB-8FA0-4A3B-9077-802A97F44736}" srcOrd="0" destOrd="0" presId="urn:microsoft.com/office/officeart/2005/8/layout/chevron2"/>
+    <dgm:cxn modelId="{1C9AED06-CB88-475C-9B49-660AD14E02B6}" srcId="{9EFC650E-4E74-4F71-8B71-A5F227EAD719}" destId="{BD27B93E-B34D-4D94-A918-74D1D64A6C14}" srcOrd="0" destOrd="0" parTransId="{DB14A2D9-EAC3-4267-BC9F-F4906C7E45DA}" sibTransId="{8F3DB2B2-E264-4F2C-AA2B-9D47A95229A0}"/>
+    <dgm:cxn modelId="{4EFB58CA-56B5-48BA-B167-FCD2349FE277}" srcId="{3C486B70-D3FE-4970-B9B5-CA2D8B6F3EEE}" destId="{7FE59F3C-D076-40C7-967F-EE61C565D313}" srcOrd="0" destOrd="0" parTransId="{35B1ED5D-72B5-4938-80B2-CB585C375170}" sibTransId="{8C9A28DC-BA0D-4CC9-A380-0D01F4F09DBC}"/>
+    <dgm:cxn modelId="{69028F9B-46A5-4396-B9F2-2AF19881C5A1}" srcId="{E2468726-E2C5-4CAB-A87E-212CDACC1D39}" destId="{A3E414CC-462E-4214-ABF4-C1F7D6637270}" srcOrd="6" destOrd="0" parTransId="{5592D795-FC4F-454C-A7B8-F2901236367A}" sibTransId="{2DC9A183-3F70-48B9-9D32-D893FC32B4EA}"/>
+    <dgm:cxn modelId="{B74F6906-0A09-49D0-B608-F229D009720F}" type="presOf" srcId="{C5C4F80A-ADCA-43BF-ACC9-3F5C75B9E216}" destId="{A8EFB1D0-AFE1-4ABB-998F-BC8F5022F6DE}" srcOrd="0" destOrd="0" presId="urn:microsoft.com/office/officeart/2005/8/layout/chevron2"/>
+    <dgm:cxn modelId="{D36E4064-F18F-4E10-8939-9ED02493D39C}" type="presOf" srcId="{89DC5C5C-4497-464A-BEDD-3EC8F5FBE9CF}" destId="{60ADE2E7-EE22-4F1B-B618-0810AEAB69CF}" srcOrd="0" destOrd="0" presId="urn:microsoft.com/office/officeart/2005/8/layout/chevron2"/>
+    <dgm:cxn modelId="{C0E0ABB1-1575-41A5-AFD3-4C9A275C5B6C}" srcId="{CD622641-F3D4-45C1-9D46-EA5724F7F5F3}" destId="{14D14EFE-6C54-446C-82B7-D64794AE17D7}" srcOrd="0" destOrd="0" parTransId="{7AE9206E-8A2E-4C39-84FF-A8A7385F1A2C}" sibTransId="{A4470B5C-C5A0-4303-8418-A3D8FB37E33F}"/>
+    <dgm:cxn modelId="{30D374BB-B7F3-43A8-88FC-846A17E18913}" type="presOf" srcId="{1C17E32D-E5BC-4650-8F69-5E37774C067C}" destId="{02AC38D5-023A-4A73-950E-DD6AFA43F046}" srcOrd="0" destOrd="0" presId="urn:microsoft.com/office/officeart/2005/8/layout/chevron2"/>
+    <dgm:cxn modelId="{70C35891-BA24-4657-951C-8CD57A954841}" type="presParOf" srcId="{BCF9926A-63CD-4519-B280-55D6BCE32101}" destId="{B685A86D-C3FF-4C29-81CB-ECEFC3F9CA2E}" srcOrd="0" destOrd="0" presId="urn:microsoft.com/office/officeart/2005/8/layout/chevron2"/>
+    <dgm:cxn modelId="{49542AAC-850E-4A9B-A886-97AB3E99DC12}" type="presParOf" srcId="{B685A86D-C3FF-4C29-81CB-ECEFC3F9CA2E}" destId="{A8EFB1D0-AFE1-4ABB-998F-BC8F5022F6DE}" srcOrd="0" destOrd="0" presId="urn:microsoft.com/office/officeart/2005/8/layout/chevron2"/>
+    <dgm:cxn modelId="{5A784973-6D9F-4A5A-A9E1-4105436C3360}" type="presParOf" srcId="{B685A86D-C3FF-4C29-81CB-ECEFC3F9CA2E}" destId="{7D4674C8-3BBD-4727-A37D-F0C903662B5E}" srcOrd="1" destOrd="0" presId="urn:microsoft.com/office/officeart/2005/8/layout/chevron2"/>
+    <dgm:cxn modelId="{419BE2F5-F72B-4637-BE06-8B2064D85F30}" type="presParOf" srcId="{BCF9926A-63CD-4519-B280-55D6BCE32101}" destId="{3DB66672-19AD-4748-9181-A079BB18C4FC}" srcOrd="1" destOrd="0" presId="urn:microsoft.com/office/officeart/2005/8/layout/chevron2"/>
+    <dgm:cxn modelId="{60044768-01CF-41FD-8166-1BE94B6F0FB7}" type="presParOf" srcId="{BCF9926A-63CD-4519-B280-55D6BCE32101}" destId="{9DA3AA2C-EA36-459C-BB04-E859C5805F51}" srcOrd="2" destOrd="0" presId="urn:microsoft.com/office/officeart/2005/8/layout/chevron2"/>
+    <dgm:cxn modelId="{91E2C07F-46E5-4479-9D97-98FA8FBFC856}" type="presParOf" srcId="{9DA3AA2C-EA36-459C-BB04-E859C5805F51}" destId="{60ADE2E7-EE22-4F1B-B618-0810AEAB69CF}" srcOrd="0" destOrd="0" presId="urn:microsoft.com/office/officeart/2005/8/layout/chevron2"/>
+    <dgm:cxn modelId="{23A7B7A9-7803-4865-A8FB-F237029334D3}" type="presParOf" srcId="{9DA3AA2C-EA36-459C-BB04-E859C5805F51}" destId="{504D6305-7D78-4993-9F6D-D86EC1407DE3}" srcOrd="1" destOrd="0" presId="urn:microsoft.com/office/officeart/2005/8/layout/chevron2"/>
+    <dgm:cxn modelId="{A387F083-D1C6-4F2B-9D20-530E6C9A191D}" type="presParOf" srcId="{BCF9926A-63CD-4519-B280-55D6BCE32101}" destId="{13EE3A4B-ECED-4353-BCE6-D95F8976A538}" srcOrd="3" destOrd="0" presId="urn:microsoft.com/office/officeart/2005/8/layout/chevron2"/>
+    <dgm:cxn modelId="{818E491F-EFB8-4550-8682-A5A3B975C3F4}" type="presParOf" srcId="{BCF9926A-63CD-4519-B280-55D6BCE32101}" destId="{1A6E4B5F-9628-4EE5-9B6D-EBDBE6103752}" srcOrd="4" destOrd="0" presId="urn:microsoft.com/office/officeart/2005/8/layout/chevron2"/>
+    <dgm:cxn modelId="{949C068E-B86A-43B4-A2AC-33DAC04370B1}" type="presParOf" srcId="{1A6E4B5F-9628-4EE5-9B6D-EBDBE6103752}" destId="{098EBCC1-266D-4A29-8BA8-958004418245}" srcOrd="0" destOrd="0" presId="urn:microsoft.com/office/officeart/2005/8/layout/chevron2"/>
+    <dgm:cxn modelId="{F5268352-B57C-48E9-9FE6-16A6818D66A4}" type="presParOf" srcId="{1A6E4B5F-9628-4EE5-9B6D-EBDBE6103752}" destId="{02AC38D5-023A-4A73-950E-DD6AFA43F046}" srcOrd="1" destOrd="0" presId="urn:microsoft.com/office/officeart/2005/8/layout/chevron2"/>
+    <dgm:cxn modelId="{CBAEB6C0-A914-4135-983D-4EB02DAEA079}" type="presParOf" srcId="{BCF9926A-63CD-4519-B280-55D6BCE32101}" destId="{89028E1F-40B5-40FC-8281-CB6E0D7C24F4}" srcOrd="5" destOrd="0" presId="urn:microsoft.com/office/officeart/2005/8/layout/chevron2"/>
+    <dgm:cxn modelId="{F04690D9-ACEF-407B-B099-33987695F064}" type="presParOf" srcId="{BCF9926A-63CD-4519-B280-55D6BCE32101}" destId="{6750A149-C2C9-4CDE-B7C2-BCBF6D0F039F}" srcOrd="6" destOrd="0" presId="urn:microsoft.com/office/officeart/2005/8/layout/chevron2"/>
+    <dgm:cxn modelId="{2F9EDEC3-E234-48EF-907B-1C8B0419DB69}" type="presParOf" srcId="{6750A149-C2C9-4CDE-B7C2-BCBF6D0F039F}" destId="{69ABBA2A-1B53-4120-8B56-E28A6169C332}" srcOrd="0" destOrd="0" presId="urn:microsoft.com/office/officeart/2005/8/layout/chevron2"/>
+    <dgm:cxn modelId="{2B3BD920-117F-4190-BE9D-AC369A413C51}" type="presParOf" srcId="{6750A149-C2C9-4CDE-B7C2-BCBF6D0F039F}" destId="{E62D6163-FD5E-4FC3-8631-1DE5C8F0E4FD}" srcOrd="1" destOrd="0" presId="urn:microsoft.com/office/officeart/2005/8/layout/chevron2"/>
+    <dgm:cxn modelId="{7B391101-08CA-4818-B499-AD76C52A71C3}" type="presParOf" srcId="{BCF9926A-63CD-4519-B280-55D6BCE32101}" destId="{EC6ADB9B-8157-4831-985B-061683CC1EEB}" srcOrd="7" destOrd="0" presId="urn:microsoft.com/office/officeart/2005/8/layout/chevron2"/>
+    <dgm:cxn modelId="{6661D321-5A1F-417F-9FA4-6BF2188B0D0E}" type="presParOf" srcId="{BCF9926A-63CD-4519-B280-55D6BCE32101}" destId="{FC01F299-D96D-4F48-8A0E-C1D0E7F9525F}" srcOrd="8" destOrd="0" presId="urn:microsoft.com/office/officeart/2005/8/layout/chevron2"/>
+    <dgm:cxn modelId="{3F57B298-C44D-4D4E-8B9D-708D2FFD06DA}" type="presParOf" srcId="{FC01F299-D96D-4F48-8A0E-C1D0E7F9525F}" destId="{C0B70794-7FBF-4132-BE23-89D055D34807}" srcOrd="0" destOrd="0" presId="urn:microsoft.com/office/officeart/2005/8/layout/chevron2"/>
+    <dgm:cxn modelId="{5E860194-F1EE-4E19-8958-2FD1120EFD7D}" type="presParOf" srcId="{FC01F299-D96D-4F48-8A0E-C1D0E7F9525F}" destId="{CBA989B8-077B-4FBE-A07C-9D242D152BED}" srcOrd="1" destOrd="0" presId="urn:microsoft.com/office/officeart/2005/8/layout/chevron2"/>
+    <dgm:cxn modelId="{101760FD-A860-49CE-9926-B91FC91DBB2B}" type="presParOf" srcId="{BCF9926A-63CD-4519-B280-55D6BCE32101}" destId="{A69712B6-3920-4DDC-8BD9-68FEA667200E}" srcOrd="9" destOrd="0" presId="urn:microsoft.com/office/officeart/2005/8/layout/chevron2"/>
+    <dgm:cxn modelId="{B2C2420E-CB04-4DA1-A286-C446146E9E01}" type="presParOf" srcId="{BCF9926A-63CD-4519-B280-55D6BCE32101}" destId="{93541746-2B73-45D7-A371-2F578D68E6B7}" srcOrd="10" destOrd="0" presId="urn:microsoft.com/office/officeart/2005/8/layout/chevron2"/>
+    <dgm:cxn modelId="{E24E27D6-CD2C-4008-A874-47772B2FFB23}" type="presParOf" srcId="{93541746-2B73-45D7-A371-2F578D68E6B7}" destId="{215AEA54-2758-4555-8621-D6B3E55C1C40}" srcOrd="0" destOrd="0" presId="urn:microsoft.com/office/officeart/2005/8/layout/chevron2"/>
+    <dgm:cxn modelId="{87D73238-70DB-40BB-ADBA-6EF138E1CC86}" type="presParOf" srcId="{93541746-2B73-45D7-A371-2F578D68E6B7}" destId="{D5B43576-7BA0-48C9-B6FC-680D13C3B8E5}" srcOrd="1" destOrd="0" presId="urn:microsoft.com/office/officeart/2005/8/layout/chevron2"/>
+    <dgm:cxn modelId="{B58A286A-A531-4F0C-B4B0-683B176D0611}" type="presParOf" srcId="{BCF9926A-63CD-4519-B280-55D6BCE32101}" destId="{FBBC8427-C78E-450F-BD2D-D925572D4B55}" srcOrd="11" destOrd="0" presId="urn:microsoft.com/office/officeart/2005/8/layout/chevron2"/>
+    <dgm:cxn modelId="{32C5040B-9B96-4394-B830-3BC56BB7C6F5}" type="presParOf" srcId="{BCF9926A-63CD-4519-B280-55D6BCE32101}" destId="{BA02F535-A28B-4D0C-A498-43764D7F217A}" srcOrd="12" destOrd="0" presId="urn:microsoft.com/office/officeart/2005/8/layout/chevron2"/>
+    <dgm:cxn modelId="{6881E6B2-0A45-4F00-B3A3-D15F638DBF66}" type="presParOf" srcId="{BA02F535-A28B-4D0C-A498-43764D7F217A}" destId="{A896D615-4805-490D-88BB-D96DE1A517B9}" srcOrd="0" destOrd="0" presId="urn:microsoft.com/office/officeart/2005/8/layout/chevron2"/>
+    <dgm:cxn modelId="{245A01C9-882F-4FFA-9724-3C736A95CA85}" type="presParOf" srcId="{BA02F535-A28B-4D0C-A498-43764D7F217A}" destId="{E2098CAB-8FA0-4A3B-9077-802A97F44736}" srcOrd="1" destOrd="0" presId="urn:microsoft.com/office/officeart/2005/8/layout/chevron2"/>
+    <dgm:cxn modelId="{94A0B469-FEF0-4DE7-BC09-8B43C070DFC1}" type="presParOf" srcId="{BCF9926A-63CD-4519-B280-55D6BCE32101}" destId="{25C8FA7B-98D6-49F3-B221-E7D84FFA4AE3}" srcOrd="13" destOrd="0" presId="urn:microsoft.com/office/officeart/2005/8/layout/chevron2"/>
+    <dgm:cxn modelId="{0A7408A4-16E3-495B-AF03-731CBF26A898}" type="presParOf" srcId="{BCF9926A-63CD-4519-B280-55D6BCE32101}" destId="{EBB15920-05D6-476B-8ADE-253C9F0867B5}" srcOrd="14" destOrd="0" presId="urn:microsoft.com/office/officeart/2005/8/layout/chevron2"/>
+    <dgm:cxn modelId="{6C85A50B-8B81-448F-8761-14E037BDB0F0}" type="presParOf" srcId="{EBB15920-05D6-476B-8ADE-253C9F0867B5}" destId="{425E8F97-BAF5-4DED-8FE7-DD5A3C7B24FE}" srcOrd="0" destOrd="0" presId="urn:microsoft.com/office/officeart/2005/8/layout/chevron2"/>
+    <dgm:cxn modelId="{46341988-827D-4A77-8BB2-BB841F409D12}" type="presParOf" srcId="{EBB15920-05D6-476B-8ADE-253C9F0867B5}" destId="{5E8AA695-8E16-481C-8474-78940AF4C855}" srcOrd="1" destOrd="0" presId="urn:microsoft.com/office/officeart/2005/8/layout/chevron2"/>
+    <dgm:cxn modelId="{CB2C812B-F1DC-4D99-B388-F209BF348CD5}" type="presParOf" srcId="{BCF9926A-63CD-4519-B280-55D6BCE32101}" destId="{D23A7527-3485-49CA-BC1C-D76A47930A6B}" srcOrd="15" destOrd="0" presId="urn:microsoft.com/office/officeart/2005/8/layout/chevron2"/>
+    <dgm:cxn modelId="{1842B961-CC08-48DC-A67F-46579882F78A}" type="presParOf" srcId="{BCF9926A-63CD-4519-B280-55D6BCE32101}" destId="{C61F94FF-537C-4844-B009-E922E46B74CA}" srcOrd="16" destOrd="0" presId="urn:microsoft.com/office/officeart/2005/8/layout/chevron2"/>
+    <dgm:cxn modelId="{8A2CDC71-F547-4600-91B2-1A7AC6520F44}" type="presParOf" srcId="{C61F94FF-537C-4844-B009-E922E46B74CA}" destId="{0EC195B2-5C88-4735-92E1-811CE7167169}" srcOrd="0" destOrd="0" presId="urn:microsoft.com/office/officeart/2005/8/layout/chevron2"/>
+    <dgm:cxn modelId="{ED247610-1D2E-46F7-8226-F8DFC131B8A8}" type="presParOf" srcId="{C61F94FF-537C-4844-B009-E922E46B74CA}" destId="{14B4288F-6627-46EB-BCBA-12FAAE9CB246}" srcOrd="1" destOrd="0" presId="urn:microsoft.com/office/officeart/2005/8/layout/chevron2"/>
+  </dgm:cxnLst>
+  <dgm:bg/>
+  <dgm:whole/>
+</dgm:dataModel>
+</file>
+
+<file path=ppt/diagrams/layout1.xml><?xml version="1.0" encoding="utf-8"?>
+<dgm:layoutDef xmlns:dgm="http://schemas.openxmlformats.org/drawingml/2006/diagram" xmlns:a="http://schemas.openxmlformats.org/drawingml/2006/main" uniqueId="urn:microsoft.com/office/officeart/2005/8/layout/chevron2">
+  <dgm:title val=""/>
+  <dgm:desc val=""/>
+  <dgm:catLst>
+    <dgm:cat type="process" pri="12000"/>
+    <dgm:cat type="list" pri="16000"/>
+    <dgm:cat type="convert" pri="11000"/>
+  </dgm:catLst>
+  <dgm:sampData>
+    <dgm:dataModel>
+      <dgm:ptLst>
+        <dgm:pt modelId="0" type="doc"/>
+        <dgm:pt modelId="1">
+          <dgm:prSet phldr="1"/>
+        </dgm:pt>
+        <dgm:pt modelId="11">
+          <dgm:prSet phldr="1"/>
+        </dgm:pt>
+        <dgm:pt modelId="12">
+          <dgm:prSet phldr="1"/>
+        </dgm:pt>
+        <dgm:pt modelId="2">
+          <dgm:prSet phldr="1"/>
+        </dgm:pt>
+        <dgm:pt modelId="21">
+          <dgm:prSet phldr="1"/>
+        </dgm:pt>
+        <dgm:pt modelId="22">
+          <dgm:prSet phldr="1"/>
+        </dgm:pt>
+        <dgm:pt modelId="3">
+          <dgm:prSet phldr="1"/>
+        </dgm:pt>
+        <dgm:pt modelId="31">
+          <dgm:prSet phldr="1"/>
+        </dgm:pt>
+        <dgm:pt modelId="32">
+          <dgm:prSet phldr="1"/>
+        </dgm:pt>
+      </dgm:ptLst>
+      <dgm:cxnLst>
+        <dgm:cxn modelId="4" srcId="0" destId="1" srcOrd="0" destOrd="0"/>
+        <dgm:cxn modelId="5" srcId="0" destId="2" srcOrd="1" destOrd="0"/>
+        <dgm:cxn modelId="6" srcId="0" destId="3" srcOrd="2" destOrd="0"/>
+        <dgm:cxn modelId="13" srcId="1" destId="11" srcOrd="0" destOrd="0"/>
+        <dgm:cxn modelId="14" srcId="1" destId="12" srcOrd="1" destOrd="0"/>
+        <dgm:cxn modelId="23" srcId="2" destId="21" srcOrd="0" destOrd="0"/>
+        <dgm:cxn modelId="24" srcId="2" destId="22" srcOrd="1" destOrd="0"/>
+        <dgm:cxn modelId="33" srcId="3" destId="31" srcOrd="0" destOrd="0"/>
+        <dgm:cxn modelId="34" srcId="3" destId="32" srcOrd="1" destOrd="0"/>
+      </dgm:cxnLst>
+      <dgm:bg/>
+      <dgm:whole/>
+    </dgm:dataModel>
+  </dgm:sampData>
+  <dgm:styleData>
+    <dgm:dataModel>
+      <dgm:ptLst>
+        <dgm:pt modelId="0" type="doc"/>
+        <dgm:pt modelId="1"/>
+      </dgm:ptLst>
+      <dgm:cxnLst>
+        <dgm:cxn modelId="4" srcId="0" destId="1" srcOrd="0" destOrd="0"/>
+      </dgm:cxnLst>
+      <dgm:bg/>
+      <dgm:whole/>
+    </dgm:dataModel>
+  </dgm:styleData>
+  <dgm:clrData>
+    <dgm:dataModel>
+      <dgm:ptLst>
+        <dgm:pt modelId="0" type="doc"/>
+        <dgm:pt modelId="1"/>
+        <dgm:pt modelId="11"/>
+        <dgm:pt modelId="2"/>
+        <dgm:pt modelId="21"/>
+        <dgm:pt modelId="3"/>
+        <dgm:pt modelId="31"/>
+        <dgm:pt modelId="4"/>
+        <dgm:pt modelId="41"/>
+      </dgm:ptLst>
+      <dgm:cxnLst>
+        <dgm:cxn modelId="5" srcId="0" destId="1" srcOrd="0" destOrd="0"/>
+        <dgm:cxn modelId="6" srcId="0" destId="2" srcOrd="1" destOrd="0"/>
+        <dgm:cxn modelId="7" srcId="0" destId="3" srcOrd="2" destOrd="0"/>
+        <dgm:cxn modelId="8" srcId="0" destId="4" srcOrd="3" destOrd="0"/>
+        <dgm:cxn modelId="13" srcId="1" destId="11" srcOrd="0" destOrd="0"/>
+        <dgm:cxn modelId="23" srcId="2" destId="21" srcOrd="0" destOrd="0"/>
+        <dgm:cxn modelId="33" srcId="3" destId="31" srcOrd="0" destOrd="0"/>
+        <dgm:cxn modelId="43" srcId="4" destId="41" srcOrd="0" destOrd="0"/>
+      </dgm:cxnLst>
+      <dgm:bg/>
+      <dgm:whole/>
+    </dgm:dataModel>
+  </dgm:clrData>
+  <dgm:layoutNode name="linearFlow">
+    <dgm:varLst>
+      <dgm:dir/>
+      <dgm:animLvl val="lvl"/>
+      <dgm:resizeHandles val="exact"/>
+    </dgm:varLst>
+    <dgm:alg type="lin">
+      <dgm:param type="linDir" val="fromT"/>
+      <dgm:param type="nodeHorzAlign" val="l"/>
+    </dgm:alg>
+    <dgm:shape xmlns:r="http://schemas.openxmlformats.org/officeDocument/2006/relationships" r:blip="">
+      <dgm:adjLst/>
+    </dgm:shape>
+    <dgm:presOf/>
+    <dgm:constrLst>
+      <dgm:constr type="h" for="ch" forName="composite" refType="h"/>
+      <dgm:constr type="w" for="ch" forName="composite" refType="w"/>
+      <dgm:constr type="h" for="des" forName="parentText" op="equ"/>
+      <dgm:constr type="h" for="ch" forName="sp" val="-14.88"/>
+      <dgm:constr type="h" for="ch" forName="sp" refType="w" refFor="des" refForName="parentText" op="gte" fact="-0.3"/>
+      <dgm:constr type="primFontSz" for="des" forName="parentText" op="equ" val="65"/>
+      <dgm:constr type="primFontSz" for="des" forName="descendantText" op="equ" val="65"/>
+    </dgm:constrLst>
+    <dgm:ruleLst/>
+    <dgm:forEach name="Name0" axis="ch" ptType="node">
+      <dgm:layoutNode name="composite">
+        <dgm:alg type="composite"/>
+        <dgm:shape xmlns:r="http://schemas.openxmlformats.org/officeDocument/2006/relationships" r:blip="">
+          <dgm:adjLst/>
+        </dgm:shape>
+        <dgm:presOf/>
+        <dgm:choose name="Name1">
+          <dgm:if name="Name2" func="var" arg="dir" op="equ" val="norm">
+            <dgm:constrLst>
+              <dgm:constr type="t" for="ch" forName="parentText"/>
+              <dgm:constr type="l" for="ch" forName="parentText"/>
+              <dgm:constr type="w" for="ch" forName="parentText" refType="w" fact="0.4"/>
+              <dgm:constr type="h" for="ch" forName="parentText" refType="h"/>
+              <dgm:constr type="w" for="ch" forName="parentText" refType="w" op="lte" fact="0.5"/>
+              <dgm:constr type="w" for="ch" forName="parentText" refType="h" refFor="ch" refForName="parentText" op="lte" fact="0.7"/>
+              <dgm:constr type="h" for="ch" forName="parentText" refType="w" refFor="ch" refForName="parentText" op="lte" fact="3"/>
+              <dgm:constr type="l" for="ch" forName="descendantText" refType="w" refFor="ch" refForName="parentText"/>
+              <dgm:constr type="w" for="ch" forName="descendantText" refType="w"/>
+              <dgm:constr type="wOff" for="ch" forName="descendantText" refType="w" refFor="ch" refForName="parentText" fact="-1"/>
+              <dgm:constr type="t" for="ch" forName="descendantText"/>
+              <dgm:constr type="b" for="ch" forName="descendantText" refType="h" refFor="ch" refForName="parentText"/>
+              <dgm:constr type="bOff" for="ch" forName="descendantText" refType="w" refFor="ch" refForName="parentText" fact="-0.5"/>
+            </dgm:constrLst>
+          </dgm:if>
+          <dgm:else name="Name3">
+            <dgm:constrLst>
+              <dgm:constr type="t" for="ch" forName="parentText"/>
+              <dgm:constr type="r" for="ch" forName="parentText" refType="w"/>
+              <dgm:constr type="w" for="ch" forName="parentText" refType="w" fact="0.4"/>
+              <dgm:constr type="h" for="ch" forName="parentText" refType="h"/>
+              <dgm:constr type="w" for="ch" forName="parentText" refType="w" op="lte" fact="0.5"/>
+              <dgm:constr type="w" for="ch" forName="parentText" refType="h" refFor="ch" refForName="parentText" op="lte" fact="0.7"/>
+              <dgm:constr type="h" for="ch" forName="parentText" refType="w" refFor="ch" refForName="parentText" op="lte" fact="3"/>
+              <dgm:constr type="l" for="ch" forName="descendantText"/>
+              <dgm:constr type="w" for="ch" forName="descendantText" refType="w"/>
+              <dgm:constr type="wOff" for="ch" forName="descendantText" refType="w" refFor="ch" refForName="parentText" fact="-1"/>
+              <dgm:constr type="t" for="ch" forName="descendantText"/>
+              <dgm:constr type="b" for="ch" forName="descendantText" refType="h" refFor="ch" refForName="parentText"/>
+              <dgm:constr type="bOff" for="ch" forName="descendantText" refType="w" refFor="ch" refForName="parentText" fact="-0.5"/>
+            </dgm:constrLst>
+          </dgm:else>
+        </dgm:choose>
+        <dgm:ruleLst/>
+        <dgm:layoutNode name="parentText" styleLbl="alignNode1">
+          <dgm:varLst>
+            <dgm:chMax val="1"/>
+            <dgm:bulletEnabled val="1"/>
+          </dgm:varLst>
+          <dgm:alg type="tx"/>
+          <dgm:shape xmlns:r="http://schemas.openxmlformats.org/officeDocument/2006/relationships" rot="90" type="chevron" r:blip="">
+            <dgm:adjLst/>
+          </dgm:shape>
+          <dgm:presOf axis="self" ptType="node"/>
+          <dgm:constrLst>
+            <dgm:constr type="lMarg" refType="primFontSz" fact="0.05"/>
+            <dgm:constr type="rMarg" refType="primFontSz" fact="0.05"/>
+            <dgm:constr type="tMarg" refType="primFontSz" fact="0.05"/>
+            <dgm:constr type="bMarg" refType="primFontSz" fact="0.05"/>
+          </dgm:constrLst>
+          <dgm:ruleLst>
+            <dgm:rule type="h" val="100" fact="NaN" max="NaN"/>
+            <dgm:rule type="primFontSz" val="24" fact="NaN" max="NaN"/>
+            <dgm:rule type="h" val="110" fact="NaN" max="NaN"/>
+            <dgm:rule type="primFontSz" val="18" fact="NaN" max="NaN"/>
+            <dgm:rule type="h" val="INF" fact="NaN" max="NaN"/>
+            <dgm:rule type="primFontSz" val="5" fact="NaN" max="NaN"/>
+          </dgm:ruleLst>
+        </dgm:layoutNode>
+        <dgm:layoutNode name="descendantText" styleLbl="alignAcc1">
+          <dgm:varLst>
+            <dgm:bulletEnabled val="1"/>
+          </dgm:varLst>
+          <dgm:choose name="Name4">
+            <dgm:if name="Name5" func="var" arg="dir" op="equ" val="norm">
+              <dgm:alg type="tx">
+                <dgm:param type="stBulletLvl" val="1"/>
+                <dgm:param type="txAnchorVertCh" val="mid"/>
+              </dgm:alg>
+              <dgm:shape xmlns:r="http://schemas.openxmlformats.org/officeDocument/2006/relationships" rot="90" type="round2SameRect" r:blip="">
+                <dgm:adjLst/>
+              </dgm:shape>
+            </dgm:if>
+            <dgm:else name="Name6">
+              <dgm:alg type="tx">
+                <dgm:param type="stBulletLvl" val="1"/>
+                <dgm:param type="txAnchorVertCh" val="mid"/>
+              </dgm:alg>
+              <dgm:shape xmlns:r="http://schemas.openxmlformats.org/officeDocument/2006/relationships" rot="-90" type="round2SameRect" r:blip="">
+                <dgm:adjLst/>
+              </dgm:shape>
+            </dgm:else>
+          </dgm:choose>
+          <dgm:presOf axis="des" ptType="node"/>
+          <dgm:choose name="Name7">
+            <dgm:if name="Name8" func="var" arg="dir" op="equ" val="norm">
+              <dgm:constrLst>
+                <dgm:constr type="secFontSz" refType="primFontSz"/>
+                <dgm:constr type="tMarg" refType="primFontSz" fact="0.05"/>
+                <dgm:constr type="bMarg" refType="primFontSz" fact="0.05"/>
+                <dgm:constr type="rMarg" refType="primFontSz" fact="0.05"/>
+              </dgm:constrLst>
+            </dgm:if>
+            <dgm:else name="Name9">
+              <dgm:constrLst>
+                <dgm:constr type="secFontSz" refType="primFontSz"/>
+                <dgm:constr type="tMarg" refType="primFontSz" fact="0.05"/>
+                <dgm:constr type="bMarg" refType="primFontSz" fact="0.05"/>
+                <dgm:constr type="lMarg" refType="primFontSz" fact="0.05"/>
+              </dgm:constrLst>
+            </dgm:else>
+          </dgm:choose>
+          <dgm:ruleLst>
+            <dgm:rule type="primFontSz" val="5" fact="NaN" max="NaN"/>
+          </dgm:ruleLst>
+        </dgm:layoutNode>
+      </dgm:layoutNode>
+      <dgm:forEach name="Name10" axis="followSib" ptType="sibTrans" cnt="1">
+        <dgm:layoutNode name="sp">
+          <dgm:alg type="sp"/>
+          <dgm:shape xmlns:r="http://schemas.openxmlformats.org/officeDocument/2006/relationships" r:blip="">
+            <dgm:adjLst/>
+          </dgm:shape>
+          <dgm:presOf axis="self"/>
+          <dgm:constrLst>
+            <dgm:constr type="w" val="1"/>
+            <dgm:constr type="h" val="37.5"/>
+          </dgm:constrLst>
+          <dgm:ruleLst/>
+        </dgm:layoutNode>
+      </dgm:forEach>
+    </dgm:forEach>
+  </dgm:layoutNode>
+</dgm:layoutDef>
+</file>
+
+<file path=ppt/diagrams/quickStyle1.xml><?xml version="1.0" encoding="utf-8"?>
+<dgm:styleDef xmlns:dgm="http://schemas.openxmlformats.org/drawingml/2006/diagram" xmlns:a="http://schemas.openxmlformats.org/drawingml/2006/main" uniqueId="urn:microsoft.com/office/officeart/2005/8/quickstyle/simple4">
+  <dgm:title val=""/>
+  <dgm:desc val=""/>
+  <dgm:catLst>
+    <dgm:cat type="simple" pri="10400"/>
+  </dgm:catLst>
+  <dgm:scene3d>
+    <a:camera prst="orthographicFront"/>
+    <a:lightRig rig="threePt" dir="t"/>
+  </dgm:scene3d>
+  <dgm:styleLbl name="node0">
+    <dgm:scene3d>
+      <a:camera prst="orthographicFront"/>
+      <a:lightRig rig="threePt" dir="t"/>
+    </dgm:scene3d>
+    <dgm:sp3d/>
+    <dgm:txPr/>
+    <dgm:style>
+      <a:lnRef idx="0">
+        <a:scrgbClr r="0" g="0" b="0"/>
+      </a:lnRef>
+      <a:fillRef idx="3">
+        <a:scrgbClr r="0" g="0" b="0"/>
+      </a:fillRef>
+      <a:effectRef idx="2">
+        <a:scrgbClr r="0" g="0" b="0"/>
+      </a:effectRef>
+      <a:fontRef idx="minor">
+        <a:schemeClr val="lt1"/>
+      </a:fontRef>
+    </dgm:style>
+  </dgm:styleLbl>
+  <dgm:styleLbl name="lnNode1">
+    <dgm:scene3d>
+      <a:camera prst="orthographicFront"/>
+      <a:lightRig rig="threePt" dir="t"/>
+    </dgm:scene3d>
+    <dgm:sp3d/>
+    <dgm:txPr/>
+    <dgm:style>
+      <a:lnRef idx="1">
+        <a:scrgbClr r="0" g="0" b="0"/>
+      </a:lnRef>
+      <a:fillRef idx="3">
+        <a:scrgbClr r="0" g="0" b="0"/>
+      </a:fillRef>
+      <a:effectRef idx="2">
+        <a:scrgbClr r="0" g="0" b="0"/>
+      </a:effectRef>
+      <a:fontRef idx="minor">
+        <a:schemeClr val="lt1"/>
+      </a:fontRef>
+    </dgm:style>
+  </dgm:styleLbl>
+  <dgm:styleLbl name="vennNode1">
+    <dgm:scene3d>
+      <a:camera prst="orthographicFront"/>
+      <a:lightRig rig="threePt" dir="t"/>
+    </dgm:scene3d>
+    <dgm:sp3d/>
+    <dgm:txPr/>
+    <dgm:style>
+      <a:lnRef idx="0">
+        <a:scrgbClr r="0" g="0" b="0"/>
+      </a:lnRef>
+      <a:fillRef idx="3">
+        <a:scrgbClr r="0" g="0" b="0"/>
+      </a:fillRef>
+      <a:effectRef idx="0">
+        <a:scrgbClr r="0" g="0" b="0"/>
+      </a:effectRef>
+      <a:fontRef idx="minor">
+        <a:schemeClr val="tx1"/>
+      </a:fontRef>
+    </dgm:style>
+  </dgm:styleLbl>
+  <dgm:styleLbl name="alignNode1">
+    <dgm:scene3d>
+      <a:camera prst="orthographicFront"/>
+      <a:lightRig rig="threePt" dir="t"/>
+    </dgm:scene3d>
+    <dgm:sp3d/>
+    <dgm:txPr/>
+    <dgm:style>
+      <a:lnRef idx="1">
+        <a:scrgbClr r="0" g="0" b="0"/>
+      </a:lnRef>
+      <a:fillRef idx="3">
+        <a:scrgbClr r="0" g="0" b="0"/>
+      </a:fillRef>
+      <a:effectRef idx="2">
+        <a:scrgbClr r="0" g="0" b="0"/>
+      </a:effectRef>
+      <a:fontRef idx="minor">
+        <a:schemeClr val="lt1"/>
+      </a:fontRef>
+    </dgm:style>
+  </dgm:styleLbl>
+  <dgm:styleLbl name="node1">
+    <dgm:scene3d>
+      <a:camera prst="orthographicFront"/>
+      <a:lightRig rig="threePt" dir="t"/>
+    </dgm:scene3d>
+    <dgm:sp3d/>
+    <dgm:txPr/>
+    <dgm:style>
+      <a:lnRef idx="0">
+        <a:scrgbClr r="0" g="0" b="0"/>
+      </a:lnRef>
+      <a:fillRef idx="3">
+        <a:scrgbClr r="0" g="0" b="0"/>
+      </a:fillRef>
+      <a:effectRef idx="2">
+        <a:scrgbClr r="0" g="0" b="0"/>
+      </a:effectRef>
+      <a:fontRef idx="minor">
+        <a:schemeClr val="lt1"/>
+      </a:fontRef>
+    </dgm:style>
+  </dgm:styleLbl>
+  <dgm:styleLbl name="node2">
+    <dgm:scene3d>
+      <a:camera prst="orthographicFront"/>
+      <a:lightRig rig="threePt" dir="t"/>
+    </dgm:scene3d>
+    <dgm:sp3d/>
+    <dgm:txPr/>
+    <dgm:style>
+      <a:lnRef idx="0">
+        <a:scrgbClr r="0" g="0" b="0"/>
+      </a:lnRef>
+      <a:fillRef idx="3">
+        <a:scrgbClr r="0" g="0" b="0"/>
+      </a:fillRef>
+      <a:effectRef idx="2">
+        <a:scrgbClr r="0" g="0" b="0"/>
+      </a:effectRef>
+      <a:fontRef idx="minor">
+        <a:schemeClr val="lt1"/>
+      </a:fontRef>
+    </dgm:style>
+  </dgm:styleLbl>
+  <dgm:styleLbl name="node3">
+    <dgm:scene3d>
+      <a:camera prst="orthographicFront"/>
+      <a:lightRig rig="threePt" dir="t"/>
+    </dgm:scene3d>
+    <dgm:sp3d/>
+    <dgm:txPr/>
+    <dgm:style>
+      <a:lnRef idx="0">
+        <a:scrgbClr r="0" g="0" b="0"/>
+      </a:lnRef>
+      <a:fillRef idx="3">
+        <a:scrgbClr r="0" g="0" b="0"/>
+      </a:fillRef>
+      <a:effectRef idx="2">
+        <a:scrgbClr r="0" g="0" b="0"/>
+      </a:effectRef>
+      <a:fontRef idx="minor">
+        <a:schemeClr val="lt1"/>
+      </a:fontRef>
+    </dgm:style>
+  </dgm:styleLbl>
+  <dgm:styleLbl name="node4">
+    <dgm:scene3d>
+      <a:camera prst="orthographicFront"/>
+      <a:lightRig rig="threePt" dir="t"/>
+    </dgm:scene3d>
+    <dgm:sp3d/>
+    <dgm:txPr/>
+    <dgm:style>
+      <a:lnRef idx="0">
+        <a:scrgbClr r="0" g="0" b="0"/>
+      </a:lnRef>
+      <a:fillRef idx="3">
+        <a:scrgbClr r="0" g="0" b="0"/>
+      </a:fillRef>
+      <a:effectRef idx="2">
+        <a:scrgbClr r="0" g="0" b="0"/>
+      </a:effectRef>
+      <a:fontRef idx="minor">
+        <a:schemeClr val="lt1"/>
+      </a:fontRef>
+    </dgm:style>
+  </dgm:styleLbl>
+  <dgm:styleLbl name="fgImgPlace1">
+    <dgm:scene3d>
+      <a:camera prst="orthographicFront"/>
+      <a:lightRig rig="threePt" dir="t"/>
+    </dgm:scene3d>
+    <dgm:sp3d/>
+    <dgm:txPr/>
+    <dgm:style>
+      <a:lnRef idx="0">
+        <a:scrgbClr r="0" g="0" b="0"/>
+      </a:lnRef>
+      <a:fillRef idx="1">
+        <a:scrgbClr r="0" g="0" b="0"/>
+      </a:fillRef>
+      <a:effectRef idx="2">
+        <a:scrgbClr r="0" g="0" b="0"/>
+      </a:effectRef>
+      <a:fontRef idx="minor"/>
+    </dgm:style>
+  </dgm:styleLbl>
+  <dgm:styleLbl name="alignImgPlace1">
+    <dgm:scene3d>
+      <a:camera prst="orthographicFront"/>
+      <a:lightRig rig="threePt" dir="t"/>
+    </dgm:scene3d>
+    <dgm:sp3d/>
+    <dgm:txPr/>
+    <dgm:style>
+      <a:lnRef idx="0">
+        <a:scrgbClr r="0" g="0" b="0"/>
+      </a:lnRef>
+      <a:fillRef idx="1">
+        <a:scrgbClr r="0" g="0" b="0"/>
+      </a:fillRef>
+      <a:effectRef idx="2">
+        <a:scrgbClr r="0" g="0" b="0"/>
+      </a:effectRef>
+      <a:fontRef idx="minor"/>
+    </dgm:style>
+  </dgm:styleLbl>
+  <dgm:styleLbl name="bgImgPlace1">
+    <dgm:scene3d>
+      <a:camera prst="orthographicFront"/>
+      <a:lightRig rig="threePt" dir="t"/>
+    </dgm:scene3d>
+    <dgm:sp3d/>
+    <dgm:txPr/>
+    <dgm:style>
+      <a:lnRef idx="0">
+        <a:scrgbClr r="0" g="0" b="0"/>
+      </a:lnRef>
+      <a:fillRef idx="1">
+        <a:scrgbClr r="0" g="0" b="0"/>
+      </a:fillRef>
+      <a:effectRef idx="2">
+        <a:scrgbClr r="0" g="0" b="0"/>
+      </a:effectRef>
+      <a:fontRef idx="minor"/>
+    </dgm:style>
+  </dgm:styleLbl>
+  <dgm:styleLbl name="sibTrans2D1">
+    <dgm:scene3d>
+      <a:camera prst="orthographicFront"/>
+      <a:lightRig rig="threePt" dir="t"/>
+    </dgm:scene3d>
+    <dgm:sp3d/>
+    <dgm:txPr/>
+    <dgm:style>
+      <a:lnRef idx="0">
+        <a:scrgbClr r="0" g="0" b="0"/>
+      </a:lnRef>
+      <a:fillRef idx="3">
+        <a:scrgbClr r="0" g="0" b="0"/>
+      </a:fillRef>
+      <a:effectRef idx="2">
+        <a:scrgbClr r="0" g="0" b="0"/>
+      </a:effectRef>
+      <a:fontRef idx="minor">
+        <a:schemeClr val="lt1"/>
+      </a:fontRef>
+    </dgm:style>
+  </dgm:styleLbl>
+  <dgm:styleLbl name="fgSibTrans2D1">
+    <dgm:scene3d>
+      <a:camera prst="orthographicFront"/>
+      <a:lightRig rig="threePt" dir="t"/>
+    </dgm:scene3d>
+    <dgm:sp3d/>
+    <dgm:txPr/>
+    <dgm:style>
+      <a:lnRef idx="0">
+        <a:scrgbClr r="0" g="0" b="0"/>
+      </a:lnRef>
+      <a:fillRef idx="3">
+        <a:scrgbClr r="0" g="0" b="0"/>
+      </a:fillRef>
+      <a:effectRef idx="2">
+        <a:scrgbClr r="0" g="0" b="0"/>
+      </a:effectRef>
+      <a:fontRef idx="minor">
+        <a:schemeClr val="lt1"/>
+      </a:fontRef>
+    </dgm:style>
+  </dgm:styleLbl>
+  <dgm:styleLbl name="bgSibTrans2D1">
+    <dgm:scene3d>
+      <a:camera prst="orthographicFront"/>
+      <a:lightRig rig="threePt" dir="t"/>
+    </dgm:scene3d>
+    <dgm:sp3d/>
+    <dgm:txPr/>
+    <dgm:style>
+      <a:lnRef idx="0">
+        <a:scrgbClr r="0" g="0" b="0"/>
+      </a:lnRef>
+      <a:fillRef idx="3">
+        <a:scrgbClr r="0" g="0" b="0"/>
+      </a:fillRef>
+      <a:effectRef idx="2">
+        <a:scrgbClr r="0" g="0" b="0"/>
+      </a:effectRef>
+      <a:fontRef idx="minor">
+        <a:schemeClr val="lt1"/>
+      </a:fontRef>
+    </dgm:style>
+  </dgm:styleLbl>
+  <dgm:styleLbl name="sibTrans1D1">
+    <dgm:scene3d>
+      <a:camera prst="orthographicFront"/>
+      <a:lightRig rig="threePt" dir="t"/>
+    </dgm:scene3d>
+    <dgm:sp3d/>
+    <dgm:txPr/>
+    <dgm:style>
+      <a:lnRef idx="1">
+        <a:scrgbClr r="0" g="0" b="0"/>
+      </a:lnRef>
+      <a:fillRef idx="0">
+        <a:scrgbClr r="0" g="0" b="0"/>
+      </a:fillRef>
+      <a:effectRef idx="0">
+        <a:scrgbClr r="0" g="0" b="0"/>
+      </a:effectRef>
+      <a:fontRef idx="minor"/>
+    </dgm:style>
+  </dgm:styleLbl>
+  <dgm:styleLbl name="callout">
+    <dgm:scene3d>
+      <a:camera prst="orthographicFront"/>
+      <a:lightRig rig="threePt" dir="t"/>
+    </dgm:scene3d>
+    <dgm:sp3d/>
+    <dgm:txPr/>
+    <dgm:style>
+      <a:lnRef idx="2">
+        <a:scrgbClr r="0" g="0" b="0"/>
+      </a:lnRef>
+      <a:fillRef idx="1">
+        <a:scrgbClr r="0" g="0" b="0"/>
+      </a:fillRef>
+      <a:effectRef idx="1">
+        <a:scrgbClr r="0" g="0" b="0"/>
+      </a:effectRef>
+      <a:fontRef idx="minor"/>
+    </dgm:style>
+  </dgm:styleLbl>
+  <dgm:styleLbl name="asst0">
+    <dgm:scene3d>
+      <a:camera prst="orthographicFront"/>
+      <a:lightRig rig="threePt" dir="t"/>
+    </dgm:scene3d>
+    <dgm:sp3d/>
+    <dgm:txPr/>
+    <dgm:style>
+      <a:lnRef idx="0">
+        <a:scrgbClr r="0" g="0" b="0"/>
+      </a:lnRef>
+      <a:fillRef idx="3">
+        <a:scrgbClr r="0" g="0" b="0"/>
+      </a:fillRef>
+      <a:effectRef idx="2">
+        <a:scrgbClr r="0" g="0" b="0"/>
+      </a:effectRef>
+      <a:fontRef idx="minor">
+        <a:schemeClr val="lt1"/>
+      </a:fontRef>
+    </dgm:style>
+  </dgm:styleLbl>
+  <dgm:styleLbl name="asst1">
+    <dgm:scene3d>
+      <a:camera prst="orthographicFront"/>
+      <a:lightRig rig="threePt" dir="t"/>
+    </dgm:scene3d>
+    <dgm:sp3d/>
+    <dgm:txPr/>
+    <dgm:style>
+      <a:lnRef idx="0">
+        <a:scrgbClr r="0" g="0" b="0"/>
+      </a:lnRef>
+      <a:fillRef idx="3">
+        <a:scrgbClr r="0" g="0" b="0"/>
+      </a:fillRef>
+      <a:effectRef idx="2">
+        <a:scrgbClr r="0" g="0" b="0"/>
+      </a:effectRef>
+      <a:fontRef idx="minor">
+        <a:schemeClr val="lt1"/>
+      </a:fontRef>
+    </dgm:style>
+  </dgm:styleLbl>
+  <dgm:styleLbl name="asst2">
+    <dgm:scene3d>
+      <a:camera prst="orthographicFront"/>
+      <a:lightRig rig="threePt" dir="t"/>
+    </dgm:scene3d>
+    <dgm:sp3d/>
+    <dgm:txPr/>
+    <dgm:style>
+      <a:lnRef idx="0">
+        <a:scrgbClr r="0" g="0" b="0"/>
+      </a:lnRef>
+      <a:fillRef idx="3">
+        <a:scrgbClr r="0" g="0" b="0"/>
+      </a:fillRef>
+      <a:effectRef idx="2">
+        <a:scrgbClr r="0" g="0" b="0"/>
+      </a:effectRef>
+      <a:fontRef idx="minor">
+        <a:schemeClr val="lt1"/>
+      </a:fontRef>
+    </dgm:style>
+  </dgm:styleLbl>
+  <dgm:styleLbl name="asst3">
+    <dgm:scene3d>
+      <a:camera prst="orthographicFront"/>
+      <a:lightRig rig="threePt" dir="t"/>
+    </dgm:scene3d>
+    <dgm:sp3d/>
+    <dgm:txPr/>
+    <dgm:style>
+      <a:lnRef idx="0">
+        <a:scrgbClr r="0" g="0" b="0"/>
+      </a:lnRef>
+      <a:fillRef idx="3">
+        <a:scrgbClr r="0" g="0" b="0"/>
+      </a:fillRef>
+      <a:effectRef idx="2">
+        <a:scrgbClr r="0" g="0" b="0"/>
+      </a:effectRef>
+      <a:fontRef idx="minor">
+        <a:schemeClr val="lt1"/>
+      </a:fontRef>
+    </dgm:style>
+  </dgm:styleLbl>
+  <dgm:styleLbl name="asst4">
+    <dgm:scene3d>
+      <a:camera prst="orthographicFront"/>
+      <a:lightRig rig="threePt" dir="t"/>
+    </dgm:scene3d>
+    <dgm:sp3d/>
+    <dgm:txPr/>
+    <dgm:style>
+      <a:lnRef idx="0">
+        <a:scrgbClr r="0" g="0" b="0"/>
+      </a:lnRef>
+      <a:fillRef idx="3">
+        <a:scrgbClr r="0" g="0" b="0"/>
+      </a:fillRef>
+      <a:effectRef idx="2">
+        <a:scrgbClr r="0" g="0" b="0"/>
+      </a:effectRef>
+      <a:fontRef idx="minor">
+        <a:schemeClr val="lt1"/>
+      </a:fontRef>
+    </dgm:style>
+  </dgm:styleLbl>
+  <dgm:styleLbl name="parChTrans2D1">
+    <dgm:scene3d>
+      <a:camera prst="orthographicFront"/>
+      <a:lightRig rig="threePt" dir="t"/>
+    </dgm:scene3d>
+    <dgm:sp3d/>
+    <dgm:txPr/>
+    <dgm:style>
+      <a:lnRef idx="0">
+        <a:scrgbClr r="0" g="0" b="0"/>
+      </a:lnRef>
+      <a:fillRef idx="3">
+        <a:scrgbClr r="0" g="0" b="0"/>
+      </a:fillRef>
+      <a:effectRef idx="2">
+        <a:scrgbClr r="0" g="0" b="0"/>
+      </a:effectRef>
+      <a:fontRef idx="minor">
+        <a:schemeClr val="lt1"/>
+      </a:fontRef>
+    </dgm:style>
+  </dgm:styleLbl>
+  <dgm:styleLbl name="parChTrans2D2">
+    <dgm:scene3d>
+      <a:camera prst="orthographicFront"/>
+      <a:lightRig rig="threePt" dir="t"/>
+    </dgm:scene3d>
+    <dgm:sp3d/>
+    <dgm:txPr/>
+    <dgm:style>
+      <a:lnRef idx="0">
+        <a:scrgbClr r="0" g="0" b="0"/>
+      </a:lnRef>
+      <a:fillRef idx="3">
+        <a:scrgbClr r="0" g="0" b="0"/>
+      </a:fillRef>
+      <a:effectRef idx="2">
+        <a:scrgbClr r="0" g="0" b="0"/>
+      </a:effectRef>
+      <a:fontRef idx="minor">
+        <a:schemeClr val="lt1"/>
+      </a:fontRef>
+    </dgm:style>
+  </dgm:styleLbl>
+  <dgm:styleLbl name="parChTrans2D3">
+    <dgm:scene3d>
+      <a:camera prst="orthographicFront"/>
+      <a:lightRig rig="threePt" dir="t"/>
+    </dgm:scene3d>
+    <dgm:sp3d/>
+    <dgm:txPr/>
+    <dgm:style>
+      <a:lnRef idx="1">
+        <a:scrgbClr r="0" g="0" b="0"/>
+      </a:lnRef>
+      <a:fillRef idx="3">
+        <a:scrgbClr r="0" g="0" b="0"/>
+      </a:fillRef>
+      <a:effectRef idx="2">
+        <a:scrgbClr r="0" g="0" b="0"/>
+      </a:effectRef>
+      <a:fontRef idx="minor">
+        <a:schemeClr val="lt1"/>
+      </a:fontRef>
+    </dgm:style>
+  </dgm:styleLbl>
+  <dgm:styleLbl name="parChTrans2D4">
+    <dgm:scene3d>
+      <a:camera prst="orthographicFront"/>
+      <a:lightRig rig="threePt" dir="t"/>
+    </dgm:scene3d>
+    <dgm:sp3d/>
+    <dgm:txPr/>
+    <dgm:style>
+      <a:lnRef idx="1">
+        <a:scrgbClr r="0" g="0" b="0"/>
+      </a:lnRef>
+      <a:fillRef idx="3">
+        <a:scrgbClr r="0" g="0" b="0"/>
+      </a:fillRef>
+      <a:effectRef idx="2">
+        <a:scrgbClr r="0" g="0" b="0"/>
+      </a:effectRef>
+      <a:fontRef idx="minor">
+        <a:schemeClr val="lt1"/>
+      </a:fontRef>
+    </dgm:style>
+  </dgm:styleLbl>
+  <dgm:styleLbl name="parChTrans1D1">
+    <dgm:scene3d>
+      <a:camera prst="orthographicFront"/>
+      <a:lightRig rig="threePt" dir="t"/>
+    </dgm:scene3d>
+    <dgm:sp3d/>
+    <dgm:txPr/>
+    <dgm:style>
+      <a:lnRef idx="1">
+        <a:scrgbClr r="0" g="0" b="0"/>
+      </a:lnRef>
+      <a:fillRef idx="0">
+        <a:scrgbClr r="0" g="0" b="0"/>
+      </a:fillRef>
+      <a:effectRef idx="0">
+        <a:scrgbClr r="0" g="0" b="0"/>
+      </a:effectRef>
+      <a:fontRef idx="minor"/>
+    </dgm:style>
+  </dgm:styleLbl>
+  <dgm:styleLbl name="parChTrans1D2">
+    <dgm:scene3d>
+      <a:camera prst="orthographicFront"/>
+      <a:lightRig rig="threePt" dir="t"/>
+    </dgm:scene3d>
+    <dgm:sp3d/>
+    <dgm:txPr/>
+    <dgm:style>
+      <a:lnRef idx="1">
+        <a:scrgbClr r="0" g="0" b="0"/>
+      </a:lnRef>
+      <a:fillRef idx="0">
+        <a:scrgbClr r="0" g="0" b="0"/>
+      </a:fillRef>
+      <a:effectRef idx="0">
+        <a:scrgbClr r="0" g="0" b="0"/>
+      </a:effectRef>
+      <a:fontRef idx="minor"/>
+    </dgm:style>
+  </dgm:styleLbl>
+  <dgm:styleLbl name="parChTrans1D3">
+    <dgm:scene3d>
+      <a:camera prst="orthographicFront"/>
+      <a:lightRig rig="threePt" dir="t"/>
+    </dgm:scene3d>
+    <dgm:sp3d/>
+    <dgm:txPr/>
+    <dgm:style>
+      <a:lnRef idx="1">
+        <a:scrgbClr r="0" g="0" b="0"/>
+      </a:lnRef>
+      <a:fillRef idx="0">
+        <a:scrgbClr r="0" g="0" b="0"/>
+      </a:fillRef>
+      <a:effectRef idx="0">
+        <a:scrgbClr r="0" g="0" b="0"/>
+      </a:effectRef>
+      <a:fontRef idx="minor"/>
+    </dgm:style>
+  </dgm:styleLbl>
+  <dgm:styleLbl name="parChTrans1D4">
+    <dgm:scene3d>
+      <a:camera prst="orthographicFront"/>
+      <a:lightRig rig="threePt" dir="t"/>
+    </dgm:scene3d>
+    <dgm:sp3d/>
+    <dgm:txPr/>
+    <dgm:style>
+      <a:lnRef idx="1">
+        <a:scrgbClr r="0" g="0" b="0"/>
+      </a:lnRef>
+      <a:fillRef idx="0">
+        <a:scrgbClr r="0" g="0" b="0"/>
+      </a:fillRef>
+      <a:effectRef idx="0">
+        <a:scrgbClr r="0" g="0" b="0"/>
+      </a:effectRef>
+      <a:fontRef idx="minor"/>
+    </dgm:style>
+  </dgm:styleLbl>
+  <dgm:styleLbl name="fgAcc1">
+    <dgm:scene3d>
+      <a:camera prst="orthographicFront"/>
+      <a:lightRig rig="threePt" dir="t"/>
+    </dgm:scene3d>
+    <dgm:sp3d/>
+    <dgm:txPr/>
+    <dgm:style>
+      <a:lnRef idx="1">
+        <a:scrgbClr r="0" g="0" b="0"/>
+      </a:lnRef>
+      <a:fillRef idx="1">
+        <a:scrgbClr r="0" g="0" b="0"/>
+      </a:fillRef>
+      <a:effectRef idx="0">
+        <a:scrgbClr r="0" g="0" b="0"/>
+      </a:effectRef>
+      <a:fontRef idx="minor"/>
+    </dgm:style>
+  </dgm:styleLbl>
+  <dgm:styleLbl name="conFgAcc1">
+    <dgm:scene3d>
+      <a:camera prst="orthographicFront"/>
+      <a:lightRig rig="threePt" dir="t"/>
+    </dgm:scene3d>
+    <dgm:sp3d/>
+    <dgm:txPr/>
+    <dgm:style>
+      <a:lnRef idx="1">
+        <a:scrgbClr r="0" g="0" b="0"/>
+      </a:lnRef>
+      <a:fillRef idx="1">
+        <a:scrgbClr r="0" g="0" b="0"/>
+      </a:fillRef>
+      <a:effectRef idx="0">
+        <a:scrgbClr r="0" g="0" b="0"/>
+      </a:effectRef>
+      <a:fontRef idx="minor"/>
+    </dgm:style>
+  </dgm:styleLbl>
+  <dgm:styleLbl name="alignAcc1">
+    <dgm:scene3d>
+      <a:camera prst="orthographicFront"/>
+      <a:lightRig rig="threePt" dir="t"/>
+    </dgm:scene3d>
+    <dgm:sp3d/>
+    <dgm:txPr/>
+    <dgm:style>
+      <a:lnRef idx="1">
+        <a:scrgbClr r="0" g="0" b="0"/>
+      </a:lnRef>
+      <a:fillRef idx="1">
+        <a:scrgbClr r="0" g="0" b="0"/>
+      </a:fillRef>
+      <a:effectRef idx="0">
+        <a:scrgbClr r="0" g="0" b="0"/>
+      </a:effectRef>
+      <a:fontRef idx="minor"/>
+    </dgm:style>
+  </dgm:styleLbl>
+  <dgm:styleLbl name="trAlignAcc1">
+    <dgm:scene3d>
+      <a:camera prst="orthographicFront"/>
+      <a:lightRig rig="threePt" dir="t"/>
+    </dgm:scene3d>
+    <dgm:sp3d/>
+    <dgm:txPr/>
+    <dgm:style>
+      <a:lnRef idx="1">
+        <a:scrgbClr r="0" g="0" b="0"/>
+      </a:lnRef>
+      <a:fillRef idx="1">
+        <a:scrgbClr r="0" g="0" b="0"/>
+      </a:fillRef>
+      <a:effectRef idx="0">
+        <a:scrgbClr r="0" g="0" b="0"/>
+      </a:effectRef>
+      <a:fontRef idx="minor"/>
+    </dgm:style>
+  </dgm:styleLbl>
+  <dgm:styleLbl name="bgAcc1">
+    <dgm:scene3d>
+      <a:camera prst="orthographicFront"/>
+      <a:lightRig rig="threePt" dir="t"/>
+    </dgm:scene3d>
+    <dgm:sp3d/>
+    <dgm:txPr/>
+    <dgm:style>
+      <a:lnRef idx="1">
+        <a:scrgbClr r="0" g="0" b="0"/>
+      </a:lnRef>
+      <a:fillRef idx="1">
+        <a:scrgbClr r="0" g="0" b="0"/>
+      </a:fillRef>
+      <a:effectRef idx="0">
+        <a:scrgbClr r="0" g="0" b="0"/>
+      </a:effectRef>
+      <a:fontRef idx="minor"/>
+    </dgm:style>
+  </dgm:styleLbl>
+  <dgm:styleLbl name="solidFgAcc1">
+    <dgm:scene3d>
+      <a:camera prst="orthographicFront"/>
+      <a:lightRig rig="threePt" dir="t"/>
+    </dgm:scene3d>
+    <dgm:sp3d/>
+    <dgm:txPr/>
+    <dgm:style>
+      <a:lnRef idx="1">
+        <a:scrgbClr r="0" g="0" b="0"/>
+      </a:lnRef>
+      <a:fillRef idx="1">
+        <a:scrgbClr r="0" g="0" b="0"/>
+      </a:fillRef>
+      <a:effectRef idx="0">
+        <a:scrgbClr r="0" g="0" b="0"/>
+      </a:effectRef>
+      <a:fontRef idx="minor"/>
+    </dgm:style>
+  </dgm:styleLbl>
+  <dgm:styleLbl name="solidAlignAcc1">
+    <dgm:scene3d>
+      <a:camera prst="orthographicFront"/>
+      <a:lightRig rig="threePt" dir="t"/>
+    </dgm:scene3d>
+    <dgm:sp3d/>
+    <dgm:txPr/>
+    <dgm:style>
+      <a:lnRef idx="1">
+        <a:scrgbClr r="0" g="0" b="0"/>
+      </a:lnRef>
+      <a:fillRef idx="1">
+        <a:scrgbClr r="0" g="0" b="0"/>
+      </a:fillRef>
+      <a:effectRef idx="0">
+        <a:scrgbClr r="0" g="0" b="0"/>
+      </a:effectRef>
+      <a:fontRef idx="minor"/>
+    </dgm:style>
+  </dgm:styleLbl>
+  <dgm:styleLbl name="solidBgAcc1">
+    <dgm:scene3d>
+      <a:camera prst="orthographicFront"/>
+      <a:lightRig rig="threePt" dir="t"/>
+    </dgm:scene3d>
+    <dgm:sp3d/>
+    <dgm:txPr/>
+    <dgm:style>
+      <a:lnRef idx="1">
+        <a:scrgbClr r="0" g="0" b="0"/>
+      </a:lnRef>
+      <a:fillRef idx="1">
+        <a:scrgbClr r="0" g="0" b="0"/>
+      </a:fillRef>
+      <a:effectRef idx="0">
+        <a:scrgbClr r="0" g="0" b="0"/>
+      </a:effectRef>
+      <a:fontRef idx="minor"/>
+    </dgm:style>
+  </dgm:styleLbl>
+  <dgm:styleLbl name="fgAccFollowNode1">
+    <dgm:scene3d>
+      <a:camera prst="orthographicFront"/>
+      <a:lightRig rig="threePt" dir="t"/>
+    </dgm:scene3d>
+    <dgm:sp3d/>
+    <dgm:txPr/>
+    <dgm:style>
+      <a:lnRef idx="1">
+        <a:scrgbClr r="0" g="0" b="0"/>
+      </a:lnRef>
+      <a:fillRef idx="1">
+        <a:scrgbClr r="0" g="0" b="0"/>
+      </a:fillRef>
+      <a:effectRef idx="0">
+        <a:scrgbClr r="0" g="0" b="0"/>
+      </a:effectRef>
+      <a:fontRef idx="minor"/>
+    </dgm:style>
+  </dgm:styleLbl>
+  <dgm:styleLbl name="alignAccFollowNode1">
+    <dgm:scene3d>
+      <a:camera prst="orthographicFront"/>
+      <a:lightRig rig="threePt" dir="t"/>
+    </dgm:scene3d>
+    <dgm:sp3d/>
+    <dgm:txPr/>
+    <dgm:style>
+      <a:lnRef idx="1">
+        <a:scrgbClr r="0" g="0" b="0"/>
+      </a:lnRef>
+      <a:fillRef idx="1">
+        <a:scrgbClr r="0" g="0" b="0"/>
+      </a:fillRef>
+      <a:effectRef idx="0">
+        <a:scrgbClr r="0" g="0" b="0"/>
+      </a:effectRef>
+      <a:fontRef idx="minor"/>
+    </dgm:style>
+  </dgm:styleLbl>
+  <dgm:styleLbl name="bgAccFollowNode1">
+    <dgm:scene3d>
+      <a:camera prst="orthographicFront"/>
+      <a:lightRig rig="threePt" dir="t"/>
+    </dgm:scene3d>
+    <dgm:sp3d/>
+    <dgm:txPr/>
+    <dgm:style>
+      <a:lnRef idx="1">
+        <a:scrgbClr r="0" g="0" b="0"/>
+      </a:lnRef>
+      <a:fillRef idx="1">
+        <a:scrgbClr r="0" g="0" b="0"/>
+      </a:fillRef>
+      <a:effectRef idx="0">
+        <a:scrgbClr r="0" g="0" b="0"/>
+      </a:effectRef>
+      <a:fontRef idx="minor"/>
+    </dgm:style>
+  </dgm:styleLbl>
+  <dgm:styleLbl name="fgAcc0">
+    <dgm:scene3d>
+      <a:camera prst="orthographicFront"/>
+      <a:lightRig rig="threePt" dir="t"/>
+    </dgm:scene3d>
+    <dgm:sp3d/>
+    <dgm:txPr/>
+    <dgm:style>
+      <a:lnRef idx="1">
+        <a:scrgbClr r="0" g="0" b="0"/>
+      </a:lnRef>
+      <a:fillRef idx="1">
+        <a:scrgbClr r="0" g="0" b="0"/>
+      </a:fillRef>
+      <a:effectRef idx="0">
+        <a:scrgbClr r="0" g="0" b="0"/>
+      </a:effectRef>
+      <a:fontRef idx="minor"/>
+    </dgm:style>
+  </dgm:styleLbl>
+  <dgm:styleLbl name="fgAcc2">
+    <dgm:scene3d>
+      <a:camera prst="orthographicFront"/>
+      <a:lightRig rig="threePt" dir="t"/>
+    </dgm:scene3d>
+    <dgm:sp3d/>
+    <dgm:txPr/>
+    <dgm:style>
+      <a:lnRef idx="1">
+        <a:scrgbClr r="0" g="0" b="0"/>
+      </a:lnRef>
+      <a:fillRef idx="1">
+        <a:scrgbClr r="0" g="0" b="0"/>
+      </a:fillRef>
+      <a:effectRef idx="0">
+        <a:scrgbClr r="0" g="0" b="0"/>
+      </a:effectRef>
+      <a:fontRef idx="minor"/>
+    </dgm:style>
+  </dgm:styleLbl>
+  <dgm:styleLbl name="fgAcc3">
+    <dgm:scene3d>
+      <a:camera prst="orthographicFront"/>
+      <a:lightRig rig="threePt" dir="t"/>
+    </dgm:scene3d>
+    <dgm:sp3d/>
+    <dgm:txPr/>
+    <dgm:style>
+      <a:lnRef idx="1">
+        <a:scrgbClr r="0" g="0" b="0"/>
+      </a:lnRef>
+      <a:fillRef idx="1">
+        <a:scrgbClr r="0" g="0" b="0"/>
+      </a:fillRef>
+      <a:effectRef idx="0">
+        <a:scrgbClr r="0" g="0" b="0"/>
+      </a:effectRef>
+      <a:fontRef idx="minor"/>
+    </dgm:style>
+  </dgm:styleLbl>
+  <dgm:styleLbl name="fgAcc4">
+    <dgm:scene3d>
+      <a:camera prst="orthographicFront"/>
+      <a:lightRig rig="threePt" dir="t"/>
+    </dgm:scene3d>
+    <dgm:sp3d/>
+    <dgm:txPr/>
+    <dgm:style>
+      <a:lnRef idx="1">
+        <a:scrgbClr r="0" g="0" b="0"/>
+      </a:lnRef>
+      <a:fillRef idx="1">
+        <a:scrgbClr r="0" g="0" b="0"/>
+      </a:fillRef>
+      <a:effectRef idx="0">
+        <a:scrgbClr r="0" g="0" b="0"/>
+      </a:effectRef>
+      <a:fontRef idx="minor"/>
+    </dgm:style>
+  </dgm:styleLbl>
+  <dgm:styleLbl name="bgShp">
+    <dgm:scene3d>
+      <a:camera prst="orthographicFront"/>
+      <a:lightRig rig="threePt" dir="t"/>
+    </dgm:scene3d>
+    <dgm:sp3d/>
+    <dgm:txPr/>
+    <dgm:style>
+      <a:lnRef idx="0">
+        <a:scrgbClr r="0" g="0" b="0"/>
+      </a:lnRef>
+      <a:fillRef idx="1">
+        <a:scrgbClr r="0" g="0" b="0"/>
+      </a:fillRef>
+      <a:effectRef idx="2">
+        <a:scrgbClr r="0" g="0" b="0"/>
+      </a:effectRef>
+      <a:fontRef idx="minor"/>
+    </dgm:style>
+  </dgm:styleLbl>
+  <dgm:styleLbl name="dkBgShp">
+    <dgm:scene3d>
+      <a:camera prst="orthographicFront"/>
+      <a:lightRig rig="threePt" dir="t"/>
+    </dgm:scene3d>
+    <dgm:sp3d/>
+    <dgm:txPr/>
+    <dgm:style>
+      <a:lnRef idx="0">
+        <a:scrgbClr r="0" g="0" b="0"/>
+      </a:lnRef>
+      <a:fillRef idx="1">
+        <a:scrgbClr r="0" g="0" b="0"/>
+      </a:fillRef>
+      <a:effectRef idx="2">
+        <a:scrgbClr r="0" g="0" b="0"/>
+      </a:effectRef>
+      <a:fontRef idx="minor"/>
+    </dgm:style>
+  </dgm:styleLbl>
+  <dgm:styleLbl name="trBgShp">
+    <dgm:scene3d>
+      <a:camera prst="orthographicFront"/>
+      <a:lightRig rig="threePt" dir="t"/>
+    </dgm:scene3d>
+    <dgm:sp3d/>
+    <dgm:txPr/>
+    <dgm:style>
+      <a:lnRef idx="0">
+        <a:scrgbClr r="0" g="0" b="0"/>
+      </a:lnRef>
+      <a:fillRef idx="1">
+        <a:scrgbClr r="0" g="0" b="0"/>
+      </a:fillRef>
+      <a:effectRef idx="0">
+        <a:scrgbClr r="0" g="0" b="0"/>
+      </a:effectRef>
+      <a:fontRef idx="minor"/>
+    </dgm:style>
+  </dgm:styleLbl>
+  <dgm:styleLbl name="fgShp">
+    <dgm:scene3d>
+      <a:camera prst="orthographicFront"/>
+      <a:lightRig rig="threePt" dir="t"/>
+    </dgm:scene3d>
+    <dgm:sp3d/>
+    <dgm:txPr/>
+    <dgm:style>
+      <a:lnRef idx="0">
+        <a:scrgbClr r="0" g="0" b="0"/>
+      </a:lnRef>
+      <a:fillRef idx="3">
+        <a:scrgbClr r="0" g="0" b="0"/>
+      </a:fillRef>
+      <a:effectRef idx="2">
+        <a:scrgbClr r="0" g="0" b="0"/>
+      </a:effectRef>
+      <a:fontRef idx="minor"/>
+    </dgm:style>
+  </dgm:styleLbl>
+  <dgm:styleLbl name="revTx">
+    <dgm:scene3d>
+      <a:camera prst="orthographicFront"/>
+      <a:lightRig rig="threePt" dir="t"/>
+    </dgm:scene3d>
+    <dgm:sp3d/>
+    <dgm:txPr/>
+    <dgm:style>
+      <a:lnRef idx="0">
+        <a:scrgbClr r="0" g="0" b="0"/>
+      </a:lnRef>
+      <a:fillRef idx="0">
+        <a:scrgbClr r="0" g="0" b="0"/>
+      </a:fillRef>
+      <a:effectRef idx="0">
+        <a:scrgbClr r="0" g="0" b="0"/>
+      </a:effectRef>
+      <a:fontRef idx="minor"/>
+    </dgm:style>
+  </dgm:styleLbl>
+</dgm:styleDef>
 </file>
 
 <file path=ppt/handoutMasters/handoutMaster1.xml><?xml version="1.0" encoding="utf-8"?>
@@ -3853,7 +7211,7 @@
                   </a:outerShdw>
                 </a:effectLst>
               </a:rPr>
-              <a:t>A powerfull ADL</a:t>
+              <a:t>A powerful ADL</a:t>
             </a:r>
             <a:endParaRPr sz="2800" b="0" i="1" cap="none" dirty="0">
               <a:ln>
@@ -4009,6 +7367,2497 @@
           </a:p>
           <a:p>
             <a:pPr algn="ctr"/>
+            <a:r>
+              <a:rPr lang="fr-FR" b="1" dirty="0" smtClean="0">
+                <a:effectLst>
+                  <a:outerShdw blurRad="38100" dist="38100" dir="2700000" algn="tl">
+                    <a:srgbClr val="000000">
+                      <a:alpha val="43137"/>
+                    </a:srgbClr>
+                  </a:outerShdw>
+                </a:effectLst>
+              </a:rPr>
+              <a:t>OP4</a:t>
+            </a:r>
+          </a:p>
+          <a:p>
+            <a:pPr algn="ctr"/>
+            <a:endParaRPr lang="fr-FR" sz="1100" b="1" dirty="0" smtClean="0">
+              <a:effectLst>
+                <a:outerShdw blurRad="38100" dist="38100" dir="2700000" algn="tl">
+                  <a:srgbClr val="000000">
+                    <a:alpha val="43137"/>
+                  </a:srgbClr>
+                </a:outerShdw>
+              </a:effectLst>
+            </a:endParaRPr>
+          </a:p>
+          <a:p>
+            <a:pPr algn="ctr"/>
+            <a:r>
+              <a:rPr lang="fr-FR" b="1" i="1" dirty="0" smtClean="0">
+                <a:effectLst>
+                  <a:outerShdw blurRad="38100" dist="38100" dir="2700000" algn="tl">
+                    <a:srgbClr val="000000">
+                      <a:alpha val="43137"/>
+                    </a:srgbClr>
+                  </a:outerShdw>
+                </a:effectLst>
+              </a:rPr>
+              <a:t>ADL </a:t>
+            </a:r>
+            <a:r>
+              <a:rPr lang="fr-FR" b="1" i="1" dirty="0" err="1" smtClean="0">
+                <a:effectLst>
+                  <a:outerShdw blurRad="38100" dist="38100" dir="2700000" algn="tl">
+                    <a:srgbClr val="000000">
+                      <a:alpha val="43137"/>
+                    </a:srgbClr>
+                  </a:outerShdw>
+                </a:effectLst>
+              </a:rPr>
+              <a:t>presentation</a:t>
+            </a:r>
+            <a:endParaRPr lang="fr-FR" b="1" i="1" dirty="0" smtClean="0">
+              <a:effectLst>
+                <a:outerShdw blurRad="38100" dist="38100" dir="2700000" algn="tl">
+                  <a:srgbClr val="000000">
+                    <a:alpha val="43137"/>
+                  </a:srgbClr>
+                </a:outerShdw>
+              </a:effectLst>
+            </a:endParaRPr>
+          </a:p>
+        </p:txBody>
+      </p:sp>
+      <p:pic>
+        <p:nvPicPr>
+          <p:cNvPr id="4098" name="Picture 2" descr="D:\Bureau\acme_weblogo.gif"/>
+          <p:cNvPicPr>
+            <a:picLocks noChangeAspect="1" noChangeArrowheads="1"/>
+          </p:cNvPicPr>
+          <p:nvPr/>
+        </p:nvPicPr>
+        <p:blipFill>
+          <a:blip r:embed="rId3"/>
+          <a:srcRect/>
+          <a:stretch>
+            <a:fillRect/>
+          </a:stretch>
+        </p:blipFill>
+        <p:spPr bwMode="auto">
+          <a:xfrm rot="390584">
+            <a:off x="2835862" y="822744"/>
+            <a:ext cx="3242652" cy="1236406"/>
+          </a:xfrm>
+          <a:prstGeom prst="roundRect">
+            <a:avLst>
+              <a:gd name="adj" fmla="val 8594"/>
+            </a:avLst>
+          </a:prstGeom>
+          <a:solidFill>
+            <a:srgbClr val="FFFFFF">
+              <a:shade val="85000"/>
+            </a:srgbClr>
+          </a:solidFill>
+          <a:ln>
+            <a:noFill/>
+          </a:ln>
+          <a:effectLst>
+            <a:outerShdw blurRad="50800" dist="38100" dir="2700000" algn="tl" rotWithShape="0">
+              <a:prstClr val="black">
+                <a:alpha val="40000"/>
+              </a:prstClr>
+            </a:outerShdw>
+            <a:reflection blurRad="6350" stA="50000" endA="300" endPos="38500" dist="50800" dir="5400000" sy="-100000" algn="bl" rotWithShape="0"/>
+          </a:effectLst>
+        </p:spPr>
+      </p:pic>
+    </p:spTree>
+  </p:cSld>
+  <p:clrMapOvr>
+    <a:masterClrMapping/>
+  </p:clrMapOvr>
+  <p:timing>
+    <p:tnLst>
+      <p:par>
+        <p:cTn id="1" dur="indefinite" restart="never" nodeType="tmRoot"/>
+      </p:par>
+    </p:tnLst>
+  </p:timing>
+</p:sld>
+</file>
+
+<file path=ppt/slides/slide10.xml><?xml version="1.0" encoding="utf-8"?>
+<p:sld xmlns:a="http://schemas.openxmlformats.org/drawingml/2006/main" xmlns:r="http://schemas.openxmlformats.org/officeDocument/2006/relationships" xmlns:p="http://schemas.openxmlformats.org/presentationml/2006/main">
+  <p:cSld>
+    <p:spTree>
+      <p:nvGrpSpPr>
+        <p:cNvPr id="1" name=""/>
+        <p:cNvGrpSpPr/>
+        <p:nvPr/>
+      </p:nvGrpSpPr>
+      <p:grpSpPr>
+        <a:xfrm>
+          <a:off x="0" y="0"/>
+          <a:ext cx="0" cy="0"/>
+          <a:chOff x="0" y="0"/>
+          <a:chExt cx="0" cy="0"/>
+        </a:xfrm>
+      </p:grpSpPr>
+      <p:sp>
+        <p:nvSpPr>
+          <p:cNvPr id="2" name="Titre 1"/>
+          <p:cNvSpPr>
+            <a:spLocks noGrp="1"/>
+          </p:cNvSpPr>
+          <p:nvPr>
+            <p:ph type="ctrTitle"/>
+          </p:nvPr>
+        </p:nvSpPr>
+        <p:spPr/>
+        <p:txBody>
+          <a:bodyPr/>
+          <a:lstStyle/>
+          <a:p>
+            <a:endParaRPr lang="fr-FR"/>
+          </a:p>
+        </p:txBody>
+      </p:sp>
+      <p:sp>
+        <p:nvSpPr>
+          <p:cNvPr id="3" name="Espace réservé du texte 2"/>
+          <p:cNvSpPr>
+            <a:spLocks noGrp="1"/>
+          </p:cNvSpPr>
+          <p:nvPr>
+            <p:ph type="body" sz="quarter" idx="10"/>
+          </p:nvPr>
+        </p:nvSpPr>
+        <p:spPr>
+          <a:xfrm>
+            <a:off x="285750" y="1214422"/>
+            <a:ext cx="8643968" cy="5357828"/>
+          </a:xfrm>
+        </p:spPr>
+        <p:txBody>
+          <a:bodyPr/>
+          <a:lstStyle/>
+          <a:p>
+            <a:r>
+              <a:rPr smtClean="0"/>
+              <a:t>Representation</a:t>
+            </a:r>
+          </a:p>
+          <a:p>
+            <a:pPr lvl="1"/>
+            <a:r>
+              <a:rPr smtClean="0"/>
+              <a:t>Lower level view of a component</a:t>
+            </a:r>
+          </a:p>
+          <a:p>
+            <a:pPr lvl="1"/>
+            <a:r>
+              <a:rPr smtClean="0"/>
+              <a:t>Component contains &amp; represents a sub system</a:t>
+            </a:r>
+          </a:p>
+          <a:p>
+            <a:pPr lvl="1"/>
+            <a:r>
+              <a:rPr smtClean="0"/>
+              <a:t>Way to abstract complex system</a:t>
+            </a:r>
+          </a:p>
+          <a:p>
+            <a:pPr lvl="1"/>
+            <a:endParaRPr smtClean="0"/>
+          </a:p>
+          <a:p>
+            <a:endParaRPr lang="en-US" dirty="0" smtClean="0"/>
+          </a:p>
+          <a:p>
+            <a:endParaRPr lang="en-US" dirty="0" smtClean="0"/>
+          </a:p>
+          <a:p>
+            <a:endParaRPr lang="en-US" dirty="0" smtClean="0"/>
+          </a:p>
+          <a:p>
+            <a:endParaRPr lang="en-US" dirty="0" smtClean="0"/>
+          </a:p>
+          <a:p>
+            <a:r>
+              <a:rPr lang="en-US" dirty="0" smtClean="0"/>
+              <a:t>Representation map</a:t>
+            </a:r>
+          </a:p>
+          <a:p>
+            <a:pPr lvl="1"/>
+            <a:r>
+              <a:rPr lang="en-US" dirty="0" smtClean="0"/>
+              <a:t>Association between internal &amp; external ports of a component</a:t>
+            </a:r>
+          </a:p>
+          <a:p>
+            <a:pPr lvl="2">
+              <a:buNone/>
+            </a:pPr>
+            <a:r>
+              <a:rPr lang="en-US" dirty="0" smtClean="0"/>
+              <a:t>(input, output)</a:t>
+            </a:r>
+          </a:p>
+          <a:p>
+            <a:pPr lvl="1"/>
+            <a:r>
+              <a:rPr lang="en-US" dirty="0" smtClean="0"/>
+              <a:t>Association between internal &amp; external roles for a connector</a:t>
+            </a:r>
+          </a:p>
+          <a:p>
+            <a:pPr lvl="1"/>
+            <a:endParaRPr lang="fr-FR" dirty="0"/>
+          </a:p>
+        </p:txBody>
+      </p:sp>
+      <p:sp>
+        <p:nvSpPr>
+          <p:cNvPr id="12" name="Ellipse 11"/>
+          <p:cNvSpPr/>
+          <p:nvPr/>
+        </p:nvSpPr>
+        <p:spPr>
+          <a:xfrm>
+            <a:off x="6215074" y="1285860"/>
+            <a:ext cx="2714644" cy="1643074"/>
+          </a:xfrm>
+          <a:prstGeom prst="ellipse">
+            <a:avLst/>
+          </a:prstGeom>
+          <a:effectLst>
+            <a:outerShdw blurRad="50800" dist="38100" dir="2700000" algn="tl" rotWithShape="0">
+              <a:prstClr val="black">
+                <a:alpha val="40000"/>
+              </a:prstClr>
+            </a:outerShdw>
+          </a:effectLst>
+        </p:spPr>
+        <p:style>
+          <a:lnRef idx="2">
+            <a:schemeClr val="accent6"/>
+          </a:lnRef>
+          <a:fillRef idx="1">
+            <a:schemeClr val="lt1"/>
+          </a:fillRef>
+          <a:effectRef idx="0">
+            <a:schemeClr val="accent6"/>
+          </a:effectRef>
+          <a:fontRef idx="minor">
+            <a:schemeClr val="dk1"/>
+          </a:fontRef>
+        </p:style>
+        <p:txBody>
+          <a:bodyPr rtlCol="0" anchor="ctr"/>
+          <a:lstStyle/>
+          <a:p>
+            <a:pPr algn="ctr"/>
+            <a:endParaRPr lang="fr-FR"/>
+          </a:p>
+        </p:txBody>
+      </p:sp>
+      <p:sp>
+        <p:nvSpPr>
+          <p:cNvPr id="13" name="Rectangle 12"/>
+          <p:cNvSpPr/>
+          <p:nvPr/>
+        </p:nvSpPr>
+        <p:spPr>
+          <a:xfrm>
+            <a:off x="6429388" y="1928802"/>
+            <a:ext cx="714380" cy="357190"/>
+          </a:xfrm>
+          <a:prstGeom prst="rect">
+            <a:avLst/>
+          </a:prstGeom>
+          <a:effectLst>
+            <a:outerShdw blurRad="50800" dist="38100" dir="2700000" algn="tl" rotWithShape="0">
+              <a:prstClr val="black">
+                <a:alpha val="40000"/>
+              </a:prstClr>
+            </a:outerShdw>
+          </a:effectLst>
+        </p:spPr>
+        <p:style>
+          <a:lnRef idx="2">
+            <a:schemeClr val="accent6"/>
+          </a:lnRef>
+          <a:fillRef idx="1">
+            <a:schemeClr val="lt1"/>
+          </a:fillRef>
+          <a:effectRef idx="0">
+            <a:schemeClr val="accent6"/>
+          </a:effectRef>
+          <a:fontRef idx="minor">
+            <a:schemeClr val="dk1"/>
+          </a:fontRef>
+        </p:style>
+        <p:txBody>
+          <a:bodyPr rtlCol="0" anchor="ctr"/>
+          <a:lstStyle/>
+          <a:p>
+            <a:pPr algn="ctr"/>
+            <a:r>
+              <a:rPr lang="fr-FR" sz="800" dirty="0" smtClean="0"/>
+              <a:t>Component</a:t>
+            </a:r>
+            <a:endParaRPr lang="fr-FR" sz="800" dirty="0"/>
+          </a:p>
+        </p:txBody>
+      </p:sp>
+      <p:sp>
+        <p:nvSpPr>
+          <p:cNvPr id="14" name="Flèche droite 13"/>
+          <p:cNvSpPr/>
+          <p:nvPr/>
+        </p:nvSpPr>
+        <p:spPr>
+          <a:xfrm>
+            <a:off x="7143768" y="2000240"/>
+            <a:ext cx="857256" cy="214314"/>
+          </a:xfrm>
+          <a:prstGeom prst="rightArrow">
+            <a:avLst/>
+          </a:prstGeom>
+          <a:effectLst>
+            <a:outerShdw blurRad="50800" dist="38100" dir="2700000" algn="tl" rotWithShape="0">
+              <a:prstClr val="black">
+                <a:alpha val="40000"/>
+              </a:prstClr>
+            </a:outerShdw>
+          </a:effectLst>
+        </p:spPr>
+        <p:style>
+          <a:lnRef idx="2">
+            <a:schemeClr val="accent6"/>
+          </a:lnRef>
+          <a:fillRef idx="1">
+            <a:schemeClr val="lt1"/>
+          </a:fillRef>
+          <a:effectRef idx="0">
+            <a:schemeClr val="accent6"/>
+          </a:effectRef>
+          <a:fontRef idx="minor">
+            <a:schemeClr val="dk1"/>
+          </a:fontRef>
+        </p:style>
+        <p:txBody>
+          <a:bodyPr rtlCol="0" anchor="ctr"/>
+          <a:lstStyle/>
+          <a:p>
+            <a:pPr algn="ctr"/>
+            <a:r>
+              <a:rPr lang="fr-FR" sz="1000" dirty="0" err="1" smtClean="0"/>
+              <a:t>Connector</a:t>
+            </a:r>
+            <a:endParaRPr lang="fr-FR" sz="1000" dirty="0"/>
+          </a:p>
+        </p:txBody>
+      </p:sp>
+      <p:sp>
+        <p:nvSpPr>
+          <p:cNvPr id="15" name="Rectangle 14"/>
+          <p:cNvSpPr/>
+          <p:nvPr/>
+        </p:nvSpPr>
+        <p:spPr>
+          <a:xfrm>
+            <a:off x="8001024" y="1928802"/>
+            <a:ext cx="714380" cy="357190"/>
+          </a:xfrm>
+          <a:prstGeom prst="rect">
+            <a:avLst/>
+          </a:prstGeom>
+          <a:effectLst>
+            <a:outerShdw blurRad="50800" dist="38100" dir="2700000" algn="tl" rotWithShape="0">
+              <a:prstClr val="black">
+                <a:alpha val="40000"/>
+              </a:prstClr>
+            </a:outerShdw>
+          </a:effectLst>
+        </p:spPr>
+        <p:style>
+          <a:lnRef idx="2">
+            <a:schemeClr val="accent6"/>
+          </a:lnRef>
+          <a:fillRef idx="1">
+            <a:schemeClr val="lt1"/>
+          </a:fillRef>
+          <a:effectRef idx="0">
+            <a:schemeClr val="accent6"/>
+          </a:effectRef>
+          <a:fontRef idx="minor">
+            <a:schemeClr val="dk1"/>
+          </a:fontRef>
+        </p:style>
+        <p:txBody>
+          <a:bodyPr rtlCol="0" anchor="ctr"/>
+          <a:lstStyle/>
+          <a:p>
+            <a:pPr algn="ctr"/>
+            <a:r>
+              <a:rPr lang="fr-FR" sz="800" dirty="0" smtClean="0"/>
+              <a:t>Component</a:t>
+            </a:r>
+            <a:endParaRPr lang="fr-FR" sz="800" dirty="0"/>
+          </a:p>
+        </p:txBody>
+      </p:sp>
+      <p:sp>
+        <p:nvSpPr>
+          <p:cNvPr id="16" name="ZoneTexte 15"/>
+          <p:cNvSpPr txBox="1"/>
+          <p:nvPr/>
+        </p:nvSpPr>
+        <p:spPr>
+          <a:xfrm>
+            <a:off x="7215206" y="1357298"/>
+            <a:ext cx="724878" cy="307777"/>
+          </a:xfrm>
+          <a:prstGeom prst="rect">
+            <a:avLst/>
+          </a:prstGeom>
+          <a:solidFill>
+            <a:schemeClr val="bg1"/>
+          </a:solidFill>
+        </p:spPr>
+        <p:txBody>
+          <a:bodyPr wrap="none" rtlCol="0">
+            <a:spAutoFit/>
+          </a:bodyPr>
+          <a:lstStyle/>
+          <a:p>
+            <a:pPr marL="0" marR="0" indent="0" algn="l" defTabSz="914400" rtl="0" eaLnBrk="1" fontAlgn="auto" latinLnBrk="0" hangingPunct="1">
+              <a:lnSpc>
+                <a:spcPct val="100000"/>
+              </a:lnSpc>
+              <a:spcBef>
+                <a:spcPct val="20000"/>
+              </a:spcBef>
+              <a:spcAft>
+                <a:spcPts val="0"/>
+              </a:spcAft>
+              <a:buClrTx/>
+              <a:buSzTx/>
+              <a:buFontTx/>
+              <a:buNone/>
+              <a:tabLst/>
+            </a:pPr>
+            <a:r>
+              <a:rPr kumimoji="0" lang="fr-FR" sz="1400" b="1" i="0" u="none" strike="noStrike" kern="0" cap="none" spc="0" normalizeH="0" baseline="0" noProof="0" dirty="0" smtClean="0">
+                <a:ln>
+                  <a:noFill/>
+                </a:ln>
+                <a:solidFill>
+                  <a:schemeClr val="accent6">
+                    <a:lumMod val="75000"/>
+                  </a:schemeClr>
+                </a:solidFill>
+                <a:effectLst/>
+                <a:uLnTx/>
+                <a:uFillTx/>
+                <a:latin typeface="+mn-lt"/>
+                <a:ea typeface="+mn-ea"/>
+                <a:cs typeface="+mn-cs"/>
+              </a:rPr>
+              <a:t>System</a:t>
+            </a:r>
+          </a:p>
+        </p:txBody>
+      </p:sp>
+      <p:cxnSp>
+        <p:nvCxnSpPr>
+          <p:cNvPr id="18" name="Connecteur droit avec flèche 17"/>
+          <p:cNvCxnSpPr>
+            <a:stCxn id="27" idx="0"/>
+          </p:cNvCxnSpPr>
+          <p:nvPr/>
+        </p:nvCxnSpPr>
+        <p:spPr>
+          <a:xfrm rot="16200000" flipV="1">
+            <a:off x="6833181" y="2096513"/>
+            <a:ext cx="1071570" cy="1164776"/>
+          </a:xfrm>
+          <a:prstGeom prst="straightConnector1">
+            <a:avLst/>
+          </a:prstGeom>
+          <a:ln w="28575">
+            <a:solidFill>
+              <a:schemeClr val="tx1">
+                <a:lumMod val="50000"/>
+                <a:lumOff val="50000"/>
+              </a:schemeClr>
+            </a:solidFill>
+            <a:prstDash val="dash"/>
+            <a:tailEnd type="arrow"/>
+          </a:ln>
+        </p:spPr>
+        <p:style>
+          <a:lnRef idx="1">
+            <a:schemeClr val="dk1"/>
+          </a:lnRef>
+          <a:fillRef idx="0">
+            <a:schemeClr val="dk1"/>
+          </a:fillRef>
+          <a:effectRef idx="0">
+            <a:schemeClr val="dk1"/>
+          </a:effectRef>
+          <a:fontRef idx="minor">
+            <a:schemeClr val="tx1"/>
+          </a:fontRef>
+        </p:style>
+      </p:cxnSp>
+      <p:sp>
+        <p:nvSpPr>
+          <p:cNvPr id="20" name="Rectangle 19"/>
+          <p:cNvSpPr/>
+          <p:nvPr/>
+        </p:nvSpPr>
+        <p:spPr>
+          <a:xfrm>
+            <a:off x="7000892" y="3214686"/>
+            <a:ext cx="1928826" cy="1500198"/>
+          </a:xfrm>
+          <a:prstGeom prst="rect">
+            <a:avLst/>
+          </a:prstGeom>
+          <a:effectLst>
+            <a:outerShdw blurRad="50800" dist="38100" dir="2700000" algn="tl" rotWithShape="0">
+              <a:prstClr val="black">
+                <a:alpha val="40000"/>
+              </a:prstClr>
+            </a:outerShdw>
+          </a:effectLst>
+        </p:spPr>
+        <p:style>
+          <a:lnRef idx="2">
+            <a:schemeClr val="accent6"/>
+          </a:lnRef>
+          <a:fillRef idx="1">
+            <a:schemeClr val="lt1"/>
+          </a:fillRef>
+          <a:effectRef idx="0">
+            <a:schemeClr val="accent6"/>
+          </a:effectRef>
+          <a:fontRef idx="minor">
+            <a:schemeClr val="dk1"/>
+          </a:fontRef>
+        </p:style>
+        <p:txBody>
+          <a:bodyPr rtlCol="0" anchor="ctr"/>
+          <a:lstStyle/>
+          <a:p>
+            <a:pPr algn="ctr"/>
+            <a:endParaRPr lang="fr-FR" dirty="0"/>
+          </a:p>
+        </p:txBody>
+      </p:sp>
+      <p:sp>
+        <p:nvSpPr>
+          <p:cNvPr id="24" name="Rectangle 23"/>
+          <p:cNvSpPr/>
+          <p:nvPr/>
+        </p:nvSpPr>
+        <p:spPr>
+          <a:xfrm>
+            <a:off x="7143768" y="3714752"/>
+            <a:ext cx="500066" cy="250033"/>
+          </a:xfrm>
+          <a:prstGeom prst="rect">
+            <a:avLst/>
+          </a:prstGeom>
+          <a:effectLst>
+            <a:outerShdw blurRad="50800" dist="38100" dir="2700000" algn="tl" rotWithShape="0">
+              <a:prstClr val="black">
+                <a:alpha val="40000"/>
+              </a:prstClr>
+            </a:outerShdw>
+          </a:effectLst>
+        </p:spPr>
+        <p:style>
+          <a:lnRef idx="2">
+            <a:schemeClr val="accent6"/>
+          </a:lnRef>
+          <a:fillRef idx="1">
+            <a:schemeClr val="lt1"/>
+          </a:fillRef>
+          <a:effectRef idx="0">
+            <a:schemeClr val="accent6"/>
+          </a:effectRef>
+          <a:fontRef idx="minor">
+            <a:schemeClr val="dk1"/>
+          </a:fontRef>
+        </p:style>
+        <p:txBody>
+          <a:bodyPr rtlCol="0" anchor="ctr"/>
+          <a:lstStyle/>
+          <a:p>
+            <a:pPr algn="ctr"/>
+            <a:endParaRPr lang="fr-FR" sz="500" dirty="0"/>
+          </a:p>
+        </p:txBody>
+      </p:sp>
+      <p:sp>
+        <p:nvSpPr>
+          <p:cNvPr id="25" name="Flèche droite 24"/>
+          <p:cNvSpPr/>
+          <p:nvPr/>
+        </p:nvSpPr>
+        <p:spPr>
+          <a:xfrm>
+            <a:off x="7643834" y="3804049"/>
+            <a:ext cx="500066" cy="125017"/>
+          </a:xfrm>
+          <a:prstGeom prst="rightArrow">
+            <a:avLst/>
+          </a:prstGeom>
+          <a:effectLst>
+            <a:outerShdw blurRad="50800" dist="38100" dir="2700000" algn="tl" rotWithShape="0">
+              <a:prstClr val="black">
+                <a:alpha val="40000"/>
+              </a:prstClr>
+            </a:outerShdw>
+          </a:effectLst>
+        </p:spPr>
+        <p:style>
+          <a:lnRef idx="2">
+            <a:schemeClr val="accent6"/>
+          </a:lnRef>
+          <a:fillRef idx="1">
+            <a:schemeClr val="lt1"/>
+          </a:fillRef>
+          <a:effectRef idx="0">
+            <a:schemeClr val="accent6"/>
+          </a:effectRef>
+          <a:fontRef idx="minor">
+            <a:schemeClr val="dk1"/>
+          </a:fontRef>
+        </p:style>
+        <p:txBody>
+          <a:bodyPr rtlCol="0" anchor="ctr"/>
+          <a:lstStyle/>
+          <a:p>
+            <a:pPr algn="ctr"/>
+            <a:endParaRPr lang="fr-FR" sz="500" dirty="0"/>
+          </a:p>
+        </p:txBody>
+      </p:sp>
+      <p:sp>
+        <p:nvSpPr>
+          <p:cNvPr id="27" name="ZoneTexte 26"/>
+          <p:cNvSpPr txBox="1"/>
+          <p:nvPr/>
+        </p:nvSpPr>
+        <p:spPr>
+          <a:xfrm>
+            <a:off x="7358082" y="3214686"/>
+            <a:ext cx="1186543" cy="338554"/>
+          </a:xfrm>
+          <a:prstGeom prst="rect">
+            <a:avLst/>
+          </a:prstGeom>
+          <a:noFill/>
+        </p:spPr>
+        <p:txBody>
+          <a:bodyPr wrap="none" rtlCol="0">
+            <a:spAutoFit/>
+          </a:bodyPr>
+          <a:lstStyle/>
+          <a:p>
+            <a:pPr marL="0" marR="0" indent="0" algn="l" defTabSz="914400" rtl="0" eaLnBrk="1" fontAlgn="auto" latinLnBrk="0" hangingPunct="1">
+              <a:lnSpc>
+                <a:spcPct val="100000"/>
+              </a:lnSpc>
+              <a:spcBef>
+                <a:spcPct val="20000"/>
+              </a:spcBef>
+              <a:spcAft>
+                <a:spcPts val="0"/>
+              </a:spcAft>
+              <a:buClrTx/>
+              <a:buSzTx/>
+              <a:buFontTx/>
+              <a:buNone/>
+              <a:tabLst/>
+            </a:pPr>
+            <a:r>
+              <a:rPr kumimoji="0" lang="fr-FR" sz="1600" b="1" i="0" u="none" strike="noStrike" kern="0" cap="none" spc="0" normalizeH="0" baseline="0" noProof="0" dirty="0" smtClean="0">
+                <a:ln>
+                  <a:noFill/>
+                </a:ln>
+                <a:solidFill>
+                  <a:schemeClr val="accent6">
+                    <a:lumMod val="75000"/>
+                  </a:schemeClr>
+                </a:solidFill>
+                <a:effectLst/>
+                <a:uLnTx/>
+                <a:uFillTx/>
+                <a:latin typeface="+mn-lt"/>
+                <a:ea typeface="+mn-ea"/>
+                <a:cs typeface="+mn-cs"/>
+              </a:rPr>
+              <a:t>Component</a:t>
+            </a:r>
+          </a:p>
+        </p:txBody>
+      </p:sp>
+      <p:sp>
+        <p:nvSpPr>
+          <p:cNvPr id="28" name="Rectangle 27"/>
+          <p:cNvSpPr/>
+          <p:nvPr/>
+        </p:nvSpPr>
+        <p:spPr>
+          <a:xfrm>
+            <a:off x="8143900" y="3714752"/>
+            <a:ext cx="500066" cy="250033"/>
+          </a:xfrm>
+          <a:prstGeom prst="rect">
+            <a:avLst/>
+          </a:prstGeom>
+          <a:effectLst>
+            <a:outerShdw blurRad="50800" dist="38100" dir="2700000" algn="tl" rotWithShape="0">
+              <a:prstClr val="black">
+                <a:alpha val="40000"/>
+              </a:prstClr>
+            </a:outerShdw>
+          </a:effectLst>
+        </p:spPr>
+        <p:style>
+          <a:lnRef idx="2">
+            <a:schemeClr val="accent6"/>
+          </a:lnRef>
+          <a:fillRef idx="1">
+            <a:schemeClr val="lt1"/>
+          </a:fillRef>
+          <a:effectRef idx="0">
+            <a:schemeClr val="accent6"/>
+          </a:effectRef>
+          <a:fontRef idx="minor">
+            <a:schemeClr val="dk1"/>
+          </a:fontRef>
+        </p:style>
+        <p:txBody>
+          <a:bodyPr rtlCol="0" anchor="ctr"/>
+          <a:lstStyle/>
+          <a:p>
+            <a:pPr algn="ctr"/>
+            <a:endParaRPr lang="fr-FR" sz="500" dirty="0"/>
+          </a:p>
+        </p:txBody>
+      </p:sp>
+      <p:sp>
+        <p:nvSpPr>
+          <p:cNvPr id="30" name="Flèche droite 29"/>
+          <p:cNvSpPr/>
+          <p:nvPr/>
+        </p:nvSpPr>
+        <p:spPr>
+          <a:xfrm rot="5400000">
+            <a:off x="8215338" y="4071942"/>
+            <a:ext cx="285752" cy="142876"/>
+          </a:xfrm>
+          <a:prstGeom prst="rightArrow">
+            <a:avLst/>
+          </a:prstGeom>
+          <a:effectLst>
+            <a:outerShdw blurRad="50800" dist="38100" dir="2700000" algn="tl" rotWithShape="0">
+              <a:prstClr val="black">
+                <a:alpha val="40000"/>
+              </a:prstClr>
+            </a:outerShdw>
+          </a:effectLst>
+        </p:spPr>
+        <p:style>
+          <a:lnRef idx="2">
+            <a:schemeClr val="accent6"/>
+          </a:lnRef>
+          <a:fillRef idx="1">
+            <a:schemeClr val="lt1"/>
+          </a:fillRef>
+          <a:effectRef idx="0">
+            <a:schemeClr val="accent6"/>
+          </a:effectRef>
+          <a:fontRef idx="minor">
+            <a:schemeClr val="dk1"/>
+          </a:fontRef>
+        </p:style>
+        <p:txBody>
+          <a:bodyPr rtlCol="0" anchor="ctr"/>
+          <a:lstStyle/>
+          <a:p>
+            <a:pPr algn="ctr"/>
+            <a:endParaRPr lang="fr-FR" sz="100" dirty="0"/>
+          </a:p>
+        </p:txBody>
+      </p:sp>
+      <p:sp>
+        <p:nvSpPr>
+          <p:cNvPr id="29" name="Rectangle 28"/>
+          <p:cNvSpPr/>
+          <p:nvPr/>
+        </p:nvSpPr>
+        <p:spPr>
+          <a:xfrm>
+            <a:off x="8143900" y="4286256"/>
+            <a:ext cx="500066" cy="250033"/>
+          </a:xfrm>
+          <a:prstGeom prst="rect">
+            <a:avLst/>
+          </a:prstGeom>
+          <a:effectLst>
+            <a:outerShdw blurRad="50800" dist="38100" dir="2700000" algn="tl" rotWithShape="0">
+              <a:prstClr val="black">
+                <a:alpha val="40000"/>
+              </a:prstClr>
+            </a:outerShdw>
+          </a:effectLst>
+        </p:spPr>
+        <p:style>
+          <a:lnRef idx="2">
+            <a:schemeClr val="accent6"/>
+          </a:lnRef>
+          <a:fillRef idx="1">
+            <a:schemeClr val="lt1"/>
+          </a:fillRef>
+          <a:effectRef idx="0">
+            <a:schemeClr val="accent6"/>
+          </a:effectRef>
+          <a:fontRef idx="minor">
+            <a:schemeClr val="dk1"/>
+          </a:fontRef>
+        </p:style>
+        <p:txBody>
+          <a:bodyPr rtlCol="0" anchor="ctr"/>
+          <a:lstStyle/>
+          <a:p>
+            <a:pPr algn="ctr"/>
+            <a:endParaRPr lang="fr-FR" sz="500" dirty="0"/>
+          </a:p>
+        </p:txBody>
+      </p:sp>
+    </p:spTree>
+  </p:cSld>
+  <p:clrMapOvr>
+    <a:masterClrMapping/>
+  </p:clrMapOvr>
+  <p:timing>
+    <p:tnLst>
+      <p:par>
+        <p:cTn id="1" dur="indefinite" restart="never" nodeType="tmRoot"/>
+      </p:par>
+    </p:tnLst>
+  </p:timing>
+</p:sld>
+</file>
+
+<file path=ppt/slides/slide11.xml><?xml version="1.0" encoding="utf-8"?>
+<p:sld xmlns:a="http://schemas.openxmlformats.org/drawingml/2006/main" xmlns:r="http://schemas.openxmlformats.org/officeDocument/2006/relationships" xmlns:p="http://schemas.openxmlformats.org/presentationml/2006/main">
+  <p:cSld>
+    <p:spTree>
+      <p:nvGrpSpPr>
+        <p:cNvPr id="1" name=""/>
+        <p:cNvGrpSpPr/>
+        <p:nvPr/>
+      </p:nvGrpSpPr>
+      <p:grpSpPr>
+        <a:xfrm>
+          <a:off x="0" y="0"/>
+          <a:ext cx="0" cy="0"/>
+          <a:chOff x="0" y="0"/>
+          <a:chExt cx="0" cy="0"/>
+        </a:xfrm>
+      </p:grpSpPr>
+      <p:sp>
+        <p:nvSpPr>
+          <p:cNvPr id="2" name="Titre 1"/>
+          <p:cNvSpPr>
+            <a:spLocks noGrp="1"/>
+          </p:cNvSpPr>
+          <p:nvPr>
+            <p:ph type="ctrTitle"/>
+          </p:nvPr>
+        </p:nvSpPr>
+        <p:spPr/>
+        <p:txBody>
+          <a:bodyPr/>
+          <a:lstStyle/>
+          <a:p>
+            <a:r>
+              <a:rPr lang="fr-FR" dirty="0" smtClean="0"/>
+              <a:t>A</a:t>
+            </a:r>
+            <a:r>
+              <a:rPr smtClean="0"/>
+              <a:t>cme description (cont.)</a:t>
+            </a:r>
+            <a:endParaRPr lang="fr-FR" dirty="0"/>
+          </a:p>
+        </p:txBody>
+      </p:sp>
+      <p:sp>
+        <p:nvSpPr>
+          <p:cNvPr id="3" name="Espace réservé du texte 2"/>
+          <p:cNvSpPr>
+            <a:spLocks noGrp="1"/>
+          </p:cNvSpPr>
+          <p:nvPr>
+            <p:ph type="body" sz="quarter" idx="10"/>
+          </p:nvPr>
+        </p:nvSpPr>
+        <p:spPr/>
+        <p:txBody>
+          <a:bodyPr/>
+          <a:lstStyle/>
+          <a:p>
+            <a:r>
+              <a:rPr lang="en-US" dirty="0" smtClean="0"/>
+              <a:t>ACME representation allows a translation mechanism…</a:t>
+            </a:r>
+          </a:p>
+          <a:p>
+            <a:pPr lvl="1"/>
+            <a:r>
+              <a:rPr lang="en-US" dirty="0" smtClean="0"/>
+              <a:t>… using properties</a:t>
+            </a:r>
+          </a:p>
+          <a:p>
+            <a:pPr lvl="2"/>
+            <a:r>
+              <a:rPr lang="en-US" dirty="0" smtClean="0"/>
+              <a:t>Runtime semantics</a:t>
+            </a:r>
+          </a:p>
+          <a:p>
+            <a:pPr lvl="2"/>
+            <a:r>
+              <a:rPr lang="en-US" dirty="0" smtClean="0"/>
+              <a:t>Data type for communication between components</a:t>
+            </a:r>
+          </a:p>
+          <a:p>
+            <a:pPr lvl="2"/>
+            <a:r>
+              <a:rPr lang="en-US" dirty="0" smtClean="0"/>
+              <a:t>Protocols of interaction</a:t>
+            </a:r>
+          </a:p>
+          <a:p>
+            <a:pPr lvl="1"/>
+            <a:r>
+              <a:rPr lang="en-US" dirty="0" smtClean="0"/>
+              <a:t>… allowing other tools to interpret the architecture</a:t>
+            </a:r>
+          </a:p>
+          <a:p>
+            <a:pPr lvl="2"/>
+            <a:r>
+              <a:rPr lang="en-US" dirty="0" smtClean="0"/>
+              <a:t>ADL's (Wright, </a:t>
+            </a:r>
+            <a:r>
+              <a:rPr lang="en-US" dirty="0" err="1" smtClean="0"/>
+              <a:t>Unicon</a:t>
+            </a:r>
+            <a:r>
+              <a:rPr lang="en-US" dirty="0" smtClean="0"/>
+              <a:t>, etc.)</a:t>
+            </a:r>
+          </a:p>
+          <a:p>
+            <a:pPr lvl="2"/>
+            <a:r>
+              <a:rPr lang="en-US" dirty="0" smtClean="0"/>
+              <a:t>…</a:t>
+            </a:r>
+          </a:p>
+          <a:p>
+            <a:endParaRPr lang="en-US" dirty="0" smtClean="0"/>
+          </a:p>
+          <a:p>
+            <a:r>
+              <a:rPr lang="en-US" dirty="0" smtClean="0"/>
+              <a:t>Type structuring allows the architect to create templates to be</a:t>
+            </a:r>
+          </a:p>
+          <a:p>
+            <a:pPr lvl="1"/>
+            <a:r>
+              <a:rPr lang="en-US" dirty="0" smtClean="0"/>
+              <a:t>Used within a project  : from one client/one server to multiple clients/multiple servers architecture</a:t>
+            </a:r>
+          </a:p>
+          <a:p>
+            <a:pPr lvl="1"/>
+            <a:r>
+              <a:rPr lang="en-US" dirty="0" smtClean="0"/>
+              <a:t>Reused in other projects involving the same kind of structure</a:t>
+            </a:r>
+          </a:p>
+          <a:p>
+            <a:endParaRPr lang="en-US" dirty="0" smtClean="0"/>
+          </a:p>
+          <a:p>
+            <a:endParaRPr lang="en-US" dirty="0" smtClean="0"/>
+          </a:p>
+          <a:p>
+            <a:endParaRPr lang="en-US" dirty="0"/>
+          </a:p>
+        </p:txBody>
+      </p:sp>
+    </p:spTree>
+  </p:cSld>
+  <p:clrMapOvr>
+    <a:masterClrMapping/>
+  </p:clrMapOvr>
+  <p:timing>
+    <p:tnLst>
+      <p:par>
+        <p:cTn id="1" dur="indefinite" restart="never" nodeType="tmRoot"/>
+      </p:par>
+    </p:tnLst>
+  </p:timing>
+</p:sld>
+</file>
+
+<file path=ppt/slides/slide12.xml><?xml version="1.0" encoding="utf-8"?>
+<p:sld xmlns:a="http://schemas.openxmlformats.org/drawingml/2006/main" xmlns:r="http://schemas.openxmlformats.org/officeDocument/2006/relationships" xmlns:p="http://schemas.openxmlformats.org/presentationml/2006/main">
+  <p:cSld>
+    <p:spTree>
+      <p:nvGrpSpPr>
+        <p:cNvPr id="1" name=""/>
+        <p:cNvGrpSpPr/>
+        <p:nvPr/>
+      </p:nvGrpSpPr>
+      <p:grpSpPr>
+        <a:xfrm>
+          <a:off x="0" y="0"/>
+          <a:ext cx="0" cy="0"/>
+          <a:chOff x="0" y="0"/>
+          <a:chExt cx="0" cy="0"/>
+        </a:xfrm>
+      </p:grpSpPr>
+      <p:sp>
+        <p:nvSpPr>
+          <p:cNvPr id="2" name="Titre 1"/>
+          <p:cNvSpPr>
+            <a:spLocks noGrp="1"/>
+          </p:cNvSpPr>
+          <p:nvPr>
+            <p:ph type="ctrTitle"/>
+          </p:nvPr>
+        </p:nvSpPr>
+        <p:spPr/>
+        <p:txBody>
+          <a:bodyPr/>
+          <a:lstStyle/>
+          <a:p>
+            <a:r>
+              <a:rPr lang="fr-FR" dirty="0" smtClean="0"/>
+              <a:t>A</a:t>
+            </a:r>
+            <a:r>
+              <a:rPr smtClean="0"/>
+              <a:t>cme description (cont.)</a:t>
+            </a:r>
+            <a:endParaRPr lang="fr-FR" dirty="0"/>
+          </a:p>
+        </p:txBody>
+      </p:sp>
+      <p:sp>
+        <p:nvSpPr>
+          <p:cNvPr id="3" name="Espace réservé du texte 2"/>
+          <p:cNvSpPr>
+            <a:spLocks noGrp="1"/>
+          </p:cNvSpPr>
+          <p:nvPr>
+            <p:ph type="body" sz="quarter" idx="10"/>
+          </p:nvPr>
+        </p:nvSpPr>
+        <p:spPr>
+          <a:xfrm>
+            <a:off x="285750" y="1285860"/>
+            <a:ext cx="8643968" cy="5286390"/>
+          </a:xfrm>
+        </p:spPr>
+        <p:txBody>
+          <a:bodyPr/>
+          <a:lstStyle/>
+          <a:p>
+            <a:r>
+              <a:rPr lang="en-US" dirty="0" smtClean="0"/>
+              <a:t>Representation and properties of a component</a:t>
+            </a:r>
+          </a:p>
+          <a:p>
+            <a:endParaRPr lang="en-US" dirty="0" smtClean="0"/>
+          </a:p>
+          <a:p>
+            <a:endParaRPr lang="en-US" dirty="0" smtClean="0"/>
+          </a:p>
+          <a:p>
+            <a:endParaRPr lang="en-US" dirty="0"/>
+          </a:p>
+        </p:txBody>
+      </p:sp>
+      <p:pic>
+        <p:nvPicPr>
+          <p:cNvPr id="3074" name="Picture 2" descr="D:\Bureau\RepresentationsAndProperties.png"/>
+          <p:cNvPicPr>
+            <a:picLocks noChangeAspect="1" noChangeArrowheads="1"/>
+          </p:cNvPicPr>
+          <p:nvPr/>
+        </p:nvPicPr>
+        <p:blipFill>
+          <a:blip r:embed="rId2"/>
+          <a:srcRect t="5847" b="6450"/>
+          <a:stretch>
+            <a:fillRect/>
+          </a:stretch>
+        </p:blipFill>
+        <p:spPr bwMode="auto">
+          <a:xfrm>
+            <a:off x="500034" y="1857364"/>
+            <a:ext cx="8286808" cy="4661330"/>
+          </a:xfrm>
+          <a:prstGeom prst="roundRect">
+            <a:avLst>
+              <a:gd name="adj" fmla="val 8594"/>
+            </a:avLst>
+          </a:prstGeom>
+          <a:solidFill>
+            <a:srgbClr val="FFFFFF">
+              <a:shade val="85000"/>
+            </a:srgbClr>
+          </a:solidFill>
+          <a:ln>
+            <a:noFill/>
+          </a:ln>
+          <a:effectLst>
+            <a:outerShdw blurRad="50800" dist="38100" dir="2700000" algn="tl" rotWithShape="0">
+              <a:prstClr val="black">
+                <a:alpha val="40000"/>
+              </a:prstClr>
+            </a:outerShdw>
+          </a:effectLst>
+        </p:spPr>
+      </p:pic>
+    </p:spTree>
+  </p:cSld>
+  <p:clrMapOvr>
+    <a:masterClrMapping/>
+  </p:clrMapOvr>
+  <p:timing>
+    <p:tnLst>
+      <p:par>
+        <p:cTn id="1" dur="indefinite" restart="never" nodeType="tmRoot"/>
+      </p:par>
+    </p:tnLst>
+  </p:timing>
+</p:sld>
+</file>
+
+<file path=ppt/slides/slide13.xml><?xml version="1.0" encoding="utf-8"?>
+<p:sld xmlns:a="http://schemas.openxmlformats.org/drawingml/2006/main" xmlns:r="http://schemas.openxmlformats.org/officeDocument/2006/relationships" xmlns:p="http://schemas.openxmlformats.org/presentationml/2006/main">
+  <p:cSld>
+    <p:spTree>
+      <p:nvGrpSpPr>
+        <p:cNvPr id="1" name=""/>
+        <p:cNvGrpSpPr/>
+        <p:nvPr/>
+      </p:nvGrpSpPr>
+      <p:grpSpPr>
+        <a:xfrm>
+          <a:off x="0" y="0"/>
+          <a:ext cx="0" cy="0"/>
+          <a:chOff x="0" y="0"/>
+          <a:chExt cx="0" cy="0"/>
+        </a:xfrm>
+      </p:grpSpPr>
+      <p:sp>
+        <p:nvSpPr>
+          <p:cNvPr id="2" name="Titre 1"/>
+          <p:cNvSpPr>
+            <a:spLocks noGrp="1"/>
+          </p:cNvSpPr>
+          <p:nvPr>
+            <p:ph type="ctrTitle"/>
+          </p:nvPr>
+        </p:nvSpPr>
+        <p:spPr/>
+        <p:txBody>
+          <a:bodyPr/>
+          <a:lstStyle/>
+          <a:p>
+            <a:r>
+              <a:rPr lang="fr-FR" dirty="0" smtClean="0"/>
+              <a:t>A</a:t>
+            </a:r>
+            <a:r>
+              <a:rPr smtClean="0"/>
+              <a:t>cme language</a:t>
+            </a:r>
+            <a:endParaRPr lang="fr-FR" dirty="0"/>
+          </a:p>
+        </p:txBody>
+      </p:sp>
+      <p:sp>
+        <p:nvSpPr>
+          <p:cNvPr id="3" name="Espace réservé du texte 2"/>
+          <p:cNvSpPr>
+            <a:spLocks noGrp="1"/>
+          </p:cNvSpPr>
+          <p:nvPr>
+            <p:ph type="body" sz="quarter" idx="10"/>
+          </p:nvPr>
+        </p:nvSpPr>
+        <p:spPr/>
+        <p:txBody>
+          <a:bodyPr/>
+          <a:lstStyle/>
+          <a:p>
+            <a:r>
+              <a:rPr smtClean="0"/>
+              <a:t>Language is based on </a:t>
+            </a:r>
+          </a:p>
+          <a:p>
+            <a:pPr lvl="1"/>
+            <a:r>
+              <a:rPr smtClean="0"/>
+              <a:t>First order predicate logic </a:t>
+            </a:r>
+          </a:p>
+          <a:p>
+            <a:pPr lvl="1"/>
+            <a:r>
+              <a:rPr smtClean="0"/>
+              <a:t>Rules checking if architectural model is well formed</a:t>
+            </a:r>
+          </a:p>
+          <a:p>
+            <a:endParaRPr smtClean="0"/>
+          </a:p>
+          <a:p>
+            <a:r>
+              <a:rPr smtClean="0"/>
+              <a:t>Rules can be define</a:t>
+            </a:r>
+          </a:p>
+          <a:p>
+            <a:pPr lvl="1"/>
+            <a:r>
+              <a:rPr smtClean="0"/>
+              <a:t>By the style designer</a:t>
+            </a:r>
+          </a:p>
+          <a:p>
+            <a:pPr lvl="1"/>
+            <a:r>
+              <a:rPr smtClean="0"/>
+              <a:t>By ourself</a:t>
+            </a:r>
+          </a:p>
+          <a:p>
+            <a:pPr lvl="1"/>
+            <a:endParaRPr smtClean="0"/>
+          </a:p>
+          <a:p>
+            <a:r>
+              <a:rPr smtClean="0"/>
+              <a:t>2 types of rules</a:t>
+            </a:r>
+          </a:p>
+          <a:p>
+            <a:pPr lvl="1"/>
+            <a:r>
+              <a:rPr smtClean="0"/>
+              <a:t>Invariant : violations of which are errors</a:t>
+            </a:r>
+          </a:p>
+          <a:p>
+            <a:pPr lvl="1"/>
+            <a:r>
+              <a:rPr smtClean="0"/>
+              <a:t>Heuristics : violations of which leads to warnings</a:t>
+            </a:r>
+            <a:endParaRPr lang="fr-FR" dirty="0"/>
+          </a:p>
+        </p:txBody>
+      </p:sp>
+    </p:spTree>
+  </p:cSld>
+  <p:clrMapOvr>
+    <a:masterClrMapping/>
+  </p:clrMapOvr>
+</p:sld>
+</file>
+
+<file path=ppt/slides/slide14.xml><?xml version="1.0" encoding="utf-8"?>
+<p:sld xmlns:a="http://schemas.openxmlformats.org/drawingml/2006/main" xmlns:r="http://schemas.openxmlformats.org/officeDocument/2006/relationships" xmlns:p="http://schemas.openxmlformats.org/presentationml/2006/main">
+  <p:cSld>
+    <p:spTree>
+      <p:nvGrpSpPr>
+        <p:cNvPr id="1" name=""/>
+        <p:cNvGrpSpPr/>
+        <p:nvPr/>
+      </p:nvGrpSpPr>
+      <p:grpSpPr>
+        <a:xfrm>
+          <a:off x="0" y="0"/>
+          <a:ext cx="0" cy="0"/>
+          <a:chOff x="0" y="0"/>
+          <a:chExt cx="0" cy="0"/>
+        </a:xfrm>
+      </p:grpSpPr>
+      <p:sp>
+        <p:nvSpPr>
+          <p:cNvPr id="2" name="Titre 1"/>
+          <p:cNvSpPr>
+            <a:spLocks noGrp="1"/>
+          </p:cNvSpPr>
+          <p:nvPr>
+            <p:ph type="ctrTitle"/>
+          </p:nvPr>
+        </p:nvSpPr>
+        <p:spPr/>
+        <p:txBody>
+          <a:bodyPr/>
+          <a:lstStyle/>
+          <a:p>
+            <a:r>
+              <a:rPr smtClean="0"/>
+              <a:t>Acme tool</a:t>
+            </a:r>
+            <a:endParaRPr lang="fr-FR" dirty="0"/>
+          </a:p>
+        </p:txBody>
+      </p:sp>
+      <p:sp>
+        <p:nvSpPr>
+          <p:cNvPr id="3" name="Espace réservé du texte 2"/>
+          <p:cNvSpPr>
+            <a:spLocks noGrp="1"/>
+          </p:cNvSpPr>
+          <p:nvPr>
+            <p:ph type="body" sz="quarter" idx="10"/>
+          </p:nvPr>
+        </p:nvSpPr>
+        <p:spPr/>
+        <p:txBody>
+          <a:bodyPr/>
+          <a:lstStyle/>
+          <a:p>
+            <a:r>
+              <a:rPr lang="en-US" b="1" i="1" dirty="0" smtClean="0"/>
+              <a:t>Eclipse</a:t>
+            </a:r>
+            <a:r>
+              <a:rPr lang="en-US" dirty="0" smtClean="0"/>
+              <a:t> plug-in software : </a:t>
+            </a:r>
+            <a:r>
+              <a:rPr lang="en-US" b="1" i="1" dirty="0" err="1" smtClean="0"/>
+              <a:t>AcmeStudio</a:t>
+            </a:r>
+            <a:endParaRPr lang="en-US" b="1" i="1" dirty="0" smtClean="0"/>
+          </a:p>
+          <a:p>
+            <a:endParaRPr lang="en-US" dirty="0" smtClean="0"/>
+          </a:p>
+          <a:p>
+            <a:r>
+              <a:rPr lang="en-US" dirty="0" err="1" smtClean="0"/>
+              <a:t>AcmeStudio</a:t>
+            </a:r>
+            <a:endParaRPr lang="en-US" dirty="0" smtClean="0"/>
+          </a:p>
+          <a:p>
+            <a:pPr lvl="1"/>
+            <a:r>
+              <a:rPr smtClean="0"/>
+              <a:t>Graphical interface</a:t>
+            </a:r>
+          </a:p>
+          <a:p>
+            <a:pPr lvl="1"/>
+            <a:r>
+              <a:rPr smtClean="0"/>
+              <a:t>Architecture drawing</a:t>
+            </a:r>
+          </a:p>
+          <a:p>
+            <a:pPr lvl="1"/>
+            <a:r>
+              <a:rPr smtClean="0"/>
+              <a:t>Design analyze</a:t>
+            </a:r>
+          </a:p>
+          <a:p>
+            <a:pPr lvl="1"/>
+            <a:r>
+              <a:rPr smtClean="0"/>
+              <a:t>Language description (development)</a:t>
+            </a:r>
+          </a:p>
+          <a:p>
+            <a:pPr lvl="1"/>
+            <a:endParaRPr lang="en-US" dirty="0" smtClean="0"/>
+          </a:p>
+          <a:p>
+            <a:r>
+              <a:rPr lang="en-US" dirty="0" smtClean="0"/>
+              <a:t>Features</a:t>
+            </a:r>
+          </a:p>
+          <a:p>
+            <a:pPr lvl="1"/>
+            <a:r>
+              <a:rPr lang="en-US" dirty="0" smtClean="0"/>
+              <a:t>Create or edit families</a:t>
+            </a:r>
+          </a:p>
+          <a:p>
+            <a:pPr lvl="1"/>
+            <a:r>
+              <a:rPr lang="en-US" dirty="0" smtClean="0"/>
+              <a:t>Edit visualization</a:t>
+            </a:r>
+          </a:p>
+          <a:p>
+            <a:pPr lvl="1"/>
+            <a:r>
+              <a:rPr lang="en-US" dirty="0" smtClean="0"/>
+              <a:t>Edit and check rules</a:t>
+            </a:r>
+          </a:p>
+          <a:p>
+            <a:pPr lvl="1"/>
+            <a:r>
+              <a:rPr lang="en-US" dirty="0" smtClean="0"/>
+              <a:t>Edit properties</a:t>
+            </a:r>
+          </a:p>
+          <a:p>
+            <a:pPr lvl="1"/>
+            <a:r>
+              <a:rPr lang="en-US" dirty="0" smtClean="0"/>
+              <a:t>Etc…</a:t>
+            </a:r>
+          </a:p>
+          <a:p>
+            <a:endParaRPr lang="en-US" dirty="0" smtClean="0"/>
+          </a:p>
+          <a:p>
+            <a:endParaRPr lang="en-US" dirty="0" smtClean="0"/>
+          </a:p>
+        </p:txBody>
+      </p:sp>
+    </p:spTree>
+  </p:cSld>
+  <p:clrMapOvr>
+    <a:masterClrMapping/>
+  </p:clrMapOvr>
+  <p:timing>
+    <p:tnLst>
+      <p:par>
+        <p:cTn id="1" dur="indefinite" restart="never" nodeType="tmRoot"/>
+      </p:par>
+    </p:tnLst>
+  </p:timing>
+</p:sld>
+</file>
+
+<file path=ppt/slides/slide15.xml><?xml version="1.0" encoding="utf-8"?>
+<p:sld xmlns:a="http://schemas.openxmlformats.org/drawingml/2006/main" xmlns:r="http://schemas.openxmlformats.org/officeDocument/2006/relationships" xmlns:p="http://schemas.openxmlformats.org/presentationml/2006/main">
+  <p:cSld>
+    <p:spTree>
+      <p:nvGrpSpPr>
+        <p:cNvPr id="1" name=""/>
+        <p:cNvGrpSpPr/>
+        <p:nvPr/>
+      </p:nvGrpSpPr>
+      <p:grpSpPr>
+        <a:xfrm>
+          <a:off x="0" y="0"/>
+          <a:ext cx="0" cy="0"/>
+          <a:chOff x="0" y="0"/>
+          <a:chExt cx="0" cy="0"/>
+        </a:xfrm>
+      </p:grpSpPr>
+      <p:sp>
+        <p:nvSpPr>
+          <p:cNvPr id="2" name="Titre 1"/>
+          <p:cNvSpPr>
+            <a:spLocks noGrp="1"/>
+          </p:cNvSpPr>
+          <p:nvPr>
+            <p:ph type="ctrTitle"/>
+          </p:nvPr>
+        </p:nvSpPr>
+        <p:spPr/>
+        <p:txBody>
+          <a:bodyPr/>
+          <a:lstStyle/>
+          <a:p>
+            <a:r>
+              <a:rPr lang="en-US" dirty="0" smtClean="0"/>
+              <a:t>ATAM</a:t>
+            </a:r>
+            <a:endParaRPr lang="en-US" dirty="0"/>
+          </a:p>
+        </p:txBody>
+      </p:sp>
+      <p:sp>
+        <p:nvSpPr>
+          <p:cNvPr id="3" name="Espace réservé du texte 2"/>
+          <p:cNvSpPr>
+            <a:spLocks noGrp="1"/>
+          </p:cNvSpPr>
+          <p:nvPr>
+            <p:ph type="body" sz="quarter" idx="10"/>
+          </p:nvPr>
+        </p:nvSpPr>
+        <p:spPr/>
+        <p:txBody>
+          <a:bodyPr/>
+          <a:lstStyle/>
+          <a:p>
+            <a:r>
+              <a:rPr b="1" smtClean="0"/>
+              <a:t>"Architecture Tradeoff Analysis Method"</a:t>
+            </a:r>
+          </a:p>
+          <a:p>
+            <a:pPr>
+              <a:buNone/>
+            </a:pPr>
+            <a:endParaRPr b="1" smtClean="0"/>
+          </a:p>
+          <a:p>
+            <a:r>
+              <a:rPr lang="en-US" dirty="0" smtClean="0"/>
+              <a:t>Risk identification method to assess the consequences of architectural decisions in light of quality attribute requirements.</a:t>
+            </a:r>
+            <a:endParaRPr lang="en-US" b="1" dirty="0" smtClean="0"/>
+          </a:p>
+          <a:p>
+            <a:r>
+              <a:rPr lang="en-US" dirty="0" smtClean="0"/>
+              <a:t>The ATAM can be done early in the software development life cycle.</a:t>
+            </a:r>
+            <a:endParaRPr smtClean="0"/>
+          </a:p>
+          <a:p>
+            <a:r>
+              <a:rPr lang="en-US" dirty="0" smtClean="0"/>
+              <a:t>It can be done relatively inexpensively and quickly (because it is assessing architectural design artifacts).</a:t>
+            </a:r>
+            <a:endParaRPr smtClean="0"/>
+          </a:p>
+          <a:p>
+            <a:r>
+              <a:rPr lang="en-US" dirty="0" smtClean="0"/>
+              <a:t>The ATAM will produce analyses commensurate with the level of detail of the architectural specification.</a:t>
+            </a:r>
+            <a:endParaRPr smtClean="0"/>
+          </a:p>
+          <a:p>
+            <a:endParaRPr smtClean="0"/>
+          </a:p>
+          <a:p>
+            <a:endParaRPr lang="en-US" dirty="0"/>
+          </a:p>
+        </p:txBody>
+      </p:sp>
+    </p:spTree>
+  </p:cSld>
+  <p:clrMapOvr>
+    <a:masterClrMapping/>
+  </p:clrMapOvr>
+</p:sld>
+</file>
+
+<file path=ppt/slides/slide16.xml><?xml version="1.0" encoding="utf-8"?>
+<p:sld xmlns:a="http://schemas.openxmlformats.org/drawingml/2006/main" xmlns:r="http://schemas.openxmlformats.org/officeDocument/2006/relationships" xmlns:p="http://schemas.openxmlformats.org/presentationml/2006/main">
+  <p:cSld>
+    <p:spTree>
+      <p:nvGrpSpPr>
+        <p:cNvPr id="1" name=""/>
+        <p:cNvGrpSpPr/>
+        <p:nvPr/>
+      </p:nvGrpSpPr>
+      <p:grpSpPr>
+        <a:xfrm>
+          <a:off x="0" y="0"/>
+          <a:ext cx="0" cy="0"/>
+          <a:chOff x="0" y="0"/>
+          <a:chExt cx="0" cy="0"/>
+        </a:xfrm>
+      </p:grpSpPr>
+      <p:sp>
+        <p:nvSpPr>
+          <p:cNvPr id="2" name="Titre 1"/>
+          <p:cNvSpPr>
+            <a:spLocks noGrp="1"/>
+          </p:cNvSpPr>
+          <p:nvPr>
+            <p:ph type="ctrTitle"/>
+          </p:nvPr>
+        </p:nvSpPr>
+        <p:spPr/>
+        <p:txBody>
+          <a:bodyPr/>
+          <a:lstStyle/>
+          <a:p>
+            <a:r>
+              <a:rPr lang="en-US" dirty="0" smtClean="0"/>
+              <a:t>ATAM(cont’d)</a:t>
+            </a:r>
+            <a:endParaRPr lang="en-US" dirty="0"/>
+          </a:p>
+        </p:txBody>
+      </p:sp>
+      <p:sp>
+        <p:nvSpPr>
+          <p:cNvPr id="3" name="Espace réservé du texte 2"/>
+          <p:cNvSpPr>
+            <a:spLocks noGrp="1"/>
+          </p:cNvSpPr>
+          <p:nvPr>
+            <p:ph type="body" sz="quarter" idx="10"/>
+          </p:nvPr>
+        </p:nvSpPr>
+        <p:spPr/>
+        <p:txBody>
+          <a:bodyPr/>
+          <a:lstStyle/>
+          <a:p>
+            <a:r>
+              <a:rPr lang="en-US" sz="3600" dirty="0" smtClean="0"/>
+              <a:t>Three of the major goals of ATAM are to:</a:t>
+            </a:r>
+            <a:endParaRPr sz="3600" smtClean="0"/>
+          </a:p>
+          <a:p>
+            <a:pPr lvl="1"/>
+            <a:r>
+              <a:rPr lang="en-US" sz="3200" dirty="0" smtClean="0"/>
+              <a:t>elicit and refine a precise statement of the architecture’s driving quality attribute requirements</a:t>
+            </a:r>
+            <a:endParaRPr sz="3200" smtClean="0"/>
+          </a:p>
+          <a:p>
+            <a:pPr lvl="1"/>
+            <a:r>
+              <a:rPr lang="en-US" sz="3200" dirty="0" smtClean="0"/>
+              <a:t>elicit and refine a precise statement of the architectural design decisions</a:t>
+            </a:r>
+            <a:endParaRPr sz="3200" smtClean="0"/>
+          </a:p>
+          <a:p>
+            <a:pPr lvl="1"/>
+            <a:r>
+              <a:rPr lang="en-US" sz="3200" dirty="0" smtClean="0"/>
+              <a:t>evaluate the architectural design decisions to determine if they satisfactorily address the quality requirements</a:t>
+            </a:r>
+            <a:endParaRPr sz="3200" smtClean="0"/>
+          </a:p>
+          <a:p>
+            <a:endParaRPr lang="en-US" sz="3600" dirty="0" smtClean="0"/>
+          </a:p>
+          <a:p>
+            <a:endParaRPr lang="en-US" sz="3600" dirty="0"/>
+          </a:p>
+        </p:txBody>
+      </p:sp>
+    </p:spTree>
+  </p:cSld>
+  <p:clrMapOvr>
+    <a:masterClrMapping/>
+  </p:clrMapOvr>
+</p:sld>
+</file>
+
+<file path=ppt/slides/slide17.xml><?xml version="1.0" encoding="utf-8"?>
+<p:sld xmlns:a="http://schemas.openxmlformats.org/drawingml/2006/main" xmlns:r="http://schemas.openxmlformats.org/officeDocument/2006/relationships" xmlns:p="http://schemas.openxmlformats.org/presentationml/2006/main">
+  <p:cSld>
+    <p:spTree>
+      <p:nvGrpSpPr>
+        <p:cNvPr id="1" name=""/>
+        <p:cNvGrpSpPr/>
+        <p:nvPr/>
+      </p:nvGrpSpPr>
+      <p:grpSpPr>
+        <a:xfrm>
+          <a:off x="0" y="0"/>
+          <a:ext cx="0" cy="0"/>
+          <a:chOff x="0" y="0"/>
+          <a:chExt cx="0" cy="0"/>
+        </a:xfrm>
+      </p:grpSpPr>
+      <p:sp>
+        <p:nvSpPr>
+          <p:cNvPr id="2" name="Titre 1"/>
+          <p:cNvSpPr>
+            <a:spLocks noGrp="1"/>
+          </p:cNvSpPr>
+          <p:nvPr>
+            <p:ph type="ctrTitle"/>
+          </p:nvPr>
+        </p:nvSpPr>
+        <p:spPr/>
+        <p:txBody>
+          <a:bodyPr/>
+          <a:lstStyle/>
+          <a:p>
+            <a:r>
+              <a:rPr lang="en-US" dirty="0" smtClean="0"/>
+              <a:t>ATAM(cont’d)</a:t>
+            </a:r>
+            <a:endParaRPr lang="en-US" dirty="0"/>
+          </a:p>
+        </p:txBody>
+      </p:sp>
+      <p:sp>
+        <p:nvSpPr>
+          <p:cNvPr id="3" name="Espace réservé du texte 2"/>
+          <p:cNvSpPr>
+            <a:spLocks noGrp="1"/>
+          </p:cNvSpPr>
+          <p:nvPr>
+            <p:ph type="body" sz="quarter" idx="10"/>
+          </p:nvPr>
+        </p:nvSpPr>
+        <p:spPr/>
+        <p:txBody>
+          <a:bodyPr/>
+          <a:lstStyle/>
+          <a:p>
+            <a:r>
+              <a:rPr lang="en-US" dirty="0" smtClean="0"/>
+              <a:t>The output of an ATAM is an out-brief presentation and/or a written report that includes the major findings of the evaluation. These are typically:</a:t>
+            </a:r>
+          </a:p>
+          <a:p>
+            <a:pPr>
+              <a:buNone/>
+            </a:pPr>
+            <a:endParaRPr lang="en-US" dirty="0" smtClean="0"/>
+          </a:p>
+          <a:p>
+            <a:pPr lvl="1"/>
+            <a:r>
+              <a:rPr lang="en-US" sz="2400" dirty="0" smtClean="0"/>
+              <a:t>the architectural styles identified</a:t>
+            </a:r>
+          </a:p>
+          <a:p>
+            <a:pPr lvl="1"/>
+            <a:r>
+              <a:rPr lang="en-US" sz="2400" dirty="0" smtClean="0"/>
+              <a:t>a "utility tree" — a hierarchic model of the driving architectural requirements</a:t>
+            </a:r>
+          </a:p>
+          <a:p>
+            <a:pPr lvl="1"/>
+            <a:r>
+              <a:rPr lang="en-US" sz="2400" dirty="0" smtClean="0"/>
+              <a:t>the tradeoff points</a:t>
+            </a:r>
+          </a:p>
+          <a:p>
+            <a:pPr lvl="1"/>
+            <a:r>
+              <a:rPr lang="en-US" sz="2400" dirty="0" smtClean="0"/>
+              <a:t>the sensitivity points</a:t>
+            </a:r>
+          </a:p>
+          <a:p>
+            <a:pPr lvl="1"/>
+            <a:r>
+              <a:rPr lang="en-US" sz="2400" dirty="0" smtClean="0"/>
+              <a:t>a set of identified risks</a:t>
+            </a:r>
+          </a:p>
+          <a:p>
+            <a:pPr lvl="1"/>
+            <a:r>
+              <a:rPr lang="en-US" sz="2400" dirty="0" smtClean="0"/>
+              <a:t>a set of identified non-risks</a:t>
+            </a:r>
+          </a:p>
+          <a:p>
+            <a:endParaRPr lang="en-US" dirty="0"/>
+          </a:p>
+        </p:txBody>
+      </p:sp>
+    </p:spTree>
+  </p:cSld>
+  <p:clrMapOvr>
+    <a:masterClrMapping/>
+  </p:clrMapOvr>
+</p:sld>
+</file>
+
+<file path=ppt/slides/slide18.xml><?xml version="1.0" encoding="utf-8"?>
+<p:sld xmlns:a="http://schemas.openxmlformats.org/drawingml/2006/main" xmlns:r="http://schemas.openxmlformats.org/officeDocument/2006/relationships" xmlns:p="http://schemas.openxmlformats.org/presentationml/2006/main">
+  <p:cSld>
+    <p:spTree>
+      <p:nvGrpSpPr>
+        <p:cNvPr id="1" name=""/>
+        <p:cNvGrpSpPr/>
+        <p:nvPr/>
+      </p:nvGrpSpPr>
+      <p:grpSpPr>
+        <a:xfrm>
+          <a:off x="0" y="0"/>
+          <a:ext cx="0" cy="0"/>
+          <a:chOff x="0" y="0"/>
+          <a:chExt cx="0" cy="0"/>
+        </a:xfrm>
+      </p:grpSpPr>
+      <p:sp>
+        <p:nvSpPr>
+          <p:cNvPr id="2" name="Titre 1"/>
+          <p:cNvSpPr>
+            <a:spLocks noGrp="1"/>
+          </p:cNvSpPr>
+          <p:nvPr>
+            <p:ph type="ctrTitle"/>
+          </p:nvPr>
+        </p:nvSpPr>
+        <p:spPr/>
+        <p:txBody>
+          <a:bodyPr/>
+          <a:lstStyle/>
+          <a:p>
+            <a:r>
+              <a:rPr lang="en-US" dirty="0" err="1" smtClean="0"/>
+              <a:t>Atam</a:t>
+            </a:r>
+            <a:r>
+              <a:rPr lang="en-US" dirty="0" smtClean="0"/>
+              <a:t> assessment steps</a:t>
+            </a:r>
+            <a:endParaRPr lang="en-US" dirty="0"/>
+          </a:p>
+        </p:txBody>
+      </p:sp>
+      <p:sp>
+        <p:nvSpPr>
+          <p:cNvPr id="3" name="Espace réservé du texte 2"/>
+          <p:cNvSpPr>
+            <a:spLocks noGrp="1"/>
+          </p:cNvSpPr>
+          <p:nvPr>
+            <p:ph type="body" sz="quarter" idx="10"/>
+          </p:nvPr>
+        </p:nvSpPr>
+        <p:spPr/>
+        <p:txBody>
+          <a:bodyPr/>
+          <a:lstStyle/>
+          <a:p>
+            <a:endParaRPr smtClean="0"/>
+          </a:p>
+        </p:txBody>
+      </p:sp>
+      <p:graphicFrame>
+        <p:nvGraphicFramePr>
+          <p:cNvPr id="4" name="Diagramme 3"/>
+          <p:cNvGraphicFramePr/>
+          <p:nvPr/>
+        </p:nvGraphicFramePr>
+        <p:xfrm>
+          <a:off x="428596" y="1161135"/>
+          <a:ext cx="8358246" cy="5411137"/>
+        </p:xfrm>
+        <a:graphic>
+          <a:graphicData uri="http://schemas.openxmlformats.org/drawingml/2006/diagram">
+            <dgm:relIds xmlns:dgm="http://schemas.openxmlformats.org/drawingml/2006/diagram" xmlns:r="http://schemas.openxmlformats.org/officeDocument/2006/relationships" r:dm="rId2" r:lo="rId3" r:qs="rId4" r:cs="rId5"/>
+          </a:graphicData>
+        </a:graphic>
+      </p:graphicFrame>
+    </p:spTree>
+  </p:cSld>
+  <p:clrMapOvr>
+    <a:masterClrMapping/>
+  </p:clrMapOvr>
+  <p:timing>
+    <p:tnLst>
+      <p:par>
+        <p:cTn id="1" dur="indefinite" restart="never" nodeType="tmRoot"/>
+      </p:par>
+    </p:tnLst>
+  </p:timing>
+</p:sld>
+</file>
+
+<file path=ppt/slides/slide19.xml><?xml version="1.0" encoding="utf-8"?>
+<p:sld xmlns:a="http://schemas.openxmlformats.org/drawingml/2006/main" xmlns:r="http://schemas.openxmlformats.org/officeDocument/2006/relationships" xmlns:p="http://schemas.openxmlformats.org/presentationml/2006/main">
+  <p:cSld>
+    <p:spTree>
+      <p:nvGrpSpPr>
+        <p:cNvPr id="1" name=""/>
+        <p:cNvGrpSpPr/>
+        <p:nvPr/>
+      </p:nvGrpSpPr>
+      <p:grpSpPr>
+        <a:xfrm>
+          <a:off x="0" y="0"/>
+          <a:ext cx="0" cy="0"/>
+          <a:chOff x="0" y="0"/>
+          <a:chExt cx="0" cy="0"/>
+        </a:xfrm>
+      </p:grpSpPr>
+      <p:sp>
+        <p:nvSpPr>
+          <p:cNvPr id="10" name="Rectangle à coins arrondis 9"/>
+          <p:cNvSpPr/>
+          <p:nvPr/>
+        </p:nvSpPr>
+        <p:spPr>
+          <a:xfrm>
+            <a:off x="4786314" y="428604"/>
+            <a:ext cx="4000528" cy="1000132"/>
+          </a:xfrm>
+          <a:prstGeom prst="wedgeRoundRectCallout">
+            <a:avLst>
+              <a:gd name="adj1" fmla="val -40425"/>
+              <a:gd name="adj2" fmla="val 73928"/>
+              <a:gd name="adj3" fmla="val 16667"/>
+            </a:avLst>
+          </a:prstGeom>
+        </p:spPr>
+        <p:style>
+          <a:lnRef idx="2">
+            <a:schemeClr val="accent6"/>
+          </a:lnRef>
+          <a:fillRef idx="1">
+            <a:schemeClr val="lt1"/>
+          </a:fillRef>
+          <a:effectRef idx="0">
+            <a:schemeClr val="accent6"/>
+          </a:effectRef>
+          <a:fontRef idx="minor">
+            <a:schemeClr val="dk1"/>
+          </a:fontRef>
+        </p:style>
+        <p:txBody>
+          <a:bodyPr rtlCol="0" anchor="ctr"/>
+          <a:lstStyle/>
+          <a:p>
+            <a:pPr algn="ctr"/>
+            <a:r>
+              <a:rPr lang="fr-FR" sz="2400" b="1" i="1" dirty="0" err="1" smtClean="0">
+                <a:solidFill>
+                  <a:schemeClr val="accent6"/>
+                </a:solidFill>
+              </a:rPr>
+              <a:t>Thank</a:t>
+            </a:r>
+            <a:r>
+              <a:rPr lang="fr-FR" sz="2400" b="1" i="1" dirty="0" smtClean="0">
+                <a:solidFill>
+                  <a:schemeClr val="accent6"/>
+                </a:solidFill>
+              </a:rPr>
+              <a:t> </a:t>
+            </a:r>
+            <a:r>
+              <a:rPr lang="fr-FR" sz="2400" b="1" i="1" dirty="0" err="1" smtClean="0">
+                <a:solidFill>
+                  <a:schemeClr val="accent6"/>
+                </a:solidFill>
+              </a:rPr>
+              <a:t>you</a:t>
+            </a:r>
+            <a:r>
+              <a:rPr lang="fr-FR" sz="2400" b="1" i="1" dirty="0" smtClean="0">
+                <a:solidFill>
+                  <a:schemeClr val="accent6"/>
+                </a:solidFill>
+              </a:rPr>
+              <a:t> for attention !</a:t>
+            </a:r>
+            <a:endParaRPr lang="fr-FR" sz="2400" b="1" i="1" dirty="0">
+              <a:solidFill>
+                <a:schemeClr val="accent6"/>
+              </a:solidFill>
+            </a:endParaRPr>
+          </a:p>
+        </p:txBody>
+      </p:sp>
+      <p:sp>
+        <p:nvSpPr>
+          <p:cNvPr id="2" name="Sous-titre 1"/>
+          <p:cNvSpPr>
+            <a:spLocks noGrp="1"/>
+          </p:cNvSpPr>
+          <p:nvPr>
+            <p:ph type="subTitle" idx="1"/>
+          </p:nvPr>
+        </p:nvSpPr>
+        <p:spPr>
+          <a:xfrm>
+            <a:off x="214313" y="4786313"/>
+            <a:ext cx="8715375" cy="1643062"/>
+          </a:xfrm>
+        </p:spPr>
+        <p:txBody>
+          <a:bodyPr vert="horz" wrap="square" lIns="91440" tIns="45720" rIns="91440" bIns="45720" numCol="1" anchor="t" anchorCtr="0" compatLnSpc="1">
+            <a:prstTxWarp prst="textNoShape">
+              <a:avLst/>
+            </a:prstTxWarp>
+          </a:bodyPr>
+          <a:lstStyle/>
+          <a:p>
+            <a:pPr>
+              <a:defRPr/>
+            </a:pPr>
+            <a:r>
+              <a:rPr altLang="ko-KR" dirty="0" smtClean="0">
+                <a:solidFill>
+                  <a:srgbClr val="C44F00"/>
+                </a:solidFill>
+                <a:effectLst>
+                  <a:outerShdw blurRad="38100" dist="38100" dir="2700000" algn="tl">
+                    <a:srgbClr val="C0C0C0"/>
+                  </a:outerShdw>
+                </a:effectLst>
+                <a:ea typeface="굴림" charset="-127"/>
+              </a:rPr>
+              <a:t>Euro Team</a:t>
+            </a:r>
+          </a:p>
+          <a:p>
+            <a:pPr>
+              <a:defRPr/>
+            </a:pPr>
+            <a:r>
+              <a:rPr altLang="ko-KR" dirty="0" smtClean="0">
+                <a:solidFill>
+                  <a:srgbClr val="595959"/>
+                </a:solidFill>
+                <a:effectLst>
+                  <a:outerShdw blurRad="38100" dist="38100" dir="2700000" algn="tl">
+                    <a:srgbClr val="C0C0C0"/>
+                  </a:outerShdw>
+                </a:effectLst>
+                <a:ea typeface="굴림" charset="-127"/>
+              </a:rPr>
+              <a:t>Alauzet Pierre, </a:t>
+            </a:r>
+            <a:r>
+              <a:rPr altLang="ko-KR" dirty="0" err="1" smtClean="0">
+                <a:solidFill>
+                  <a:srgbClr val="595959"/>
+                </a:solidFill>
+                <a:effectLst>
+                  <a:outerShdw blurRad="38100" dist="38100" dir="2700000" algn="tl">
+                    <a:srgbClr val="C0C0C0"/>
+                  </a:outerShdw>
+                </a:effectLst>
+                <a:ea typeface="굴림" charset="-127"/>
+              </a:rPr>
+              <a:t>Ahvenniemi</a:t>
+            </a:r>
+            <a:r>
+              <a:rPr altLang="ko-KR" dirty="0" smtClean="0">
+                <a:solidFill>
+                  <a:srgbClr val="595959"/>
+                </a:solidFill>
+                <a:effectLst>
+                  <a:outerShdw blurRad="38100" dist="38100" dir="2700000" algn="tl">
+                    <a:srgbClr val="C0C0C0"/>
+                  </a:outerShdw>
+                </a:effectLst>
+                <a:ea typeface="굴림" charset="-127"/>
+              </a:rPr>
+              <a:t> Mikko, </a:t>
+            </a:r>
+          </a:p>
+          <a:p>
+            <a:pPr>
+              <a:defRPr/>
+            </a:pPr>
+            <a:r>
+              <a:rPr altLang="ko-KR" dirty="0" smtClean="0">
+                <a:solidFill>
+                  <a:srgbClr val="595959"/>
+                </a:solidFill>
+                <a:effectLst>
+                  <a:outerShdw blurRad="38100" dist="38100" dir="2700000" algn="tl">
+                    <a:srgbClr val="C0C0C0"/>
+                  </a:outerShdw>
+                </a:effectLst>
+                <a:ea typeface="굴림" charset="-127"/>
+              </a:rPr>
+              <a:t>Colin Julien, Starck Benoit</a:t>
+            </a:r>
+          </a:p>
+          <a:p>
+            <a:pPr>
+              <a:defRPr/>
+            </a:pPr>
+            <a:endParaRPr altLang="ko-KR" dirty="0" smtClean="0">
+              <a:solidFill>
+                <a:srgbClr val="8F481E"/>
+              </a:solidFill>
+              <a:effectLst>
+                <a:outerShdw blurRad="38100" dist="38100" dir="2700000" algn="tl">
+                  <a:srgbClr val="C0C0C0"/>
+                </a:outerShdw>
+              </a:effectLst>
+              <a:ea typeface="굴림" charset="-127"/>
+            </a:endParaRPr>
+          </a:p>
+        </p:txBody>
+      </p:sp>
+      <p:sp>
+        <p:nvSpPr>
+          <p:cNvPr id="3" name="Titre 2"/>
+          <p:cNvSpPr>
+            <a:spLocks noGrp="1"/>
+          </p:cNvSpPr>
+          <p:nvPr>
+            <p:ph type="ctrTitle"/>
+          </p:nvPr>
+        </p:nvSpPr>
+        <p:spPr>
+          <a:xfrm>
+            <a:off x="214282" y="3000372"/>
+            <a:ext cx="8629680" cy="1643074"/>
+          </a:xfrm>
+          <a:effectLst>
+            <a:outerShdw blurRad="50800" dist="38100" dir="5400000" algn="t" rotWithShape="0">
+              <a:prstClr val="black">
+                <a:alpha val="40000"/>
+              </a:prstClr>
+            </a:outerShdw>
+          </a:effectLst>
+        </p:spPr>
+        <p:txBody>
+          <a:bodyPr/>
+          <a:lstStyle/>
+          <a:p>
+            <a:pPr>
+              <a:defRPr/>
+            </a:pPr>
+            <a:r>
+              <a:rPr sz="4400" b="0" cap="none" smtClean="0">
+                <a:ln>
+                  <a:noFill/>
+                </a:ln>
+                <a:effectLst>
+                  <a:outerShdw blurRad="38100" dist="38100" dir="2700000" algn="tl">
+                    <a:srgbClr val="000000">
+                      <a:alpha val="43137"/>
+                    </a:srgbClr>
+                  </a:outerShdw>
+                </a:effectLst>
+              </a:rPr>
+              <a:t>ACME</a:t>
+            </a:r>
+            <a:r>
+              <a:rPr b="0" cap="none" dirty="0" smtClean="0">
+                <a:ln>
+                  <a:noFill/>
+                </a:ln>
+                <a:solidFill>
+                  <a:schemeClr val="tx1"/>
+                </a:solidFill>
+                <a:effectLst>
+                  <a:outerShdw blurRad="38100" dist="38100" dir="2700000" algn="tl">
+                    <a:srgbClr val="000000">
+                      <a:alpha val="43137"/>
+                    </a:srgbClr>
+                  </a:outerShdw>
+                </a:effectLst>
+              </a:rPr>
+              <a:t/>
+            </a:r>
+            <a:br>
+              <a:rPr b="0" cap="none" dirty="0" smtClean="0">
+                <a:ln>
+                  <a:noFill/>
+                </a:ln>
+                <a:solidFill>
+                  <a:schemeClr val="tx1"/>
+                </a:solidFill>
+                <a:effectLst>
+                  <a:outerShdw blurRad="38100" dist="38100" dir="2700000" algn="tl">
+                    <a:srgbClr val="000000">
+                      <a:alpha val="43137"/>
+                    </a:srgbClr>
+                  </a:outerShdw>
+                </a:effectLst>
+              </a:rPr>
+            </a:br>
+            <a:r>
+              <a:rPr b="0" cap="none" smtClean="0">
+                <a:ln>
+                  <a:noFill/>
+                </a:ln>
+                <a:solidFill>
+                  <a:schemeClr val="tx1"/>
+                </a:solidFill>
+                <a:effectLst>
+                  <a:outerShdw blurRad="38100" dist="38100" dir="2700000" algn="tl">
+                    <a:srgbClr val="000000">
+                      <a:alpha val="43137"/>
+                    </a:srgbClr>
+                  </a:outerShdw>
+                </a:effectLst>
+              </a:rPr>
+              <a:t>   </a:t>
+            </a:r>
+            <a:r>
+              <a:rPr b="0" i="1" cap="none" smtClean="0">
+                <a:ln>
+                  <a:noFill/>
+                </a:ln>
+                <a:solidFill>
+                  <a:schemeClr val="bg1">
+                    <a:lumMod val="65000"/>
+                  </a:schemeClr>
+                </a:solidFill>
+                <a:effectLst>
+                  <a:outerShdw blurRad="38100" dist="38100" dir="2700000" algn="tl">
+                    <a:srgbClr val="000000">
+                      <a:alpha val="43137"/>
+                    </a:srgbClr>
+                  </a:outerShdw>
+                </a:effectLst>
+              </a:rPr>
+              <a:t>A powerful ADL</a:t>
+            </a:r>
+            <a:endParaRPr sz="2800" b="0" i="1" cap="none" dirty="0">
+              <a:ln>
+                <a:noFill/>
+              </a:ln>
+              <a:solidFill>
+                <a:schemeClr val="bg1">
+                  <a:lumMod val="65000"/>
+                </a:schemeClr>
+              </a:solidFill>
+              <a:effectLst>
+                <a:outerShdw blurRad="38100" dist="38100" dir="2700000" algn="tl">
+                  <a:srgbClr val="000000">
+                    <a:alpha val="43137"/>
+                  </a:srgbClr>
+                </a:outerShdw>
+              </a:effectLst>
+            </a:endParaRPr>
+          </a:p>
+        </p:txBody>
+      </p:sp>
+      <p:sp>
+        <p:nvSpPr>
+          <p:cNvPr id="4" name="Espace réservé du contenu 3"/>
+          <p:cNvSpPr>
+            <a:spLocks noGrp="1"/>
+          </p:cNvSpPr>
+          <p:nvPr>
+            <p:ph sz="quarter" idx="11"/>
+          </p:nvPr>
+        </p:nvSpPr>
+        <p:spPr>
+          <a:xfrm>
+            <a:off x="285750" y="6357938"/>
+            <a:ext cx="5286375" cy="571500"/>
+          </a:xfrm>
+        </p:spPr>
+        <p:txBody>
+          <a:bodyPr/>
+          <a:lstStyle/>
+          <a:p>
+            <a:pPr>
+              <a:defRPr/>
+            </a:pPr>
+            <a:r>
+              <a:rPr dirty="0" smtClean="0"/>
+              <a:t>CS554 - Design for Software &amp; </a:t>
+            </a:r>
+            <a:r>
+              <a:rPr dirty="0" err="1" smtClean="0"/>
+              <a:t>Systems</a:t>
+            </a:r>
+            <a:endParaRPr dirty="0"/>
+          </a:p>
+        </p:txBody>
+      </p:sp>
+      <p:pic>
+        <p:nvPicPr>
+          <p:cNvPr id="5125" name="Picture 2" descr="D:\Bureau\ci.gif"/>
+          <p:cNvPicPr>
+            <a:picLocks noChangeAspect="1" noChangeArrowheads="1"/>
+          </p:cNvPicPr>
+          <p:nvPr/>
+        </p:nvPicPr>
+        <p:blipFill>
+          <a:blip r:embed="rId2" cstate="print"/>
+          <a:srcRect/>
+          <a:stretch>
+            <a:fillRect/>
+          </a:stretch>
+        </p:blipFill>
+        <p:spPr bwMode="auto">
+          <a:xfrm>
+            <a:off x="7429520" y="5572140"/>
+            <a:ext cx="1428750" cy="685800"/>
+          </a:xfrm>
+          <a:prstGeom prst="roundRect">
+            <a:avLst>
+              <a:gd name="adj" fmla="val 8594"/>
+            </a:avLst>
+          </a:prstGeom>
+          <a:solidFill>
+            <a:srgbClr val="FFFFFF">
+              <a:shade val="85000"/>
+            </a:srgbClr>
+          </a:solidFill>
+          <a:ln>
+            <a:noFill/>
+          </a:ln>
+          <a:effectLst>
+            <a:reflection blurRad="12700" stA="38000" endPos="28000" dist="5000" dir="5400000" sy="-100000" algn="bl" rotWithShape="0"/>
+          </a:effectLst>
+        </p:spPr>
+      </p:pic>
+      <p:pic>
+        <p:nvPicPr>
+          <p:cNvPr id="1026" name="Picture 2" descr="D:\Bureau\acme.jpg"/>
+          <p:cNvPicPr>
+            <a:picLocks noChangeAspect="1" noChangeArrowheads="1"/>
+          </p:cNvPicPr>
+          <p:nvPr/>
+        </p:nvPicPr>
+        <p:blipFill>
+          <a:blip r:embed="rId3">
+            <a:clrChange>
+              <a:clrFrom>
+                <a:srgbClr val="FEFEF4"/>
+              </a:clrFrom>
+              <a:clrTo>
+                <a:srgbClr val="FEFEF4">
+                  <a:alpha val="0"/>
+                </a:srgbClr>
+              </a:clrTo>
+            </a:clrChange>
+          </a:blip>
+          <a:srcRect/>
+          <a:stretch>
+            <a:fillRect/>
+          </a:stretch>
+        </p:blipFill>
+        <p:spPr bwMode="auto">
+          <a:xfrm>
+            <a:off x="3428992" y="857232"/>
+            <a:ext cx="2071702" cy="3507095"/>
+          </a:xfrm>
+          <a:prstGeom prst="rect">
+            <a:avLst/>
+          </a:prstGeom>
+          <a:noFill/>
+          <a:effectLst>
+            <a:outerShdw blurRad="50800" dist="38100" dir="18900000" algn="bl" rotWithShape="0">
+              <a:prstClr val="black">
+                <a:alpha val="40000"/>
+              </a:prstClr>
+            </a:outerShdw>
+          </a:effectLst>
+        </p:spPr>
+      </p:pic>
+      <p:sp>
+        <p:nvSpPr>
+          <p:cNvPr id="9" name="Rectangle 8"/>
+          <p:cNvSpPr/>
+          <p:nvPr/>
+        </p:nvSpPr>
+        <p:spPr>
+          <a:xfrm flipH="1">
+            <a:off x="6588224" y="2928934"/>
+            <a:ext cx="2412932" cy="1213306"/>
+          </a:xfrm>
+          <a:prstGeom prst="wedgeRectCallout">
+            <a:avLst/>
+          </a:prstGeom>
+        </p:spPr>
+        <p:style>
+          <a:lnRef idx="3">
+            <a:schemeClr val="lt1"/>
+          </a:lnRef>
+          <a:fillRef idx="1">
+            <a:schemeClr val="accent6"/>
+          </a:fillRef>
+          <a:effectRef idx="1">
+            <a:schemeClr val="accent6"/>
+          </a:effectRef>
+          <a:fontRef idx="minor">
+            <a:schemeClr val="lt1"/>
+          </a:fontRef>
+        </p:style>
+        <p:txBody>
+          <a:bodyPr rtlCol="0" anchor="ctr"/>
+          <a:lstStyle/>
+          <a:p>
+            <a:pPr algn="ctr"/>
+            <a:r>
+              <a:rPr lang="fr-FR" sz="2400" b="1" dirty="0" smtClean="0">
+                <a:effectLst>
+                  <a:outerShdw blurRad="38100" dist="38100" dir="2700000" algn="tl">
+                    <a:srgbClr val="000000">
+                      <a:alpha val="43137"/>
+                    </a:srgbClr>
+                  </a:outerShdw>
+                </a:effectLst>
+              </a:rPr>
+              <a:t>Project </a:t>
+            </a:r>
+            <a:r>
+              <a:rPr lang="fr-FR" sz="2400" b="1" dirty="0" smtClean="0">
+                <a:effectLst>
+                  <a:outerShdw blurRad="38100" dist="38100" dir="2700000" algn="tl">
+                    <a:srgbClr val="000000">
+                      <a:alpha val="43137"/>
+                    </a:srgbClr>
+                  </a:outerShdw>
+                </a:effectLst>
+              </a:rPr>
+              <a:t>2</a:t>
+            </a:r>
+          </a:p>
+          <a:p>
+            <a:pPr algn="ctr"/>
+            <a:r>
+              <a:rPr lang="fr-FR" b="1" dirty="0" smtClean="0">
+                <a:effectLst>
+                  <a:outerShdw blurRad="38100" dist="38100" dir="2700000" algn="tl">
+                    <a:srgbClr val="000000">
+                      <a:alpha val="43137"/>
+                    </a:srgbClr>
+                  </a:outerShdw>
+                </a:effectLst>
+              </a:rPr>
+              <a:t>OP4</a:t>
+            </a:r>
+          </a:p>
+          <a:p>
+            <a:pPr algn="ctr"/>
             <a:endParaRPr lang="fr-FR" sz="1100" b="1" dirty="0" smtClean="0">
               <a:effectLst>
                 <a:outerShdw blurRad="38100" dist="38100" dir="2700000" algn="tl">
@@ -4161,7 +10010,7 @@
               <a:rPr altLang="ko-KR" smtClean="0">
                 <a:ea typeface="굴림" charset="-127"/>
               </a:rPr>
-              <a:t>IDL investigation &amp; choice</a:t>
+              <a:t>Why do we use ADLs ?</a:t>
             </a:r>
           </a:p>
           <a:p>
@@ -4182,13 +10031,7 @@
               <a:rPr altLang="ko-KR" smtClean="0">
                 <a:ea typeface="굴림" charset="-127"/>
               </a:rPr>
-              <a:t>ACME </a:t>
-            </a:r>
-            <a:r>
-              <a:rPr altLang="ko-KR" smtClean="0">
-                <a:ea typeface="굴림" charset="-127"/>
-              </a:rPr>
-              <a:t>presentation</a:t>
+              <a:t>ADL investigation &amp; choice</a:t>
             </a:r>
           </a:p>
           <a:p>
@@ -4209,11 +10052,8 @@
               <a:rPr altLang="ko-KR" smtClean="0">
                 <a:ea typeface="굴림" charset="-127"/>
               </a:rPr>
-              <a:t>ATAM introduction</a:t>
-            </a:r>
-            <a:endParaRPr altLang="ko-KR" smtClean="0">
-              <a:ea typeface="굴림" charset="-127"/>
-            </a:endParaRPr>
+              <a:t>ACME presentation</a:t>
+            </a:r>
           </a:p>
           <a:p>
             <a:pPr eaLnBrk="1" hangingPunct="1">
@@ -4229,7 +10069,19 @@
               <a:buFont typeface="Calibri" pitchFamily="34" charset="0"/>
               <a:buAutoNum type="arabicPeriod"/>
             </a:pPr>
-            <a:endParaRPr altLang="ko-KR" dirty="0" smtClean="0">
+            <a:r>
+              <a:rPr altLang="ko-KR" smtClean="0">
+                <a:ea typeface="굴림" charset="-127"/>
+              </a:rPr>
+              <a:t>ATAM introduction</a:t>
+            </a:r>
+          </a:p>
+          <a:p>
+            <a:pPr eaLnBrk="1" hangingPunct="1">
+              <a:buFont typeface="Calibri" pitchFamily="34" charset="0"/>
+              <a:buAutoNum type="arabicPeriod"/>
+            </a:pPr>
+            <a:endParaRPr altLang="ko-KR" smtClean="0">
               <a:ea typeface="굴림" charset="-127"/>
             </a:endParaRPr>
           </a:p>
@@ -4244,6 +10096,15 @@
           </a:p>
           <a:p>
             <a:pPr eaLnBrk="1" hangingPunct="1">
+              <a:buFont typeface="Calibri" pitchFamily="34" charset="0"/>
+              <a:buAutoNum type="arabicPeriod"/>
+            </a:pPr>
+            <a:endParaRPr altLang="ko-KR" dirty="0" smtClean="0">
+              <a:ea typeface="굴림" charset="-127"/>
+            </a:endParaRPr>
+          </a:p>
+          <a:p>
+            <a:pPr eaLnBrk="1" hangingPunct="1">
               <a:buNone/>
             </a:pPr>
             <a:endParaRPr altLang="ko-KR" dirty="0" smtClean="0">
@@ -4255,6 +10116,170 @@
               <a:buNone/>
             </a:pPr>
             <a:endParaRPr altLang="ko-KR" dirty="0" smtClean="0">
+              <a:ea typeface="굴림" charset="-127"/>
+            </a:endParaRPr>
+          </a:p>
+        </p:txBody>
+      </p:sp>
+    </p:spTree>
+  </p:cSld>
+  <p:clrMapOvr>
+    <a:masterClrMapping/>
+  </p:clrMapOvr>
+  <p:timing>
+    <p:tnLst>
+      <p:par>
+        <p:cTn id="1" dur="indefinite" restart="never" nodeType="tmRoot"/>
+      </p:par>
+    </p:tnLst>
+  </p:timing>
+</p:sld>
+</file>
+
+<file path=ppt/slides/slide20.xml><?xml version="1.0" encoding="utf-8"?>
+<p:sld xmlns:a="http://schemas.openxmlformats.org/drawingml/2006/main" xmlns:r="http://schemas.openxmlformats.org/officeDocument/2006/relationships" xmlns:p="http://schemas.openxmlformats.org/presentationml/2006/main">
+  <p:cSld>
+    <p:spTree>
+      <p:nvGrpSpPr>
+        <p:cNvPr id="1" name=""/>
+        <p:cNvGrpSpPr/>
+        <p:nvPr/>
+      </p:nvGrpSpPr>
+      <p:grpSpPr>
+        <a:xfrm>
+          <a:off x="0" y="0"/>
+          <a:ext cx="0" cy="0"/>
+          <a:chOff x="0" y="0"/>
+          <a:chExt cx="0" cy="0"/>
+        </a:xfrm>
+      </p:grpSpPr>
+      <p:sp>
+        <p:nvSpPr>
+          <p:cNvPr id="2" name="Titre 1"/>
+          <p:cNvSpPr>
+            <a:spLocks noGrp="1"/>
+          </p:cNvSpPr>
+          <p:nvPr>
+            <p:ph type="ctrTitle"/>
+          </p:nvPr>
+        </p:nvSpPr>
+        <p:spPr>
+          <a:xfrm>
+            <a:off x="300038" y="466708"/>
+            <a:ext cx="8629680" cy="819152"/>
+          </a:xfrm>
+        </p:spPr>
+        <p:txBody>
+          <a:bodyPr/>
+          <a:lstStyle/>
+          <a:p>
+            <a:pPr>
+              <a:defRPr/>
+            </a:pPr>
+            <a:r>
+              <a:rPr lang="en-US" dirty="0" smtClean="0"/>
+              <a:t>references</a:t>
+            </a:r>
+            <a:endParaRPr lang="en-US" dirty="0"/>
+          </a:p>
+        </p:txBody>
+      </p:sp>
+      <p:sp>
+        <p:nvSpPr>
+          <p:cNvPr id="15363" name="Espace réservé du texte 2"/>
+          <p:cNvSpPr>
+            <a:spLocks noGrp="1"/>
+          </p:cNvSpPr>
+          <p:nvPr>
+            <p:ph type="body" sz="quarter" idx="10"/>
+          </p:nvPr>
+        </p:nvSpPr>
+        <p:spPr bwMode="auto">
+          <a:xfrm>
+            <a:off x="285750" y="1857375"/>
+            <a:ext cx="8501063" cy="4714875"/>
+          </a:xfrm>
+          <a:noFill/>
+          <a:ln>
+            <a:miter lim="800000"/>
+            <a:headEnd/>
+            <a:tailEnd/>
+          </a:ln>
+        </p:spPr>
+        <p:txBody>
+          <a:bodyPr vert="horz" wrap="square" lIns="91440" tIns="45720" rIns="91440" bIns="45720" numCol="1" anchor="t" anchorCtr="0" compatLnSpc="1">
+            <a:prstTxWarp prst="textNoShape">
+              <a:avLst/>
+            </a:prstTxWarp>
+          </a:bodyPr>
+          <a:lstStyle/>
+          <a:p>
+            <a:r>
+              <a:rPr sz="1600" b="1" smtClean="0"/>
+              <a:t>David S. Wile, </a:t>
+            </a:r>
+            <a:r>
+              <a:rPr sz="1600" i="1" smtClean="0"/>
+              <a:t>ACME: An Interchange Language for Architecture Representation</a:t>
+            </a:r>
+          </a:p>
+          <a:p>
+            <a:endParaRPr sz="1600" i="1" smtClean="0"/>
+          </a:p>
+          <a:p>
+            <a:r>
+              <a:rPr sz="1600" b="1" smtClean="0">
+                <a:hlinkClick r:id="rId2"/>
+              </a:rPr>
+              <a:t>http://www.cs.cmu.edu/~acme</a:t>
+            </a:r>
+            <a:r>
+              <a:rPr sz="1600" b="1" i="1" smtClean="0">
+                <a:hlinkClick r:id="rId2"/>
+              </a:rPr>
+              <a:t>/</a:t>
+            </a:r>
+            <a:r>
+              <a:rPr sz="1600" i="1" smtClean="0"/>
+              <a:t>, ACME websites</a:t>
+            </a:r>
+          </a:p>
+          <a:p>
+            <a:endParaRPr sz="1600" i="1" smtClean="0"/>
+          </a:p>
+          <a:p>
+            <a:r>
+              <a:rPr sz="1600" b="1" smtClean="0">
+                <a:hlinkClick r:id="rId3"/>
+              </a:rPr>
+              <a:t>http://en.wikipedia.org/wiki/Architecture_description_language</a:t>
+            </a:r>
+            <a:r>
+              <a:rPr sz="1600" i="1" smtClean="0"/>
+              <a:t>, ADL wikipedia page</a:t>
+            </a:r>
+          </a:p>
+          <a:p>
+            <a:endParaRPr sz="1600" i="1" smtClean="0"/>
+          </a:p>
+          <a:p>
+            <a:r>
+              <a:rPr lang="en-US" sz="1600" b="1" dirty="0" smtClean="0"/>
+              <a:t>[KKC00] R. </a:t>
+            </a:r>
+            <a:r>
+              <a:rPr lang="en-US" sz="1600" b="1" dirty="0" err="1" smtClean="0"/>
+              <a:t>Kazman</a:t>
+            </a:r>
+            <a:r>
+              <a:rPr lang="en-US" sz="1600" b="1" dirty="0" smtClean="0"/>
+              <a:t>, M. Klein, P. Clements</a:t>
+            </a:r>
+            <a:r>
+              <a:rPr lang="en-US" sz="1600" i="1" dirty="0" smtClean="0"/>
+              <a:t>, ATAM: A Method for Architecture Evaluation, CMU/SEI-2000-TR-004, Software Engineering Institute, Carnegie Mellon University, 2000. </a:t>
+            </a:r>
+            <a:endParaRPr lang="en-US" altLang="ko-KR" sz="1600" i="1" dirty="0" smtClean="0">
               <a:ea typeface="굴림" charset="-127"/>
             </a:endParaRPr>
           </a:p>
@@ -4294,6 +10319,307 @@
       </p:grpSpPr>
       <p:sp>
         <p:nvSpPr>
+          <p:cNvPr id="4" name="Title 3"/>
+          <p:cNvSpPr>
+            <a:spLocks noGrp="1"/>
+          </p:cNvSpPr>
+          <p:nvPr>
+            <p:ph type="ctrTitle"/>
+          </p:nvPr>
+        </p:nvSpPr>
+        <p:spPr/>
+        <p:txBody>
+          <a:bodyPr/>
+          <a:lstStyle/>
+          <a:p>
+            <a:r>
+              <a:rPr lang="fr-FR" dirty="0" err="1" smtClean="0"/>
+              <a:t>Why</a:t>
+            </a:r>
+            <a:r>
+              <a:rPr lang="fr-FR" dirty="0" smtClean="0"/>
+              <a:t> do </a:t>
+            </a:r>
+            <a:r>
+              <a:rPr lang="fr-FR" dirty="0" err="1" smtClean="0"/>
+              <a:t>we</a:t>
+            </a:r>
+            <a:r>
+              <a:rPr lang="fr-FR" dirty="0" smtClean="0"/>
+              <a:t> use ADLS ?</a:t>
+            </a:r>
+            <a:endParaRPr lang="fr-FR" dirty="0"/>
+          </a:p>
+        </p:txBody>
+      </p:sp>
+      <p:sp>
+        <p:nvSpPr>
+          <p:cNvPr id="5" name="Text Placeholder 4"/>
+          <p:cNvSpPr>
+            <a:spLocks noGrp="1"/>
+          </p:cNvSpPr>
+          <p:nvPr>
+            <p:ph type="body" sz="quarter" idx="10"/>
+          </p:nvPr>
+        </p:nvSpPr>
+        <p:spPr/>
+        <p:txBody>
+          <a:bodyPr/>
+          <a:lstStyle/>
+          <a:p>
+            <a:r>
+              <a:rPr lang="en-US" dirty="0" smtClean="0"/>
+              <a:t>Necessity of using standardized architectural representation</a:t>
+            </a:r>
+          </a:p>
+          <a:p>
+            <a:pPr lvl="1"/>
+            <a:r>
+              <a:rPr lang="en-US" dirty="0" smtClean="0"/>
+              <a:t> ADLs bring standards for architecture description, just as what </a:t>
+            </a:r>
+          </a:p>
+          <a:p>
+            <a:pPr lvl="2"/>
+            <a:r>
+              <a:rPr lang="en-US" dirty="0" smtClean="0"/>
+              <a:t>UML do for design</a:t>
+            </a:r>
+          </a:p>
+          <a:p>
+            <a:pPr lvl="2"/>
+            <a:r>
+              <a:rPr lang="en-US" dirty="0" smtClean="0"/>
+              <a:t>Entity-relationship model do for database</a:t>
+            </a:r>
+          </a:p>
+          <a:p>
+            <a:pPr lvl="1"/>
+            <a:r>
+              <a:rPr lang="en-US" dirty="0" smtClean="0"/>
+              <a:t>Using architectural styles for the structure</a:t>
+            </a:r>
+          </a:p>
+          <a:p>
+            <a:pPr lvl="2"/>
+            <a:r>
+              <a:rPr lang="en-US" dirty="0" smtClean="0"/>
+              <a:t>Pipe and filters</a:t>
+            </a:r>
+          </a:p>
+          <a:p>
+            <a:pPr lvl="2"/>
+            <a:r>
+              <a:rPr lang="en-US" dirty="0" smtClean="0"/>
+              <a:t>Client/Server</a:t>
+            </a:r>
+          </a:p>
+          <a:p>
+            <a:pPr lvl="2"/>
+            <a:r>
+              <a:rPr lang="en-US" dirty="0" smtClean="0"/>
+              <a:t>…</a:t>
+            </a:r>
+          </a:p>
+          <a:p>
+            <a:pPr lvl="1"/>
+            <a:r>
+              <a:rPr lang="en-US" dirty="0" smtClean="0"/>
+              <a:t>Using formal language</a:t>
+            </a:r>
+          </a:p>
+          <a:p>
+            <a:pPr lvl="2"/>
+            <a:r>
+              <a:rPr lang="en-US" dirty="0" smtClean="0"/>
+              <a:t>Components</a:t>
+            </a:r>
+          </a:p>
+          <a:p>
+            <a:pPr lvl="2"/>
+            <a:r>
+              <a:rPr lang="en-US" dirty="0" smtClean="0"/>
+              <a:t>Connectors</a:t>
+            </a:r>
+          </a:p>
+          <a:p>
+            <a:pPr lvl="2"/>
+            <a:r>
+              <a:rPr lang="en-US" dirty="0" smtClean="0"/>
+              <a:t>…</a:t>
+            </a:r>
+          </a:p>
+          <a:p>
+            <a:pPr lvl="1"/>
+            <a:r>
+              <a:rPr lang="en-US" dirty="0" smtClean="0"/>
+              <a:t>Makes the architecture universally understandable</a:t>
+            </a:r>
+          </a:p>
+          <a:p>
+            <a:pPr lvl="2"/>
+            <a:r>
+              <a:rPr lang="en-US" dirty="0" smtClean="0"/>
+              <a:t>Designers</a:t>
+            </a:r>
+          </a:p>
+          <a:p>
+            <a:pPr lvl="2"/>
+            <a:r>
+              <a:rPr lang="en-US" dirty="0" smtClean="0"/>
+              <a:t>Programmers</a:t>
+            </a:r>
+          </a:p>
+          <a:p>
+            <a:pPr lvl="2"/>
+            <a:r>
+              <a:rPr lang="en-US" dirty="0" smtClean="0"/>
+              <a:t>Stakeholders</a:t>
+            </a:r>
+          </a:p>
+        </p:txBody>
+      </p:sp>
+    </p:spTree>
+    <p:extLst>
+      <p:ext uri="{BB962C8B-B14F-4D97-AF65-F5344CB8AC3E}">
+        <p14:creationId xmlns:mc="http://schemas.openxmlformats.org/markup-compatibility/2006" xmlns:mv="urn:schemas-microsoft-com:mac:vml" xmlns:p14="http://schemas.microsoft.com/office/powerpoint/2007/7/12/main" xmlns="" val="3707259682"/>
+      </p:ext>
+    </p:extLst>
+  </p:cSld>
+  <p:clrMapOvr>
+    <a:masterClrMapping/>
+  </p:clrMapOvr>
+  <p:timing>
+    <p:tnLst>
+      <p:par>
+        <p:cTn id="1" dur="indefinite" restart="never" nodeType="tmRoot"/>
+      </p:par>
+    </p:tnLst>
+  </p:timing>
+</p:sld>
+</file>
+
+<file path=ppt/slides/slide4.xml><?xml version="1.0" encoding="utf-8"?>
+<p:sld xmlns:a="http://schemas.openxmlformats.org/drawingml/2006/main" xmlns:r="http://schemas.openxmlformats.org/officeDocument/2006/relationships" xmlns:p="http://schemas.openxmlformats.org/presentationml/2006/main">
+  <p:cSld>
+    <p:spTree>
+      <p:nvGrpSpPr>
+        <p:cNvPr id="1" name=""/>
+        <p:cNvGrpSpPr/>
+        <p:nvPr/>
+      </p:nvGrpSpPr>
+      <p:grpSpPr>
+        <a:xfrm>
+          <a:off x="0" y="0"/>
+          <a:ext cx="0" cy="0"/>
+          <a:chOff x="0" y="0"/>
+          <a:chExt cx="0" cy="0"/>
+        </a:xfrm>
+      </p:grpSpPr>
+      <p:sp>
+        <p:nvSpPr>
+          <p:cNvPr id="2" name="Title 1"/>
+          <p:cNvSpPr>
+            <a:spLocks noGrp="1"/>
+          </p:cNvSpPr>
+          <p:nvPr>
+            <p:ph type="ctrTitle"/>
+          </p:nvPr>
+        </p:nvSpPr>
+        <p:spPr/>
+        <p:txBody>
+          <a:bodyPr/>
+          <a:lstStyle/>
+          <a:p>
+            <a:r>
+              <a:rPr lang="fr-FR" dirty="0" err="1" smtClean="0"/>
+              <a:t>Why</a:t>
+            </a:r>
+            <a:r>
+              <a:rPr lang="fr-FR" dirty="0" smtClean="0"/>
+              <a:t> do </a:t>
+            </a:r>
+            <a:r>
+              <a:rPr lang="fr-FR" dirty="0" err="1" smtClean="0"/>
+              <a:t>we</a:t>
+            </a:r>
+            <a:r>
+              <a:rPr lang="fr-FR" dirty="0" smtClean="0"/>
+              <a:t> use ADLS ?(</a:t>
+            </a:r>
+            <a:r>
+              <a:rPr lang="fr-FR" dirty="0" err="1" smtClean="0"/>
+              <a:t>cont</a:t>
+            </a:r>
+            <a:r>
+              <a:rPr lang="fr-FR" dirty="0" smtClean="0"/>
+              <a:t>.)</a:t>
+            </a:r>
+            <a:endParaRPr lang="en-GB" dirty="0"/>
+          </a:p>
+        </p:txBody>
+      </p:sp>
+      <p:sp>
+        <p:nvSpPr>
+          <p:cNvPr id="3" name="Text Placeholder 2"/>
+          <p:cNvSpPr>
+            <a:spLocks noGrp="1"/>
+          </p:cNvSpPr>
+          <p:nvPr>
+            <p:ph type="body" sz="quarter" idx="10"/>
+          </p:nvPr>
+        </p:nvSpPr>
+        <p:spPr/>
+        <p:txBody>
+          <a:bodyPr/>
+          <a:lstStyle/>
+          <a:p>
+            <a:r>
+              <a:rPr lang="en-US" dirty="0" smtClean="0"/>
+              <a:t>ADLs bring the tools for architecture evolution and reusability</a:t>
+            </a:r>
+          </a:p>
+          <a:p>
+            <a:r>
+              <a:rPr lang="en-US" dirty="0" smtClean="0"/>
+              <a:t>Makes the architecture assessable using external tools or methods</a:t>
+            </a:r>
+          </a:p>
+          <a:p>
+            <a:endParaRPr lang="en-US" dirty="0" smtClean="0"/>
+          </a:p>
+          <a:p>
+            <a:endParaRPr lang="en-GB" dirty="0"/>
+          </a:p>
+        </p:txBody>
+      </p:sp>
+    </p:spTree>
+  </p:cSld>
+  <p:clrMapOvr>
+    <a:masterClrMapping/>
+  </p:clrMapOvr>
+</p:sld>
+</file>
+
+<file path=ppt/slides/slide5.xml><?xml version="1.0" encoding="utf-8"?>
+<p:sld xmlns:a="http://schemas.openxmlformats.org/drawingml/2006/main" xmlns:r="http://schemas.openxmlformats.org/officeDocument/2006/relationships" xmlns:p="http://schemas.openxmlformats.org/presentationml/2006/main">
+  <p:cSld>
+    <p:spTree>
+      <p:nvGrpSpPr>
+        <p:cNvPr id="1" name=""/>
+        <p:cNvGrpSpPr/>
+        <p:nvPr/>
+      </p:nvGrpSpPr>
+      <p:grpSpPr>
+        <a:xfrm>
+          <a:off x="0" y="0"/>
+          <a:ext cx="0" cy="0"/>
+          <a:chOff x="0" y="0"/>
+          <a:chExt cx="0" cy="0"/>
+        </a:xfrm>
+      </p:grpSpPr>
+      <p:sp>
+        <p:nvSpPr>
           <p:cNvPr id="4" name="Titre 3"/>
           <p:cNvSpPr>
             <a:spLocks noGrp="1"/>
@@ -4309,7 +10635,7 @@
           <a:p>
             <a:r>
               <a:rPr smtClean="0"/>
-              <a:t>ACME</a:t>
+              <a:t>What is acme ?</a:t>
             </a:r>
             <a:endParaRPr lang="fr-FR" dirty="0"/>
           </a:p>
@@ -4331,56 +10657,9 @@
           <a:lstStyle/>
           <a:p>
             <a:r>
-              <a:rPr smtClean="0"/>
+              <a:rPr lang="en-US" dirty="0" smtClean="0"/>
               <a:t>Architectural design environment by Carnegie Mellon University</a:t>
             </a:r>
-          </a:p>
-          <a:p>
-            <a:endParaRPr smtClean="0"/>
-          </a:p>
-          <a:p>
-            <a:r>
-              <a:rPr smtClean="0"/>
-              <a:t>ACME used Eclipse plugin called AcmeStudio</a:t>
-            </a:r>
-          </a:p>
-          <a:p>
-            <a:endParaRPr smtClean="0"/>
-          </a:p>
-          <a:p>
-            <a:r>
-              <a:rPr smtClean="0"/>
-              <a:t>AcmeStudio</a:t>
-            </a:r>
-          </a:p>
-          <a:p>
-            <a:pPr lvl="1"/>
-            <a:r>
-              <a:rPr smtClean="0"/>
-              <a:t>Graphical interface</a:t>
-            </a:r>
-          </a:p>
-          <a:p>
-            <a:pPr lvl="1"/>
-            <a:r>
-              <a:rPr smtClean="0"/>
-              <a:t>Architecture drawing</a:t>
-            </a:r>
-          </a:p>
-          <a:p>
-            <a:pPr lvl="1"/>
-            <a:r>
-              <a:rPr smtClean="0"/>
-              <a:t>Design analyze</a:t>
-            </a:r>
-          </a:p>
-          <a:p>
-            <a:pPr lvl="1"/>
-            <a:r>
-              <a:rPr smtClean="0"/>
-              <a:t>Language description (development)</a:t>
-            </a:r>
-            <a:endParaRPr lang="fr-FR" dirty="0"/>
           </a:p>
         </p:txBody>
       </p:sp>
@@ -4392,7 +10671,7 @@
 </p:sld>
 </file>
 
-<file path=ppt/slides/slide4.xml><?xml version="1.0" encoding="utf-8"?>
+<file path=ppt/slides/slide6.xml><?xml version="1.0" encoding="utf-8"?>
 <p:sld xmlns:a="http://schemas.openxmlformats.org/drawingml/2006/main" xmlns:r="http://schemas.openxmlformats.org/officeDocument/2006/relationships" xmlns:p="http://schemas.openxmlformats.org/presentationml/2006/main">
   <p:cSld>
     <p:spTree>
@@ -4430,7 +10709,7 @@
             </a:r>
             <a:r>
               <a:rPr smtClean="0"/>
-              <a:t>cme representation language</a:t>
+              <a:t>cme kernel &amp; elements</a:t>
             </a:r>
             <a:endParaRPr lang="fr-FR" dirty="0"/>
           </a:p>
@@ -4446,132 +10725,86 @@
             <p:ph type="body" sz="quarter" idx="10"/>
           </p:nvPr>
         </p:nvSpPr>
-        <p:spPr/>
-        <p:txBody>
-          <a:bodyPr/>
-          <a:lstStyle/>
-          <a:p>
-            <a:r>
-              <a:rPr smtClean="0"/>
-              <a:t>First order predicate logic </a:t>
-            </a:r>
-          </a:p>
-          <a:p>
-            <a:pPr lvl="1"/>
-            <a:r>
-              <a:rPr smtClean="0"/>
-              <a:t>Rules can be defines</a:t>
-            </a:r>
-            <a:endParaRPr lang="fr-FR" dirty="0"/>
-          </a:p>
-        </p:txBody>
-      </p:sp>
-    </p:spTree>
-  </p:cSld>
-  <p:clrMapOvr>
-    <a:masterClrMapping/>
-  </p:clrMapOvr>
-</p:sld>
-</file>
-
-<file path=ppt/slides/slide5.xml><?xml version="1.0" encoding="utf-8"?>
-<p:sld xmlns:a="http://schemas.openxmlformats.org/drawingml/2006/main" xmlns:r="http://schemas.openxmlformats.org/officeDocument/2006/relationships" xmlns:p="http://schemas.openxmlformats.org/presentationml/2006/main">
-  <p:cSld>
-    <p:spTree>
-      <p:nvGrpSpPr>
-        <p:cNvPr id="1" name=""/>
-        <p:cNvGrpSpPr/>
-        <p:nvPr/>
-      </p:nvGrpSpPr>
-      <p:grpSpPr>
-        <a:xfrm>
-          <a:off x="0" y="0"/>
-          <a:ext cx="0" cy="0"/>
-          <a:chOff x="0" y="0"/>
-          <a:chExt cx="0" cy="0"/>
-        </a:xfrm>
-      </p:grpSpPr>
-      <p:sp>
-        <p:nvSpPr>
-          <p:cNvPr id="2" name="Title 1"/>
-          <p:cNvSpPr>
-            <a:spLocks noGrp="1"/>
-          </p:cNvSpPr>
-          <p:nvPr>
-            <p:ph type="ctrTitle"/>
-          </p:nvPr>
-        </p:nvSpPr>
-        <p:spPr/>
-        <p:txBody>
-          <a:bodyPr/>
-          <a:lstStyle/>
-          <a:p>
-            <a:r>
-              <a:rPr lang="fr-FR" dirty="0" smtClean="0"/>
-              <a:t>conclusion</a:t>
-            </a:r>
-            <a:endParaRPr lang="fr-FR" dirty="0"/>
-          </a:p>
-        </p:txBody>
-      </p:sp>
-      <p:sp>
-        <p:nvSpPr>
-          <p:cNvPr id="3" name="Text Placeholder 2"/>
-          <p:cNvSpPr>
-            <a:spLocks noGrp="1"/>
-          </p:cNvSpPr>
-          <p:nvPr>
-            <p:ph type="body" sz="quarter" idx="10"/>
-          </p:nvPr>
-        </p:nvSpPr>
         <p:spPr>
           <a:xfrm>
-            <a:off x="323528" y="1268760"/>
-            <a:ext cx="8643968" cy="5141804"/>
+            <a:off x="285750" y="1071546"/>
+            <a:ext cx="8643968" cy="5500704"/>
           </a:xfrm>
         </p:spPr>
         <p:txBody>
           <a:bodyPr/>
           <a:lstStyle/>
           <a:p>
-            <a:endParaRPr lang="fr-FR" dirty="0" smtClean="0"/>
-          </a:p>
-          <a:p>
-            <a:endParaRPr lang="fr-FR" dirty="0" smtClean="0"/>
-          </a:p>
-          <a:p>
+            <a:r>
+              <a:rPr lang="en-US" dirty="0" smtClean="0"/>
+              <a:t>Components, with ports</a:t>
+            </a:r>
+          </a:p>
+          <a:p>
+            <a:r>
+              <a:rPr lang="en-US" dirty="0" smtClean="0"/>
+              <a:t>Connectors, with roles</a:t>
+            </a:r>
+          </a:p>
+          <a:p>
+            <a:r>
+              <a:rPr lang="en-US" dirty="0" smtClean="0"/>
+              <a:t>Attachments of particular ports to particular roles</a:t>
+            </a:r>
+          </a:p>
+          <a:p>
+            <a:r>
+              <a:rPr lang="en-US" dirty="0" smtClean="0"/>
+              <a:t>Aggregates: collections of components, connectors and attachments</a:t>
+            </a:r>
+          </a:p>
+          <a:p>
+            <a:r>
+              <a:rPr lang="en-US" dirty="0" smtClean="0"/>
+              <a:t>Properties of any of above</a:t>
+            </a:r>
             <a:endParaRPr lang="fr-FR" dirty="0"/>
-          </a:p>
-          <a:p>
-            <a:endParaRPr lang="fr-FR" dirty="0" smtClean="0"/>
-          </a:p>
-          <a:p>
-            <a:endParaRPr lang="fr-FR" dirty="0"/>
-          </a:p>
-          <a:p>
-            <a:endParaRPr lang="fr-FR" dirty="0" smtClean="0"/>
-          </a:p>
-          <a:p>
-            <a:endParaRPr lang="fr-FR" dirty="0" smtClean="0"/>
-          </a:p>
-          <a:p>
-            <a:endParaRPr lang="fr-FR" dirty="0" smtClean="0"/>
-          </a:p>
-          <a:p>
-            <a:endParaRPr lang="fr-FR" dirty="0" smtClean="0"/>
-          </a:p>
-          <a:p>
-            <a:pPr lvl="1"/>
-            <a:endParaRPr lang="fr-FR" dirty="0" smtClean="0"/>
           </a:p>
         </p:txBody>
       </p:sp>
+      <p:pic>
+        <p:nvPicPr>
+          <p:cNvPr id="1026" name="Picture 2" descr="D:\Bureau\ElementsOfAnAcmeDescription.png"/>
+          <p:cNvPicPr>
+            <a:picLocks noChangeAspect="1" noChangeArrowheads="1"/>
+          </p:cNvPicPr>
+          <p:nvPr/>
+        </p:nvPicPr>
+        <p:blipFill>
+          <a:blip r:embed="rId2">
+            <a:clrChange>
+              <a:clrFrom>
+                <a:srgbClr val="FFFFFF"/>
+              </a:clrFrom>
+              <a:clrTo>
+                <a:srgbClr val="FFFFFF">
+                  <a:alpha val="0"/>
+                </a:srgbClr>
+              </a:clrTo>
+            </a:clrChange>
+          </a:blip>
+          <a:srcRect t="8887" b="8908"/>
+          <a:stretch>
+            <a:fillRect/>
+          </a:stretch>
+        </p:blipFill>
+        <p:spPr bwMode="auto">
+          <a:xfrm>
+            <a:off x="1071538" y="3643314"/>
+            <a:ext cx="6892802" cy="3000396"/>
+          </a:xfrm>
+          <a:prstGeom prst="rect">
+            <a:avLst/>
+          </a:prstGeom>
+          <a:noFill/>
+        </p:spPr>
+      </p:pic>
     </p:spTree>
-    <p:extLst>
-      <p:ext uri="{BB962C8B-B14F-4D97-AF65-F5344CB8AC3E}">
-        <p14:creationId xmlns="" xmlns:p14="http://schemas.microsoft.com/office/powerpoint/2007/7/12/main" val="454031538"/>
-      </p:ext>
-    </p:extLst>
   </p:cSld>
   <p:clrMapOvr>
     <a:masterClrMapping/>
@@ -4586,7 +10819,7 @@
 </p:sld>
 </file>
 
-<file path=ppt/slides/slide6.xml><?xml version="1.0" encoding="utf-8"?>
+<file path=ppt/slides/slide7.xml><?xml version="1.0" encoding="utf-8"?>
 <p:sld xmlns:a="http://schemas.openxmlformats.org/drawingml/2006/main" xmlns:r="http://schemas.openxmlformats.org/officeDocument/2006/relationships" xmlns:p="http://schemas.openxmlformats.org/presentationml/2006/main">
   <p:cSld>
     <p:spTree>
@@ -4613,30 +10846,26 @@
             <p:ph type="ctrTitle"/>
           </p:nvPr>
         </p:nvSpPr>
-        <p:spPr>
-          <a:xfrm>
-            <a:off x="300038" y="466708"/>
-            <a:ext cx="8629680" cy="819152"/>
-          </a:xfrm>
-        </p:spPr>
+        <p:spPr/>
         <p:txBody>
           <a:bodyPr/>
           <a:lstStyle/>
           <a:p>
-            <a:pPr>
-              <a:defRPr/>
-            </a:pPr>
-            <a:r>
-              <a:rPr lang="en-US" dirty="0" smtClean="0"/>
-              <a:t>references</a:t>
-            </a:r>
-            <a:endParaRPr lang="en-US" dirty="0"/>
+            <a:r>
+              <a:rPr lang="fr-FR" dirty="0" smtClean="0"/>
+              <a:t>A</a:t>
+            </a:r>
+            <a:r>
+              <a:rPr smtClean="0"/>
+              <a:t>cme description</a:t>
+            </a:r>
+            <a:endParaRPr lang="fr-FR" dirty="0"/>
           </a:p>
         </p:txBody>
       </p:sp>
       <p:sp>
         <p:nvSpPr>
-          <p:cNvPr id="15363" name="Espace réservé du texte 2"/>
+          <p:cNvPr id="3" name="Espace réservé du texte 2"/>
           <p:cNvSpPr>
             <a:spLocks noGrp="1"/>
           </p:cNvSpPr>
@@ -4644,33 +10873,775 @@
             <p:ph type="body" sz="quarter" idx="10"/>
           </p:nvPr>
         </p:nvSpPr>
-        <p:spPr bwMode="auto">
+        <p:spPr/>
+        <p:txBody>
+          <a:bodyPr/>
+          <a:lstStyle/>
+          <a:p>
+            <a:r>
+              <a:rPr lang="en-US" dirty="0" smtClean="0"/>
+              <a:t>Expressive descriptions that are easy for humans to read and write</a:t>
+            </a:r>
+          </a:p>
+          <a:p>
+            <a:endParaRPr lang="en-US" dirty="0" smtClean="0"/>
+          </a:p>
+          <a:p>
+            <a:r>
+              <a:rPr lang="en-US" dirty="0" smtClean="0"/>
+              <a:t>ACME describes a whole system thanks to</a:t>
+            </a:r>
+          </a:p>
+          <a:p>
+            <a:pPr lvl="1"/>
+            <a:r>
+              <a:rPr lang="en-US" dirty="0" smtClean="0"/>
+              <a:t>Library of 7 architectural elements</a:t>
+            </a:r>
+          </a:p>
+          <a:p>
+            <a:pPr lvl="2">
+              <a:buNone/>
+            </a:pPr>
+            <a:r>
+              <a:rPr lang="en-US" dirty="0" smtClean="0"/>
+              <a:t>components, connectors, systems, ports, roles, representations, representation maps</a:t>
+            </a:r>
+          </a:p>
+          <a:p>
+            <a:pPr lvl="1"/>
+            <a:r>
+              <a:rPr smtClean="0"/>
+              <a:t>Refinement : several representation levels and views</a:t>
+            </a:r>
+          </a:p>
+          <a:p>
+            <a:pPr lvl="1"/>
+            <a:r>
+              <a:rPr smtClean="0"/>
+              <a:t>Architectural families</a:t>
+            </a:r>
+          </a:p>
+          <a:p>
+            <a:pPr lvl="2"/>
+            <a:r>
+              <a:rPr smtClean="0"/>
+              <a:t>Tiered</a:t>
+            </a:r>
+          </a:p>
+          <a:p>
+            <a:pPr lvl="2"/>
+            <a:r>
+              <a:rPr smtClean="0"/>
+              <a:t>Pipe &amp; filters</a:t>
+            </a:r>
+          </a:p>
+          <a:p>
+            <a:pPr lvl="2"/>
+            <a:r>
+              <a:rPr smtClean="0"/>
+              <a:t>Client &amp; servers</a:t>
+            </a:r>
+          </a:p>
+          <a:p>
+            <a:pPr lvl="2"/>
+            <a:r>
+              <a:rPr smtClean="0"/>
+              <a:t>Pub-Sub</a:t>
+            </a:r>
+          </a:p>
+          <a:p>
+            <a:pPr lvl="2"/>
+            <a:r>
+              <a:rPr smtClean="0"/>
+              <a:t>Shared data</a:t>
+            </a:r>
+          </a:p>
+          <a:p>
+            <a:pPr lvl="2"/>
+            <a:r>
+              <a:rPr lang="fr-FR" dirty="0" smtClean="0"/>
+              <a:t>T</a:t>
+            </a:r>
+            <a:r>
+              <a:rPr smtClean="0"/>
+              <a:t>hree-tiered</a:t>
+            </a:r>
+          </a:p>
+          <a:p>
+            <a:pPr lvl="1"/>
+            <a:endParaRPr smtClean="0"/>
+          </a:p>
+          <a:p>
+            <a:pPr lvl="1">
+              <a:buNone/>
+            </a:pPr>
+            <a:endParaRPr smtClean="0"/>
+          </a:p>
+        </p:txBody>
+      </p:sp>
+    </p:spTree>
+  </p:cSld>
+  <p:clrMapOvr>
+    <a:masterClrMapping/>
+  </p:clrMapOvr>
+  <p:timing>
+    <p:tnLst>
+      <p:par>
+        <p:cTn id="1" dur="indefinite" restart="never" nodeType="tmRoot"/>
+      </p:par>
+    </p:tnLst>
+  </p:timing>
+</p:sld>
+</file>
+
+<file path=ppt/slides/slide8.xml><?xml version="1.0" encoding="utf-8"?>
+<p:sld xmlns:a="http://schemas.openxmlformats.org/drawingml/2006/main" xmlns:r="http://schemas.openxmlformats.org/officeDocument/2006/relationships" xmlns:p="http://schemas.openxmlformats.org/presentationml/2006/main">
+  <p:cSld>
+    <p:spTree>
+      <p:nvGrpSpPr>
+        <p:cNvPr id="1" name=""/>
+        <p:cNvGrpSpPr/>
+        <p:nvPr/>
+      </p:nvGrpSpPr>
+      <p:grpSpPr>
+        <a:xfrm>
+          <a:off x="0" y="0"/>
+          <a:ext cx="0" cy="0"/>
+          <a:chOff x="0" y="0"/>
+          <a:chExt cx="0" cy="0"/>
+        </a:xfrm>
+      </p:grpSpPr>
+      <p:sp>
+        <p:nvSpPr>
+          <p:cNvPr id="2" name="Titre 1"/>
+          <p:cNvSpPr>
+            <a:spLocks noGrp="1"/>
+          </p:cNvSpPr>
+          <p:nvPr>
+            <p:ph type="ctrTitle"/>
+          </p:nvPr>
+        </p:nvSpPr>
+        <p:spPr/>
+        <p:txBody>
+          <a:bodyPr/>
+          <a:lstStyle/>
+          <a:p>
+            <a:r>
+              <a:rPr lang="fr-FR" dirty="0" smtClean="0"/>
+              <a:t>A</a:t>
+            </a:r>
+            <a:r>
+              <a:rPr smtClean="0"/>
+              <a:t>cme description</a:t>
+            </a:r>
+            <a:endParaRPr lang="fr-FR" dirty="0"/>
+          </a:p>
+        </p:txBody>
+      </p:sp>
+      <p:sp>
+        <p:nvSpPr>
+          <p:cNvPr id="3" name="Espace réservé du texte 2"/>
+          <p:cNvSpPr>
+            <a:spLocks noGrp="1"/>
+          </p:cNvSpPr>
+          <p:nvPr>
+            <p:ph type="body" sz="quarter" idx="10"/>
+          </p:nvPr>
+        </p:nvSpPr>
+        <p:spPr/>
+        <p:txBody>
+          <a:bodyPr/>
+          <a:lstStyle/>
+          <a:p>
+            <a:r>
+              <a:rPr smtClean="0"/>
+              <a:t>Component</a:t>
+            </a:r>
+          </a:p>
+          <a:p>
+            <a:pPr lvl="1"/>
+            <a:r>
+              <a:rPr lang="fr-FR" dirty="0" smtClean="0"/>
+              <a:t>P</a:t>
+            </a:r>
+            <a:r>
+              <a:rPr smtClean="0"/>
+              <a:t>rimary computational elements &amp; data stores</a:t>
+            </a:r>
+          </a:p>
+          <a:p>
+            <a:pPr lvl="2"/>
+            <a:r>
+              <a:rPr smtClean="0"/>
+              <a:t>Filter</a:t>
+            </a:r>
+          </a:p>
+          <a:p>
+            <a:pPr lvl="2"/>
+            <a:r>
+              <a:rPr smtClean="0"/>
+              <a:t>Object</a:t>
+            </a:r>
+          </a:p>
+          <a:p>
+            <a:pPr lvl="2"/>
+            <a:r>
+              <a:rPr smtClean="0"/>
+              <a:t>Client/Server</a:t>
+            </a:r>
+          </a:p>
+          <a:p>
+            <a:pPr lvl="2"/>
+            <a:r>
+              <a:rPr smtClean="0"/>
+              <a:t>Database</a:t>
+            </a:r>
+          </a:p>
+          <a:p>
+            <a:pPr lvl="2"/>
+            <a:r>
+              <a:rPr smtClean="0"/>
+              <a:t>Black board</a:t>
+            </a:r>
+          </a:p>
+          <a:p>
+            <a:pPr lvl="2"/>
+            <a:endParaRPr smtClean="0"/>
+          </a:p>
+          <a:p>
+            <a:pPr lvl="2"/>
+            <a:endParaRPr smtClean="0"/>
+          </a:p>
+          <a:p>
+            <a:endParaRPr smtClean="0"/>
+          </a:p>
+          <a:p>
+            <a:r>
+              <a:rPr smtClean="0"/>
+              <a:t>Connectors</a:t>
+            </a:r>
+          </a:p>
+          <a:p>
+            <a:pPr lvl="1"/>
+            <a:r>
+              <a:rPr smtClean="0"/>
+              <a:t>Interaction among components</a:t>
+            </a:r>
+          </a:p>
+          <a:p>
+            <a:pPr lvl="1"/>
+            <a:r>
+              <a:rPr smtClean="0"/>
+              <a:t>Communication &amp; coordination among components</a:t>
+            </a:r>
+          </a:p>
+        </p:txBody>
+      </p:sp>
+      <p:sp>
+        <p:nvSpPr>
+          <p:cNvPr id="6" name="Rectangle 5"/>
+          <p:cNvSpPr/>
+          <p:nvPr/>
+        </p:nvSpPr>
+        <p:spPr>
           <a:xfrm>
-            <a:off x="285750" y="1857375"/>
-            <a:ext cx="8501063" cy="4714875"/>
+            <a:off x="6929454" y="1643050"/>
+            <a:ext cx="1857388" cy="1071570"/>
           </a:xfrm>
-          <a:noFill/>
-          <a:ln>
-            <a:miter lim="800000"/>
-            <a:headEnd/>
-            <a:tailEnd/>
-          </a:ln>
+          <a:prstGeom prst="rect">
+            <a:avLst/>
+          </a:prstGeom>
+          <a:effectLst>
+            <a:outerShdw blurRad="50800" dist="38100" dir="2700000" algn="tl" rotWithShape="0">
+              <a:prstClr val="black">
+                <a:alpha val="40000"/>
+              </a:prstClr>
+            </a:outerShdw>
+          </a:effectLst>
+        </p:spPr>
+        <p:style>
+          <a:lnRef idx="2">
+            <a:schemeClr val="accent6"/>
+          </a:lnRef>
+          <a:fillRef idx="1">
+            <a:schemeClr val="lt1"/>
+          </a:fillRef>
+          <a:effectRef idx="0">
+            <a:schemeClr val="accent6"/>
+          </a:effectRef>
+          <a:fontRef idx="minor">
+            <a:schemeClr val="dk1"/>
+          </a:fontRef>
+        </p:style>
+        <p:txBody>
+          <a:bodyPr rtlCol="0" anchor="ctr"/>
+          <a:lstStyle/>
+          <a:p>
+            <a:pPr algn="ctr"/>
+            <a:r>
+              <a:rPr lang="fr-FR" dirty="0" smtClean="0"/>
+              <a:t>Component</a:t>
+            </a:r>
+            <a:endParaRPr lang="fr-FR" dirty="0"/>
+          </a:p>
+        </p:txBody>
+      </p:sp>
+      <p:sp>
+        <p:nvSpPr>
+          <p:cNvPr id="7" name="Flèche droite 6"/>
+          <p:cNvSpPr/>
+          <p:nvPr/>
+        </p:nvSpPr>
+        <p:spPr>
+          <a:xfrm>
+            <a:off x="6929454" y="4786322"/>
+            <a:ext cx="1785950" cy="642942"/>
+          </a:xfrm>
+          <a:prstGeom prst="rightArrow">
+            <a:avLst/>
+          </a:prstGeom>
+          <a:effectLst>
+            <a:outerShdw blurRad="50800" dist="38100" dir="2700000" algn="tl" rotWithShape="0">
+              <a:prstClr val="black">
+                <a:alpha val="40000"/>
+              </a:prstClr>
+            </a:outerShdw>
+          </a:effectLst>
+        </p:spPr>
+        <p:style>
+          <a:lnRef idx="2">
+            <a:schemeClr val="accent6"/>
+          </a:lnRef>
+          <a:fillRef idx="1">
+            <a:schemeClr val="lt1"/>
+          </a:fillRef>
+          <a:effectRef idx="0">
+            <a:schemeClr val="accent6"/>
+          </a:effectRef>
+          <a:fontRef idx="minor">
+            <a:schemeClr val="dk1"/>
+          </a:fontRef>
+        </p:style>
+        <p:txBody>
+          <a:bodyPr rtlCol="0" anchor="ctr"/>
+          <a:lstStyle/>
+          <a:p>
+            <a:pPr algn="ctr"/>
+            <a:r>
+              <a:rPr lang="fr-FR" dirty="0" err="1" smtClean="0"/>
+              <a:t>Connector</a:t>
+            </a:r>
+            <a:endParaRPr lang="fr-FR" dirty="0"/>
+          </a:p>
+        </p:txBody>
+      </p:sp>
+    </p:spTree>
+  </p:cSld>
+  <p:clrMapOvr>
+    <a:masterClrMapping/>
+  </p:clrMapOvr>
+  <p:timing>
+    <p:tnLst>
+      <p:par>
+        <p:cTn id="1" dur="indefinite" restart="never" nodeType="tmRoot"/>
+      </p:par>
+    </p:tnLst>
+  </p:timing>
+</p:sld>
+</file>
+
+<file path=ppt/slides/slide9.xml><?xml version="1.0" encoding="utf-8"?>
+<p:sld xmlns:a="http://schemas.openxmlformats.org/drawingml/2006/main" xmlns:r="http://schemas.openxmlformats.org/officeDocument/2006/relationships" xmlns:p="http://schemas.openxmlformats.org/presentationml/2006/main">
+  <p:cSld>
+    <p:spTree>
+      <p:nvGrpSpPr>
+        <p:cNvPr id="1" name=""/>
+        <p:cNvGrpSpPr/>
+        <p:nvPr/>
+      </p:nvGrpSpPr>
+      <p:grpSpPr>
+        <a:xfrm>
+          <a:off x="0" y="0"/>
+          <a:ext cx="0" cy="0"/>
+          <a:chOff x="0" y="0"/>
+          <a:chExt cx="0" cy="0"/>
+        </a:xfrm>
+      </p:grpSpPr>
+      <p:sp>
+        <p:nvSpPr>
+          <p:cNvPr id="2" name="Titre 1"/>
+          <p:cNvSpPr>
+            <a:spLocks noGrp="1"/>
+          </p:cNvSpPr>
+          <p:nvPr>
+            <p:ph type="ctrTitle"/>
+          </p:nvPr>
+        </p:nvSpPr>
+        <p:spPr/>
+        <p:txBody>
+          <a:bodyPr/>
+          <a:lstStyle/>
+          <a:p>
+            <a:endParaRPr lang="fr-FR"/>
+          </a:p>
+        </p:txBody>
+      </p:sp>
+      <p:sp>
+        <p:nvSpPr>
+          <p:cNvPr id="3" name="Espace réservé du texte 2"/>
+          <p:cNvSpPr>
+            <a:spLocks noGrp="1"/>
+          </p:cNvSpPr>
+          <p:nvPr>
+            <p:ph type="body" sz="quarter" idx="10"/>
+          </p:nvPr>
+        </p:nvSpPr>
+        <p:spPr/>
+        <p:txBody>
+          <a:bodyPr/>
+          <a:lstStyle/>
+          <a:p>
+            <a:r>
+              <a:rPr smtClean="0"/>
+              <a:t>Systems</a:t>
+            </a:r>
+          </a:p>
+          <a:p>
+            <a:pPr lvl="1"/>
+            <a:r>
+              <a:rPr smtClean="0"/>
+              <a:t>Configuration of components &amp; connectors</a:t>
+            </a:r>
+          </a:p>
+          <a:p>
+            <a:pPr lvl="1"/>
+            <a:endParaRPr smtClean="0"/>
+          </a:p>
+          <a:p>
+            <a:pPr lvl="1">
+              <a:buNone/>
+            </a:pPr>
+            <a:endParaRPr smtClean="0"/>
+          </a:p>
+          <a:p>
+            <a:r>
+              <a:rPr smtClean="0"/>
+              <a:t>Role</a:t>
+            </a:r>
+          </a:p>
+          <a:p>
+            <a:pPr lvl="1"/>
+            <a:r>
+              <a:rPr smtClean="0"/>
+              <a:t>Particularity of the connector</a:t>
+            </a:r>
+          </a:p>
+          <a:p>
+            <a:pPr lvl="1"/>
+            <a:r>
+              <a:rPr smtClean="0"/>
+              <a:t>Describes how the connector links the components</a:t>
+            </a:r>
+          </a:p>
+          <a:p>
+            <a:pPr lvl="2">
+              <a:buNone/>
+            </a:pPr>
+            <a:r>
+              <a:rPr lang="fr-FR" dirty="0" smtClean="0"/>
+              <a:t>E</a:t>
+            </a:r>
+            <a:r>
+              <a:rPr smtClean="0"/>
+              <a:t>x : client-server connector has 2 roles designated caller &amp; callee</a:t>
+            </a:r>
+          </a:p>
+          <a:p>
+            <a:endParaRPr smtClean="0"/>
+          </a:p>
+          <a:p>
+            <a:r>
+              <a:rPr smtClean="0"/>
+              <a:t>Port</a:t>
+            </a:r>
+          </a:p>
+          <a:p>
+            <a:pPr lvl="1"/>
+            <a:r>
+              <a:rPr smtClean="0"/>
+              <a:t>Anchorage point on the component</a:t>
+            </a:r>
+          </a:p>
+          <a:p>
+            <a:pPr lvl="1"/>
+            <a:r>
+              <a:rPr smtClean="0"/>
+              <a:t>Describes input or ouptut of a component</a:t>
+            </a:r>
+          </a:p>
+          <a:p>
+            <a:pPr lvl="1"/>
+            <a:r>
+              <a:rPr smtClean="0"/>
+              <a:t>Can be unique or multiple</a:t>
+            </a:r>
+            <a:endParaRPr lang="fr-FR" dirty="0"/>
+          </a:p>
+        </p:txBody>
+      </p:sp>
+      <p:sp>
+        <p:nvSpPr>
+          <p:cNvPr id="5" name="Ellipse 4"/>
+          <p:cNvSpPr/>
+          <p:nvPr/>
+        </p:nvSpPr>
+        <p:spPr>
+          <a:xfrm>
+            <a:off x="6215074" y="1285860"/>
+            <a:ext cx="2714644" cy="1643074"/>
+          </a:xfrm>
+          <a:prstGeom prst="ellipse">
+            <a:avLst/>
+          </a:prstGeom>
+          <a:effectLst>
+            <a:outerShdw blurRad="50800" dist="38100" dir="2700000" algn="tl" rotWithShape="0">
+              <a:prstClr val="black">
+                <a:alpha val="40000"/>
+              </a:prstClr>
+            </a:outerShdw>
+          </a:effectLst>
+        </p:spPr>
+        <p:style>
+          <a:lnRef idx="2">
+            <a:schemeClr val="accent6"/>
+          </a:lnRef>
+          <a:fillRef idx="1">
+            <a:schemeClr val="lt1"/>
+          </a:fillRef>
+          <a:effectRef idx="0">
+            <a:schemeClr val="accent6"/>
+          </a:effectRef>
+          <a:fontRef idx="minor">
+            <a:schemeClr val="dk1"/>
+          </a:fontRef>
+        </p:style>
+        <p:txBody>
+          <a:bodyPr rtlCol="0" anchor="ctr"/>
+          <a:lstStyle/>
+          <a:p>
+            <a:pPr algn="ctr"/>
+            <a:endParaRPr lang="fr-FR"/>
+          </a:p>
+        </p:txBody>
+      </p:sp>
+      <p:sp>
+        <p:nvSpPr>
+          <p:cNvPr id="6" name="Rectangle 5"/>
+          <p:cNvSpPr/>
+          <p:nvPr/>
+        </p:nvSpPr>
+        <p:spPr>
+          <a:xfrm>
+            <a:off x="6429388" y="1928802"/>
+            <a:ext cx="714380" cy="357190"/>
+          </a:xfrm>
+          <a:prstGeom prst="rect">
+            <a:avLst/>
+          </a:prstGeom>
+          <a:effectLst>
+            <a:outerShdw blurRad="50800" dist="38100" dir="2700000" algn="tl" rotWithShape="0">
+              <a:prstClr val="black">
+                <a:alpha val="40000"/>
+              </a:prstClr>
+            </a:outerShdw>
+          </a:effectLst>
+        </p:spPr>
+        <p:style>
+          <a:lnRef idx="2">
+            <a:schemeClr val="accent6"/>
+          </a:lnRef>
+          <a:fillRef idx="1">
+            <a:schemeClr val="lt1"/>
+          </a:fillRef>
+          <a:effectRef idx="0">
+            <a:schemeClr val="accent6"/>
+          </a:effectRef>
+          <a:fontRef idx="minor">
+            <a:schemeClr val="dk1"/>
+          </a:fontRef>
+        </p:style>
+        <p:txBody>
+          <a:bodyPr rtlCol="0" anchor="ctr"/>
+          <a:lstStyle/>
+          <a:p>
+            <a:pPr algn="ctr"/>
+            <a:r>
+              <a:rPr lang="fr-FR" sz="800" dirty="0" smtClean="0"/>
+              <a:t>Component</a:t>
+            </a:r>
+            <a:endParaRPr lang="fr-FR" sz="800" dirty="0"/>
+          </a:p>
+        </p:txBody>
+      </p:sp>
+      <p:sp>
+        <p:nvSpPr>
+          <p:cNvPr id="7" name="Flèche droite 6"/>
+          <p:cNvSpPr/>
+          <p:nvPr/>
+        </p:nvSpPr>
+        <p:spPr>
+          <a:xfrm>
+            <a:off x="7143768" y="2000240"/>
+            <a:ext cx="857256" cy="214314"/>
+          </a:xfrm>
+          <a:prstGeom prst="rightArrow">
+            <a:avLst/>
+          </a:prstGeom>
+          <a:effectLst>
+            <a:outerShdw blurRad="50800" dist="38100" dir="2700000" algn="tl" rotWithShape="0">
+              <a:prstClr val="black">
+                <a:alpha val="40000"/>
+              </a:prstClr>
+            </a:outerShdw>
+          </a:effectLst>
+        </p:spPr>
+        <p:style>
+          <a:lnRef idx="2">
+            <a:schemeClr val="accent6"/>
+          </a:lnRef>
+          <a:fillRef idx="1">
+            <a:schemeClr val="lt1"/>
+          </a:fillRef>
+          <a:effectRef idx="0">
+            <a:schemeClr val="accent6"/>
+          </a:effectRef>
+          <a:fontRef idx="minor">
+            <a:schemeClr val="dk1"/>
+          </a:fontRef>
+        </p:style>
+        <p:txBody>
+          <a:bodyPr rtlCol="0" anchor="ctr"/>
+          <a:lstStyle/>
+          <a:p>
+            <a:pPr algn="ctr"/>
+            <a:r>
+              <a:rPr lang="fr-FR" sz="1000" dirty="0" err="1" smtClean="0"/>
+              <a:t>Connector</a:t>
+            </a:r>
+            <a:endParaRPr lang="fr-FR" sz="1000" dirty="0"/>
+          </a:p>
+        </p:txBody>
+      </p:sp>
+      <p:sp>
+        <p:nvSpPr>
+          <p:cNvPr id="8" name="Rectangle 7"/>
+          <p:cNvSpPr/>
+          <p:nvPr/>
+        </p:nvSpPr>
+        <p:spPr>
+          <a:xfrm>
+            <a:off x="8001024" y="1928802"/>
+            <a:ext cx="714380" cy="357190"/>
+          </a:xfrm>
+          <a:prstGeom prst="rect">
+            <a:avLst/>
+          </a:prstGeom>
+          <a:effectLst>
+            <a:outerShdw blurRad="50800" dist="38100" dir="2700000" algn="tl" rotWithShape="0">
+              <a:prstClr val="black">
+                <a:alpha val="40000"/>
+              </a:prstClr>
+            </a:outerShdw>
+          </a:effectLst>
+        </p:spPr>
+        <p:style>
+          <a:lnRef idx="2">
+            <a:schemeClr val="accent6"/>
+          </a:lnRef>
+          <a:fillRef idx="1">
+            <a:schemeClr val="lt1"/>
+          </a:fillRef>
+          <a:effectRef idx="0">
+            <a:schemeClr val="accent6"/>
+          </a:effectRef>
+          <a:fontRef idx="minor">
+            <a:schemeClr val="dk1"/>
+          </a:fontRef>
+        </p:style>
+        <p:txBody>
+          <a:bodyPr rtlCol="0" anchor="ctr"/>
+          <a:lstStyle/>
+          <a:p>
+            <a:pPr algn="ctr"/>
+            <a:r>
+              <a:rPr lang="fr-FR" sz="800" dirty="0" smtClean="0"/>
+              <a:t>Component</a:t>
+            </a:r>
+            <a:endParaRPr lang="fr-FR" sz="800" dirty="0"/>
+          </a:p>
+        </p:txBody>
+      </p:sp>
+      <p:sp>
+        <p:nvSpPr>
+          <p:cNvPr id="9" name="ZoneTexte 8"/>
+          <p:cNvSpPr txBox="1"/>
+          <p:nvPr/>
+        </p:nvSpPr>
+        <p:spPr>
+          <a:xfrm>
+            <a:off x="7215206" y="1357298"/>
+            <a:ext cx="724878" cy="307777"/>
+          </a:xfrm>
+          <a:prstGeom prst="rect">
+            <a:avLst/>
+          </a:prstGeom>
+          <a:solidFill>
+            <a:schemeClr val="bg1"/>
+          </a:solidFill>
+          <a:effectLst/>
         </p:spPr>
         <p:txBody>
-          <a:bodyPr vert="horz" wrap="square" lIns="91440" tIns="45720" rIns="91440" bIns="45720" numCol="1" anchor="t" anchorCtr="0" compatLnSpc="1">
-            <a:prstTxWarp prst="textNoShape">
-              <a:avLst/>
-            </a:prstTxWarp>
+          <a:bodyPr wrap="none" rtlCol="0">
+            <a:spAutoFit/>
           </a:bodyPr>
           <a:lstStyle/>
           <a:p>
-            <a:r>
-              <a:rPr lang="en-US" sz="1600" dirty="0" smtClean="0"/>
-              <a:t> </a:t>
-            </a:r>
-            <a:endParaRPr lang="en-US" altLang="ko-KR" sz="1600" dirty="0" smtClean="0">
-              <a:ea typeface="굴림" charset="-127"/>
-            </a:endParaRPr>
+            <a:pPr marL="0" marR="0" indent="0" algn="l" defTabSz="914400" rtl="0" eaLnBrk="1" fontAlgn="auto" latinLnBrk="0" hangingPunct="1">
+              <a:lnSpc>
+                <a:spcPct val="100000"/>
+              </a:lnSpc>
+              <a:spcBef>
+                <a:spcPct val="20000"/>
+              </a:spcBef>
+              <a:spcAft>
+                <a:spcPts val="0"/>
+              </a:spcAft>
+              <a:buClrTx/>
+              <a:buSzTx/>
+              <a:buFontTx/>
+              <a:buNone/>
+              <a:tabLst/>
+            </a:pPr>
+            <a:r>
+              <a:rPr kumimoji="0" lang="fr-FR" sz="1400" b="1" i="0" u="none" strike="noStrike" kern="0" cap="none" spc="0" normalizeH="0" baseline="0" noProof="0" dirty="0" smtClean="0">
+                <a:ln>
+                  <a:noFill/>
+                </a:ln>
+                <a:solidFill>
+                  <a:schemeClr val="accent6">
+                    <a:lumMod val="75000"/>
+                  </a:schemeClr>
+                </a:solidFill>
+                <a:effectLst/>
+                <a:uLnTx/>
+                <a:uFillTx/>
+                <a:latin typeface="+mn-lt"/>
+                <a:ea typeface="+mn-ea"/>
+                <a:cs typeface="+mn-cs"/>
+              </a:rPr>
+              <a:t>System</a:t>
+            </a:r>
           </a:p>
         </p:txBody>
       </p:sp>

--- a/trunk/Project 2/Part1/CS554_EuroTeam_Project2_OP4.pptx
+++ b/trunk/Project 2/Part1/CS554_EuroTeam_Project2_OP4.pptx
@@ -3721,7 +3721,7 @@
     </p:spTree>
     <p:extLst>
       <p:ext uri="{BB962C8B-B14F-4D97-AF65-F5344CB8AC3E}">
-        <p14:creationId xmlns:p14="http://schemas.microsoft.com/office/powerpoint/2007/7/12/main" xmlns="" val="3216856891"/>
+        <p14:creationId xmlns="" xmlns:p14="http://schemas.microsoft.com/office/powerpoint/2007/7/12/main" val="3216856891"/>
       </p:ext>
     </p:extLst>
   </p:cSld>
@@ -4026,7 +4026,7 @@
     </p:spTree>
     <p:extLst>
       <p:ext uri="{BB962C8B-B14F-4D97-AF65-F5344CB8AC3E}">
-        <p14:creationId xmlns:p14="http://schemas.microsoft.com/office/powerpoint/2007/7/12/main" xmlns="" val="3483236166"/>
+        <p14:creationId xmlns="" xmlns:p14="http://schemas.microsoft.com/office/powerpoint/2007/7/12/main" val="3483236166"/>
       </p:ext>
     </p:extLst>
   </p:cSld>
@@ -5547,27 +5547,8 @@
                 </a:solidFill>
                 <a:latin typeface="+mn-lt"/>
               </a:rPr>
-              <a:t>Project </a:t>
-            </a:r>
-            <a:r>
-              <a:rPr lang="fr-FR" sz="1050" b="1" baseline="0" dirty="0" smtClean="0">
-                <a:solidFill>
-                  <a:schemeClr val="bg1">
-                    <a:lumMod val="50000"/>
-                  </a:schemeClr>
-                </a:solidFill>
-                <a:latin typeface="+mn-lt"/>
-              </a:rPr>
-              <a:t>2</a:t>
-            </a:r>
-            <a:endParaRPr lang="fr-FR" sz="1050" b="1" baseline="0" dirty="0" smtClean="0">
-              <a:solidFill>
-                <a:schemeClr val="bg1">
-                  <a:lumMod val="50000"/>
-                </a:schemeClr>
-              </a:solidFill>
-              <a:latin typeface="+mn-lt"/>
-            </a:endParaRPr>
+              <a:t>Project 2</a:t>
+            </a:r>
           </a:p>
           <a:p>
             <a:pPr algn="r">
@@ -5598,18 +5579,7 @@
                 </a:solidFill>
                 <a:latin typeface="+mn-lt"/>
               </a:rPr>
-              <a:t> 12th, </a:t>
-            </a:r>
-            <a:r>
-              <a:rPr lang="fr-FR" sz="1050" b="1" baseline="0" dirty="0" smtClean="0">
-                <a:solidFill>
-                  <a:schemeClr val="bg1">
-                    <a:lumMod val="50000"/>
-                  </a:schemeClr>
-                </a:solidFill>
-                <a:latin typeface="+mn-lt"/>
-              </a:rPr>
-              <a:t>2009</a:t>
+              <a:t> 12th, 2009</a:t>
             </a:r>
           </a:p>
           <a:p>
@@ -5934,7 +5904,7 @@
           <a:blip r:embed="rId4">
             <a:extLst>
               <a:ext uri="28A0092B-C50C-407e-A947-70E740481C1C">
-                <a14:useLocalDpi xmlns:a14="http://schemas.microsoft.com/office/drawing/2007/7/7/main" xmlns="" val="0"/>
+                <a14:useLocalDpi xmlns="" xmlns:a14="http://schemas.microsoft.com/office/drawing/2007/7/7/main" val="0"/>
               </a:ext>
             </a:extLst>
           </a:blip>
@@ -5954,14 +5924,14 @@
           <a:noFill/>
           <a:extLst>
             <a:ext uri="{909E8E84-426E-40dd-AFC4-6F175D3DCCD1}">
-              <a14:hiddenFill xmlns:a14="http://schemas.microsoft.com/office/drawing/2007/7/7/main" xmlns="">
+              <a14:hiddenFill xmlns="" xmlns:a14="http://schemas.microsoft.com/office/drawing/2007/7/7/main">
                 <a:solidFill>
                   <a:schemeClr val="accent1"/>
                 </a:solidFill>
               </a14:hiddenFill>
             </a:ext>
             <a:ext uri="{91240B29-F687-4f45-9708-019B960494DF}">
-              <a14:hiddenLine xmlns:a14="http://schemas.microsoft.com/office/drawing/2007/7/7/main" xmlns="" w="9525">
+              <a14:hiddenLine xmlns="" xmlns:a14="http://schemas.microsoft.com/office/drawing/2007/7/7/main" w="9525">
                 <a:solidFill>
                   <a:schemeClr val="tx1"/>
                 </a:solidFill>
@@ -5971,7 +5941,7 @@
               </a14:hiddenLine>
             </a:ext>
             <a:ext uri="{AF507438-7753-43e0-B8FC-AC1667EBCBE1}">
-              <a14:hiddenEffects xmlns:a14="http://schemas.microsoft.com/office/drawing/2007/7/7/main" xmlns="">
+              <a14:hiddenEffects xmlns="" xmlns:a14="http://schemas.microsoft.com/office/drawing/2007/7/7/main">
                 <a:effectLst>
                   <a:outerShdw dist="35921" dir="2700000" algn="ctr" rotWithShape="0">
                     <a:schemeClr val="bg2"/>
@@ -5985,7 +5955,7 @@
     </p:spTree>
     <p:extLst>
       <p:ext uri="{BB962C8B-B14F-4D97-AF65-F5344CB8AC3E}">
-        <p14:creationId xmlns:p14="http://schemas.microsoft.com/office/powerpoint/2007/7/12/main" xmlns="" val="1066328049"/>
+        <p14:creationId xmlns="" xmlns:p14="http://schemas.microsoft.com/office/powerpoint/2007/7/12/main" val="1066328049"/>
       </p:ext>
     </p:extLst>
   </p:cSld>
@@ -6357,16 +6327,7 @@
                 </a:solidFill>
                 <a:ea typeface="굴림" charset="-127"/>
               </a:rPr>
-              <a:t> - Project </a:t>
-            </a:r>
-            <a:r>
-              <a:rPr lang="fr-FR" altLang="ko-KR" sz="900" baseline="0" dirty="0" smtClean="0">
-                <a:solidFill>
-                  <a:srgbClr val="7F7F7F"/>
-                </a:solidFill>
-                <a:ea typeface="굴림" charset="-127"/>
-              </a:rPr>
-              <a:t>2</a:t>
+              <a:t> - Project 2</a:t>
             </a:r>
             <a:endParaRPr lang="fr-FR" altLang="ko-KR" sz="900" dirty="0">
               <a:solidFill>
@@ -6448,19 +6409,7 @@
                 <a:latin typeface="+mn-lt"/>
                 <a:cs typeface="+mn-cs"/>
               </a:rPr>
-              <a:t> / </a:t>
-            </a:r>
-            <a:r>
-              <a:rPr lang="fr-FR" sz="1100" b="1" kern="0" dirty="0" smtClean="0">
-                <a:solidFill>
-                  <a:schemeClr val="bg1">
-                    <a:lumMod val="65000"/>
-                  </a:schemeClr>
-                </a:solidFill>
-                <a:latin typeface="+mn-lt"/>
-                <a:cs typeface="+mn-cs"/>
-              </a:rPr>
-              <a:t>22    </a:t>
+              <a:t> / 22    </a:t>
             </a:r>
             <a:endParaRPr lang="fr-FR" sz="1100" b="1" kern="0" dirty="0">
               <a:solidFill>
@@ -7529,11 +7478,7 @@
           <a:p>
             <a:r>
               <a:rPr smtClean="0"/>
-              <a:t>3. A</a:t>
-            </a:r>
-            <a:r>
-              <a:rPr smtClean="0"/>
-              <a:t>cme description</a:t>
+              <a:t>3. Acme description</a:t>
             </a:r>
             <a:endParaRPr lang="fr-FR" dirty="0"/>
           </a:p>
@@ -8084,23 +8029,6 @@
               </a:rPr>
               <a:t>ATAM introduction</a:t>
             </a:r>
-            <a:endParaRPr kumimoji="0" lang="fr-FR" sz="1200" i="0" u="none" strike="noStrike" kern="0" cap="none" spc="0" normalizeH="0" baseline="0" noProof="0" dirty="0" smtClean="0">
-              <a:ln>
-                <a:noFill/>
-              </a:ln>
-              <a:solidFill>
-                <a:schemeClr val="tx1">
-                  <a:lumMod val="50000"/>
-                  <a:lumOff val="50000"/>
-                </a:schemeClr>
-              </a:solidFill>
-              <a:effectLst/>
-              <a:uLnTx/>
-              <a:uFillTx/>
-              <a:latin typeface="+mn-lt"/>
-              <a:ea typeface="+mn-ea"/>
-              <a:cs typeface="+mn-cs"/>
-            </a:endParaRPr>
           </a:p>
         </p:txBody>
       </p:sp>
@@ -8153,11 +8081,7 @@
           <a:p>
             <a:r>
               <a:rPr smtClean="0"/>
-              <a:t>3</a:t>
-            </a:r>
-            <a:r>
-              <a:rPr smtClean="0"/>
-              <a:t>. ACME Description (cont.)</a:t>
+              <a:t>3. ACME Description (cont.)</a:t>
             </a:r>
             <a:endParaRPr lang="fr-FR" dirty="0"/>
           </a:p>
@@ -8869,23 +8793,6 @@
               </a:rPr>
               <a:t>ATAM introduction</a:t>
             </a:r>
-            <a:endParaRPr kumimoji="0" lang="fr-FR" sz="1200" i="0" u="none" strike="noStrike" kern="0" cap="none" spc="0" normalizeH="0" baseline="0" noProof="0" dirty="0" smtClean="0">
-              <a:ln>
-                <a:noFill/>
-              </a:ln>
-              <a:solidFill>
-                <a:schemeClr val="tx1">
-                  <a:lumMod val="50000"/>
-                  <a:lumOff val="50000"/>
-                </a:schemeClr>
-              </a:solidFill>
-              <a:effectLst/>
-              <a:uLnTx/>
-              <a:uFillTx/>
-              <a:latin typeface="+mn-lt"/>
-              <a:ea typeface="+mn-ea"/>
-              <a:cs typeface="+mn-cs"/>
-            </a:endParaRPr>
           </a:p>
         </p:txBody>
       </p:sp>
@@ -10015,23 +9922,6 @@
               </a:rPr>
               <a:t>ATAM introduction</a:t>
             </a:r>
-            <a:endParaRPr kumimoji="0" lang="fr-FR" sz="1200" i="0" u="none" strike="noStrike" kern="0" cap="none" spc="0" normalizeH="0" baseline="0" noProof="0" dirty="0" smtClean="0">
-              <a:ln>
-                <a:noFill/>
-              </a:ln>
-              <a:solidFill>
-                <a:schemeClr val="tx1">
-                  <a:lumMod val="50000"/>
-                  <a:lumOff val="50000"/>
-                </a:schemeClr>
-              </a:solidFill>
-              <a:effectLst/>
-              <a:uLnTx/>
-              <a:uFillTx/>
-              <a:latin typeface="+mn-lt"/>
-              <a:ea typeface="+mn-ea"/>
-              <a:cs typeface="+mn-cs"/>
-            </a:endParaRPr>
           </a:p>
         </p:txBody>
       </p:sp>
@@ -10549,23 +10439,6 @@
               </a:rPr>
               <a:t>ATAM introduction</a:t>
             </a:r>
-            <a:endParaRPr kumimoji="0" lang="fr-FR" sz="1200" i="0" u="none" strike="noStrike" kern="0" cap="none" spc="0" normalizeH="0" baseline="0" noProof="0" dirty="0" smtClean="0">
-              <a:ln>
-                <a:noFill/>
-              </a:ln>
-              <a:solidFill>
-                <a:schemeClr val="tx1">
-                  <a:lumMod val="50000"/>
-                  <a:lumOff val="50000"/>
-                </a:schemeClr>
-              </a:solidFill>
-              <a:effectLst/>
-              <a:uLnTx/>
-              <a:uFillTx/>
-              <a:latin typeface="+mn-lt"/>
-              <a:ea typeface="+mn-ea"/>
-              <a:cs typeface="+mn-cs"/>
-            </a:endParaRPr>
           </a:p>
         </p:txBody>
       </p:sp>
@@ -11050,23 +10923,6 @@
               </a:rPr>
               <a:t>ATAM introduction</a:t>
             </a:r>
-            <a:endParaRPr kumimoji="0" lang="fr-FR" sz="1200" i="0" u="none" strike="noStrike" kern="0" cap="none" spc="0" normalizeH="0" baseline="0" noProof="0" dirty="0" smtClean="0">
-              <a:ln>
-                <a:noFill/>
-              </a:ln>
-              <a:solidFill>
-                <a:schemeClr val="tx1">
-                  <a:lumMod val="50000"/>
-                  <a:lumOff val="50000"/>
-                </a:schemeClr>
-              </a:solidFill>
-              <a:effectLst/>
-              <a:uLnTx/>
-              <a:uFillTx/>
-              <a:latin typeface="+mn-lt"/>
-              <a:ea typeface="+mn-ea"/>
-              <a:cs typeface="+mn-cs"/>
-            </a:endParaRPr>
           </a:p>
         </p:txBody>
       </p:sp>
@@ -11561,23 +11417,6 @@
               </a:rPr>
               <a:t>ATAM introduction</a:t>
             </a:r>
-            <a:endParaRPr kumimoji="0" lang="fr-FR" sz="1200" i="0" u="none" strike="noStrike" kern="0" cap="none" spc="0" normalizeH="0" baseline="0" noProof="0" dirty="0" smtClean="0">
-              <a:ln>
-                <a:noFill/>
-              </a:ln>
-              <a:solidFill>
-                <a:schemeClr val="tx1">
-                  <a:lumMod val="50000"/>
-                  <a:lumOff val="50000"/>
-                </a:schemeClr>
-              </a:solidFill>
-              <a:effectLst/>
-              <a:uLnTx/>
-              <a:uFillTx/>
-              <a:latin typeface="+mn-lt"/>
-              <a:ea typeface="+mn-ea"/>
-              <a:cs typeface="+mn-cs"/>
-            </a:endParaRPr>
           </a:p>
         </p:txBody>
       </p:sp>
@@ -11623,11 +11462,7 @@
           <a:p>
             <a:r>
               <a:rPr smtClean="0"/>
-              <a:t>3. Acme </a:t>
-            </a:r>
-            <a:r>
-              <a:rPr smtClean="0"/>
-              <a:t>tool</a:t>
+              <a:t>3. Acme tool</a:t>
             </a:r>
             <a:endParaRPr lang="fr-FR" dirty="0"/>
           </a:p>
@@ -12101,23 +11936,6 @@
               </a:rPr>
               <a:t>ATAM introduction</a:t>
             </a:r>
-            <a:endParaRPr kumimoji="0" lang="fr-FR" sz="1200" i="0" u="none" strike="noStrike" kern="0" cap="none" spc="0" normalizeH="0" baseline="0" noProof="0" dirty="0" smtClean="0">
-              <a:ln>
-                <a:noFill/>
-              </a:ln>
-              <a:solidFill>
-                <a:schemeClr val="tx1">
-                  <a:lumMod val="50000"/>
-                  <a:lumOff val="50000"/>
-                </a:schemeClr>
-              </a:solidFill>
-              <a:effectLst/>
-              <a:uLnTx/>
-              <a:uFillTx/>
-              <a:latin typeface="+mn-lt"/>
-              <a:ea typeface="+mn-ea"/>
-              <a:cs typeface="+mn-cs"/>
-            </a:endParaRPr>
           </a:p>
         </p:txBody>
       </p:sp>
@@ -12640,15 +12458,7 @@
           <a:p>
             <a:r>
               <a:rPr lang="en-US" dirty="0" smtClean="0"/>
-              <a:t>4. </a:t>
-            </a:r>
-            <a:r>
-              <a:rPr lang="en-US" dirty="0" smtClean="0"/>
-              <a:t>ATAM(cont.</a:t>
-            </a:r>
-            <a:r>
-              <a:rPr lang="en-US" dirty="0" smtClean="0"/>
-              <a:t>)</a:t>
+              <a:t>4. ATAM(cont.)</a:t>
             </a:r>
             <a:endParaRPr lang="en-US" dirty="0"/>
           </a:p>
@@ -13813,11 +13623,7 @@
             </a:r>
             <a:r>
               <a:rPr lang="en-US" dirty="0" smtClean="0"/>
-              <a:t> </a:t>
-            </a:r>
-            <a:r>
-              <a:rPr lang="en-US" dirty="0" smtClean="0"/>
-              <a:t>assessment steps</a:t>
+              <a:t> assessment steps</a:t>
             </a:r>
             <a:endParaRPr lang="en-US" dirty="0"/>
           </a:p>
@@ -15042,11 +14848,7 @@
             </a:r>
             <a:r>
               <a:rPr lang="fr-FR" dirty="0" smtClean="0"/>
-              <a:t> </a:t>
-            </a:r>
-            <a:r>
-              <a:rPr lang="fr-FR" dirty="0" smtClean="0"/>
-              <a:t>do </a:t>
+              <a:t> do </a:t>
             </a:r>
             <a:r>
               <a:rPr lang="fr-FR" dirty="0" err="1" smtClean="0"/>
@@ -15312,17 +15114,6 @@
               </a:rPr>
               <a:t>?</a:t>
             </a:r>
-            <a:endParaRPr kumimoji="0" lang="fr-FR" sz="1200" b="1" i="0" u="sng" strike="noStrike" kern="0" cap="none" spc="0" normalizeH="0" baseline="0" noProof="0" dirty="0" smtClean="0">
-              <a:ln>
-                <a:noFill/>
-              </a:ln>
-              <a:effectLst/>
-              <a:uLnTx/>
-              <a:uFillTx/>
-              <a:latin typeface="+mn-lt"/>
-              <a:ea typeface="+mn-ea"/>
-              <a:cs typeface="+mn-cs"/>
-            </a:endParaRPr>
           </a:p>
         </p:txBody>
       </p:sp>
@@ -15589,30 +15380,13 @@
               </a:rPr>
               <a:t>ATAM introduction</a:t>
             </a:r>
-            <a:endParaRPr kumimoji="0" lang="fr-FR" sz="1200" i="0" u="none" strike="noStrike" kern="0" cap="none" spc="0" normalizeH="0" baseline="0" noProof="0" dirty="0" smtClean="0">
-              <a:ln>
-                <a:noFill/>
-              </a:ln>
-              <a:solidFill>
-                <a:schemeClr val="tx1">
-                  <a:lumMod val="50000"/>
-                  <a:lumOff val="50000"/>
-                </a:schemeClr>
-              </a:solidFill>
-              <a:effectLst/>
-              <a:uLnTx/>
-              <a:uFillTx/>
-              <a:latin typeface="+mn-lt"/>
-              <a:ea typeface="+mn-ea"/>
-              <a:cs typeface="+mn-cs"/>
-            </a:endParaRPr>
           </a:p>
         </p:txBody>
       </p:sp>
     </p:spTree>
     <p:extLst>
       <p:ext uri="{BB962C8B-B14F-4D97-AF65-F5344CB8AC3E}">
-        <p14:creationId xmlns="" xmlns:p14="http://schemas.microsoft.com/office/powerpoint/2007/7/12/main" xmlns:mv="urn:schemas-microsoft-com:mac:vml" xmlns:mc="http://schemas.openxmlformats.org/markup-compatibility/2006" val="3707259682"/>
+        <p14:creationId xmlns:mc="http://schemas.openxmlformats.org/markup-compatibility/2006" xmlns:mv="urn:schemas-microsoft-com:mac:vml" xmlns:p14="http://schemas.microsoft.com/office/powerpoint/2007/7/12/main" xmlns="" val="3707259682"/>
       </p:ext>
     </p:extLst>
   </p:cSld>
@@ -15671,11 +15445,7 @@
             </a:r>
             <a:r>
               <a:rPr lang="fr-FR" dirty="0" smtClean="0"/>
-              <a:t> </a:t>
-            </a:r>
-            <a:r>
-              <a:rPr lang="fr-FR" dirty="0" smtClean="0"/>
-              <a:t>do </a:t>
+              <a:t> do </a:t>
             </a:r>
             <a:r>
               <a:rPr lang="fr-FR" dirty="0" err="1" smtClean="0"/>
@@ -15856,17 +15626,6 @@
               </a:rPr>
               <a:t>?</a:t>
             </a:r>
-            <a:endParaRPr kumimoji="0" lang="fr-FR" sz="1200" b="1" i="0" u="sng" strike="noStrike" kern="0" cap="none" spc="0" normalizeH="0" baseline="0" noProof="0" dirty="0" smtClean="0">
-              <a:ln>
-                <a:noFill/>
-              </a:ln>
-              <a:effectLst/>
-              <a:uLnTx/>
-              <a:uFillTx/>
-              <a:latin typeface="+mn-lt"/>
-              <a:ea typeface="+mn-ea"/>
-              <a:cs typeface="+mn-cs"/>
-            </a:endParaRPr>
           </a:p>
         </p:txBody>
       </p:sp>
@@ -16133,23 +15892,6 @@
               </a:rPr>
               <a:t>ATAM introduction</a:t>
             </a:r>
-            <a:endParaRPr kumimoji="0" lang="fr-FR" sz="1200" i="0" u="none" strike="noStrike" kern="0" cap="none" spc="0" normalizeH="0" baseline="0" noProof="0" dirty="0" smtClean="0">
-              <a:ln>
-                <a:noFill/>
-              </a:ln>
-              <a:solidFill>
-                <a:schemeClr val="tx1">
-                  <a:lumMod val="50000"/>
-                  <a:lumOff val="50000"/>
-                </a:schemeClr>
-              </a:solidFill>
-              <a:effectLst/>
-              <a:uLnTx/>
-              <a:uFillTx/>
-              <a:latin typeface="+mn-lt"/>
-              <a:ea typeface="+mn-ea"/>
-              <a:cs typeface="+mn-cs"/>
-            </a:endParaRPr>
           </a:p>
         </p:txBody>
       </p:sp>
@@ -16195,11 +15937,7 @@
           <a:p>
             <a:r>
               <a:rPr lang="en-GB" dirty="0" smtClean="0"/>
-              <a:t>2. ADL </a:t>
-            </a:r>
-            <a:r>
-              <a:rPr lang="en-GB" dirty="0" smtClean="0"/>
-              <a:t>investigation and choice</a:t>
+              <a:t>2. ADL investigation and choice</a:t>
             </a:r>
             <a:endParaRPr lang="en-GB" dirty="0"/>
           </a:p>
@@ -16626,23 +16364,6 @@
               </a:rPr>
               <a:t>ATAM introduction</a:t>
             </a:r>
-            <a:endParaRPr kumimoji="0" lang="fr-FR" sz="1200" i="0" u="none" strike="noStrike" kern="0" cap="none" spc="0" normalizeH="0" baseline="0" noProof="0" dirty="0" smtClean="0">
-              <a:ln>
-                <a:noFill/>
-              </a:ln>
-              <a:solidFill>
-                <a:schemeClr val="tx1">
-                  <a:lumMod val="50000"/>
-                  <a:lumOff val="50000"/>
-                </a:schemeClr>
-              </a:solidFill>
-              <a:effectLst/>
-              <a:uLnTx/>
-              <a:uFillTx/>
-              <a:latin typeface="+mn-lt"/>
-              <a:ea typeface="+mn-ea"/>
-              <a:cs typeface="+mn-cs"/>
-            </a:endParaRPr>
           </a:p>
         </p:txBody>
       </p:sp>
@@ -16688,11 +16409,7 @@
           <a:p>
             <a:r>
               <a:rPr lang="en-GB" dirty="0" smtClean="0"/>
-              <a:t>2. ADL </a:t>
-            </a:r>
-            <a:r>
-              <a:rPr lang="en-GB" dirty="0" smtClean="0"/>
-              <a:t>investigation and choice (cont.)</a:t>
+              <a:t>2. ADL investigation and choice (cont.)</a:t>
             </a:r>
             <a:endParaRPr lang="en-GB" dirty="0"/>
           </a:p>
@@ -17218,23 +16935,6 @@
               </a:rPr>
               <a:t>ATAM introduction</a:t>
             </a:r>
-            <a:endParaRPr kumimoji="0" lang="fr-FR" sz="1200" i="0" u="none" strike="noStrike" kern="0" cap="none" spc="0" normalizeH="0" baseline="0" noProof="0" dirty="0" smtClean="0">
-              <a:ln>
-                <a:noFill/>
-              </a:ln>
-              <a:solidFill>
-                <a:schemeClr val="tx1">
-                  <a:lumMod val="50000"/>
-                  <a:lumOff val="50000"/>
-                </a:schemeClr>
-              </a:solidFill>
-              <a:effectLst/>
-              <a:uLnTx/>
-              <a:uFillTx/>
-              <a:latin typeface="+mn-lt"/>
-              <a:ea typeface="+mn-ea"/>
-              <a:cs typeface="+mn-cs"/>
-            </a:endParaRPr>
           </a:p>
         </p:txBody>
       </p:sp>
@@ -17280,11 +16980,7 @@
           <a:p>
             <a:r>
               <a:rPr smtClean="0"/>
-              <a:t>3. What </a:t>
-            </a:r>
-            <a:r>
-              <a:rPr smtClean="0"/>
-              <a:t>is acme ?</a:t>
+              <a:t>3. What is acme ?</a:t>
             </a:r>
             <a:endParaRPr lang="fr-FR" dirty="0"/>
           </a:p>
@@ -17307,11 +17003,7 @@
           <a:p>
             <a:r>
               <a:rPr lang="en-US" sz="2800" dirty="0" smtClean="0"/>
-              <a:t>Architectural design environment by Carnegie Mellon </a:t>
-            </a:r>
-            <a:r>
-              <a:rPr lang="en-US" sz="2800" dirty="0" smtClean="0"/>
-              <a:t>University</a:t>
+              <a:t>Architectural design environment by Carnegie Mellon University</a:t>
             </a:r>
           </a:p>
           <a:p>
@@ -17329,13 +17021,8 @@
           <a:p>
             <a:r>
               <a:rPr lang="en-US" sz="2800" dirty="0" smtClean="0"/>
-              <a:t>Provide a generic, extensible infrastructure for describing, representing, generating, and analyzing software architecture descriptions</a:t>
-            </a:r>
-            <a:r>
-              <a:rPr lang="en-US" sz="2800" dirty="0" smtClean="0"/>
-              <a:t>.</a:t>
-            </a:r>
-            <a:endParaRPr lang="en-US" sz="2800" dirty="0" smtClean="0"/>
+              <a:t>Provide a generic, extensible infrastructure for describing, representing, generating, and analyzing software architecture descriptions.</a:t>
+            </a:r>
           </a:p>
         </p:txBody>
       </p:sp>
@@ -17687,23 +17374,6 @@
               </a:rPr>
               <a:t>ATAM introduction</a:t>
             </a:r>
-            <a:endParaRPr kumimoji="0" lang="fr-FR" sz="1200" i="0" u="none" strike="noStrike" kern="0" cap="none" spc="0" normalizeH="0" baseline="0" noProof="0" dirty="0" smtClean="0">
-              <a:ln>
-                <a:noFill/>
-              </a:ln>
-              <a:solidFill>
-                <a:schemeClr val="tx1">
-                  <a:lumMod val="50000"/>
-                  <a:lumOff val="50000"/>
-                </a:schemeClr>
-              </a:solidFill>
-              <a:effectLst/>
-              <a:uLnTx/>
-              <a:uFillTx/>
-              <a:latin typeface="+mn-lt"/>
-              <a:ea typeface="+mn-ea"/>
-              <a:cs typeface="+mn-cs"/>
-            </a:endParaRPr>
           </a:p>
         </p:txBody>
       </p:sp>
@@ -17799,13 +17469,11 @@
           <a:p>
             <a:r>
               <a:rPr lang="en-US" dirty="0" smtClean="0"/>
-              <a:t>Aggregates: collections of components, connectors and attachments</a:t>
-            </a:r>
-          </a:p>
-          <a:p>
+              <a:t>Properties </a:t>
+            </a:r>
             <a:r>
               <a:rPr lang="en-US" dirty="0" smtClean="0"/>
-              <a:t>Properties of any of above</a:t>
+              <a:t>of any of above</a:t>
             </a:r>
             <a:endParaRPr lang="fr-FR" dirty="0"/>
           </a:p>
@@ -18196,23 +17864,6 @@
               </a:rPr>
               <a:t>ATAM introduction</a:t>
             </a:r>
-            <a:endParaRPr kumimoji="0" lang="fr-FR" sz="1200" i="0" u="none" strike="noStrike" kern="0" cap="none" spc="0" normalizeH="0" baseline="0" noProof="0" dirty="0" smtClean="0">
-              <a:ln>
-                <a:noFill/>
-              </a:ln>
-              <a:solidFill>
-                <a:schemeClr val="tx1">
-                  <a:lumMod val="50000"/>
-                  <a:lumOff val="50000"/>
-                </a:schemeClr>
-              </a:solidFill>
-              <a:effectLst/>
-              <a:uLnTx/>
-              <a:uFillTx/>
-              <a:latin typeface="+mn-lt"/>
-              <a:ea typeface="+mn-ea"/>
-              <a:cs typeface="+mn-cs"/>
-            </a:endParaRPr>
           </a:p>
         </p:txBody>
       </p:sp>
@@ -18265,11 +17916,7 @@
           <a:p>
             <a:r>
               <a:rPr smtClean="0"/>
-              <a:t>3. A</a:t>
-            </a:r>
-            <a:r>
-              <a:rPr smtClean="0"/>
-              <a:t>cme description</a:t>
+              <a:t>3. Acme description</a:t>
             </a:r>
             <a:endParaRPr lang="fr-FR" dirty="0"/>
           </a:p>
@@ -18740,23 +18387,6 @@
               </a:rPr>
               <a:t>ATAM introduction</a:t>
             </a:r>
-            <a:endParaRPr kumimoji="0" lang="fr-FR" sz="1200" i="0" u="none" strike="noStrike" kern="0" cap="none" spc="0" normalizeH="0" baseline="0" noProof="0" dirty="0" smtClean="0">
-              <a:ln>
-                <a:noFill/>
-              </a:ln>
-              <a:solidFill>
-                <a:schemeClr val="tx1">
-                  <a:lumMod val="50000"/>
-                  <a:lumOff val="50000"/>
-                </a:schemeClr>
-              </a:solidFill>
-              <a:effectLst/>
-              <a:uLnTx/>
-              <a:uFillTx/>
-              <a:latin typeface="+mn-lt"/>
-              <a:ea typeface="+mn-ea"/>
-              <a:cs typeface="+mn-cs"/>
-            </a:endParaRPr>
           </a:p>
         </p:txBody>
       </p:sp>

--- a/trunk/Project 2/Part1/CS554_EuroTeam_Project2_OP4.pptx
+++ b/trunk/Project 2/Part1/CS554_EuroTeam_Project2_OP4.pptx
@@ -5,21 +5,27 @@
     <p:sldMasterId id="2147483660" r:id="rId2"/>
   </p:sldMasterIdLst>
   <p:notesMasterIdLst>
-    <p:notesMasterId r:id="rId12"/>
+    <p:notesMasterId r:id="rId18"/>
   </p:notesMasterIdLst>
   <p:handoutMasterIdLst>
-    <p:handoutMasterId r:id="rId13"/>
+    <p:handoutMasterId r:id="rId19"/>
   </p:handoutMasterIdLst>
   <p:sldIdLst>
     <p:sldId id="256" r:id="rId3"/>
     <p:sldId id="261" r:id="rId4"/>
-    <p:sldId id="338" r:id="rId5"/>
-    <p:sldId id="339" r:id="rId6"/>
-    <p:sldId id="340" r:id="rId7"/>
-    <p:sldId id="341" r:id="rId8"/>
-    <p:sldId id="351" r:id="rId9"/>
-    <p:sldId id="350" r:id="rId10"/>
-    <p:sldId id="286" r:id="rId11"/>
+    <p:sldId id="341" r:id="rId5"/>
+    <p:sldId id="338" r:id="rId6"/>
+    <p:sldId id="339" r:id="rId7"/>
+    <p:sldId id="340" r:id="rId8"/>
+    <p:sldId id="359" r:id="rId9"/>
+    <p:sldId id="360" r:id="rId10"/>
+    <p:sldId id="353" r:id="rId11"/>
+    <p:sldId id="361" r:id="rId12"/>
+    <p:sldId id="355" r:id="rId13"/>
+    <p:sldId id="358" r:id="rId14"/>
+    <p:sldId id="356" r:id="rId15"/>
+    <p:sldId id="357" r:id="rId16"/>
+    <p:sldId id="362" r:id="rId17"/>
   </p:sldIdLst>
   <p:sldSz cx="9144000" cy="6858000" type="screen4x3"/>
   <p:notesSz cx="7099300" cy="10234613"/>
@@ -1810,7 +1816,11 @@
           </a:r>
           <a:r>
             <a:rPr lang="en-US" b="0" dirty="0" smtClean="0"/>
-            <a:t> business case</a:t>
+            <a:t> business </a:t>
+          </a:r>
+          <a:r>
+            <a:rPr lang="en-US" b="0" dirty="0" smtClean="0"/>
+            <a:t>drivers</a:t>
           </a:r>
           <a:endParaRPr lang="en-US" b="1" dirty="0"/>
         </a:p>
@@ -3598,6 +3608,10 @@
         <a:lstStyle/>
         <a:p>
           <a:r>
+            <a:rPr lang="en-US" sz="1200" b="1" dirty="0" smtClean="0"/>
+            <a:t>(H, M) </a:t>
+          </a:r>
+          <a:r>
             <a:rPr lang="en-US" sz="1200" dirty="0" smtClean="0"/>
             <a:t>The system and its parts have to be able to be tested through inspections, simulations and analyses</a:t>
           </a:r>
@@ -3635,8 +3649,12 @@
         <a:lstStyle/>
         <a:p>
           <a:r>
+            <a:rPr lang="en-US" sz="1200" b="1" dirty="0" smtClean="0"/>
+            <a:t>(H, M) </a:t>
+          </a:r>
+          <a:r>
             <a:rPr lang="en-US" sz="1200" dirty="0" smtClean="0"/>
-            <a:t>FDIR is processing a lot of critical information that shouldn’t be lost.</a:t>
+            <a:t>FDIR must have a data backup system in case of hardware failure.</a:t>
           </a:r>
           <a:endParaRPr lang="en-US" sz="1200" dirty="0"/>
         </a:p>
@@ -3672,8 +3690,12 @@
         <a:lstStyle/>
         <a:p>
           <a:r>
+            <a:rPr lang="en-US" sz="1200" b="1" dirty="0" smtClean="0"/>
+            <a:t>(H, M) </a:t>
+          </a:r>
+          <a:r>
             <a:rPr lang="en-US" sz="1200" dirty="0" smtClean="0"/>
-            <a:t>The system must not lock or stall when processing data</a:t>
+            <a:t>The system must use an asynchronous mode of operation</a:t>
           </a:r>
           <a:endParaRPr lang="en-US" sz="1200" dirty="0"/>
         </a:p>
@@ -3709,8 +3731,12 @@
         <a:lstStyle/>
         <a:p>
           <a:r>
+            <a:rPr lang="en-US" sz="1200" b="1" dirty="0" smtClean="0"/>
+            <a:t>(M, H) </a:t>
+          </a:r>
+          <a:r>
             <a:rPr lang="en-US" sz="1200" dirty="0" smtClean="0"/>
-            <a:t>The system must respond in 2sec</a:t>
+            <a:t>The system must respond to input within 2sec</a:t>
           </a:r>
           <a:endParaRPr lang="en-US" sz="1200" dirty="0"/>
         </a:p>
@@ -3746,8 +3772,12 @@
         <a:lstStyle/>
         <a:p>
           <a:r>
+            <a:rPr lang="en-US" sz="1200" b="1" dirty="0" smtClean="0"/>
+            <a:t>(M, L) </a:t>
+          </a:r>
+          <a:r>
             <a:rPr lang="en-US" sz="1200" dirty="0" smtClean="0"/>
-            <a:t>The system has to be able to deliver and receive a lot of requests and messages at the same time</a:t>
+            <a:t>If the system load doubles from normal response time has to stay within 3 seconds. </a:t>
           </a:r>
           <a:endParaRPr lang="en-US" sz="1200" dirty="0"/>
         </a:p>
@@ -3783,8 +3813,12 @@
         <a:lstStyle/>
         <a:p>
           <a:r>
+            <a:rPr lang="en-US" sz="1200" b="1" dirty="0" smtClean="0"/>
+            <a:t>(M, M) </a:t>
+          </a:r>
+          <a:r>
             <a:rPr lang="en-US" sz="1200" dirty="0" smtClean="0"/>
-            <a:t>The system must be able to maintain an acceptable level of service in spite failures</a:t>
+            <a:t>The system must recover from failures in parts of the system in 1 minute</a:t>
           </a:r>
           <a:endParaRPr lang="en-US" sz="1200" dirty="0"/>
         </a:p>
@@ -3819,6 +3853,10 @@
         <a:bodyPr/>
         <a:lstStyle/>
         <a:p>
+          <a:r>
+            <a:rPr lang="en-US" sz="1200" b="1" dirty="0" smtClean="0"/>
+            <a:t>(M, M) </a:t>
+          </a:r>
           <a:r>
             <a:rPr lang="en-US" sz="1200" dirty="0" smtClean="0"/>
             <a:t>The system must be reliable in all operating conditions.</a:t>
@@ -3857,6 +3895,10 @@
         <a:lstStyle/>
         <a:p>
           <a:r>
+            <a:rPr lang="en-US" sz="1200" b="1" dirty="0" smtClean="0"/>
+            <a:t>(L, M) </a:t>
+          </a:r>
+          <a:r>
             <a:rPr lang="en-US" sz="1200" dirty="0" smtClean="0"/>
             <a:t>System must provide easy-to-learn features</a:t>
           </a:r>
@@ -3893,6 +3935,10 @@
         <a:bodyPr/>
         <a:lstStyle/>
         <a:p>
+          <a:r>
+            <a:rPr lang="en-US" sz="1200" b="1" dirty="0" smtClean="0"/>
+            <a:t>(L, M) </a:t>
+          </a:r>
           <a:r>
             <a:rPr lang="en-US" sz="1200" dirty="0" smtClean="0"/>
             <a:t>The FDIR interface should provide several views with consistent conventions</a:t>
@@ -3931,6 +3977,10 @@
         <a:lstStyle/>
         <a:p>
           <a:r>
+            <a:rPr lang="en-US" sz="1200" b="1" dirty="0" smtClean="0"/>
+            <a:t>(M, L) </a:t>
+          </a:r>
+          <a:r>
             <a:rPr lang="en-US" sz="1200" dirty="0" smtClean="0"/>
             <a:t>No operation should be irreversible, and confirmation should be asked to user each time</a:t>
           </a:r>
@@ -3968,8 +4018,12 @@
         <a:lstStyle/>
         <a:p>
           <a:r>
+            <a:rPr lang="en-US" sz="1200" b="1" dirty="0" smtClean="0"/>
+            <a:t>(M, M) </a:t>
+          </a:r>
+          <a:r>
             <a:rPr lang="en-US" sz="1200" dirty="0" smtClean="0"/>
-            <a:t>The system has to be configurable in order to adapt to several environment</a:t>
+            <a:t>The system has to be configurable to other spacecrafts in 1 person year of work</a:t>
           </a:r>
           <a:endParaRPr lang="en-US" sz="1200" dirty="0"/>
         </a:p>
@@ -5530,237 +5584,237 @@
     </dgm:pt>
   </dgm:ptLst>
   <dgm:cxnLst>
+    <dgm:cxn modelId="{10DB94B4-4AF7-4BB5-8C93-3DD9F8637336}" type="presOf" srcId="{E4802F1B-C275-465F-B611-017EA9F4FFD0}" destId="{B993592A-DEED-4F98-9E86-97956F4E7AEA}" srcOrd="0" destOrd="0" presId="urn:microsoft.com/office/officeart/2005/8/layout/hierarchy2"/>
+    <dgm:cxn modelId="{C58ACBFF-2572-46A6-84B9-593015650BFE}" type="presOf" srcId="{6F0EE3D6-5DC0-4B96-B37E-57BC52C39BF6}" destId="{09ED80D0-5939-46D2-868B-CF9B367D33C4}" srcOrd="0" destOrd="0" presId="urn:microsoft.com/office/officeart/2005/8/layout/hierarchy2"/>
+    <dgm:cxn modelId="{416BB858-D68F-4CC9-B475-9FC4C5AE64EA}" type="presOf" srcId="{099F60C3-6A1D-4019-8D14-F50A8A09C660}" destId="{82E0188A-130F-4888-B1C4-1466B0FA2C48}" srcOrd="0" destOrd="0" presId="urn:microsoft.com/office/officeart/2005/8/layout/hierarchy2"/>
+    <dgm:cxn modelId="{CB9DD7DC-30FE-49A8-B6A8-07EFA5A3C2B0}" srcId="{15B1BA1E-0BE5-4111-9088-567035F6ADF2}" destId="{A8C23566-4532-4937-B70D-96EEB679EC18}" srcOrd="0" destOrd="0" parTransId="{96B4AF63-BD34-4C99-907A-076A76C40AC1}" sibTransId="{40EA1749-1A7A-4595-A4AB-2D29A76E00D5}"/>
+    <dgm:cxn modelId="{57C63B00-5085-46BB-8EE0-8E7F057A3A14}" srcId="{E3C31717-A998-409B-B0F2-24EA2C48B82B}" destId="{90D73243-8D83-4D3B-B5DC-8C34197E2F93}" srcOrd="1" destOrd="0" parTransId="{18C4E4F1-6FFE-40C7-B98F-CD8AC747D6A9}" sibTransId="{2127D8F9-BA28-47A2-9F75-42B690018117}"/>
+    <dgm:cxn modelId="{83F8C8F7-6ADA-4F22-817D-0F6C8D36565A}" type="presOf" srcId="{F46B74CD-E2DF-4E6A-965C-1DA6F85D5BDC}" destId="{ABEC8873-5B36-4646-A7AD-993117EE33D5}" srcOrd="1" destOrd="0" presId="urn:microsoft.com/office/officeart/2005/8/layout/hierarchy2"/>
+    <dgm:cxn modelId="{2506887E-5327-4176-A566-F864CA52029D}" type="presOf" srcId="{75E55147-B0A0-4B51-AB5B-0E7E0075355E}" destId="{6B2B5E9F-2EBF-45B7-A8E0-B8E78CC93865}" srcOrd="0" destOrd="0" presId="urn:microsoft.com/office/officeart/2005/8/layout/hierarchy2"/>
+    <dgm:cxn modelId="{894DEAFD-3AEB-460C-9136-52CBC9F2FC85}" type="presOf" srcId="{6454A39A-E30E-4EB0-8FEE-46B22D95DE40}" destId="{F8EA40AF-547F-4778-ACB0-D2D827FC3D3A}" srcOrd="0" destOrd="0" presId="urn:microsoft.com/office/officeart/2005/8/layout/hierarchy2"/>
+    <dgm:cxn modelId="{D89A54A0-20E7-4DE5-828D-635CCAFDD3F3}" srcId="{90D73243-8D83-4D3B-B5DC-8C34197E2F93}" destId="{6454A39A-E30E-4EB0-8FEE-46B22D95DE40}" srcOrd="0" destOrd="0" parTransId="{6202B1ED-6E28-4A5B-B4BF-CFC862F69283}" sibTransId="{9687B150-E9E2-41D2-8CF3-856DAEF425C3}"/>
+    <dgm:cxn modelId="{B603BDAA-D577-4C1B-80E8-DE7A2864C791}" type="presOf" srcId="{5FE6DC38-6776-41DB-B858-4560A59B33C9}" destId="{16BE6CC5-03EE-4579-AE70-9EBD1646542A}" srcOrd="0" destOrd="0" presId="urn:microsoft.com/office/officeart/2005/8/layout/hierarchy2"/>
+    <dgm:cxn modelId="{31968E50-5F21-4E14-BD6C-AC0765C075E7}" srcId="{A8C23566-4532-4937-B70D-96EEB679EC18}" destId="{C384DB3C-1D18-40E5-9144-7A2744677CC4}" srcOrd="1" destOrd="0" parTransId="{099F60C3-6A1D-4019-8D14-F50A8A09C660}" sibTransId="{4210D62D-6E5A-40C5-B85F-1A94EA636C1F}"/>
+    <dgm:cxn modelId="{39771F41-37FA-44E5-AEF7-C01E3FC43E72}" srcId="{DF4CB7B1-5045-4437-87E4-E1CC84BEBD5B}" destId="{BF3692B0-B2F5-475B-A0E0-09F2750DB354}" srcOrd="0" destOrd="0" parTransId="{13AF1296-7130-4B35-8D2B-004E85C49434}" sibTransId="{48EF8DA7-6090-4DAC-AE67-DEEC18C5A62C}"/>
+    <dgm:cxn modelId="{EA1D1CC3-A43B-4356-AD8E-FCF2A3400E1F}" type="presOf" srcId="{16D19E56-C5C2-4577-88A6-9E27624927B0}" destId="{8EED4110-D933-465E-906C-A01F6CDFF9F4}" srcOrd="0" destOrd="0" presId="urn:microsoft.com/office/officeart/2005/8/layout/hierarchy2"/>
+    <dgm:cxn modelId="{D74A857B-359F-47B2-BBC3-466621D6FBAD}" type="presOf" srcId="{90D73243-8D83-4D3B-B5DC-8C34197E2F93}" destId="{FCF125C1-8616-4ABD-9AB0-4A1A49D24A67}" srcOrd="0" destOrd="0" presId="urn:microsoft.com/office/officeart/2005/8/layout/hierarchy2"/>
+    <dgm:cxn modelId="{DBD98826-319B-4C11-84A5-FA8D505A473F}" type="presOf" srcId="{A560B286-F608-4BFD-AA59-E075D6FBB207}" destId="{3380103F-7920-42BF-840B-740FF2A9D9B7}" srcOrd="0" destOrd="0" presId="urn:microsoft.com/office/officeart/2005/8/layout/hierarchy2"/>
+    <dgm:cxn modelId="{A22255BE-E30D-451F-B017-A5BD01836BCC}" type="presOf" srcId="{14A5EC74-9959-4160-B9E4-0B92E2FD7AB3}" destId="{87F7909A-440D-40AC-876B-2232C1AF2660}" srcOrd="0" destOrd="0" presId="urn:microsoft.com/office/officeart/2005/8/layout/hierarchy2"/>
+    <dgm:cxn modelId="{E662FF71-4994-4F7F-AB5E-6126ECE6BBD2}" type="presOf" srcId="{13AF1296-7130-4B35-8D2B-004E85C49434}" destId="{1DA7B367-DBA7-4C41-9559-471EF152BD59}" srcOrd="1" destOrd="0" presId="urn:microsoft.com/office/officeart/2005/8/layout/hierarchy2"/>
+    <dgm:cxn modelId="{DFB8114F-DFE9-4112-8801-EB79F983533D}" type="presOf" srcId="{18C4E4F1-6FFE-40C7-B98F-CD8AC747D6A9}" destId="{11767DAC-E465-47AF-A168-BECB10E544FF}" srcOrd="0" destOrd="0" presId="urn:microsoft.com/office/officeart/2005/8/layout/hierarchy2"/>
+    <dgm:cxn modelId="{DBC71433-260B-4220-99C2-DB77AD5FCB04}" srcId="{AC7D7CEA-60A9-4B39-9FE0-FBB48D821DA2}" destId="{9C11D38D-B6EE-4602-B5DC-0E873D6BC312}" srcOrd="0" destOrd="0" parTransId="{E4802F1B-C275-465F-B611-017EA9F4FFD0}" sibTransId="{58D1AB30-A659-4F62-98D2-23A4B59321D5}"/>
+    <dgm:cxn modelId="{4C3BC575-682C-429F-AD43-847CEBCA252A}" type="presOf" srcId="{18C4E4F1-6FFE-40C7-B98F-CD8AC747D6A9}" destId="{35D06866-0351-4C8F-9E03-1F846DF64B86}" srcOrd="1" destOrd="0" presId="urn:microsoft.com/office/officeart/2005/8/layout/hierarchy2"/>
+    <dgm:cxn modelId="{C9F154D7-EC8C-4B03-A171-F625DB05C0D3}" srcId="{16D19E56-C5C2-4577-88A6-9E27624927B0}" destId="{E3C31717-A998-409B-B0F2-24EA2C48B82B}" srcOrd="4" destOrd="0" parTransId="{6992EDD1-C975-4FD1-9081-85AF3BD8B1E6}" sibTransId="{1DD2EC39-182A-44E3-9F1D-0BECB21AC125}"/>
+    <dgm:cxn modelId="{F2624E66-B0A9-4B1A-97ED-6F214AD06DE4}" type="presOf" srcId="{94EC7959-A5F1-407E-BA45-E580F4FDC9E6}" destId="{C4060063-10F1-47DC-BDD6-8740C4B8A1B4}" srcOrd="0" destOrd="0" presId="urn:microsoft.com/office/officeart/2005/8/layout/hierarchy2"/>
+    <dgm:cxn modelId="{CA0F98C1-EBB5-4242-9261-C7CEE6CA6CE0}" type="presOf" srcId="{5D7D13A5-02B4-451B-A0B5-BB9AD3A5B383}" destId="{FBAF7BD0-5E39-4916-B887-6706A458849A}" srcOrd="1" destOrd="0" presId="urn:microsoft.com/office/officeart/2005/8/layout/hierarchy2"/>
+    <dgm:cxn modelId="{A9AE2426-4506-4C19-AC6C-CB9005D7B043}" type="presOf" srcId="{A560B286-F608-4BFD-AA59-E075D6FBB207}" destId="{7911A52D-005C-4CFB-A839-DBD92BD59548}" srcOrd="1" destOrd="0" presId="urn:microsoft.com/office/officeart/2005/8/layout/hierarchy2"/>
+    <dgm:cxn modelId="{9EE4CDE7-83DC-4909-A867-4E69C42923DB}" type="presOf" srcId="{5634F704-5E38-4869-919B-D1BF893C2A0E}" destId="{D2CF9E6E-EB2D-441D-9C22-D6CB2094DBB8}" srcOrd="0" destOrd="0" presId="urn:microsoft.com/office/officeart/2005/8/layout/hierarchy2"/>
+    <dgm:cxn modelId="{57E7A1EE-2D60-479B-BC70-D9446ED5EB08}" type="presOf" srcId="{2974A326-5891-4019-8EDC-3284212C991A}" destId="{025EAD76-AC3D-4DD0-8010-F37484B1515F}" srcOrd="0" destOrd="0" presId="urn:microsoft.com/office/officeart/2005/8/layout/hierarchy2"/>
+    <dgm:cxn modelId="{9BCE7B16-64B1-431C-9358-CB6804951DC4}" srcId="{16D19E56-C5C2-4577-88A6-9E27624927B0}" destId="{F6952C61-9C3A-4BE1-A252-93B737E8386B}" srcOrd="0" destOrd="0" parTransId="{5D7D13A5-02B4-451B-A0B5-BB9AD3A5B383}" sibTransId="{6CEFC87E-D954-483B-BA2E-10D84BECFF59}"/>
+    <dgm:cxn modelId="{B2595663-A38A-4F6D-808E-41045EC1135B}" srcId="{0B6CE9A0-C6EE-429F-ADDF-EDFE8BC26AEA}" destId="{16D19E56-C5C2-4577-88A6-9E27624927B0}" srcOrd="0" destOrd="0" parTransId="{B412D9D2-BEB6-4D02-86E1-44B1D62A0444}" sibTransId="{F97894F1-DF58-491E-8AAC-F54B0ACF2156}"/>
+    <dgm:cxn modelId="{D0B22DF5-C4FA-4896-A8B8-B7B1F46F20F8}" type="presOf" srcId="{96B4AF63-BD34-4C99-907A-076A76C40AC1}" destId="{32316891-284F-487A-B750-C5FD37FCD542}" srcOrd="0" destOrd="0" presId="urn:microsoft.com/office/officeart/2005/8/layout/hierarchy2"/>
+    <dgm:cxn modelId="{A9363C94-54E6-4A79-9651-A4CD7CCC4607}" srcId="{885221A3-C986-4F1A-B5D1-5CB7100BCCD6}" destId="{56AD0DD9-BDFD-48CB-B8AD-229B40BE1DA7}" srcOrd="0" destOrd="0" parTransId="{A560B286-F608-4BFD-AA59-E075D6FBB207}" sibTransId="{B4A30BB2-4A6F-4D6B-B7E7-3938FB83587B}"/>
+    <dgm:cxn modelId="{DE116E4A-9402-4E83-9880-B6DB83B2AA00}" type="presOf" srcId="{A8C23566-4532-4937-B70D-96EEB679EC18}" destId="{DCBBB97E-EC3B-4A6C-B046-4F5569B2BCE3}" srcOrd="0" destOrd="0" presId="urn:microsoft.com/office/officeart/2005/8/layout/hierarchy2"/>
+    <dgm:cxn modelId="{0B4453EB-EE04-48E0-A610-ED15EC37341B}" srcId="{8842B8E6-2FED-446C-AA95-ECB6BE04C5CF}" destId="{6F0EE3D6-5DC0-4B96-B37E-57BC52C39BF6}" srcOrd="0" destOrd="0" parTransId="{B39E708A-4F4D-40E2-8CAB-066D137F0865}" sibTransId="{CC1B1915-600B-4178-BB54-14D29C1FC6EB}"/>
+    <dgm:cxn modelId="{8620BC95-08F6-4843-9C32-921105ECE228}" type="presOf" srcId="{F4C03097-4B08-4AC5-A053-2E376F80E313}" destId="{62B4E467-65B7-4B2D-8401-C100098041D5}" srcOrd="1" destOrd="0" presId="urn:microsoft.com/office/officeart/2005/8/layout/hierarchy2"/>
+    <dgm:cxn modelId="{0D39AAF5-FA34-494D-8329-EF9B1732B848}" type="presOf" srcId="{C45DAEAA-8C55-44A1-8683-0B8998291E78}" destId="{DB9727DF-A505-4539-A942-A4614724AF8B}" srcOrd="0" destOrd="0" presId="urn:microsoft.com/office/officeart/2005/8/layout/hierarchy2"/>
+    <dgm:cxn modelId="{83114221-5DE0-4AFC-8375-810AA0028F5D}" type="presOf" srcId="{F6952C61-9C3A-4BE1-A252-93B737E8386B}" destId="{72050E30-6843-4C55-BA0A-5C4D757AA1BC}" srcOrd="0" destOrd="0" presId="urn:microsoft.com/office/officeart/2005/8/layout/hierarchy2"/>
+    <dgm:cxn modelId="{7A85D29C-F1D2-4415-9C0E-1A28354C12B7}" type="presOf" srcId="{A9E87F83-58B9-4908-B740-093E5EBC7DD8}" destId="{7744FB9B-1226-4238-A21E-E0C358F318C3}" srcOrd="1" destOrd="0" presId="urn:microsoft.com/office/officeart/2005/8/layout/hierarchy2"/>
+    <dgm:cxn modelId="{97D3FFF0-A5A0-456B-8BA4-97CAB426E85C}" type="presOf" srcId="{C6856C97-98D2-4FCE-AA58-6F5D1996FF39}" destId="{C188FD9E-1C8D-4966-A04D-9D817C25C530}" srcOrd="1" destOrd="0" presId="urn:microsoft.com/office/officeart/2005/8/layout/hierarchy2"/>
+    <dgm:cxn modelId="{53D36D37-3AA6-40E0-A0AB-D86F2E009276}" srcId="{AC7D7CEA-60A9-4B39-9FE0-FBB48D821DA2}" destId="{D42F0D00-8154-42C0-8474-0CB7B1AB1B9B}" srcOrd="1" destOrd="0" parTransId="{64850580-2D76-445F-9B82-9BA5722BC486}" sibTransId="{1BF2F211-64B6-4B82-9E14-A6B65EC8EABE}"/>
+    <dgm:cxn modelId="{FD42D0DD-112A-4EFA-97FD-C220792607EE}" type="presOf" srcId="{62E43A7E-A85F-4740-B234-E1AA158AE21D}" destId="{66C10D27-2959-45C7-B3C9-1350F956F001}" srcOrd="0" destOrd="0" presId="urn:microsoft.com/office/officeart/2005/8/layout/hierarchy2"/>
+    <dgm:cxn modelId="{EB1C4B56-3E03-40F6-9278-C0C2C36CAB6D}" type="presOf" srcId="{67448084-02F9-4850-9595-63D1824E8119}" destId="{954D97EC-4386-455E-97AC-7035A550C583}" srcOrd="0" destOrd="0" presId="urn:microsoft.com/office/officeart/2005/8/layout/hierarchy2"/>
+    <dgm:cxn modelId="{42ACA3F6-06CD-472F-9386-80FD30F0FDA2}" type="presOf" srcId="{96B4AF63-BD34-4C99-907A-076A76C40AC1}" destId="{A002D58C-1F03-4A87-BEE3-1C163E8A8F10}" srcOrd="1" destOrd="0" presId="urn:microsoft.com/office/officeart/2005/8/layout/hierarchy2"/>
+    <dgm:cxn modelId="{F2E5260D-8025-4514-91D8-B0B97D030E32}" srcId="{A8C23566-4532-4937-B70D-96EEB679EC18}" destId="{6BCF5D66-1CCA-4701-8A72-573A8551EA69}" srcOrd="0" destOrd="0" parTransId="{A9E87F83-58B9-4908-B740-093E5EBC7DD8}" sibTransId="{7B320419-0C53-4CE9-B91A-D282F0B2DE6D}"/>
+    <dgm:cxn modelId="{ADEFF59C-12A8-457B-98E6-DFCB12A15DAE}" type="presOf" srcId="{BDAA4D47-669A-4154-BF1E-184595A23581}" destId="{BD6EDC37-B8C6-49B7-8269-2127B3FD4BFC}" srcOrd="0" destOrd="0" presId="urn:microsoft.com/office/officeart/2005/8/layout/hierarchy2"/>
+    <dgm:cxn modelId="{B2953733-457D-4FFB-B856-DE33CF2062B2}" type="presOf" srcId="{CC907B09-0EBC-4738-8DA3-E51A4909A71A}" destId="{B3126015-186F-4CD5-A1AD-9F9CEC7D117B}" srcOrd="0" destOrd="0" presId="urn:microsoft.com/office/officeart/2005/8/layout/hierarchy2"/>
+    <dgm:cxn modelId="{DBF76A42-0E98-4C7A-9528-B3D2CF91327D}" type="presOf" srcId="{BF3692B0-B2F5-475B-A0E0-09F2750DB354}" destId="{0AA5EBEC-F204-4587-AF0F-C5AAAACBECD6}" srcOrd="0" destOrd="0" presId="urn:microsoft.com/office/officeart/2005/8/layout/hierarchy2"/>
+    <dgm:cxn modelId="{9E8F6AEB-F5F5-4852-9FD8-D1DE6A9CB039}" srcId="{16D19E56-C5C2-4577-88A6-9E27624927B0}" destId="{15B1BA1E-0BE5-4111-9088-567035F6ADF2}" srcOrd="1" destOrd="0" parTransId="{F46B74CD-E2DF-4E6A-965C-1DA6F85D5BDC}" sibTransId="{0B30C8DB-C09E-43E8-8053-D148081F8026}"/>
+    <dgm:cxn modelId="{4F1B5FF1-5DE3-4B43-A9A8-E857DED822FA}" type="presOf" srcId="{C384DB3C-1D18-40E5-9144-7A2744677CC4}" destId="{BB4EE058-C3ED-43F3-BCD0-CFC3B961A168}" srcOrd="0" destOrd="0" presId="urn:microsoft.com/office/officeart/2005/8/layout/hierarchy2"/>
+    <dgm:cxn modelId="{6A3ED9EB-77B7-40A1-93E0-AFB8BE061CC9}" type="presOf" srcId="{13AF1296-7130-4B35-8D2B-004E85C49434}" destId="{EA1D241F-E12F-4D7E-BDAB-98F9EC475487}" srcOrd="0" destOrd="0" presId="urn:microsoft.com/office/officeart/2005/8/layout/hierarchy2"/>
+    <dgm:cxn modelId="{76973A05-21A3-4991-A5F7-6C953E889E68}" type="presOf" srcId="{62E43A7E-A85F-4740-B234-E1AA158AE21D}" destId="{AC7E11D1-A8C3-443B-A886-74722F2DD6AA}" srcOrd="1" destOrd="0" presId="urn:microsoft.com/office/officeart/2005/8/layout/hierarchy2"/>
+    <dgm:cxn modelId="{470F47A9-44B6-4B93-87DE-C3D56711AF9F}" type="presOf" srcId="{5FE6DC38-6776-41DB-B858-4560A59B33C9}" destId="{78256481-66C4-4A91-99FA-69FAAFA9D8B3}" srcOrd="1" destOrd="0" presId="urn:microsoft.com/office/officeart/2005/8/layout/hierarchy2"/>
+    <dgm:cxn modelId="{A2416DDF-4B50-43B2-BB71-9E3F42156CC1}" type="presOf" srcId="{C6856C97-98D2-4FCE-AA58-6F5D1996FF39}" destId="{9D4B37A4-EF35-41DD-B652-9623C53F69B5}" srcOrd="0" destOrd="0" presId="urn:microsoft.com/office/officeart/2005/8/layout/hierarchy2"/>
+    <dgm:cxn modelId="{1F0BC6C1-0EF0-4FBD-BAE0-6B15E054B431}" type="presOf" srcId="{52F0D684-9EDC-4C8E-91C6-9243E7B678DE}" destId="{6AADDE6C-968F-4DB9-A276-ADB0D483CF0A}" srcOrd="0" destOrd="0" presId="urn:microsoft.com/office/officeart/2005/8/layout/hierarchy2"/>
+    <dgm:cxn modelId="{CDA369C0-F5FF-4E42-B509-CE5A08713F07}" srcId="{F6952C61-9C3A-4BE1-A252-93B737E8386B}" destId="{885221A3-C986-4F1A-B5D1-5CB7100BCCD6}" srcOrd="0" destOrd="0" parTransId="{C3F9611D-6F6D-456A-AD45-7E37C504D0D0}" sibTransId="{8DF3ACB3-CB06-485A-A47A-63CA24C30517}"/>
+    <dgm:cxn modelId="{A003CF12-3964-4E28-98D6-166AA08FB6D4}" type="presOf" srcId="{516907B1-DB25-4C7D-84FF-63492AFE50C3}" destId="{264510F1-D46C-4B9D-A1DA-5D1C72DB4C2C}" srcOrd="0" destOrd="0" presId="urn:microsoft.com/office/officeart/2005/8/layout/hierarchy2"/>
+    <dgm:cxn modelId="{B4991116-3B52-49AC-A44F-11A48009DE8F}" srcId="{9C11D38D-B6EE-4602-B5DC-0E873D6BC312}" destId="{BDAA4D47-669A-4154-BF1E-184595A23581}" srcOrd="0" destOrd="0" parTransId="{C45DAEAA-8C55-44A1-8683-0B8998291E78}" sibTransId="{BAADF4B7-C867-41E5-8F3B-DEFAC07E1978}"/>
+    <dgm:cxn modelId="{CE301371-B194-41D3-BC32-700C8E043369}" type="presOf" srcId="{F46B74CD-E2DF-4E6A-965C-1DA6F85D5BDC}" destId="{0B238363-D373-48C4-840F-8074B7EA5A25}" srcOrd="0" destOrd="0" presId="urn:microsoft.com/office/officeart/2005/8/layout/hierarchy2"/>
+    <dgm:cxn modelId="{8CC2344A-CD3E-433E-8271-A5E5E44B72AE}" type="presOf" srcId="{E3C31717-A998-409B-B0F2-24EA2C48B82B}" destId="{F106D733-4D18-44E9-AE84-8729F86F9A7B}" srcOrd="0" destOrd="0" presId="urn:microsoft.com/office/officeart/2005/8/layout/hierarchy2"/>
+    <dgm:cxn modelId="{AE77216A-B5A0-45EE-8BBB-164D75095F48}" type="presOf" srcId="{C3F9611D-6F6D-456A-AD45-7E37C504D0D0}" destId="{150C759A-28F1-46C6-81E2-DBCE69B4B728}" srcOrd="1" destOrd="0" presId="urn:microsoft.com/office/officeart/2005/8/layout/hierarchy2"/>
+    <dgm:cxn modelId="{3411BD8A-0018-49E3-A32C-5857C6F0C82F}" type="presOf" srcId="{15B1BA1E-0BE5-4111-9088-567035F6ADF2}" destId="{0496E2EF-A6C1-4DEF-8F3A-27FC5344D9C2}" srcOrd="0" destOrd="0" presId="urn:microsoft.com/office/officeart/2005/8/layout/hierarchy2"/>
+    <dgm:cxn modelId="{8B619814-2737-4C1D-A339-DF78EFC7E7C6}" type="presOf" srcId="{6992EDD1-C975-4FD1-9081-85AF3BD8B1E6}" destId="{B37933A7-581F-4B09-80DC-1A672DC67D19}" srcOrd="0" destOrd="0" presId="urn:microsoft.com/office/officeart/2005/8/layout/hierarchy2"/>
+    <dgm:cxn modelId="{11399A33-CB20-4319-A7AD-F5E1677FEA2D}" type="presOf" srcId="{94EC7959-A5F1-407E-BA45-E580F4FDC9E6}" destId="{E6E0835C-70C6-4F8D-8FA4-D27085349DBA}" srcOrd="1" destOrd="0" presId="urn:microsoft.com/office/officeart/2005/8/layout/hierarchy2"/>
+    <dgm:cxn modelId="{039A1F71-5BF0-4E68-98E0-93E288F1C5EA}" type="presOf" srcId="{56AD0DD9-BDFD-48CB-B8AD-229B40BE1DA7}" destId="{6370C388-798B-4F24-B822-DD7770C24AB0}" srcOrd="0" destOrd="0" presId="urn:microsoft.com/office/officeart/2005/8/layout/hierarchy2"/>
+    <dgm:cxn modelId="{03DCD012-9021-4261-9824-E2D585F61353}" type="presOf" srcId="{B39E708A-4F4D-40E2-8CAB-066D137F0865}" destId="{D890A412-ED49-4F6C-955F-73FD46A96135}" srcOrd="1" destOrd="0" presId="urn:microsoft.com/office/officeart/2005/8/layout/hierarchy2"/>
+    <dgm:cxn modelId="{DD9FBBF4-F0D3-48A6-8406-B7FBFFABF549}" type="presOf" srcId="{C3F9611D-6F6D-456A-AD45-7E37C504D0D0}" destId="{A99B90C1-D2BA-4007-B3A2-86E6FF8390B2}" srcOrd="0" destOrd="0" presId="urn:microsoft.com/office/officeart/2005/8/layout/hierarchy2"/>
+    <dgm:cxn modelId="{C9E7E609-1F04-40D5-97B9-AF0CDB32629D}" type="presOf" srcId="{14A5EC74-9959-4160-B9E4-0B92E2FD7AB3}" destId="{A5A96E28-EBAE-4C72-9BD9-7E8E4A6F8BC4}" srcOrd="1" destOrd="0" presId="urn:microsoft.com/office/officeart/2005/8/layout/hierarchy2"/>
     <dgm:cxn modelId="{EB29A2A9-E8A5-4FBF-BA56-5187F36DD431}" srcId="{A8C23566-4532-4937-B70D-96EEB679EC18}" destId="{CC907B09-0EBC-4738-8DA3-E51A4909A71A}" srcOrd="2" destOrd="0" parTransId="{F4C03097-4B08-4AC5-A053-2E376F80E313}" sibTransId="{F3DB8824-CE90-4C2E-ACD7-F4856A650F04}"/>
+    <dgm:cxn modelId="{7F3DA564-2F09-4833-AC47-DE8A0557E8C2}" type="presOf" srcId="{6992EDD1-C975-4FD1-9081-85AF3BD8B1E6}" destId="{E54FFAC4-0083-4D7C-85A4-651FD575ED50}" srcOrd="1" destOrd="0" presId="urn:microsoft.com/office/officeart/2005/8/layout/hierarchy2"/>
+    <dgm:cxn modelId="{EA7E83A7-DFCA-4790-AEF3-2D9DF0FB22C7}" type="presOf" srcId="{099F60C3-6A1D-4019-8D14-F50A8A09C660}" destId="{5866272B-8B55-44A1-98A7-3687E6E1573E}" srcOrd="1" destOrd="0" presId="urn:microsoft.com/office/officeart/2005/8/layout/hierarchy2"/>
+    <dgm:cxn modelId="{3EC35809-2DDB-4DAF-A290-57842BD2450C}" srcId="{D42F0D00-8154-42C0-8474-0CB7B1AB1B9B}" destId="{F73C7A69-BB24-4690-B743-4D45CE473802}" srcOrd="0" destOrd="0" parTransId="{5634F704-5E38-4869-919B-D1BF893C2A0E}" sibTransId="{8F9AC238-421C-40E4-A39E-EEDBBBB995CC}"/>
+    <dgm:cxn modelId="{6A4B5304-EC41-4F22-B4F4-9A47DA72FFF2}" srcId="{75E55147-B0A0-4B51-AB5B-0E7E0075355E}" destId="{A0DC8813-CD9E-4884-A5AA-A81616F70BD6}" srcOrd="0" destOrd="0" parTransId="{94EC7959-A5F1-407E-BA45-E580F4FDC9E6}" sibTransId="{ABF4BC37-865D-461E-A6BB-27E40458ADAC}"/>
     <dgm:cxn modelId="{6F69324A-AC5E-49FA-9AC3-28C28E5828E8}" srcId="{52F0D684-9EDC-4C8E-91C6-9243E7B678DE}" destId="{2974A326-5891-4019-8EDC-3284212C991A}" srcOrd="0" destOrd="0" parTransId="{C6856C97-98D2-4FCE-AA58-6F5D1996FF39}" sibTransId="{B2B15F7F-1168-4449-9A7B-68B2562E7430}"/>
-    <dgm:cxn modelId="{4252A6AE-95F0-4C02-878E-0F2BF68E3FAD}" type="presOf" srcId="{E4802F1B-C275-465F-B611-017EA9F4FFD0}" destId="{95721BC4-E41C-4260-995C-FBD8600082C9}" srcOrd="1" destOrd="0" presId="urn:microsoft.com/office/officeart/2005/8/layout/hierarchy2"/>
+    <dgm:cxn modelId="{D850EEB3-5959-4A99-8DDA-F5CCBDAA2546}" srcId="{2974A326-5891-4019-8EDC-3284212C991A}" destId="{C9B6E853-7B9D-482B-A6DA-3CC93E428CBB}" srcOrd="0" destOrd="0" parTransId="{F2C92844-18BA-429F-BC14-FD565864E3FE}" sibTransId="{E4B27800-6FE1-4074-931C-6BA909107949}"/>
+    <dgm:cxn modelId="{683F9F3E-A7CD-47A0-A636-CA077E3DBFCF}" type="presOf" srcId="{F73C7A69-BB24-4690-B743-4D45CE473802}" destId="{B79364A0-A390-419A-BE03-EDDBD65E4CAD}" srcOrd="0" destOrd="0" presId="urn:microsoft.com/office/officeart/2005/8/layout/hierarchy2"/>
+    <dgm:cxn modelId="{80BD4137-DA97-4F09-87A1-092E04C988D6}" type="presOf" srcId="{885221A3-C986-4F1A-B5D1-5CB7100BCCD6}" destId="{288B4A58-127B-4EAF-82F9-60F0109C012E}" srcOrd="0" destOrd="0" presId="urn:microsoft.com/office/officeart/2005/8/layout/hierarchy2"/>
+    <dgm:cxn modelId="{7DF51461-D1EF-4357-95A9-48C9C472D5FB}" srcId="{E3C31717-A998-409B-B0F2-24EA2C48B82B}" destId="{75E55147-B0A0-4B51-AB5B-0E7E0075355E}" srcOrd="0" destOrd="0" parTransId="{516907B1-DB25-4C7D-84FF-63492AFE50C3}" sibTransId="{2DB87B96-11CD-47F2-B2E4-A2FCD5FADC8B}"/>
+    <dgm:cxn modelId="{4137D892-6B5C-420B-91E3-1E6A3CB7AD22}" type="presOf" srcId="{E4802F1B-C275-465F-B611-017EA9F4FFD0}" destId="{95721BC4-E41C-4260-995C-FBD8600082C9}" srcOrd="1" destOrd="0" presId="urn:microsoft.com/office/officeart/2005/8/layout/hierarchy2"/>
+    <dgm:cxn modelId="{4D2CD38E-BA33-42A0-9716-FB2599C6FF1E}" type="presOf" srcId="{F2C92844-18BA-429F-BC14-FD565864E3FE}" destId="{31D9BE34-4863-47D3-87B1-A29E94B95567}" srcOrd="1" destOrd="0" presId="urn:microsoft.com/office/officeart/2005/8/layout/hierarchy2"/>
+    <dgm:cxn modelId="{989FE66C-CF27-48CA-826B-245E48171103}" type="presOf" srcId="{5D7D13A5-02B4-451B-A0B5-BB9AD3A5B383}" destId="{86FC432A-7F76-48A4-BF57-69594E158935}" srcOrd="0" destOrd="0" presId="urn:microsoft.com/office/officeart/2005/8/layout/hierarchy2"/>
+    <dgm:cxn modelId="{F6933BC5-3AE0-4FA5-871C-BB9D972629ED}" srcId="{E3C31717-A998-409B-B0F2-24EA2C48B82B}" destId="{DF4CB7B1-5045-4437-87E4-E1CC84BEBD5B}" srcOrd="2" destOrd="0" parTransId="{14A5EC74-9959-4160-B9E4-0B92E2FD7AB3}" sibTransId="{0CBEC890-61C4-440A-8CBA-B3B0308FFAA0}"/>
+    <dgm:cxn modelId="{6A508DDC-4944-4B52-8A8A-A4F477DC13AE}" type="presOf" srcId="{C45DAEAA-8C55-44A1-8683-0B8998291E78}" destId="{EC82294C-BFDC-4F15-8EC7-798716582911}" srcOrd="1" destOrd="0" presId="urn:microsoft.com/office/officeart/2005/8/layout/hierarchy2"/>
+    <dgm:cxn modelId="{22CB75E9-D27C-4DB3-AD8F-1E8DE739D620}" type="presOf" srcId="{8842B8E6-2FED-446C-AA95-ECB6BE04C5CF}" destId="{93D42AC6-A3DC-4E75-AC1A-64F14A3342BE}" srcOrd="0" destOrd="0" presId="urn:microsoft.com/office/officeart/2005/8/layout/hierarchy2"/>
+    <dgm:cxn modelId="{56E3B1B6-3582-4A48-84A6-618E21B0F04B}" type="presOf" srcId="{AC7D7CEA-60A9-4B39-9FE0-FBB48D821DA2}" destId="{EE452D71-66EB-40EF-920A-D1A9A74AC0A9}" srcOrd="0" destOrd="0" presId="urn:microsoft.com/office/officeart/2005/8/layout/hierarchy2"/>
+    <dgm:cxn modelId="{8B1DED66-9AE3-4F44-A541-ADED03CA17AA}" type="presOf" srcId="{0B6CE9A0-C6EE-429F-ADDF-EDFE8BC26AEA}" destId="{51AF58BE-B55C-412E-AF2E-5B03A34A5E58}" srcOrd="0" destOrd="0" presId="urn:microsoft.com/office/officeart/2005/8/layout/hierarchy2"/>
+    <dgm:cxn modelId="{8F866997-5A01-453C-9F63-10C95DE828C3}" type="presOf" srcId="{516907B1-DB25-4C7D-84FF-63492AFE50C3}" destId="{AE2DB920-B6BF-429E-B3FD-F2D6C0C0B064}" srcOrd="1" destOrd="0" presId="urn:microsoft.com/office/officeart/2005/8/layout/hierarchy2"/>
+    <dgm:cxn modelId="{89D968A3-8BA5-44A4-99D2-829DB91D5514}" type="presOf" srcId="{6202B1ED-6E28-4A5B-B4BF-CFC862F69283}" destId="{3E66369B-4821-41C1-9911-5AE4B0D73C5A}" srcOrd="0" destOrd="0" presId="urn:microsoft.com/office/officeart/2005/8/layout/hierarchy2"/>
+    <dgm:cxn modelId="{451FD1EE-FD69-40D4-97EF-B719D1206358}" type="presOf" srcId="{67448084-02F9-4850-9595-63D1824E8119}" destId="{FD4B4655-D87C-47C8-9492-81F759CC9D82}" srcOrd="1" destOrd="0" presId="urn:microsoft.com/office/officeart/2005/8/layout/hierarchy2"/>
+    <dgm:cxn modelId="{06CFA0AE-330F-47DC-B643-915B23B75716}" type="presOf" srcId="{64850580-2D76-445F-9B82-9BA5722BC486}" destId="{F56107AA-6DCE-48B0-AC00-6DB6766E6259}" srcOrd="1" destOrd="0" presId="urn:microsoft.com/office/officeart/2005/8/layout/hierarchy2"/>
+    <dgm:cxn modelId="{B1292B95-6EB8-49EE-92F2-F4DAAFEA2610}" srcId="{16D19E56-C5C2-4577-88A6-9E27624927B0}" destId="{8842B8E6-2FED-446C-AA95-ECB6BE04C5CF}" srcOrd="5" destOrd="0" parTransId="{5FE6DC38-6776-41DB-B858-4560A59B33C9}" sibTransId="{8731D08B-C26D-4F73-9589-B4201034831C}"/>
+    <dgm:cxn modelId="{9108A4B0-3C1B-46E0-94B8-8C9B7709AC0F}" type="presOf" srcId="{C9B6E853-7B9D-482B-A6DA-3CC93E428CBB}" destId="{DD5EBFFC-A722-4AB2-89B0-0B1C4E0C9C86}" srcOrd="0" destOrd="0" presId="urn:microsoft.com/office/officeart/2005/8/layout/hierarchy2"/>
+    <dgm:cxn modelId="{526B7BEF-D00F-4BE4-A2B8-37449658246B}" srcId="{16D19E56-C5C2-4577-88A6-9E27624927B0}" destId="{AC7D7CEA-60A9-4B39-9FE0-FBB48D821DA2}" srcOrd="2" destOrd="0" parTransId="{67448084-02F9-4850-9595-63D1824E8119}" sibTransId="{52FEDC56-5FA4-4F8E-8610-C16C434DAEB7}"/>
+    <dgm:cxn modelId="{FA69161E-C924-4B60-9D00-D968044A7272}" type="presOf" srcId="{DF4CB7B1-5045-4437-87E4-E1CC84BEBD5B}" destId="{BEE878CC-66AC-46BB-B254-1430ED20255B}" srcOrd="0" destOrd="0" presId="urn:microsoft.com/office/officeart/2005/8/layout/hierarchy2"/>
+    <dgm:cxn modelId="{2D202745-437F-4010-896B-897EA2DA900F}" type="presOf" srcId="{6202B1ED-6E28-4A5B-B4BF-CFC862F69283}" destId="{F3B226C5-98DD-485E-968E-64F0568910A6}" srcOrd="1" destOrd="0" presId="urn:microsoft.com/office/officeart/2005/8/layout/hierarchy2"/>
     <dgm:cxn modelId="{CA489D2B-1155-486E-9CF2-BB7CCA5B7667}" srcId="{16D19E56-C5C2-4577-88A6-9E27624927B0}" destId="{52F0D684-9EDC-4C8E-91C6-9243E7B678DE}" srcOrd="3" destOrd="0" parTransId="{62E43A7E-A85F-4740-B234-E1AA158AE21D}" sibTransId="{59662C48-3013-4235-AA81-02CB32C3C6AF}"/>
-    <dgm:cxn modelId="{DB154C66-268A-4F86-8736-410486F84001}" type="presOf" srcId="{A560B286-F608-4BFD-AA59-E075D6FBB207}" destId="{3380103F-7920-42BF-840B-740FF2A9D9B7}" srcOrd="0" destOrd="0" presId="urn:microsoft.com/office/officeart/2005/8/layout/hierarchy2"/>
-    <dgm:cxn modelId="{02A7986A-90E6-419E-A5D7-C7CE2A757545}" type="presOf" srcId="{C9B6E853-7B9D-482B-A6DA-3CC93E428CBB}" destId="{DD5EBFFC-A722-4AB2-89B0-0B1C4E0C9C86}" srcOrd="0" destOrd="0" presId="urn:microsoft.com/office/officeart/2005/8/layout/hierarchy2"/>
-    <dgm:cxn modelId="{126FAD9B-5081-4F54-94FA-89F3F28D3A74}" type="presOf" srcId="{96B4AF63-BD34-4C99-907A-076A76C40AC1}" destId="{32316891-284F-487A-B750-C5FD37FCD542}" srcOrd="0" destOrd="0" presId="urn:microsoft.com/office/officeart/2005/8/layout/hierarchy2"/>
-    <dgm:cxn modelId="{3EC35809-2DDB-4DAF-A290-57842BD2450C}" srcId="{D42F0D00-8154-42C0-8474-0CB7B1AB1B9B}" destId="{F73C7A69-BB24-4690-B743-4D45CE473802}" srcOrd="0" destOrd="0" parTransId="{5634F704-5E38-4869-919B-D1BF893C2A0E}" sibTransId="{8F9AC238-421C-40E4-A39E-EEDBBBB995CC}"/>
-    <dgm:cxn modelId="{0B801570-0466-4AAC-8CED-EFC6C0981170}" type="presOf" srcId="{099F60C3-6A1D-4019-8D14-F50A8A09C660}" destId="{5866272B-8B55-44A1-98A7-3687E6E1573E}" srcOrd="1" destOrd="0" presId="urn:microsoft.com/office/officeart/2005/8/layout/hierarchy2"/>
-    <dgm:cxn modelId="{B0E2DB8F-E2B6-47FC-8B5F-BAC693638D92}" type="presOf" srcId="{13AF1296-7130-4B35-8D2B-004E85C49434}" destId="{1DA7B367-DBA7-4C41-9559-471EF152BD59}" srcOrd="1" destOrd="0" presId="urn:microsoft.com/office/officeart/2005/8/layout/hierarchy2"/>
-    <dgm:cxn modelId="{D39186E6-E66A-446F-AED1-561F1E10F0EF}" type="presOf" srcId="{6202B1ED-6E28-4A5B-B4BF-CFC862F69283}" destId="{3E66369B-4821-41C1-9911-5AE4B0D73C5A}" srcOrd="0" destOrd="0" presId="urn:microsoft.com/office/officeart/2005/8/layout/hierarchy2"/>
-    <dgm:cxn modelId="{F6933BC5-3AE0-4FA5-871C-BB9D972629ED}" srcId="{E3C31717-A998-409B-B0F2-24EA2C48B82B}" destId="{DF4CB7B1-5045-4437-87E4-E1CC84BEBD5B}" srcOrd="2" destOrd="0" parTransId="{14A5EC74-9959-4160-B9E4-0B92E2FD7AB3}" sibTransId="{0CBEC890-61C4-440A-8CBA-B3B0308FFAA0}"/>
-    <dgm:cxn modelId="{EA9BD8D2-1D86-4CCB-BB43-4585AF0B67F9}" type="presOf" srcId="{0B6CE9A0-C6EE-429F-ADDF-EDFE8BC26AEA}" destId="{51AF58BE-B55C-412E-AF2E-5B03A34A5E58}" srcOrd="0" destOrd="0" presId="urn:microsoft.com/office/officeart/2005/8/layout/hierarchy2"/>
-    <dgm:cxn modelId="{39771F41-37FA-44E5-AEF7-C01E3FC43E72}" srcId="{DF4CB7B1-5045-4437-87E4-E1CC84BEBD5B}" destId="{BF3692B0-B2F5-475B-A0E0-09F2750DB354}" srcOrd="0" destOrd="0" parTransId="{13AF1296-7130-4B35-8D2B-004E85C49434}" sibTransId="{48EF8DA7-6090-4DAC-AE67-DEEC18C5A62C}"/>
-    <dgm:cxn modelId="{EDFF34A5-FF6B-4370-B4FD-31376A367D67}" type="presOf" srcId="{6BCF5D66-1CCA-4701-8A72-573A8551EA69}" destId="{E75F7DEC-522E-4BF1-9659-D038AEFA4384}" srcOrd="0" destOrd="0" presId="urn:microsoft.com/office/officeart/2005/8/layout/hierarchy2"/>
-    <dgm:cxn modelId="{C9BC0B16-7CB5-4B39-B33E-422F93814813}" type="presOf" srcId="{14A5EC74-9959-4160-B9E4-0B92E2FD7AB3}" destId="{87F7909A-440D-40AC-876B-2232C1AF2660}" srcOrd="0" destOrd="0" presId="urn:microsoft.com/office/officeart/2005/8/layout/hierarchy2"/>
-    <dgm:cxn modelId="{F2E5260D-8025-4514-91D8-B0B97D030E32}" srcId="{A8C23566-4532-4937-B70D-96EEB679EC18}" destId="{6BCF5D66-1CCA-4701-8A72-573A8551EA69}" srcOrd="0" destOrd="0" parTransId="{A9E87F83-58B9-4908-B740-093E5EBC7DD8}" sibTransId="{7B320419-0C53-4CE9-B91A-D282F0B2DE6D}"/>
-    <dgm:cxn modelId="{A02AC559-EE0B-4A38-B024-2526C8DFAF65}" type="presOf" srcId="{6992EDD1-C975-4FD1-9081-85AF3BD8B1E6}" destId="{E54FFAC4-0083-4D7C-85A4-651FD575ED50}" srcOrd="1" destOrd="0" presId="urn:microsoft.com/office/officeart/2005/8/layout/hierarchy2"/>
-    <dgm:cxn modelId="{824AB861-991D-497B-B0C4-2962124C1DAA}" type="presOf" srcId="{5634F704-5E38-4869-919B-D1BF893C2A0E}" destId="{80378285-1B84-411F-8D05-9358152BE1C5}" srcOrd="1" destOrd="0" presId="urn:microsoft.com/office/officeart/2005/8/layout/hierarchy2"/>
-    <dgm:cxn modelId="{EFB79203-ED68-4876-8E0F-EFC8DEBE1F4A}" type="presOf" srcId="{A8C23566-4532-4937-B70D-96EEB679EC18}" destId="{DCBBB97E-EC3B-4A6C-B046-4F5569B2BCE3}" srcOrd="0" destOrd="0" presId="urn:microsoft.com/office/officeart/2005/8/layout/hierarchy2"/>
-    <dgm:cxn modelId="{BCD31BF9-692D-47CC-AABD-3548CDB0037C}" type="presOf" srcId="{F2C92844-18BA-429F-BC14-FD565864E3FE}" destId="{53849AAB-7F70-484D-A1A6-B53F1DD8DFE5}" srcOrd="0" destOrd="0" presId="urn:microsoft.com/office/officeart/2005/8/layout/hierarchy2"/>
-    <dgm:cxn modelId="{C55AC339-816D-4F73-B9A9-1759F180C408}" type="presOf" srcId="{6F0EE3D6-5DC0-4B96-B37E-57BC52C39BF6}" destId="{09ED80D0-5939-46D2-868B-CF9B367D33C4}" srcOrd="0" destOrd="0" presId="urn:microsoft.com/office/officeart/2005/8/layout/hierarchy2"/>
-    <dgm:cxn modelId="{CDA369C0-F5FF-4E42-B509-CE5A08713F07}" srcId="{F6952C61-9C3A-4BE1-A252-93B737E8386B}" destId="{885221A3-C986-4F1A-B5D1-5CB7100BCCD6}" srcOrd="0" destOrd="0" parTransId="{C3F9611D-6F6D-456A-AD45-7E37C504D0D0}" sibTransId="{8DF3ACB3-CB06-485A-A47A-63CA24C30517}"/>
-    <dgm:cxn modelId="{F259DF5C-1186-4C33-A570-890AD7B49C64}" type="presOf" srcId="{A0DC8813-CD9E-4884-A5AA-A81616F70BD6}" destId="{B4D4BC37-43D5-4A51-B84F-131B2101F5C4}" srcOrd="0" destOrd="0" presId="urn:microsoft.com/office/officeart/2005/8/layout/hierarchy2"/>
-    <dgm:cxn modelId="{D89A54A0-20E7-4DE5-828D-635CCAFDD3F3}" srcId="{90D73243-8D83-4D3B-B5DC-8C34197E2F93}" destId="{6454A39A-E30E-4EB0-8FEE-46B22D95DE40}" srcOrd="0" destOrd="0" parTransId="{6202B1ED-6E28-4A5B-B4BF-CFC862F69283}" sibTransId="{9687B150-E9E2-41D2-8CF3-856DAEF425C3}"/>
-    <dgm:cxn modelId="{57C63B00-5085-46BB-8EE0-8E7F057A3A14}" srcId="{E3C31717-A998-409B-B0F2-24EA2C48B82B}" destId="{90D73243-8D83-4D3B-B5DC-8C34197E2F93}" srcOrd="1" destOrd="0" parTransId="{18C4E4F1-6FFE-40C7-B98F-CD8AC747D6A9}" sibTransId="{2127D8F9-BA28-47A2-9F75-42B690018117}"/>
-    <dgm:cxn modelId="{B7547B47-82D9-42C3-9FA9-D05AC56422B4}" type="presOf" srcId="{AC7D7CEA-60A9-4B39-9FE0-FBB48D821DA2}" destId="{EE452D71-66EB-40EF-920A-D1A9A74AC0A9}" srcOrd="0" destOrd="0" presId="urn:microsoft.com/office/officeart/2005/8/layout/hierarchy2"/>
-    <dgm:cxn modelId="{24F50F9A-1102-4D7E-AD14-9164FD92BD41}" type="presOf" srcId="{C6856C97-98D2-4FCE-AA58-6F5D1996FF39}" destId="{9D4B37A4-EF35-41DD-B652-9623C53F69B5}" srcOrd="0" destOrd="0" presId="urn:microsoft.com/office/officeart/2005/8/layout/hierarchy2"/>
-    <dgm:cxn modelId="{9BCE7B16-64B1-431C-9358-CB6804951DC4}" srcId="{16D19E56-C5C2-4577-88A6-9E27624927B0}" destId="{F6952C61-9C3A-4BE1-A252-93B737E8386B}" srcOrd="0" destOrd="0" parTransId="{5D7D13A5-02B4-451B-A0B5-BB9AD3A5B383}" sibTransId="{6CEFC87E-D954-483B-BA2E-10D84BECFF59}"/>
-    <dgm:cxn modelId="{8203090B-9220-4A07-B553-CDFC4409C566}" type="presOf" srcId="{5FE6DC38-6776-41DB-B858-4560A59B33C9}" destId="{78256481-66C4-4A91-99FA-69FAAFA9D8B3}" srcOrd="1" destOrd="0" presId="urn:microsoft.com/office/officeart/2005/8/layout/hierarchy2"/>
-    <dgm:cxn modelId="{E4FF720D-724D-4F8D-8C2D-D948B973037B}" type="presOf" srcId="{DF4CB7B1-5045-4437-87E4-E1CC84BEBD5B}" destId="{BEE878CC-66AC-46BB-B254-1430ED20255B}" srcOrd="0" destOrd="0" presId="urn:microsoft.com/office/officeart/2005/8/layout/hierarchy2"/>
-    <dgm:cxn modelId="{FBCBDF9C-4236-4D4C-A9DB-2DB8E8E3CF5F}" type="presOf" srcId="{B39E708A-4F4D-40E2-8CAB-066D137F0865}" destId="{D890A412-ED49-4F6C-955F-73FD46A96135}" srcOrd="1" destOrd="0" presId="urn:microsoft.com/office/officeart/2005/8/layout/hierarchy2"/>
-    <dgm:cxn modelId="{9970C213-5994-4153-B9E3-FC1A2B3255F3}" type="presOf" srcId="{67448084-02F9-4850-9595-63D1824E8119}" destId="{FD4B4655-D87C-47C8-9492-81F759CC9D82}" srcOrd="1" destOrd="0" presId="urn:microsoft.com/office/officeart/2005/8/layout/hierarchy2"/>
-    <dgm:cxn modelId="{FC62C51E-F35F-4684-AA28-739DA1CBF45E}" type="presOf" srcId="{CC907B09-0EBC-4738-8DA3-E51A4909A71A}" destId="{B3126015-186F-4CD5-A1AD-9F9CEC7D117B}" srcOrd="0" destOrd="0" presId="urn:microsoft.com/office/officeart/2005/8/layout/hierarchy2"/>
-    <dgm:cxn modelId="{B4991116-3B52-49AC-A44F-11A48009DE8F}" srcId="{9C11D38D-B6EE-4602-B5DC-0E873D6BC312}" destId="{BDAA4D47-669A-4154-BF1E-184595A23581}" srcOrd="0" destOrd="0" parTransId="{C45DAEAA-8C55-44A1-8683-0B8998291E78}" sibTransId="{BAADF4B7-C867-41E5-8F3B-DEFAC07E1978}"/>
-    <dgm:cxn modelId="{70072032-C195-4670-9F65-90F8BEBFEBA8}" type="presOf" srcId="{5FE6DC38-6776-41DB-B858-4560A59B33C9}" destId="{16BE6CC5-03EE-4579-AE70-9EBD1646542A}" srcOrd="0" destOrd="0" presId="urn:microsoft.com/office/officeart/2005/8/layout/hierarchy2"/>
-    <dgm:cxn modelId="{3D67200B-6F34-484E-B189-1A90CBBCE4C1}" type="presOf" srcId="{75E55147-B0A0-4B51-AB5B-0E7E0075355E}" destId="{6B2B5E9F-2EBF-45B7-A8E0-B8E78CC93865}" srcOrd="0" destOrd="0" presId="urn:microsoft.com/office/officeart/2005/8/layout/hierarchy2"/>
-    <dgm:cxn modelId="{6811C1F8-6EBA-47EA-B625-AC9907A1AEC8}" type="presOf" srcId="{9C11D38D-B6EE-4602-B5DC-0E873D6BC312}" destId="{1F27BB9C-9316-401D-8861-F2A6D8471D15}" srcOrd="0" destOrd="0" presId="urn:microsoft.com/office/officeart/2005/8/layout/hierarchy2"/>
-    <dgm:cxn modelId="{55A6431E-C8C9-4BB8-A599-66B9C6C58206}" type="presOf" srcId="{F6952C61-9C3A-4BE1-A252-93B737E8386B}" destId="{72050E30-6843-4C55-BA0A-5C4D757AA1BC}" srcOrd="0" destOrd="0" presId="urn:microsoft.com/office/officeart/2005/8/layout/hierarchy2"/>
-    <dgm:cxn modelId="{4DBF2A1D-31F5-4965-97C5-FA7D66EE73BE}" type="presOf" srcId="{516907B1-DB25-4C7D-84FF-63492AFE50C3}" destId="{264510F1-D46C-4B9D-A1DA-5D1C72DB4C2C}" srcOrd="0" destOrd="0" presId="urn:microsoft.com/office/officeart/2005/8/layout/hierarchy2"/>
-    <dgm:cxn modelId="{A9363C94-54E6-4A79-9651-A4CD7CCC4607}" srcId="{885221A3-C986-4F1A-B5D1-5CB7100BCCD6}" destId="{56AD0DD9-BDFD-48CB-B8AD-229B40BE1DA7}" srcOrd="0" destOrd="0" parTransId="{A560B286-F608-4BFD-AA59-E075D6FBB207}" sibTransId="{B4A30BB2-4A6F-4D6B-B7E7-3938FB83587B}"/>
-    <dgm:cxn modelId="{CC544ED4-EF31-46C6-9E2F-6E02235C238C}" type="presOf" srcId="{64850580-2D76-445F-9B82-9BA5722BC486}" destId="{AAB68420-B0D6-42AF-8A12-0559F002729D}" srcOrd="0" destOrd="0" presId="urn:microsoft.com/office/officeart/2005/8/layout/hierarchy2"/>
-    <dgm:cxn modelId="{492904D3-508C-4A76-A3C9-86C07036D9B9}" type="presOf" srcId="{A9E87F83-58B9-4908-B740-093E5EBC7DD8}" destId="{7744FB9B-1226-4238-A21E-E0C358F318C3}" srcOrd="1" destOrd="0" presId="urn:microsoft.com/office/officeart/2005/8/layout/hierarchy2"/>
-    <dgm:cxn modelId="{022FC7C2-2D1B-4063-BE84-DDC7D4ACDE48}" type="presOf" srcId="{6202B1ED-6E28-4A5B-B4BF-CFC862F69283}" destId="{F3B226C5-98DD-485E-968E-64F0568910A6}" srcOrd="1" destOrd="0" presId="urn:microsoft.com/office/officeart/2005/8/layout/hierarchy2"/>
-    <dgm:cxn modelId="{82954D4E-FBAD-41E0-B4E6-11DB241D208D}" type="presOf" srcId="{90D73243-8D83-4D3B-B5DC-8C34197E2F93}" destId="{FCF125C1-8616-4ABD-9AB0-4A1A49D24A67}" srcOrd="0" destOrd="0" presId="urn:microsoft.com/office/officeart/2005/8/layout/hierarchy2"/>
-    <dgm:cxn modelId="{F7509965-90D7-4EBD-B987-7925CA5A6D8A}" type="presOf" srcId="{6992EDD1-C975-4FD1-9081-85AF3BD8B1E6}" destId="{B37933A7-581F-4B09-80DC-1A672DC67D19}" srcOrd="0" destOrd="0" presId="urn:microsoft.com/office/officeart/2005/8/layout/hierarchy2"/>
-    <dgm:cxn modelId="{7DF51461-D1EF-4357-95A9-48C9C472D5FB}" srcId="{E3C31717-A998-409B-B0F2-24EA2C48B82B}" destId="{75E55147-B0A0-4B51-AB5B-0E7E0075355E}" srcOrd="0" destOrd="0" parTransId="{516907B1-DB25-4C7D-84FF-63492AFE50C3}" sibTransId="{2DB87B96-11CD-47F2-B2E4-A2FCD5FADC8B}"/>
-    <dgm:cxn modelId="{62C03283-477D-4616-A99F-382940B41DEA}" type="presOf" srcId="{67448084-02F9-4850-9595-63D1824E8119}" destId="{954D97EC-4386-455E-97AC-7035A550C583}" srcOrd="0" destOrd="0" presId="urn:microsoft.com/office/officeart/2005/8/layout/hierarchy2"/>
-    <dgm:cxn modelId="{82DF0855-4114-4B04-A7AD-238F51BC8EFA}" type="presOf" srcId="{C3F9611D-6F6D-456A-AD45-7E37C504D0D0}" destId="{150C759A-28F1-46C6-81E2-DBCE69B4B728}" srcOrd="1" destOrd="0" presId="urn:microsoft.com/office/officeart/2005/8/layout/hierarchy2"/>
-    <dgm:cxn modelId="{51BB0567-DCC5-4F3C-A8AE-936448F7122B}" type="presOf" srcId="{5D7D13A5-02B4-451B-A0B5-BB9AD3A5B383}" destId="{FBAF7BD0-5E39-4916-B887-6706A458849A}" srcOrd="1" destOrd="0" presId="urn:microsoft.com/office/officeart/2005/8/layout/hierarchy2"/>
-    <dgm:cxn modelId="{C4153A9B-3C6F-462A-9D4A-F60184D11F68}" type="presOf" srcId="{885221A3-C986-4F1A-B5D1-5CB7100BCCD6}" destId="{288B4A58-127B-4EAF-82F9-60F0109C012E}" srcOrd="0" destOrd="0" presId="urn:microsoft.com/office/officeart/2005/8/layout/hierarchy2"/>
-    <dgm:cxn modelId="{EA3D137C-06D5-4403-B950-2A1EF11FC6CA}" type="presOf" srcId="{15B1BA1E-0BE5-4111-9088-567035F6ADF2}" destId="{0496E2EF-A6C1-4DEF-8F3A-27FC5344D9C2}" srcOrd="0" destOrd="0" presId="urn:microsoft.com/office/officeart/2005/8/layout/hierarchy2"/>
-    <dgm:cxn modelId="{DBC71433-260B-4220-99C2-DB77AD5FCB04}" srcId="{AC7D7CEA-60A9-4B39-9FE0-FBB48D821DA2}" destId="{9C11D38D-B6EE-4602-B5DC-0E873D6BC312}" srcOrd="0" destOrd="0" parTransId="{E4802F1B-C275-465F-B611-017EA9F4FFD0}" sibTransId="{58D1AB30-A659-4F62-98D2-23A4B59321D5}"/>
-    <dgm:cxn modelId="{DF980E03-906C-47FF-B3AE-ABE82688EF79}" type="presOf" srcId="{62E43A7E-A85F-4740-B234-E1AA158AE21D}" destId="{66C10D27-2959-45C7-B3C9-1350F956F001}" srcOrd="0" destOrd="0" presId="urn:microsoft.com/office/officeart/2005/8/layout/hierarchy2"/>
-    <dgm:cxn modelId="{31968E50-5F21-4E14-BD6C-AC0765C075E7}" srcId="{A8C23566-4532-4937-B70D-96EEB679EC18}" destId="{C384DB3C-1D18-40E5-9144-7A2744677CC4}" srcOrd="1" destOrd="0" parTransId="{099F60C3-6A1D-4019-8D14-F50A8A09C660}" sibTransId="{4210D62D-6E5A-40C5-B85F-1A94EA636C1F}"/>
-    <dgm:cxn modelId="{10EBD0F4-92E8-4CAD-993D-E2004BC8B48B}" type="presOf" srcId="{18C4E4F1-6FFE-40C7-B98F-CD8AC747D6A9}" destId="{35D06866-0351-4C8F-9E03-1F846DF64B86}" srcOrd="1" destOrd="0" presId="urn:microsoft.com/office/officeart/2005/8/layout/hierarchy2"/>
-    <dgm:cxn modelId="{15E0B13B-C9AC-4ECB-ABC1-88C714BD287D}" type="presOf" srcId="{F46B74CD-E2DF-4E6A-965C-1DA6F85D5BDC}" destId="{ABEC8873-5B36-4646-A7AD-993117EE33D5}" srcOrd="1" destOrd="0" presId="urn:microsoft.com/office/officeart/2005/8/layout/hierarchy2"/>
-    <dgm:cxn modelId="{731054FB-DEBC-4A20-A4EA-1A4236FB693F}" type="presOf" srcId="{B39E708A-4F4D-40E2-8CAB-066D137F0865}" destId="{697138B6-5440-4F79-9A46-846D5EECD3FD}" srcOrd="0" destOrd="0" presId="urn:microsoft.com/office/officeart/2005/8/layout/hierarchy2"/>
-    <dgm:cxn modelId="{9F18769C-B50E-4A0E-9A02-8E7398EA57F6}" type="presOf" srcId="{52F0D684-9EDC-4C8E-91C6-9243E7B678DE}" destId="{6AADDE6C-968F-4DB9-A276-ADB0D483CF0A}" srcOrd="0" destOrd="0" presId="urn:microsoft.com/office/officeart/2005/8/layout/hierarchy2"/>
-    <dgm:cxn modelId="{A84600E4-2527-449A-8D22-40C45660AD49}" type="presOf" srcId="{56AD0DD9-BDFD-48CB-B8AD-229B40BE1DA7}" destId="{6370C388-798B-4F24-B822-DD7770C24AB0}" srcOrd="0" destOrd="0" presId="urn:microsoft.com/office/officeart/2005/8/layout/hierarchy2"/>
-    <dgm:cxn modelId="{02142DA8-1682-4B34-9693-2954172198BB}" type="presOf" srcId="{BDAA4D47-669A-4154-BF1E-184595A23581}" destId="{BD6EDC37-B8C6-49B7-8269-2127B3FD4BFC}" srcOrd="0" destOrd="0" presId="urn:microsoft.com/office/officeart/2005/8/layout/hierarchy2"/>
-    <dgm:cxn modelId="{E6C8EE5A-C2BF-4AD6-993B-BE59EAD709F4}" type="presOf" srcId="{5D7D13A5-02B4-451B-A0B5-BB9AD3A5B383}" destId="{86FC432A-7F76-48A4-BF57-69594E158935}" srcOrd="0" destOrd="0" presId="urn:microsoft.com/office/officeart/2005/8/layout/hierarchy2"/>
-    <dgm:cxn modelId="{5D4BB33A-E085-4E7C-9D17-6B6F40F26940}" type="presOf" srcId="{5634F704-5E38-4869-919B-D1BF893C2A0E}" destId="{D2CF9E6E-EB2D-441D-9C22-D6CB2094DBB8}" srcOrd="0" destOrd="0" presId="urn:microsoft.com/office/officeart/2005/8/layout/hierarchy2"/>
-    <dgm:cxn modelId="{87B2AD2F-3096-40EE-9514-7F11672B8F84}" type="presOf" srcId="{099F60C3-6A1D-4019-8D14-F50A8A09C660}" destId="{82E0188A-130F-4888-B1C4-1466B0FA2C48}" srcOrd="0" destOrd="0" presId="urn:microsoft.com/office/officeart/2005/8/layout/hierarchy2"/>
-    <dgm:cxn modelId="{333180C1-719A-4EB6-9D4E-5F34EE3E4628}" type="presOf" srcId="{C45DAEAA-8C55-44A1-8683-0B8998291E78}" destId="{DB9727DF-A505-4539-A942-A4614724AF8B}" srcOrd="0" destOrd="0" presId="urn:microsoft.com/office/officeart/2005/8/layout/hierarchy2"/>
-    <dgm:cxn modelId="{178E7E7C-6E70-4D20-A476-41EEB2EBA0EF}" type="presOf" srcId="{94EC7959-A5F1-407E-BA45-E580F4FDC9E6}" destId="{C4060063-10F1-47DC-BDD6-8740C4B8A1B4}" srcOrd="0" destOrd="0" presId="urn:microsoft.com/office/officeart/2005/8/layout/hierarchy2"/>
-    <dgm:cxn modelId="{B2595663-A38A-4F6D-808E-41045EC1135B}" srcId="{0B6CE9A0-C6EE-429F-ADDF-EDFE8BC26AEA}" destId="{16D19E56-C5C2-4577-88A6-9E27624927B0}" srcOrd="0" destOrd="0" parTransId="{B412D9D2-BEB6-4D02-86E1-44B1D62A0444}" sibTransId="{F97894F1-DF58-491E-8AAC-F54B0ACF2156}"/>
-    <dgm:cxn modelId="{EC6A0180-1A7E-406C-A6D1-F4609FC0468A}" type="presOf" srcId="{F4C03097-4B08-4AC5-A053-2E376F80E313}" destId="{62B4E467-65B7-4B2D-8401-C100098041D5}" srcOrd="1" destOrd="0" presId="urn:microsoft.com/office/officeart/2005/8/layout/hierarchy2"/>
-    <dgm:cxn modelId="{C9F154D7-EC8C-4B03-A171-F625DB05C0D3}" srcId="{16D19E56-C5C2-4577-88A6-9E27624927B0}" destId="{E3C31717-A998-409B-B0F2-24EA2C48B82B}" srcOrd="4" destOrd="0" parTransId="{6992EDD1-C975-4FD1-9081-85AF3BD8B1E6}" sibTransId="{1DD2EC39-182A-44E3-9F1D-0BECB21AC125}"/>
-    <dgm:cxn modelId="{2CFB699E-9E9D-4C94-AAFE-3C17E418C467}" type="presOf" srcId="{A9E87F83-58B9-4908-B740-093E5EBC7DD8}" destId="{FB173F69-C99F-4321-BE91-B2F74931D9A8}" srcOrd="0" destOrd="0" presId="urn:microsoft.com/office/officeart/2005/8/layout/hierarchy2"/>
-    <dgm:cxn modelId="{327769C9-8581-4062-8F56-9D58AB402710}" type="presOf" srcId="{14A5EC74-9959-4160-B9E4-0B92E2FD7AB3}" destId="{A5A96E28-EBAE-4C72-9BD9-7E8E4A6F8BC4}" srcOrd="1" destOrd="0" presId="urn:microsoft.com/office/officeart/2005/8/layout/hierarchy2"/>
-    <dgm:cxn modelId="{9DB5CC5F-E1F7-4EFE-B8B6-2EA6197EB2D9}" type="presOf" srcId="{C45DAEAA-8C55-44A1-8683-0B8998291E78}" destId="{EC82294C-BFDC-4F15-8EC7-798716582911}" srcOrd="1" destOrd="0" presId="urn:microsoft.com/office/officeart/2005/8/layout/hierarchy2"/>
-    <dgm:cxn modelId="{9B07C0F0-003B-4982-8488-DC0668C10BAC}" type="presOf" srcId="{C6856C97-98D2-4FCE-AA58-6F5D1996FF39}" destId="{C188FD9E-1C8D-4966-A04D-9D817C25C530}" srcOrd="1" destOrd="0" presId="urn:microsoft.com/office/officeart/2005/8/layout/hierarchy2"/>
-    <dgm:cxn modelId="{B1292B95-6EB8-49EE-92F2-F4DAAFEA2610}" srcId="{16D19E56-C5C2-4577-88A6-9E27624927B0}" destId="{8842B8E6-2FED-446C-AA95-ECB6BE04C5CF}" srcOrd="5" destOrd="0" parTransId="{5FE6DC38-6776-41DB-B858-4560A59B33C9}" sibTransId="{8731D08B-C26D-4F73-9589-B4201034831C}"/>
-    <dgm:cxn modelId="{12F712C1-ACFA-4822-ACB2-3D92B3EBBA7E}" type="presOf" srcId="{64850580-2D76-445F-9B82-9BA5722BC486}" destId="{F56107AA-6DCE-48B0-AC00-6DB6766E6259}" srcOrd="1" destOrd="0" presId="urn:microsoft.com/office/officeart/2005/8/layout/hierarchy2"/>
-    <dgm:cxn modelId="{1BBF6E0E-F95C-4129-9745-CB94CF66AFEF}" type="presOf" srcId="{13AF1296-7130-4B35-8D2B-004E85C49434}" destId="{EA1D241F-E12F-4D7E-BDAB-98F9EC475487}" srcOrd="0" destOrd="0" presId="urn:microsoft.com/office/officeart/2005/8/layout/hierarchy2"/>
-    <dgm:cxn modelId="{0A591864-9F82-4984-B413-8F25384DB294}" type="presOf" srcId="{C384DB3C-1D18-40E5-9144-7A2744677CC4}" destId="{BB4EE058-C3ED-43F3-BCD0-CFC3B961A168}" srcOrd="0" destOrd="0" presId="urn:microsoft.com/office/officeart/2005/8/layout/hierarchy2"/>
-    <dgm:cxn modelId="{540874C4-C759-4C1A-9CF4-09094C8AB250}" type="presOf" srcId="{516907B1-DB25-4C7D-84FF-63492AFE50C3}" destId="{AE2DB920-B6BF-429E-B3FD-F2D6C0C0B064}" srcOrd="1" destOrd="0" presId="urn:microsoft.com/office/officeart/2005/8/layout/hierarchy2"/>
-    <dgm:cxn modelId="{53D36D37-3AA6-40E0-A0AB-D86F2E009276}" srcId="{AC7D7CEA-60A9-4B39-9FE0-FBB48D821DA2}" destId="{D42F0D00-8154-42C0-8474-0CB7B1AB1B9B}" srcOrd="1" destOrd="0" parTransId="{64850580-2D76-445F-9B82-9BA5722BC486}" sibTransId="{1BF2F211-64B6-4B82-9E14-A6B65EC8EABE}"/>
-    <dgm:cxn modelId="{45FD43D5-9D18-4956-89EC-0812A038FD57}" type="presOf" srcId="{E3C31717-A998-409B-B0F2-24EA2C48B82B}" destId="{F106D733-4D18-44E9-AE84-8729F86F9A7B}" srcOrd="0" destOrd="0" presId="urn:microsoft.com/office/officeart/2005/8/layout/hierarchy2"/>
-    <dgm:cxn modelId="{9704E982-D67F-494C-BA07-69BE495B9034}" type="presOf" srcId="{F46B74CD-E2DF-4E6A-965C-1DA6F85D5BDC}" destId="{0B238363-D373-48C4-840F-8074B7EA5A25}" srcOrd="0" destOrd="0" presId="urn:microsoft.com/office/officeart/2005/8/layout/hierarchy2"/>
-    <dgm:cxn modelId="{827B427A-4858-4551-B0EA-816C0E2EBCC0}" type="presOf" srcId="{18C4E4F1-6FFE-40C7-B98F-CD8AC747D6A9}" destId="{11767DAC-E465-47AF-A168-BECB10E544FF}" srcOrd="0" destOrd="0" presId="urn:microsoft.com/office/officeart/2005/8/layout/hierarchy2"/>
-    <dgm:cxn modelId="{0659CED3-3744-4E4F-9163-6F42860501E7}" type="presOf" srcId="{6454A39A-E30E-4EB0-8FEE-46B22D95DE40}" destId="{F8EA40AF-547F-4778-ACB0-D2D827FC3D3A}" srcOrd="0" destOrd="0" presId="urn:microsoft.com/office/officeart/2005/8/layout/hierarchy2"/>
-    <dgm:cxn modelId="{8002A887-F05E-4A6D-8AA4-52CBDD7F6FBF}" type="presOf" srcId="{C3F9611D-6F6D-456A-AD45-7E37C504D0D0}" destId="{A99B90C1-D2BA-4007-B3A2-86E6FF8390B2}" srcOrd="0" destOrd="0" presId="urn:microsoft.com/office/officeart/2005/8/layout/hierarchy2"/>
-    <dgm:cxn modelId="{0B4453EB-EE04-48E0-A610-ED15EC37341B}" srcId="{8842B8E6-2FED-446C-AA95-ECB6BE04C5CF}" destId="{6F0EE3D6-5DC0-4B96-B37E-57BC52C39BF6}" srcOrd="0" destOrd="0" parTransId="{B39E708A-4F4D-40E2-8CAB-066D137F0865}" sibTransId="{CC1B1915-600B-4178-BB54-14D29C1FC6EB}"/>
-    <dgm:cxn modelId="{53602A1F-0A39-475B-A81C-99ED68D07B48}" type="presOf" srcId="{A560B286-F608-4BFD-AA59-E075D6FBB207}" destId="{7911A52D-005C-4CFB-A839-DBD92BD59548}" srcOrd="1" destOrd="0" presId="urn:microsoft.com/office/officeart/2005/8/layout/hierarchy2"/>
-    <dgm:cxn modelId="{75F27238-8FE4-4BCD-BEFF-CBCD6D1CC2C6}" type="presOf" srcId="{94EC7959-A5F1-407E-BA45-E580F4FDC9E6}" destId="{E6E0835C-70C6-4F8D-8FA4-D27085349DBA}" srcOrd="1" destOrd="0" presId="urn:microsoft.com/office/officeart/2005/8/layout/hierarchy2"/>
-    <dgm:cxn modelId="{12969CD7-81E4-4E23-B1D0-D6C7691D6A63}" type="presOf" srcId="{96B4AF63-BD34-4C99-907A-076A76C40AC1}" destId="{A002D58C-1F03-4A87-BEE3-1C163E8A8F10}" srcOrd="1" destOrd="0" presId="urn:microsoft.com/office/officeart/2005/8/layout/hierarchy2"/>
-    <dgm:cxn modelId="{534E399F-7ADF-4790-98CA-B5C74EDEF896}" type="presOf" srcId="{D42F0D00-8154-42C0-8474-0CB7B1AB1B9B}" destId="{D7797290-2D69-4666-BAC2-F46A2EA90FC3}" srcOrd="0" destOrd="0" presId="urn:microsoft.com/office/officeart/2005/8/layout/hierarchy2"/>
-    <dgm:cxn modelId="{DB6AC06E-1E5D-4340-8678-A1B75E4DBFE3}" type="presOf" srcId="{BF3692B0-B2F5-475B-A0E0-09F2750DB354}" destId="{0AA5EBEC-F204-4587-AF0F-C5AAAACBECD6}" srcOrd="0" destOrd="0" presId="urn:microsoft.com/office/officeart/2005/8/layout/hierarchy2"/>
-    <dgm:cxn modelId="{E2439F7C-EA2D-4A2C-AB22-C56892F02418}" type="presOf" srcId="{F4C03097-4B08-4AC5-A053-2E376F80E313}" destId="{5B2BDD20-7F77-44FB-B626-426C3506D363}" srcOrd="0" destOrd="0" presId="urn:microsoft.com/office/officeart/2005/8/layout/hierarchy2"/>
-    <dgm:cxn modelId="{CB9DD7DC-30FE-49A8-B6A8-07EFA5A3C2B0}" srcId="{15B1BA1E-0BE5-4111-9088-567035F6ADF2}" destId="{A8C23566-4532-4937-B70D-96EEB679EC18}" srcOrd="0" destOrd="0" parTransId="{96B4AF63-BD34-4C99-907A-076A76C40AC1}" sibTransId="{40EA1749-1A7A-4595-A4AB-2D29A76E00D5}"/>
-    <dgm:cxn modelId="{5634A78D-09F5-4F37-98E1-D027D78E4CD0}" type="presOf" srcId="{E4802F1B-C275-465F-B611-017EA9F4FFD0}" destId="{B993592A-DEED-4F98-9E86-97956F4E7AEA}" srcOrd="0" destOrd="0" presId="urn:microsoft.com/office/officeart/2005/8/layout/hierarchy2"/>
-    <dgm:cxn modelId="{A5147856-8674-4D96-859A-232B33241CEF}" type="presOf" srcId="{2974A326-5891-4019-8EDC-3284212C991A}" destId="{025EAD76-AC3D-4DD0-8010-F37484B1515F}" srcOrd="0" destOrd="0" presId="urn:microsoft.com/office/officeart/2005/8/layout/hierarchy2"/>
-    <dgm:cxn modelId="{526B7BEF-D00F-4BE4-A2B8-37449658246B}" srcId="{16D19E56-C5C2-4577-88A6-9E27624927B0}" destId="{AC7D7CEA-60A9-4B39-9FE0-FBB48D821DA2}" srcOrd="2" destOrd="0" parTransId="{67448084-02F9-4850-9595-63D1824E8119}" sibTransId="{52FEDC56-5FA4-4F8E-8610-C16C434DAEB7}"/>
-    <dgm:cxn modelId="{EF345ED4-034F-48F0-8161-2C35A1B19D8F}" type="presOf" srcId="{F2C92844-18BA-429F-BC14-FD565864E3FE}" destId="{31D9BE34-4863-47D3-87B1-A29E94B95567}" srcOrd="1" destOrd="0" presId="urn:microsoft.com/office/officeart/2005/8/layout/hierarchy2"/>
-    <dgm:cxn modelId="{22586244-B815-4274-A0A2-08A6C2596F91}" type="presOf" srcId="{8842B8E6-2FED-446C-AA95-ECB6BE04C5CF}" destId="{93D42AC6-A3DC-4E75-AC1A-64F14A3342BE}" srcOrd="0" destOrd="0" presId="urn:microsoft.com/office/officeart/2005/8/layout/hierarchy2"/>
-    <dgm:cxn modelId="{6A4B5304-EC41-4F22-B4F4-9A47DA72FFF2}" srcId="{75E55147-B0A0-4B51-AB5B-0E7E0075355E}" destId="{A0DC8813-CD9E-4884-A5AA-A81616F70BD6}" srcOrd="0" destOrd="0" parTransId="{94EC7959-A5F1-407E-BA45-E580F4FDC9E6}" sibTransId="{ABF4BC37-865D-461E-A6BB-27E40458ADAC}"/>
-    <dgm:cxn modelId="{A99CE0C3-2B11-4B3F-8D74-EB785398E4A9}" type="presOf" srcId="{62E43A7E-A85F-4740-B234-E1AA158AE21D}" destId="{AC7E11D1-A8C3-443B-A886-74722F2DD6AA}" srcOrd="1" destOrd="0" presId="urn:microsoft.com/office/officeart/2005/8/layout/hierarchy2"/>
-    <dgm:cxn modelId="{E1D1ABAD-D3DE-4854-A94A-0532A0C21853}" type="presOf" srcId="{16D19E56-C5C2-4577-88A6-9E27624927B0}" destId="{8EED4110-D933-465E-906C-A01F6CDFF9F4}" srcOrd="0" destOrd="0" presId="urn:microsoft.com/office/officeart/2005/8/layout/hierarchy2"/>
-    <dgm:cxn modelId="{9E8F6AEB-F5F5-4852-9FD8-D1DE6A9CB039}" srcId="{16D19E56-C5C2-4577-88A6-9E27624927B0}" destId="{15B1BA1E-0BE5-4111-9088-567035F6ADF2}" srcOrd="1" destOrd="0" parTransId="{F46B74CD-E2DF-4E6A-965C-1DA6F85D5BDC}" sibTransId="{0B30C8DB-C09E-43E8-8053-D148081F8026}"/>
-    <dgm:cxn modelId="{D850EEB3-5959-4A99-8DDA-F5CCBDAA2546}" srcId="{2974A326-5891-4019-8EDC-3284212C991A}" destId="{C9B6E853-7B9D-482B-A6DA-3CC93E428CBB}" srcOrd="0" destOrd="0" parTransId="{F2C92844-18BA-429F-BC14-FD565864E3FE}" sibTransId="{E4B27800-6FE1-4074-931C-6BA909107949}"/>
-    <dgm:cxn modelId="{D9BF4199-CF7F-4A30-8281-22ECB1EECB48}" type="presOf" srcId="{F73C7A69-BB24-4690-B743-4D45CE473802}" destId="{B79364A0-A390-419A-BE03-EDDBD65E4CAD}" srcOrd="0" destOrd="0" presId="urn:microsoft.com/office/officeart/2005/8/layout/hierarchy2"/>
-    <dgm:cxn modelId="{AC931526-EC85-44EB-9FF3-3840EDCC9F1C}" type="presParOf" srcId="{51AF58BE-B55C-412E-AF2E-5B03A34A5E58}" destId="{4FCA5650-1573-419E-B7C6-AAEC71044674}" srcOrd="0" destOrd="0" presId="urn:microsoft.com/office/officeart/2005/8/layout/hierarchy2"/>
-    <dgm:cxn modelId="{0FAAA736-9B41-449F-91A3-C57993CEEEDA}" type="presParOf" srcId="{4FCA5650-1573-419E-B7C6-AAEC71044674}" destId="{8EED4110-D933-465E-906C-A01F6CDFF9F4}" srcOrd="0" destOrd="0" presId="urn:microsoft.com/office/officeart/2005/8/layout/hierarchy2"/>
-    <dgm:cxn modelId="{C7882FBC-F8C6-4EC1-83B1-D9CB2285D68C}" type="presParOf" srcId="{4FCA5650-1573-419E-B7C6-AAEC71044674}" destId="{FB7261E5-26D4-447B-8423-E423387A1DB7}" srcOrd="1" destOrd="0" presId="urn:microsoft.com/office/officeart/2005/8/layout/hierarchy2"/>
-    <dgm:cxn modelId="{2058CD69-361E-44F1-B256-8A94B499DA6B}" type="presParOf" srcId="{FB7261E5-26D4-447B-8423-E423387A1DB7}" destId="{86FC432A-7F76-48A4-BF57-69594E158935}" srcOrd="0" destOrd="0" presId="urn:microsoft.com/office/officeart/2005/8/layout/hierarchy2"/>
-    <dgm:cxn modelId="{B1F3C601-40D5-4377-83AE-C6CFB4AF5ABF}" type="presParOf" srcId="{86FC432A-7F76-48A4-BF57-69594E158935}" destId="{FBAF7BD0-5E39-4916-B887-6706A458849A}" srcOrd="0" destOrd="0" presId="urn:microsoft.com/office/officeart/2005/8/layout/hierarchy2"/>
-    <dgm:cxn modelId="{0208A2A6-E7E1-4E10-AD55-C3BE9B93DCAB}" type="presParOf" srcId="{FB7261E5-26D4-447B-8423-E423387A1DB7}" destId="{DB6AB0BB-F02E-4DF5-B643-F6D86F824E4A}" srcOrd="1" destOrd="0" presId="urn:microsoft.com/office/officeart/2005/8/layout/hierarchy2"/>
-    <dgm:cxn modelId="{D884D38D-D528-4FDA-9092-792AEB947216}" type="presParOf" srcId="{DB6AB0BB-F02E-4DF5-B643-F6D86F824E4A}" destId="{72050E30-6843-4C55-BA0A-5C4D757AA1BC}" srcOrd="0" destOrd="0" presId="urn:microsoft.com/office/officeart/2005/8/layout/hierarchy2"/>
-    <dgm:cxn modelId="{97443E23-D995-440F-8E1E-EE3F022E430B}" type="presParOf" srcId="{DB6AB0BB-F02E-4DF5-B643-F6D86F824E4A}" destId="{EC04DE26-18C4-46A4-A81A-F26ACF10065E}" srcOrd="1" destOrd="0" presId="urn:microsoft.com/office/officeart/2005/8/layout/hierarchy2"/>
-    <dgm:cxn modelId="{C8E32988-BA46-46CE-A287-B370C21708D1}" type="presParOf" srcId="{EC04DE26-18C4-46A4-A81A-F26ACF10065E}" destId="{A99B90C1-D2BA-4007-B3A2-86E6FF8390B2}" srcOrd="0" destOrd="0" presId="urn:microsoft.com/office/officeart/2005/8/layout/hierarchy2"/>
-    <dgm:cxn modelId="{9772519C-5BE6-4E5E-95C3-48DC84973789}" type="presParOf" srcId="{A99B90C1-D2BA-4007-B3A2-86E6FF8390B2}" destId="{150C759A-28F1-46C6-81E2-DBCE69B4B728}" srcOrd="0" destOrd="0" presId="urn:microsoft.com/office/officeart/2005/8/layout/hierarchy2"/>
-    <dgm:cxn modelId="{6F885804-C05B-4D9F-86AA-702999E1082D}" type="presParOf" srcId="{EC04DE26-18C4-46A4-A81A-F26ACF10065E}" destId="{F9F100EF-CA32-41AA-A5BB-1B72DF038288}" srcOrd="1" destOrd="0" presId="urn:microsoft.com/office/officeart/2005/8/layout/hierarchy2"/>
-    <dgm:cxn modelId="{583D480E-97E0-40BB-86CC-3798FAAAD9CD}" type="presParOf" srcId="{F9F100EF-CA32-41AA-A5BB-1B72DF038288}" destId="{288B4A58-127B-4EAF-82F9-60F0109C012E}" srcOrd="0" destOrd="0" presId="urn:microsoft.com/office/officeart/2005/8/layout/hierarchy2"/>
-    <dgm:cxn modelId="{76832576-B5AB-4D1C-B15A-53427E4E3973}" type="presParOf" srcId="{F9F100EF-CA32-41AA-A5BB-1B72DF038288}" destId="{FE46E9D5-CAE5-4BD7-8E17-68907DAC7AB4}" srcOrd="1" destOrd="0" presId="urn:microsoft.com/office/officeart/2005/8/layout/hierarchy2"/>
-    <dgm:cxn modelId="{016E8674-5E51-4166-AF9B-00FC754DA4A9}" type="presParOf" srcId="{FE46E9D5-CAE5-4BD7-8E17-68907DAC7AB4}" destId="{3380103F-7920-42BF-840B-740FF2A9D9B7}" srcOrd="0" destOrd="0" presId="urn:microsoft.com/office/officeart/2005/8/layout/hierarchy2"/>
-    <dgm:cxn modelId="{772B4FCF-2DE0-43D9-A85D-B3ABEEEF44DE}" type="presParOf" srcId="{3380103F-7920-42BF-840B-740FF2A9D9B7}" destId="{7911A52D-005C-4CFB-A839-DBD92BD59548}" srcOrd="0" destOrd="0" presId="urn:microsoft.com/office/officeart/2005/8/layout/hierarchy2"/>
-    <dgm:cxn modelId="{73F48ABA-C65B-4ADD-9CDD-DB309706E7AA}" type="presParOf" srcId="{FE46E9D5-CAE5-4BD7-8E17-68907DAC7AB4}" destId="{A6E4C1A0-32ED-4474-ABD0-2EA7BAF120A7}" srcOrd="1" destOrd="0" presId="urn:microsoft.com/office/officeart/2005/8/layout/hierarchy2"/>
-    <dgm:cxn modelId="{AFD863D1-8D88-4AB7-B902-F49B634B07E6}" type="presParOf" srcId="{A6E4C1A0-32ED-4474-ABD0-2EA7BAF120A7}" destId="{6370C388-798B-4F24-B822-DD7770C24AB0}" srcOrd="0" destOrd="0" presId="urn:microsoft.com/office/officeart/2005/8/layout/hierarchy2"/>
-    <dgm:cxn modelId="{B60B539F-5231-41E5-AA19-87E6A64AA6AD}" type="presParOf" srcId="{A6E4C1A0-32ED-4474-ABD0-2EA7BAF120A7}" destId="{2EABA715-879C-4DC0-8AB4-59B082E27F52}" srcOrd="1" destOrd="0" presId="urn:microsoft.com/office/officeart/2005/8/layout/hierarchy2"/>
-    <dgm:cxn modelId="{A748BE20-3F58-4F4C-AED7-77A5F371E1EF}" type="presParOf" srcId="{FB7261E5-26D4-447B-8423-E423387A1DB7}" destId="{0B238363-D373-48C4-840F-8074B7EA5A25}" srcOrd="2" destOrd="0" presId="urn:microsoft.com/office/officeart/2005/8/layout/hierarchy2"/>
-    <dgm:cxn modelId="{5E602D03-7351-4D4A-8248-F146868248F6}" type="presParOf" srcId="{0B238363-D373-48C4-840F-8074B7EA5A25}" destId="{ABEC8873-5B36-4646-A7AD-993117EE33D5}" srcOrd="0" destOrd="0" presId="urn:microsoft.com/office/officeart/2005/8/layout/hierarchy2"/>
-    <dgm:cxn modelId="{B3D2037D-0782-421D-A55C-99E5D46C9820}" type="presParOf" srcId="{FB7261E5-26D4-447B-8423-E423387A1DB7}" destId="{CE00666D-C4BB-4F0F-AFA3-AB2709C0AC0C}" srcOrd="3" destOrd="0" presId="urn:microsoft.com/office/officeart/2005/8/layout/hierarchy2"/>
-    <dgm:cxn modelId="{1CA2A914-74B3-4F68-972C-AC747BD1DD9E}" type="presParOf" srcId="{CE00666D-C4BB-4F0F-AFA3-AB2709C0AC0C}" destId="{0496E2EF-A6C1-4DEF-8F3A-27FC5344D9C2}" srcOrd="0" destOrd="0" presId="urn:microsoft.com/office/officeart/2005/8/layout/hierarchy2"/>
-    <dgm:cxn modelId="{8B0DEDF4-499A-4449-88B7-8B56E808E034}" type="presParOf" srcId="{CE00666D-C4BB-4F0F-AFA3-AB2709C0AC0C}" destId="{EB3D55F3-C8CD-4608-8D3C-7A3D96A5B3F8}" srcOrd="1" destOrd="0" presId="urn:microsoft.com/office/officeart/2005/8/layout/hierarchy2"/>
-    <dgm:cxn modelId="{409843B3-4931-4125-8011-B4585366BA08}" type="presParOf" srcId="{EB3D55F3-C8CD-4608-8D3C-7A3D96A5B3F8}" destId="{32316891-284F-487A-B750-C5FD37FCD542}" srcOrd="0" destOrd="0" presId="urn:microsoft.com/office/officeart/2005/8/layout/hierarchy2"/>
-    <dgm:cxn modelId="{F5C31C02-8A9D-4F90-8488-EC5B23535E0D}" type="presParOf" srcId="{32316891-284F-487A-B750-C5FD37FCD542}" destId="{A002D58C-1F03-4A87-BEE3-1C163E8A8F10}" srcOrd="0" destOrd="0" presId="urn:microsoft.com/office/officeart/2005/8/layout/hierarchy2"/>
-    <dgm:cxn modelId="{90F1202C-3ACD-4C7C-AB05-24C4231ACC48}" type="presParOf" srcId="{EB3D55F3-C8CD-4608-8D3C-7A3D96A5B3F8}" destId="{EC6C5745-9281-44F6-8292-521DF4688126}" srcOrd="1" destOrd="0" presId="urn:microsoft.com/office/officeart/2005/8/layout/hierarchy2"/>
-    <dgm:cxn modelId="{C71B0364-6171-4761-A3E7-01174B948849}" type="presParOf" srcId="{EC6C5745-9281-44F6-8292-521DF4688126}" destId="{DCBBB97E-EC3B-4A6C-B046-4F5569B2BCE3}" srcOrd="0" destOrd="0" presId="urn:microsoft.com/office/officeart/2005/8/layout/hierarchy2"/>
-    <dgm:cxn modelId="{C2DC3AD2-6862-43C3-99C6-F5658835F88E}" type="presParOf" srcId="{EC6C5745-9281-44F6-8292-521DF4688126}" destId="{2385B3BE-5915-400B-BF13-D85C514B5A33}" srcOrd="1" destOrd="0" presId="urn:microsoft.com/office/officeart/2005/8/layout/hierarchy2"/>
-    <dgm:cxn modelId="{745C2455-4F55-4328-B264-BC44F3CD70FA}" type="presParOf" srcId="{2385B3BE-5915-400B-BF13-D85C514B5A33}" destId="{FB173F69-C99F-4321-BE91-B2F74931D9A8}" srcOrd="0" destOrd="0" presId="urn:microsoft.com/office/officeart/2005/8/layout/hierarchy2"/>
-    <dgm:cxn modelId="{6EB79A53-D59A-4DB1-BC8B-E922D2D8F7DA}" type="presParOf" srcId="{FB173F69-C99F-4321-BE91-B2F74931D9A8}" destId="{7744FB9B-1226-4238-A21E-E0C358F318C3}" srcOrd="0" destOrd="0" presId="urn:microsoft.com/office/officeart/2005/8/layout/hierarchy2"/>
-    <dgm:cxn modelId="{85E0E142-A548-4EE7-8CE9-AD59D362773E}" type="presParOf" srcId="{2385B3BE-5915-400B-BF13-D85C514B5A33}" destId="{51F70896-2D6D-4472-B89D-2198D40340C0}" srcOrd="1" destOrd="0" presId="urn:microsoft.com/office/officeart/2005/8/layout/hierarchy2"/>
-    <dgm:cxn modelId="{0D124F04-2E01-4677-B35C-E7171B63856E}" type="presParOf" srcId="{51F70896-2D6D-4472-B89D-2198D40340C0}" destId="{E75F7DEC-522E-4BF1-9659-D038AEFA4384}" srcOrd="0" destOrd="0" presId="urn:microsoft.com/office/officeart/2005/8/layout/hierarchy2"/>
-    <dgm:cxn modelId="{DE2C6C56-F042-4FB7-B3C3-108FBD1A9EE8}" type="presParOf" srcId="{51F70896-2D6D-4472-B89D-2198D40340C0}" destId="{1D5601CE-362D-4979-9FFC-4D6609AA1286}" srcOrd="1" destOrd="0" presId="urn:microsoft.com/office/officeart/2005/8/layout/hierarchy2"/>
-    <dgm:cxn modelId="{E9098346-AEEB-4A63-A0A7-B26A0F1B9115}" type="presParOf" srcId="{2385B3BE-5915-400B-BF13-D85C514B5A33}" destId="{82E0188A-130F-4888-B1C4-1466B0FA2C48}" srcOrd="2" destOrd="0" presId="urn:microsoft.com/office/officeart/2005/8/layout/hierarchy2"/>
-    <dgm:cxn modelId="{A1C4E8EC-91DC-4A9E-ABEB-6EB568625ECC}" type="presParOf" srcId="{82E0188A-130F-4888-B1C4-1466B0FA2C48}" destId="{5866272B-8B55-44A1-98A7-3687E6E1573E}" srcOrd="0" destOrd="0" presId="urn:microsoft.com/office/officeart/2005/8/layout/hierarchy2"/>
-    <dgm:cxn modelId="{0ACD8B4C-5D99-4C4B-A163-CC3B4916BFB9}" type="presParOf" srcId="{2385B3BE-5915-400B-BF13-D85C514B5A33}" destId="{9602DC65-5EC7-41C3-B53D-27D5FBF80E42}" srcOrd="3" destOrd="0" presId="urn:microsoft.com/office/officeart/2005/8/layout/hierarchy2"/>
-    <dgm:cxn modelId="{B84BAD31-5BE1-4D17-B52F-611CACF0F6A9}" type="presParOf" srcId="{9602DC65-5EC7-41C3-B53D-27D5FBF80E42}" destId="{BB4EE058-C3ED-43F3-BCD0-CFC3B961A168}" srcOrd="0" destOrd="0" presId="urn:microsoft.com/office/officeart/2005/8/layout/hierarchy2"/>
-    <dgm:cxn modelId="{0CE0D800-4C0F-47F4-9B0E-6547B50262D7}" type="presParOf" srcId="{9602DC65-5EC7-41C3-B53D-27D5FBF80E42}" destId="{863499E5-2E7A-42B9-B98A-5C55BF4CE9BE}" srcOrd="1" destOrd="0" presId="urn:microsoft.com/office/officeart/2005/8/layout/hierarchy2"/>
-    <dgm:cxn modelId="{B7E35173-DBEB-4631-822E-D00C67DCDD1F}" type="presParOf" srcId="{2385B3BE-5915-400B-BF13-D85C514B5A33}" destId="{5B2BDD20-7F77-44FB-B626-426C3506D363}" srcOrd="4" destOrd="0" presId="urn:microsoft.com/office/officeart/2005/8/layout/hierarchy2"/>
-    <dgm:cxn modelId="{FCAF45E9-DEC0-4CB0-808C-CFD8A1B45093}" type="presParOf" srcId="{5B2BDD20-7F77-44FB-B626-426C3506D363}" destId="{62B4E467-65B7-4B2D-8401-C100098041D5}" srcOrd="0" destOrd="0" presId="urn:microsoft.com/office/officeart/2005/8/layout/hierarchy2"/>
-    <dgm:cxn modelId="{BB2FFF47-3CAB-42B0-8BF9-C4487A8F2A57}" type="presParOf" srcId="{2385B3BE-5915-400B-BF13-D85C514B5A33}" destId="{AB0DFE78-7802-4490-A4F0-B3581A00F2EB}" srcOrd="5" destOrd="0" presId="urn:microsoft.com/office/officeart/2005/8/layout/hierarchy2"/>
-    <dgm:cxn modelId="{D4F1D5BA-0C42-4269-838F-87FCD522C443}" type="presParOf" srcId="{AB0DFE78-7802-4490-A4F0-B3581A00F2EB}" destId="{B3126015-186F-4CD5-A1AD-9F9CEC7D117B}" srcOrd="0" destOrd="0" presId="urn:microsoft.com/office/officeart/2005/8/layout/hierarchy2"/>
-    <dgm:cxn modelId="{984F1A66-2748-4B65-BC6F-38A898636B26}" type="presParOf" srcId="{AB0DFE78-7802-4490-A4F0-B3581A00F2EB}" destId="{BDF73B4E-BA8B-4EF8-9B45-4C7CBBD4F039}" srcOrd="1" destOrd="0" presId="urn:microsoft.com/office/officeart/2005/8/layout/hierarchy2"/>
-    <dgm:cxn modelId="{CFBF94FD-AA71-4CFF-BD8B-F57B6D1A5D5D}" type="presParOf" srcId="{FB7261E5-26D4-447B-8423-E423387A1DB7}" destId="{954D97EC-4386-455E-97AC-7035A550C583}" srcOrd="4" destOrd="0" presId="urn:microsoft.com/office/officeart/2005/8/layout/hierarchy2"/>
-    <dgm:cxn modelId="{6C130898-CBC8-478B-B207-2D1F77A7313B}" type="presParOf" srcId="{954D97EC-4386-455E-97AC-7035A550C583}" destId="{FD4B4655-D87C-47C8-9492-81F759CC9D82}" srcOrd="0" destOrd="0" presId="urn:microsoft.com/office/officeart/2005/8/layout/hierarchy2"/>
-    <dgm:cxn modelId="{5BB62901-76E3-40CB-B16D-782561F650BA}" type="presParOf" srcId="{FB7261E5-26D4-447B-8423-E423387A1DB7}" destId="{74D9B49F-C4C3-49B8-9069-8BD2F5D7C46F}" srcOrd="5" destOrd="0" presId="urn:microsoft.com/office/officeart/2005/8/layout/hierarchy2"/>
-    <dgm:cxn modelId="{4D306E56-6402-47CD-8C6A-677F8A028B44}" type="presParOf" srcId="{74D9B49F-C4C3-49B8-9069-8BD2F5D7C46F}" destId="{EE452D71-66EB-40EF-920A-D1A9A74AC0A9}" srcOrd="0" destOrd="0" presId="urn:microsoft.com/office/officeart/2005/8/layout/hierarchy2"/>
-    <dgm:cxn modelId="{812EE6D5-77CF-499A-8D14-C821F2A9928C}" type="presParOf" srcId="{74D9B49F-C4C3-49B8-9069-8BD2F5D7C46F}" destId="{07F74432-4F08-4B7E-A31A-B6F85FE248C1}" srcOrd="1" destOrd="0" presId="urn:microsoft.com/office/officeart/2005/8/layout/hierarchy2"/>
-    <dgm:cxn modelId="{0A642728-85F2-4115-B99A-3597EBB98C7C}" type="presParOf" srcId="{07F74432-4F08-4B7E-A31A-B6F85FE248C1}" destId="{B993592A-DEED-4F98-9E86-97956F4E7AEA}" srcOrd="0" destOrd="0" presId="urn:microsoft.com/office/officeart/2005/8/layout/hierarchy2"/>
-    <dgm:cxn modelId="{35F4AC33-A1EF-46DD-B503-9EC7C270DA3A}" type="presParOf" srcId="{B993592A-DEED-4F98-9E86-97956F4E7AEA}" destId="{95721BC4-E41C-4260-995C-FBD8600082C9}" srcOrd="0" destOrd="0" presId="urn:microsoft.com/office/officeart/2005/8/layout/hierarchy2"/>
-    <dgm:cxn modelId="{DE74AEA4-CC20-4DED-9ECA-C8BC172D18E4}" type="presParOf" srcId="{07F74432-4F08-4B7E-A31A-B6F85FE248C1}" destId="{8F48610C-0025-4C3E-B169-1E7F60EEC7CF}" srcOrd="1" destOrd="0" presId="urn:microsoft.com/office/officeart/2005/8/layout/hierarchy2"/>
-    <dgm:cxn modelId="{B075F67D-5DBE-44DB-9AB3-31A914856681}" type="presParOf" srcId="{8F48610C-0025-4C3E-B169-1E7F60EEC7CF}" destId="{1F27BB9C-9316-401D-8861-F2A6D8471D15}" srcOrd="0" destOrd="0" presId="urn:microsoft.com/office/officeart/2005/8/layout/hierarchy2"/>
-    <dgm:cxn modelId="{A5130025-679A-452A-A39F-98D7863669B1}" type="presParOf" srcId="{8F48610C-0025-4C3E-B169-1E7F60EEC7CF}" destId="{800267A5-3DC2-498A-8937-81D0E53C9AEB}" srcOrd="1" destOrd="0" presId="urn:microsoft.com/office/officeart/2005/8/layout/hierarchy2"/>
-    <dgm:cxn modelId="{DFB62DC3-84DE-4D3D-9BE7-9080D6898A88}" type="presParOf" srcId="{800267A5-3DC2-498A-8937-81D0E53C9AEB}" destId="{DB9727DF-A505-4539-A942-A4614724AF8B}" srcOrd="0" destOrd="0" presId="urn:microsoft.com/office/officeart/2005/8/layout/hierarchy2"/>
-    <dgm:cxn modelId="{5589E533-9FF8-407A-9905-95882939AF1D}" type="presParOf" srcId="{DB9727DF-A505-4539-A942-A4614724AF8B}" destId="{EC82294C-BFDC-4F15-8EC7-798716582911}" srcOrd="0" destOrd="0" presId="urn:microsoft.com/office/officeart/2005/8/layout/hierarchy2"/>
-    <dgm:cxn modelId="{F99F55E8-9E58-4670-96BC-13A12FF0B77B}" type="presParOf" srcId="{800267A5-3DC2-498A-8937-81D0E53C9AEB}" destId="{E22A9DD5-7C04-45BF-A87D-3FDEF3F5CECB}" srcOrd="1" destOrd="0" presId="urn:microsoft.com/office/officeart/2005/8/layout/hierarchy2"/>
-    <dgm:cxn modelId="{8726789A-6D16-425A-A585-4B41D08B1E61}" type="presParOf" srcId="{E22A9DD5-7C04-45BF-A87D-3FDEF3F5CECB}" destId="{BD6EDC37-B8C6-49B7-8269-2127B3FD4BFC}" srcOrd="0" destOrd="0" presId="urn:microsoft.com/office/officeart/2005/8/layout/hierarchy2"/>
-    <dgm:cxn modelId="{65015C19-CC3B-4B2E-AD60-3859F1695ADB}" type="presParOf" srcId="{E22A9DD5-7C04-45BF-A87D-3FDEF3F5CECB}" destId="{C29A5BF5-2577-4979-AB57-2DA8F9B2A6BD}" srcOrd="1" destOrd="0" presId="urn:microsoft.com/office/officeart/2005/8/layout/hierarchy2"/>
-    <dgm:cxn modelId="{17E4CDCC-4FCA-40B1-A397-F5F314FBC33A}" type="presParOf" srcId="{07F74432-4F08-4B7E-A31A-B6F85FE248C1}" destId="{AAB68420-B0D6-42AF-8A12-0559F002729D}" srcOrd="2" destOrd="0" presId="urn:microsoft.com/office/officeart/2005/8/layout/hierarchy2"/>
-    <dgm:cxn modelId="{7FE5BF88-8805-4A08-B27D-DCEC39341302}" type="presParOf" srcId="{AAB68420-B0D6-42AF-8A12-0559F002729D}" destId="{F56107AA-6DCE-48B0-AC00-6DB6766E6259}" srcOrd="0" destOrd="0" presId="urn:microsoft.com/office/officeart/2005/8/layout/hierarchy2"/>
-    <dgm:cxn modelId="{7D55B5A4-DD8F-43A4-97A2-B8E34D85C182}" type="presParOf" srcId="{07F74432-4F08-4B7E-A31A-B6F85FE248C1}" destId="{AF4C0606-175B-467F-B441-0E35403809E5}" srcOrd="3" destOrd="0" presId="urn:microsoft.com/office/officeart/2005/8/layout/hierarchy2"/>
-    <dgm:cxn modelId="{529CE7E3-281B-4286-9802-0730565CC401}" type="presParOf" srcId="{AF4C0606-175B-467F-B441-0E35403809E5}" destId="{D7797290-2D69-4666-BAC2-F46A2EA90FC3}" srcOrd="0" destOrd="0" presId="urn:microsoft.com/office/officeart/2005/8/layout/hierarchy2"/>
-    <dgm:cxn modelId="{45D288C4-12C9-40C3-99E5-7176A45C8A8B}" type="presParOf" srcId="{AF4C0606-175B-467F-B441-0E35403809E5}" destId="{CFDC0F2E-B9FD-42A6-99C3-42DB7E84C1B4}" srcOrd="1" destOrd="0" presId="urn:microsoft.com/office/officeart/2005/8/layout/hierarchy2"/>
-    <dgm:cxn modelId="{355F087D-4B8B-434D-8BEC-05BA4A6DC1C8}" type="presParOf" srcId="{CFDC0F2E-B9FD-42A6-99C3-42DB7E84C1B4}" destId="{D2CF9E6E-EB2D-441D-9C22-D6CB2094DBB8}" srcOrd="0" destOrd="0" presId="urn:microsoft.com/office/officeart/2005/8/layout/hierarchy2"/>
-    <dgm:cxn modelId="{99E89F88-7A34-4B61-898A-B923AA73353B}" type="presParOf" srcId="{D2CF9E6E-EB2D-441D-9C22-D6CB2094DBB8}" destId="{80378285-1B84-411F-8D05-9358152BE1C5}" srcOrd="0" destOrd="0" presId="urn:microsoft.com/office/officeart/2005/8/layout/hierarchy2"/>
-    <dgm:cxn modelId="{E55F4181-DF94-461F-B20C-FF991641D4C7}" type="presParOf" srcId="{CFDC0F2E-B9FD-42A6-99C3-42DB7E84C1B4}" destId="{9D0C8A50-888F-4FCF-80D6-1CB908214FBF}" srcOrd="1" destOrd="0" presId="urn:microsoft.com/office/officeart/2005/8/layout/hierarchy2"/>
-    <dgm:cxn modelId="{7981A28F-6345-4D97-B7F8-65A5C2030B8C}" type="presParOf" srcId="{9D0C8A50-888F-4FCF-80D6-1CB908214FBF}" destId="{B79364A0-A390-419A-BE03-EDDBD65E4CAD}" srcOrd="0" destOrd="0" presId="urn:microsoft.com/office/officeart/2005/8/layout/hierarchy2"/>
-    <dgm:cxn modelId="{24EBB51B-2E96-4116-A928-59770EEE2E29}" type="presParOf" srcId="{9D0C8A50-888F-4FCF-80D6-1CB908214FBF}" destId="{AFA0A058-8ACD-4B9E-9A2F-BDEB80B60B9A}" srcOrd="1" destOrd="0" presId="urn:microsoft.com/office/officeart/2005/8/layout/hierarchy2"/>
-    <dgm:cxn modelId="{63BEB986-0070-47F2-A06F-8713C396E0A3}" type="presParOf" srcId="{FB7261E5-26D4-447B-8423-E423387A1DB7}" destId="{66C10D27-2959-45C7-B3C9-1350F956F001}" srcOrd="6" destOrd="0" presId="urn:microsoft.com/office/officeart/2005/8/layout/hierarchy2"/>
-    <dgm:cxn modelId="{C3589A32-40C7-4371-A3DB-51940662C021}" type="presParOf" srcId="{66C10D27-2959-45C7-B3C9-1350F956F001}" destId="{AC7E11D1-A8C3-443B-A886-74722F2DD6AA}" srcOrd="0" destOrd="0" presId="urn:microsoft.com/office/officeart/2005/8/layout/hierarchy2"/>
-    <dgm:cxn modelId="{23C385AB-7AA2-4955-8325-C15102F3539B}" type="presParOf" srcId="{FB7261E5-26D4-447B-8423-E423387A1DB7}" destId="{A89E1423-0C52-4E06-AB10-954C5D39086D}" srcOrd="7" destOrd="0" presId="urn:microsoft.com/office/officeart/2005/8/layout/hierarchy2"/>
-    <dgm:cxn modelId="{9BA7C3EC-C36A-49A4-BD39-1E12E882A960}" type="presParOf" srcId="{A89E1423-0C52-4E06-AB10-954C5D39086D}" destId="{6AADDE6C-968F-4DB9-A276-ADB0D483CF0A}" srcOrd="0" destOrd="0" presId="urn:microsoft.com/office/officeart/2005/8/layout/hierarchy2"/>
-    <dgm:cxn modelId="{F99EDBF0-0C1A-4558-A696-C291F36F8AA3}" type="presParOf" srcId="{A89E1423-0C52-4E06-AB10-954C5D39086D}" destId="{DB723DAB-FF4D-4FE0-A0C6-1721094B20F8}" srcOrd="1" destOrd="0" presId="urn:microsoft.com/office/officeart/2005/8/layout/hierarchy2"/>
-    <dgm:cxn modelId="{5EB64392-EE9E-46E1-8DC1-083954D4B683}" type="presParOf" srcId="{DB723DAB-FF4D-4FE0-A0C6-1721094B20F8}" destId="{9D4B37A4-EF35-41DD-B652-9623C53F69B5}" srcOrd="0" destOrd="0" presId="urn:microsoft.com/office/officeart/2005/8/layout/hierarchy2"/>
-    <dgm:cxn modelId="{C1EE1FDC-DC69-4062-BE64-173DD1F199B2}" type="presParOf" srcId="{9D4B37A4-EF35-41DD-B652-9623C53F69B5}" destId="{C188FD9E-1C8D-4966-A04D-9D817C25C530}" srcOrd="0" destOrd="0" presId="urn:microsoft.com/office/officeart/2005/8/layout/hierarchy2"/>
-    <dgm:cxn modelId="{4861F1E3-153B-44DC-960A-7DA91EC59757}" type="presParOf" srcId="{DB723DAB-FF4D-4FE0-A0C6-1721094B20F8}" destId="{D828FED6-1DCD-4F54-936E-342AA904F8A2}" srcOrd="1" destOrd="0" presId="urn:microsoft.com/office/officeart/2005/8/layout/hierarchy2"/>
-    <dgm:cxn modelId="{818CDA59-03F1-4E59-91E4-959509CDD314}" type="presParOf" srcId="{D828FED6-1DCD-4F54-936E-342AA904F8A2}" destId="{025EAD76-AC3D-4DD0-8010-F37484B1515F}" srcOrd="0" destOrd="0" presId="urn:microsoft.com/office/officeart/2005/8/layout/hierarchy2"/>
-    <dgm:cxn modelId="{197E3B3E-4410-4F69-9205-7D00E855876D}" type="presParOf" srcId="{D828FED6-1DCD-4F54-936E-342AA904F8A2}" destId="{0C68AFF5-B9AA-4692-8C60-E7194F966614}" srcOrd="1" destOrd="0" presId="urn:microsoft.com/office/officeart/2005/8/layout/hierarchy2"/>
-    <dgm:cxn modelId="{4F1F9BEE-9653-414D-A82F-4D77D4A07680}" type="presParOf" srcId="{0C68AFF5-B9AA-4692-8C60-E7194F966614}" destId="{53849AAB-7F70-484D-A1A6-B53F1DD8DFE5}" srcOrd="0" destOrd="0" presId="urn:microsoft.com/office/officeart/2005/8/layout/hierarchy2"/>
-    <dgm:cxn modelId="{950B8A63-8F42-4629-963E-B6361761C45B}" type="presParOf" srcId="{53849AAB-7F70-484D-A1A6-B53F1DD8DFE5}" destId="{31D9BE34-4863-47D3-87B1-A29E94B95567}" srcOrd="0" destOrd="0" presId="urn:microsoft.com/office/officeart/2005/8/layout/hierarchy2"/>
-    <dgm:cxn modelId="{C6C8F3E9-5757-48A3-A9C2-5CC2F56F48D0}" type="presParOf" srcId="{0C68AFF5-B9AA-4692-8C60-E7194F966614}" destId="{7EE1203E-0FC7-45FC-85B7-43ED2C0114A4}" srcOrd="1" destOrd="0" presId="urn:microsoft.com/office/officeart/2005/8/layout/hierarchy2"/>
-    <dgm:cxn modelId="{163D58B9-FFC5-4F80-B9BB-63E10D36A062}" type="presParOf" srcId="{7EE1203E-0FC7-45FC-85B7-43ED2C0114A4}" destId="{DD5EBFFC-A722-4AB2-89B0-0B1C4E0C9C86}" srcOrd="0" destOrd="0" presId="urn:microsoft.com/office/officeart/2005/8/layout/hierarchy2"/>
-    <dgm:cxn modelId="{21097F55-315B-4AE5-9F49-127CEA1A5032}" type="presParOf" srcId="{7EE1203E-0FC7-45FC-85B7-43ED2C0114A4}" destId="{FA8C07EE-30FE-4005-829A-54EFF7A01760}" srcOrd="1" destOrd="0" presId="urn:microsoft.com/office/officeart/2005/8/layout/hierarchy2"/>
-    <dgm:cxn modelId="{4FBB9C8A-6D3C-4AFB-9158-78EB191174A5}" type="presParOf" srcId="{FB7261E5-26D4-447B-8423-E423387A1DB7}" destId="{B37933A7-581F-4B09-80DC-1A672DC67D19}" srcOrd="8" destOrd="0" presId="urn:microsoft.com/office/officeart/2005/8/layout/hierarchy2"/>
-    <dgm:cxn modelId="{683EF181-C831-4853-BFEF-1F1EFDD6CAC2}" type="presParOf" srcId="{B37933A7-581F-4B09-80DC-1A672DC67D19}" destId="{E54FFAC4-0083-4D7C-85A4-651FD575ED50}" srcOrd="0" destOrd="0" presId="urn:microsoft.com/office/officeart/2005/8/layout/hierarchy2"/>
-    <dgm:cxn modelId="{2C6349C8-251B-45AC-A061-2C2A149B40C1}" type="presParOf" srcId="{FB7261E5-26D4-447B-8423-E423387A1DB7}" destId="{222C4F13-4F12-4E3E-9AAF-DD9D410FF8EF}" srcOrd="9" destOrd="0" presId="urn:microsoft.com/office/officeart/2005/8/layout/hierarchy2"/>
-    <dgm:cxn modelId="{6BD98772-B119-49B7-8E44-D29CBB4E1658}" type="presParOf" srcId="{222C4F13-4F12-4E3E-9AAF-DD9D410FF8EF}" destId="{F106D733-4D18-44E9-AE84-8729F86F9A7B}" srcOrd="0" destOrd="0" presId="urn:microsoft.com/office/officeart/2005/8/layout/hierarchy2"/>
-    <dgm:cxn modelId="{11FAD9C7-8449-4B2E-B890-F4378D8BF98D}" type="presParOf" srcId="{222C4F13-4F12-4E3E-9AAF-DD9D410FF8EF}" destId="{D9BA8342-BCD9-45EA-9618-EEB73F745314}" srcOrd="1" destOrd="0" presId="urn:microsoft.com/office/officeart/2005/8/layout/hierarchy2"/>
-    <dgm:cxn modelId="{EE8F8944-9DC7-4B91-95A1-D014BB01719B}" type="presParOf" srcId="{D9BA8342-BCD9-45EA-9618-EEB73F745314}" destId="{264510F1-D46C-4B9D-A1DA-5D1C72DB4C2C}" srcOrd="0" destOrd="0" presId="urn:microsoft.com/office/officeart/2005/8/layout/hierarchy2"/>
-    <dgm:cxn modelId="{B625B227-56F4-468A-8903-0C908A00F03A}" type="presParOf" srcId="{264510F1-D46C-4B9D-A1DA-5D1C72DB4C2C}" destId="{AE2DB920-B6BF-429E-B3FD-F2D6C0C0B064}" srcOrd="0" destOrd="0" presId="urn:microsoft.com/office/officeart/2005/8/layout/hierarchy2"/>
-    <dgm:cxn modelId="{96832C9F-3EB0-41F3-9A4F-75C3217F65A5}" type="presParOf" srcId="{D9BA8342-BCD9-45EA-9618-EEB73F745314}" destId="{67C1C12D-F255-49A7-82EA-2F8203598E86}" srcOrd="1" destOrd="0" presId="urn:microsoft.com/office/officeart/2005/8/layout/hierarchy2"/>
-    <dgm:cxn modelId="{3B73912C-517A-47E7-8FDD-4637E64BF080}" type="presParOf" srcId="{67C1C12D-F255-49A7-82EA-2F8203598E86}" destId="{6B2B5E9F-2EBF-45B7-A8E0-B8E78CC93865}" srcOrd="0" destOrd="0" presId="urn:microsoft.com/office/officeart/2005/8/layout/hierarchy2"/>
-    <dgm:cxn modelId="{EF1E9456-D14C-4DC7-9C4B-120D3E612F61}" type="presParOf" srcId="{67C1C12D-F255-49A7-82EA-2F8203598E86}" destId="{473A064E-CBB1-4162-B306-976BE2139680}" srcOrd="1" destOrd="0" presId="urn:microsoft.com/office/officeart/2005/8/layout/hierarchy2"/>
-    <dgm:cxn modelId="{5751E50D-22C5-4F89-9493-81CAD31A380C}" type="presParOf" srcId="{473A064E-CBB1-4162-B306-976BE2139680}" destId="{C4060063-10F1-47DC-BDD6-8740C4B8A1B4}" srcOrd="0" destOrd="0" presId="urn:microsoft.com/office/officeart/2005/8/layout/hierarchy2"/>
-    <dgm:cxn modelId="{5D082F3E-7EE9-4334-A57E-D3060F3C7A77}" type="presParOf" srcId="{C4060063-10F1-47DC-BDD6-8740C4B8A1B4}" destId="{E6E0835C-70C6-4F8D-8FA4-D27085349DBA}" srcOrd="0" destOrd="0" presId="urn:microsoft.com/office/officeart/2005/8/layout/hierarchy2"/>
-    <dgm:cxn modelId="{05A920C9-3646-4859-B5F5-B8912F96C415}" type="presParOf" srcId="{473A064E-CBB1-4162-B306-976BE2139680}" destId="{C8AAEF82-3CC8-4E48-97A7-1B5E313ADF90}" srcOrd="1" destOrd="0" presId="urn:microsoft.com/office/officeart/2005/8/layout/hierarchy2"/>
-    <dgm:cxn modelId="{AFEECAF5-4C81-4D17-AB4B-EBDCA28165D2}" type="presParOf" srcId="{C8AAEF82-3CC8-4E48-97A7-1B5E313ADF90}" destId="{B4D4BC37-43D5-4A51-B84F-131B2101F5C4}" srcOrd="0" destOrd="0" presId="urn:microsoft.com/office/officeart/2005/8/layout/hierarchy2"/>
-    <dgm:cxn modelId="{7CA18ED1-446C-49CA-B1AF-D2387794BFD0}" type="presParOf" srcId="{C8AAEF82-3CC8-4E48-97A7-1B5E313ADF90}" destId="{01623E14-D68C-4FC0-B7FA-653119450436}" srcOrd="1" destOrd="0" presId="urn:microsoft.com/office/officeart/2005/8/layout/hierarchy2"/>
-    <dgm:cxn modelId="{1F9553B4-4AC5-4612-B61E-3C2F7064AFB8}" type="presParOf" srcId="{D9BA8342-BCD9-45EA-9618-EEB73F745314}" destId="{11767DAC-E465-47AF-A168-BECB10E544FF}" srcOrd="2" destOrd="0" presId="urn:microsoft.com/office/officeart/2005/8/layout/hierarchy2"/>
-    <dgm:cxn modelId="{58FB84F9-DB8C-4578-B032-30AA70997EE4}" type="presParOf" srcId="{11767DAC-E465-47AF-A168-BECB10E544FF}" destId="{35D06866-0351-4C8F-9E03-1F846DF64B86}" srcOrd="0" destOrd="0" presId="urn:microsoft.com/office/officeart/2005/8/layout/hierarchy2"/>
-    <dgm:cxn modelId="{1C59AD06-4BAA-4000-95B6-A24E07F24640}" type="presParOf" srcId="{D9BA8342-BCD9-45EA-9618-EEB73F745314}" destId="{0569B4F1-0330-4B69-BF79-1222BD0B7D2A}" srcOrd="3" destOrd="0" presId="urn:microsoft.com/office/officeart/2005/8/layout/hierarchy2"/>
-    <dgm:cxn modelId="{A26866F6-D183-4D96-B299-A13EAE036586}" type="presParOf" srcId="{0569B4F1-0330-4B69-BF79-1222BD0B7D2A}" destId="{FCF125C1-8616-4ABD-9AB0-4A1A49D24A67}" srcOrd="0" destOrd="0" presId="urn:microsoft.com/office/officeart/2005/8/layout/hierarchy2"/>
-    <dgm:cxn modelId="{326FB90B-189B-4E2D-9FFC-851000D8C99D}" type="presParOf" srcId="{0569B4F1-0330-4B69-BF79-1222BD0B7D2A}" destId="{61BD2AEF-BC5E-4318-943E-83B594F59ED0}" srcOrd="1" destOrd="0" presId="urn:microsoft.com/office/officeart/2005/8/layout/hierarchy2"/>
-    <dgm:cxn modelId="{E97F5D00-79A2-49FC-AC5E-CF8AF384ECC2}" type="presParOf" srcId="{61BD2AEF-BC5E-4318-943E-83B594F59ED0}" destId="{3E66369B-4821-41C1-9911-5AE4B0D73C5A}" srcOrd="0" destOrd="0" presId="urn:microsoft.com/office/officeart/2005/8/layout/hierarchy2"/>
-    <dgm:cxn modelId="{AE5071FA-BDAC-49BB-B253-21AD962DFD32}" type="presParOf" srcId="{3E66369B-4821-41C1-9911-5AE4B0D73C5A}" destId="{F3B226C5-98DD-485E-968E-64F0568910A6}" srcOrd="0" destOrd="0" presId="urn:microsoft.com/office/officeart/2005/8/layout/hierarchy2"/>
-    <dgm:cxn modelId="{39965865-6816-4C5B-85D8-6E1E60543BCF}" type="presParOf" srcId="{61BD2AEF-BC5E-4318-943E-83B594F59ED0}" destId="{4056A31D-0D76-4B03-AD62-540F23E5B54C}" srcOrd="1" destOrd="0" presId="urn:microsoft.com/office/officeart/2005/8/layout/hierarchy2"/>
-    <dgm:cxn modelId="{8345375B-490F-480C-8C46-7BCAA8FA0451}" type="presParOf" srcId="{4056A31D-0D76-4B03-AD62-540F23E5B54C}" destId="{F8EA40AF-547F-4778-ACB0-D2D827FC3D3A}" srcOrd="0" destOrd="0" presId="urn:microsoft.com/office/officeart/2005/8/layout/hierarchy2"/>
-    <dgm:cxn modelId="{AB234303-2EA3-4D15-9F8B-6AB360AC38F1}" type="presParOf" srcId="{4056A31D-0D76-4B03-AD62-540F23E5B54C}" destId="{F86AD14E-BD1B-427D-BFD9-8BE007E9B695}" srcOrd="1" destOrd="0" presId="urn:microsoft.com/office/officeart/2005/8/layout/hierarchy2"/>
-    <dgm:cxn modelId="{FA879E71-39F8-47F4-8850-4EBDD94B6877}" type="presParOf" srcId="{D9BA8342-BCD9-45EA-9618-EEB73F745314}" destId="{87F7909A-440D-40AC-876B-2232C1AF2660}" srcOrd="4" destOrd="0" presId="urn:microsoft.com/office/officeart/2005/8/layout/hierarchy2"/>
-    <dgm:cxn modelId="{A3864CF3-0D8B-45EE-B27B-654F8A8E15C3}" type="presParOf" srcId="{87F7909A-440D-40AC-876B-2232C1AF2660}" destId="{A5A96E28-EBAE-4C72-9BD9-7E8E4A6F8BC4}" srcOrd="0" destOrd="0" presId="urn:microsoft.com/office/officeart/2005/8/layout/hierarchy2"/>
-    <dgm:cxn modelId="{63B0E641-3DE7-409A-B9D9-EBAAF6B6B33C}" type="presParOf" srcId="{D9BA8342-BCD9-45EA-9618-EEB73F745314}" destId="{5A46BCB0-053D-4770-9C0E-A87E7EB4E275}" srcOrd="5" destOrd="0" presId="urn:microsoft.com/office/officeart/2005/8/layout/hierarchy2"/>
-    <dgm:cxn modelId="{CB9B5ADB-A9B0-47BF-9318-63768BD5B253}" type="presParOf" srcId="{5A46BCB0-053D-4770-9C0E-A87E7EB4E275}" destId="{BEE878CC-66AC-46BB-B254-1430ED20255B}" srcOrd="0" destOrd="0" presId="urn:microsoft.com/office/officeart/2005/8/layout/hierarchy2"/>
-    <dgm:cxn modelId="{C8844948-D668-4207-9E72-1FB3263F03DC}" type="presParOf" srcId="{5A46BCB0-053D-4770-9C0E-A87E7EB4E275}" destId="{B55D41D0-55D0-45FB-9307-BBB20B7DC5C5}" srcOrd="1" destOrd="0" presId="urn:microsoft.com/office/officeart/2005/8/layout/hierarchy2"/>
-    <dgm:cxn modelId="{C1D96EFD-8913-402D-B682-362479C4A8CB}" type="presParOf" srcId="{B55D41D0-55D0-45FB-9307-BBB20B7DC5C5}" destId="{EA1D241F-E12F-4D7E-BDAB-98F9EC475487}" srcOrd="0" destOrd="0" presId="urn:microsoft.com/office/officeart/2005/8/layout/hierarchy2"/>
-    <dgm:cxn modelId="{E031F1EC-52FF-4437-BEBC-B083B4C08C61}" type="presParOf" srcId="{EA1D241F-E12F-4D7E-BDAB-98F9EC475487}" destId="{1DA7B367-DBA7-4C41-9559-471EF152BD59}" srcOrd="0" destOrd="0" presId="urn:microsoft.com/office/officeart/2005/8/layout/hierarchy2"/>
-    <dgm:cxn modelId="{B170410B-CF7C-4B25-909C-F4409C9D5305}" type="presParOf" srcId="{B55D41D0-55D0-45FB-9307-BBB20B7DC5C5}" destId="{171FC1E7-CD5A-4597-8EBC-BFD1E0AD9411}" srcOrd="1" destOrd="0" presId="urn:microsoft.com/office/officeart/2005/8/layout/hierarchy2"/>
-    <dgm:cxn modelId="{B9552B04-CDB6-446B-ADB6-54A2BF99652F}" type="presParOf" srcId="{171FC1E7-CD5A-4597-8EBC-BFD1E0AD9411}" destId="{0AA5EBEC-F204-4587-AF0F-C5AAAACBECD6}" srcOrd="0" destOrd="0" presId="urn:microsoft.com/office/officeart/2005/8/layout/hierarchy2"/>
-    <dgm:cxn modelId="{32459076-5DC8-4E22-A708-8BEFF7F67FCA}" type="presParOf" srcId="{171FC1E7-CD5A-4597-8EBC-BFD1E0AD9411}" destId="{25C533A9-237A-4023-B645-4B49FAA05F59}" srcOrd="1" destOrd="0" presId="urn:microsoft.com/office/officeart/2005/8/layout/hierarchy2"/>
-    <dgm:cxn modelId="{8A7F2515-CE7E-4627-B7B9-CA6DA5591F14}" type="presParOf" srcId="{FB7261E5-26D4-447B-8423-E423387A1DB7}" destId="{16BE6CC5-03EE-4579-AE70-9EBD1646542A}" srcOrd="10" destOrd="0" presId="urn:microsoft.com/office/officeart/2005/8/layout/hierarchy2"/>
-    <dgm:cxn modelId="{AC4B1735-FC00-481D-85EB-B15CD1089313}" type="presParOf" srcId="{16BE6CC5-03EE-4579-AE70-9EBD1646542A}" destId="{78256481-66C4-4A91-99FA-69FAAFA9D8B3}" srcOrd="0" destOrd="0" presId="urn:microsoft.com/office/officeart/2005/8/layout/hierarchy2"/>
-    <dgm:cxn modelId="{18E57611-0F1A-4AB5-9555-68D4AC767F75}" type="presParOf" srcId="{FB7261E5-26D4-447B-8423-E423387A1DB7}" destId="{CF801885-5319-45A5-9AB5-20CE8FB7D4AD}" srcOrd="11" destOrd="0" presId="urn:microsoft.com/office/officeart/2005/8/layout/hierarchy2"/>
-    <dgm:cxn modelId="{C05945F2-99D1-4B64-9DBF-488EAA87FBED}" type="presParOf" srcId="{CF801885-5319-45A5-9AB5-20CE8FB7D4AD}" destId="{93D42AC6-A3DC-4E75-AC1A-64F14A3342BE}" srcOrd="0" destOrd="0" presId="urn:microsoft.com/office/officeart/2005/8/layout/hierarchy2"/>
-    <dgm:cxn modelId="{BE209760-6B5B-4B03-A283-2677FB7AA5F4}" type="presParOf" srcId="{CF801885-5319-45A5-9AB5-20CE8FB7D4AD}" destId="{D739457D-0A80-47AB-9142-B33F644CB507}" srcOrd="1" destOrd="0" presId="urn:microsoft.com/office/officeart/2005/8/layout/hierarchy2"/>
-    <dgm:cxn modelId="{F1C464F4-573E-4FBA-BFAF-C1925B01C26A}" type="presParOf" srcId="{D739457D-0A80-47AB-9142-B33F644CB507}" destId="{697138B6-5440-4F79-9A46-846D5EECD3FD}" srcOrd="0" destOrd="0" presId="urn:microsoft.com/office/officeart/2005/8/layout/hierarchy2"/>
-    <dgm:cxn modelId="{9EFE0E62-BD49-4D2E-B06F-4DCFC475EBFA}" type="presParOf" srcId="{697138B6-5440-4F79-9A46-846D5EECD3FD}" destId="{D890A412-ED49-4F6C-955F-73FD46A96135}" srcOrd="0" destOrd="0" presId="urn:microsoft.com/office/officeart/2005/8/layout/hierarchy2"/>
-    <dgm:cxn modelId="{942AC807-5C31-4F33-9E9A-F53B7B74D9EC}" type="presParOf" srcId="{D739457D-0A80-47AB-9142-B33F644CB507}" destId="{F68E8A9F-8402-4D3F-A92A-01FE588BDF41}" srcOrd="1" destOrd="0" presId="urn:microsoft.com/office/officeart/2005/8/layout/hierarchy2"/>
-    <dgm:cxn modelId="{B1ACF7B5-C840-498C-9193-2977A0C0E7E1}" type="presParOf" srcId="{F68E8A9F-8402-4D3F-A92A-01FE588BDF41}" destId="{09ED80D0-5939-46D2-868B-CF9B367D33C4}" srcOrd="0" destOrd="0" presId="urn:microsoft.com/office/officeart/2005/8/layout/hierarchy2"/>
-    <dgm:cxn modelId="{589E41FD-E3B8-407A-BFAF-97AC3F56E190}" type="presParOf" srcId="{F68E8A9F-8402-4D3F-A92A-01FE588BDF41}" destId="{FC52123B-7EF0-4D13-8AB9-03B3907372A2}" srcOrd="1" destOrd="0" presId="urn:microsoft.com/office/officeart/2005/8/layout/hierarchy2"/>
+    <dgm:cxn modelId="{CB27B11B-AB4F-417F-B831-8C8BDA1520ED}" type="presOf" srcId="{F4C03097-4B08-4AC5-A053-2E376F80E313}" destId="{5B2BDD20-7F77-44FB-B626-426C3506D363}" srcOrd="0" destOrd="0" presId="urn:microsoft.com/office/officeart/2005/8/layout/hierarchy2"/>
+    <dgm:cxn modelId="{120BE8F3-F01D-45D6-84D7-210AB407A5C9}" type="presOf" srcId="{B39E708A-4F4D-40E2-8CAB-066D137F0865}" destId="{697138B6-5440-4F79-9A46-846D5EECD3FD}" srcOrd="0" destOrd="0" presId="urn:microsoft.com/office/officeart/2005/8/layout/hierarchy2"/>
+    <dgm:cxn modelId="{669199CD-9A9D-46CC-8C5B-FFB4D7D63115}" type="presOf" srcId="{64850580-2D76-445F-9B82-9BA5722BC486}" destId="{AAB68420-B0D6-42AF-8A12-0559F002729D}" srcOrd="0" destOrd="0" presId="urn:microsoft.com/office/officeart/2005/8/layout/hierarchy2"/>
+    <dgm:cxn modelId="{F9CACAAA-F355-462A-AE6C-0ED69C7F98A6}" type="presOf" srcId="{9C11D38D-B6EE-4602-B5DC-0E873D6BC312}" destId="{1F27BB9C-9316-401D-8861-F2A6D8471D15}" srcOrd="0" destOrd="0" presId="urn:microsoft.com/office/officeart/2005/8/layout/hierarchy2"/>
+    <dgm:cxn modelId="{C1B2EB86-D6A6-4AC5-B502-1F1B9BEEB728}" type="presOf" srcId="{A0DC8813-CD9E-4884-A5AA-A81616F70BD6}" destId="{B4D4BC37-43D5-4A51-B84F-131B2101F5C4}" srcOrd="0" destOrd="0" presId="urn:microsoft.com/office/officeart/2005/8/layout/hierarchy2"/>
+    <dgm:cxn modelId="{ECA23E49-F89D-427C-80F7-3568B7637953}" type="presOf" srcId="{D42F0D00-8154-42C0-8474-0CB7B1AB1B9B}" destId="{D7797290-2D69-4666-BAC2-F46A2EA90FC3}" srcOrd="0" destOrd="0" presId="urn:microsoft.com/office/officeart/2005/8/layout/hierarchy2"/>
+    <dgm:cxn modelId="{F86D9B19-1563-4F1A-85FB-CE81B4BB6BE7}" type="presOf" srcId="{5634F704-5E38-4869-919B-D1BF893C2A0E}" destId="{80378285-1B84-411F-8D05-9358152BE1C5}" srcOrd="1" destOrd="0" presId="urn:microsoft.com/office/officeart/2005/8/layout/hierarchy2"/>
+    <dgm:cxn modelId="{E979F581-53FB-4580-BCEC-04494B5950B9}" type="presOf" srcId="{F2C92844-18BA-429F-BC14-FD565864E3FE}" destId="{53849AAB-7F70-484D-A1A6-B53F1DD8DFE5}" srcOrd="0" destOrd="0" presId="urn:microsoft.com/office/officeart/2005/8/layout/hierarchy2"/>
+    <dgm:cxn modelId="{2196CCA9-63CD-4799-8F19-526202D463DA}" type="presOf" srcId="{A9E87F83-58B9-4908-B740-093E5EBC7DD8}" destId="{FB173F69-C99F-4321-BE91-B2F74931D9A8}" srcOrd="0" destOrd="0" presId="urn:microsoft.com/office/officeart/2005/8/layout/hierarchy2"/>
+    <dgm:cxn modelId="{F5695A3E-D22F-4E63-A303-8FFE01D5C8AE}" type="presOf" srcId="{6BCF5D66-1CCA-4701-8A72-573A8551EA69}" destId="{E75F7DEC-522E-4BF1-9659-D038AEFA4384}" srcOrd="0" destOrd="0" presId="urn:microsoft.com/office/officeart/2005/8/layout/hierarchy2"/>
+    <dgm:cxn modelId="{E19E356C-A518-4040-B920-C18A68687850}" type="presParOf" srcId="{51AF58BE-B55C-412E-AF2E-5B03A34A5E58}" destId="{4FCA5650-1573-419E-B7C6-AAEC71044674}" srcOrd="0" destOrd="0" presId="urn:microsoft.com/office/officeart/2005/8/layout/hierarchy2"/>
+    <dgm:cxn modelId="{88967834-D23F-4D62-8AFC-14A0B2699381}" type="presParOf" srcId="{4FCA5650-1573-419E-B7C6-AAEC71044674}" destId="{8EED4110-D933-465E-906C-A01F6CDFF9F4}" srcOrd="0" destOrd="0" presId="urn:microsoft.com/office/officeart/2005/8/layout/hierarchy2"/>
+    <dgm:cxn modelId="{D669AF23-963F-40C3-AC7F-72F5357AFB8D}" type="presParOf" srcId="{4FCA5650-1573-419E-B7C6-AAEC71044674}" destId="{FB7261E5-26D4-447B-8423-E423387A1DB7}" srcOrd="1" destOrd="0" presId="urn:microsoft.com/office/officeart/2005/8/layout/hierarchy2"/>
+    <dgm:cxn modelId="{A1134169-89FC-4C8C-8C4A-70916FF36C03}" type="presParOf" srcId="{FB7261E5-26D4-447B-8423-E423387A1DB7}" destId="{86FC432A-7F76-48A4-BF57-69594E158935}" srcOrd="0" destOrd="0" presId="urn:microsoft.com/office/officeart/2005/8/layout/hierarchy2"/>
+    <dgm:cxn modelId="{8CEC8DEB-FA2C-468F-B38D-2DF4E5137A4C}" type="presParOf" srcId="{86FC432A-7F76-48A4-BF57-69594E158935}" destId="{FBAF7BD0-5E39-4916-B887-6706A458849A}" srcOrd="0" destOrd="0" presId="urn:microsoft.com/office/officeart/2005/8/layout/hierarchy2"/>
+    <dgm:cxn modelId="{137580F0-A826-463A-8D2F-77F87A992C08}" type="presParOf" srcId="{FB7261E5-26D4-447B-8423-E423387A1DB7}" destId="{DB6AB0BB-F02E-4DF5-B643-F6D86F824E4A}" srcOrd="1" destOrd="0" presId="urn:microsoft.com/office/officeart/2005/8/layout/hierarchy2"/>
+    <dgm:cxn modelId="{CB26533B-A904-4BCC-A2D0-786EA01B7BD2}" type="presParOf" srcId="{DB6AB0BB-F02E-4DF5-B643-F6D86F824E4A}" destId="{72050E30-6843-4C55-BA0A-5C4D757AA1BC}" srcOrd="0" destOrd="0" presId="urn:microsoft.com/office/officeart/2005/8/layout/hierarchy2"/>
+    <dgm:cxn modelId="{FC282017-F95D-4907-BC20-DBB8FFA69950}" type="presParOf" srcId="{DB6AB0BB-F02E-4DF5-B643-F6D86F824E4A}" destId="{EC04DE26-18C4-46A4-A81A-F26ACF10065E}" srcOrd="1" destOrd="0" presId="urn:microsoft.com/office/officeart/2005/8/layout/hierarchy2"/>
+    <dgm:cxn modelId="{D09241DC-941B-42D0-9EBC-610CAD84F704}" type="presParOf" srcId="{EC04DE26-18C4-46A4-A81A-F26ACF10065E}" destId="{A99B90C1-D2BA-4007-B3A2-86E6FF8390B2}" srcOrd="0" destOrd="0" presId="urn:microsoft.com/office/officeart/2005/8/layout/hierarchy2"/>
+    <dgm:cxn modelId="{D24A2B34-E2CB-4876-9B56-56FEE29DB17D}" type="presParOf" srcId="{A99B90C1-D2BA-4007-B3A2-86E6FF8390B2}" destId="{150C759A-28F1-46C6-81E2-DBCE69B4B728}" srcOrd="0" destOrd="0" presId="urn:microsoft.com/office/officeart/2005/8/layout/hierarchy2"/>
+    <dgm:cxn modelId="{34CBCC03-1001-49F3-9103-53CDA52EA54C}" type="presParOf" srcId="{EC04DE26-18C4-46A4-A81A-F26ACF10065E}" destId="{F9F100EF-CA32-41AA-A5BB-1B72DF038288}" srcOrd="1" destOrd="0" presId="urn:microsoft.com/office/officeart/2005/8/layout/hierarchy2"/>
+    <dgm:cxn modelId="{4B77C165-A8CD-48CB-842F-A6962A13B3BC}" type="presParOf" srcId="{F9F100EF-CA32-41AA-A5BB-1B72DF038288}" destId="{288B4A58-127B-4EAF-82F9-60F0109C012E}" srcOrd="0" destOrd="0" presId="urn:microsoft.com/office/officeart/2005/8/layout/hierarchy2"/>
+    <dgm:cxn modelId="{15F6FE4F-366B-4FFA-9169-4C8D6E65FC4A}" type="presParOf" srcId="{F9F100EF-CA32-41AA-A5BB-1B72DF038288}" destId="{FE46E9D5-CAE5-4BD7-8E17-68907DAC7AB4}" srcOrd="1" destOrd="0" presId="urn:microsoft.com/office/officeart/2005/8/layout/hierarchy2"/>
+    <dgm:cxn modelId="{33DE77D8-1BCC-480B-8C69-FAE6CA30E22C}" type="presParOf" srcId="{FE46E9D5-CAE5-4BD7-8E17-68907DAC7AB4}" destId="{3380103F-7920-42BF-840B-740FF2A9D9B7}" srcOrd="0" destOrd="0" presId="urn:microsoft.com/office/officeart/2005/8/layout/hierarchy2"/>
+    <dgm:cxn modelId="{62D0B819-A4C4-48C9-A512-C2F660B91FB1}" type="presParOf" srcId="{3380103F-7920-42BF-840B-740FF2A9D9B7}" destId="{7911A52D-005C-4CFB-A839-DBD92BD59548}" srcOrd="0" destOrd="0" presId="urn:microsoft.com/office/officeart/2005/8/layout/hierarchy2"/>
+    <dgm:cxn modelId="{F020E903-F6C5-4304-96B6-455E80746C0D}" type="presParOf" srcId="{FE46E9D5-CAE5-4BD7-8E17-68907DAC7AB4}" destId="{A6E4C1A0-32ED-4474-ABD0-2EA7BAF120A7}" srcOrd="1" destOrd="0" presId="urn:microsoft.com/office/officeart/2005/8/layout/hierarchy2"/>
+    <dgm:cxn modelId="{7C2DA480-4C46-4531-8576-153AA7EDD892}" type="presParOf" srcId="{A6E4C1A0-32ED-4474-ABD0-2EA7BAF120A7}" destId="{6370C388-798B-4F24-B822-DD7770C24AB0}" srcOrd="0" destOrd="0" presId="urn:microsoft.com/office/officeart/2005/8/layout/hierarchy2"/>
+    <dgm:cxn modelId="{3C011598-75EA-46F8-8336-6C92B5EACF29}" type="presParOf" srcId="{A6E4C1A0-32ED-4474-ABD0-2EA7BAF120A7}" destId="{2EABA715-879C-4DC0-8AB4-59B082E27F52}" srcOrd="1" destOrd="0" presId="urn:microsoft.com/office/officeart/2005/8/layout/hierarchy2"/>
+    <dgm:cxn modelId="{B97C8C66-938E-48CB-8B11-A36196E51A67}" type="presParOf" srcId="{FB7261E5-26D4-447B-8423-E423387A1DB7}" destId="{0B238363-D373-48C4-840F-8074B7EA5A25}" srcOrd="2" destOrd="0" presId="urn:microsoft.com/office/officeart/2005/8/layout/hierarchy2"/>
+    <dgm:cxn modelId="{8E814517-D810-4C4A-BA67-B7D04B4C4019}" type="presParOf" srcId="{0B238363-D373-48C4-840F-8074B7EA5A25}" destId="{ABEC8873-5B36-4646-A7AD-993117EE33D5}" srcOrd="0" destOrd="0" presId="urn:microsoft.com/office/officeart/2005/8/layout/hierarchy2"/>
+    <dgm:cxn modelId="{9EC453D2-AA1E-4022-A286-6ED4F577F6E6}" type="presParOf" srcId="{FB7261E5-26D4-447B-8423-E423387A1DB7}" destId="{CE00666D-C4BB-4F0F-AFA3-AB2709C0AC0C}" srcOrd="3" destOrd="0" presId="urn:microsoft.com/office/officeart/2005/8/layout/hierarchy2"/>
+    <dgm:cxn modelId="{70EC4D7C-0AFC-4D55-A33B-E31765EED16F}" type="presParOf" srcId="{CE00666D-C4BB-4F0F-AFA3-AB2709C0AC0C}" destId="{0496E2EF-A6C1-4DEF-8F3A-27FC5344D9C2}" srcOrd="0" destOrd="0" presId="urn:microsoft.com/office/officeart/2005/8/layout/hierarchy2"/>
+    <dgm:cxn modelId="{DC8F1723-568E-4998-89F1-0A49CE0239EF}" type="presParOf" srcId="{CE00666D-C4BB-4F0F-AFA3-AB2709C0AC0C}" destId="{EB3D55F3-C8CD-4608-8D3C-7A3D96A5B3F8}" srcOrd="1" destOrd="0" presId="urn:microsoft.com/office/officeart/2005/8/layout/hierarchy2"/>
+    <dgm:cxn modelId="{A4EE972B-8785-46B7-AB2D-7780630A0C08}" type="presParOf" srcId="{EB3D55F3-C8CD-4608-8D3C-7A3D96A5B3F8}" destId="{32316891-284F-487A-B750-C5FD37FCD542}" srcOrd="0" destOrd="0" presId="urn:microsoft.com/office/officeart/2005/8/layout/hierarchy2"/>
+    <dgm:cxn modelId="{68A1926D-A927-4305-9C0D-C40BCF764E5D}" type="presParOf" srcId="{32316891-284F-487A-B750-C5FD37FCD542}" destId="{A002D58C-1F03-4A87-BEE3-1C163E8A8F10}" srcOrd="0" destOrd="0" presId="urn:microsoft.com/office/officeart/2005/8/layout/hierarchy2"/>
+    <dgm:cxn modelId="{3311192C-B5D8-4BB4-A924-E372595C4193}" type="presParOf" srcId="{EB3D55F3-C8CD-4608-8D3C-7A3D96A5B3F8}" destId="{EC6C5745-9281-44F6-8292-521DF4688126}" srcOrd="1" destOrd="0" presId="urn:microsoft.com/office/officeart/2005/8/layout/hierarchy2"/>
+    <dgm:cxn modelId="{82FF89C4-6057-4417-8BB3-728C443E01B4}" type="presParOf" srcId="{EC6C5745-9281-44F6-8292-521DF4688126}" destId="{DCBBB97E-EC3B-4A6C-B046-4F5569B2BCE3}" srcOrd="0" destOrd="0" presId="urn:microsoft.com/office/officeart/2005/8/layout/hierarchy2"/>
+    <dgm:cxn modelId="{CFA4C954-266A-4D88-9B44-F1E6EAFC6C48}" type="presParOf" srcId="{EC6C5745-9281-44F6-8292-521DF4688126}" destId="{2385B3BE-5915-400B-BF13-D85C514B5A33}" srcOrd="1" destOrd="0" presId="urn:microsoft.com/office/officeart/2005/8/layout/hierarchy2"/>
+    <dgm:cxn modelId="{82F993B3-5076-47ED-BB5C-B416B892315D}" type="presParOf" srcId="{2385B3BE-5915-400B-BF13-D85C514B5A33}" destId="{FB173F69-C99F-4321-BE91-B2F74931D9A8}" srcOrd="0" destOrd="0" presId="urn:microsoft.com/office/officeart/2005/8/layout/hierarchy2"/>
+    <dgm:cxn modelId="{EE33D76E-3D20-40CF-905B-6E7591654625}" type="presParOf" srcId="{FB173F69-C99F-4321-BE91-B2F74931D9A8}" destId="{7744FB9B-1226-4238-A21E-E0C358F318C3}" srcOrd="0" destOrd="0" presId="urn:microsoft.com/office/officeart/2005/8/layout/hierarchy2"/>
+    <dgm:cxn modelId="{CE7F4E31-B9E5-405B-974C-2A67FE46B388}" type="presParOf" srcId="{2385B3BE-5915-400B-BF13-D85C514B5A33}" destId="{51F70896-2D6D-4472-B89D-2198D40340C0}" srcOrd="1" destOrd="0" presId="urn:microsoft.com/office/officeart/2005/8/layout/hierarchy2"/>
+    <dgm:cxn modelId="{B4DA81CA-75B9-4553-81E3-CABE11445907}" type="presParOf" srcId="{51F70896-2D6D-4472-B89D-2198D40340C0}" destId="{E75F7DEC-522E-4BF1-9659-D038AEFA4384}" srcOrd="0" destOrd="0" presId="urn:microsoft.com/office/officeart/2005/8/layout/hierarchy2"/>
+    <dgm:cxn modelId="{E3D32244-318D-49AF-9CB6-DE170497B557}" type="presParOf" srcId="{51F70896-2D6D-4472-B89D-2198D40340C0}" destId="{1D5601CE-362D-4979-9FFC-4D6609AA1286}" srcOrd="1" destOrd="0" presId="urn:microsoft.com/office/officeart/2005/8/layout/hierarchy2"/>
+    <dgm:cxn modelId="{89E0FE1D-E3B4-4CB0-9285-CE23AEF15437}" type="presParOf" srcId="{2385B3BE-5915-400B-BF13-D85C514B5A33}" destId="{82E0188A-130F-4888-B1C4-1466B0FA2C48}" srcOrd="2" destOrd="0" presId="urn:microsoft.com/office/officeart/2005/8/layout/hierarchy2"/>
+    <dgm:cxn modelId="{48FFD39D-7330-49CD-80F7-B3F2D4C2EC28}" type="presParOf" srcId="{82E0188A-130F-4888-B1C4-1466B0FA2C48}" destId="{5866272B-8B55-44A1-98A7-3687E6E1573E}" srcOrd="0" destOrd="0" presId="urn:microsoft.com/office/officeart/2005/8/layout/hierarchy2"/>
+    <dgm:cxn modelId="{E2892DDA-DD24-4C09-8D6D-45E67B54811C}" type="presParOf" srcId="{2385B3BE-5915-400B-BF13-D85C514B5A33}" destId="{9602DC65-5EC7-41C3-B53D-27D5FBF80E42}" srcOrd="3" destOrd="0" presId="urn:microsoft.com/office/officeart/2005/8/layout/hierarchy2"/>
+    <dgm:cxn modelId="{E6984CFD-D664-4CE4-88F7-66881042B529}" type="presParOf" srcId="{9602DC65-5EC7-41C3-B53D-27D5FBF80E42}" destId="{BB4EE058-C3ED-43F3-BCD0-CFC3B961A168}" srcOrd="0" destOrd="0" presId="urn:microsoft.com/office/officeart/2005/8/layout/hierarchy2"/>
+    <dgm:cxn modelId="{B73F94E1-CDC1-4392-B7CC-552434620C7F}" type="presParOf" srcId="{9602DC65-5EC7-41C3-B53D-27D5FBF80E42}" destId="{863499E5-2E7A-42B9-B98A-5C55BF4CE9BE}" srcOrd="1" destOrd="0" presId="urn:microsoft.com/office/officeart/2005/8/layout/hierarchy2"/>
+    <dgm:cxn modelId="{D61B0F41-3BEC-44B8-9006-C4725A94906B}" type="presParOf" srcId="{2385B3BE-5915-400B-BF13-D85C514B5A33}" destId="{5B2BDD20-7F77-44FB-B626-426C3506D363}" srcOrd="4" destOrd="0" presId="urn:microsoft.com/office/officeart/2005/8/layout/hierarchy2"/>
+    <dgm:cxn modelId="{B868D7D4-9F33-4275-B35E-D7FDF7D28E36}" type="presParOf" srcId="{5B2BDD20-7F77-44FB-B626-426C3506D363}" destId="{62B4E467-65B7-4B2D-8401-C100098041D5}" srcOrd="0" destOrd="0" presId="urn:microsoft.com/office/officeart/2005/8/layout/hierarchy2"/>
+    <dgm:cxn modelId="{09EF02D1-3A02-4DDD-97C4-B6405DFFCD74}" type="presParOf" srcId="{2385B3BE-5915-400B-BF13-D85C514B5A33}" destId="{AB0DFE78-7802-4490-A4F0-B3581A00F2EB}" srcOrd="5" destOrd="0" presId="urn:microsoft.com/office/officeart/2005/8/layout/hierarchy2"/>
+    <dgm:cxn modelId="{40987C5A-D0E4-46F3-B286-AFDA97A900B0}" type="presParOf" srcId="{AB0DFE78-7802-4490-A4F0-B3581A00F2EB}" destId="{B3126015-186F-4CD5-A1AD-9F9CEC7D117B}" srcOrd="0" destOrd="0" presId="urn:microsoft.com/office/officeart/2005/8/layout/hierarchy2"/>
+    <dgm:cxn modelId="{90628E55-D95A-4812-9007-EC35DE536B89}" type="presParOf" srcId="{AB0DFE78-7802-4490-A4F0-B3581A00F2EB}" destId="{BDF73B4E-BA8B-4EF8-9B45-4C7CBBD4F039}" srcOrd="1" destOrd="0" presId="urn:microsoft.com/office/officeart/2005/8/layout/hierarchy2"/>
+    <dgm:cxn modelId="{1177A0FE-AA35-47A6-8175-7B4820F73EBE}" type="presParOf" srcId="{FB7261E5-26D4-447B-8423-E423387A1DB7}" destId="{954D97EC-4386-455E-97AC-7035A550C583}" srcOrd="4" destOrd="0" presId="urn:microsoft.com/office/officeart/2005/8/layout/hierarchy2"/>
+    <dgm:cxn modelId="{9F23BC8C-617B-4E30-BDCF-DCB918A1846D}" type="presParOf" srcId="{954D97EC-4386-455E-97AC-7035A550C583}" destId="{FD4B4655-D87C-47C8-9492-81F759CC9D82}" srcOrd="0" destOrd="0" presId="urn:microsoft.com/office/officeart/2005/8/layout/hierarchy2"/>
+    <dgm:cxn modelId="{D1451B87-5036-441D-A4A2-847DFC1F62D3}" type="presParOf" srcId="{FB7261E5-26D4-447B-8423-E423387A1DB7}" destId="{74D9B49F-C4C3-49B8-9069-8BD2F5D7C46F}" srcOrd="5" destOrd="0" presId="urn:microsoft.com/office/officeart/2005/8/layout/hierarchy2"/>
+    <dgm:cxn modelId="{D309424A-158F-4768-A329-AA44990AB24B}" type="presParOf" srcId="{74D9B49F-C4C3-49B8-9069-8BD2F5D7C46F}" destId="{EE452D71-66EB-40EF-920A-D1A9A74AC0A9}" srcOrd="0" destOrd="0" presId="urn:microsoft.com/office/officeart/2005/8/layout/hierarchy2"/>
+    <dgm:cxn modelId="{0AE31E60-A0DB-45B0-893A-A1D1F54A7B83}" type="presParOf" srcId="{74D9B49F-C4C3-49B8-9069-8BD2F5D7C46F}" destId="{07F74432-4F08-4B7E-A31A-B6F85FE248C1}" srcOrd="1" destOrd="0" presId="urn:microsoft.com/office/officeart/2005/8/layout/hierarchy2"/>
+    <dgm:cxn modelId="{2E99D2B3-5ECE-4BAA-ADDC-77059D09436A}" type="presParOf" srcId="{07F74432-4F08-4B7E-A31A-B6F85FE248C1}" destId="{B993592A-DEED-4F98-9E86-97956F4E7AEA}" srcOrd="0" destOrd="0" presId="urn:microsoft.com/office/officeart/2005/8/layout/hierarchy2"/>
+    <dgm:cxn modelId="{E2902A2D-BA7D-447F-8343-1468D91AA8A9}" type="presParOf" srcId="{B993592A-DEED-4F98-9E86-97956F4E7AEA}" destId="{95721BC4-E41C-4260-995C-FBD8600082C9}" srcOrd="0" destOrd="0" presId="urn:microsoft.com/office/officeart/2005/8/layout/hierarchy2"/>
+    <dgm:cxn modelId="{5C8FA4C9-F309-4185-B44E-261EA132F1C3}" type="presParOf" srcId="{07F74432-4F08-4B7E-A31A-B6F85FE248C1}" destId="{8F48610C-0025-4C3E-B169-1E7F60EEC7CF}" srcOrd="1" destOrd="0" presId="urn:microsoft.com/office/officeart/2005/8/layout/hierarchy2"/>
+    <dgm:cxn modelId="{90837923-C92E-40EF-9289-C012975F1651}" type="presParOf" srcId="{8F48610C-0025-4C3E-B169-1E7F60EEC7CF}" destId="{1F27BB9C-9316-401D-8861-F2A6D8471D15}" srcOrd="0" destOrd="0" presId="urn:microsoft.com/office/officeart/2005/8/layout/hierarchy2"/>
+    <dgm:cxn modelId="{FF8EAB78-B0CB-49CE-902D-87628F142AA1}" type="presParOf" srcId="{8F48610C-0025-4C3E-B169-1E7F60EEC7CF}" destId="{800267A5-3DC2-498A-8937-81D0E53C9AEB}" srcOrd="1" destOrd="0" presId="urn:microsoft.com/office/officeart/2005/8/layout/hierarchy2"/>
+    <dgm:cxn modelId="{8B93615D-B01E-44BD-98CB-B71F06E9C11A}" type="presParOf" srcId="{800267A5-3DC2-498A-8937-81D0E53C9AEB}" destId="{DB9727DF-A505-4539-A942-A4614724AF8B}" srcOrd="0" destOrd="0" presId="urn:microsoft.com/office/officeart/2005/8/layout/hierarchy2"/>
+    <dgm:cxn modelId="{D631AE8A-2156-498F-9468-3ED78BC6E035}" type="presParOf" srcId="{DB9727DF-A505-4539-A942-A4614724AF8B}" destId="{EC82294C-BFDC-4F15-8EC7-798716582911}" srcOrd="0" destOrd="0" presId="urn:microsoft.com/office/officeart/2005/8/layout/hierarchy2"/>
+    <dgm:cxn modelId="{E090FFB5-30B4-48B1-81AF-BE388C248E26}" type="presParOf" srcId="{800267A5-3DC2-498A-8937-81D0E53C9AEB}" destId="{E22A9DD5-7C04-45BF-A87D-3FDEF3F5CECB}" srcOrd="1" destOrd="0" presId="urn:microsoft.com/office/officeart/2005/8/layout/hierarchy2"/>
+    <dgm:cxn modelId="{4AD4429C-B268-479B-BE6A-6B56359B5EB5}" type="presParOf" srcId="{E22A9DD5-7C04-45BF-A87D-3FDEF3F5CECB}" destId="{BD6EDC37-B8C6-49B7-8269-2127B3FD4BFC}" srcOrd="0" destOrd="0" presId="urn:microsoft.com/office/officeart/2005/8/layout/hierarchy2"/>
+    <dgm:cxn modelId="{5FCA8F25-9335-44B6-B52F-BBBE448DAF63}" type="presParOf" srcId="{E22A9DD5-7C04-45BF-A87D-3FDEF3F5CECB}" destId="{C29A5BF5-2577-4979-AB57-2DA8F9B2A6BD}" srcOrd="1" destOrd="0" presId="urn:microsoft.com/office/officeart/2005/8/layout/hierarchy2"/>
+    <dgm:cxn modelId="{7EB057B9-9C19-4388-8305-9999B148D8BA}" type="presParOf" srcId="{07F74432-4F08-4B7E-A31A-B6F85FE248C1}" destId="{AAB68420-B0D6-42AF-8A12-0559F002729D}" srcOrd="2" destOrd="0" presId="urn:microsoft.com/office/officeart/2005/8/layout/hierarchy2"/>
+    <dgm:cxn modelId="{AF0CDB3F-50FF-40ED-B69B-03E9474B93F6}" type="presParOf" srcId="{AAB68420-B0D6-42AF-8A12-0559F002729D}" destId="{F56107AA-6DCE-48B0-AC00-6DB6766E6259}" srcOrd="0" destOrd="0" presId="urn:microsoft.com/office/officeart/2005/8/layout/hierarchy2"/>
+    <dgm:cxn modelId="{21DDDBE1-AD6A-42C2-B59F-166EE776092C}" type="presParOf" srcId="{07F74432-4F08-4B7E-A31A-B6F85FE248C1}" destId="{AF4C0606-175B-467F-B441-0E35403809E5}" srcOrd="3" destOrd="0" presId="urn:microsoft.com/office/officeart/2005/8/layout/hierarchy2"/>
+    <dgm:cxn modelId="{57E9441D-F158-474A-BD5E-2D6CA79A936C}" type="presParOf" srcId="{AF4C0606-175B-467F-B441-0E35403809E5}" destId="{D7797290-2D69-4666-BAC2-F46A2EA90FC3}" srcOrd="0" destOrd="0" presId="urn:microsoft.com/office/officeart/2005/8/layout/hierarchy2"/>
+    <dgm:cxn modelId="{3E84CC47-63C7-418E-8763-EA6AAFB1F042}" type="presParOf" srcId="{AF4C0606-175B-467F-B441-0E35403809E5}" destId="{CFDC0F2E-B9FD-42A6-99C3-42DB7E84C1B4}" srcOrd="1" destOrd="0" presId="urn:microsoft.com/office/officeart/2005/8/layout/hierarchy2"/>
+    <dgm:cxn modelId="{8FE5B2D1-73DD-4483-90A9-059C483D0104}" type="presParOf" srcId="{CFDC0F2E-B9FD-42A6-99C3-42DB7E84C1B4}" destId="{D2CF9E6E-EB2D-441D-9C22-D6CB2094DBB8}" srcOrd="0" destOrd="0" presId="urn:microsoft.com/office/officeart/2005/8/layout/hierarchy2"/>
+    <dgm:cxn modelId="{DB37C58F-4723-4B55-BA90-E4B92C575B42}" type="presParOf" srcId="{D2CF9E6E-EB2D-441D-9C22-D6CB2094DBB8}" destId="{80378285-1B84-411F-8D05-9358152BE1C5}" srcOrd="0" destOrd="0" presId="urn:microsoft.com/office/officeart/2005/8/layout/hierarchy2"/>
+    <dgm:cxn modelId="{35D0EF97-27BE-434F-91BF-11E7018FA5A7}" type="presParOf" srcId="{CFDC0F2E-B9FD-42A6-99C3-42DB7E84C1B4}" destId="{9D0C8A50-888F-4FCF-80D6-1CB908214FBF}" srcOrd="1" destOrd="0" presId="urn:microsoft.com/office/officeart/2005/8/layout/hierarchy2"/>
+    <dgm:cxn modelId="{6A29BE7B-AA77-4C97-AA85-3CC6952E0ADA}" type="presParOf" srcId="{9D0C8A50-888F-4FCF-80D6-1CB908214FBF}" destId="{B79364A0-A390-419A-BE03-EDDBD65E4CAD}" srcOrd="0" destOrd="0" presId="urn:microsoft.com/office/officeart/2005/8/layout/hierarchy2"/>
+    <dgm:cxn modelId="{85215019-041A-4FAF-9E7C-261C7F04B58D}" type="presParOf" srcId="{9D0C8A50-888F-4FCF-80D6-1CB908214FBF}" destId="{AFA0A058-8ACD-4B9E-9A2F-BDEB80B60B9A}" srcOrd="1" destOrd="0" presId="urn:microsoft.com/office/officeart/2005/8/layout/hierarchy2"/>
+    <dgm:cxn modelId="{BC323E48-EEDF-4BB1-AF33-D19D5FF33487}" type="presParOf" srcId="{FB7261E5-26D4-447B-8423-E423387A1DB7}" destId="{66C10D27-2959-45C7-B3C9-1350F956F001}" srcOrd="6" destOrd="0" presId="urn:microsoft.com/office/officeart/2005/8/layout/hierarchy2"/>
+    <dgm:cxn modelId="{ACB70C40-D46C-418F-8E75-D12D8E1DAD49}" type="presParOf" srcId="{66C10D27-2959-45C7-B3C9-1350F956F001}" destId="{AC7E11D1-A8C3-443B-A886-74722F2DD6AA}" srcOrd="0" destOrd="0" presId="urn:microsoft.com/office/officeart/2005/8/layout/hierarchy2"/>
+    <dgm:cxn modelId="{2AC30882-B003-4542-9DEC-186052C20D32}" type="presParOf" srcId="{FB7261E5-26D4-447B-8423-E423387A1DB7}" destId="{A89E1423-0C52-4E06-AB10-954C5D39086D}" srcOrd="7" destOrd="0" presId="urn:microsoft.com/office/officeart/2005/8/layout/hierarchy2"/>
+    <dgm:cxn modelId="{DCDFC292-4688-45B6-8BC7-729ADDCB09A0}" type="presParOf" srcId="{A89E1423-0C52-4E06-AB10-954C5D39086D}" destId="{6AADDE6C-968F-4DB9-A276-ADB0D483CF0A}" srcOrd="0" destOrd="0" presId="urn:microsoft.com/office/officeart/2005/8/layout/hierarchy2"/>
+    <dgm:cxn modelId="{E246DE61-691A-4331-A3AA-843CEB97483A}" type="presParOf" srcId="{A89E1423-0C52-4E06-AB10-954C5D39086D}" destId="{DB723DAB-FF4D-4FE0-A0C6-1721094B20F8}" srcOrd="1" destOrd="0" presId="urn:microsoft.com/office/officeart/2005/8/layout/hierarchy2"/>
+    <dgm:cxn modelId="{014FF25E-362F-4DEA-AA6C-21132C0611CB}" type="presParOf" srcId="{DB723DAB-FF4D-4FE0-A0C6-1721094B20F8}" destId="{9D4B37A4-EF35-41DD-B652-9623C53F69B5}" srcOrd="0" destOrd="0" presId="urn:microsoft.com/office/officeart/2005/8/layout/hierarchy2"/>
+    <dgm:cxn modelId="{C86BAF97-E618-47BB-8B67-EEB4AD7569FF}" type="presParOf" srcId="{9D4B37A4-EF35-41DD-B652-9623C53F69B5}" destId="{C188FD9E-1C8D-4966-A04D-9D817C25C530}" srcOrd="0" destOrd="0" presId="urn:microsoft.com/office/officeart/2005/8/layout/hierarchy2"/>
+    <dgm:cxn modelId="{E0B80E72-DA65-45D8-8F9B-4D5FA4389358}" type="presParOf" srcId="{DB723DAB-FF4D-4FE0-A0C6-1721094B20F8}" destId="{D828FED6-1DCD-4F54-936E-342AA904F8A2}" srcOrd="1" destOrd="0" presId="urn:microsoft.com/office/officeart/2005/8/layout/hierarchy2"/>
+    <dgm:cxn modelId="{7C497BC4-B43B-4C06-9DBD-D2571D60FAE4}" type="presParOf" srcId="{D828FED6-1DCD-4F54-936E-342AA904F8A2}" destId="{025EAD76-AC3D-4DD0-8010-F37484B1515F}" srcOrd="0" destOrd="0" presId="urn:microsoft.com/office/officeart/2005/8/layout/hierarchy2"/>
+    <dgm:cxn modelId="{B44F1F81-DAA4-466B-8ED8-2BE8BFC5B069}" type="presParOf" srcId="{D828FED6-1DCD-4F54-936E-342AA904F8A2}" destId="{0C68AFF5-B9AA-4692-8C60-E7194F966614}" srcOrd="1" destOrd="0" presId="urn:microsoft.com/office/officeart/2005/8/layout/hierarchy2"/>
+    <dgm:cxn modelId="{DD8F4D2E-190E-48EC-B1F0-6C2CA041BC22}" type="presParOf" srcId="{0C68AFF5-B9AA-4692-8C60-E7194F966614}" destId="{53849AAB-7F70-484D-A1A6-B53F1DD8DFE5}" srcOrd="0" destOrd="0" presId="urn:microsoft.com/office/officeart/2005/8/layout/hierarchy2"/>
+    <dgm:cxn modelId="{08BCC54C-DBD1-4E1D-8FFF-439BABAD5DA5}" type="presParOf" srcId="{53849AAB-7F70-484D-A1A6-B53F1DD8DFE5}" destId="{31D9BE34-4863-47D3-87B1-A29E94B95567}" srcOrd="0" destOrd="0" presId="urn:microsoft.com/office/officeart/2005/8/layout/hierarchy2"/>
+    <dgm:cxn modelId="{B54430A4-D653-497E-8D9C-F4B5C57A769C}" type="presParOf" srcId="{0C68AFF5-B9AA-4692-8C60-E7194F966614}" destId="{7EE1203E-0FC7-45FC-85B7-43ED2C0114A4}" srcOrd="1" destOrd="0" presId="urn:microsoft.com/office/officeart/2005/8/layout/hierarchy2"/>
+    <dgm:cxn modelId="{C3F35228-E8DB-4AAE-82E4-965B85C20328}" type="presParOf" srcId="{7EE1203E-0FC7-45FC-85B7-43ED2C0114A4}" destId="{DD5EBFFC-A722-4AB2-89B0-0B1C4E0C9C86}" srcOrd="0" destOrd="0" presId="urn:microsoft.com/office/officeart/2005/8/layout/hierarchy2"/>
+    <dgm:cxn modelId="{CE900B03-2242-43F2-9DC1-F62C92020050}" type="presParOf" srcId="{7EE1203E-0FC7-45FC-85B7-43ED2C0114A4}" destId="{FA8C07EE-30FE-4005-829A-54EFF7A01760}" srcOrd="1" destOrd="0" presId="urn:microsoft.com/office/officeart/2005/8/layout/hierarchy2"/>
+    <dgm:cxn modelId="{329E8F06-791A-4F41-AB44-7A3755E1B2E9}" type="presParOf" srcId="{FB7261E5-26D4-447B-8423-E423387A1DB7}" destId="{B37933A7-581F-4B09-80DC-1A672DC67D19}" srcOrd="8" destOrd="0" presId="urn:microsoft.com/office/officeart/2005/8/layout/hierarchy2"/>
+    <dgm:cxn modelId="{FF902F68-80C2-49D1-A6B8-FF688F03FC02}" type="presParOf" srcId="{B37933A7-581F-4B09-80DC-1A672DC67D19}" destId="{E54FFAC4-0083-4D7C-85A4-651FD575ED50}" srcOrd="0" destOrd="0" presId="urn:microsoft.com/office/officeart/2005/8/layout/hierarchy2"/>
+    <dgm:cxn modelId="{33ACE4DA-8E80-4BF6-B36F-92B569F37A21}" type="presParOf" srcId="{FB7261E5-26D4-447B-8423-E423387A1DB7}" destId="{222C4F13-4F12-4E3E-9AAF-DD9D410FF8EF}" srcOrd="9" destOrd="0" presId="urn:microsoft.com/office/officeart/2005/8/layout/hierarchy2"/>
+    <dgm:cxn modelId="{0F6CA2CA-99AE-4C6B-B063-85D12EAE866D}" type="presParOf" srcId="{222C4F13-4F12-4E3E-9AAF-DD9D410FF8EF}" destId="{F106D733-4D18-44E9-AE84-8729F86F9A7B}" srcOrd="0" destOrd="0" presId="urn:microsoft.com/office/officeart/2005/8/layout/hierarchy2"/>
+    <dgm:cxn modelId="{F0024831-C9F9-4922-A58F-40888BBB6404}" type="presParOf" srcId="{222C4F13-4F12-4E3E-9AAF-DD9D410FF8EF}" destId="{D9BA8342-BCD9-45EA-9618-EEB73F745314}" srcOrd="1" destOrd="0" presId="urn:microsoft.com/office/officeart/2005/8/layout/hierarchy2"/>
+    <dgm:cxn modelId="{ADD569F0-8BC9-49F6-A6B6-CE6CD6CB5656}" type="presParOf" srcId="{D9BA8342-BCD9-45EA-9618-EEB73F745314}" destId="{264510F1-D46C-4B9D-A1DA-5D1C72DB4C2C}" srcOrd="0" destOrd="0" presId="urn:microsoft.com/office/officeart/2005/8/layout/hierarchy2"/>
+    <dgm:cxn modelId="{29286A7E-54A2-44FA-BC0A-37A3CBD74AC8}" type="presParOf" srcId="{264510F1-D46C-4B9D-A1DA-5D1C72DB4C2C}" destId="{AE2DB920-B6BF-429E-B3FD-F2D6C0C0B064}" srcOrd="0" destOrd="0" presId="urn:microsoft.com/office/officeart/2005/8/layout/hierarchy2"/>
+    <dgm:cxn modelId="{D724FB03-136A-427A-9FDC-91B45DA421DD}" type="presParOf" srcId="{D9BA8342-BCD9-45EA-9618-EEB73F745314}" destId="{67C1C12D-F255-49A7-82EA-2F8203598E86}" srcOrd="1" destOrd="0" presId="urn:microsoft.com/office/officeart/2005/8/layout/hierarchy2"/>
+    <dgm:cxn modelId="{23A52CAB-A18C-4427-A832-CA4760901D06}" type="presParOf" srcId="{67C1C12D-F255-49A7-82EA-2F8203598E86}" destId="{6B2B5E9F-2EBF-45B7-A8E0-B8E78CC93865}" srcOrd="0" destOrd="0" presId="urn:microsoft.com/office/officeart/2005/8/layout/hierarchy2"/>
+    <dgm:cxn modelId="{3C37FB74-C61A-413F-8611-BB0C2E54EC73}" type="presParOf" srcId="{67C1C12D-F255-49A7-82EA-2F8203598E86}" destId="{473A064E-CBB1-4162-B306-976BE2139680}" srcOrd="1" destOrd="0" presId="urn:microsoft.com/office/officeart/2005/8/layout/hierarchy2"/>
+    <dgm:cxn modelId="{DAB45863-202B-438D-A7B2-F790A388E827}" type="presParOf" srcId="{473A064E-CBB1-4162-B306-976BE2139680}" destId="{C4060063-10F1-47DC-BDD6-8740C4B8A1B4}" srcOrd="0" destOrd="0" presId="urn:microsoft.com/office/officeart/2005/8/layout/hierarchy2"/>
+    <dgm:cxn modelId="{41D64A3B-A648-4A68-A7D8-46B9AD5E816D}" type="presParOf" srcId="{C4060063-10F1-47DC-BDD6-8740C4B8A1B4}" destId="{E6E0835C-70C6-4F8D-8FA4-D27085349DBA}" srcOrd="0" destOrd="0" presId="urn:microsoft.com/office/officeart/2005/8/layout/hierarchy2"/>
+    <dgm:cxn modelId="{621BC42E-9A50-4E8D-BA73-77E30AAE958C}" type="presParOf" srcId="{473A064E-CBB1-4162-B306-976BE2139680}" destId="{C8AAEF82-3CC8-4E48-97A7-1B5E313ADF90}" srcOrd="1" destOrd="0" presId="urn:microsoft.com/office/officeart/2005/8/layout/hierarchy2"/>
+    <dgm:cxn modelId="{F8F2D538-9281-481B-B786-8790928E62F6}" type="presParOf" srcId="{C8AAEF82-3CC8-4E48-97A7-1B5E313ADF90}" destId="{B4D4BC37-43D5-4A51-B84F-131B2101F5C4}" srcOrd="0" destOrd="0" presId="urn:microsoft.com/office/officeart/2005/8/layout/hierarchy2"/>
+    <dgm:cxn modelId="{2A828BCE-7EBC-480F-A004-E2939BC310B6}" type="presParOf" srcId="{C8AAEF82-3CC8-4E48-97A7-1B5E313ADF90}" destId="{01623E14-D68C-4FC0-B7FA-653119450436}" srcOrd="1" destOrd="0" presId="urn:microsoft.com/office/officeart/2005/8/layout/hierarchy2"/>
+    <dgm:cxn modelId="{5DBBC2CE-6D7E-4606-9526-A8D09BC971BC}" type="presParOf" srcId="{D9BA8342-BCD9-45EA-9618-EEB73F745314}" destId="{11767DAC-E465-47AF-A168-BECB10E544FF}" srcOrd="2" destOrd="0" presId="urn:microsoft.com/office/officeart/2005/8/layout/hierarchy2"/>
+    <dgm:cxn modelId="{B4381B34-FF1C-4A34-B036-A46294362A64}" type="presParOf" srcId="{11767DAC-E465-47AF-A168-BECB10E544FF}" destId="{35D06866-0351-4C8F-9E03-1F846DF64B86}" srcOrd="0" destOrd="0" presId="urn:microsoft.com/office/officeart/2005/8/layout/hierarchy2"/>
+    <dgm:cxn modelId="{FCBA74A0-B21B-4BD7-8296-F7216927FDB8}" type="presParOf" srcId="{D9BA8342-BCD9-45EA-9618-EEB73F745314}" destId="{0569B4F1-0330-4B69-BF79-1222BD0B7D2A}" srcOrd="3" destOrd="0" presId="urn:microsoft.com/office/officeart/2005/8/layout/hierarchy2"/>
+    <dgm:cxn modelId="{63BD5D1C-4F8C-4B04-B1FE-2AA1491BAFD6}" type="presParOf" srcId="{0569B4F1-0330-4B69-BF79-1222BD0B7D2A}" destId="{FCF125C1-8616-4ABD-9AB0-4A1A49D24A67}" srcOrd="0" destOrd="0" presId="urn:microsoft.com/office/officeart/2005/8/layout/hierarchy2"/>
+    <dgm:cxn modelId="{91604945-7251-414F-B7ED-9BC46456DBDE}" type="presParOf" srcId="{0569B4F1-0330-4B69-BF79-1222BD0B7D2A}" destId="{61BD2AEF-BC5E-4318-943E-83B594F59ED0}" srcOrd="1" destOrd="0" presId="urn:microsoft.com/office/officeart/2005/8/layout/hierarchy2"/>
+    <dgm:cxn modelId="{1F1FF9A3-CB10-4CC7-BE11-BFBF840C05B8}" type="presParOf" srcId="{61BD2AEF-BC5E-4318-943E-83B594F59ED0}" destId="{3E66369B-4821-41C1-9911-5AE4B0D73C5A}" srcOrd="0" destOrd="0" presId="urn:microsoft.com/office/officeart/2005/8/layout/hierarchy2"/>
+    <dgm:cxn modelId="{2D6E4713-B208-4BF4-91C8-D91C964C290E}" type="presParOf" srcId="{3E66369B-4821-41C1-9911-5AE4B0D73C5A}" destId="{F3B226C5-98DD-485E-968E-64F0568910A6}" srcOrd="0" destOrd="0" presId="urn:microsoft.com/office/officeart/2005/8/layout/hierarchy2"/>
+    <dgm:cxn modelId="{347AA206-D1E6-4295-986C-EAF65E295465}" type="presParOf" srcId="{61BD2AEF-BC5E-4318-943E-83B594F59ED0}" destId="{4056A31D-0D76-4B03-AD62-540F23E5B54C}" srcOrd="1" destOrd="0" presId="urn:microsoft.com/office/officeart/2005/8/layout/hierarchy2"/>
+    <dgm:cxn modelId="{4C89F7D3-A33B-4539-8A51-E8BDB702FF66}" type="presParOf" srcId="{4056A31D-0D76-4B03-AD62-540F23E5B54C}" destId="{F8EA40AF-547F-4778-ACB0-D2D827FC3D3A}" srcOrd="0" destOrd="0" presId="urn:microsoft.com/office/officeart/2005/8/layout/hierarchy2"/>
+    <dgm:cxn modelId="{33C96CFA-14AD-4EBE-AD93-CB7F2DFA9ED2}" type="presParOf" srcId="{4056A31D-0D76-4B03-AD62-540F23E5B54C}" destId="{F86AD14E-BD1B-427D-BFD9-8BE007E9B695}" srcOrd="1" destOrd="0" presId="urn:microsoft.com/office/officeart/2005/8/layout/hierarchy2"/>
+    <dgm:cxn modelId="{B09AD1A9-F08C-41EA-9B09-E14E5C159C2D}" type="presParOf" srcId="{D9BA8342-BCD9-45EA-9618-EEB73F745314}" destId="{87F7909A-440D-40AC-876B-2232C1AF2660}" srcOrd="4" destOrd="0" presId="urn:microsoft.com/office/officeart/2005/8/layout/hierarchy2"/>
+    <dgm:cxn modelId="{5DFB6D33-9B9E-4B85-86AE-1D68C8391F4F}" type="presParOf" srcId="{87F7909A-440D-40AC-876B-2232C1AF2660}" destId="{A5A96E28-EBAE-4C72-9BD9-7E8E4A6F8BC4}" srcOrd="0" destOrd="0" presId="urn:microsoft.com/office/officeart/2005/8/layout/hierarchy2"/>
+    <dgm:cxn modelId="{12EEF2C5-5193-4F36-92A7-7B40FF3124AF}" type="presParOf" srcId="{D9BA8342-BCD9-45EA-9618-EEB73F745314}" destId="{5A46BCB0-053D-4770-9C0E-A87E7EB4E275}" srcOrd="5" destOrd="0" presId="urn:microsoft.com/office/officeart/2005/8/layout/hierarchy2"/>
+    <dgm:cxn modelId="{4A5D8ED4-CFC8-4E27-8FA8-FDF50B9BFAD1}" type="presParOf" srcId="{5A46BCB0-053D-4770-9C0E-A87E7EB4E275}" destId="{BEE878CC-66AC-46BB-B254-1430ED20255B}" srcOrd="0" destOrd="0" presId="urn:microsoft.com/office/officeart/2005/8/layout/hierarchy2"/>
+    <dgm:cxn modelId="{7F97E483-B1FD-4105-B629-320D188EEA58}" type="presParOf" srcId="{5A46BCB0-053D-4770-9C0E-A87E7EB4E275}" destId="{B55D41D0-55D0-45FB-9307-BBB20B7DC5C5}" srcOrd="1" destOrd="0" presId="urn:microsoft.com/office/officeart/2005/8/layout/hierarchy2"/>
+    <dgm:cxn modelId="{78430932-6AFF-4FE9-8DEA-886F95DBAAD8}" type="presParOf" srcId="{B55D41D0-55D0-45FB-9307-BBB20B7DC5C5}" destId="{EA1D241F-E12F-4D7E-BDAB-98F9EC475487}" srcOrd="0" destOrd="0" presId="urn:microsoft.com/office/officeart/2005/8/layout/hierarchy2"/>
+    <dgm:cxn modelId="{C7B5A33F-6AD9-424B-A662-F0D077167738}" type="presParOf" srcId="{EA1D241F-E12F-4D7E-BDAB-98F9EC475487}" destId="{1DA7B367-DBA7-4C41-9559-471EF152BD59}" srcOrd="0" destOrd="0" presId="urn:microsoft.com/office/officeart/2005/8/layout/hierarchy2"/>
+    <dgm:cxn modelId="{A4FE09F7-04CE-47F2-9CC7-141C17E8D21C}" type="presParOf" srcId="{B55D41D0-55D0-45FB-9307-BBB20B7DC5C5}" destId="{171FC1E7-CD5A-4597-8EBC-BFD1E0AD9411}" srcOrd="1" destOrd="0" presId="urn:microsoft.com/office/officeart/2005/8/layout/hierarchy2"/>
+    <dgm:cxn modelId="{8C0DE7B8-08C3-4142-AD07-8A5A58AAE3B0}" type="presParOf" srcId="{171FC1E7-CD5A-4597-8EBC-BFD1E0AD9411}" destId="{0AA5EBEC-F204-4587-AF0F-C5AAAACBECD6}" srcOrd="0" destOrd="0" presId="urn:microsoft.com/office/officeart/2005/8/layout/hierarchy2"/>
+    <dgm:cxn modelId="{9EA20AEF-411D-4CAB-9989-46E22B6155B8}" type="presParOf" srcId="{171FC1E7-CD5A-4597-8EBC-BFD1E0AD9411}" destId="{25C533A9-237A-4023-B645-4B49FAA05F59}" srcOrd="1" destOrd="0" presId="urn:microsoft.com/office/officeart/2005/8/layout/hierarchy2"/>
+    <dgm:cxn modelId="{22DE2FB2-C1C1-45F4-A286-19F046FAEA58}" type="presParOf" srcId="{FB7261E5-26D4-447B-8423-E423387A1DB7}" destId="{16BE6CC5-03EE-4579-AE70-9EBD1646542A}" srcOrd="10" destOrd="0" presId="urn:microsoft.com/office/officeart/2005/8/layout/hierarchy2"/>
+    <dgm:cxn modelId="{0E2E3F7E-4363-4C5B-B791-83BEC1605FDF}" type="presParOf" srcId="{16BE6CC5-03EE-4579-AE70-9EBD1646542A}" destId="{78256481-66C4-4A91-99FA-69FAAFA9D8B3}" srcOrd="0" destOrd="0" presId="urn:microsoft.com/office/officeart/2005/8/layout/hierarchy2"/>
+    <dgm:cxn modelId="{371F6FDF-001F-4BF4-9E57-5CF2DB4807E6}" type="presParOf" srcId="{FB7261E5-26D4-447B-8423-E423387A1DB7}" destId="{CF801885-5319-45A5-9AB5-20CE8FB7D4AD}" srcOrd="11" destOrd="0" presId="urn:microsoft.com/office/officeart/2005/8/layout/hierarchy2"/>
+    <dgm:cxn modelId="{29D28654-3385-40B7-B0FA-289D753C49E4}" type="presParOf" srcId="{CF801885-5319-45A5-9AB5-20CE8FB7D4AD}" destId="{93D42AC6-A3DC-4E75-AC1A-64F14A3342BE}" srcOrd="0" destOrd="0" presId="urn:microsoft.com/office/officeart/2005/8/layout/hierarchy2"/>
+    <dgm:cxn modelId="{40C55478-6F30-499E-B556-92379374FE13}" type="presParOf" srcId="{CF801885-5319-45A5-9AB5-20CE8FB7D4AD}" destId="{D739457D-0A80-47AB-9142-B33F644CB507}" srcOrd="1" destOrd="0" presId="urn:microsoft.com/office/officeart/2005/8/layout/hierarchy2"/>
+    <dgm:cxn modelId="{A520FC90-0F4A-4EEC-BAE0-52CAF74AE396}" type="presParOf" srcId="{D739457D-0A80-47AB-9142-B33F644CB507}" destId="{697138B6-5440-4F79-9A46-846D5EECD3FD}" srcOrd="0" destOrd="0" presId="urn:microsoft.com/office/officeart/2005/8/layout/hierarchy2"/>
+    <dgm:cxn modelId="{FA42DD77-4620-4FC4-9DC0-2455B7DBCC75}" type="presParOf" srcId="{697138B6-5440-4F79-9A46-846D5EECD3FD}" destId="{D890A412-ED49-4F6C-955F-73FD46A96135}" srcOrd="0" destOrd="0" presId="urn:microsoft.com/office/officeart/2005/8/layout/hierarchy2"/>
+    <dgm:cxn modelId="{3F687B68-F782-4F1C-9606-038728EF79BF}" type="presParOf" srcId="{D739457D-0A80-47AB-9142-B33F644CB507}" destId="{F68E8A9F-8402-4D3F-A92A-01FE588BDF41}" srcOrd="1" destOrd="0" presId="urn:microsoft.com/office/officeart/2005/8/layout/hierarchy2"/>
+    <dgm:cxn modelId="{814052C8-F52B-43F3-93D2-530BF754FD17}" type="presParOf" srcId="{F68E8A9F-8402-4D3F-A92A-01FE588BDF41}" destId="{09ED80D0-5939-46D2-868B-CF9B367D33C4}" srcOrd="0" destOrd="0" presId="urn:microsoft.com/office/officeart/2005/8/layout/hierarchy2"/>
+    <dgm:cxn modelId="{1596335C-77A9-4646-A9F7-D4EC2940D83F}" type="presParOf" srcId="{F68E8A9F-8402-4D3F-A92A-01FE588BDF41}" destId="{FC52123B-7EF0-4D13-8AB9-03B3907372A2}" srcOrd="1" destOrd="0" presId="urn:microsoft.com/office/officeart/2005/8/layout/hierarchy2"/>
   </dgm:cxnLst>
   <dgm:bg/>
   <dgm:whole/>
@@ -8612,7 +8666,7 @@
     </p:spTree>
     <p:extLst>
       <p:ext uri="{BB962C8B-B14F-4D97-AF65-F5344CB8AC3E}">
-        <p14:creationId xmlns="" xmlns:p14="http://schemas.microsoft.com/office/powerpoint/2007/7/12/main" val="3216856891"/>
+        <p14:creationId xmlns:p14="http://schemas.microsoft.com/office/powerpoint/2007/7/12/main" xmlns="" val="3216856891"/>
       </p:ext>
     </p:extLst>
   </p:cSld>
@@ -8917,7 +8971,7 @@
     </p:spTree>
     <p:extLst>
       <p:ext uri="{BB962C8B-B14F-4D97-AF65-F5344CB8AC3E}">
-        <p14:creationId xmlns="" xmlns:p14="http://schemas.microsoft.com/office/powerpoint/2007/7/12/main" val="3483236166"/>
+        <p14:creationId xmlns:p14="http://schemas.microsoft.com/office/powerpoint/2007/7/12/main" xmlns="" val="3483236166"/>
       </p:ext>
     </p:extLst>
   </p:cSld>
@@ -10795,7 +10849,7 @@
           <a:blip r:embed="rId4">
             <a:extLst>
               <a:ext uri="28A0092B-C50C-407e-A947-70E740481C1C">
-                <a14:useLocalDpi xmlns="" xmlns:a14="http://schemas.microsoft.com/office/drawing/2007/7/7/main" val="0"/>
+                <a14:useLocalDpi xmlns:a14="http://schemas.microsoft.com/office/drawing/2007/7/7/main" xmlns="" val="0"/>
               </a:ext>
             </a:extLst>
           </a:blip>
@@ -10815,14 +10869,14 @@
           <a:noFill/>
           <a:extLst>
             <a:ext uri="{909E8E84-426E-40dd-AFC4-6F175D3DCCD1}">
-              <a14:hiddenFill xmlns="" xmlns:a14="http://schemas.microsoft.com/office/drawing/2007/7/7/main">
+              <a14:hiddenFill xmlns:a14="http://schemas.microsoft.com/office/drawing/2007/7/7/main" xmlns="">
                 <a:solidFill>
                   <a:schemeClr val="accent1"/>
                 </a:solidFill>
               </a14:hiddenFill>
             </a:ext>
             <a:ext uri="{91240B29-F687-4f45-9708-019B960494DF}">
-              <a14:hiddenLine xmlns="" xmlns:a14="http://schemas.microsoft.com/office/drawing/2007/7/7/main" w="9525">
+              <a14:hiddenLine xmlns:a14="http://schemas.microsoft.com/office/drawing/2007/7/7/main" xmlns="" w="9525">
                 <a:solidFill>
                   <a:schemeClr val="tx1"/>
                 </a:solidFill>
@@ -10832,7 +10886,7 @@
               </a14:hiddenLine>
             </a:ext>
             <a:ext uri="{AF507438-7753-43e0-B8FC-AC1667EBCBE1}">
-              <a14:hiddenEffects xmlns="" xmlns:a14="http://schemas.microsoft.com/office/drawing/2007/7/7/main">
+              <a14:hiddenEffects xmlns:a14="http://schemas.microsoft.com/office/drawing/2007/7/7/main" xmlns="">
                 <a:effectLst>
                   <a:outerShdw dist="35921" dir="2700000" algn="ctr" rotWithShape="0">
                     <a:schemeClr val="bg2"/>
@@ -10846,7 +10900,7 @@
     </p:spTree>
     <p:extLst>
       <p:ext uri="{BB962C8B-B14F-4D97-AF65-F5344CB8AC3E}">
-        <p14:creationId xmlns="" xmlns:p14="http://schemas.microsoft.com/office/powerpoint/2007/7/12/main" val="1066328049"/>
+        <p14:creationId xmlns:p14="http://schemas.microsoft.com/office/powerpoint/2007/7/12/main" xmlns="" val="1066328049"/>
       </p:ext>
     </p:extLst>
   </p:cSld>
@@ -11300,7 +11354,19 @@
                 <a:latin typeface="+mn-lt"/>
                 <a:cs typeface="+mn-cs"/>
               </a:rPr>
-              <a:t> / 26    </a:t>
+              <a:t> / </a:t>
+            </a:r>
+            <a:r>
+              <a:rPr lang="fr-FR" sz="1100" b="1" kern="0" dirty="0" smtClean="0">
+                <a:solidFill>
+                  <a:schemeClr val="bg1">
+                    <a:lumMod val="65000"/>
+                  </a:schemeClr>
+                </a:solidFill>
+                <a:latin typeface="+mn-lt"/>
+                <a:cs typeface="+mn-cs"/>
+              </a:rPr>
+              <a:t>15    </a:t>
             </a:r>
             <a:endParaRPr lang="fr-FR" sz="1100" b="1" kern="0" dirty="0">
               <a:solidFill>
@@ -12198,7 +12264,7 @@
           <a:p>
             <a:pPr algn="ctr"/>
             <a:r>
-              <a:rPr lang="fr-FR" b="1" i="1" dirty="0" smtClean="0">
+              <a:rPr lang="fr-FR" sz="1600" b="1" i="1" dirty="0" smtClean="0">
                 <a:effectLst>
                   <a:outerShdw blurRad="38100" dist="38100" dir="2700000" algn="tl">
                     <a:srgbClr val="000000">
@@ -12207,10 +12273,10 @@
                   </a:outerShdw>
                 </a:effectLst>
               </a:rPr>
-              <a:t>ADL </a:t>
-            </a:r>
-            <a:r>
-              <a:rPr lang="fr-FR" b="1" i="1" dirty="0" err="1" smtClean="0">
+              <a:t>ATAM </a:t>
+            </a:r>
+            <a:r>
+              <a:rPr lang="fr-FR" sz="1600" b="1" i="1" dirty="0" err="1" smtClean="0">
                 <a:effectLst>
                   <a:outerShdw blurRad="38100" dist="38100" dir="2700000" algn="tl">
                     <a:srgbClr val="000000">
@@ -12219,7 +12285,19 @@
                   </a:outerShdw>
                 </a:effectLst>
               </a:rPr>
-              <a:t>presentation</a:t>
+              <a:t>method</a:t>
+            </a:r>
+            <a:r>
+              <a:rPr lang="fr-FR" sz="1600" b="1" i="1" dirty="0" smtClean="0">
+                <a:effectLst>
+                  <a:outerShdw blurRad="38100" dist="38100" dir="2700000" algn="tl">
+                    <a:srgbClr val="000000">
+                      <a:alpha val="43137"/>
+                    </a:srgbClr>
+                  </a:outerShdw>
+                </a:effectLst>
+              </a:rPr>
+              <a:t> - Part 1</a:t>
             </a:r>
             <a:endParaRPr lang="fr-FR" b="1" i="1" dirty="0" smtClean="0">
               <a:effectLst>
@@ -12229,6 +12307,5611 @@
                   </a:srgbClr>
                 </a:outerShdw>
               </a:effectLst>
+            </a:endParaRPr>
+          </a:p>
+        </p:txBody>
+      </p:sp>
+    </p:spTree>
+  </p:cSld>
+  <p:clrMapOvr>
+    <a:masterClrMapping/>
+  </p:clrMapOvr>
+  <p:timing>
+    <p:tnLst>
+      <p:par>
+        <p:cTn id="1" dur="indefinite" restart="never" nodeType="tmRoot"/>
+      </p:par>
+    </p:tnLst>
+  </p:timing>
+</p:sld>
+</file>
+
+<file path=ppt/slides/slide10.xml><?xml version="1.0" encoding="utf-8"?>
+<p:sld xmlns:a="http://schemas.openxmlformats.org/drawingml/2006/main" xmlns:r="http://schemas.openxmlformats.org/officeDocument/2006/relationships" xmlns:p="http://schemas.openxmlformats.org/presentationml/2006/main">
+  <p:cSld>
+    <p:spTree>
+      <p:nvGrpSpPr>
+        <p:cNvPr id="1" name=""/>
+        <p:cNvGrpSpPr/>
+        <p:nvPr/>
+      </p:nvGrpSpPr>
+      <p:grpSpPr>
+        <a:xfrm>
+          <a:off x="0" y="0"/>
+          <a:ext cx="0" cy="0"/>
+          <a:chOff x="0" y="0"/>
+          <a:chExt cx="0" cy="0"/>
+        </a:xfrm>
+      </p:grpSpPr>
+      <p:sp>
+        <p:nvSpPr>
+          <p:cNvPr id="2" name="Titre 1"/>
+          <p:cNvSpPr>
+            <a:spLocks noGrp="1"/>
+          </p:cNvSpPr>
+          <p:nvPr>
+            <p:ph type="ctrTitle"/>
+          </p:nvPr>
+        </p:nvSpPr>
+        <p:spPr/>
+        <p:txBody>
+          <a:bodyPr/>
+          <a:lstStyle/>
+          <a:p>
+            <a:r>
+              <a:rPr smtClean="0"/>
+              <a:t>3. </a:t>
+            </a:r>
+            <a:r>
+              <a:rPr lang="fr-FR" dirty="0" smtClean="0"/>
+              <a:t>O</a:t>
+            </a:r>
+            <a:r>
+              <a:rPr smtClean="0"/>
+              <a:t>verall architecture </a:t>
+            </a:r>
+            <a:endParaRPr lang="fr-FR" dirty="0"/>
+          </a:p>
+        </p:txBody>
+      </p:sp>
+      <p:sp>
+        <p:nvSpPr>
+          <p:cNvPr id="4" name="Rectangle 3"/>
+          <p:cNvSpPr/>
+          <p:nvPr/>
+        </p:nvSpPr>
+        <p:spPr>
+          <a:xfrm>
+            <a:off x="5857884" y="4357694"/>
+            <a:ext cx="2000264" cy="714380"/>
+          </a:xfrm>
+          <a:prstGeom prst="rect">
+            <a:avLst/>
+          </a:prstGeom>
+          <a:effectLst>
+            <a:outerShdw blurRad="50800" dist="38100" dir="2700000" algn="tl" rotWithShape="0">
+              <a:prstClr val="black">
+                <a:alpha val="40000"/>
+              </a:prstClr>
+            </a:outerShdw>
+          </a:effectLst>
+        </p:spPr>
+        <p:style>
+          <a:lnRef idx="2">
+            <a:schemeClr val="accent6"/>
+          </a:lnRef>
+          <a:fillRef idx="1">
+            <a:schemeClr val="lt1"/>
+          </a:fillRef>
+          <a:effectRef idx="0">
+            <a:schemeClr val="accent6"/>
+          </a:effectRef>
+          <a:fontRef idx="minor">
+            <a:schemeClr val="dk1"/>
+          </a:fontRef>
+        </p:style>
+        <p:txBody>
+          <a:bodyPr rtlCol="0" anchor="ctr"/>
+          <a:lstStyle/>
+          <a:p>
+            <a:pPr algn="ctr"/>
+            <a:r>
+              <a:rPr lang="fr-FR" dirty="0" smtClean="0"/>
+              <a:t>FDIR data </a:t>
+            </a:r>
+            <a:r>
+              <a:rPr lang="fr-FR" dirty="0" err="1" smtClean="0"/>
+              <a:t>storage</a:t>
+            </a:r>
+            <a:r>
+              <a:rPr lang="fr-FR" dirty="0" smtClean="0"/>
+              <a:t> system</a:t>
+            </a:r>
+            <a:endParaRPr lang="fr-FR" dirty="0"/>
+          </a:p>
+        </p:txBody>
+      </p:sp>
+      <p:sp>
+        <p:nvSpPr>
+          <p:cNvPr id="5" name="Rectangle 4"/>
+          <p:cNvSpPr/>
+          <p:nvPr/>
+        </p:nvSpPr>
+        <p:spPr>
+          <a:xfrm>
+            <a:off x="1214414" y="2714620"/>
+            <a:ext cx="2000264" cy="714380"/>
+          </a:xfrm>
+          <a:prstGeom prst="rect">
+            <a:avLst/>
+          </a:prstGeom>
+          <a:effectLst>
+            <a:outerShdw blurRad="50800" dist="38100" dir="2700000" algn="tl" rotWithShape="0">
+              <a:prstClr val="black">
+                <a:alpha val="40000"/>
+              </a:prstClr>
+            </a:outerShdw>
+          </a:effectLst>
+        </p:spPr>
+        <p:style>
+          <a:lnRef idx="2">
+            <a:schemeClr val="accent6"/>
+          </a:lnRef>
+          <a:fillRef idx="1">
+            <a:schemeClr val="lt1"/>
+          </a:fillRef>
+          <a:effectRef idx="0">
+            <a:schemeClr val="accent6"/>
+          </a:effectRef>
+          <a:fontRef idx="minor">
+            <a:schemeClr val="dk1"/>
+          </a:fontRef>
+        </p:style>
+        <p:txBody>
+          <a:bodyPr rtlCol="0" anchor="ctr"/>
+          <a:lstStyle/>
+          <a:p>
+            <a:pPr algn="ctr"/>
+            <a:r>
+              <a:rPr lang="fr-FR" dirty="0" smtClean="0"/>
+              <a:t>Information </a:t>
+            </a:r>
+            <a:r>
+              <a:rPr lang="fr-FR" dirty="0" err="1" smtClean="0"/>
+              <a:t>displayer</a:t>
+            </a:r>
+            <a:endParaRPr lang="fr-FR" dirty="0"/>
+          </a:p>
+        </p:txBody>
+      </p:sp>
+      <p:sp>
+        <p:nvSpPr>
+          <p:cNvPr id="6" name="Rectangle 5"/>
+          <p:cNvSpPr/>
+          <p:nvPr/>
+        </p:nvSpPr>
+        <p:spPr>
+          <a:xfrm>
+            <a:off x="1214414" y="4357694"/>
+            <a:ext cx="2000264" cy="714380"/>
+          </a:xfrm>
+          <a:prstGeom prst="rect">
+            <a:avLst/>
+          </a:prstGeom>
+          <a:effectLst>
+            <a:outerShdw blurRad="50800" dist="38100" dir="2700000" algn="tl" rotWithShape="0">
+              <a:prstClr val="black">
+                <a:alpha val="40000"/>
+              </a:prstClr>
+            </a:outerShdw>
+          </a:effectLst>
+        </p:spPr>
+        <p:style>
+          <a:lnRef idx="2">
+            <a:schemeClr val="accent6"/>
+          </a:lnRef>
+          <a:fillRef idx="1">
+            <a:schemeClr val="lt1"/>
+          </a:fillRef>
+          <a:effectRef idx="0">
+            <a:schemeClr val="accent6"/>
+          </a:effectRef>
+          <a:fontRef idx="minor">
+            <a:schemeClr val="dk1"/>
+          </a:fontRef>
+        </p:style>
+        <p:txBody>
+          <a:bodyPr rtlCol="0" anchor="ctr"/>
+          <a:lstStyle/>
+          <a:p>
+            <a:pPr algn="ctr"/>
+            <a:r>
+              <a:rPr lang="fr-FR" b="1" dirty="0" smtClean="0">
+                <a:effectLst>
+                  <a:outerShdw blurRad="38100" dist="38100" dir="2700000" algn="tl">
+                    <a:srgbClr val="000000">
+                      <a:alpha val="43137"/>
+                    </a:srgbClr>
+                  </a:outerShdw>
+                </a:effectLst>
+              </a:rPr>
+              <a:t>FDIR </a:t>
+            </a:r>
+            <a:r>
+              <a:rPr lang="fr-FR" b="1" dirty="0" err="1" smtClean="0">
+                <a:effectLst>
+                  <a:outerShdw blurRad="38100" dist="38100" dir="2700000" algn="tl">
+                    <a:srgbClr val="000000">
+                      <a:alpha val="43137"/>
+                    </a:srgbClr>
+                  </a:outerShdw>
+                </a:effectLst>
+              </a:rPr>
+              <a:t>fault</a:t>
+            </a:r>
+            <a:r>
+              <a:rPr lang="fr-FR" b="1" dirty="0" smtClean="0">
+                <a:effectLst>
+                  <a:outerShdw blurRad="38100" dist="38100" dir="2700000" algn="tl">
+                    <a:srgbClr val="000000">
+                      <a:alpha val="43137"/>
+                    </a:srgbClr>
+                  </a:outerShdw>
+                </a:effectLst>
+              </a:rPr>
+              <a:t> detector</a:t>
+            </a:r>
+            <a:endParaRPr lang="fr-FR" b="1" dirty="0">
+              <a:effectLst>
+                <a:outerShdw blurRad="38100" dist="38100" dir="2700000" algn="tl">
+                  <a:srgbClr val="000000">
+                    <a:alpha val="43137"/>
+                  </a:srgbClr>
+                </a:outerShdw>
+              </a:effectLst>
+            </a:endParaRPr>
+          </a:p>
+        </p:txBody>
+      </p:sp>
+      <p:sp>
+        <p:nvSpPr>
+          <p:cNvPr id="21" name="Rectangle 20"/>
+          <p:cNvSpPr/>
+          <p:nvPr/>
+        </p:nvSpPr>
+        <p:spPr>
+          <a:xfrm>
+            <a:off x="5857884" y="2786058"/>
+            <a:ext cx="2000264" cy="714380"/>
+          </a:xfrm>
+          <a:prstGeom prst="rect">
+            <a:avLst/>
+          </a:prstGeom>
+          <a:effectLst>
+            <a:outerShdw blurRad="50800" dist="38100" dir="2700000" algn="tl" rotWithShape="0">
+              <a:prstClr val="black">
+                <a:alpha val="40000"/>
+              </a:prstClr>
+            </a:outerShdw>
+          </a:effectLst>
+        </p:spPr>
+        <p:style>
+          <a:lnRef idx="2">
+            <a:schemeClr val="accent6"/>
+          </a:lnRef>
+          <a:fillRef idx="1">
+            <a:schemeClr val="lt1"/>
+          </a:fillRef>
+          <a:effectRef idx="0">
+            <a:schemeClr val="accent6"/>
+          </a:effectRef>
+          <a:fontRef idx="minor">
+            <a:schemeClr val="dk1"/>
+          </a:fontRef>
+        </p:style>
+        <p:txBody>
+          <a:bodyPr rtlCol="0" anchor="ctr"/>
+          <a:lstStyle/>
+          <a:p>
+            <a:pPr algn="ctr"/>
+            <a:r>
+              <a:rPr lang="fr-FR" dirty="0" smtClean="0"/>
+              <a:t>FDIR </a:t>
+            </a:r>
+            <a:r>
+              <a:rPr lang="fr-FR" dirty="0" err="1" smtClean="0"/>
+              <a:t>fault</a:t>
+            </a:r>
+            <a:r>
+              <a:rPr lang="fr-FR" dirty="0" smtClean="0"/>
+              <a:t> </a:t>
+            </a:r>
+            <a:r>
+              <a:rPr lang="fr-FR" dirty="0" err="1" smtClean="0"/>
+              <a:t>analyzer</a:t>
+            </a:r>
+            <a:endParaRPr lang="fr-FR" dirty="0"/>
+          </a:p>
+        </p:txBody>
+      </p:sp>
+      <p:sp>
+        <p:nvSpPr>
+          <p:cNvPr id="22" name="Rectangle 21"/>
+          <p:cNvSpPr/>
+          <p:nvPr/>
+        </p:nvSpPr>
+        <p:spPr>
+          <a:xfrm>
+            <a:off x="5857884" y="1285860"/>
+            <a:ext cx="2000264" cy="714380"/>
+          </a:xfrm>
+          <a:prstGeom prst="rect">
+            <a:avLst/>
+          </a:prstGeom>
+          <a:effectLst>
+            <a:outerShdw blurRad="50800" dist="38100" dir="2700000" algn="tl" rotWithShape="0">
+              <a:prstClr val="black">
+                <a:alpha val="40000"/>
+              </a:prstClr>
+            </a:outerShdw>
+          </a:effectLst>
+        </p:spPr>
+        <p:style>
+          <a:lnRef idx="2">
+            <a:schemeClr val="accent6"/>
+          </a:lnRef>
+          <a:fillRef idx="1">
+            <a:schemeClr val="lt1"/>
+          </a:fillRef>
+          <a:effectRef idx="0">
+            <a:schemeClr val="accent6"/>
+          </a:effectRef>
+          <a:fontRef idx="minor">
+            <a:schemeClr val="dk1"/>
+          </a:fontRef>
+        </p:style>
+        <p:txBody>
+          <a:bodyPr rtlCol="0" anchor="ctr"/>
+          <a:lstStyle/>
+          <a:p>
+            <a:pPr algn="ctr"/>
+            <a:r>
+              <a:rPr lang="fr-FR" b="1" dirty="0" smtClean="0">
+                <a:effectLst>
+                  <a:outerShdw blurRad="38100" dist="38100" dir="2700000" algn="tl">
+                    <a:srgbClr val="000000">
+                      <a:alpha val="43137"/>
+                    </a:srgbClr>
+                  </a:outerShdw>
+                </a:effectLst>
+              </a:rPr>
+              <a:t>FDIR control system</a:t>
+            </a:r>
+            <a:endParaRPr lang="fr-FR" b="1" dirty="0">
+              <a:effectLst>
+                <a:outerShdw blurRad="38100" dist="38100" dir="2700000" algn="tl">
+                  <a:srgbClr val="000000">
+                    <a:alpha val="43137"/>
+                  </a:srgbClr>
+                </a:outerShdw>
+              </a:effectLst>
+            </a:endParaRPr>
+          </a:p>
+        </p:txBody>
+      </p:sp>
+      <p:sp>
+        <p:nvSpPr>
+          <p:cNvPr id="26" name="Ellipse 25"/>
+          <p:cNvSpPr/>
+          <p:nvPr/>
+        </p:nvSpPr>
+        <p:spPr>
+          <a:xfrm>
+            <a:off x="2071670" y="5786454"/>
+            <a:ext cx="285752" cy="285752"/>
+          </a:xfrm>
+          <a:prstGeom prst="ellipse">
+            <a:avLst/>
+          </a:prstGeom>
+          <a:effectLst>
+            <a:outerShdw blurRad="50800" dist="38100" dir="2700000" algn="tl" rotWithShape="0">
+              <a:prstClr val="black">
+                <a:alpha val="40000"/>
+              </a:prstClr>
+            </a:outerShdw>
+          </a:effectLst>
+        </p:spPr>
+        <p:style>
+          <a:lnRef idx="2">
+            <a:schemeClr val="accent6"/>
+          </a:lnRef>
+          <a:fillRef idx="1">
+            <a:schemeClr val="lt1"/>
+          </a:fillRef>
+          <a:effectRef idx="0">
+            <a:schemeClr val="accent6"/>
+          </a:effectRef>
+          <a:fontRef idx="minor">
+            <a:schemeClr val="dk1"/>
+          </a:fontRef>
+        </p:style>
+        <p:txBody>
+          <a:bodyPr rtlCol="0" anchor="ctr"/>
+          <a:lstStyle/>
+          <a:p>
+            <a:pPr algn="ctr"/>
+            <a:endParaRPr lang="fr-FR"/>
+          </a:p>
+        </p:txBody>
+      </p:sp>
+      <p:cxnSp>
+        <p:nvCxnSpPr>
+          <p:cNvPr id="29" name="Connecteur en angle 28"/>
+          <p:cNvCxnSpPr>
+            <a:stCxn id="6" idx="3"/>
+            <a:endCxn id="4" idx="1"/>
+          </p:cNvCxnSpPr>
+          <p:nvPr/>
+        </p:nvCxnSpPr>
+        <p:spPr>
+          <a:xfrm>
+            <a:off x="3214678" y="4714884"/>
+            <a:ext cx="2643206" cy="1588"/>
+          </a:xfrm>
+          <a:prstGeom prst="bentConnector3">
+            <a:avLst>
+              <a:gd name="adj1" fmla="val 50000"/>
+            </a:avLst>
+          </a:prstGeom>
+          <a:ln>
+            <a:tailEnd type="arrow"/>
+          </a:ln>
+        </p:spPr>
+        <p:style>
+          <a:lnRef idx="2">
+            <a:schemeClr val="accent6"/>
+          </a:lnRef>
+          <a:fillRef idx="0">
+            <a:schemeClr val="accent6"/>
+          </a:fillRef>
+          <a:effectRef idx="1">
+            <a:schemeClr val="accent6"/>
+          </a:effectRef>
+          <a:fontRef idx="minor">
+            <a:schemeClr val="tx1"/>
+          </a:fontRef>
+        </p:style>
+      </p:cxnSp>
+      <p:sp>
+        <p:nvSpPr>
+          <p:cNvPr id="33" name="Rectangle 32"/>
+          <p:cNvSpPr/>
+          <p:nvPr/>
+        </p:nvSpPr>
+        <p:spPr>
+          <a:xfrm>
+            <a:off x="1214414" y="1214422"/>
+            <a:ext cx="2000264" cy="714380"/>
+          </a:xfrm>
+          <a:prstGeom prst="rect">
+            <a:avLst/>
+          </a:prstGeom>
+          <a:effectLst>
+            <a:outerShdw blurRad="50800" dist="38100" dir="2700000" algn="tl" rotWithShape="0">
+              <a:prstClr val="black">
+                <a:alpha val="40000"/>
+              </a:prstClr>
+            </a:outerShdw>
+          </a:effectLst>
+        </p:spPr>
+        <p:style>
+          <a:lnRef idx="2">
+            <a:schemeClr val="accent6"/>
+          </a:lnRef>
+          <a:fillRef idx="1">
+            <a:schemeClr val="lt1"/>
+          </a:fillRef>
+          <a:effectRef idx="0">
+            <a:schemeClr val="accent6"/>
+          </a:effectRef>
+          <a:fontRef idx="minor">
+            <a:schemeClr val="dk1"/>
+          </a:fontRef>
+        </p:style>
+        <p:txBody>
+          <a:bodyPr rtlCol="0" anchor="ctr"/>
+          <a:lstStyle/>
+          <a:p>
+            <a:pPr algn="ctr"/>
+            <a:r>
+              <a:rPr lang="fr-FR" dirty="0" err="1" smtClean="0"/>
+              <a:t>Reporting</a:t>
+            </a:r>
+            <a:r>
+              <a:rPr lang="fr-FR" dirty="0" smtClean="0"/>
+              <a:t> system</a:t>
+            </a:r>
+            <a:endParaRPr lang="fr-FR" dirty="0"/>
+          </a:p>
+        </p:txBody>
+      </p:sp>
+      <p:cxnSp>
+        <p:nvCxnSpPr>
+          <p:cNvPr id="35" name="Connecteur en angle 28"/>
+          <p:cNvCxnSpPr>
+            <a:stCxn id="4" idx="0"/>
+            <a:endCxn id="21" idx="2"/>
+          </p:cNvCxnSpPr>
+          <p:nvPr/>
+        </p:nvCxnSpPr>
+        <p:spPr>
+          <a:xfrm rot="5400000" flipH="1" flipV="1">
+            <a:off x="6429388" y="3929066"/>
+            <a:ext cx="857256" cy="1588"/>
+          </a:xfrm>
+          <a:prstGeom prst="bentConnector3">
+            <a:avLst>
+              <a:gd name="adj1" fmla="val 50000"/>
+            </a:avLst>
+          </a:prstGeom>
+          <a:ln>
+            <a:tailEnd type="arrow"/>
+          </a:ln>
+        </p:spPr>
+        <p:style>
+          <a:lnRef idx="2">
+            <a:schemeClr val="accent6"/>
+          </a:lnRef>
+          <a:fillRef idx="0">
+            <a:schemeClr val="accent6"/>
+          </a:fillRef>
+          <a:effectRef idx="1">
+            <a:schemeClr val="accent6"/>
+          </a:effectRef>
+          <a:fontRef idx="minor">
+            <a:schemeClr val="tx1"/>
+          </a:fontRef>
+        </p:style>
+      </p:cxnSp>
+      <p:cxnSp>
+        <p:nvCxnSpPr>
+          <p:cNvPr id="41" name="Connecteur en angle 28"/>
+          <p:cNvCxnSpPr>
+            <a:stCxn id="21" idx="0"/>
+            <a:endCxn id="22" idx="2"/>
+          </p:cNvCxnSpPr>
+          <p:nvPr/>
+        </p:nvCxnSpPr>
+        <p:spPr>
+          <a:xfrm rot="5400000" flipH="1" flipV="1">
+            <a:off x="6465107" y="2393149"/>
+            <a:ext cx="785818" cy="1588"/>
+          </a:xfrm>
+          <a:prstGeom prst="bentConnector3">
+            <a:avLst>
+              <a:gd name="adj1" fmla="val 50000"/>
+            </a:avLst>
+          </a:prstGeom>
+          <a:ln>
+            <a:headEnd type="none"/>
+            <a:tailEnd type="stealth"/>
+          </a:ln>
+        </p:spPr>
+        <p:style>
+          <a:lnRef idx="3">
+            <a:schemeClr val="accent4"/>
+          </a:lnRef>
+          <a:fillRef idx="0">
+            <a:schemeClr val="accent4"/>
+          </a:fillRef>
+          <a:effectRef idx="2">
+            <a:schemeClr val="accent4"/>
+          </a:effectRef>
+          <a:fontRef idx="minor">
+            <a:schemeClr val="tx1"/>
+          </a:fontRef>
+        </p:style>
+      </p:cxnSp>
+      <p:sp>
+        <p:nvSpPr>
+          <p:cNvPr id="52" name="ZoneTexte 51"/>
+          <p:cNvSpPr txBox="1"/>
+          <p:nvPr/>
+        </p:nvSpPr>
+        <p:spPr>
+          <a:xfrm>
+            <a:off x="6858016" y="2285992"/>
+            <a:ext cx="1928826" cy="307777"/>
+          </a:xfrm>
+          <a:prstGeom prst="rect">
+            <a:avLst/>
+          </a:prstGeom>
+          <a:noFill/>
+        </p:spPr>
+        <p:txBody>
+          <a:bodyPr wrap="square" rtlCol="0">
+            <a:spAutoFit/>
+          </a:bodyPr>
+          <a:lstStyle/>
+          <a:p>
+            <a:pPr marL="0" marR="0" indent="0" algn="l" defTabSz="914400" rtl="0" eaLnBrk="1" fontAlgn="auto" latinLnBrk="0" hangingPunct="1">
+              <a:lnSpc>
+                <a:spcPct val="100000"/>
+              </a:lnSpc>
+              <a:spcBef>
+                <a:spcPct val="20000"/>
+              </a:spcBef>
+              <a:spcAft>
+                <a:spcPts val="0"/>
+              </a:spcAft>
+              <a:buClrTx/>
+              <a:buSzTx/>
+              <a:buFontTx/>
+              <a:buNone/>
+              <a:tabLst/>
+            </a:pPr>
+            <a:r>
+              <a:rPr kumimoji="0" lang="fr-FR" sz="1400" b="1" i="0" u="none" strike="noStrike" kern="0" cap="none" spc="0" normalizeH="0" baseline="0" noProof="0" dirty="0" smtClean="0">
+                <a:ln>
+                  <a:noFill/>
+                </a:ln>
+                <a:solidFill>
+                  <a:schemeClr val="accent4">
+                    <a:shade val="50000"/>
+                  </a:schemeClr>
+                </a:solidFill>
+                <a:effectLst/>
+                <a:uLnTx/>
+                <a:uFillTx/>
+                <a:latin typeface="+mn-lt"/>
+                <a:ea typeface="+mn-ea"/>
+                <a:cs typeface="+mn-cs"/>
+              </a:rPr>
+              <a:t>System</a:t>
+            </a:r>
+            <a:r>
+              <a:rPr kumimoji="0" lang="fr-FR" sz="1400" b="1" i="0" u="none" strike="noStrike" kern="0" cap="none" spc="0" normalizeH="0" noProof="0" dirty="0" smtClean="0">
+                <a:ln>
+                  <a:noFill/>
+                </a:ln>
+                <a:solidFill>
+                  <a:schemeClr val="accent4">
+                    <a:shade val="50000"/>
+                  </a:schemeClr>
+                </a:solidFill>
+                <a:effectLst/>
+                <a:uLnTx/>
+                <a:uFillTx/>
+                <a:latin typeface="+mn-lt"/>
+                <a:ea typeface="+mn-ea"/>
+                <a:cs typeface="+mn-cs"/>
+              </a:rPr>
+              <a:t> call</a:t>
+            </a:r>
+            <a:endParaRPr kumimoji="0" lang="fr-FR" sz="1400" b="1" i="0" u="none" strike="noStrike" kern="0" cap="none" spc="0" normalizeH="0" baseline="0" noProof="0" dirty="0" smtClean="0">
+              <a:ln>
+                <a:noFill/>
+              </a:ln>
+              <a:solidFill>
+                <a:schemeClr val="accent4">
+                  <a:shade val="50000"/>
+                </a:schemeClr>
+              </a:solidFill>
+              <a:effectLst/>
+              <a:uLnTx/>
+              <a:uFillTx/>
+              <a:latin typeface="+mn-lt"/>
+              <a:ea typeface="+mn-ea"/>
+              <a:cs typeface="+mn-cs"/>
+            </a:endParaRPr>
+          </a:p>
+        </p:txBody>
+      </p:sp>
+      <p:cxnSp>
+        <p:nvCxnSpPr>
+          <p:cNvPr id="53" name="Connecteur en angle 28"/>
+          <p:cNvCxnSpPr>
+            <a:stCxn id="21" idx="3"/>
+            <a:endCxn id="4" idx="3"/>
+          </p:cNvCxnSpPr>
+          <p:nvPr/>
+        </p:nvCxnSpPr>
+        <p:spPr>
+          <a:xfrm>
+            <a:off x="7858148" y="3143248"/>
+            <a:ext cx="1588" cy="1571636"/>
+          </a:xfrm>
+          <a:prstGeom prst="bentConnector3">
+            <a:avLst>
+              <a:gd name="adj1" fmla="val 51350961"/>
+            </a:avLst>
+          </a:prstGeom>
+          <a:ln>
+            <a:headEnd type="none"/>
+            <a:tailEnd type="stealth"/>
+          </a:ln>
+        </p:spPr>
+        <p:style>
+          <a:lnRef idx="3">
+            <a:schemeClr val="accent4"/>
+          </a:lnRef>
+          <a:fillRef idx="0">
+            <a:schemeClr val="accent4"/>
+          </a:fillRef>
+          <a:effectRef idx="2">
+            <a:schemeClr val="accent4"/>
+          </a:effectRef>
+          <a:fontRef idx="minor">
+            <a:schemeClr val="tx1"/>
+          </a:fontRef>
+        </p:style>
+      </p:cxnSp>
+      <p:sp>
+        <p:nvSpPr>
+          <p:cNvPr id="56" name="ZoneTexte 55"/>
+          <p:cNvSpPr txBox="1"/>
+          <p:nvPr/>
+        </p:nvSpPr>
+        <p:spPr>
+          <a:xfrm>
+            <a:off x="6715140" y="3714752"/>
+            <a:ext cx="1928826" cy="566309"/>
+          </a:xfrm>
+          <a:prstGeom prst="rect">
+            <a:avLst/>
+          </a:prstGeom>
+          <a:noFill/>
+        </p:spPr>
+        <p:txBody>
+          <a:bodyPr wrap="square" rtlCol="0">
+            <a:spAutoFit/>
+          </a:bodyPr>
+          <a:lstStyle/>
+          <a:p>
+            <a:pPr marL="0" marR="0" indent="0" algn="r" defTabSz="914400" rtl="0" eaLnBrk="1" fontAlgn="auto" latinLnBrk="0" hangingPunct="1">
+              <a:lnSpc>
+                <a:spcPct val="100000"/>
+              </a:lnSpc>
+              <a:spcBef>
+                <a:spcPct val="20000"/>
+              </a:spcBef>
+              <a:spcAft>
+                <a:spcPts val="0"/>
+              </a:spcAft>
+              <a:buClrTx/>
+              <a:buSzTx/>
+              <a:buFontTx/>
+              <a:buNone/>
+              <a:tabLst/>
+            </a:pPr>
+            <a:r>
+              <a:rPr kumimoji="0" lang="fr-FR" sz="1400" b="1" i="0" u="none" strike="noStrike" kern="0" cap="none" spc="0" normalizeH="0" baseline="0" noProof="0" dirty="0" smtClean="0">
+                <a:ln>
+                  <a:noFill/>
+                </a:ln>
+                <a:solidFill>
+                  <a:schemeClr val="accent4">
+                    <a:shade val="50000"/>
+                  </a:schemeClr>
+                </a:solidFill>
+                <a:effectLst/>
+                <a:uLnTx/>
+                <a:uFillTx/>
+                <a:latin typeface="+mn-lt"/>
+                <a:ea typeface="+mn-ea"/>
+                <a:cs typeface="+mn-cs"/>
+              </a:rPr>
+              <a:t>Information</a:t>
+            </a:r>
+          </a:p>
+          <a:p>
+            <a:pPr marL="0" marR="0" indent="0" algn="r" defTabSz="914400" rtl="0" eaLnBrk="1" fontAlgn="auto" latinLnBrk="0" hangingPunct="1">
+              <a:lnSpc>
+                <a:spcPct val="100000"/>
+              </a:lnSpc>
+              <a:spcBef>
+                <a:spcPct val="20000"/>
+              </a:spcBef>
+              <a:spcAft>
+                <a:spcPts val="0"/>
+              </a:spcAft>
+              <a:buClrTx/>
+              <a:buSzTx/>
+              <a:buFontTx/>
+              <a:buNone/>
+              <a:tabLst/>
+            </a:pPr>
+            <a:r>
+              <a:rPr lang="fr-FR" sz="1400" b="1" kern="0" dirty="0" err="1" smtClean="0">
+                <a:solidFill>
+                  <a:schemeClr val="accent4">
+                    <a:shade val="50000"/>
+                  </a:schemeClr>
+                </a:solidFill>
+                <a:latin typeface="+mn-lt"/>
+                <a:cs typeface="+mn-cs"/>
+              </a:rPr>
+              <a:t>retrieval</a:t>
+            </a:r>
+            <a:endParaRPr kumimoji="0" lang="fr-FR" sz="1400" b="1" i="0" u="none" strike="noStrike" kern="0" cap="none" spc="0" normalizeH="0" baseline="0" noProof="0" dirty="0" smtClean="0">
+              <a:ln>
+                <a:noFill/>
+              </a:ln>
+              <a:solidFill>
+                <a:schemeClr val="accent4">
+                  <a:shade val="50000"/>
+                </a:schemeClr>
+              </a:solidFill>
+              <a:effectLst/>
+              <a:uLnTx/>
+              <a:uFillTx/>
+              <a:latin typeface="+mn-lt"/>
+              <a:ea typeface="+mn-ea"/>
+              <a:cs typeface="+mn-cs"/>
+            </a:endParaRPr>
+          </a:p>
+        </p:txBody>
+      </p:sp>
+      <p:cxnSp>
+        <p:nvCxnSpPr>
+          <p:cNvPr id="74" name="Connecteur en angle 28"/>
+          <p:cNvCxnSpPr>
+            <a:endCxn id="26" idx="2"/>
+          </p:cNvCxnSpPr>
+          <p:nvPr/>
+        </p:nvCxnSpPr>
+        <p:spPr>
+          <a:xfrm rot="16200000" flipH="1">
+            <a:off x="1285852" y="5143512"/>
+            <a:ext cx="857256" cy="714380"/>
+          </a:xfrm>
+          <a:prstGeom prst="bentConnector2">
+            <a:avLst/>
+          </a:prstGeom>
+          <a:ln>
+            <a:headEnd type="none"/>
+            <a:tailEnd type="stealth"/>
+          </a:ln>
+        </p:spPr>
+        <p:style>
+          <a:lnRef idx="3">
+            <a:schemeClr val="accent4"/>
+          </a:lnRef>
+          <a:fillRef idx="0">
+            <a:schemeClr val="accent4"/>
+          </a:fillRef>
+          <a:effectRef idx="2">
+            <a:schemeClr val="accent4"/>
+          </a:effectRef>
+          <a:fontRef idx="minor">
+            <a:schemeClr val="tx1"/>
+          </a:fontRef>
+        </p:style>
+      </p:cxnSp>
+      <p:cxnSp>
+        <p:nvCxnSpPr>
+          <p:cNvPr id="85" name="Connecteur en angle 28"/>
+          <p:cNvCxnSpPr>
+            <a:stCxn id="26" idx="0"/>
+            <a:endCxn id="6" idx="2"/>
+          </p:cNvCxnSpPr>
+          <p:nvPr/>
+        </p:nvCxnSpPr>
+        <p:spPr>
+          <a:xfrm rot="5400000" flipH="1" flipV="1">
+            <a:off x="1857356" y="5429264"/>
+            <a:ext cx="714380" cy="1588"/>
+          </a:xfrm>
+          <a:prstGeom prst="bentConnector3">
+            <a:avLst>
+              <a:gd name="adj1" fmla="val 50000"/>
+            </a:avLst>
+          </a:prstGeom>
+          <a:ln>
+            <a:tailEnd type="arrow"/>
+          </a:ln>
+        </p:spPr>
+        <p:style>
+          <a:lnRef idx="2">
+            <a:schemeClr val="accent6"/>
+          </a:lnRef>
+          <a:fillRef idx="0">
+            <a:schemeClr val="accent6"/>
+          </a:fillRef>
+          <a:effectRef idx="1">
+            <a:schemeClr val="accent6"/>
+          </a:effectRef>
+          <a:fontRef idx="minor">
+            <a:schemeClr val="tx1"/>
+          </a:fontRef>
+        </p:style>
+      </p:cxnSp>
+      <p:sp>
+        <p:nvSpPr>
+          <p:cNvPr id="89" name="ZoneTexte 88"/>
+          <p:cNvSpPr txBox="1"/>
+          <p:nvPr/>
+        </p:nvSpPr>
+        <p:spPr>
+          <a:xfrm>
+            <a:off x="-642974" y="5286388"/>
+            <a:ext cx="1928826" cy="566309"/>
+          </a:xfrm>
+          <a:prstGeom prst="rect">
+            <a:avLst/>
+          </a:prstGeom>
+          <a:noFill/>
+        </p:spPr>
+        <p:txBody>
+          <a:bodyPr wrap="square" rtlCol="0">
+            <a:spAutoFit/>
+          </a:bodyPr>
+          <a:lstStyle/>
+          <a:p>
+            <a:pPr marL="0" marR="0" indent="0" algn="r" defTabSz="914400" rtl="0" eaLnBrk="1" fontAlgn="auto" latinLnBrk="0" hangingPunct="1">
+              <a:lnSpc>
+                <a:spcPct val="100000"/>
+              </a:lnSpc>
+              <a:spcBef>
+                <a:spcPct val="20000"/>
+              </a:spcBef>
+              <a:spcAft>
+                <a:spcPts val="0"/>
+              </a:spcAft>
+              <a:buClrTx/>
+              <a:buSzTx/>
+              <a:buFontTx/>
+              <a:buNone/>
+              <a:tabLst/>
+            </a:pPr>
+            <a:r>
+              <a:rPr kumimoji="0" lang="fr-FR" sz="1400" b="1" i="0" u="none" strike="noStrike" kern="0" cap="none" spc="0" normalizeH="0" baseline="0" noProof="0" dirty="0" smtClean="0">
+                <a:ln>
+                  <a:noFill/>
+                </a:ln>
+                <a:solidFill>
+                  <a:schemeClr val="accent4">
+                    <a:shade val="50000"/>
+                  </a:schemeClr>
+                </a:solidFill>
+                <a:effectLst/>
+                <a:uLnTx/>
+                <a:uFillTx/>
+                <a:latin typeface="+mn-lt"/>
+                <a:ea typeface="+mn-ea"/>
+                <a:cs typeface="+mn-cs"/>
+              </a:rPr>
+              <a:t>Information</a:t>
+            </a:r>
+          </a:p>
+          <a:p>
+            <a:pPr marL="0" marR="0" indent="0" algn="r" defTabSz="914400" rtl="0" eaLnBrk="1" fontAlgn="auto" latinLnBrk="0" hangingPunct="1">
+              <a:lnSpc>
+                <a:spcPct val="100000"/>
+              </a:lnSpc>
+              <a:spcBef>
+                <a:spcPct val="20000"/>
+              </a:spcBef>
+              <a:spcAft>
+                <a:spcPts val="0"/>
+              </a:spcAft>
+              <a:buClrTx/>
+              <a:buSzTx/>
+              <a:buFontTx/>
+              <a:buNone/>
+              <a:tabLst/>
+            </a:pPr>
+            <a:r>
+              <a:rPr lang="fr-FR" sz="1400" b="1" kern="0" dirty="0" err="1" smtClean="0">
+                <a:solidFill>
+                  <a:schemeClr val="accent4">
+                    <a:shade val="50000"/>
+                  </a:schemeClr>
+                </a:solidFill>
+                <a:latin typeface="+mn-lt"/>
+                <a:cs typeface="+mn-cs"/>
+              </a:rPr>
+              <a:t>retrieval</a:t>
+            </a:r>
+            <a:endParaRPr kumimoji="0" lang="fr-FR" sz="1400" b="1" i="0" u="none" strike="noStrike" kern="0" cap="none" spc="0" normalizeH="0" baseline="0" noProof="0" dirty="0" smtClean="0">
+              <a:ln>
+                <a:noFill/>
+              </a:ln>
+              <a:solidFill>
+                <a:schemeClr val="accent4">
+                  <a:shade val="50000"/>
+                </a:schemeClr>
+              </a:solidFill>
+              <a:effectLst/>
+              <a:uLnTx/>
+              <a:uFillTx/>
+              <a:latin typeface="+mn-lt"/>
+              <a:ea typeface="+mn-ea"/>
+              <a:cs typeface="+mn-cs"/>
+            </a:endParaRPr>
+          </a:p>
+        </p:txBody>
+      </p:sp>
+      <p:sp>
+        <p:nvSpPr>
+          <p:cNvPr id="90" name="ZoneTexte 89"/>
+          <p:cNvSpPr txBox="1"/>
+          <p:nvPr/>
+        </p:nvSpPr>
+        <p:spPr>
+          <a:xfrm>
+            <a:off x="2214546" y="5286388"/>
+            <a:ext cx="1928826" cy="566309"/>
+          </a:xfrm>
+          <a:prstGeom prst="rect">
+            <a:avLst/>
+          </a:prstGeom>
+          <a:noFill/>
+        </p:spPr>
+        <p:txBody>
+          <a:bodyPr wrap="square" rtlCol="0">
+            <a:spAutoFit/>
+          </a:bodyPr>
+          <a:lstStyle/>
+          <a:p>
+            <a:pPr marL="0" marR="0" indent="0" algn="l" defTabSz="914400" rtl="0" eaLnBrk="1" fontAlgn="auto" latinLnBrk="0" hangingPunct="1">
+              <a:lnSpc>
+                <a:spcPct val="100000"/>
+              </a:lnSpc>
+              <a:spcBef>
+                <a:spcPct val="20000"/>
+              </a:spcBef>
+              <a:spcAft>
+                <a:spcPts val="0"/>
+              </a:spcAft>
+              <a:buClrTx/>
+              <a:buSzTx/>
+              <a:buFontTx/>
+              <a:buNone/>
+              <a:tabLst/>
+            </a:pPr>
+            <a:r>
+              <a:rPr kumimoji="0" lang="fr-FR" sz="1400" b="1" i="0" u="none" strike="noStrike" kern="0" cap="none" spc="0" normalizeH="0" baseline="0" noProof="0" dirty="0" err="1" smtClean="0">
+                <a:ln>
+                  <a:noFill/>
+                </a:ln>
+                <a:solidFill>
+                  <a:schemeClr val="accent6">
+                    <a:lumMod val="75000"/>
+                  </a:schemeClr>
+                </a:solidFill>
+                <a:effectLst/>
+                <a:uLnTx/>
+                <a:uFillTx/>
+                <a:latin typeface="+mn-lt"/>
+                <a:ea typeface="+mn-ea"/>
+                <a:cs typeface="+mn-cs"/>
+              </a:rPr>
+              <a:t>Monitored</a:t>
+            </a:r>
+            <a:r>
+              <a:rPr kumimoji="0" lang="fr-FR" sz="1400" b="1" i="0" u="none" strike="noStrike" kern="0" cap="none" spc="0" normalizeH="0" baseline="0" noProof="0" dirty="0" smtClean="0">
+                <a:ln>
+                  <a:noFill/>
+                </a:ln>
+                <a:solidFill>
+                  <a:schemeClr val="accent6">
+                    <a:lumMod val="75000"/>
+                  </a:schemeClr>
+                </a:solidFill>
+                <a:effectLst/>
+                <a:uLnTx/>
+                <a:uFillTx/>
+                <a:latin typeface="+mn-lt"/>
+                <a:ea typeface="+mn-ea"/>
+                <a:cs typeface="+mn-cs"/>
+              </a:rPr>
+              <a:t> </a:t>
+            </a:r>
+          </a:p>
+          <a:p>
+            <a:pPr marL="0" marR="0" indent="0" algn="l" defTabSz="914400" rtl="0" eaLnBrk="1" fontAlgn="auto" latinLnBrk="0" hangingPunct="1">
+              <a:lnSpc>
+                <a:spcPct val="100000"/>
+              </a:lnSpc>
+              <a:spcBef>
+                <a:spcPct val="20000"/>
+              </a:spcBef>
+              <a:spcAft>
+                <a:spcPts val="0"/>
+              </a:spcAft>
+              <a:buClrTx/>
+              <a:buSzTx/>
+              <a:buFontTx/>
+              <a:buNone/>
+              <a:tabLst/>
+            </a:pPr>
+            <a:r>
+              <a:rPr kumimoji="0" lang="fr-FR" sz="1400" b="1" i="0" u="none" strike="noStrike" kern="0" cap="none" spc="0" normalizeH="0" baseline="0" noProof="0" dirty="0" smtClean="0">
+                <a:ln>
+                  <a:noFill/>
+                </a:ln>
+                <a:solidFill>
+                  <a:schemeClr val="accent6">
+                    <a:lumMod val="75000"/>
+                  </a:schemeClr>
+                </a:solidFill>
+                <a:effectLst/>
+                <a:uLnTx/>
+                <a:uFillTx/>
+                <a:latin typeface="+mn-lt"/>
+                <a:ea typeface="+mn-ea"/>
+                <a:cs typeface="+mn-cs"/>
+              </a:rPr>
+              <a:t>values</a:t>
+            </a:r>
+            <a:endParaRPr kumimoji="0" lang="fr-FR" sz="1400" b="1" i="0" u="none" strike="noStrike" kern="0" cap="none" spc="0" normalizeH="0" baseline="0" noProof="0" dirty="0" smtClean="0">
+              <a:ln>
+                <a:noFill/>
+              </a:ln>
+              <a:solidFill>
+                <a:schemeClr val="accent6">
+                  <a:lumMod val="75000"/>
+                </a:schemeClr>
+              </a:solidFill>
+              <a:effectLst/>
+              <a:uLnTx/>
+              <a:uFillTx/>
+              <a:latin typeface="+mn-lt"/>
+              <a:ea typeface="+mn-ea"/>
+              <a:cs typeface="+mn-cs"/>
+            </a:endParaRPr>
+          </a:p>
+        </p:txBody>
+      </p:sp>
+      <p:sp>
+        <p:nvSpPr>
+          <p:cNvPr id="91" name="ZoneTexte 90"/>
+          <p:cNvSpPr txBox="1"/>
+          <p:nvPr/>
+        </p:nvSpPr>
+        <p:spPr>
+          <a:xfrm>
+            <a:off x="4429124" y="5643578"/>
+            <a:ext cx="1928826" cy="307777"/>
+          </a:xfrm>
+          <a:prstGeom prst="rect">
+            <a:avLst/>
+          </a:prstGeom>
+          <a:noFill/>
+        </p:spPr>
+        <p:txBody>
+          <a:bodyPr wrap="square" rtlCol="0">
+            <a:spAutoFit/>
+          </a:bodyPr>
+          <a:lstStyle/>
+          <a:p>
+            <a:pPr marL="0" marR="0" indent="0" algn="l" defTabSz="914400" rtl="0" eaLnBrk="1" fontAlgn="auto" latinLnBrk="0" hangingPunct="1">
+              <a:lnSpc>
+                <a:spcPct val="100000"/>
+              </a:lnSpc>
+              <a:spcBef>
+                <a:spcPct val="20000"/>
+              </a:spcBef>
+              <a:spcAft>
+                <a:spcPts val="0"/>
+              </a:spcAft>
+              <a:buClrTx/>
+              <a:buSzTx/>
+              <a:buFontTx/>
+              <a:buNone/>
+              <a:tabLst/>
+            </a:pPr>
+            <a:r>
+              <a:rPr kumimoji="0" lang="fr-FR" sz="1400" b="1" i="0" u="none" strike="noStrike" kern="0" cap="none" spc="0" normalizeH="0" baseline="0" noProof="0" dirty="0" smtClean="0">
+                <a:ln>
+                  <a:noFill/>
+                </a:ln>
+                <a:solidFill>
+                  <a:schemeClr val="accent4">
+                    <a:shade val="50000"/>
+                  </a:schemeClr>
+                </a:solidFill>
+                <a:effectLst/>
+                <a:uLnTx/>
+                <a:uFillTx/>
+                <a:latin typeface="+mn-lt"/>
+                <a:ea typeface="+mn-ea"/>
+                <a:cs typeface="+mn-cs"/>
+              </a:rPr>
+              <a:t>System</a:t>
+            </a:r>
+            <a:r>
+              <a:rPr kumimoji="0" lang="fr-FR" sz="1400" b="1" i="0" u="none" strike="noStrike" kern="0" cap="none" spc="0" normalizeH="0" noProof="0" dirty="0" smtClean="0">
+                <a:ln>
+                  <a:noFill/>
+                </a:ln>
+                <a:solidFill>
+                  <a:schemeClr val="accent4">
+                    <a:shade val="50000"/>
+                  </a:schemeClr>
+                </a:solidFill>
+                <a:effectLst/>
+                <a:uLnTx/>
+                <a:uFillTx/>
+                <a:latin typeface="+mn-lt"/>
+                <a:ea typeface="+mn-ea"/>
+                <a:cs typeface="+mn-cs"/>
+              </a:rPr>
+              <a:t> </a:t>
+            </a:r>
+            <a:r>
+              <a:rPr kumimoji="0" lang="fr-FR" sz="1400" b="1" i="0" u="none" strike="noStrike" kern="0" cap="none" spc="0" normalizeH="0" noProof="0" dirty="0" err="1" smtClean="0">
+                <a:ln>
+                  <a:noFill/>
+                </a:ln>
+                <a:solidFill>
+                  <a:schemeClr val="accent4">
+                    <a:shade val="50000"/>
+                  </a:schemeClr>
+                </a:solidFill>
+                <a:effectLst/>
+                <a:uLnTx/>
+                <a:uFillTx/>
+                <a:latin typeface="+mn-lt"/>
+                <a:ea typeface="+mn-ea"/>
+                <a:cs typeface="+mn-cs"/>
+              </a:rPr>
+              <a:t>recovery</a:t>
+            </a:r>
+            <a:endParaRPr kumimoji="0" lang="fr-FR" sz="1400" b="1" i="0" u="none" strike="noStrike" kern="0" cap="none" spc="0" normalizeH="0" baseline="0" noProof="0" dirty="0" smtClean="0">
+              <a:ln>
+                <a:noFill/>
+              </a:ln>
+              <a:solidFill>
+                <a:schemeClr val="accent4">
+                  <a:shade val="50000"/>
+                </a:schemeClr>
+              </a:solidFill>
+              <a:effectLst/>
+              <a:uLnTx/>
+              <a:uFillTx/>
+              <a:latin typeface="+mn-lt"/>
+              <a:ea typeface="+mn-ea"/>
+              <a:cs typeface="+mn-cs"/>
+            </a:endParaRPr>
+          </a:p>
+        </p:txBody>
+      </p:sp>
+      <p:cxnSp>
+        <p:nvCxnSpPr>
+          <p:cNvPr id="93" name="Connecteur en angle 28"/>
+          <p:cNvCxnSpPr>
+            <a:endCxn id="5" idx="3"/>
+          </p:cNvCxnSpPr>
+          <p:nvPr/>
+        </p:nvCxnSpPr>
+        <p:spPr>
+          <a:xfrm rot="10800000">
+            <a:off x="3214678" y="3071810"/>
+            <a:ext cx="2643206" cy="1357322"/>
+          </a:xfrm>
+          <a:prstGeom prst="bentConnector3">
+            <a:avLst>
+              <a:gd name="adj1" fmla="val 74784"/>
+            </a:avLst>
+          </a:prstGeom>
+          <a:ln>
+            <a:tailEnd type="arrow"/>
+          </a:ln>
+        </p:spPr>
+        <p:style>
+          <a:lnRef idx="2">
+            <a:schemeClr val="accent6"/>
+          </a:lnRef>
+          <a:fillRef idx="0">
+            <a:schemeClr val="accent6"/>
+          </a:fillRef>
+          <a:effectRef idx="1">
+            <a:schemeClr val="accent6"/>
+          </a:effectRef>
+          <a:fontRef idx="minor">
+            <a:schemeClr val="tx1"/>
+          </a:fontRef>
+        </p:style>
+      </p:cxnSp>
+      <p:cxnSp>
+        <p:nvCxnSpPr>
+          <p:cNvPr id="100" name="Connecteur en angle 28"/>
+          <p:cNvCxnSpPr>
+            <a:stCxn id="22" idx="0"/>
+            <a:endCxn id="5" idx="1"/>
+          </p:cNvCxnSpPr>
+          <p:nvPr/>
+        </p:nvCxnSpPr>
+        <p:spPr>
+          <a:xfrm rot="16200000" flipH="1" flipV="1">
+            <a:off x="3143240" y="-642966"/>
+            <a:ext cx="1785950" cy="5643602"/>
+          </a:xfrm>
+          <a:prstGeom prst="bentConnector4">
+            <a:avLst>
+              <a:gd name="adj1" fmla="val -13564"/>
+              <a:gd name="adj2" fmla="val 108404"/>
+            </a:avLst>
+          </a:prstGeom>
+          <a:ln>
+            <a:tailEnd type="arrow"/>
+          </a:ln>
+        </p:spPr>
+        <p:style>
+          <a:lnRef idx="2">
+            <a:schemeClr val="accent6"/>
+          </a:lnRef>
+          <a:fillRef idx="0">
+            <a:schemeClr val="accent6"/>
+          </a:fillRef>
+          <a:effectRef idx="1">
+            <a:schemeClr val="accent6"/>
+          </a:effectRef>
+          <a:fontRef idx="minor">
+            <a:schemeClr val="tx1"/>
+          </a:fontRef>
+        </p:style>
+      </p:cxnSp>
+      <p:sp>
+        <p:nvSpPr>
+          <p:cNvPr id="105" name="ZoneTexte 104"/>
+          <p:cNvSpPr txBox="1"/>
+          <p:nvPr/>
+        </p:nvSpPr>
+        <p:spPr>
+          <a:xfrm>
+            <a:off x="4286248" y="2786058"/>
+            <a:ext cx="1928826" cy="307777"/>
+          </a:xfrm>
+          <a:prstGeom prst="rect">
+            <a:avLst/>
+          </a:prstGeom>
+          <a:noFill/>
+        </p:spPr>
+        <p:txBody>
+          <a:bodyPr wrap="square" rtlCol="0">
+            <a:spAutoFit/>
+          </a:bodyPr>
+          <a:lstStyle/>
+          <a:p>
+            <a:pPr marL="0" marR="0" indent="0" algn="l" defTabSz="914400" rtl="0" eaLnBrk="1" fontAlgn="auto" latinLnBrk="0" hangingPunct="1">
+              <a:lnSpc>
+                <a:spcPct val="100000"/>
+              </a:lnSpc>
+              <a:spcBef>
+                <a:spcPct val="20000"/>
+              </a:spcBef>
+              <a:spcAft>
+                <a:spcPts val="0"/>
+              </a:spcAft>
+              <a:buClrTx/>
+              <a:buSzTx/>
+              <a:buFontTx/>
+              <a:buNone/>
+              <a:tabLst/>
+            </a:pPr>
+            <a:r>
+              <a:rPr kumimoji="0" lang="fr-FR" sz="1400" b="1" i="0" u="none" strike="noStrike" kern="0" cap="none" spc="0" normalizeH="0" baseline="0" noProof="0" dirty="0" err="1" smtClean="0">
+                <a:ln>
+                  <a:noFill/>
+                </a:ln>
+                <a:solidFill>
+                  <a:schemeClr val="accent6">
+                    <a:lumMod val="75000"/>
+                  </a:schemeClr>
+                </a:solidFill>
+                <a:effectLst/>
+                <a:uLnTx/>
+                <a:uFillTx/>
+                <a:latin typeface="+mn-lt"/>
+                <a:ea typeface="+mn-ea"/>
+                <a:cs typeface="+mn-cs"/>
+              </a:rPr>
+              <a:t>Localization</a:t>
+            </a:r>
+            <a:endParaRPr kumimoji="0" lang="fr-FR" sz="1400" b="1" i="0" u="none" strike="noStrike" kern="0" cap="none" spc="0" normalizeH="0" baseline="0" noProof="0" dirty="0" smtClean="0">
+              <a:ln>
+                <a:noFill/>
+              </a:ln>
+              <a:solidFill>
+                <a:schemeClr val="accent6">
+                  <a:lumMod val="75000"/>
+                </a:schemeClr>
+              </a:solidFill>
+              <a:effectLst/>
+              <a:uLnTx/>
+              <a:uFillTx/>
+              <a:latin typeface="+mn-lt"/>
+              <a:ea typeface="+mn-ea"/>
+              <a:cs typeface="+mn-cs"/>
+            </a:endParaRPr>
+          </a:p>
+        </p:txBody>
+      </p:sp>
+      <p:cxnSp>
+        <p:nvCxnSpPr>
+          <p:cNvPr id="106" name="Connecteur en angle 28"/>
+          <p:cNvCxnSpPr>
+            <a:stCxn id="21" idx="1"/>
+            <a:endCxn id="33" idx="3"/>
+          </p:cNvCxnSpPr>
+          <p:nvPr/>
+        </p:nvCxnSpPr>
+        <p:spPr>
+          <a:xfrm rot="10800000">
+            <a:off x="3214678" y="1571612"/>
+            <a:ext cx="2643206" cy="1571636"/>
+          </a:xfrm>
+          <a:prstGeom prst="bentConnector3">
+            <a:avLst>
+              <a:gd name="adj1" fmla="val 60327"/>
+            </a:avLst>
+          </a:prstGeom>
+          <a:ln>
+            <a:tailEnd type="arrow"/>
+          </a:ln>
+        </p:spPr>
+        <p:style>
+          <a:lnRef idx="2">
+            <a:schemeClr val="accent6"/>
+          </a:lnRef>
+          <a:fillRef idx="0">
+            <a:schemeClr val="accent6"/>
+          </a:fillRef>
+          <a:effectRef idx="1">
+            <a:schemeClr val="accent6"/>
+          </a:effectRef>
+          <a:fontRef idx="minor">
+            <a:schemeClr val="tx1"/>
+          </a:fontRef>
+        </p:style>
+      </p:cxnSp>
+      <p:cxnSp>
+        <p:nvCxnSpPr>
+          <p:cNvPr id="112" name="Connecteur en angle 28"/>
+          <p:cNvCxnSpPr>
+            <a:stCxn id="33" idx="2"/>
+            <a:endCxn id="5" idx="0"/>
+          </p:cNvCxnSpPr>
+          <p:nvPr/>
+        </p:nvCxnSpPr>
+        <p:spPr>
+          <a:xfrm rot="5400000">
+            <a:off x="1821637" y="2321711"/>
+            <a:ext cx="785818" cy="1588"/>
+          </a:xfrm>
+          <a:prstGeom prst="bentConnector3">
+            <a:avLst>
+              <a:gd name="adj1" fmla="val 50000"/>
+            </a:avLst>
+          </a:prstGeom>
+          <a:ln>
+            <a:tailEnd type="arrow"/>
+          </a:ln>
+        </p:spPr>
+        <p:style>
+          <a:lnRef idx="2">
+            <a:schemeClr val="accent6"/>
+          </a:lnRef>
+          <a:fillRef idx="0">
+            <a:schemeClr val="accent6"/>
+          </a:fillRef>
+          <a:effectRef idx="1">
+            <a:schemeClr val="accent6"/>
+          </a:effectRef>
+          <a:fontRef idx="minor">
+            <a:schemeClr val="tx1"/>
+          </a:fontRef>
+        </p:style>
+      </p:cxnSp>
+      <p:sp>
+        <p:nvSpPr>
+          <p:cNvPr id="115" name="ZoneTexte 114"/>
+          <p:cNvSpPr txBox="1"/>
+          <p:nvPr/>
+        </p:nvSpPr>
+        <p:spPr>
+          <a:xfrm>
+            <a:off x="2214546" y="2121091"/>
+            <a:ext cx="1928826" cy="307777"/>
+          </a:xfrm>
+          <a:prstGeom prst="rect">
+            <a:avLst/>
+          </a:prstGeom>
+          <a:noFill/>
+        </p:spPr>
+        <p:txBody>
+          <a:bodyPr wrap="square" rtlCol="0">
+            <a:spAutoFit/>
+          </a:bodyPr>
+          <a:lstStyle/>
+          <a:p>
+            <a:pPr marL="0" marR="0" indent="0" algn="l" defTabSz="914400" rtl="0" eaLnBrk="1" fontAlgn="auto" latinLnBrk="0" hangingPunct="1">
+              <a:lnSpc>
+                <a:spcPct val="100000"/>
+              </a:lnSpc>
+              <a:spcBef>
+                <a:spcPct val="20000"/>
+              </a:spcBef>
+              <a:spcAft>
+                <a:spcPts val="0"/>
+              </a:spcAft>
+              <a:buClrTx/>
+              <a:buSzTx/>
+              <a:buFontTx/>
+              <a:buNone/>
+              <a:tabLst/>
+            </a:pPr>
+            <a:r>
+              <a:rPr kumimoji="0" lang="fr-FR" sz="1400" b="1" i="0" u="none" strike="noStrike" kern="0" cap="none" spc="0" normalizeH="0" baseline="0" noProof="0" dirty="0" err="1" smtClean="0">
+                <a:ln>
+                  <a:noFill/>
+                </a:ln>
+                <a:solidFill>
+                  <a:schemeClr val="accent6">
+                    <a:lumMod val="75000"/>
+                  </a:schemeClr>
+                </a:solidFill>
+                <a:effectLst/>
+                <a:uLnTx/>
+                <a:uFillTx/>
+                <a:latin typeface="+mn-lt"/>
+                <a:ea typeface="+mn-ea"/>
+                <a:cs typeface="+mn-cs"/>
+              </a:rPr>
+              <a:t>Localization</a:t>
+            </a:r>
+            <a:endParaRPr kumimoji="0" lang="fr-FR" sz="1400" b="1" i="0" u="none" strike="noStrike" kern="0" cap="none" spc="0" normalizeH="0" baseline="0" noProof="0" dirty="0" smtClean="0">
+              <a:ln>
+                <a:noFill/>
+              </a:ln>
+              <a:solidFill>
+                <a:schemeClr val="accent6">
+                  <a:lumMod val="75000"/>
+                </a:schemeClr>
+              </a:solidFill>
+              <a:effectLst/>
+              <a:uLnTx/>
+              <a:uFillTx/>
+              <a:latin typeface="+mn-lt"/>
+              <a:ea typeface="+mn-ea"/>
+              <a:cs typeface="+mn-cs"/>
+            </a:endParaRPr>
+          </a:p>
+        </p:txBody>
+      </p:sp>
+      <p:sp>
+        <p:nvSpPr>
+          <p:cNvPr id="116" name="ZoneTexte 115"/>
+          <p:cNvSpPr txBox="1"/>
+          <p:nvPr/>
+        </p:nvSpPr>
+        <p:spPr>
+          <a:xfrm>
+            <a:off x="3786182" y="4714884"/>
+            <a:ext cx="1928826" cy="307777"/>
+          </a:xfrm>
+          <a:prstGeom prst="rect">
+            <a:avLst/>
+          </a:prstGeom>
+          <a:noFill/>
+        </p:spPr>
+        <p:txBody>
+          <a:bodyPr wrap="square" rtlCol="0">
+            <a:spAutoFit/>
+          </a:bodyPr>
+          <a:lstStyle/>
+          <a:p>
+            <a:pPr marL="0" marR="0" indent="0" algn="l" defTabSz="914400" rtl="0" eaLnBrk="1" fontAlgn="auto" latinLnBrk="0" hangingPunct="1">
+              <a:lnSpc>
+                <a:spcPct val="100000"/>
+              </a:lnSpc>
+              <a:spcBef>
+                <a:spcPct val="20000"/>
+              </a:spcBef>
+              <a:spcAft>
+                <a:spcPts val="0"/>
+              </a:spcAft>
+              <a:buClrTx/>
+              <a:buSzTx/>
+              <a:buFontTx/>
+              <a:buNone/>
+              <a:tabLst/>
+            </a:pPr>
+            <a:r>
+              <a:rPr lang="fr-FR" sz="1400" b="1" kern="0" dirty="0" err="1" smtClean="0">
+                <a:solidFill>
+                  <a:schemeClr val="accent6">
+                    <a:lumMod val="75000"/>
+                  </a:schemeClr>
+                </a:solidFill>
+                <a:latin typeface="+mn-lt"/>
+                <a:cs typeface="+mn-cs"/>
+              </a:rPr>
+              <a:t>Sorted</a:t>
+            </a:r>
+            <a:r>
+              <a:rPr lang="fr-FR" sz="1400" b="1" kern="0" dirty="0" smtClean="0">
+                <a:solidFill>
+                  <a:schemeClr val="accent6">
+                    <a:lumMod val="75000"/>
+                  </a:schemeClr>
+                </a:solidFill>
+                <a:latin typeface="+mn-lt"/>
+                <a:cs typeface="+mn-cs"/>
+              </a:rPr>
+              <a:t> values</a:t>
+            </a:r>
+            <a:endParaRPr kumimoji="0" lang="fr-FR" sz="1400" b="1" i="0" u="none" strike="noStrike" kern="0" cap="none" spc="0" normalizeH="0" baseline="0" noProof="0" dirty="0" smtClean="0">
+              <a:ln>
+                <a:noFill/>
+              </a:ln>
+              <a:solidFill>
+                <a:schemeClr val="accent6">
+                  <a:lumMod val="75000"/>
+                </a:schemeClr>
+              </a:solidFill>
+              <a:effectLst/>
+              <a:uLnTx/>
+              <a:uFillTx/>
+              <a:latin typeface="+mn-lt"/>
+              <a:ea typeface="+mn-ea"/>
+              <a:cs typeface="+mn-cs"/>
+            </a:endParaRPr>
+          </a:p>
+        </p:txBody>
+      </p:sp>
+      <p:sp>
+        <p:nvSpPr>
+          <p:cNvPr id="118" name="ZoneTexte 117"/>
+          <p:cNvSpPr txBox="1"/>
+          <p:nvPr/>
+        </p:nvSpPr>
+        <p:spPr>
+          <a:xfrm>
+            <a:off x="6143636" y="3835603"/>
+            <a:ext cx="1928826" cy="307777"/>
+          </a:xfrm>
+          <a:prstGeom prst="rect">
+            <a:avLst/>
+          </a:prstGeom>
+          <a:noFill/>
+        </p:spPr>
+        <p:txBody>
+          <a:bodyPr wrap="square" rtlCol="0">
+            <a:spAutoFit/>
+          </a:bodyPr>
+          <a:lstStyle/>
+          <a:p>
+            <a:pPr marL="0" marR="0" indent="0" algn="l" defTabSz="914400" rtl="0" eaLnBrk="1" fontAlgn="auto" latinLnBrk="0" hangingPunct="1">
+              <a:lnSpc>
+                <a:spcPct val="100000"/>
+              </a:lnSpc>
+              <a:spcBef>
+                <a:spcPct val="20000"/>
+              </a:spcBef>
+              <a:spcAft>
+                <a:spcPts val="0"/>
+              </a:spcAft>
+              <a:buClrTx/>
+              <a:buSzTx/>
+              <a:buFontTx/>
+              <a:buNone/>
+              <a:tabLst/>
+            </a:pPr>
+            <a:r>
+              <a:rPr kumimoji="0" lang="fr-FR" sz="1400" b="1" i="0" u="none" strike="noStrike" kern="0" cap="none" spc="0" normalizeH="0" baseline="0" noProof="0" dirty="0" smtClean="0">
+                <a:ln>
+                  <a:noFill/>
+                </a:ln>
+                <a:solidFill>
+                  <a:schemeClr val="accent6">
+                    <a:lumMod val="75000"/>
+                  </a:schemeClr>
+                </a:solidFill>
+                <a:effectLst/>
+                <a:uLnTx/>
+                <a:uFillTx/>
+                <a:latin typeface="+mn-lt"/>
+                <a:ea typeface="+mn-ea"/>
+                <a:cs typeface="+mn-cs"/>
+              </a:rPr>
+              <a:t>Values</a:t>
+            </a:r>
+            <a:endParaRPr kumimoji="0" lang="fr-FR" sz="1400" b="1" i="0" u="none" strike="noStrike" kern="0" cap="none" spc="0" normalizeH="0" baseline="0" noProof="0" dirty="0" smtClean="0">
+              <a:ln>
+                <a:noFill/>
+              </a:ln>
+              <a:solidFill>
+                <a:schemeClr val="accent6">
+                  <a:lumMod val="75000"/>
+                </a:schemeClr>
+              </a:solidFill>
+              <a:effectLst/>
+              <a:uLnTx/>
+              <a:uFillTx/>
+              <a:latin typeface="+mn-lt"/>
+              <a:ea typeface="+mn-ea"/>
+              <a:cs typeface="+mn-cs"/>
+            </a:endParaRPr>
+          </a:p>
+        </p:txBody>
+      </p:sp>
+      <p:sp>
+        <p:nvSpPr>
+          <p:cNvPr id="119" name="ZoneTexte 118"/>
+          <p:cNvSpPr txBox="1"/>
+          <p:nvPr/>
+        </p:nvSpPr>
+        <p:spPr>
+          <a:xfrm>
+            <a:off x="3929058" y="4071942"/>
+            <a:ext cx="1928826" cy="307777"/>
+          </a:xfrm>
+          <a:prstGeom prst="rect">
+            <a:avLst/>
+          </a:prstGeom>
+          <a:noFill/>
+        </p:spPr>
+        <p:txBody>
+          <a:bodyPr wrap="square" rtlCol="0">
+            <a:spAutoFit/>
+          </a:bodyPr>
+          <a:lstStyle/>
+          <a:p>
+            <a:pPr marL="0" marR="0" indent="0" algn="l" defTabSz="914400" rtl="0" eaLnBrk="1" fontAlgn="auto" latinLnBrk="0" hangingPunct="1">
+              <a:lnSpc>
+                <a:spcPct val="100000"/>
+              </a:lnSpc>
+              <a:spcBef>
+                <a:spcPct val="20000"/>
+              </a:spcBef>
+              <a:spcAft>
+                <a:spcPts val="0"/>
+              </a:spcAft>
+              <a:buClrTx/>
+              <a:buSzTx/>
+              <a:buFontTx/>
+              <a:buNone/>
+              <a:tabLst/>
+            </a:pPr>
+            <a:r>
+              <a:rPr lang="fr-FR" sz="1400" b="1" kern="0" dirty="0" err="1" smtClean="0">
+                <a:solidFill>
+                  <a:schemeClr val="accent6">
+                    <a:lumMod val="75000"/>
+                  </a:schemeClr>
+                </a:solidFill>
+                <a:latin typeface="+mn-lt"/>
+                <a:cs typeface="+mn-cs"/>
+              </a:rPr>
+              <a:t>Sorted</a:t>
+            </a:r>
+            <a:r>
+              <a:rPr lang="fr-FR" sz="1400" b="1" kern="0" dirty="0" smtClean="0">
+                <a:solidFill>
+                  <a:schemeClr val="accent6">
+                    <a:lumMod val="75000"/>
+                  </a:schemeClr>
+                </a:solidFill>
+                <a:latin typeface="+mn-lt"/>
+                <a:cs typeface="+mn-cs"/>
+              </a:rPr>
+              <a:t> values</a:t>
+            </a:r>
+            <a:endParaRPr kumimoji="0" lang="fr-FR" sz="1400" b="1" i="0" u="none" strike="noStrike" kern="0" cap="none" spc="0" normalizeH="0" baseline="0" noProof="0" dirty="0" smtClean="0">
+              <a:ln>
+                <a:noFill/>
+              </a:ln>
+              <a:solidFill>
+                <a:schemeClr val="accent6">
+                  <a:lumMod val="75000"/>
+                </a:schemeClr>
+              </a:solidFill>
+              <a:effectLst/>
+              <a:uLnTx/>
+              <a:uFillTx/>
+              <a:latin typeface="+mn-lt"/>
+              <a:ea typeface="+mn-ea"/>
+              <a:cs typeface="+mn-cs"/>
+            </a:endParaRPr>
+          </a:p>
+        </p:txBody>
+      </p:sp>
+      <p:sp>
+        <p:nvSpPr>
+          <p:cNvPr id="120" name="ZoneTexte 119"/>
+          <p:cNvSpPr txBox="1"/>
+          <p:nvPr/>
+        </p:nvSpPr>
+        <p:spPr>
+          <a:xfrm>
+            <a:off x="4000496" y="1049521"/>
+            <a:ext cx="1928826" cy="307777"/>
+          </a:xfrm>
+          <a:prstGeom prst="rect">
+            <a:avLst/>
+          </a:prstGeom>
+          <a:noFill/>
+        </p:spPr>
+        <p:txBody>
+          <a:bodyPr wrap="square" rtlCol="0">
+            <a:spAutoFit/>
+          </a:bodyPr>
+          <a:lstStyle/>
+          <a:p>
+            <a:pPr marL="0" marR="0" indent="0" algn="l" defTabSz="914400" rtl="0" eaLnBrk="1" fontAlgn="auto" latinLnBrk="0" hangingPunct="1">
+              <a:lnSpc>
+                <a:spcPct val="100000"/>
+              </a:lnSpc>
+              <a:spcBef>
+                <a:spcPct val="20000"/>
+              </a:spcBef>
+              <a:spcAft>
+                <a:spcPts val="0"/>
+              </a:spcAft>
+              <a:buClrTx/>
+              <a:buSzTx/>
+              <a:buFontTx/>
+              <a:buNone/>
+              <a:tabLst/>
+            </a:pPr>
+            <a:r>
+              <a:rPr kumimoji="0" lang="fr-FR" sz="1400" b="1" i="0" u="none" strike="noStrike" kern="0" cap="none" spc="0" normalizeH="0" baseline="0" noProof="0" dirty="0" smtClean="0">
+                <a:ln>
+                  <a:noFill/>
+                </a:ln>
+                <a:solidFill>
+                  <a:schemeClr val="accent6">
+                    <a:lumMod val="75000"/>
+                  </a:schemeClr>
+                </a:solidFill>
+                <a:effectLst/>
+                <a:uLnTx/>
+                <a:uFillTx/>
+                <a:latin typeface="+mn-lt"/>
+                <a:ea typeface="+mn-ea"/>
+                <a:cs typeface="+mn-cs"/>
+              </a:rPr>
+              <a:t>Control </a:t>
+            </a:r>
+          </a:p>
+        </p:txBody>
+      </p:sp>
+      <p:cxnSp>
+        <p:nvCxnSpPr>
+          <p:cNvPr id="122" name="Connecteur en angle 28"/>
+          <p:cNvCxnSpPr>
+            <a:stCxn id="22" idx="3"/>
+            <a:endCxn id="26" idx="6"/>
+          </p:cNvCxnSpPr>
+          <p:nvPr/>
+        </p:nvCxnSpPr>
+        <p:spPr>
+          <a:xfrm flipH="1">
+            <a:off x="2357422" y="1643050"/>
+            <a:ext cx="5500726" cy="4286280"/>
+          </a:xfrm>
+          <a:prstGeom prst="bentConnector3">
+            <a:avLst>
+              <a:gd name="adj1" fmla="val -19539"/>
+            </a:avLst>
+          </a:prstGeom>
+          <a:ln>
+            <a:headEnd type="none"/>
+            <a:tailEnd type="stealth"/>
+          </a:ln>
+        </p:spPr>
+        <p:style>
+          <a:lnRef idx="3">
+            <a:schemeClr val="accent4"/>
+          </a:lnRef>
+          <a:fillRef idx="0">
+            <a:schemeClr val="accent4"/>
+          </a:fillRef>
+          <a:effectRef idx="2">
+            <a:schemeClr val="accent4"/>
+          </a:effectRef>
+          <a:fontRef idx="minor">
+            <a:schemeClr val="tx1"/>
+          </a:fontRef>
+        </p:style>
+      </p:cxnSp>
+      <p:sp>
+        <p:nvSpPr>
+          <p:cNvPr id="154" name="Rectangle 153"/>
+          <p:cNvSpPr/>
+          <p:nvPr/>
+        </p:nvSpPr>
+        <p:spPr>
+          <a:xfrm>
+            <a:off x="3929058" y="6215082"/>
+            <a:ext cx="5214974" cy="642918"/>
+          </a:xfrm>
+          <a:prstGeom prst="rect">
+            <a:avLst/>
+          </a:prstGeom>
+          <a:solidFill>
+            <a:schemeClr val="bg1"/>
+          </a:solidFill>
+          <a:ln>
+            <a:noFill/>
+          </a:ln>
+          <a:effectLst>
+            <a:outerShdw blurRad="50800" dist="38100" dir="13500000" algn="br" rotWithShape="0">
+              <a:prstClr val="black">
+                <a:alpha val="40000"/>
+              </a:prstClr>
+            </a:outerShdw>
+          </a:effectLst>
+        </p:spPr>
+        <p:style>
+          <a:lnRef idx="2">
+            <a:schemeClr val="accent1">
+              <a:shade val="50000"/>
+            </a:schemeClr>
+          </a:lnRef>
+          <a:fillRef idx="1">
+            <a:schemeClr val="accent1"/>
+          </a:fillRef>
+          <a:effectRef idx="0">
+            <a:schemeClr val="accent1"/>
+          </a:effectRef>
+          <a:fontRef idx="minor">
+            <a:schemeClr val="lt1"/>
+          </a:fontRef>
+        </p:style>
+        <p:txBody>
+          <a:bodyPr rtlCol="0" anchor="ctr"/>
+          <a:lstStyle/>
+          <a:p>
+            <a:pPr algn="ctr"/>
+            <a:endParaRPr lang="fr-FR" dirty="0"/>
+          </a:p>
+        </p:txBody>
+      </p:sp>
+      <p:cxnSp>
+        <p:nvCxnSpPr>
+          <p:cNvPr id="157" name="Connecteur en angle 28"/>
+          <p:cNvCxnSpPr/>
+          <p:nvPr/>
+        </p:nvCxnSpPr>
+        <p:spPr>
+          <a:xfrm>
+            <a:off x="5214942" y="6357958"/>
+            <a:ext cx="500066" cy="1588"/>
+          </a:xfrm>
+          <a:prstGeom prst="bentConnector3">
+            <a:avLst>
+              <a:gd name="adj1" fmla="val 50000"/>
+            </a:avLst>
+          </a:prstGeom>
+          <a:ln>
+            <a:tailEnd type="arrow"/>
+          </a:ln>
+        </p:spPr>
+        <p:style>
+          <a:lnRef idx="2">
+            <a:schemeClr val="accent6"/>
+          </a:lnRef>
+          <a:fillRef idx="0">
+            <a:schemeClr val="accent6"/>
+          </a:fillRef>
+          <a:effectRef idx="1">
+            <a:schemeClr val="accent6"/>
+          </a:effectRef>
+          <a:fontRef idx="minor">
+            <a:schemeClr val="tx1"/>
+          </a:fontRef>
+        </p:style>
+      </p:cxnSp>
+      <p:cxnSp>
+        <p:nvCxnSpPr>
+          <p:cNvPr id="160" name="Connecteur en angle 28"/>
+          <p:cNvCxnSpPr/>
+          <p:nvPr/>
+        </p:nvCxnSpPr>
+        <p:spPr>
+          <a:xfrm>
+            <a:off x="5214942" y="6643710"/>
+            <a:ext cx="500066" cy="1588"/>
+          </a:xfrm>
+          <a:prstGeom prst="bentConnector3">
+            <a:avLst>
+              <a:gd name="adj1" fmla="val 50000"/>
+            </a:avLst>
+          </a:prstGeom>
+          <a:ln>
+            <a:headEnd type="none" w="med" len="med"/>
+            <a:tailEnd type="triangle" w="med" len="med"/>
+          </a:ln>
+        </p:spPr>
+        <p:style>
+          <a:lnRef idx="2">
+            <a:schemeClr val="accent4"/>
+          </a:lnRef>
+          <a:fillRef idx="0">
+            <a:schemeClr val="accent4"/>
+          </a:fillRef>
+          <a:effectRef idx="1">
+            <a:schemeClr val="accent4"/>
+          </a:effectRef>
+          <a:fontRef idx="minor">
+            <a:schemeClr val="tx1"/>
+          </a:fontRef>
+        </p:style>
+      </p:cxnSp>
+      <p:sp>
+        <p:nvSpPr>
+          <p:cNvPr id="161" name="ZoneTexte 160"/>
+          <p:cNvSpPr txBox="1"/>
+          <p:nvPr/>
+        </p:nvSpPr>
+        <p:spPr>
+          <a:xfrm>
+            <a:off x="5786446" y="6215082"/>
+            <a:ext cx="1928826" cy="307777"/>
+          </a:xfrm>
+          <a:prstGeom prst="rect">
+            <a:avLst/>
+          </a:prstGeom>
+          <a:noFill/>
+        </p:spPr>
+        <p:txBody>
+          <a:bodyPr wrap="square" rtlCol="0">
+            <a:spAutoFit/>
+          </a:bodyPr>
+          <a:lstStyle/>
+          <a:p>
+            <a:pPr marL="0" marR="0" indent="0" algn="l" defTabSz="914400" rtl="0" eaLnBrk="1" fontAlgn="auto" latinLnBrk="0" hangingPunct="1">
+              <a:lnSpc>
+                <a:spcPct val="100000"/>
+              </a:lnSpc>
+              <a:spcBef>
+                <a:spcPct val="20000"/>
+              </a:spcBef>
+              <a:spcAft>
+                <a:spcPts val="0"/>
+              </a:spcAft>
+              <a:buClrTx/>
+              <a:buSzTx/>
+              <a:buFontTx/>
+              <a:buNone/>
+              <a:tabLst/>
+            </a:pPr>
+            <a:r>
+              <a:rPr lang="fr-FR" sz="1400" b="1" kern="0" dirty="0" smtClean="0">
+                <a:solidFill>
+                  <a:schemeClr val="accent6">
+                    <a:lumMod val="75000"/>
+                  </a:schemeClr>
+                </a:solidFill>
+                <a:latin typeface="+mn-lt"/>
+                <a:cs typeface="+mn-cs"/>
+              </a:rPr>
+              <a:t>Data flow</a:t>
+            </a:r>
+            <a:endParaRPr kumimoji="0" lang="fr-FR" sz="1400" b="1" i="0" u="none" strike="noStrike" kern="0" cap="none" spc="0" normalizeH="0" baseline="0" noProof="0" dirty="0" smtClean="0">
+              <a:ln>
+                <a:noFill/>
+              </a:ln>
+              <a:solidFill>
+                <a:schemeClr val="accent6">
+                  <a:lumMod val="75000"/>
+                </a:schemeClr>
+              </a:solidFill>
+              <a:effectLst/>
+              <a:uLnTx/>
+              <a:uFillTx/>
+              <a:latin typeface="+mn-lt"/>
+              <a:ea typeface="+mn-ea"/>
+              <a:cs typeface="+mn-cs"/>
+            </a:endParaRPr>
+          </a:p>
+        </p:txBody>
+      </p:sp>
+      <p:sp>
+        <p:nvSpPr>
+          <p:cNvPr id="162" name="ZoneTexte 161"/>
+          <p:cNvSpPr txBox="1"/>
+          <p:nvPr/>
+        </p:nvSpPr>
+        <p:spPr>
+          <a:xfrm>
+            <a:off x="5786446" y="6478809"/>
+            <a:ext cx="1928826" cy="307777"/>
+          </a:xfrm>
+          <a:prstGeom prst="rect">
+            <a:avLst/>
+          </a:prstGeom>
+          <a:noFill/>
+        </p:spPr>
+        <p:txBody>
+          <a:bodyPr wrap="square" rtlCol="0">
+            <a:spAutoFit/>
+          </a:bodyPr>
+          <a:lstStyle/>
+          <a:p>
+            <a:pPr marL="0" marR="0" indent="0" algn="l" defTabSz="914400" rtl="0" eaLnBrk="1" fontAlgn="auto" latinLnBrk="0" hangingPunct="1">
+              <a:lnSpc>
+                <a:spcPct val="100000"/>
+              </a:lnSpc>
+              <a:spcBef>
+                <a:spcPct val="20000"/>
+              </a:spcBef>
+              <a:spcAft>
+                <a:spcPts val="0"/>
+              </a:spcAft>
+              <a:buClrTx/>
+              <a:buSzTx/>
+              <a:buFontTx/>
+              <a:buNone/>
+              <a:tabLst/>
+            </a:pPr>
+            <a:r>
+              <a:rPr kumimoji="0" lang="fr-FR" sz="1400" b="1" i="0" u="none" strike="noStrike" kern="0" cap="none" spc="0" normalizeH="0" baseline="0" noProof="0" dirty="0" smtClean="0">
+                <a:ln>
+                  <a:noFill/>
+                </a:ln>
+                <a:solidFill>
+                  <a:schemeClr val="accent4">
+                    <a:shade val="50000"/>
+                  </a:schemeClr>
+                </a:solidFill>
+                <a:effectLst/>
+                <a:uLnTx/>
+                <a:uFillTx/>
+                <a:latin typeface="+mn-lt"/>
+                <a:ea typeface="+mn-ea"/>
+                <a:cs typeface="+mn-cs"/>
+              </a:rPr>
+              <a:t>Control flow</a:t>
+            </a:r>
+            <a:endParaRPr kumimoji="0" lang="fr-FR" sz="1400" b="1" i="0" u="none" strike="noStrike" kern="0" cap="none" spc="0" normalizeH="0" baseline="0" noProof="0" dirty="0" smtClean="0">
+              <a:ln>
+                <a:noFill/>
+              </a:ln>
+              <a:solidFill>
+                <a:schemeClr val="accent4">
+                  <a:shade val="50000"/>
+                </a:schemeClr>
+              </a:solidFill>
+              <a:effectLst/>
+              <a:uLnTx/>
+              <a:uFillTx/>
+              <a:latin typeface="+mn-lt"/>
+              <a:ea typeface="+mn-ea"/>
+              <a:cs typeface="+mn-cs"/>
+            </a:endParaRPr>
+          </a:p>
+        </p:txBody>
+      </p:sp>
+      <p:sp>
+        <p:nvSpPr>
+          <p:cNvPr id="163" name="Rectangle 162"/>
+          <p:cNvSpPr/>
+          <p:nvPr/>
+        </p:nvSpPr>
+        <p:spPr>
+          <a:xfrm>
+            <a:off x="7000892" y="6286520"/>
+            <a:ext cx="571504" cy="214314"/>
+          </a:xfrm>
+          <a:prstGeom prst="rect">
+            <a:avLst/>
+          </a:prstGeom>
+          <a:effectLst>
+            <a:outerShdw blurRad="50800" dist="38100" dir="2700000" algn="tl" rotWithShape="0">
+              <a:prstClr val="black">
+                <a:alpha val="40000"/>
+              </a:prstClr>
+            </a:outerShdw>
+          </a:effectLst>
+        </p:spPr>
+        <p:style>
+          <a:lnRef idx="2">
+            <a:schemeClr val="accent6"/>
+          </a:lnRef>
+          <a:fillRef idx="1">
+            <a:schemeClr val="lt1"/>
+          </a:fillRef>
+          <a:effectRef idx="0">
+            <a:schemeClr val="accent6"/>
+          </a:effectRef>
+          <a:fontRef idx="minor">
+            <a:schemeClr val="dk1"/>
+          </a:fontRef>
+        </p:style>
+        <p:txBody>
+          <a:bodyPr rtlCol="0" anchor="ctr"/>
+          <a:lstStyle/>
+          <a:p>
+            <a:pPr algn="ctr"/>
+            <a:endParaRPr lang="fr-FR" dirty="0"/>
+          </a:p>
+        </p:txBody>
+      </p:sp>
+      <p:sp>
+        <p:nvSpPr>
+          <p:cNvPr id="164" name="ZoneTexte 163"/>
+          <p:cNvSpPr txBox="1"/>
+          <p:nvPr/>
+        </p:nvSpPr>
+        <p:spPr>
+          <a:xfrm>
+            <a:off x="3920581" y="6315038"/>
+            <a:ext cx="1079142" cy="400110"/>
+          </a:xfrm>
+          <a:prstGeom prst="rect">
+            <a:avLst/>
+          </a:prstGeom>
+          <a:noFill/>
+          <a:ln>
+            <a:noFill/>
+          </a:ln>
+        </p:spPr>
+        <p:txBody>
+          <a:bodyPr wrap="none" rtlCol="0">
+            <a:spAutoFit/>
+          </a:bodyPr>
+          <a:lstStyle/>
+          <a:p>
+            <a:pPr marL="0" marR="0" indent="0" algn="l" defTabSz="914400" rtl="0" eaLnBrk="1" fontAlgn="auto" latinLnBrk="0" hangingPunct="1">
+              <a:lnSpc>
+                <a:spcPct val="100000"/>
+              </a:lnSpc>
+              <a:spcBef>
+                <a:spcPct val="20000"/>
+              </a:spcBef>
+              <a:spcAft>
+                <a:spcPts val="0"/>
+              </a:spcAft>
+              <a:buClrTx/>
+              <a:buSzTx/>
+              <a:buFontTx/>
+              <a:buNone/>
+              <a:tabLst/>
+            </a:pPr>
+            <a:r>
+              <a:rPr kumimoji="0" lang="fr-FR" sz="2000" b="1" i="0" u="none" strike="noStrike" kern="0" cap="none" spc="0" normalizeH="0" baseline="0" noProof="0" dirty="0" err="1" smtClean="0">
+                <a:ln>
+                  <a:noFill/>
+                </a:ln>
+                <a:effectLst>
+                  <a:outerShdw blurRad="38100" dist="38100" dir="2700000" algn="tl">
+                    <a:srgbClr val="000000">
+                      <a:alpha val="43137"/>
+                    </a:srgbClr>
+                  </a:outerShdw>
+                </a:effectLst>
+                <a:uLnTx/>
+                <a:uFillTx/>
+                <a:latin typeface="+mn-lt"/>
+                <a:ea typeface="+mn-ea"/>
+                <a:cs typeface="+mn-cs"/>
+              </a:rPr>
+              <a:t>Legend</a:t>
+            </a:r>
+            <a:r>
+              <a:rPr kumimoji="0" lang="fr-FR" sz="2000" b="1" i="0" u="none" strike="noStrike" kern="0" cap="none" spc="0" normalizeH="0" baseline="0" noProof="0" dirty="0" smtClean="0">
+                <a:ln>
+                  <a:noFill/>
+                </a:ln>
+                <a:effectLst>
+                  <a:outerShdw blurRad="38100" dist="38100" dir="2700000" algn="tl">
+                    <a:srgbClr val="000000">
+                      <a:alpha val="43137"/>
+                    </a:srgbClr>
+                  </a:outerShdw>
+                </a:effectLst>
+                <a:uLnTx/>
+                <a:uFillTx/>
+                <a:latin typeface="+mn-lt"/>
+                <a:ea typeface="+mn-ea"/>
+                <a:cs typeface="+mn-cs"/>
+              </a:rPr>
+              <a:t> :</a:t>
+            </a:r>
+            <a:endParaRPr kumimoji="0" lang="fr-FR" sz="2000" b="1" i="0" u="none" strike="noStrike" kern="0" cap="none" spc="0" normalizeH="0" baseline="0" noProof="0" dirty="0" smtClean="0">
+              <a:ln>
+                <a:noFill/>
+              </a:ln>
+              <a:effectLst>
+                <a:outerShdw blurRad="38100" dist="38100" dir="2700000" algn="tl">
+                  <a:srgbClr val="000000">
+                    <a:alpha val="43137"/>
+                  </a:srgbClr>
+                </a:outerShdw>
+              </a:effectLst>
+              <a:uLnTx/>
+              <a:uFillTx/>
+              <a:latin typeface="+mn-lt"/>
+              <a:ea typeface="+mn-ea"/>
+              <a:cs typeface="+mn-cs"/>
+            </a:endParaRPr>
+          </a:p>
+        </p:txBody>
+      </p:sp>
+      <p:sp>
+        <p:nvSpPr>
+          <p:cNvPr id="165" name="ZoneTexte 164"/>
+          <p:cNvSpPr txBox="1"/>
+          <p:nvPr/>
+        </p:nvSpPr>
+        <p:spPr>
+          <a:xfrm>
+            <a:off x="7639188" y="6215082"/>
+            <a:ext cx="1433406" cy="307777"/>
+          </a:xfrm>
+          <a:prstGeom prst="rect">
+            <a:avLst/>
+          </a:prstGeom>
+          <a:solidFill>
+            <a:schemeClr val="bg1"/>
+          </a:solidFill>
+        </p:spPr>
+        <p:txBody>
+          <a:bodyPr wrap="none" rtlCol="0">
+            <a:spAutoFit/>
+          </a:bodyPr>
+          <a:lstStyle/>
+          <a:p>
+            <a:pPr marL="0" marR="0" indent="0" algn="l" defTabSz="914400" rtl="0" eaLnBrk="1" fontAlgn="auto" latinLnBrk="0" hangingPunct="1">
+              <a:lnSpc>
+                <a:spcPct val="100000"/>
+              </a:lnSpc>
+              <a:spcBef>
+                <a:spcPct val="20000"/>
+              </a:spcBef>
+              <a:spcAft>
+                <a:spcPts val="0"/>
+              </a:spcAft>
+              <a:buClrTx/>
+              <a:buSzTx/>
+              <a:buFontTx/>
+              <a:buNone/>
+              <a:tabLst/>
+            </a:pPr>
+            <a:r>
+              <a:rPr kumimoji="0" lang="fr-FR" sz="1400" b="1" i="0" u="none" strike="noStrike" kern="0" cap="none" spc="0" normalizeH="0" baseline="0" noProof="0" dirty="0" smtClean="0">
+                <a:ln>
+                  <a:noFill/>
+                </a:ln>
+                <a:uLnTx/>
+                <a:uFillTx/>
+                <a:latin typeface="+mn-lt"/>
+                <a:ea typeface="+mn-ea"/>
+                <a:cs typeface="+mn-cs"/>
+              </a:rPr>
+              <a:t>FDIR </a:t>
+            </a:r>
+            <a:r>
+              <a:rPr kumimoji="0" lang="fr-FR" sz="1400" b="1" i="0" u="none" strike="noStrike" kern="0" cap="none" spc="0" normalizeH="0" baseline="0" noProof="0" dirty="0" err="1" smtClean="0">
+                <a:ln>
+                  <a:noFill/>
+                </a:ln>
+                <a:uLnTx/>
+                <a:uFillTx/>
+                <a:latin typeface="+mn-lt"/>
+                <a:ea typeface="+mn-ea"/>
+                <a:cs typeface="+mn-cs"/>
+              </a:rPr>
+              <a:t>subsystems</a:t>
+            </a:r>
+            <a:endParaRPr kumimoji="0" lang="fr-FR" sz="1400" b="1" i="0" u="none" strike="noStrike" kern="0" cap="none" spc="0" normalizeH="0" baseline="0" noProof="0" dirty="0" smtClean="0">
+              <a:ln>
+                <a:noFill/>
+              </a:ln>
+              <a:uLnTx/>
+              <a:uFillTx/>
+              <a:latin typeface="+mn-lt"/>
+              <a:ea typeface="+mn-ea"/>
+              <a:cs typeface="+mn-cs"/>
+            </a:endParaRPr>
+          </a:p>
+        </p:txBody>
+      </p:sp>
+      <p:sp>
+        <p:nvSpPr>
+          <p:cNvPr id="166" name="Ellipse 165"/>
+          <p:cNvSpPr/>
+          <p:nvPr/>
+        </p:nvSpPr>
+        <p:spPr>
+          <a:xfrm>
+            <a:off x="7286644" y="6572272"/>
+            <a:ext cx="142876" cy="142876"/>
+          </a:xfrm>
+          <a:prstGeom prst="ellipse">
+            <a:avLst/>
+          </a:prstGeom>
+          <a:effectLst>
+            <a:outerShdw blurRad="50800" dist="38100" dir="2700000" algn="tl" rotWithShape="0">
+              <a:prstClr val="black">
+                <a:alpha val="40000"/>
+              </a:prstClr>
+            </a:outerShdw>
+          </a:effectLst>
+        </p:spPr>
+        <p:style>
+          <a:lnRef idx="2">
+            <a:schemeClr val="accent6"/>
+          </a:lnRef>
+          <a:fillRef idx="1">
+            <a:schemeClr val="lt1"/>
+          </a:fillRef>
+          <a:effectRef idx="0">
+            <a:schemeClr val="accent6"/>
+          </a:effectRef>
+          <a:fontRef idx="minor">
+            <a:schemeClr val="dk1"/>
+          </a:fontRef>
+        </p:style>
+        <p:txBody>
+          <a:bodyPr rtlCol="0" anchor="ctr"/>
+          <a:lstStyle/>
+          <a:p>
+            <a:pPr algn="ctr"/>
+            <a:endParaRPr lang="fr-FR"/>
+          </a:p>
+        </p:txBody>
+      </p:sp>
+      <p:sp>
+        <p:nvSpPr>
+          <p:cNvPr id="167" name="ZoneTexte 166"/>
+          <p:cNvSpPr txBox="1"/>
+          <p:nvPr/>
+        </p:nvSpPr>
+        <p:spPr>
+          <a:xfrm>
+            <a:off x="7643834" y="6478809"/>
+            <a:ext cx="1532792" cy="307777"/>
+          </a:xfrm>
+          <a:prstGeom prst="rect">
+            <a:avLst/>
+          </a:prstGeom>
+          <a:noFill/>
+        </p:spPr>
+        <p:txBody>
+          <a:bodyPr wrap="none" rtlCol="0">
+            <a:spAutoFit/>
+          </a:bodyPr>
+          <a:lstStyle/>
+          <a:p>
+            <a:pPr marL="0" marR="0" indent="0" algn="l" defTabSz="914400" rtl="0" eaLnBrk="1" fontAlgn="auto" latinLnBrk="0" hangingPunct="1">
+              <a:lnSpc>
+                <a:spcPct val="100000"/>
+              </a:lnSpc>
+              <a:spcBef>
+                <a:spcPct val="20000"/>
+              </a:spcBef>
+              <a:spcAft>
+                <a:spcPts val="0"/>
+              </a:spcAft>
+              <a:buClrTx/>
+              <a:buSzTx/>
+              <a:buFontTx/>
+              <a:buNone/>
+              <a:tabLst/>
+            </a:pPr>
+            <a:r>
+              <a:rPr kumimoji="0" lang="fr-FR" sz="1400" b="1" i="0" u="none" strike="noStrike" kern="0" cap="none" spc="0" normalizeH="0" baseline="0" noProof="0" dirty="0" err="1" smtClean="0">
+                <a:ln>
+                  <a:noFill/>
+                </a:ln>
+                <a:uLnTx/>
+                <a:uFillTx/>
+                <a:latin typeface="+mn-lt"/>
+                <a:ea typeface="+mn-ea"/>
+                <a:cs typeface="+mn-cs"/>
+              </a:rPr>
+              <a:t>Spacecraft</a:t>
+            </a:r>
+            <a:r>
+              <a:rPr kumimoji="0" lang="fr-FR" sz="1400" b="1" i="0" u="none" strike="noStrike" kern="0" cap="none" spc="0" normalizeH="0" baseline="0" noProof="0" dirty="0" smtClean="0">
+                <a:ln>
+                  <a:noFill/>
+                </a:ln>
+                <a:uLnTx/>
+                <a:uFillTx/>
+                <a:latin typeface="+mn-lt"/>
+                <a:ea typeface="+mn-ea"/>
+                <a:cs typeface="+mn-cs"/>
+              </a:rPr>
+              <a:t> system</a:t>
+            </a:r>
+            <a:endParaRPr kumimoji="0" lang="fr-FR" sz="1400" b="1" i="0" u="none" strike="noStrike" kern="0" cap="none" spc="0" normalizeH="0" baseline="0" noProof="0" dirty="0" smtClean="0">
+              <a:ln>
+                <a:noFill/>
+              </a:ln>
+              <a:uLnTx/>
+              <a:uFillTx/>
+              <a:latin typeface="+mn-lt"/>
+              <a:ea typeface="+mn-ea"/>
+              <a:cs typeface="+mn-cs"/>
+            </a:endParaRPr>
+          </a:p>
+        </p:txBody>
+      </p:sp>
+    </p:spTree>
+  </p:cSld>
+  <p:clrMapOvr>
+    <a:masterClrMapping/>
+  </p:clrMapOvr>
+  <p:timing>
+    <p:tnLst>
+      <p:par>
+        <p:cTn id="1" dur="indefinite" restart="never" nodeType="tmRoot"/>
+      </p:par>
+    </p:tnLst>
+  </p:timing>
+</p:sld>
+</file>
+
+<file path=ppt/slides/slide11.xml><?xml version="1.0" encoding="utf-8"?>
+<p:sld xmlns:a="http://schemas.openxmlformats.org/drawingml/2006/main" xmlns:r="http://schemas.openxmlformats.org/officeDocument/2006/relationships" xmlns:p="http://schemas.openxmlformats.org/presentationml/2006/main">
+  <p:cSld>
+    <p:spTree>
+      <p:nvGrpSpPr>
+        <p:cNvPr id="1" name=""/>
+        <p:cNvGrpSpPr/>
+        <p:nvPr/>
+      </p:nvGrpSpPr>
+      <p:grpSpPr>
+        <a:xfrm>
+          <a:off x="0" y="0"/>
+          <a:ext cx="0" cy="0"/>
+          <a:chOff x="0" y="0"/>
+          <a:chExt cx="0" cy="0"/>
+        </a:xfrm>
+      </p:grpSpPr>
+      <p:sp>
+        <p:nvSpPr>
+          <p:cNvPr id="11" name="Rectangle 10"/>
+          <p:cNvSpPr/>
+          <p:nvPr/>
+        </p:nvSpPr>
+        <p:spPr>
+          <a:xfrm>
+            <a:off x="4143342" y="1214423"/>
+            <a:ext cx="2000264" cy="3500462"/>
+          </a:xfrm>
+          <a:prstGeom prst="rect">
+            <a:avLst/>
+          </a:prstGeom>
+          <a:ln w="9525">
+            <a:solidFill>
+              <a:schemeClr val="tx1">
+                <a:lumMod val="50000"/>
+                <a:lumOff val="50000"/>
+              </a:schemeClr>
+            </a:solidFill>
+          </a:ln>
+          <a:effectLst>
+            <a:outerShdw blurRad="50800" dist="38100" dir="5400000" algn="t" rotWithShape="0">
+              <a:prstClr val="black">
+                <a:alpha val="40000"/>
+              </a:prstClr>
+            </a:outerShdw>
+          </a:effectLst>
+        </p:spPr>
+        <p:style>
+          <a:lnRef idx="2">
+            <a:schemeClr val="accent6"/>
+          </a:lnRef>
+          <a:fillRef idx="1">
+            <a:schemeClr val="lt1"/>
+          </a:fillRef>
+          <a:effectRef idx="0">
+            <a:schemeClr val="accent6"/>
+          </a:effectRef>
+          <a:fontRef idx="minor">
+            <a:schemeClr val="dk1"/>
+          </a:fontRef>
+        </p:style>
+        <p:txBody>
+          <a:bodyPr rtlCol="0" anchor="ctr"/>
+          <a:lstStyle/>
+          <a:p>
+            <a:pPr algn="ctr"/>
+            <a:endParaRPr lang="fr-FR" b="1" dirty="0" smtClean="0"/>
+          </a:p>
+          <a:p>
+            <a:pPr algn="ctr"/>
+            <a:endParaRPr lang="fr-FR" b="1" dirty="0" smtClean="0"/>
+          </a:p>
+          <a:p>
+            <a:pPr algn="ctr"/>
+            <a:r>
+              <a:rPr lang="fr-FR" b="1" dirty="0" err="1" smtClean="0"/>
+              <a:t>Automatical</a:t>
+            </a:r>
+            <a:endParaRPr lang="fr-FR" b="1" dirty="0" smtClean="0"/>
+          </a:p>
+          <a:p>
+            <a:pPr algn="ctr"/>
+            <a:r>
+              <a:rPr lang="fr-FR" b="1" dirty="0" smtClean="0"/>
+              <a:t>Control</a:t>
+            </a:r>
+            <a:endParaRPr lang="fr-FR" b="1" dirty="0"/>
+          </a:p>
+        </p:txBody>
+      </p:sp>
+      <p:sp>
+        <p:nvSpPr>
+          <p:cNvPr id="2" name="Titre 1"/>
+          <p:cNvSpPr>
+            <a:spLocks noGrp="1"/>
+          </p:cNvSpPr>
+          <p:nvPr>
+            <p:ph type="ctrTitle"/>
+          </p:nvPr>
+        </p:nvSpPr>
+        <p:spPr/>
+        <p:txBody>
+          <a:bodyPr/>
+          <a:lstStyle/>
+          <a:p>
+            <a:r>
+              <a:rPr smtClean="0"/>
+              <a:t>3. </a:t>
+            </a:r>
+            <a:r>
+              <a:rPr lang="fr-FR" dirty="0" smtClean="0"/>
+              <a:t>O</a:t>
+            </a:r>
+            <a:r>
+              <a:rPr smtClean="0"/>
+              <a:t>verall architecture (cont.)</a:t>
+            </a:r>
+            <a:endParaRPr lang="fr-FR" dirty="0"/>
+          </a:p>
+        </p:txBody>
+      </p:sp>
+      <p:sp>
+        <p:nvSpPr>
+          <p:cNvPr id="3" name="Espace réservé du texte 2"/>
+          <p:cNvSpPr>
+            <a:spLocks noGrp="1"/>
+          </p:cNvSpPr>
+          <p:nvPr>
+            <p:ph type="body" sz="quarter" idx="10"/>
+          </p:nvPr>
+        </p:nvSpPr>
+        <p:spPr>
+          <a:xfrm>
+            <a:off x="-32" y="6429397"/>
+            <a:ext cx="8643968" cy="142854"/>
+          </a:xfrm>
+        </p:spPr>
+        <p:txBody>
+          <a:bodyPr/>
+          <a:lstStyle/>
+          <a:p>
+            <a:endParaRPr lang="fr-FR" dirty="0"/>
+          </a:p>
+        </p:txBody>
+      </p:sp>
+      <p:sp>
+        <p:nvSpPr>
+          <p:cNvPr id="7" name="Rectangle 6"/>
+          <p:cNvSpPr/>
+          <p:nvPr/>
+        </p:nvSpPr>
+        <p:spPr>
+          <a:xfrm>
+            <a:off x="2143078" y="1857365"/>
+            <a:ext cx="2000264" cy="714380"/>
+          </a:xfrm>
+          <a:prstGeom prst="rect">
+            <a:avLst/>
+          </a:prstGeom>
+        </p:spPr>
+        <p:style>
+          <a:lnRef idx="1">
+            <a:schemeClr val="accent2"/>
+          </a:lnRef>
+          <a:fillRef idx="2">
+            <a:schemeClr val="accent2"/>
+          </a:fillRef>
+          <a:effectRef idx="1">
+            <a:schemeClr val="accent2"/>
+          </a:effectRef>
+          <a:fontRef idx="minor">
+            <a:schemeClr val="dk1"/>
+          </a:fontRef>
+        </p:style>
+        <p:txBody>
+          <a:bodyPr rtlCol="0" anchor="ctr"/>
+          <a:lstStyle/>
+          <a:p>
+            <a:pPr algn="ctr"/>
+            <a:r>
+              <a:rPr lang="fr-FR" b="1" dirty="0" smtClean="0"/>
+              <a:t>System control</a:t>
+            </a:r>
+            <a:endParaRPr lang="fr-FR" b="1" dirty="0"/>
+          </a:p>
+        </p:txBody>
+      </p:sp>
+      <p:sp>
+        <p:nvSpPr>
+          <p:cNvPr id="10" name="Rectangle 9"/>
+          <p:cNvSpPr/>
+          <p:nvPr/>
+        </p:nvSpPr>
+        <p:spPr>
+          <a:xfrm>
+            <a:off x="2143078" y="2571745"/>
+            <a:ext cx="2000264" cy="714380"/>
+          </a:xfrm>
+          <a:prstGeom prst="rect">
+            <a:avLst/>
+          </a:prstGeom>
+        </p:spPr>
+        <p:style>
+          <a:lnRef idx="1">
+            <a:schemeClr val="accent2"/>
+          </a:lnRef>
+          <a:fillRef idx="2">
+            <a:schemeClr val="accent2"/>
+          </a:fillRef>
+          <a:effectRef idx="1">
+            <a:schemeClr val="accent2"/>
+          </a:effectRef>
+          <a:fontRef idx="minor">
+            <a:schemeClr val="dk1"/>
+          </a:fontRef>
+        </p:style>
+        <p:txBody>
+          <a:bodyPr rtlCol="0" anchor="ctr"/>
+          <a:lstStyle/>
+          <a:p>
+            <a:pPr algn="ctr"/>
+            <a:r>
+              <a:rPr lang="fr-FR" b="1" dirty="0" err="1" smtClean="0"/>
+              <a:t>Subsystem</a:t>
+            </a:r>
+            <a:endParaRPr lang="fr-FR" b="1" dirty="0"/>
+          </a:p>
+        </p:txBody>
+      </p:sp>
+      <p:sp>
+        <p:nvSpPr>
+          <p:cNvPr id="12" name="Rectangle 11"/>
+          <p:cNvSpPr/>
+          <p:nvPr/>
+        </p:nvSpPr>
+        <p:spPr>
+          <a:xfrm>
+            <a:off x="2143078" y="3286125"/>
+            <a:ext cx="2000264" cy="714380"/>
+          </a:xfrm>
+          <a:prstGeom prst="rect">
+            <a:avLst/>
+          </a:prstGeom>
+        </p:spPr>
+        <p:style>
+          <a:lnRef idx="1">
+            <a:schemeClr val="accent2"/>
+          </a:lnRef>
+          <a:fillRef idx="2">
+            <a:schemeClr val="accent2"/>
+          </a:fillRef>
+          <a:effectRef idx="1">
+            <a:schemeClr val="accent2"/>
+          </a:effectRef>
+          <a:fontRef idx="minor">
+            <a:schemeClr val="dk1"/>
+          </a:fontRef>
+        </p:style>
+        <p:txBody>
+          <a:bodyPr rtlCol="0" anchor="ctr"/>
+          <a:lstStyle/>
+          <a:p>
+            <a:pPr algn="ctr"/>
+            <a:r>
+              <a:rPr lang="fr-FR" b="1" dirty="0" err="1" smtClean="0"/>
+              <a:t>Device</a:t>
+            </a:r>
+            <a:r>
+              <a:rPr lang="fr-FR" b="1" dirty="0" smtClean="0"/>
+              <a:t> </a:t>
+            </a:r>
+            <a:r>
+              <a:rPr lang="fr-FR" b="1" dirty="0" err="1" smtClean="0"/>
+              <a:t>functions</a:t>
+            </a:r>
+            <a:endParaRPr lang="fr-FR" b="1" dirty="0"/>
+          </a:p>
+        </p:txBody>
+      </p:sp>
+      <p:sp>
+        <p:nvSpPr>
+          <p:cNvPr id="9" name="Rectangle 8"/>
+          <p:cNvSpPr/>
+          <p:nvPr/>
+        </p:nvSpPr>
+        <p:spPr>
+          <a:xfrm>
+            <a:off x="2143078" y="4000505"/>
+            <a:ext cx="2000264" cy="714380"/>
+          </a:xfrm>
+          <a:prstGeom prst="rect">
+            <a:avLst/>
+          </a:prstGeom>
+        </p:spPr>
+        <p:style>
+          <a:lnRef idx="1">
+            <a:schemeClr val="accent2"/>
+          </a:lnRef>
+          <a:fillRef idx="2">
+            <a:schemeClr val="accent2"/>
+          </a:fillRef>
+          <a:effectRef idx="1">
+            <a:schemeClr val="accent2"/>
+          </a:effectRef>
+          <a:fontRef idx="minor">
+            <a:schemeClr val="dk1"/>
+          </a:fontRef>
+        </p:style>
+        <p:txBody>
+          <a:bodyPr rtlCol="0" anchor="ctr"/>
+          <a:lstStyle/>
+          <a:p>
+            <a:pPr algn="ctr"/>
+            <a:r>
+              <a:rPr lang="fr-FR" b="1" dirty="0" err="1" smtClean="0"/>
+              <a:t>Individual</a:t>
+            </a:r>
+            <a:r>
+              <a:rPr lang="fr-FR" b="1" dirty="0" smtClean="0"/>
+              <a:t> </a:t>
+            </a:r>
+            <a:r>
+              <a:rPr lang="fr-FR" b="1" dirty="0" err="1" smtClean="0"/>
+              <a:t>device</a:t>
+            </a:r>
+            <a:endParaRPr lang="fr-FR" b="1" dirty="0"/>
+          </a:p>
+        </p:txBody>
+      </p:sp>
+      <p:sp>
+        <p:nvSpPr>
+          <p:cNvPr id="5" name="Rectangle 4"/>
+          <p:cNvSpPr/>
+          <p:nvPr/>
+        </p:nvSpPr>
+        <p:spPr>
+          <a:xfrm>
+            <a:off x="2143078" y="1142985"/>
+            <a:ext cx="4000528" cy="714380"/>
+          </a:xfrm>
+          <a:prstGeom prst="rect">
+            <a:avLst/>
+          </a:prstGeom>
+          <a:effectLst/>
+        </p:spPr>
+        <p:style>
+          <a:lnRef idx="1">
+            <a:schemeClr val="accent6"/>
+          </a:lnRef>
+          <a:fillRef idx="2">
+            <a:schemeClr val="accent6"/>
+          </a:fillRef>
+          <a:effectRef idx="1">
+            <a:schemeClr val="accent6"/>
+          </a:effectRef>
+          <a:fontRef idx="minor">
+            <a:schemeClr val="dk1"/>
+          </a:fontRef>
+        </p:style>
+        <p:txBody>
+          <a:bodyPr rtlCol="0" anchor="ctr"/>
+          <a:lstStyle/>
+          <a:p>
+            <a:pPr algn="ctr"/>
+            <a:r>
+              <a:rPr lang="fr-FR" b="1" dirty="0" err="1" smtClean="0"/>
+              <a:t>Manual</a:t>
+            </a:r>
+            <a:r>
+              <a:rPr lang="fr-FR" b="1" dirty="0" smtClean="0"/>
+              <a:t> </a:t>
+            </a:r>
+            <a:r>
+              <a:rPr lang="fr-FR" b="1" dirty="0" smtClean="0"/>
+              <a:t>FDIR</a:t>
+            </a:r>
+            <a:endParaRPr lang="fr-FR" b="1" dirty="0"/>
+          </a:p>
+        </p:txBody>
+      </p:sp>
+      <p:sp>
+        <p:nvSpPr>
+          <p:cNvPr id="13" name="Rectangle 12"/>
+          <p:cNvSpPr/>
+          <p:nvPr/>
+        </p:nvSpPr>
+        <p:spPr>
+          <a:xfrm>
+            <a:off x="2143078" y="5429265"/>
+            <a:ext cx="4000528" cy="571504"/>
+          </a:xfrm>
+          <a:prstGeom prst="rect">
+            <a:avLst/>
+          </a:prstGeom>
+        </p:spPr>
+        <p:style>
+          <a:lnRef idx="1">
+            <a:schemeClr val="accent1"/>
+          </a:lnRef>
+          <a:fillRef idx="2">
+            <a:schemeClr val="accent1"/>
+          </a:fillRef>
+          <a:effectRef idx="1">
+            <a:schemeClr val="accent1"/>
+          </a:effectRef>
+          <a:fontRef idx="minor">
+            <a:schemeClr val="dk1"/>
+          </a:fontRef>
+        </p:style>
+        <p:txBody>
+          <a:bodyPr rtlCol="0" anchor="ctr"/>
+          <a:lstStyle/>
+          <a:p>
+            <a:pPr algn="ctr"/>
+            <a:r>
+              <a:rPr lang="fr-FR" b="1" dirty="0" err="1" smtClean="0"/>
+              <a:t>Fault</a:t>
+            </a:r>
+            <a:r>
+              <a:rPr lang="fr-FR" b="1" dirty="0" smtClean="0"/>
+              <a:t> </a:t>
+            </a:r>
+            <a:r>
+              <a:rPr lang="fr-FR" b="1" dirty="0" err="1" smtClean="0"/>
+              <a:t>filtering</a:t>
+            </a:r>
+            <a:r>
+              <a:rPr lang="fr-FR" b="1" dirty="0" smtClean="0"/>
+              <a:t> system</a:t>
+            </a:r>
+            <a:endParaRPr lang="fr-FR" b="1" dirty="0"/>
+          </a:p>
+        </p:txBody>
+      </p:sp>
+      <p:sp>
+        <p:nvSpPr>
+          <p:cNvPr id="14" name="Rectangle 13"/>
+          <p:cNvSpPr/>
+          <p:nvPr/>
+        </p:nvSpPr>
+        <p:spPr>
+          <a:xfrm>
+            <a:off x="2143078" y="6000769"/>
+            <a:ext cx="4000528" cy="571504"/>
+          </a:xfrm>
+          <a:prstGeom prst="rect">
+            <a:avLst/>
+          </a:prstGeom>
+        </p:spPr>
+        <p:style>
+          <a:lnRef idx="1">
+            <a:schemeClr val="accent1"/>
+          </a:lnRef>
+          <a:fillRef idx="2">
+            <a:schemeClr val="accent1"/>
+          </a:fillRef>
+          <a:effectRef idx="1">
+            <a:schemeClr val="accent1"/>
+          </a:effectRef>
+          <a:fontRef idx="minor">
+            <a:schemeClr val="dk1"/>
+          </a:fontRef>
+        </p:style>
+        <p:txBody>
+          <a:bodyPr rtlCol="0" anchor="ctr"/>
+          <a:lstStyle/>
+          <a:p>
+            <a:pPr algn="ctr"/>
+            <a:r>
+              <a:rPr lang="fr-FR" b="1" dirty="0" err="1" smtClean="0"/>
+              <a:t>Monitored</a:t>
+            </a:r>
+            <a:r>
+              <a:rPr lang="fr-FR" b="1" dirty="0" smtClean="0"/>
+              <a:t> value </a:t>
+            </a:r>
+            <a:r>
+              <a:rPr lang="fr-FR" b="1" dirty="0" err="1" smtClean="0"/>
+              <a:t>checker</a:t>
+            </a:r>
+            <a:endParaRPr lang="fr-FR" b="1" dirty="0"/>
+          </a:p>
+        </p:txBody>
+      </p:sp>
+      <p:sp>
+        <p:nvSpPr>
+          <p:cNvPr id="17" name="Organigramme : Disque magnétique 16"/>
+          <p:cNvSpPr/>
+          <p:nvPr/>
+        </p:nvSpPr>
+        <p:spPr>
+          <a:xfrm>
+            <a:off x="214252" y="2786059"/>
+            <a:ext cx="1143008" cy="1643074"/>
+          </a:xfrm>
+          <a:prstGeom prst="flowChartMagneticDisk">
+            <a:avLst/>
+          </a:prstGeom>
+        </p:spPr>
+        <p:style>
+          <a:lnRef idx="1">
+            <a:schemeClr val="accent4"/>
+          </a:lnRef>
+          <a:fillRef idx="2">
+            <a:schemeClr val="accent4"/>
+          </a:fillRef>
+          <a:effectRef idx="1">
+            <a:schemeClr val="accent4"/>
+          </a:effectRef>
+          <a:fontRef idx="minor">
+            <a:schemeClr val="dk1"/>
+          </a:fontRef>
+        </p:style>
+        <p:txBody>
+          <a:bodyPr rtlCol="0" anchor="ctr"/>
+          <a:lstStyle/>
+          <a:p>
+            <a:pPr algn="ctr"/>
+            <a:r>
+              <a:rPr lang="fr-FR" dirty="0" smtClean="0"/>
+              <a:t>DB</a:t>
+            </a:r>
+            <a:endParaRPr lang="fr-FR" dirty="0"/>
+          </a:p>
+        </p:txBody>
+      </p:sp>
+      <p:sp>
+        <p:nvSpPr>
+          <p:cNvPr id="21" name="Carré corné 20"/>
+          <p:cNvSpPr/>
+          <p:nvPr/>
+        </p:nvSpPr>
+        <p:spPr>
+          <a:xfrm>
+            <a:off x="7286644" y="4143380"/>
+            <a:ext cx="928694" cy="1000132"/>
+          </a:xfrm>
+          <a:prstGeom prst="foldedCorner">
+            <a:avLst/>
+          </a:prstGeom>
+        </p:spPr>
+        <p:style>
+          <a:lnRef idx="1">
+            <a:schemeClr val="accent4"/>
+          </a:lnRef>
+          <a:fillRef idx="2">
+            <a:schemeClr val="accent4"/>
+          </a:fillRef>
+          <a:effectRef idx="1">
+            <a:schemeClr val="accent4"/>
+          </a:effectRef>
+          <a:fontRef idx="minor">
+            <a:schemeClr val="dk1"/>
+          </a:fontRef>
+        </p:style>
+        <p:txBody>
+          <a:bodyPr rtlCol="0" anchor="ctr"/>
+          <a:lstStyle/>
+          <a:p>
+            <a:pPr algn="ctr"/>
+            <a:r>
+              <a:rPr lang="fr-FR" dirty="0" smtClean="0"/>
+              <a:t>Report</a:t>
+            </a:r>
+            <a:endParaRPr lang="fr-FR" dirty="0"/>
+          </a:p>
+        </p:txBody>
+      </p:sp>
+      <p:sp>
+        <p:nvSpPr>
+          <p:cNvPr id="22" name="Plaque 21"/>
+          <p:cNvSpPr/>
+          <p:nvPr/>
+        </p:nvSpPr>
+        <p:spPr>
+          <a:xfrm>
+            <a:off x="7000892" y="1142984"/>
+            <a:ext cx="1714512" cy="1214446"/>
+          </a:xfrm>
+          <a:prstGeom prst="bevel">
+            <a:avLst/>
+          </a:prstGeom>
+        </p:spPr>
+        <p:style>
+          <a:lnRef idx="1">
+            <a:schemeClr val="accent4"/>
+          </a:lnRef>
+          <a:fillRef idx="2">
+            <a:schemeClr val="accent4"/>
+          </a:fillRef>
+          <a:effectRef idx="1">
+            <a:schemeClr val="accent4"/>
+          </a:effectRef>
+          <a:fontRef idx="minor">
+            <a:schemeClr val="dk1"/>
+          </a:fontRef>
+        </p:style>
+        <p:txBody>
+          <a:bodyPr rtlCol="0" anchor="ctr"/>
+          <a:lstStyle/>
+          <a:p>
+            <a:pPr algn="ctr"/>
+            <a:r>
+              <a:rPr lang="fr-FR" dirty="0" smtClean="0"/>
+              <a:t>Information </a:t>
+            </a:r>
+            <a:r>
+              <a:rPr lang="fr-FR" dirty="0" err="1" smtClean="0"/>
+              <a:t>displayer</a:t>
+            </a:r>
+            <a:endParaRPr lang="fr-FR" dirty="0"/>
+          </a:p>
+        </p:txBody>
+      </p:sp>
+      <p:cxnSp>
+        <p:nvCxnSpPr>
+          <p:cNvPr id="23" name="Connecteur en angle 28"/>
+          <p:cNvCxnSpPr>
+            <a:stCxn id="13" idx="0"/>
+            <a:endCxn id="17" idx="3"/>
+          </p:cNvCxnSpPr>
+          <p:nvPr/>
+        </p:nvCxnSpPr>
+        <p:spPr>
+          <a:xfrm rot="16200000" flipV="1">
+            <a:off x="1964483" y="3250406"/>
+            <a:ext cx="1000132" cy="3357586"/>
+          </a:xfrm>
+          <a:prstGeom prst="bentConnector3">
+            <a:avLst>
+              <a:gd name="adj1" fmla="val 18614"/>
+            </a:avLst>
+          </a:prstGeom>
+          <a:ln>
+            <a:tailEnd type="arrow"/>
+          </a:ln>
+        </p:spPr>
+        <p:style>
+          <a:lnRef idx="2">
+            <a:schemeClr val="accent6"/>
+          </a:lnRef>
+          <a:fillRef idx="0">
+            <a:schemeClr val="accent6"/>
+          </a:fillRef>
+          <a:effectRef idx="1">
+            <a:schemeClr val="accent6"/>
+          </a:effectRef>
+          <a:fontRef idx="minor">
+            <a:schemeClr val="tx1"/>
+          </a:fontRef>
+        </p:style>
+      </p:cxnSp>
+      <p:sp>
+        <p:nvSpPr>
+          <p:cNvPr id="29" name="ZoneTexte 28"/>
+          <p:cNvSpPr txBox="1"/>
+          <p:nvPr/>
+        </p:nvSpPr>
+        <p:spPr>
+          <a:xfrm>
+            <a:off x="571442" y="5286389"/>
+            <a:ext cx="1928826" cy="307777"/>
+          </a:xfrm>
+          <a:prstGeom prst="rect">
+            <a:avLst/>
+          </a:prstGeom>
+          <a:noFill/>
+        </p:spPr>
+        <p:txBody>
+          <a:bodyPr wrap="square" rtlCol="0">
+            <a:spAutoFit/>
+          </a:bodyPr>
+          <a:lstStyle/>
+          <a:p>
+            <a:pPr marL="0" marR="0" indent="0" algn="l" defTabSz="914400" rtl="0" eaLnBrk="1" fontAlgn="auto" latinLnBrk="0" hangingPunct="1">
+              <a:lnSpc>
+                <a:spcPct val="100000"/>
+              </a:lnSpc>
+              <a:spcBef>
+                <a:spcPct val="20000"/>
+              </a:spcBef>
+              <a:spcAft>
+                <a:spcPts val="0"/>
+              </a:spcAft>
+              <a:buClrTx/>
+              <a:buSzTx/>
+              <a:buFontTx/>
+              <a:buNone/>
+              <a:tabLst/>
+            </a:pPr>
+            <a:r>
+              <a:rPr lang="fr-FR" sz="1400" b="1" kern="0" dirty="0" err="1" smtClean="0">
+                <a:solidFill>
+                  <a:schemeClr val="accent6">
+                    <a:lumMod val="75000"/>
+                  </a:schemeClr>
+                </a:solidFill>
+                <a:latin typeface="+mn-lt"/>
+                <a:cs typeface="+mn-cs"/>
+              </a:rPr>
+              <a:t>Sorted</a:t>
+            </a:r>
+            <a:r>
+              <a:rPr lang="fr-FR" sz="1400" b="1" kern="0" dirty="0" smtClean="0">
+                <a:solidFill>
+                  <a:schemeClr val="accent6">
+                    <a:lumMod val="75000"/>
+                  </a:schemeClr>
+                </a:solidFill>
+                <a:latin typeface="+mn-lt"/>
+                <a:cs typeface="+mn-cs"/>
+              </a:rPr>
+              <a:t> values</a:t>
+            </a:r>
+            <a:endParaRPr kumimoji="0" lang="fr-FR" sz="1400" b="1" i="0" u="none" strike="noStrike" kern="0" cap="none" spc="0" normalizeH="0" baseline="0" noProof="0" dirty="0" smtClean="0">
+              <a:ln>
+                <a:noFill/>
+              </a:ln>
+              <a:solidFill>
+                <a:schemeClr val="accent6">
+                  <a:lumMod val="75000"/>
+                </a:schemeClr>
+              </a:solidFill>
+              <a:effectLst/>
+              <a:uLnTx/>
+              <a:uFillTx/>
+              <a:latin typeface="+mn-lt"/>
+              <a:ea typeface="+mn-ea"/>
+              <a:cs typeface="+mn-cs"/>
+            </a:endParaRPr>
+          </a:p>
+        </p:txBody>
+      </p:sp>
+      <p:cxnSp>
+        <p:nvCxnSpPr>
+          <p:cNvPr id="30" name="Connecteur en angle 28"/>
+          <p:cNvCxnSpPr>
+            <a:stCxn id="17" idx="4"/>
+            <a:endCxn id="9" idx="2"/>
+          </p:cNvCxnSpPr>
+          <p:nvPr/>
+        </p:nvCxnSpPr>
+        <p:spPr>
+          <a:xfrm>
+            <a:off x="1357260" y="3607596"/>
+            <a:ext cx="1785950" cy="1107289"/>
+          </a:xfrm>
+          <a:prstGeom prst="bentConnector4">
+            <a:avLst>
+              <a:gd name="adj1" fmla="val 12830"/>
+              <a:gd name="adj2" fmla="val 131738"/>
+            </a:avLst>
+          </a:prstGeom>
+          <a:ln>
+            <a:tailEnd type="arrow"/>
+          </a:ln>
+        </p:spPr>
+        <p:style>
+          <a:lnRef idx="2">
+            <a:schemeClr val="accent6"/>
+          </a:lnRef>
+          <a:fillRef idx="0">
+            <a:schemeClr val="accent6"/>
+          </a:fillRef>
+          <a:effectRef idx="1">
+            <a:schemeClr val="accent6"/>
+          </a:effectRef>
+          <a:fontRef idx="minor">
+            <a:schemeClr val="tx1"/>
+          </a:fontRef>
+        </p:style>
+      </p:cxnSp>
+      <p:sp>
+        <p:nvSpPr>
+          <p:cNvPr id="35" name="ZoneTexte 34"/>
+          <p:cNvSpPr txBox="1"/>
+          <p:nvPr/>
+        </p:nvSpPr>
+        <p:spPr>
+          <a:xfrm>
+            <a:off x="2143078" y="4786323"/>
+            <a:ext cx="1928826" cy="307777"/>
+          </a:xfrm>
+          <a:prstGeom prst="rect">
+            <a:avLst/>
+          </a:prstGeom>
+          <a:noFill/>
+        </p:spPr>
+        <p:txBody>
+          <a:bodyPr wrap="square" rtlCol="0">
+            <a:spAutoFit/>
+          </a:bodyPr>
+          <a:lstStyle/>
+          <a:p>
+            <a:pPr marL="0" marR="0" indent="0" algn="l" defTabSz="914400" rtl="0" eaLnBrk="1" fontAlgn="auto" latinLnBrk="0" hangingPunct="1">
+              <a:lnSpc>
+                <a:spcPct val="100000"/>
+              </a:lnSpc>
+              <a:spcBef>
+                <a:spcPct val="20000"/>
+              </a:spcBef>
+              <a:spcAft>
+                <a:spcPts val="0"/>
+              </a:spcAft>
+              <a:buClrTx/>
+              <a:buSzTx/>
+              <a:buFontTx/>
+              <a:buNone/>
+              <a:tabLst/>
+            </a:pPr>
+            <a:r>
+              <a:rPr kumimoji="0" lang="fr-FR" sz="1400" b="1" i="0" u="none" strike="noStrike" kern="0" cap="none" spc="0" normalizeH="0" baseline="0" noProof="0" dirty="0" smtClean="0">
+                <a:ln>
+                  <a:noFill/>
+                </a:ln>
+                <a:solidFill>
+                  <a:schemeClr val="accent6">
+                    <a:lumMod val="75000"/>
+                  </a:schemeClr>
+                </a:solidFill>
+                <a:effectLst/>
+                <a:uLnTx/>
+                <a:uFillTx/>
+                <a:latin typeface="+mn-lt"/>
+                <a:ea typeface="+mn-ea"/>
+                <a:cs typeface="+mn-cs"/>
+              </a:rPr>
+              <a:t>Values</a:t>
+            </a:r>
+            <a:endParaRPr kumimoji="0" lang="fr-FR" sz="1400" b="1" i="0" u="none" strike="noStrike" kern="0" cap="none" spc="0" normalizeH="0" baseline="0" noProof="0" dirty="0" smtClean="0">
+              <a:ln>
+                <a:noFill/>
+              </a:ln>
+              <a:solidFill>
+                <a:schemeClr val="accent6">
+                  <a:lumMod val="75000"/>
+                </a:schemeClr>
+              </a:solidFill>
+              <a:effectLst/>
+              <a:uLnTx/>
+              <a:uFillTx/>
+              <a:latin typeface="+mn-lt"/>
+              <a:ea typeface="+mn-ea"/>
+              <a:cs typeface="+mn-cs"/>
+            </a:endParaRPr>
+          </a:p>
+        </p:txBody>
+      </p:sp>
+      <p:cxnSp>
+        <p:nvCxnSpPr>
+          <p:cNvPr id="36" name="Connecteur en angle 28"/>
+          <p:cNvCxnSpPr>
+            <a:stCxn id="5" idx="0"/>
+            <a:endCxn id="22" idx="2"/>
+          </p:cNvCxnSpPr>
+          <p:nvPr/>
+        </p:nvCxnSpPr>
+        <p:spPr>
+          <a:xfrm rot="16200000" flipH="1">
+            <a:off x="5393522" y="-107196"/>
+            <a:ext cx="1214445" cy="3714806"/>
+          </a:xfrm>
+          <a:prstGeom prst="bentConnector5">
+            <a:avLst>
+              <a:gd name="adj1" fmla="val -12080"/>
+              <a:gd name="adj2" fmla="val 65384"/>
+              <a:gd name="adj3" fmla="val 127813"/>
+            </a:avLst>
+          </a:prstGeom>
+          <a:ln>
+            <a:tailEnd type="arrow"/>
+          </a:ln>
+        </p:spPr>
+        <p:style>
+          <a:lnRef idx="2">
+            <a:schemeClr val="accent6"/>
+          </a:lnRef>
+          <a:fillRef idx="0">
+            <a:schemeClr val="accent6"/>
+          </a:fillRef>
+          <a:effectRef idx="1">
+            <a:schemeClr val="accent6"/>
+          </a:effectRef>
+          <a:fontRef idx="minor">
+            <a:schemeClr val="tx1"/>
+          </a:fontRef>
+        </p:style>
+      </p:cxnSp>
+      <p:sp>
+        <p:nvSpPr>
+          <p:cNvPr id="40" name="ZoneTexte 39"/>
+          <p:cNvSpPr txBox="1"/>
+          <p:nvPr/>
+        </p:nvSpPr>
+        <p:spPr>
+          <a:xfrm>
+            <a:off x="6929392" y="2714620"/>
+            <a:ext cx="1928826" cy="307777"/>
+          </a:xfrm>
+          <a:prstGeom prst="rect">
+            <a:avLst/>
+          </a:prstGeom>
+          <a:noFill/>
+        </p:spPr>
+        <p:txBody>
+          <a:bodyPr wrap="square" rtlCol="0">
+            <a:spAutoFit/>
+          </a:bodyPr>
+          <a:lstStyle/>
+          <a:p>
+            <a:pPr marL="0" marR="0" indent="0" algn="l" defTabSz="914400" rtl="0" eaLnBrk="1" fontAlgn="auto" latinLnBrk="0" hangingPunct="1">
+              <a:lnSpc>
+                <a:spcPct val="100000"/>
+              </a:lnSpc>
+              <a:spcBef>
+                <a:spcPct val="20000"/>
+              </a:spcBef>
+              <a:spcAft>
+                <a:spcPts val="0"/>
+              </a:spcAft>
+              <a:buClrTx/>
+              <a:buSzTx/>
+              <a:buFontTx/>
+              <a:buNone/>
+              <a:tabLst/>
+            </a:pPr>
+            <a:r>
+              <a:rPr kumimoji="0" lang="fr-FR" sz="1400" b="1" i="0" u="none" strike="noStrike" kern="0" cap="none" spc="0" normalizeH="0" baseline="0" noProof="0" dirty="0" smtClean="0">
+                <a:ln>
+                  <a:noFill/>
+                </a:ln>
+                <a:solidFill>
+                  <a:schemeClr val="accent6">
+                    <a:lumMod val="75000"/>
+                  </a:schemeClr>
+                </a:solidFill>
+                <a:effectLst/>
+                <a:uLnTx/>
+                <a:uFillTx/>
+                <a:latin typeface="+mn-lt"/>
+                <a:ea typeface="+mn-ea"/>
+                <a:cs typeface="+mn-cs"/>
+              </a:rPr>
+              <a:t>Control </a:t>
+            </a:r>
+          </a:p>
+        </p:txBody>
+      </p:sp>
+      <p:cxnSp>
+        <p:nvCxnSpPr>
+          <p:cNvPr id="41" name="Connecteur en angle 28"/>
+          <p:cNvCxnSpPr>
+            <a:stCxn id="11" idx="3"/>
+            <a:endCxn id="21" idx="1"/>
+          </p:cNvCxnSpPr>
+          <p:nvPr/>
+        </p:nvCxnSpPr>
+        <p:spPr>
+          <a:xfrm>
+            <a:off x="6143606" y="2964654"/>
+            <a:ext cx="1143038" cy="1678792"/>
+          </a:xfrm>
+          <a:prstGeom prst="bentConnector3">
+            <a:avLst>
+              <a:gd name="adj1" fmla="val 45224"/>
+            </a:avLst>
+          </a:prstGeom>
+          <a:ln>
+            <a:tailEnd type="arrow"/>
+          </a:ln>
+        </p:spPr>
+        <p:style>
+          <a:lnRef idx="2">
+            <a:schemeClr val="accent6"/>
+          </a:lnRef>
+          <a:fillRef idx="0">
+            <a:schemeClr val="accent6"/>
+          </a:fillRef>
+          <a:effectRef idx="1">
+            <a:schemeClr val="accent6"/>
+          </a:effectRef>
+          <a:fontRef idx="minor">
+            <a:schemeClr val="tx1"/>
+          </a:fontRef>
+        </p:style>
+      </p:cxnSp>
+      <p:sp>
+        <p:nvSpPr>
+          <p:cNvPr id="45" name="ZoneTexte 44"/>
+          <p:cNvSpPr txBox="1"/>
+          <p:nvPr/>
+        </p:nvSpPr>
+        <p:spPr>
+          <a:xfrm>
+            <a:off x="6643702" y="3643314"/>
+            <a:ext cx="1928826" cy="307777"/>
+          </a:xfrm>
+          <a:prstGeom prst="rect">
+            <a:avLst/>
+          </a:prstGeom>
+          <a:noFill/>
+        </p:spPr>
+        <p:txBody>
+          <a:bodyPr wrap="square" rtlCol="0">
+            <a:spAutoFit/>
+          </a:bodyPr>
+          <a:lstStyle/>
+          <a:p>
+            <a:pPr marL="0" marR="0" indent="0" algn="l" defTabSz="914400" rtl="0" eaLnBrk="1" fontAlgn="auto" latinLnBrk="0" hangingPunct="1">
+              <a:lnSpc>
+                <a:spcPct val="100000"/>
+              </a:lnSpc>
+              <a:spcBef>
+                <a:spcPct val="20000"/>
+              </a:spcBef>
+              <a:spcAft>
+                <a:spcPts val="0"/>
+              </a:spcAft>
+              <a:buClrTx/>
+              <a:buSzTx/>
+              <a:buFontTx/>
+              <a:buNone/>
+              <a:tabLst/>
+            </a:pPr>
+            <a:r>
+              <a:rPr kumimoji="0" lang="fr-FR" sz="1400" b="1" i="0" u="none" strike="noStrike" kern="0" cap="none" spc="0" normalizeH="0" baseline="0" noProof="0" dirty="0" err="1" smtClean="0">
+                <a:ln>
+                  <a:noFill/>
+                </a:ln>
+                <a:solidFill>
+                  <a:schemeClr val="accent6">
+                    <a:lumMod val="75000"/>
+                  </a:schemeClr>
+                </a:solidFill>
+                <a:effectLst/>
+                <a:uLnTx/>
+                <a:uFillTx/>
+                <a:latin typeface="+mn-lt"/>
+                <a:ea typeface="+mn-ea"/>
+                <a:cs typeface="+mn-cs"/>
+              </a:rPr>
+              <a:t>Localization</a:t>
+            </a:r>
+            <a:endParaRPr kumimoji="0" lang="fr-FR" sz="1400" b="1" i="0" u="none" strike="noStrike" kern="0" cap="none" spc="0" normalizeH="0" baseline="0" noProof="0" dirty="0" smtClean="0">
+              <a:ln>
+                <a:noFill/>
+              </a:ln>
+              <a:solidFill>
+                <a:schemeClr val="accent6">
+                  <a:lumMod val="75000"/>
+                </a:schemeClr>
+              </a:solidFill>
+              <a:effectLst/>
+              <a:uLnTx/>
+              <a:uFillTx/>
+              <a:latin typeface="+mn-lt"/>
+              <a:ea typeface="+mn-ea"/>
+              <a:cs typeface="+mn-cs"/>
+            </a:endParaRPr>
+          </a:p>
+        </p:txBody>
+      </p:sp>
+      <p:cxnSp>
+        <p:nvCxnSpPr>
+          <p:cNvPr id="46" name="Connecteur en angle 28"/>
+          <p:cNvCxnSpPr>
+            <a:stCxn id="21" idx="3"/>
+            <a:endCxn id="22" idx="0"/>
+          </p:cNvCxnSpPr>
+          <p:nvPr/>
+        </p:nvCxnSpPr>
+        <p:spPr>
+          <a:xfrm flipV="1">
+            <a:off x="8215338" y="1750207"/>
+            <a:ext cx="500066" cy="2893239"/>
+          </a:xfrm>
+          <a:prstGeom prst="bentConnector3">
+            <a:avLst>
+              <a:gd name="adj1" fmla="val 145714"/>
+            </a:avLst>
+          </a:prstGeom>
+          <a:ln>
+            <a:tailEnd type="arrow"/>
+          </a:ln>
+        </p:spPr>
+        <p:style>
+          <a:lnRef idx="2">
+            <a:schemeClr val="accent6"/>
+          </a:lnRef>
+          <a:fillRef idx="0">
+            <a:schemeClr val="accent6"/>
+          </a:fillRef>
+          <a:effectRef idx="1">
+            <a:schemeClr val="accent6"/>
+          </a:effectRef>
+          <a:fontRef idx="minor">
+            <a:schemeClr val="tx1"/>
+          </a:fontRef>
+        </p:style>
+      </p:cxnSp>
+      <p:sp>
+        <p:nvSpPr>
+          <p:cNvPr id="49" name="ZoneTexte 48"/>
+          <p:cNvSpPr txBox="1"/>
+          <p:nvPr/>
+        </p:nvSpPr>
+        <p:spPr>
+          <a:xfrm>
+            <a:off x="7858148" y="3071810"/>
+            <a:ext cx="1928826" cy="307777"/>
+          </a:xfrm>
+          <a:prstGeom prst="rect">
+            <a:avLst/>
+          </a:prstGeom>
+          <a:noFill/>
+        </p:spPr>
+        <p:txBody>
+          <a:bodyPr wrap="square" rtlCol="0">
+            <a:spAutoFit/>
+          </a:bodyPr>
+          <a:lstStyle/>
+          <a:p>
+            <a:pPr marL="0" marR="0" indent="0" algn="l" defTabSz="914400" rtl="0" eaLnBrk="1" fontAlgn="auto" latinLnBrk="0" hangingPunct="1">
+              <a:lnSpc>
+                <a:spcPct val="100000"/>
+              </a:lnSpc>
+              <a:spcBef>
+                <a:spcPct val="20000"/>
+              </a:spcBef>
+              <a:spcAft>
+                <a:spcPts val="0"/>
+              </a:spcAft>
+              <a:buClrTx/>
+              <a:buSzTx/>
+              <a:buFontTx/>
+              <a:buNone/>
+              <a:tabLst/>
+            </a:pPr>
+            <a:r>
+              <a:rPr kumimoji="0" lang="fr-FR" sz="1400" b="1" i="0" u="none" strike="noStrike" kern="0" cap="none" spc="0" normalizeH="0" baseline="0" noProof="0" dirty="0" err="1" smtClean="0">
+                <a:ln>
+                  <a:noFill/>
+                </a:ln>
+                <a:solidFill>
+                  <a:schemeClr val="accent6">
+                    <a:lumMod val="75000"/>
+                  </a:schemeClr>
+                </a:solidFill>
+                <a:effectLst/>
+                <a:uLnTx/>
+                <a:uFillTx/>
+                <a:latin typeface="+mn-lt"/>
+                <a:ea typeface="+mn-ea"/>
+                <a:cs typeface="+mn-cs"/>
+              </a:rPr>
+              <a:t>Localization</a:t>
+            </a:r>
+            <a:endParaRPr kumimoji="0" lang="fr-FR" sz="1400" b="1" i="0" u="none" strike="noStrike" kern="0" cap="none" spc="0" normalizeH="0" baseline="0" noProof="0" dirty="0" smtClean="0">
+              <a:ln>
+                <a:noFill/>
+              </a:ln>
+              <a:solidFill>
+                <a:schemeClr val="accent6">
+                  <a:lumMod val="75000"/>
+                </a:schemeClr>
+              </a:solidFill>
+              <a:effectLst/>
+              <a:uLnTx/>
+              <a:uFillTx/>
+              <a:latin typeface="+mn-lt"/>
+              <a:ea typeface="+mn-ea"/>
+              <a:cs typeface="+mn-cs"/>
+            </a:endParaRPr>
+          </a:p>
+        </p:txBody>
+      </p:sp>
+      <p:cxnSp>
+        <p:nvCxnSpPr>
+          <p:cNvPr id="51" name="Connecteur en angle 28"/>
+          <p:cNvCxnSpPr>
+            <a:stCxn id="5" idx="3"/>
+            <a:endCxn id="14" idx="3"/>
+          </p:cNvCxnSpPr>
+          <p:nvPr/>
+        </p:nvCxnSpPr>
+        <p:spPr>
+          <a:xfrm>
+            <a:off x="6143606" y="1500175"/>
+            <a:ext cx="1588" cy="4786346"/>
+          </a:xfrm>
+          <a:prstGeom prst="bentConnector3">
+            <a:avLst>
+              <a:gd name="adj1" fmla="val 14395470"/>
+            </a:avLst>
+          </a:prstGeom>
+          <a:ln>
+            <a:headEnd type="none" w="med" len="med"/>
+            <a:tailEnd type="triangle" w="med" len="med"/>
+          </a:ln>
+        </p:spPr>
+        <p:style>
+          <a:lnRef idx="3">
+            <a:schemeClr val="accent4"/>
+          </a:lnRef>
+          <a:fillRef idx="0">
+            <a:schemeClr val="accent4"/>
+          </a:fillRef>
+          <a:effectRef idx="2">
+            <a:schemeClr val="accent4"/>
+          </a:effectRef>
+          <a:fontRef idx="minor">
+            <a:schemeClr val="tx1"/>
+          </a:fontRef>
+        </p:style>
+      </p:cxnSp>
+      <p:sp>
+        <p:nvSpPr>
+          <p:cNvPr id="58" name="ZoneTexte 57"/>
+          <p:cNvSpPr txBox="1"/>
+          <p:nvPr/>
+        </p:nvSpPr>
+        <p:spPr>
+          <a:xfrm>
+            <a:off x="4429124" y="4786322"/>
+            <a:ext cx="1928826" cy="566309"/>
+          </a:xfrm>
+          <a:prstGeom prst="rect">
+            <a:avLst/>
+          </a:prstGeom>
+          <a:noFill/>
+        </p:spPr>
+        <p:txBody>
+          <a:bodyPr wrap="square" rtlCol="0">
+            <a:spAutoFit/>
+          </a:bodyPr>
+          <a:lstStyle/>
+          <a:p>
+            <a:pPr marL="0" marR="0" indent="0" algn="r" defTabSz="914400" rtl="0" eaLnBrk="1" fontAlgn="auto" latinLnBrk="0" hangingPunct="1">
+              <a:lnSpc>
+                <a:spcPct val="100000"/>
+              </a:lnSpc>
+              <a:spcBef>
+                <a:spcPct val="20000"/>
+              </a:spcBef>
+              <a:spcAft>
+                <a:spcPts val="0"/>
+              </a:spcAft>
+              <a:buClrTx/>
+              <a:buSzTx/>
+              <a:buFontTx/>
+              <a:buNone/>
+              <a:tabLst/>
+            </a:pPr>
+            <a:r>
+              <a:rPr kumimoji="0" lang="fr-FR" sz="1400" b="1" i="0" u="none" strike="noStrike" kern="0" cap="none" spc="0" normalizeH="0" baseline="0" noProof="0" dirty="0" smtClean="0">
+                <a:ln>
+                  <a:noFill/>
+                </a:ln>
+                <a:solidFill>
+                  <a:schemeClr val="accent4">
+                    <a:shade val="50000"/>
+                  </a:schemeClr>
+                </a:solidFill>
+                <a:effectLst/>
+                <a:uLnTx/>
+                <a:uFillTx/>
+                <a:latin typeface="+mn-lt"/>
+                <a:ea typeface="+mn-ea"/>
+                <a:cs typeface="+mn-cs"/>
+              </a:rPr>
+              <a:t>System</a:t>
+            </a:r>
+            <a:r>
+              <a:rPr kumimoji="0" lang="fr-FR" sz="1400" b="1" i="0" u="none" strike="noStrike" kern="0" cap="none" spc="0" normalizeH="0" noProof="0" dirty="0" smtClean="0">
+                <a:ln>
+                  <a:noFill/>
+                </a:ln>
+                <a:solidFill>
+                  <a:schemeClr val="accent4">
+                    <a:shade val="50000"/>
+                  </a:schemeClr>
+                </a:solidFill>
+                <a:effectLst/>
+                <a:uLnTx/>
+                <a:uFillTx/>
+                <a:latin typeface="+mn-lt"/>
+                <a:ea typeface="+mn-ea"/>
+                <a:cs typeface="+mn-cs"/>
+              </a:rPr>
+              <a:t> </a:t>
+            </a:r>
+          </a:p>
+          <a:p>
+            <a:pPr marL="0" marR="0" indent="0" algn="r" defTabSz="914400" rtl="0" eaLnBrk="1" fontAlgn="auto" latinLnBrk="0" hangingPunct="1">
+              <a:lnSpc>
+                <a:spcPct val="100000"/>
+              </a:lnSpc>
+              <a:spcBef>
+                <a:spcPct val="20000"/>
+              </a:spcBef>
+              <a:spcAft>
+                <a:spcPts val="0"/>
+              </a:spcAft>
+              <a:buClrTx/>
+              <a:buSzTx/>
+              <a:buFontTx/>
+              <a:buNone/>
+              <a:tabLst/>
+            </a:pPr>
+            <a:r>
+              <a:rPr kumimoji="0" lang="fr-FR" sz="1400" b="1" i="0" u="none" strike="noStrike" kern="0" cap="none" spc="0" normalizeH="0" noProof="0" dirty="0" err="1" smtClean="0">
+                <a:ln>
+                  <a:noFill/>
+                </a:ln>
+                <a:solidFill>
+                  <a:schemeClr val="accent4">
+                    <a:shade val="50000"/>
+                  </a:schemeClr>
+                </a:solidFill>
+                <a:effectLst/>
+                <a:uLnTx/>
+                <a:uFillTx/>
+                <a:latin typeface="+mn-lt"/>
+                <a:ea typeface="+mn-ea"/>
+                <a:cs typeface="+mn-cs"/>
+              </a:rPr>
+              <a:t>recovery</a:t>
+            </a:r>
+            <a:endParaRPr kumimoji="0" lang="fr-FR" sz="1400" b="1" i="0" u="none" strike="noStrike" kern="0" cap="none" spc="0" normalizeH="0" baseline="0" noProof="0" dirty="0" smtClean="0">
+              <a:ln>
+                <a:noFill/>
+              </a:ln>
+              <a:solidFill>
+                <a:schemeClr val="accent4">
+                  <a:shade val="50000"/>
+                </a:schemeClr>
+              </a:solidFill>
+              <a:effectLst/>
+              <a:uLnTx/>
+              <a:uFillTx/>
+              <a:latin typeface="+mn-lt"/>
+              <a:ea typeface="+mn-ea"/>
+              <a:cs typeface="+mn-cs"/>
+            </a:endParaRPr>
+          </a:p>
+        </p:txBody>
+      </p:sp>
+      <p:sp>
+        <p:nvSpPr>
+          <p:cNvPr id="67" name="Rectangle 66"/>
+          <p:cNvSpPr/>
+          <p:nvPr/>
+        </p:nvSpPr>
+        <p:spPr>
+          <a:xfrm>
+            <a:off x="7286644" y="5643578"/>
+            <a:ext cx="1857388" cy="1214422"/>
+          </a:xfrm>
+          <a:prstGeom prst="rect">
+            <a:avLst/>
+          </a:prstGeom>
+          <a:solidFill>
+            <a:schemeClr val="bg1"/>
+          </a:solidFill>
+          <a:ln>
+            <a:noFill/>
+          </a:ln>
+          <a:effectLst>
+            <a:outerShdw blurRad="50800" dist="38100" dir="13500000" algn="br" rotWithShape="0">
+              <a:prstClr val="black">
+                <a:alpha val="40000"/>
+              </a:prstClr>
+            </a:outerShdw>
+          </a:effectLst>
+        </p:spPr>
+        <p:style>
+          <a:lnRef idx="2">
+            <a:schemeClr val="accent1">
+              <a:shade val="50000"/>
+            </a:schemeClr>
+          </a:lnRef>
+          <a:fillRef idx="1">
+            <a:schemeClr val="accent1"/>
+          </a:fillRef>
+          <a:effectRef idx="0">
+            <a:schemeClr val="accent1"/>
+          </a:effectRef>
+          <a:fontRef idx="minor">
+            <a:schemeClr val="lt1"/>
+          </a:fontRef>
+        </p:style>
+        <p:txBody>
+          <a:bodyPr rtlCol="0" anchor="ctr"/>
+          <a:lstStyle/>
+          <a:p>
+            <a:pPr algn="ctr"/>
+            <a:endParaRPr lang="fr-FR" dirty="0"/>
+          </a:p>
+        </p:txBody>
+      </p:sp>
+      <p:cxnSp>
+        <p:nvCxnSpPr>
+          <p:cNvPr id="68" name="Connecteur en angle 28"/>
+          <p:cNvCxnSpPr/>
+          <p:nvPr/>
+        </p:nvCxnSpPr>
+        <p:spPr>
+          <a:xfrm>
+            <a:off x="7429520" y="6286520"/>
+            <a:ext cx="500066" cy="1588"/>
+          </a:xfrm>
+          <a:prstGeom prst="bentConnector3">
+            <a:avLst>
+              <a:gd name="adj1" fmla="val 50000"/>
+            </a:avLst>
+          </a:prstGeom>
+          <a:ln>
+            <a:tailEnd type="arrow"/>
+          </a:ln>
+        </p:spPr>
+        <p:style>
+          <a:lnRef idx="2">
+            <a:schemeClr val="accent6"/>
+          </a:lnRef>
+          <a:fillRef idx="0">
+            <a:schemeClr val="accent6"/>
+          </a:fillRef>
+          <a:effectRef idx="1">
+            <a:schemeClr val="accent6"/>
+          </a:effectRef>
+          <a:fontRef idx="minor">
+            <a:schemeClr val="tx1"/>
+          </a:fontRef>
+        </p:style>
+      </p:cxnSp>
+      <p:cxnSp>
+        <p:nvCxnSpPr>
+          <p:cNvPr id="69" name="Connecteur en angle 28"/>
+          <p:cNvCxnSpPr/>
+          <p:nvPr/>
+        </p:nvCxnSpPr>
+        <p:spPr>
+          <a:xfrm>
+            <a:off x="7429520" y="6572272"/>
+            <a:ext cx="500066" cy="1588"/>
+          </a:xfrm>
+          <a:prstGeom prst="bentConnector3">
+            <a:avLst>
+              <a:gd name="adj1" fmla="val 50000"/>
+            </a:avLst>
+          </a:prstGeom>
+          <a:ln>
+            <a:headEnd type="none" w="med" len="med"/>
+            <a:tailEnd type="triangle" w="med" len="med"/>
+          </a:ln>
+        </p:spPr>
+        <p:style>
+          <a:lnRef idx="2">
+            <a:schemeClr val="accent4"/>
+          </a:lnRef>
+          <a:fillRef idx="0">
+            <a:schemeClr val="accent4"/>
+          </a:fillRef>
+          <a:effectRef idx="1">
+            <a:schemeClr val="accent4"/>
+          </a:effectRef>
+          <a:fontRef idx="minor">
+            <a:schemeClr val="tx1"/>
+          </a:fontRef>
+        </p:style>
+      </p:cxnSp>
+      <p:sp>
+        <p:nvSpPr>
+          <p:cNvPr id="70" name="ZoneTexte 69"/>
+          <p:cNvSpPr txBox="1"/>
+          <p:nvPr/>
+        </p:nvSpPr>
+        <p:spPr>
+          <a:xfrm>
+            <a:off x="8001024" y="6143644"/>
+            <a:ext cx="1928826" cy="307777"/>
+          </a:xfrm>
+          <a:prstGeom prst="rect">
+            <a:avLst/>
+          </a:prstGeom>
+          <a:noFill/>
+        </p:spPr>
+        <p:txBody>
+          <a:bodyPr wrap="square" rtlCol="0">
+            <a:spAutoFit/>
+          </a:bodyPr>
+          <a:lstStyle/>
+          <a:p>
+            <a:pPr marL="0" marR="0" indent="0" algn="l" defTabSz="914400" rtl="0" eaLnBrk="1" fontAlgn="auto" latinLnBrk="0" hangingPunct="1">
+              <a:lnSpc>
+                <a:spcPct val="100000"/>
+              </a:lnSpc>
+              <a:spcBef>
+                <a:spcPct val="20000"/>
+              </a:spcBef>
+              <a:spcAft>
+                <a:spcPts val="0"/>
+              </a:spcAft>
+              <a:buClrTx/>
+              <a:buSzTx/>
+              <a:buFontTx/>
+              <a:buNone/>
+              <a:tabLst/>
+            </a:pPr>
+            <a:r>
+              <a:rPr lang="fr-FR" sz="1400" b="1" kern="0" dirty="0" smtClean="0">
+                <a:solidFill>
+                  <a:schemeClr val="accent6">
+                    <a:lumMod val="75000"/>
+                  </a:schemeClr>
+                </a:solidFill>
+                <a:latin typeface="+mn-lt"/>
+                <a:cs typeface="+mn-cs"/>
+              </a:rPr>
+              <a:t>Data flow</a:t>
+            </a:r>
+            <a:endParaRPr kumimoji="0" lang="fr-FR" sz="1400" b="1" i="0" u="none" strike="noStrike" kern="0" cap="none" spc="0" normalizeH="0" baseline="0" noProof="0" dirty="0" smtClean="0">
+              <a:ln>
+                <a:noFill/>
+              </a:ln>
+              <a:solidFill>
+                <a:schemeClr val="accent6">
+                  <a:lumMod val="75000"/>
+                </a:schemeClr>
+              </a:solidFill>
+              <a:effectLst/>
+              <a:uLnTx/>
+              <a:uFillTx/>
+              <a:latin typeface="+mn-lt"/>
+              <a:ea typeface="+mn-ea"/>
+              <a:cs typeface="+mn-cs"/>
+            </a:endParaRPr>
+          </a:p>
+        </p:txBody>
+      </p:sp>
+      <p:sp>
+        <p:nvSpPr>
+          <p:cNvPr id="71" name="ZoneTexte 70"/>
+          <p:cNvSpPr txBox="1"/>
+          <p:nvPr/>
+        </p:nvSpPr>
+        <p:spPr>
+          <a:xfrm>
+            <a:off x="8001024" y="6407371"/>
+            <a:ext cx="1928826" cy="307777"/>
+          </a:xfrm>
+          <a:prstGeom prst="rect">
+            <a:avLst/>
+          </a:prstGeom>
+          <a:noFill/>
+        </p:spPr>
+        <p:txBody>
+          <a:bodyPr wrap="square" rtlCol="0">
+            <a:spAutoFit/>
+          </a:bodyPr>
+          <a:lstStyle/>
+          <a:p>
+            <a:pPr marL="0" marR="0" indent="0" algn="l" defTabSz="914400" rtl="0" eaLnBrk="1" fontAlgn="auto" latinLnBrk="0" hangingPunct="1">
+              <a:lnSpc>
+                <a:spcPct val="100000"/>
+              </a:lnSpc>
+              <a:spcBef>
+                <a:spcPct val="20000"/>
+              </a:spcBef>
+              <a:spcAft>
+                <a:spcPts val="0"/>
+              </a:spcAft>
+              <a:buClrTx/>
+              <a:buSzTx/>
+              <a:buFontTx/>
+              <a:buNone/>
+              <a:tabLst/>
+            </a:pPr>
+            <a:r>
+              <a:rPr kumimoji="0" lang="fr-FR" sz="1400" b="1" i="0" u="none" strike="noStrike" kern="0" cap="none" spc="0" normalizeH="0" baseline="0" noProof="0" dirty="0" smtClean="0">
+                <a:ln>
+                  <a:noFill/>
+                </a:ln>
+                <a:solidFill>
+                  <a:schemeClr val="accent4">
+                    <a:shade val="50000"/>
+                  </a:schemeClr>
+                </a:solidFill>
+                <a:effectLst/>
+                <a:uLnTx/>
+                <a:uFillTx/>
+                <a:latin typeface="+mn-lt"/>
+                <a:ea typeface="+mn-ea"/>
+                <a:cs typeface="+mn-cs"/>
+              </a:rPr>
+              <a:t>Control flow</a:t>
+            </a:r>
+            <a:endParaRPr kumimoji="0" lang="fr-FR" sz="1400" b="1" i="0" u="none" strike="noStrike" kern="0" cap="none" spc="0" normalizeH="0" baseline="0" noProof="0" dirty="0" smtClean="0">
+              <a:ln>
+                <a:noFill/>
+              </a:ln>
+              <a:solidFill>
+                <a:schemeClr val="accent4">
+                  <a:shade val="50000"/>
+                </a:schemeClr>
+              </a:solidFill>
+              <a:effectLst/>
+              <a:uLnTx/>
+              <a:uFillTx/>
+              <a:latin typeface="+mn-lt"/>
+              <a:ea typeface="+mn-ea"/>
+              <a:cs typeface="+mn-cs"/>
+            </a:endParaRPr>
+          </a:p>
+        </p:txBody>
+      </p:sp>
+      <p:sp>
+        <p:nvSpPr>
+          <p:cNvPr id="72" name="ZoneTexte 71"/>
+          <p:cNvSpPr txBox="1"/>
+          <p:nvPr/>
+        </p:nvSpPr>
+        <p:spPr>
+          <a:xfrm>
+            <a:off x="7715272" y="5643578"/>
+            <a:ext cx="1079142" cy="400110"/>
+          </a:xfrm>
+          <a:prstGeom prst="rect">
+            <a:avLst/>
+          </a:prstGeom>
+          <a:noFill/>
+          <a:ln>
+            <a:noFill/>
+          </a:ln>
+        </p:spPr>
+        <p:txBody>
+          <a:bodyPr wrap="none" rtlCol="0">
+            <a:spAutoFit/>
+          </a:bodyPr>
+          <a:lstStyle/>
+          <a:p>
+            <a:pPr marL="0" marR="0" indent="0" algn="l" defTabSz="914400" rtl="0" eaLnBrk="1" fontAlgn="auto" latinLnBrk="0" hangingPunct="1">
+              <a:lnSpc>
+                <a:spcPct val="100000"/>
+              </a:lnSpc>
+              <a:spcBef>
+                <a:spcPct val="20000"/>
+              </a:spcBef>
+              <a:spcAft>
+                <a:spcPts val="0"/>
+              </a:spcAft>
+              <a:buClrTx/>
+              <a:buSzTx/>
+              <a:buFontTx/>
+              <a:buNone/>
+              <a:tabLst/>
+            </a:pPr>
+            <a:r>
+              <a:rPr kumimoji="0" lang="fr-FR" sz="2000" b="1" i="0" u="none" strike="noStrike" kern="0" cap="none" spc="0" normalizeH="0" baseline="0" noProof="0" dirty="0" err="1" smtClean="0">
+                <a:ln>
+                  <a:noFill/>
+                </a:ln>
+                <a:effectLst>
+                  <a:outerShdw blurRad="38100" dist="38100" dir="2700000" algn="tl">
+                    <a:srgbClr val="000000">
+                      <a:alpha val="43137"/>
+                    </a:srgbClr>
+                  </a:outerShdw>
+                </a:effectLst>
+                <a:uLnTx/>
+                <a:uFillTx/>
+                <a:latin typeface="+mn-lt"/>
+                <a:ea typeface="+mn-ea"/>
+                <a:cs typeface="+mn-cs"/>
+              </a:rPr>
+              <a:t>Legend</a:t>
+            </a:r>
+            <a:r>
+              <a:rPr kumimoji="0" lang="fr-FR" sz="2000" b="1" i="0" u="none" strike="noStrike" kern="0" cap="none" spc="0" normalizeH="0" baseline="0" noProof="0" dirty="0" smtClean="0">
+                <a:ln>
+                  <a:noFill/>
+                </a:ln>
+                <a:effectLst>
+                  <a:outerShdw blurRad="38100" dist="38100" dir="2700000" algn="tl">
+                    <a:srgbClr val="000000">
+                      <a:alpha val="43137"/>
+                    </a:srgbClr>
+                  </a:outerShdw>
+                </a:effectLst>
+                <a:uLnTx/>
+                <a:uFillTx/>
+                <a:latin typeface="+mn-lt"/>
+                <a:ea typeface="+mn-ea"/>
+                <a:cs typeface="+mn-cs"/>
+              </a:rPr>
+              <a:t> :</a:t>
+            </a:r>
+            <a:endParaRPr kumimoji="0" lang="fr-FR" sz="2000" b="1" i="0" u="none" strike="noStrike" kern="0" cap="none" spc="0" normalizeH="0" baseline="0" noProof="0" dirty="0" smtClean="0">
+              <a:ln>
+                <a:noFill/>
+              </a:ln>
+              <a:effectLst>
+                <a:outerShdw blurRad="38100" dist="38100" dir="2700000" algn="tl">
+                  <a:srgbClr val="000000">
+                    <a:alpha val="43137"/>
+                  </a:srgbClr>
+                </a:outerShdw>
+              </a:effectLst>
+              <a:uLnTx/>
+              <a:uFillTx/>
+              <a:latin typeface="+mn-lt"/>
+              <a:ea typeface="+mn-ea"/>
+              <a:cs typeface="+mn-cs"/>
+            </a:endParaRPr>
+          </a:p>
+        </p:txBody>
+      </p:sp>
+      <p:sp>
+        <p:nvSpPr>
+          <p:cNvPr id="80" name="Ellipse 79"/>
+          <p:cNvSpPr/>
+          <p:nvPr/>
+        </p:nvSpPr>
+        <p:spPr>
+          <a:xfrm>
+            <a:off x="2143108" y="1142984"/>
+            <a:ext cx="4000528" cy="3571900"/>
+          </a:xfrm>
+          <a:prstGeom prst="ellipse">
+            <a:avLst/>
+          </a:prstGeom>
+          <a:noFill/>
+          <a:ln w="19050">
+            <a:solidFill>
+              <a:schemeClr val="bg1">
+                <a:lumMod val="65000"/>
+              </a:schemeClr>
+            </a:solidFill>
+            <a:prstDash val="dash"/>
+          </a:ln>
+        </p:spPr>
+        <p:style>
+          <a:lnRef idx="2">
+            <a:schemeClr val="accent1">
+              <a:shade val="50000"/>
+            </a:schemeClr>
+          </a:lnRef>
+          <a:fillRef idx="1">
+            <a:schemeClr val="accent1"/>
+          </a:fillRef>
+          <a:effectRef idx="0">
+            <a:schemeClr val="accent1"/>
+          </a:effectRef>
+          <a:fontRef idx="minor">
+            <a:schemeClr val="lt1"/>
+          </a:fontRef>
+        </p:style>
+        <p:txBody>
+          <a:bodyPr rtlCol="0" anchor="ctr"/>
+          <a:lstStyle/>
+          <a:p>
+            <a:pPr algn="ctr"/>
+            <a:endParaRPr lang="fr-FR"/>
+          </a:p>
+        </p:txBody>
+      </p:sp>
+      <p:sp>
+        <p:nvSpPr>
+          <p:cNvPr id="81" name="Ellipse 80"/>
+          <p:cNvSpPr/>
+          <p:nvPr/>
+        </p:nvSpPr>
+        <p:spPr>
+          <a:xfrm>
+            <a:off x="2143108" y="5500702"/>
+            <a:ext cx="4000528" cy="1071570"/>
+          </a:xfrm>
+          <a:prstGeom prst="ellipse">
+            <a:avLst/>
+          </a:prstGeom>
+          <a:noFill/>
+          <a:ln w="19050">
+            <a:solidFill>
+              <a:schemeClr val="bg1">
+                <a:lumMod val="50000"/>
+              </a:schemeClr>
+            </a:solidFill>
+            <a:prstDash val="dash"/>
+          </a:ln>
+        </p:spPr>
+        <p:style>
+          <a:lnRef idx="2">
+            <a:schemeClr val="accent1">
+              <a:shade val="50000"/>
+            </a:schemeClr>
+          </a:lnRef>
+          <a:fillRef idx="1">
+            <a:schemeClr val="accent1"/>
+          </a:fillRef>
+          <a:effectRef idx="0">
+            <a:schemeClr val="accent1"/>
+          </a:effectRef>
+          <a:fontRef idx="minor">
+            <a:schemeClr val="lt1"/>
+          </a:fontRef>
+        </p:style>
+        <p:txBody>
+          <a:bodyPr rtlCol="0" anchor="ctr"/>
+          <a:lstStyle/>
+          <a:p>
+            <a:pPr algn="ctr"/>
+            <a:endParaRPr lang="fr-FR"/>
+          </a:p>
+        </p:txBody>
+      </p:sp>
+      <p:sp>
+        <p:nvSpPr>
+          <p:cNvPr id="82" name="ZoneTexte 81"/>
+          <p:cNvSpPr txBox="1"/>
+          <p:nvPr/>
+        </p:nvSpPr>
+        <p:spPr>
+          <a:xfrm>
+            <a:off x="357158" y="1857364"/>
+            <a:ext cx="1261884" cy="634020"/>
+          </a:xfrm>
+          <a:prstGeom prst="rect">
+            <a:avLst/>
+          </a:prstGeom>
+          <a:noFill/>
+          <a:ln>
+            <a:noFill/>
+          </a:ln>
+        </p:spPr>
+        <p:txBody>
+          <a:bodyPr wrap="none" rtlCol="0">
+            <a:spAutoFit/>
+          </a:bodyPr>
+          <a:lstStyle/>
+          <a:p>
+            <a:pPr marL="0" marR="0" indent="0" algn="ctr" defTabSz="914400" rtl="0" eaLnBrk="1" fontAlgn="auto" latinLnBrk="0" hangingPunct="1">
+              <a:lnSpc>
+                <a:spcPct val="100000"/>
+              </a:lnSpc>
+              <a:spcBef>
+                <a:spcPct val="20000"/>
+              </a:spcBef>
+              <a:spcAft>
+                <a:spcPts val="0"/>
+              </a:spcAft>
+              <a:buClrTx/>
+              <a:buSzTx/>
+              <a:buFontTx/>
+              <a:buNone/>
+              <a:tabLst/>
+            </a:pPr>
+            <a:r>
+              <a:rPr kumimoji="0" lang="fr-FR" sz="1600" i="0" u="none" strike="noStrike" kern="0" cap="none" spc="0" normalizeH="0" baseline="0" noProof="0" dirty="0" smtClean="0">
+                <a:ln>
+                  <a:noFill/>
+                </a:ln>
+                <a:solidFill>
+                  <a:schemeClr val="bg1">
+                    <a:lumMod val="50000"/>
+                  </a:schemeClr>
+                </a:solidFill>
+                <a:uLnTx/>
+                <a:uFillTx/>
+                <a:latin typeface="+mn-lt"/>
+                <a:ea typeface="+mn-ea"/>
+                <a:cs typeface="+mn-cs"/>
+              </a:rPr>
+              <a:t>FDIR control </a:t>
+            </a:r>
+          </a:p>
+          <a:p>
+            <a:pPr marL="0" marR="0" indent="0" algn="ctr" defTabSz="914400" rtl="0" eaLnBrk="1" fontAlgn="auto" latinLnBrk="0" hangingPunct="1">
+              <a:lnSpc>
+                <a:spcPct val="100000"/>
+              </a:lnSpc>
+              <a:spcBef>
+                <a:spcPct val="20000"/>
+              </a:spcBef>
+              <a:spcAft>
+                <a:spcPts val="0"/>
+              </a:spcAft>
+              <a:buClrTx/>
+              <a:buSzTx/>
+              <a:buFontTx/>
+              <a:buNone/>
+              <a:tabLst/>
+            </a:pPr>
+            <a:r>
+              <a:rPr kumimoji="0" lang="fr-FR" sz="1600" i="0" u="none" strike="noStrike" kern="0" cap="none" spc="0" normalizeH="0" baseline="0" noProof="0" dirty="0" smtClean="0">
+                <a:ln>
+                  <a:noFill/>
+                </a:ln>
+                <a:solidFill>
+                  <a:schemeClr val="bg1">
+                    <a:lumMod val="50000"/>
+                  </a:schemeClr>
+                </a:solidFill>
+                <a:uLnTx/>
+                <a:uFillTx/>
+                <a:latin typeface="+mn-lt"/>
+                <a:ea typeface="+mn-ea"/>
+                <a:cs typeface="+mn-cs"/>
+              </a:rPr>
+              <a:t>system</a:t>
+            </a:r>
+            <a:endParaRPr kumimoji="0" lang="fr-FR" sz="1600" i="0" u="none" strike="noStrike" kern="0" cap="none" spc="0" normalizeH="0" baseline="0" noProof="0" dirty="0" smtClean="0">
+              <a:ln>
+                <a:noFill/>
+              </a:ln>
+              <a:solidFill>
+                <a:schemeClr val="bg1">
+                  <a:lumMod val="50000"/>
+                </a:schemeClr>
+              </a:solidFill>
+              <a:uLnTx/>
+              <a:uFillTx/>
+              <a:latin typeface="+mn-lt"/>
+              <a:ea typeface="+mn-ea"/>
+              <a:cs typeface="+mn-cs"/>
+            </a:endParaRPr>
+          </a:p>
+        </p:txBody>
+      </p:sp>
+      <p:sp>
+        <p:nvSpPr>
+          <p:cNvPr id="83" name="ZoneTexte 82"/>
+          <p:cNvSpPr txBox="1"/>
+          <p:nvPr/>
+        </p:nvSpPr>
+        <p:spPr>
+          <a:xfrm>
+            <a:off x="285720" y="5929330"/>
+            <a:ext cx="998991" cy="634020"/>
+          </a:xfrm>
+          <a:prstGeom prst="rect">
+            <a:avLst/>
+          </a:prstGeom>
+          <a:noFill/>
+          <a:ln>
+            <a:noFill/>
+          </a:ln>
+        </p:spPr>
+        <p:txBody>
+          <a:bodyPr wrap="none" rtlCol="0">
+            <a:spAutoFit/>
+          </a:bodyPr>
+          <a:lstStyle/>
+          <a:p>
+            <a:pPr marL="0" marR="0" indent="0" algn="l" defTabSz="914400" rtl="0" eaLnBrk="1" fontAlgn="auto" latinLnBrk="0" hangingPunct="1">
+              <a:lnSpc>
+                <a:spcPct val="100000"/>
+              </a:lnSpc>
+              <a:spcBef>
+                <a:spcPct val="20000"/>
+              </a:spcBef>
+              <a:spcAft>
+                <a:spcPts val="0"/>
+              </a:spcAft>
+              <a:buClrTx/>
+              <a:buSzTx/>
+              <a:buFontTx/>
+              <a:buNone/>
+              <a:tabLst/>
+            </a:pPr>
+            <a:r>
+              <a:rPr kumimoji="0" lang="fr-FR" sz="1600" i="0" u="none" strike="noStrike" kern="0" cap="none" spc="0" normalizeH="0" baseline="0" noProof="0" dirty="0" smtClean="0">
+                <a:ln>
+                  <a:noFill/>
+                </a:ln>
+                <a:solidFill>
+                  <a:schemeClr val="bg1">
+                    <a:lumMod val="50000"/>
+                  </a:schemeClr>
+                </a:solidFill>
+                <a:uLnTx/>
+                <a:uFillTx/>
+                <a:latin typeface="+mn-lt"/>
+                <a:ea typeface="+mn-ea"/>
+                <a:cs typeface="+mn-cs"/>
+              </a:rPr>
+              <a:t>FDIR </a:t>
+            </a:r>
+            <a:r>
+              <a:rPr kumimoji="0" lang="fr-FR" sz="1600" i="0" u="none" strike="noStrike" kern="0" cap="none" spc="0" normalizeH="0" baseline="0" noProof="0" dirty="0" err="1" smtClean="0">
+                <a:ln>
+                  <a:noFill/>
+                </a:ln>
+                <a:solidFill>
+                  <a:schemeClr val="bg1">
+                    <a:lumMod val="50000"/>
+                  </a:schemeClr>
+                </a:solidFill>
+                <a:uLnTx/>
+                <a:uFillTx/>
+                <a:latin typeface="+mn-lt"/>
+                <a:ea typeface="+mn-ea"/>
+                <a:cs typeface="+mn-cs"/>
+              </a:rPr>
+              <a:t>fault</a:t>
+            </a:r>
+            <a:endParaRPr kumimoji="0" lang="fr-FR" sz="1600" i="0" u="none" strike="noStrike" kern="0" cap="none" spc="0" normalizeH="0" baseline="0" noProof="0" dirty="0" smtClean="0">
+              <a:ln>
+                <a:noFill/>
+              </a:ln>
+              <a:solidFill>
+                <a:schemeClr val="bg1">
+                  <a:lumMod val="50000"/>
+                </a:schemeClr>
+              </a:solidFill>
+              <a:uLnTx/>
+              <a:uFillTx/>
+              <a:latin typeface="+mn-lt"/>
+              <a:ea typeface="+mn-ea"/>
+              <a:cs typeface="+mn-cs"/>
+            </a:endParaRPr>
+          </a:p>
+          <a:p>
+            <a:pPr marL="0" marR="0" indent="0" algn="ctr" defTabSz="914400" rtl="0" eaLnBrk="1" fontAlgn="auto" latinLnBrk="0" hangingPunct="1">
+              <a:lnSpc>
+                <a:spcPct val="100000"/>
+              </a:lnSpc>
+              <a:spcBef>
+                <a:spcPct val="20000"/>
+              </a:spcBef>
+              <a:spcAft>
+                <a:spcPts val="0"/>
+              </a:spcAft>
+              <a:buClrTx/>
+              <a:buSzTx/>
+              <a:buFontTx/>
+              <a:buNone/>
+              <a:tabLst/>
+            </a:pPr>
+            <a:r>
+              <a:rPr kumimoji="0" lang="fr-FR" sz="1600" i="0" u="none" strike="noStrike" kern="0" cap="none" spc="0" normalizeH="0" baseline="0" noProof="0" dirty="0" smtClean="0">
+                <a:ln>
+                  <a:noFill/>
+                </a:ln>
+                <a:solidFill>
+                  <a:schemeClr val="bg1">
+                    <a:lumMod val="50000"/>
+                  </a:schemeClr>
+                </a:solidFill>
+                <a:uLnTx/>
+                <a:uFillTx/>
+                <a:latin typeface="+mn-lt"/>
+                <a:ea typeface="+mn-ea"/>
+                <a:cs typeface="+mn-cs"/>
+              </a:rPr>
+              <a:t> detector</a:t>
+            </a:r>
+            <a:endParaRPr kumimoji="0" lang="fr-FR" sz="1600" i="0" u="none" strike="noStrike" kern="0" cap="none" spc="0" normalizeH="0" baseline="0" noProof="0" dirty="0" smtClean="0">
+              <a:ln>
+                <a:noFill/>
+              </a:ln>
+              <a:solidFill>
+                <a:schemeClr val="bg1">
+                  <a:lumMod val="50000"/>
+                </a:schemeClr>
+              </a:solidFill>
+              <a:uLnTx/>
+              <a:uFillTx/>
+              <a:latin typeface="+mn-lt"/>
+              <a:ea typeface="+mn-ea"/>
+              <a:cs typeface="+mn-cs"/>
+            </a:endParaRPr>
+          </a:p>
+        </p:txBody>
+      </p:sp>
+      <p:cxnSp>
+        <p:nvCxnSpPr>
+          <p:cNvPr id="85" name="Connecteur droit avec flèche 84"/>
+          <p:cNvCxnSpPr>
+            <a:stCxn id="82" idx="3"/>
+            <a:endCxn id="80" idx="2"/>
+          </p:cNvCxnSpPr>
+          <p:nvPr/>
+        </p:nvCxnSpPr>
+        <p:spPr>
+          <a:xfrm>
+            <a:off x="1619042" y="2174374"/>
+            <a:ext cx="524066" cy="754560"/>
+          </a:xfrm>
+          <a:prstGeom prst="straightConnector1">
+            <a:avLst/>
+          </a:prstGeom>
+          <a:ln>
+            <a:solidFill>
+              <a:schemeClr val="bg1">
+                <a:lumMod val="50000"/>
+              </a:schemeClr>
+            </a:solidFill>
+            <a:prstDash val="dash"/>
+            <a:tailEnd type="arrow"/>
+          </a:ln>
+        </p:spPr>
+        <p:style>
+          <a:lnRef idx="1">
+            <a:schemeClr val="accent1"/>
+          </a:lnRef>
+          <a:fillRef idx="0">
+            <a:schemeClr val="accent1"/>
+          </a:fillRef>
+          <a:effectRef idx="0">
+            <a:schemeClr val="accent1"/>
+          </a:effectRef>
+          <a:fontRef idx="minor">
+            <a:schemeClr val="tx1"/>
+          </a:fontRef>
+        </p:style>
+      </p:cxnSp>
+      <p:cxnSp>
+        <p:nvCxnSpPr>
+          <p:cNvPr id="89" name="Connecteur droit avec flèche 88"/>
+          <p:cNvCxnSpPr>
+            <a:stCxn id="83" idx="3"/>
+            <a:endCxn id="81" idx="2"/>
+          </p:cNvCxnSpPr>
+          <p:nvPr/>
+        </p:nvCxnSpPr>
+        <p:spPr>
+          <a:xfrm flipV="1">
+            <a:off x="1284711" y="6036487"/>
+            <a:ext cx="858397" cy="209853"/>
+          </a:xfrm>
+          <a:prstGeom prst="straightConnector1">
+            <a:avLst/>
+          </a:prstGeom>
+          <a:ln>
+            <a:solidFill>
+              <a:schemeClr val="bg1">
+                <a:lumMod val="50000"/>
+              </a:schemeClr>
+            </a:solidFill>
+            <a:prstDash val="dash"/>
+            <a:tailEnd type="arrow"/>
+          </a:ln>
+        </p:spPr>
+        <p:style>
+          <a:lnRef idx="1">
+            <a:schemeClr val="accent1"/>
+          </a:lnRef>
+          <a:fillRef idx="0">
+            <a:schemeClr val="accent1"/>
+          </a:fillRef>
+          <a:effectRef idx="0">
+            <a:schemeClr val="accent1"/>
+          </a:effectRef>
+          <a:fontRef idx="minor">
+            <a:schemeClr val="tx1"/>
+          </a:fontRef>
+        </p:style>
+      </p:cxnSp>
+    </p:spTree>
+  </p:cSld>
+  <p:clrMapOvr>
+    <a:masterClrMapping/>
+  </p:clrMapOvr>
+  <p:timing>
+    <p:tnLst>
+      <p:par>
+        <p:cTn id="1" dur="indefinite" restart="never" nodeType="tmRoot"/>
+      </p:par>
+    </p:tnLst>
+  </p:timing>
+</p:sld>
+</file>
+
+<file path=ppt/slides/slide12.xml><?xml version="1.0" encoding="utf-8"?>
+<p:sld xmlns:a="http://schemas.openxmlformats.org/drawingml/2006/main" xmlns:r="http://schemas.openxmlformats.org/officeDocument/2006/relationships" xmlns:p="http://schemas.openxmlformats.org/presentationml/2006/main">
+  <p:cSld>
+    <p:spTree>
+      <p:nvGrpSpPr>
+        <p:cNvPr id="1" name=""/>
+        <p:cNvGrpSpPr/>
+        <p:nvPr/>
+      </p:nvGrpSpPr>
+      <p:grpSpPr>
+        <a:xfrm>
+          <a:off x="0" y="0"/>
+          <a:ext cx="0" cy="0"/>
+          <a:chOff x="0" y="0"/>
+          <a:chExt cx="0" cy="0"/>
+        </a:xfrm>
+      </p:grpSpPr>
+      <p:sp>
+        <p:nvSpPr>
+          <p:cNvPr id="2" name="Title 1"/>
+          <p:cNvSpPr>
+            <a:spLocks noGrp="1"/>
+          </p:cNvSpPr>
+          <p:nvPr>
+            <p:ph type="ctrTitle"/>
+          </p:nvPr>
+        </p:nvSpPr>
+        <p:spPr/>
+        <p:txBody>
+          <a:bodyPr/>
+          <a:lstStyle/>
+          <a:p>
+            <a:r>
+              <a:rPr lang="en-US" dirty="0" smtClean="0"/>
+              <a:t>4. Architectural </a:t>
+            </a:r>
+            <a:r>
+              <a:rPr lang="en-US" dirty="0" smtClean="0"/>
+              <a:t>approach</a:t>
+            </a:r>
+            <a:endParaRPr lang="en-US" dirty="0"/>
+          </a:p>
+        </p:txBody>
+      </p:sp>
+      <p:sp>
+        <p:nvSpPr>
+          <p:cNvPr id="3" name="Text Placeholder 2"/>
+          <p:cNvSpPr>
+            <a:spLocks noGrp="1"/>
+          </p:cNvSpPr>
+          <p:nvPr>
+            <p:ph type="body" sz="quarter" idx="10"/>
+          </p:nvPr>
+        </p:nvSpPr>
+        <p:spPr/>
+        <p:txBody>
+          <a:bodyPr/>
+          <a:lstStyle/>
+          <a:p>
+            <a:r>
+              <a:rPr lang="en-US" sz="2800" dirty="0" smtClean="0"/>
+              <a:t>Event driven architecture</a:t>
+            </a:r>
+          </a:p>
+          <a:p>
+            <a:pPr lvl="1"/>
+            <a:r>
+              <a:rPr lang="en-US" sz="2400" dirty="0" smtClean="0"/>
+              <a:t>Devices subscribe to sub-systems which in turn listen to events broadcasted by the devices.</a:t>
+            </a:r>
+          </a:p>
+          <a:p>
+            <a:pPr lvl="1"/>
+            <a:r>
+              <a:rPr lang="en-US" sz="2400" dirty="0" smtClean="0"/>
+              <a:t>Such events can be for example “announce value” event</a:t>
+            </a:r>
+          </a:p>
+          <a:p>
+            <a:pPr lvl="1"/>
+            <a:r>
+              <a:rPr lang="en-US" sz="2400" dirty="0" smtClean="0"/>
+              <a:t>Choice based on identified quality attributes</a:t>
+            </a:r>
+          </a:p>
+          <a:p>
+            <a:pPr lvl="2"/>
+            <a:r>
+              <a:rPr lang="en-US" sz="1800" dirty="0" smtClean="0"/>
+              <a:t>Enables asynchronous processing</a:t>
+            </a:r>
+          </a:p>
+          <a:p>
+            <a:pPr lvl="2"/>
+            <a:r>
+              <a:rPr lang="en-US" sz="1800" dirty="0" smtClean="0"/>
+              <a:t>High potential for resilience in case of failure</a:t>
+            </a:r>
+          </a:p>
+          <a:p>
+            <a:pPr lvl="2"/>
+            <a:r>
+              <a:rPr lang="en-US" sz="1800" dirty="0" smtClean="0"/>
+              <a:t>Load can be balanced efficiently between systems</a:t>
+            </a:r>
+          </a:p>
+          <a:p>
+            <a:pPr lvl="1"/>
+            <a:r>
+              <a:rPr lang="en-US" sz="2400" dirty="0" smtClean="0"/>
+              <a:t>Architectural approach follows logically from system architecture</a:t>
+            </a:r>
+          </a:p>
+          <a:p>
+            <a:pPr lvl="1"/>
+            <a:endParaRPr lang="en-US" sz="1800" dirty="0" smtClean="0"/>
+          </a:p>
+          <a:p>
+            <a:pPr lvl="2"/>
+            <a:endParaRPr lang="en-US" sz="1400" dirty="0" smtClean="0"/>
+          </a:p>
+        </p:txBody>
+      </p:sp>
+    </p:spTree>
+  </p:cSld>
+  <p:clrMapOvr>
+    <a:masterClrMapping/>
+  </p:clrMapOvr>
+  <p:timing>
+    <p:tnLst>
+      <p:par>
+        <p:cTn id="1" dur="indefinite" restart="never" nodeType="tmRoot"/>
+      </p:par>
+    </p:tnLst>
+  </p:timing>
+</p:sld>
+</file>
+
+<file path=ppt/slides/slide13.xml><?xml version="1.0" encoding="utf-8"?>
+<p:sld xmlns:a="http://schemas.openxmlformats.org/drawingml/2006/main" xmlns:r="http://schemas.openxmlformats.org/officeDocument/2006/relationships" xmlns:p="http://schemas.openxmlformats.org/presentationml/2006/main">
+  <p:cSld>
+    <p:spTree>
+      <p:nvGrpSpPr>
+        <p:cNvPr id="1" name=""/>
+        <p:cNvGrpSpPr/>
+        <p:nvPr/>
+      </p:nvGrpSpPr>
+      <p:grpSpPr>
+        <a:xfrm>
+          <a:off x="0" y="0"/>
+          <a:ext cx="0" cy="0"/>
+          <a:chOff x="0" y="0"/>
+          <a:chExt cx="0" cy="0"/>
+        </a:xfrm>
+      </p:grpSpPr>
+      <p:sp>
+        <p:nvSpPr>
+          <p:cNvPr id="2" name="Titre 1"/>
+          <p:cNvSpPr>
+            <a:spLocks noGrp="1"/>
+          </p:cNvSpPr>
+          <p:nvPr>
+            <p:ph type="ctrTitle"/>
+          </p:nvPr>
+        </p:nvSpPr>
+        <p:spPr/>
+        <p:txBody>
+          <a:bodyPr/>
+          <a:lstStyle/>
+          <a:p>
+            <a:r>
+              <a:rPr lang="en-US" dirty="0" smtClean="0"/>
+              <a:t>5</a:t>
+            </a:r>
+            <a:r>
+              <a:rPr lang="en-US" dirty="0" smtClean="0"/>
+              <a:t>. </a:t>
+            </a:r>
+            <a:r>
+              <a:rPr lang="en-US" dirty="0" smtClean="0"/>
+              <a:t>Utility tree</a:t>
+            </a:r>
+            <a:endParaRPr lang="en-US" dirty="0"/>
+          </a:p>
+        </p:txBody>
+      </p:sp>
+      <p:sp>
+        <p:nvSpPr>
+          <p:cNvPr id="3" name="Espace réservé du texte 2"/>
+          <p:cNvSpPr>
+            <a:spLocks noGrp="1"/>
+          </p:cNvSpPr>
+          <p:nvPr>
+            <p:ph type="body" sz="quarter" idx="10"/>
+          </p:nvPr>
+        </p:nvSpPr>
+        <p:spPr/>
+        <p:txBody>
+          <a:bodyPr/>
+          <a:lstStyle/>
+          <a:p>
+            <a:endParaRPr lang="en-US" dirty="0"/>
+          </a:p>
+        </p:txBody>
+      </p:sp>
+      <p:graphicFrame>
+        <p:nvGraphicFramePr>
+          <p:cNvPr id="4" name="Diagramme 3"/>
+          <p:cNvGraphicFramePr/>
+          <p:nvPr/>
+        </p:nvGraphicFramePr>
+        <p:xfrm>
+          <a:off x="0" y="1071546"/>
+          <a:ext cx="8929718" cy="5500726"/>
+        </p:xfrm>
+        <a:graphic>
+          <a:graphicData uri="http://schemas.openxmlformats.org/drawingml/2006/diagram">
+            <dgm:relIds xmlns:dgm="http://schemas.openxmlformats.org/drawingml/2006/diagram" xmlns:r="http://schemas.openxmlformats.org/officeDocument/2006/relationships" r:dm="rId2" r:lo="rId3" r:qs="rId4" r:cs="rId5"/>
+          </a:graphicData>
+        </a:graphic>
+      </p:graphicFrame>
+    </p:spTree>
+  </p:cSld>
+  <p:clrMapOvr>
+    <a:masterClrMapping/>
+  </p:clrMapOvr>
+  <p:timing>
+    <p:tnLst>
+      <p:par>
+        <p:cTn id="1" dur="indefinite" restart="never" nodeType="tmRoot"/>
+      </p:par>
+    </p:tnLst>
+  </p:timing>
+</p:sld>
+</file>
+
+<file path=ppt/slides/slide14.xml><?xml version="1.0" encoding="utf-8"?>
+<p:sld xmlns:a="http://schemas.openxmlformats.org/drawingml/2006/main" xmlns:r="http://schemas.openxmlformats.org/officeDocument/2006/relationships" xmlns:p="http://schemas.openxmlformats.org/presentationml/2006/main">
+  <p:cSld>
+    <p:spTree>
+      <p:nvGrpSpPr>
+        <p:cNvPr id="1" name=""/>
+        <p:cNvGrpSpPr/>
+        <p:nvPr/>
+      </p:nvGrpSpPr>
+      <p:grpSpPr>
+        <a:xfrm>
+          <a:off x="0" y="0"/>
+          <a:ext cx="0" cy="0"/>
+          <a:chOff x="0" y="0"/>
+          <a:chExt cx="0" cy="0"/>
+        </a:xfrm>
+      </p:grpSpPr>
+      <p:sp>
+        <p:nvSpPr>
+          <p:cNvPr id="2" name="Title 1"/>
+          <p:cNvSpPr>
+            <a:spLocks noGrp="1"/>
+          </p:cNvSpPr>
+          <p:nvPr>
+            <p:ph type="ctrTitle"/>
+          </p:nvPr>
+        </p:nvSpPr>
+        <p:spPr/>
+        <p:txBody>
+          <a:bodyPr/>
+          <a:lstStyle/>
+          <a:p>
+            <a:r>
+              <a:rPr lang="en-US" dirty="0" smtClean="0"/>
+              <a:t>5. Utility </a:t>
+            </a:r>
+            <a:r>
+              <a:rPr lang="en-US" dirty="0" smtClean="0"/>
+              <a:t>Scenarios</a:t>
+            </a:r>
+            <a:endParaRPr lang="en-US" dirty="0"/>
+          </a:p>
+        </p:txBody>
+      </p:sp>
+      <p:sp>
+        <p:nvSpPr>
+          <p:cNvPr id="3" name="Text Placeholder 2"/>
+          <p:cNvSpPr>
+            <a:spLocks noGrp="1"/>
+          </p:cNvSpPr>
+          <p:nvPr>
+            <p:ph type="body" sz="quarter" idx="10"/>
+          </p:nvPr>
+        </p:nvSpPr>
+        <p:spPr/>
+        <p:txBody>
+          <a:bodyPr/>
+          <a:lstStyle/>
+          <a:p>
+            <a:r>
+              <a:rPr lang="en-US" dirty="0" smtClean="0"/>
+              <a:t>Use case scenarios</a:t>
+            </a:r>
+          </a:p>
+          <a:p>
+            <a:pPr lvl="1"/>
+            <a:r>
+              <a:rPr lang="en-US" dirty="0" smtClean="0"/>
+              <a:t>No operation should be irreversible, and confirmation should be asked to user each time</a:t>
+            </a:r>
+          </a:p>
+          <a:p>
+            <a:pPr lvl="1"/>
+            <a:r>
+              <a:rPr lang="en-US" dirty="0" smtClean="0"/>
+              <a:t>The FDIR interface should provide several views with consistent conventions</a:t>
+            </a:r>
+          </a:p>
+          <a:p>
+            <a:r>
+              <a:rPr lang="en-US" dirty="0" smtClean="0"/>
+              <a:t>Growth scenarios</a:t>
+            </a:r>
+          </a:p>
+          <a:p>
+            <a:pPr lvl="1"/>
+            <a:r>
+              <a:rPr lang="en-US" dirty="0" smtClean="0"/>
+              <a:t>A new sub-system must be able to be installed in to the FDIR in 1 person day of work</a:t>
+            </a:r>
+          </a:p>
+          <a:p>
+            <a:r>
+              <a:rPr lang="en-US" dirty="0" smtClean="0"/>
+              <a:t>Exploratory scenarios</a:t>
+            </a:r>
+          </a:p>
+          <a:p>
+            <a:pPr lvl="1"/>
+            <a:r>
+              <a:rPr lang="en-US" dirty="0" smtClean="0"/>
+              <a:t>If the system load doubles from normal response time has to stay within 3 seconds.</a:t>
+            </a:r>
+          </a:p>
+          <a:p>
+            <a:pPr lvl="1"/>
+            <a:r>
+              <a:rPr lang="en-US" dirty="0" smtClean="0"/>
+              <a:t>The system has to be configurable to other spacecrafts in 1 person year of work</a:t>
+            </a:r>
+          </a:p>
+          <a:p>
+            <a:pPr lvl="1">
+              <a:buNone/>
+            </a:pPr>
+            <a:endParaRPr lang="en-US" dirty="0" smtClean="0"/>
+          </a:p>
+          <a:p>
+            <a:pPr lvl="1"/>
+            <a:endParaRPr lang="en-US" dirty="0" smtClean="0"/>
+          </a:p>
+        </p:txBody>
+      </p:sp>
+    </p:spTree>
+  </p:cSld>
+  <p:clrMapOvr>
+    <a:masterClrMapping/>
+  </p:clrMapOvr>
+  <p:timing>
+    <p:tnLst>
+      <p:par>
+        <p:cTn id="1" dur="indefinite" restart="never" nodeType="tmRoot"/>
+      </p:par>
+    </p:tnLst>
+  </p:timing>
+</p:sld>
+</file>
+
+<file path=ppt/slides/slide15.xml><?xml version="1.0" encoding="utf-8"?>
+<p:sld xmlns:a="http://schemas.openxmlformats.org/drawingml/2006/main" xmlns:r="http://schemas.openxmlformats.org/officeDocument/2006/relationships" xmlns:p="http://schemas.openxmlformats.org/presentationml/2006/main">
+  <p:cSld>
+    <p:spTree>
+      <p:nvGrpSpPr>
+        <p:cNvPr id="1" name=""/>
+        <p:cNvGrpSpPr/>
+        <p:nvPr/>
+      </p:nvGrpSpPr>
+      <p:grpSpPr>
+        <a:xfrm>
+          <a:off x="0" y="0"/>
+          <a:ext cx="0" cy="0"/>
+          <a:chOff x="0" y="0"/>
+          <a:chExt cx="0" cy="0"/>
+        </a:xfrm>
+      </p:grpSpPr>
+      <p:sp>
+        <p:nvSpPr>
+          <p:cNvPr id="2" name="Sous-titre 1"/>
+          <p:cNvSpPr>
+            <a:spLocks noGrp="1"/>
+          </p:cNvSpPr>
+          <p:nvPr>
+            <p:ph type="subTitle" idx="1"/>
+          </p:nvPr>
+        </p:nvSpPr>
+        <p:spPr>
+          <a:xfrm>
+            <a:off x="214313" y="4786313"/>
+            <a:ext cx="8715375" cy="1643062"/>
+          </a:xfrm>
+        </p:spPr>
+        <p:txBody>
+          <a:bodyPr vert="horz" wrap="square" lIns="91440" tIns="45720" rIns="91440" bIns="45720" numCol="1" anchor="t" anchorCtr="0" compatLnSpc="1">
+            <a:prstTxWarp prst="textNoShape">
+              <a:avLst/>
+            </a:prstTxWarp>
+          </a:bodyPr>
+          <a:lstStyle/>
+          <a:p>
+            <a:pPr>
+              <a:defRPr/>
+            </a:pPr>
+            <a:r>
+              <a:rPr altLang="ko-KR" dirty="0" smtClean="0">
+                <a:solidFill>
+                  <a:srgbClr val="C44F00"/>
+                </a:solidFill>
+                <a:effectLst>
+                  <a:outerShdw blurRad="38100" dist="38100" dir="2700000" algn="tl">
+                    <a:srgbClr val="C0C0C0"/>
+                  </a:outerShdw>
+                </a:effectLst>
+                <a:ea typeface="굴림" charset="-127"/>
+              </a:rPr>
+              <a:t>Euro Team</a:t>
+            </a:r>
+          </a:p>
+          <a:p>
+            <a:pPr>
+              <a:defRPr/>
+            </a:pPr>
+            <a:r>
+              <a:rPr altLang="ko-KR" dirty="0" smtClean="0">
+                <a:solidFill>
+                  <a:srgbClr val="595959"/>
+                </a:solidFill>
+                <a:effectLst>
+                  <a:outerShdw blurRad="38100" dist="38100" dir="2700000" algn="tl">
+                    <a:srgbClr val="C0C0C0"/>
+                  </a:outerShdw>
+                </a:effectLst>
+                <a:ea typeface="굴림" charset="-127"/>
+              </a:rPr>
+              <a:t>Alauzet Pierre, </a:t>
+            </a:r>
+            <a:r>
+              <a:rPr altLang="ko-KR" dirty="0" err="1" smtClean="0">
+                <a:solidFill>
+                  <a:srgbClr val="595959"/>
+                </a:solidFill>
+                <a:effectLst>
+                  <a:outerShdw blurRad="38100" dist="38100" dir="2700000" algn="tl">
+                    <a:srgbClr val="C0C0C0"/>
+                  </a:outerShdw>
+                </a:effectLst>
+                <a:ea typeface="굴림" charset="-127"/>
+              </a:rPr>
+              <a:t>Ahvenniemi</a:t>
+            </a:r>
+            <a:r>
+              <a:rPr altLang="ko-KR" dirty="0" smtClean="0">
+                <a:solidFill>
+                  <a:srgbClr val="595959"/>
+                </a:solidFill>
+                <a:effectLst>
+                  <a:outerShdw blurRad="38100" dist="38100" dir="2700000" algn="tl">
+                    <a:srgbClr val="C0C0C0"/>
+                  </a:outerShdw>
+                </a:effectLst>
+                <a:ea typeface="굴림" charset="-127"/>
+              </a:rPr>
+              <a:t> Mikko, </a:t>
+            </a:r>
+          </a:p>
+          <a:p>
+            <a:pPr>
+              <a:defRPr/>
+            </a:pPr>
+            <a:r>
+              <a:rPr altLang="ko-KR" dirty="0" smtClean="0">
+                <a:solidFill>
+                  <a:srgbClr val="595959"/>
+                </a:solidFill>
+                <a:effectLst>
+                  <a:outerShdw blurRad="38100" dist="38100" dir="2700000" algn="tl">
+                    <a:srgbClr val="C0C0C0"/>
+                  </a:outerShdw>
+                </a:effectLst>
+                <a:ea typeface="굴림" charset="-127"/>
+              </a:rPr>
+              <a:t>Colin Julien, Starck Benoit</a:t>
+            </a:r>
+          </a:p>
+          <a:p>
+            <a:pPr>
+              <a:defRPr/>
+            </a:pPr>
+            <a:endParaRPr altLang="ko-KR" dirty="0" smtClean="0">
+              <a:solidFill>
+                <a:srgbClr val="8F481E"/>
+              </a:solidFill>
+              <a:effectLst>
+                <a:outerShdw blurRad="38100" dist="38100" dir="2700000" algn="tl">
+                  <a:srgbClr val="C0C0C0"/>
+                </a:outerShdw>
+              </a:effectLst>
+              <a:ea typeface="굴림" charset="-127"/>
+            </a:endParaRPr>
+          </a:p>
+        </p:txBody>
+      </p:sp>
+      <p:sp>
+        <p:nvSpPr>
+          <p:cNvPr id="3" name="Titre 2"/>
+          <p:cNvSpPr>
+            <a:spLocks noGrp="1"/>
+          </p:cNvSpPr>
+          <p:nvPr>
+            <p:ph type="ctrTitle"/>
+          </p:nvPr>
+        </p:nvSpPr>
+        <p:spPr>
+          <a:xfrm>
+            <a:off x="214282" y="2857496"/>
+            <a:ext cx="8629680" cy="1643074"/>
+          </a:xfrm>
+          <a:effectLst>
+            <a:outerShdw blurRad="50800" dist="38100" dir="5400000" algn="t" rotWithShape="0">
+              <a:prstClr val="black">
+                <a:alpha val="40000"/>
+              </a:prstClr>
+            </a:outerShdw>
+          </a:effectLst>
+        </p:spPr>
+        <p:txBody>
+          <a:bodyPr/>
+          <a:lstStyle/>
+          <a:p>
+            <a:pPr>
+              <a:defRPr/>
+            </a:pPr>
+            <a:r>
+              <a:rPr sz="4400" b="0" cap="none" smtClean="0">
+                <a:ln>
+                  <a:noFill/>
+                </a:ln>
+                <a:effectLst>
+                  <a:outerShdw blurRad="38100" dist="38100" dir="2700000" algn="tl">
+                    <a:srgbClr val="000000">
+                      <a:alpha val="43137"/>
+                    </a:srgbClr>
+                  </a:outerShdw>
+                </a:effectLst>
+              </a:rPr>
+              <a:t>Design of </a:t>
+            </a:r>
+            <a:br>
+              <a:rPr sz="4400" b="0" cap="none" smtClean="0">
+                <a:ln>
+                  <a:noFill/>
+                </a:ln>
+                <a:effectLst>
+                  <a:outerShdw blurRad="38100" dist="38100" dir="2700000" algn="tl">
+                    <a:srgbClr val="000000">
+                      <a:alpha val="43137"/>
+                    </a:srgbClr>
+                  </a:outerShdw>
+                </a:effectLst>
+              </a:rPr>
+            </a:br>
+            <a:r>
+              <a:rPr sz="4400" b="0" cap="none" smtClean="0">
+                <a:ln>
+                  <a:noFill/>
+                </a:ln>
+                <a:effectLst>
+                  <a:outerShdw blurRad="38100" dist="38100" dir="2700000" algn="tl">
+                    <a:srgbClr val="000000">
+                      <a:alpha val="43137"/>
+                    </a:srgbClr>
+                  </a:outerShdw>
+                </a:effectLst>
+              </a:rPr>
+              <a:t>software architecture</a:t>
+            </a:r>
+            <a:endParaRPr sz="2800" b="0" i="1" cap="none" dirty="0">
+              <a:ln>
+                <a:noFill/>
+              </a:ln>
+              <a:solidFill>
+                <a:schemeClr val="bg1">
+                  <a:lumMod val="65000"/>
+                </a:schemeClr>
+              </a:solidFill>
+              <a:effectLst>
+                <a:outerShdw blurRad="38100" dist="38100" dir="2700000" algn="tl">
+                  <a:srgbClr val="000000">
+                    <a:alpha val="43137"/>
+                  </a:srgbClr>
+                </a:outerShdw>
+              </a:effectLst>
+            </a:endParaRPr>
+          </a:p>
+        </p:txBody>
+      </p:sp>
+      <p:sp>
+        <p:nvSpPr>
+          <p:cNvPr id="4" name="Espace réservé du contenu 3"/>
+          <p:cNvSpPr>
+            <a:spLocks noGrp="1"/>
+          </p:cNvSpPr>
+          <p:nvPr>
+            <p:ph sz="quarter" idx="11"/>
+          </p:nvPr>
+        </p:nvSpPr>
+        <p:spPr>
+          <a:xfrm>
+            <a:off x="285750" y="6357938"/>
+            <a:ext cx="5286375" cy="571500"/>
+          </a:xfrm>
+        </p:spPr>
+        <p:txBody>
+          <a:bodyPr/>
+          <a:lstStyle/>
+          <a:p>
+            <a:pPr>
+              <a:defRPr/>
+            </a:pPr>
+            <a:r>
+              <a:rPr dirty="0" smtClean="0"/>
+              <a:t>CS554 - Design for Software &amp; </a:t>
+            </a:r>
+            <a:r>
+              <a:rPr dirty="0" err="1" smtClean="0"/>
+              <a:t>Systems</a:t>
+            </a:r>
+            <a:endParaRPr dirty="0"/>
+          </a:p>
+        </p:txBody>
+      </p:sp>
+      <p:pic>
+        <p:nvPicPr>
+          <p:cNvPr id="5125" name="Picture 2" descr="D:\Bureau\ci.gif"/>
+          <p:cNvPicPr>
+            <a:picLocks noChangeAspect="1" noChangeArrowheads="1"/>
+          </p:cNvPicPr>
+          <p:nvPr/>
+        </p:nvPicPr>
+        <p:blipFill>
+          <a:blip r:embed="rId2" cstate="print"/>
+          <a:srcRect/>
+          <a:stretch>
+            <a:fillRect/>
+          </a:stretch>
+        </p:blipFill>
+        <p:spPr bwMode="auto">
+          <a:xfrm>
+            <a:off x="7429520" y="5572140"/>
+            <a:ext cx="1428750" cy="685800"/>
+          </a:xfrm>
+          <a:prstGeom prst="roundRect">
+            <a:avLst>
+              <a:gd name="adj" fmla="val 8594"/>
+            </a:avLst>
+          </a:prstGeom>
+          <a:solidFill>
+            <a:srgbClr val="FFFFFF">
+              <a:shade val="85000"/>
+            </a:srgbClr>
+          </a:solidFill>
+          <a:ln>
+            <a:noFill/>
+          </a:ln>
+          <a:effectLst>
+            <a:reflection blurRad="12700" stA="38000" endPos="28000" dist="5000" dir="5400000" sy="-100000" algn="bl" rotWithShape="0"/>
+          </a:effectLst>
+        </p:spPr>
+      </p:pic>
+      <p:sp>
+        <p:nvSpPr>
+          <p:cNvPr id="8" name="Rectangle 7"/>
+          <p:cNvSpPr/>
+          <p:nvPr/>
+        </p:nvSpPr>
+        <p:spPr>
+          <a:xfrm flipH="1">
+            <a:off x="6588224" y="2928934"/>
+            <a:ext cx="2412932" cy="1213306"/>
+          </a:xfrm>
+          <a:prstGeom prst="wedgeRectCallout">
+            <a:avLst/>
+          </a:prstGeom>
+        </p:spPr>
+        <p:style>
+          <a:lnRef idx="3">
+            <a:schemeClr val="lt1"/>
+          </a:lnRef>
+          <a:fillRef idx="1">
+            <a:schemeClr val="accent6"/>
+          </a:fillRef>
+          <a:effectRef idx="1">
+            <a:schemeClr val="accent6"/>
+          </a:effectRef>
+          <a:fontRef idx="minor">
+            <a:schemeClr val="lt1"/>
+          </a:fontRef>
+        </p:style>
+        <p:txBody>
+          <a:bodyPr rtlCol="0" anchor="ctr"/>
+          <a:lstStyle/>
+          <a:p>
+            <a:pPr algn="ctr"/>
+            <a:r>
+              <a:rPr lang="fr-FR" sz="2400" b="1" dirty="0" smtClean="0">
+                <a:effectLst>
+                  <a:outerShdw blurRad="38100" dist="38100" dir="2700000" algn="tl">
+                    <a:srgbClr val="000000">
+                      <a:alpha val="43137"/>
+                    </a:srgbClr>
+                  </a:outerShdw>
+                </a:effectLst>
+              </a:rPr>
+              <a:t>Project 2</a:t>
+            </a:r>
+          </a:p>
+          <a:p>
+            <a:pPr algn="ctr"/>
+            <a:r>
+              <a:rPr lang="fr-FR" b="1" dirty="0" smtClean="0">
+                <a:effectLst>
+                  <a:outerShdw blurRad="38100" dist="38100" dir="2700000" algn="tl">
+                    <a:srgbClr val="000000">
+                      <a:alpha val="43137"/>
+                    </a:srgbClr>
+                  </a:outerShdw>
+                </a:effectLst>
+              </a:rPr>
+              <a:t>OP4</a:t>
+            </a:r>
+          </a:p>
+          <a:p>
+            <a:pPr algn="ctr"/>
+            <a:endParaRPr lang="fr-FR" sz="1100" b="1" dirty="0" smtClean="0">
+              <a:effectLst>
+                <a:outerShdw blurRad="38100" dist="38100" dir="2700000" algn="tl">
+                  <a:srgbClr val="000000">
+                    <a:alpha val="43137"/>
+                  </a:srgbClr>
+                </a:outerShdw>
+              </a:effectLst>
+            </a:endParaRPr>
+          </a:p>
+          <a:p>
+            <a:pPr algn="ctr"/>
+            <a:r>
+              <a:rPr lang="fr-FR" sz="1600" b="1" i="1" dirty="0" smtClean="0">
+                <a:effectLst>
+                  <a:outerShdw blurRad="38100" dist="38100" dir="2700000" algn="tl">
+                    <a:srgbClr val="000000">
+                      <a:alpha val="43137"/>
+                    </a:srgbClr>
+                  </a:outerShdw>
+                </a:effectLst>
+              </a:rPr>
+              <a:t>ATAM </a:t>
+            </a:r>
+            <a:r>
+              <a:rPr lang="fr-FR" sz="1600" b="1" i="1" dirty="0" err="1" smtClean="0">
+                <a:effectLst>
+                  <a:outerShdw blurRad="38100" dist="38100" dir="2700000" algn="tl">
+                    <a:srgbClr val="000000">
+                      <a:alpha val="43137"/>
+                    </a:srgbClr>
+                  </a:outerShdw>
+                </a:effectLst>
+              </a:rPr>
+              <a:t>method</a:t>
+            </a:r>
+            <a:r>
+              <a:rPr lang="fr-FR" sz="1600" b="1" i="1" dirty="0" smtClean="0">
+                <a:effectLst>
+                  <a:outerShdw blurRad="38100" dist="38100" dir="2700000" algn="tl">
+                    <a:srgbClr val="000000">
+                      <a:alpha val="43137"/>
+                    </a:srgbClr>
+                  </a:outerShdw>
+                </a:effectLst>
+              </a:rPr>
+              <a:t> - Part 1</a:t>
+            </a:r>
+            <a:endParaRPr lang="fr-FR" b="1" i="1" dirty="0" smtClean="0">
+              <a:effectLst>
+                <a:outerShdw blurRad="38100" dist="38100" dir="2700000" algn="tl">
+                  <a:srgbClr val="000000">
+                    <a:alpha val="43137"/>
+                  </a:srgbClr>
+                </a:outerShdw>
+              </a:effectLst>
+            </a:endParaRPr>
+          </a:p>
+        </p:txBody>
+      </p:sp>
+      <p:sp>
+        <p:nvSpPr>
+          <p:cNvPr id="7" name="Rectangle à coins arrondis 6"/>
+          <p:cNvSpPr/>
+          <p:nvPr/>
+        </p:nvSpPr>
+        <p:spPr>
+          <a:xfrm>
+            <a:off x="4786314" y="428604"/>
+            <a:ext cx="4000528" cy="1000132"/>
+          </a:xfrm>
+          <a:prstGeom prst="wedgeRoundRectCallout">
+            <a:avLst>
+              <a:gd name="adj1" fmla="val -40425"/>
+              <a:gd name="adj2" fmla="val 73928"/>
+              <a:gd name="adj3" fmla="val 16667"/>
+            </a:avLst>
+          </a:prstGeom>
+          <a:effectLst>
+            <a:outerShdw blurRad="50800" dist="38100" dir="2700000" algn="tl" rotWithShape="0">
+              <a:prstClr val="black">
+                <a:alpha val="40000"/>
+              </a:prstClr>
+            </a:outerShdw>
+          </a:effectLst>
+        </p:spPr>
+        <p:style>
+          <a:lnRef idx="2">
+            <a:schemeClr val="accent6"/>
+          </a:lnRef>
+          <a:fillRef idx="1">
+            <a:schemeClr val="lt1"/>
+          </a:fillRef>
+          <a:effectRef idx="0">
+            <a:schemeClr val="accent6"/>
+          </a:effectRef>
+          <a:fontRef idx="minor">
+            <a:schemeClr val="dk1"/>
+          </a:fontRef>
+        </p:style>
+        <p:txBody>
+          <a:bodyPr rtlCol="0" anchor="ctr"/>
+          <a:lstStyle/>
+          <a:p>
+            <a:pPr algn="ctr"/>
+            <a:r>
+              <a:rPr lang="fr-FR" sz="2400" b="1" i="1" dirty="0" err="1" smtClean="0">
+                <a:solidFill>
+                  <a:schemeClr val="accent6"/>
+                </a:solidFill>
+              </a:rPr>
+              <a:t>Thank</a:t>
+            </a:r>
+            <a:r>
+              <a:rPr lang="fr-FR" sz="2400" b="1" i="1" dirty="0" smtClean="0">
+                <a:solidFill>
+                  <a:schemeClr val="accent6"/>
+                </a:solidFill>
+              </a:rPr>
+              <a:t> </a:t>
+            </a:r>
+            <a:r>
+              <a:rPr lang="fr-FR" sz="2400" b="1" i="1" dirty="0" err="1" smtClean="0">
+                <a:solidFill>
+                  <a:schemeClr val="accent6"/>
+                </a:solidFill>
+              </a:rPr>
+              <a:t>you</a:t>
+            </a:r>
+            <a:r>
+              <a:rPr lang="fr-FR" sz="2400" b="1" i="1" dirty="0" smtClean="0">
+                <a:solidFill>
+                  <a:schemeClr val="accent6"/>
+                </a:solidFill>
+              </a:rPr>
+              <a:t> for attention !</a:t>
+            </a:r>
+            <a:endParaRPr lang="fr-FR" sz="2400" b="1" i="1" dirty="0">
+              <a:solidFill>
+                <a:schemeClr val="accent6"/>
+              </a:solidFill>
             </a:endParaRPr>
           </a:p>
         </p:txBody>
@@ -12337,7 +18020,7 @@
               <a:rPr altLang="ko-KR" smtClean="0">
                 <a:ea typeface="굴림" charset="-127"/>
               </a:rPr>
-              <a:t>ATAM</a:t>
+              <a:t>ATAM Presentation</a:t>
             </a:r>
             <a:endParaRPr altLang="ko-KR" smtClean="0">
               <a:ea typeface="굴림" charset="-127"/>
@@ -12361,7 +18044,7 @@
               <a:rPr altLang="ko-KR" smtClean="0">
                 <a:ea typeface="굴림" charset="-127"/>
               </a:rPr>
-              <a:t>Utility tree</a:t>
+              <a:t>Business Drivers</a:t>
             </a:r>
             <a:endParaRPr altLang="ko-KR" smtClean="0">
               <a:ea typeface="굴림" charset="-127"/>
@@ -12385,7 +18068,49 @@
               <a:rPr altLang="ko-KR" smtClean="0">
                 <a:ea typeface="굴림" charset="-127"/>
               </a:rPr>
-              <a:t>Scenario</a:t>
+              <a:t>Architecture</a:t>
+            </a:r>
+          </a:p>
+          <a:p>
+            <a:pPr eaLnBrk="1" hangingPunct="1">
+              <a:buFont typeface="Calibri" pitchFamily="34" charset="0"/>
+              <a:buAutoNum type="arabicPeriod"/>
+            </a:pPr>
+            <a:endParaRPr altLang="ko-KR" smtClean="0">
+              <a:ea typeface="굴림" charset="-127"/>
+            </a:endParaRPr>
+          </a:p>
+          <a:p>
+            <a:pPr eaLnBrk="1" hangingPunct="1">
+              <a:buFont typeface="Calibri" pitchFamily="34" charset="0"/>
+              <a:buAutoNum type="arabicPeriod"/>
+            </a:pPr>
+            <a:r>
+              <a:rPr altLang="ko-KR" smtClean="0">
+                <a:ea typeface="굴림" charset="-127"/>
+              </a:rPr>
+              <a:t>Architectural approaches</a:t>
+            </a:r>
+          </a:p>
+          <a:p>
+            <a:pPr eaLnBrk="1" hangingPunct="1">
+              <a:buFont typeface="Calibri" pitchFamily="34" charset="0"/>
+              <a:buAutoNum type="arabicPeriod"/>
+            </a:pPr>
+            <a:endParaRPr altLang="ko-KR" smtClean="0">
+              <a:ea typeface="굴림" charset="-127"/>
+            </a:endParaRPr>
+          </a:p>
+          <a:p>
+            <a:pPr eaLnBrk="1" hangingPunct="1">
+              <a:buFont typeface="Calibri" pitchFamily="34" charset="0"/>
+              <a:buAutoNum type="arabicPeriod"/>
+            </a:pPr>
+            <a:r>
+              <a:rPr altLang="ko-KR" smtClean="0">
+                <a:ea typeface="굴림" charset="-127"/>
+              </a:rPr>
+              <a:t>Quality attribute utility tree</a:t>
             </a:r>
             <a:endParaRPr altLang="ko-KR" smtClean="0">
               <a:ea typeface="굴림" charset="-127"/>
@@ -12475,12 +18200,16 @@
           <a:lstStyle/>
           <a:p>
             <a:r>
+              <a:rPr lang="en-US" dirty="0" err="1" smtClean="0"/>
+              <a:t>Atam</a:t>
+            </a:r>
+            <a:r>
               <a:rPr lang="en-US" dirty="0" smtClean="0"/>
-              <a:t>1</a:t>
+              <a:t> </a:t>
             </a:r>
             <a:r>
               <a:rPr lang="en-US" dirty="0" smtClean="0"/>
-              <a:t>. ATAM introduction</a:t>
+              <a:t>assessment steps</a:t>
             </a:r>
             <a:endParaRPr lang="en-US" dirty="0"/>
           </a:p>
@@ -12501,413 +18230,26 @@
           <a:bodyPr/>
           <a:lstStyle/>
           <a:p>
-            <a:r>
-              <a:rPr b="1" i="1" smtClean="0"/>
-              <a:t>Architecture Tradeoff Analysis Method</a:t>
-            </a:r>
-          </a:p>
-          <a:p>
-            <a:pPr>
-              <a:buNone/>
-            </a:pPr>
-            <a:endParaRPr b="1" smtClean="0"/>
-          </a:p>
-          <a:p>
-            <a:r>
-              <a:rPr lang="en-US" dirty="0" smtClean="0"/>
-              <a:t>Risk identification method to assess the consequences of architectural decisions in light of quality attribute requirements.</a:t>
-            </a:r>
-            <a:endParaRPr lang="en-US" b="1" dirty="0" smtClean="0"/>
-          </a:p>
-          <a:p>
-            <a:r>
-              <a:rPr lang="en-US" dirty="0" smtClean="0"/>
-              <a:t>The ATAM can be done early in the software development life cycle.</a:t>
-            </a:r>
             <a:endParaRPr smtClean="0"/>
-          </a:p>
-          <a:p>
-            <a:r>
-              <a:rPr lang="en-US" dirty="0" smtClean="0"/>
-              <a:t>It can be done relatively inexpensively and quickly (because it is assessing architectural design artifacts).</a:t>
-            </a:r>
-            <a:endParaRPr smtClean="0"/>
-          </a:p>
-          <a:p>
-            <a:r>
-              <a:rPr lang="en-US" dirty="0" smtClean="0"/>
-              <a:t>The ATAM will produce analyses commensurate with the level of detail of the architectural specification.</a:t>
-            </a:r>
-            <a:endParaRPr smtClean="0"/>
-          </a:p>
-          <a:p>
-            <a:endParaRPr smtClean="0"/>
-          </a:p>
-          <a:p>
-            <a:endParaRPr lang="en-US" dirty="0"/>
           </a:p>
         </p:txBody>
       </p:sp>
-      <p:sp>
-        <p:nvSpPr>
-          <p:cNvPr id="4" name="ZoneTexte 3"/>
-          <p:cNvSpPr txBox="1"/>
+      <p:graphicFrame>
+        <p:nvGraphicFramePr>
+          <p:cNvPr id="4" name="Diagramme 3"/>
+          <p:cNvGraphicFramePr/>
           <p:nvPr/>
-        </p:nvSpPr>
-        <p:spPr>
-          <a:xfrm>
-            <a:off x="500034" y="0"/>
-            <a:ext cx="1558440" cy="276999"/>
-          </a:xfrm>
-          <a:prstGeom prst="rect">
-            <a:avLst/>
-          </a:prstGeom>
-          <a:noFill/>
-          <a:ln>
-            <a:noFill/>
-          </a:ln>
-        </p:spPr>
-        <p:txBody>
-          <a:bodyPr wrap="none" rtlCol="0">
-            <a:spAutoFit/>
-          </a:bodyPr>
-          <a:lstStyle/>
-          <a:p>
-            <a:pPr marL="0" marR="0" indent="0" algn="l" defTabSz="914400" rtl="0" eaLnBrk="1" fontAlgn="auto" latinLnBrk="0" hangingPunct="1">
-              <a:lnSpc>
-                <a:spcPct val="100000"/>
-              </a:lnSpc>
-              <a:spcBef>
-                <a:spcPct val="20000"/>
-              </a:spcBef>
-              <a:spcAft>
-                <a:spcPts val="0"/>
-              </a:spcAft>
-              <a:buClrTx/>
-              <a:buSzTx/>
-              <a:buFontTx/>
-              <a:buNone/>
-              <a:tabLst/>
-            </a:pPr>
-            <a:r>
-              <a:rPr lang="fr-FR" sz="1200" kern="0" dirty="0" err="1" smtClean="0">
-                <a:solidFill>
-                  <a:schemeClr val="tx1">
-                    <a:lumMod val="50000"/>
-                    <a:lumOff val="50000"/>
-                  </a:schemeClr>
-                </a:solidFill>
-                <a:latin typeface="+mn-lt"/>
-                <a:cs typeface="+mn-cs"/>
-              </a:rPr>
-              <a:t>Why</a:t>
-            </a:r>
-            <a:r>
-              <a:rPr lang="fr-FR" sz="1200" kern="0" dirty="0" smtClean="0">
-                <a:solidFill>
-                  <a:schemeClr val="tx1">
-                    <a:lumMod val="50000"/>
-                    <a:lumOff val="50000"/>
-                  </a:schemeClr>
-                </a:solidFill>
-                <a:latin typeface="+mn-lt"/>
-                <a:cs typeface="+mn-cs"/>
-              </a:rPr>
-              <a:t> do </a:t>
-            </a:r>
-            <a:r>
-              <a:rPr lang="fr-FR" sz="1200" kern="0" dirty="0" err="1" smtClean="0">
-                <a:solidFill>
-                  <a:schemeClr val="tx1">
-                    <a:lumMod val="50000"/>
-                    <a:lumOff val="50000"/>
-                  </a:schemeClr>
-                </a:solidFill>
-                <a:latin typeface="+mn-lt"/>
-                <a:cs typeface="+mn-cs"/>
-              </a:rPr>
-              <a:t>we</a:t>
-            </a:r>
-            <a:r>
-              <a:rPr lang="fr-FR" sz="1200" kern="0" dirty="0" smtClean="0">
-                <a:solidFill>
-                  <a:schemeClr val="tx1">
-                    <a:lumMod val="50000"/>
-                    <a:lumOff val="50000"/>
-                  </a:schemeClr>
-                </a:solidFill>
-                <a:latin typeface="+mn-lt"/>
-                <a:cs typeface="+mn-cs"/>
-              </a:rPr>
-              <a:t> use </a:t>
-            </a:r>
-            <a:r>
-              <a:rPr lang="fr-FR" sz="1200" kern="0" dirty="0" err="1" smtClean="0">
-                <a:solidFill>
-                  <a:schemeClr val="tx1">
-                    <a:lumMod val="50000"/>
-                    <a:lumOff val="50000"/>
-                  </a:schemeClr>
-                </a:solidFill>
-                <a:latin typeface="+mn-lt"/>
-                <a:cs typeface="+mn-cs"/>
-              </a:rPr>
-              <a:t>ADLs</a:t>
-            </a:r>
-            <a:r>
-              <a:rPr lang="fr-FR" sz="1200" kern="0" dirty="0" smtClean="0">
-                <a:solidFill>
-                  <a:schemeClr val="tx1">
-                    <a:lumMod val="50000"/>
-                    <a:lumOff val="50000"/>
-                  </a:schemeClr>
-                </a:solidFill>
-                <a:latin typeface="+mn-lt"/>
-                <a:cs typeface="+mn-cs"/>
-              </a:rPr>
-              <a:t>?</a:t>
-            </a:r>
-            <a:endParaRPr kumimoji="0" lang="fr-FR" sz="1200" b="1" i="0" u="sng" strike="noStrike" kern="0" cap="none" spc="0" normalizeH="0" baseline="0" noProof="0" dirty="0" smtClean="0">
-              <a:ln>
-                <a:noFill/>
-              </a:ln>
-              <a:effectLst/>
-              <a:uLnTx/>
-              <a:uFillTx/>
-              <a:latin typeface="+mn-lt"/>
-              <a:ea typeface="+mn-ea"/>
-              <a:cs typeface="+mn-cs"/>
-            </a:endParaRPr>
-          </a:p>
-        </p:txBody>
-      </p:sp>
-      <p:sp>
-        <p:nvSpPr>
-          <p:cNvPr id="5" name="ZoneTexte 4"/>
-          <p:cNvSpPr txBox="1"/>
-          <p:nvPr/>
-        </p:nvSpPr>
-        <p:spPr>
-          <a:xfrm>
-            <a:off x="2786050" y="0"/>
-            <a:ext cx="861133" cy="276999"/>
-          </a:xfrm>
-          <a:prstGeom prst="rect">
-            <a:avLst/>
-          </a:prstGeom>
-          <a:noFill/>
-          <a:ln>
-            <a:noFill/>
-          </a:ln>
-        </p:spPr>
-        <p:txBody>
-          <a:bodyPr wrap="none" rtlCol="0">
-            <a:spAutoFit/>
-          </a:bodyPr>
-          <a:lstStyle/>
-          <a:p>
-            <a:pPr fontAlgn="auto">
-              <a:spcBef>
-                <a:spcPct val="20000"/>
-              </a:spcBef>
-              <a:spcAft>
-                <a:spcPts val="0"/>
-              </a:spcAft>
-            </a:pPr>
-            <a:r>
-              <a:rPr lang="fr-FR" sz="1200" kern="0" dirty="0" err="1" smtClean="0">
-                <a:solidFill>
-                  <a:schemeClr val="tx1">
-                    <a:lumMod val="50000"/>
-                    <a:lumOff val="50000"/>
-                  </a:schemeClr>
-                </a:solidFill>
-                <a:latin typeface="+mn-lt"/>
-                <a:cs typeface="+mn-cs"/>
-              </a:rPr>
-              <a:t>ADLChoice</a:t>
-            </a:r>
-            <a:endParaRPr lang="fr-FR" sz="1200" kern="0" dirty="0" smtClean="0">
-              <a:solidFill>
-                <a:schemeClr val="tx1">
-                  <a:lumMod val="50000"/>
-                  <a:lumOff val="50000"/>
-                </a:schemeClr>
-              </a:solidFill>
-              <a:latin typeface="+mn-lt"/>
-              <a:cs typeface="+mn-cs"/>
-            </a:endParaRPr>
-          </a:p>
-        </p:txBody>
-      </p:sp>
-      <p:sp>
-        <p:nvSpPr>
-          <p:cNvPr id="6" name="ZoneTexte 5"/>
-          <p:cNvSpPr txBox="1"/>
-          <p:nvPr/>
-        </p:nvSpPr>
-        <p:spPr>
-          <a:xfrm>
-            <a:off x="4572000" y="0"/>
-            <a:ext cx="1418978" cy="276999"/>
-          </a:xfrm>
-          <a:prstGeom prst="rect">
-            <a:avLst/>
-          </a:prstGeom>
-          <a:noFill/>
-          <a:ln>
-            <a:noFill/>
-          </a:ln>
-        </p:spPr>
-        <p:txBody>
-          <a:bodyPr wrap="none" rtlCol="0">
-            <a:spAutoFit/>
-          </a:bodyPr>
-          <a:lstStyle/>
-          <a:p>
-            <a:pPr marL="0" marR="0" indent="0" algn="l" defTabSz="914400" rtl="0" eaLnBrk="1" fontAlgn="auto" latinLnBrk="0" hangingPunct="1">
-              <a:lnSpc>
-                <a:spcPct val="100000"/>
-              </a:lnSpc>
-              <a:spcBef>
-                <a:spcPct val="20000"/>
-              </a:spcBef>
-              <a:spcAft>
-                <a:spcPts val="0"/>
-              </a:spcAft>
-              <a:buClrTx/>
-              <a:buSzTx/>
-              <a:buFontTx/>
-              <a:buNone/>
-              <a:tabLst/>
-            </a:pPr>
-            <a:r>
-              <a:rPr lang="fr-FR" sz="1200" kern="0" dirty="0" err="1" smtClean="0">
-                <a:solidFill>
-                  <a:schemeClr val="tx1">
-                    <a:lumMod val="50000"/>
-                    <a:lumOff val="50000"/>
-                  </a:schemeClr>
-                </a:solidFill>
-                <a:latin typeface="+mn-lt"/>
-                <a:cs typeface="+mn-cs"/>
-              </a:rPr>
-              <a:t>ACME</a:t>
-            </a:r>
-            <a:r>
-              <a:rPr kumimoji="0" lang="fr-FR" sz="1200" i="0" u="none" strike="noStrike" kern="0" cap="none" spc="0" normalizeH="0" baseline="0" noProof="0" dirty="0" smtClean="0">
-                <a:ln>
-                  <a:noFill/>
-                </a:ln>
-                <a:solidFill>
-                  <a:schemeClr val="tx1">
-                    <a:lumMod val="50000"/>
-                    <a:lumOff val="50000"/>
-                  </a:schemeClr>
-                </a:solidFill>
-                <a:effectLst/>
-                <a:uLnTx/>
-                <a:uFillTx/>
-                <a:latin typeface="+mn-lt"/>
-                <a:ea typeface="+mn-ea"/>
-                <a:cs typeface="+mn-cs"/>
-              </a:rPr>
-              <a:t> </a:t>
-            </a:r>
-            <a:r>
-              <a:rPr lang="fr-FR" sz="1200" kern="0" dirty="0" err="1" smtClean="0">
-                <a:solidFill>
-                  <a:schemeClr val="tx1">
-                    <a:lumMod val="50000"/>
-                    <a:lumOff val="50000"/>
-                  </a:schemeClr>
-                </a:solidFill>
-                <a:latin typeface="+mn-lt"/>
-                <a:cs typeface="+mn-cs"/>
-              </a:rPr>
-              <a:t>Presentation</a:t>
-            </a:r>
-          </a:p>
-        </p:txBody>
-      </p:sp>
-      <p:sp>
-        <p:nvSpPr>
-          <p:cNvPr id="7" name="ZoneTexte 6"/>
-          <p:cNvSpPr txBox="1"/>
-          <p:nvPr/>
-        </p:nvSpPr>
-        <p:spPr>
-          <a:xfrm>
-            <a:off x="6786578" y="0"/>
-            <a:ext cx="1407758" cy="276999"/>
-          </a:xfrm>
-          <a:prstGeom prst="rect">
-            <a:avLst/>
-          </a:prstGeom>
-          <a:noFill/>
-          <a:ln>
-            <a:noFill/>
-          </a:ln>
-        </p:spPr>
-        <p:txBody>
-          <a:bodyPr wrap="none" rtlCol="0">
-            <a:spAutoFit/>
-          </a:bodyPr>
-          <a:lstStyle/>
-          <a:p>
-            <a:pPr marL="0" marR="0" indent="0" algn="l" defTabSz="914400" rtl="0" eaLnBrk="1" fontAlgn="auto" latinLnBrk="0" hangingPunct="1">
-              <a:lnSpc>
-                <a:spcPct val="100000"/>
-              </a:lnSpc>
-              <a:spcBef>
-                <a:spcPct val="20000"/>
-              </a:spcBef>
-              <a:spcAft>
-                <a:spcPts val="0"/>
-              </a:spcAft>
-              <a:buClrTx/>
-              <a:buSzTx/>
-              <a:buFontTx/>
-              <a:buNone/>
-              <a:tabLst/>
-            </a:pPr>
-            <a:r>
-              <a:rPr lang="fr-FR" sz="1200" b="1" u="sng" kern="0" dirty="0" smtClean="0">
-                <a:latin typeface="+mn-lt"/>
-                <a:cs typeface="+mn-cs"/>
-              </a:rPr>
-              <a:t>ATAM</a:t>
-            </a:r>
-            <a:r>
-              <a:rPr kumimoji="0" lang="fr-FR" sz="1200" i="0" u="none" strike="noStrike" kern="0" cap="none" spc="0" normalizeH="0" baseline="0" noProof="0" dirty="0" smtClean="0">
-                <a:ln>
-                  <a:noFill/>
-                </a:ln>
-                <a:solidFill>
-                  <a:schemeClr val="tx1">
-                    <a:lumMod val="50000"/>
-                    <a:lumOff val="50000"/>
-                  </a:schemeClr>
-                </a:solidFill>
-                <a:effectLst/>
-                <a:uLnTx/>
-                <a:uFillTx/>
-                <a:latin typeface="+mn-lt"/>
-                <a:ea typeface="+mn-ea"/>
-                <a:cs typeface="+mn-cs"/>
-              </a:rPr>
-              <a:t> </a:t>
-            </a:r>
-            <a:r>
-              <a:rPr lang="fr-FR" sz="1200" b="1" u="sng" kern="0" dirty="0" smtClean="0">
-                <a:latin typeface="+mn-lt"/>
-                <a:cs typeface="+mn-cs"/>
-              </a:rPr>
-              <a:t>introduction</a:t>
-            </a:r>
-          </a:p>
-        </p:txBody>
-      </p:sp>
+        </p:nvGraphicFramePr>
+        <p:xfrm>
+          <a:off x="428596" y="1161135"/>
+          <a:ext cx="8358246" cy="5411137"/>
+        </p:xfrm>
+        <a:graphic>
+          <a:graphicData uri="http://schemas.openxmlformats.org/drawingml/2006/diagram">
+            <dgm:relIds xmlns:dgm="http://schemas.openxmlformats.org/drawingml/2006/diagram" xmlns:r="http://schemas.openxmlformats.org/officeDocument/2006/relationships" r:dm="rId2" r:lo="rId3" r:qs="rId4" r:cs="rId5"/>
+          </a:graphicData>
+        </a:graphic>
+      </p:graphicFrame>
     </p:spTree>
   </p:cSld>
   <p:clrMapOvr>
@@ -12957,7 +18299,11 @@
           <a:p>
             <a:r>
               <a:rPr lang="en-US" dirty="0" smtClean="0"/>
-              <a:t>1. ATAM goals</a:t>
+              <a:t>1. ATAM </a:t>
+            </a:r>
+            <a:r>
+              <a:rPr lang="en-US" dirty="0" smtClean="0"/>
+              <a:t>presentation</a:t>
             </a:r>
             <a:endParaRPr lang="en-US" dirty="0"/>
           </a:p>
@@ -12979,400 +18325,49 @@
           <a:lstStyle/>
           <a:p>
             <a:r>
-              <a:rPr lang="en-US" sz="2800" dirty="0" smtClean="0"/>
-              <a:t>Three of the major goals of ATAM are to:</a:t>
-            </a:r>
-            <a:endParaRPr sz="2800" smtClean="0"/>
-          </a:p>
-          <a:p>
-            <a:pPr lvl="1"/>
-            <a:r>
-              <a:rPr lang="en-US" sz="2400" dirty="0" smtClean="0"/>
-              <a:t>elicit and refine a precise statement of the architecture’s driving quality attribute requirements</a:t>
-            </a:r>
-            <a:endParaRPr sz="2400" smtClean="0"/>
-          </a:p>
-          <a:p>
-            <a:pPr lvl="1"/>
-            <a:r>
-              <a:rPr lang="en-US" sz="2400" dirty="0" smtClean="0"/>
-              <a:t>elicit and refine a precise statement of the architectural design decisions</a:t>
-            </a:r>
-            <a:endParaRPr sz="2400" smtClean="0"/>
-          </a:p>
-          <a:p>
-            <a:pPr lvl="1"/>
-            <a:r>
-              <a:rPr lang="en-US" sz="2400" dirty="0" smtClean="0"/>
-              <a:t>evaluate the architectural design decisions to determine if they satisfactorily address the quality requirements</a:t>
-            </a:r>
-            <a:endParaRPr sz="2400" smtClean="0"/>
-          </a:p>
-          <a:p>
-            <a:endParaRPr lang="en-US" sz="2800" dirty="0" smtClean="0"/>
-          </a:p>
-          <a:p>
-            <a:endParaRPr lang="en-US" sz="2800" dirty="0"/>
-          </a:p>
-        </p:txBody>
-      </p:sp>
-      <p:sp>
-        <p:nvSpPr>
-          <p:cNvPr id="4" name="ZoneTexte 3"/>
-          <p:cNvSpPr txBox="1"/>
-          <p:nvPr/>
-        </p:nvSpPr>
-        <p:spPr>
-          <a:xfrm>
-            <a:off x="500034" y="0"/>
-            <a:ext cx="1558440" cy="276999"/>
-          </a:xfrm>
-          <a:prstGeom prst="rect">
-            <a:avLst/>
-          </a:prstGeom>
-          <a:noFill/>
-          <a:ln>
-            <a:noFill/>
-          </a:ln>
-        </p:spPr>
-        <p:txBody>
-          <a:bodyPr wrap="none" rtlCol="0">
-            <a:spAutoFit/>
-          </a:bodyPr>
-          <a:lstStyle/>
-          <a:p>
-            <a:pPr marL="0" marR="0" indent="0" algn="l" defTabSz="914400" rtl="0" eaLnBrk="1" fontAlgn="auto" latinLnBrk="0" hangingPunct="1">
-              <a:lnSpc>
-                <a:spcPct val="100000"/>
-              </a:lnSpc>
-              <a:spcBef>
-                <a:spcPct val="20000"/>
-              </a:spcBef>
-              <a:spcAft>
-                <a:spcPts val="0"/>
-              </a:spcAft>
-              <a:buClrTx/>
-              <a:buSzTx/>
-              <a:buFontTx/>
+              <a:rPr b="1" i="1" smtClean="0"/>
+              <a:t>Architecture Tradeoff Analysis Method</a:t>
+            </a:r>
+          </a:p>
+          <a:p>
+            <a:pPr>
               <a:buNone/>
-              <a:tabLst/>
             </a:pPr>
-            <a:r>
-              <a:rPr lang="fr-FR" sz="1200" kern="0" dirty="0" err="1" smtClean="0">
-                <a:solidFill>
-                  <a:schemeClr val="tx1">
-                    <a:lumMod val="50000"/>
-                    <a:lumOff val="50000"/>
-                  </a:schemeClr>
-                </a:solidFill>
-                <a:latin typeface="+mn-lt"/>
-                <a:cs typeface="+mn-cs"/>
-              </a:rPr>
-              <a:t>Why</a:t>
-            </a:r>
-            <a:r>
-              <a:rPr lang="fr-FR" sz="1200" kern="0" dirty="0" smtClean="0">
-                <a:solidFill>
-                  <a:schemeClr val="tx1">
-                    <a:lumMod val="50000"/>
-                    <a:lumOff val="50000"/>
-                  </a:schemeClr>
-                </a:solidFill>
-                <a:latin typeface="+mn-lt"/>
-                <a:cs typeface="+mn-cs"/>
-              </a:rPr>
-              <a:t> do </a:t>
-            </a:r>
-            <a:r>
-              <a:rPr lang="fr-FR" sz="1200" kern="0" dirty="0" err="1" smtClean="0">
-                <a:solidFill>
-                  <a:schemeClr val="tx1">
-                    <a:lumMod val="50000"/>
-                    <a:lumOff val="50000"/>
-                  </a:schemeClr>
-                </a:solidFill>
-                <a:latin typeface="+mn-lt"/>
-                <a:cs typeface="+mn-cs"/>
-              </a:rPr>
-              <a:t>we</a:t>
-            </a:r>
-            <a:r>
-              <a:rPr lang="fr-FR" sz="1200" kern="0" dirty="0" smtClean="0">
-                <a:solidFill>
-                  <a:schemeClr val="tx1">
-                    <a:lumMod val="50000"/>
-                    <a:lumOff val="50000"/>
-                  </a:schemeClr>
-                </a:solidFill>
-                <a:latin typeface="+mn-lt"/>
-                <a:cs typeface="+mn-cs"/>
-              </a:rPr>
-              <a:t> use </a:t>
-            </a:r>
-            <a:r>
-              <a:rPr lang="fr-FR" sz="1200" kern="0" dirty="0" err="1" smtClean="0">
-                <a:solidFill>
-                  <a:schemeClr val="tx1">
-                    <a:lumMod val="50000"/>
-                    <a:lumOff val="50000"/>
-                  </a:schemeClr>
-                </a:solidFill>
-                <a:latin typeface="+mn-lt"/>
-                <a:cs typeface="+mn-cs"/>
-              </a:rPr>
-              <a:t>ADLs</a:t>
-            </a:r>
-            <a:r>
-              <a:rPr lang="fr-FR" sz="1200" kern="0" dirty="0" smtClean="0">
-                <a:solidFill>
-                  <a:schemeClr val="tx1">
-                    <a:lumMod val="50000"/>
-                    <a:lumOff val="50000"/>
-                  </a:schemeClr>
-                </a:solidFill>
-                <a:latin typeface="+mn-lt"/>
-                <a:cs typeface="+mn-cs"/>
-              </a:rPr>
-              <a:t>?</a:t>
-            </a:r>
-            <a:endParaRPr kumimoji="0" lang="fr-FR" sz="1200" b="1" i="0" u="sng" strike="noStrike" kern="0" cap="none" spc="0" normalizeH="0" baseline="0" noProof="0" dirty="0" smtClean="0">
-              <a:ln>
-                <a:noFill/>
-              </a:ln>
-              <a:effectLst/>
-              <a:uLnTx/>
-              <a:uFillTx/>
-              <a:latin typeface="+mn-lt"/>
-              <a:ea typeface="+mn-ea"/>
-              <a:cs typeface="+mn-cs"/>
-            </a:endParaRPr>
-          </a:p>
-        </p:txBody>
-      </p:sp>
-      <p:sp>
-        <p:nvSpPr>
-          <p:cNvPr id="5" name="ZoneTexte 4"/>
-          <p:cNvSpPr txBox="1"/>
-          <p:nvPr/>
-        </p:nvSpPr>
-        <p:spPr>
-          <a:xfrm>
-            <a:off x="2786050" y="0"/>
-            <a:ext cx="861133" cy="276999"/>
-          </a:xfrm>
-          <a:prstGeom prst="rect">
-            <a:avLst/>
-          </a:prstGeom>
-          <a:noFill/>
-          <a:ln>
-            <a:noFill/>
-          </a:ln>
-        </p:spPr>
-        <p:txBody>
-          <a:bodyPr wrap="none" rtlCol="0">
-            <a:spAutoFit/>
-          </a:bodyPr>
-          <a:lstStyle/>
-          <a:p>
-            <a:pPr fontAlgn="auto">
-              <a:spcBef>
-                <a:spcPct val="20000"/>
-              </a:spcBef>
-              <a:spcAft>
-                <a:spcPts val="0"/>
-              </a:spcAft>
-            </a:pPr>
-            <a:r>
-              <a:rPr lang="fr-FR" sz="1200" kern="0" dirty="0" err="1" smtClean="0">
-                <a:solidFill>
-                  <a:schemeClr val="tx1">
-                    <a:lumMod val="50000"/>
-                    <a:lumOff val="50000"/>
-                  </a:schemeClr>
-                </a:solidFill>
-                <a:latin typeface="+mn-lt"/>
-                <a:cs typeface="+mn-cs"/>
-              </a:rPr>
-              <a:t>ADLChoice</a:t>
-            </a:r>
-            <a:endParaRPr lang="fr-FR" sz="1200" kern="0" dirty="0" smtClean="0">
-              <a:solidFill>
-                <a:schemeClr val="tx1">
-                  <a:lumMod val="50000"/>
-                  <a:lumOff val="50000"/>
-                </a:schemeClr>
-              </a:solidFill>
-              <a:latin typeface="+mn-lt"/>
-              <a:cs typeface="+mn-cs"/>
-            </a:endParaRPr>
-          </a:p>
-        </p:txBody>
-      </p:sp>
-      <p:sp>
-        <p:nvSpPr>
-          <p:cNvPr id="6" name="ZoneTexte 5"/>
-          <p:cNvSpPr txBox="1"/>
-          <p:nvPr/>
-        </p:nvSpPr>
-        <p:spPr>
-          <a:xfrm>
-            <a:off x="4572000" y="0"/>
-            <a:ext cx="1418978" cy="276999"/>
-          </a:xfrm>
-          <a:prstGeom prst="rect">
-            <a:avLst/>
-          </a:prstGeom>
-          <a:noFill/>
-          <a:ln>
-            <a:noFill/>
-          </a:ln>
-        </p:spPr>
-        <p:txBody>
-          <a:bodyPr wrap="none" rtlCol="0">
-            <a:spAutoFit/>
-          </a:bodyPr>
-          <a:lstStyle/>
-          <a:p>
-            <a:pPr marL="0" marR="0" indent="0" algn="l" defTabSz="914400" rtl="0" eaLnBrk="1" fontAlgn="auto" latinLnBrk="0" hangingPunct="1">
-              <a:lnSpc>
-                <a:spcPct val="100000"/>
-              </a:lnSpc>
-              <a:spcBef>
-                <a:spcPct val="20000"/>
-              </a:spcBef>
-              <a:spcAft>
-                <a:spcPts val="0"/>
-              </a:spcAft>
-              <a:buClrTx/>
-              <a:buSzTx/>
-              <a:buFontTx/>
-              <a:buNone/>
-              <a:tabLst/>
-            </a:pPr>
-            <a:r>
-              <a:rPr lang="fr-FR" sz="1200" kern="0" dirty="0" err="1" smtClean="0">
-                <a:solidFill>
-                  <a:schemeClr val="tx1">
-                    <a:lumMod val="50000"/>
-                    <a:lumOff val="50000"/>
-                  </a:schemeClr>
-                </a:solidFill>
-                <a:latin typeface="+mn-lt"/>
-                <a:cs typeface="+mn-cs"/>
-              </a:rPr>
-              <a:t>ACME</a:t>
-            </a:r>
-            <a:r>
-              <a:rPr kumimoji="0" lang="fr-FR" sz="1200" i="0" u="none" strike="noStrike" kern="0" cap="none" spc="0" normalizeH="0" baseline="0" noProof="0" dirty="0" smtClean="0">
-                <a:ln>
-                  <a:noFill/>
-                </a:ln>
-                <a:solidFill>
-                  <a:schemeClr val="tx1">
-                    <a:lumMod val="50000"/>
-                    <a:lumOff val="50000"/>
-                  </a:schemeClr>
-                </a:solidFill>
-                <a:effectLst/>
-                <a:uLnTx/>
-                <a:uFillTx/>
-                <a:latin typeface="+mn-lt"/>
-                <a:ea typeface="+mn-ea"/>
-                <a:cs typeface="+mn-cs"/>
-              </a:rPr>
-              <a:t> </a:t>
-            </a:r>
-            <a:r>
-              <a:rPr lang="fr-FR" sz="1200" kern="0" dirty="0" err="1" smtClean="0">
-                <a:solidFill>
-                  <a:schemeClr val="tx1">
-                    <a:lumMod val="50000"/>
-                    <a:lumOff val="50000"/>
-                  </a:schemeClr>
-                </a:solidFill>
-                <a:latin typeface="+mn-lt"/>
-                <a:cs typeface="+mn-cs"/>
-              </a:rPr>
-              <a:t>Presentation</a:t>
-            </a:r>
-          </a:p>
-        </p:txBody>
-      </p:sp>
-      <p:sp>
-        <p:nvSpPr>
-          <p:cNvPr id="7" name="ZoneTexte 6"/>
-          <p:cNvSpPr txBox="1"/>
-          <p:nvPr/>
-        </p:nvSpPr>
-        <p:spPr>
-          <a:xfrm>
-            <a:off x="6786578" y="0"/>
-            <a:ext cx="1407758" cy="276999"/>
-          </a:xfrm>
-          <a:prstGeom prst="rect">
-            <a:avLst/>
-          </a:prstGeom>
-          <a:noFill/>
-          <a:ln>
-            <a:noFill/>
-          </a:ln>
-        </p:spPr>
-        <p:txBody>
-          <a:bodyPr wrap="none" rtlCol="0">
-            <a:spAutoFit/>
-          </a:bodyPr>
-          <a:lstStyle/>
-          <a:p>
-            <a:pPr marL="0" marR="0" indent="0" algn="l" defTabSz="914400" rtl="0" eaLnBrk="1" fontAlgn="auto" latinLnBrk="0" hangingPunct="1">
-              <a:lnSpc>
-                <a:spcPct val="100000"/>
-              </a:lnSpc>
-              <a:spcBef>
-                <a:spcPct val="20000"/>
-              </a:spcBef>
-              <a:spcAft>
-                <a:spcPts val="0"/>
-              </a:spcAft>
-              <a:buClrTx/>
-              <a:buSzTx/>
-              <a:buFontTx/>
-              <a:buNone/>
-              <a:tabLst/>
-            </a:pPr>
-            <a:r>
-              <a:rPr lang="fr-FR" sz="1200" b="1" u="sng" kern="0" dirty="0" smtClean="0">
-                <a:latin typeface="+mn-lt"/>
-                <a:cs typeface="+mn-cs"/>
-              </a:rPr>
-              <a:t>ATAM</a:t>
-            </a:r>
-            <a:r>
-              <a:rPr kumimoji="0" lang="fr-FR" sz="1200" i="0" u="none" strike="noStrike" kern="0" cap="none" spc="0" normalizeH="0" baseline="0" noProof="0" dirty="0" smtClean="0">
-                <a:ln>
-                  <a:noFill/>
-                </a:ln>
-                <a:solidFill>
-                  <a:schemeClr val="tx1">
-                    <a:lumMod val="50000"/>
-                    <a:lumOff val="50000"/>
-                  </a:schemeClr>
-                </a:solidFill>
-                <a:effectLst/>
-                <a:uLnTx/>
-                <a:uFillTx/>
-                <a:latin typeface="+mn-lt"/>
-                <a:ea typeface="+mn-ea"/>
-                <a:cs typeface="+mn-cs"/>
-              </a:rPr>
-              <a:t> </a:t>
-            </a:r>
-            <a:r>
-              <a:rPr lang="fr-FR" sz="1200" b="1" u="sng" kern="0" dirty="0" smtClean="0">
-                <a:latin typeface="+mn-lt"/>
-                <a:cs typeface="+mn-cs"/>
-              </a:rPr>
-              <a:t>introduction</a:t>
-            </a:r>
+            <a:endParaRPr b="1" smtClean="0"/>
+          </a:p>
+          <a:p>
+            <a:r>
+              <a:rPr lang="en-US" dirty="0" smtClean="0"/>
+              <a:t>Risk identification method to assess the consequences of architectural decisions in light of quality attribute requirements.</a:t>
+            </a:r>
+            <a:endParaRPr lang="en-US" b="1" dirty="0" smtClean="0"/>
+          </a:p>
+          <a:p>
+            <a:r>
+              <a:rPr lang="en-US" dirty="0" smtClean="0"/>
+              <a:t>The ATAM can be done early in the software development life cycle.</a:t>
+            </a:r>
+            <a:endParaRPr smtClean="0"/>
+          </a:p>
+          <a:p>
+            <a:r>
+              <a:rPr lang="en-US" dirty="0" smtClean="0"/>
+              <a:t>It can be done relatively inexpensively and quickly (because it is assessing architectural design artifacts).</a:t>
+            </a:r>
+            <a:endParaRPr smtClean="0"/>
+          </a:p>
+          <a:p>
+            <a:r>
+              <a:rPr lang="en-US" dirty="0" smtClean="0"/>
+              <a:t>The ATAM will produce analyses commensurate with the level of detail of the architectural specification.</a:t>
+            </a:r>
+            <a:endParaRPr smtClean="0"/>
+          </a:p>
+          <a:p>
+            <a:endParaRPr smtClean="0"/>
+          </a:p>
+          <a:p>
+            <a:endParaRPr lang="en-US" dirty="0"/>
           </a:p>
         </p:txBody>
       </p:sp>
@@ -13381,6 +18376,13 @@
   <p:clrMapOvr>
     <a:masterClrMapping/>
   </p:clrMapOvr>
+  <p:timing>
+    <p:tnLst>
+      <p:par>
+        <p:cTn id="1" dur="indefinite" restart="never" nodeType="tmRoot"/>
+      </p:par>
+    </p:tnLst>
+  </p:timing>
 </p:sld>
 </file>
 
@@ -13418,11 +18420,11 @@
           <a:p>
             <a:r>
               <a:rPr lang="en-US" dirty="0" smtClean="0"/>
-              <a:t>1</a:t>
+              <a:t>1. ATAM </a:t>
             </a:r>
             <a:r>
               <a:rPr lang="en-US" dirty="0" smtClean="0"/>
-              <a:t>. ATAM evaluation</a:t>
+              <a:t>presentation</a:t>
             </a:r>
             <a:endParaRPr lang="en-US" dirty="0"/>
           </a:p>
@@ -13444,423 +18446,40 @@
           <a:lstStyle/>
           <a:p>
             <a:r>
-              <a:rPr lang="en-US" dirty="0" smtClean="0"/>
-              <a:t>The output of an ATAM is an out-brief presentation and/or a written report that includes the major findings of the evaluation. </a:t>
-            </a:r>
-          </a:p>
-          <a:p>
-            <a:endParaRPr lang="en-US" dirty="0" smtClean="0"/>
-          </a:p>
-          <a:p>
-            <a:r>
-              <a:rPr lang="en-US" dirty="0" smtClean="0"/>
-              <a:t>These are typically</a:t>
-            </a:r>
+              <a:rPr lang="en-US" sz="2800" dirty="0" smtClean="0"/>
+              <a:t>Three of the major goals of ATAM are to:</a:t>
+            </a:r>
+            <a:endParaRPr sz="2800" smtClean="0"/>
           </a:p>
           <a:p>
             <a:pPr lvl="1"/>
             <a:r>
               <a:rPr lang="en-US" sz="2400" dirty="0" smtClean="0"/>
-              <a:t>the architectural styles identified</a:t>
-            </a:r>
+              <a:t>elicit and refine a precise statement of the architecture’s driving quality attribute requirements</a:t>
+            </a:r>
+            <a:endParaRPr sz="2400" smtClean="0"/>
           </a:p>
           <a:p>
             <a:pPr lvl="1"/>
             <a:r>
               <a:rPr lang="en-US" sz="2400" dirty="0" smtClean="0"/>
-              <a:t>a "utility tree" — a hierarchic model of the driving architectural requirements</a:t>
-            </a:r>
+              <a:t>elicit and refine a precise statement of the architectural design decisions</a:t>
+            </a:r>
+            <a:endParaRPr sz="2400" smtClean="0"/>
           </a:p>
           <a:p>
             <a:pPr lvl="1"/>
             <a:r>
               <a:rPr lang="en-US" sz="2400" dirty="0" smtClean="0"/>
-              <a:t>the tradeoff points</a:t>
-            </a:r>
-          </a:p>
-          <a:p>
-            <a:pPr lvl="1"/>
-            <a:r>
-              <a:rPr lang="en-US" sz="2400" dirty="0" smtClean="0"/>
-              <a:t>the sensitivity points</a:t>
-            </a:r>
-          </a:p>
-          <a:p>
-            <a:pPr lvl="1"/>
-            <a:r>
-              <a:rPr lang="en-US" sz="2400" dirty="0" smtClean="0"/>
-              <a:t>a set of identified risks</a:t>
-            </a:r>
-          </a:p>
-          <a:p>
-            <a:pPr lvl="1"/>
-            <a:r>
-              <a:rPr lang="en-US" sz="2400" dirty="0" smtClean="0"/>
-              <a:t>a set of identified non-risks</a:t>
-            </a:r>
-          </a:p>
-          <a:p>
-            <a:endParaRPr lang="en-US" dirty="0"/>
-          </a:p>
-        </p:txBody>
-      </p:sp>
-      <p:sp>
-        <p:nvSpPr>
-          <p:cNvPr id="4" name="ZoneTexte 3"/>
-          <p:cNvSpPr txBox="1"/>
-          <p:nvPr/>
-        </p:nvSpPr>
-        <p:spPr>
-          <a:xfrm>
-            <a:off x="500034" y="0"/>
-            <a:ext cx="1558440" cy="276999"/>
-          </a:xfrm>
-          <a:prstGeom prst="rect">
-            <a:avLst/>
-          </a:prstGeom>
-          <a:noFill/>
-          <a:ln>
-            <a:noFill/>
-          </a:ln>
-        </p:spPr>
-        <p:txBody>
-          <a:bodyPr wrap="none" rtlCol="0">
-            <a:spAutoFit/>
-          </a:bodyPr>
-          <a:lstStyle/>
-          <a:p>
-            <a:pPr marL="0" marR="0" indent="0" algn="l" defTabSz="914400" rtl="0" eaLnBrk="1" fontAlgn="auto" latinLnBrk="0" hangingPunct="1">
-              <a:lnSpc>
-                <a:spcPct val="100000"/>
-              </a:lnSpc>
-              <a:spcBef>
-                <a:spcPct val="20000"/>
-              </a:spcBef>
-              <a:spcAft>
-                <a:spcPts val="0"/>
-              </a:spcAft>
-              <a:buClrTx/>
-              <a:buSzTx/>
-              <a:buFontTx/>
-              <a:buNone/>
-              <a:tabLst/>
-            </a:pPr>
-            <a:r>
-              <a:rPr lang="fr-FR" sz="1200" kern="0" dirty="0" err="1" smtClean="0">
-                <a:solidFill>
-                  <a:schemeClr val="tx1">
-                    <a:lumMod val="50000"/>
-                    <a:lumOff val="50000"/>
-                  </a:schemeClr>
-                </a:solidFill>
-                <a:latin typeface="+mn-lt"/>
-                <a:cs typeface="+mn-cs"/>
-              </a:rPr>
-              <a:t>Why</a:t>
-            </a:r>
-            <a:r>
-              <a:rPr lang="fr-FR" sz="1200" kern="0" dirty="0" smtClean="0">
-                <a:solidFill>
-                  <a:schemeClr val="tx1">
-                    <a:lumMod val="50000"/>
-                    <a:lumOff val="50000"/>
-                  </a:schemeClr>
-                </a:solidFill>
-                <a:latin typeface="+mn-lt"/>
-                <a:cs typeface="+mn-cs"/>
-              </a:rPr>
-              <a:t> do </a:t>
-            </a:r>
-            <a:r>
-              <a:rPr lang="fr-FR" sz="1200" kern="0" dirty="0" err="1" smtClean="0">
-                <a:solidFill>
-                  <a:schemeClr val="tx1">
-                    <a:lumMod val="50000"/>
-                    <a:lumOff val="50000"/>
-                  </a:schemeClr>
-                </a:solidFill>
-                <a:latin typeface="+mn-lt"/>
-                <a:cs typeface="+mn-cs"/>
-              </a:rPr>
-              <a:t>we</a:t>
-            </a:r>
-            <a:r>
-              <a:rPr lang="fr-FR" sz="1200" kern="0" dirty="0" smtClean="0">
-                <a:solidFill>
-                  <a:schemeClr val="tx1">
-                    <a:lumMod val="50000"/>
-                    <a:lumOff val="50000"/>
-                  </a:schemeClr>
-                </a:solidFill>
-                <a:latin typeface="+mn-lt"/>
-                <a:cs typeface="+mn-cs"/>
-              </a:rPr>
-              <a:t> use </a:t>
-            </a:r>
-            <a:r>
-              <a:rPr lang="fr-FR" sz="1200" kern="0" dirty="0" err="1" smtClean="0">
-                <a:solidFill>
-                  <a:schemeClr val="tx1">
-                    <a:lumMod val="50000"/>
-                    <a:lumOff val="50000"/>
-                  </a:schemeClr>
-                </a:solidFill>
-                <a:latin typeface="+mn-lt"/>
-                <a:cs typeface="+mn-cs"/>
-              </a:rPr>
-              <a:t>ADLs</a:t>
-            </a:r>
-            <a:r>
-              <a:rPr lang="fr-FR" sz="1200" kern="0" dirty="0" smtClean="0">
-                <a:solidFill>
-                  <a:schemeClr val="tx1">
-                    <a:lumMod val="50000"/>
-                    <a:lumOff val="50000"/>
-                  </a:schemeClr>
-                </a:solidFill>
-                <a:latin typeface="+mn-lt"/>
-                <a:cs typeface="+mn-cs"/>
-              </a:rPr>
-              <a:t>?</a:t>
-            </a:r>
-            <a:endParaRPr kumimoji="0" lang="fr-FR" sz="1200" b="1" i="0" u="sng" strike="noStrike" kern="0" cap="none" spc="0" normalizeH="0" baseline="0" noProof="0" dirty="0" smtClean="0">
-              <a:ln>
-                <a:noFill/>
-              </a:ln>
-              <a:effectLst/>
-              <a:uLnTx/>
-              <a:uFillTx/>
-              <a:latin typeface="+mn-lt"/>
-              <a:ea typeface="+mn-ea"/>
-              <a:cs typeface="+mn-cs"/>
-            </a:endParaRPr>
-          </a:p>
-        </p:txBody>
-      </p:sp>
-      <p:sp>
-        <p:nvSpPr>
-          <p:cNvPr id="5" name="ZoneTexte 4"/>
-          <p:cNvSpPr txBox="1"/>
-          <p:nvPr/>
-        </p:nvSpPr>
-        <p:spPr>
-          <a:xfrm>
-            <a:off x="2786050" y="0"/>
-            <a:ext cx="861133" cy="276999"/>
-          </a:xfrm>
-          <a:prstGeom prst="rect">
-            <a:avLst/>
-          </a:prstGeom>
-          <a:noFill/>
-          <a:ln>
-            <a:noFill/>
-          </a:ln>
-        </p:spPr>
-        <p:txBody>
-          <a:bodyPr wrap="none" rtlCol="0">
-            <a:spAutoFit/>
-          </a:bodyPr>
-          <a:lstStyle/>
-          <a:p>
-            <a:pPr fontAlgn="auto">
-              <a:spcBef>
-                <a:spcPct val="20000"/>
-              </a:spcBef>
-              <a:spcAft>
-                <a:spcPts val="0"/>
-              </a:spcAft>
-            </a:pPr>
-            <a:r>
-              <a:rPr lang="fr-FR" sz="1200" kern="0" dirty="0" err="1" smtClean="0">
-                <a:solidFill>
-                  <a:schemeClr val="tx1">
-                    <a:lumMod val="50000"/>
-                    <a:lumOff val="50000"/>
-                  </a:schemeClr>
-                </a:solidFill>
-                <a:latin typeface="+mn-lt"/>
-                <a:cs typeface="+mn-cs"/>
-              </a:rPr>
-              <a:t>ADLChoice</a:t>
-            </a:r>
-            <a:endParaRPr lang="fr-FR" sz="1200" kern="0" dirty="0" smtClean="0">
-              <a:solidFill>
-                <a:schemeClr val="tx1">
-                  <a:lumMod val="50000"/>
-                  <a:lumOff val="50000"/>
-                </a:schemeClr>
-              </a:solidFill>
-              <a:latin typeface="+mn-lt"/>
-              <a:cs typeface="+mn-cs"/>
-            </a:endParaRPr>
-          </a:p>
-        </p:txBody>
-      </p:sp>
-      <p:sp>
-        <p:nvSpPr>
-          <p:cNvPr id="6" name="ZoneTexte 5"/>
-          <p:cNvSpPr txBox="1"/>
-          <p:nvPr/>
-        </p:nvSpPr>
-        <p:spPr>
-          <a:xfrm>
-            <a:off x="4572000" y="0"/>
-            <a:ext cx="1418978" cy="276999"/>
-          </a:xfrm>
-          <a:prstGeom prst="rect">
-            <a:avLst/>
-          </a:prstGeom>
-          <a:noFill/>
-          <a:ln>
-            <a:noFill/>
-          </a:ln>
-        </p:spPr>
-        <p:txBody>
-          <a:bodyPr wrap="none" rtlCol="0">
-            <a:spAutoFit/>
-          </a:bodyPr>
-          <a:lstStyle/>
-          <a:p>
-            <a:pPr marL="0" marR="0" indent="0" algn="l" defTabSz="914400" rtl="0" eaLnBrk="1" fontAlgn="auto" latinLnBrk="0" hangingPunct="1">
-              <a:lnSpc>
-                <a:spcPct val="100000"/>
-              </a:lnSpc>
-              <a:spcBef>
-                <a:spcPct val="20000"/>
-              </a:spcBef>
-              <a:spcAft>
-                <a:spcPts val="0"/>
-              </a:spcAft>
-              <a:buClrTx/>
-              <a:buSzTx/>
-              <a:buFontTx/>
-              <a:buNone/>
-              <a:tabLst/>
-            </a:pPr>
-            <a:r>
-              <a:rPr lang="fr-FR" sz="1200" kern="0" dirty="0" err="1" smtClean="0">
-                <a:solidFill>
-                  <a:schemeClr val="tx1">
-                    <a:lumMod val="50000"/>
-                    <a:lumOff val="50000"/>
-                  </a:schemeClr>
-                </a:solidFill>
-                <a:latin typeface="+mn-lt"/>
-                <a:cs typeface="+mn-cs"/>
-              </a:rPr>
-              <a:t>ACME</a:t>
-            </a:r>
-            <a:r>
-              <a:rPr kumimoji="0" lang="fr-FR" sz="1200" i="0" u="none" strike="noStrike" kern="0" cap="none" spc="0" normalizeH="0" baseline="0" noProof="0" dirty="0" smtClean="0">
-                <a:ln>
-                  <a:noFill/>
-                </a:ln>
-                <a:solidFill>
-                  <a:schemeClr val="tx1">
-                    <a:lumMod val="50000"/>
-                    <a:lumOff val="50000"/>
-                  </a:schemeClr>
-                </a:solidFill>
-                <a:effectLst/>
-                <a:uLnTx/>
-                <a:uFillTx/>
-                <a:latin typeface="+mn-lt"/>
-                <a:ea typeface="+mn-ea"/>
-                <a:cs typeface="+mn-cs"/>
-              </a:rPr>
-              <a:t> </a:t>
-            </a:r>
-            <a:r>
-              <a:rPr lang="fr-FR" sz="1200" kern="0" dirty="0" err="1" smtClean="0">
-                <a:solidFill>
-                  <a:schemeClr val="tx1">
-                    <a:lumMod val="50000"/>
-                    <a:lumOff val="50000"/>
-                  </a:schemeClr>
-                </a:solidFill>
-                <a:latin typeface="+mn-lt"/>
-                <a:cs typeface="+mn-cs"/>
-              </a:rPr>
-              <a:t>Presentation</a:t>
-            </a:r>
-          </a:p>
-        </p:txBody>
-      </p:sp>
-      <p:sp>
-        <p:nvSpPr>
-          <p:cNvPr id="7" name="ZoneTexte 6"/>
-          <p:cNvSpPr txBox="1"/>
-          <p:nvPr/>
-        </p:nvSpPr>
-        <p:spPr>
-          <a:xfrm>
-            <a:off x="6786578" y="0"/>
-            <a:ext cx="1407758" cy="276999"/>
-          </a:xfrm>
-          <a:prstGeom prst="rect">
-            <a:avLst/>
-          </a:prstGeom>
-          <a:noFill/>
-          <a:ln>
-            <a:noFill/>
-          </a:ln>
-        </p:spPr>
-        <p:txBody>
-          <a:bodyPr wrap="none" rtlCol="0">
-            <a:spAutoFit/>
-          </a:bodyPr>
-          <a:lstStyle/>
-          <a:p>
-            <a:pPr marL="0" marR="0" indent="0" algn="l" defTabSz="914400" rtl="0" eaLnBrk="1" fontAlgn="auto" latinLnBrk="0" hangingPunct="1">
-              <a:lnSpc>
-                <a:spcPct val="100000"/>
-              </a:lnSpc>
-              <a:spcBef>
-                <a:spcPct val="20000"/>
-              </a:spcBef>
-              <a:spcAft>
-                <a:spcPts val="0"/>
-              </a:spcAft>
-              <a:buClrTx/>
-              <a:buSzTx/>
-              <a:buFontTx/>
-              <a:buNone/>
-              <a:tabLst/>
-            </a:pPr>
-            <a:r>
-              <a:rPr lang="fr-FR" sz="1200" b="1" u="sng" kern="0" dirty="0" smtClean="0">
-                <a:latin typeface="+mn-lt"/>
-                <a:cs typeface="+mn-cs"/>
-              </a:rPr>
-              <a:t>ATAM</a:t>
-            </a:r>
-            <a:r>
-              <a:rPr kumimoji="0" lang="fr-FR" sz="1200" i="0" u="none" strike="noStrike" kern="0" cap="none" spc="0" normalizeH="0" baseline="0" noProof="0" dirty="0" smtClean="0">
-                <a:ln>
-                  <a:noFill/>
-                </a:ln>
-                <a:solidFill>
-                  <a:schemeClr val="tx1">
-                    <a:lumMod val="50000"/>
-                    <a:lumOff val="50000"/>
-                  </a:schemeClr>
-                </a:solidFill>
-                <a:effectLst/>
-                <a:uLnTx/>
-                <a:uFillTx/>
-                <a:latin typeface="+mn-lt"/>
-                <a:ea typeface="+mn-ea"/>
-                <a:cs typeface="+mn-cs"/>
-              </a:rPr>
-              <a:t> </a:t>
-            </a:r>
-            <a:r>
-              <a:rPr lang="fr-FR" sz="1200" b="1" u="sng" kern="0" dirty="0" smtClean="0">
-                <a:latin typeface="+mn-lt"/>
-                <a:cs typeface="+mn-cs"/>
-              </a:rPr>
-              <a:t>introduction</a:t>
-            </a:r>
+              <a:t>evaluate the architectural design decisions to determine if they satisfactorily address the quality requirements</a:t>
+            </a:r>
+            <a:endParaRPr sz="2400" smtClean="0"/>
+          </a:p>
+          <a:p>
+            <a:endParaRPr lang="en-US" sz="2800" dirty="0" smtClean="0"/>
+          </a:p>
+          <a:p>
+            <a:endParaRPr lang="en-US" sz="2800" dirty="0"/>
           </a:p>
         </p:txBody>
       </p:sp>
@@ -13869,6 +18488,13 @@
   <p:clrMapOvr>
     <a:masterClrMapping/>
   </p:clrMapOvr>
+  <p:timing>
+    <p:tnLst>
+      <p:par>
+        <p:cTn id="1" dur="indefinite" restart="never" nodeType="tmRoot"/>
+      </p:par>
+    </p:tnLst>
+  </p:timing>
 </p:sld>
 </file>
 
@@ -13906,19 +18532,11 @@
           <a:p>
             <a:r>
               <a:rPr lang="en-US" dirty="0" smtClean="0"/>
-              <a:t>1</a:t>
+              <a:t>1. ATAM </a:t>
             </a:r>
             <a:r>
               <a:rPr lang="en-US" dirty="0" smtClean="0"/>
-              <a:t>. </a:t>
-            </a:r>
-            <a:r>
-              <a:rPr lang="en-US" dirty="0" err="1" smtClean="0"/>
-              <a:t>Atam</a:t>
-            </a:r>
-            <a:r>
-              <a:rPr lang="en-US" dirty="0" smtClean="0"/>
-              <a:t> assessment steps</a:t>
+              <a:t>presentation</a:t>
             </a:r>
             <a:endParaRPr lang="en-US" dirty="0"/>
           </a:p>
@@ -13939,383 +18557,72 @@
           <a:bodyPr/>
           <a:lstStyle/>
           <a:p>
-            <a:endParaRPr smtClean="0"/>
-          </a:p>
-        </p:txBody>
-      </p:sp>
-      <p:graphicFrame>
-        <p:nvGraphicFramePr>
-          <p:cNvPr id="4" name="Diagramme 3"/>
-          <p:cNvGraphicFramePr/>
-          <p:nvPr/>
-        </p:nvGraphicFramePr>
-        <p:xfrm>
-          <a:off x="428596" y="1161135"/>
-          <a:ext cx="8358246" cy="5411137"/>
-        </p:xfrm>
-        <a:graphic>
-          <a:graphicData uri="http://schemas.openxmlformats.org/drawingml/2006/diagram">
-            <dgm:relIds xmlns:dgm="http://schemas.openxmlformats.org/drawingml/2006/diagram" xmlns:r="http://schemas.openxmlformats.org/officeDocument/2006/relationships" r:dm="rId2" r:lo="rId3" r:qs="rId4" r:cs="rId5"/>
-          </a:graphicData>
-        </a:graphic>
-      </p:graphicFrame>
-      <p:sp>
-        <p:nvSpPr>
-          <p:cNvPr id="5" name="ZoneTexte 4"/>
-          <p:cNvSpPr txBox="1"/>
-          <p:nvPr/>
-        </p:nvSpPr>
-        <p:spPr>
-          <a:xfrm>
-            <a:off x="500034" y="0"/>
-            <a:ext cx="1558440" cy="276999"/>
-          </a:xfrm>
-          <a:prstGeom prst="rect">
-            <a:avLst/>
-          </a:prstGeom>
-          <a:noFill/>
-          <a:ln>
-            <a:noFill/>
-          </a:ln>
-        </p:spPr>
-        <p:txBody>
-          <a:bodyPr wrap="none" rtlCol="0">
-            <a:spAutoFit/>
-          </a:bodyPr>
-          <a:lstStyle/>
-          <a:p>
-            <a:pPr marL="0" marR="0" indent="0" algn="l" defTabSz="914400" rtl="0" eaLnBrk="1" fontAlgn="auto" latinLnBrk="0" hangingPunct="1">
-              <a:lnSpc>
-                <a:spcPct val="100000"/>
-              </a:lnSpc>
-              <a:spcBef>
-                <a:spcPct val="20000"/>
-              </a:spcBef>
-              <a:spcAft>
-                <a:spcPts val="0"/>
-              </a:spcAft>
-              <a:buClrTx/>
-              <a:buSzTx/>
-              <a:buFontTx/>
-              <a:buNone/>
-              <a:tabLst/>
-            </a:pPr>
-            <a:r>
-              <a:rPr lang="fr-FR" sz="1200" kern="0" dirty="0" err="1" smtClean="0">
-                <a:solidFill>
-                  <a:schemeClr val="tx1">
-                    <a:lumMod val="50000"/>
-                    <a:lumOff val="50000"/>
-                  </a:schemeClr>
-                </a:solidFill>
-                <a:latin typeface="+mn-lt"/>
-                <a:cs typeface="+mn-cs"/>
-              </a:rPr>
-              <a:t>Why</a:t>
-            </a:r>
-            <a:r>
-              <a:rPr lang="fr-FR" sz="1200" kern="0" dirty="0" smtClean="0">
-                <a:solidFill>
-                  <a:schemeClr val="tx1">
-                    <a:lumMod val="50000"/>
-                    <a:lumOff val="50000"/>
-                  </a:schemeClr>
-                </a:solidFill>
-                <a:latin typeface="+mn-lt"/>
-                <a:cs typeface="+mn-cs"/>
-              </a:rPr>
-              <a:t> do </a:t>
-            </a:r>
-            <a:r>
-              <a:rPr lang="fr-FR" sz="1200" kern="0" dirty="0" err="1" smtClean="0">
-                <a:solidFill>
-                  <a:schemeClr val="tx1">
-                    <a:lumMod val="50000"/>
-                    <a:lumOff val="50000"/>
-                  </a:schemeClr>
-                </a:solidFill>
-                <a:latin typeface="+mn-lt"/>
-                <a:cs typeface="+mn-cs"/>
-              </a:rPr>
-              <a:t>we</a:t>
-            </a:r>
-            <a:r>
-              <a:rPr lang="fr-FR" sz="1200" kern="0" dirty="0" smtClean="0">
-                <a:solidFill>
-                  <a:schemeClr val="tx1">
-                    <a:lumMod val="50000"/>
-                    <a:lumOff val="50000"/>
-                  </a:schemeClr>
-                </a:solidFill>
-                <a:latin typeface="+mn-lt"/>
-                <a:cs typeface="+mn-cs"/>
-              </a:rPr>
-              <a:t> use </a:t>
-            </a:r>
-            <a:r>
-              <a:rPr lang="fr-FR" sz="1200" kern="0" dirty="0" err="1" smtClean="0">
-                <a:solidFill>
-                  <a:schemeClr val="tx1">
-                    <a:lumMod val="50000"/>
-                    <a:lumOff val="50000"/>
-                  </a:schemeClr>
-                </a:solidFill>
-                <a:latin typeface="+mn-lt"/>
-                <a:cs typeface="+mn-cs"/>
-              </a:rPr>
-              <a:t>ADLs</a:t>
-            </a:r>
-            <a:r>
-              <a:rPr lang="fr-FR" sz="1200" kern="0" dirty="0" smtClean="0">
-                <a:solidFill>
-                  <a:schemeClr val="tx1">
-                    <a:lumMod val="50000"/>
-                    <a:lumOff val="50000"/>
-                  </a:schemeClr>
-                </a:solidFill>
-                <a:latin typeface="+mn-lt"/>
-                <a:cs typeface="+mn-cs"/>
-              </a:rPr>
-              <a:t>?</a:t>
-            </a:r>
-            <a:endParaRPr kumimoji="0" lang="fr-FR" sz="1200" b="1" i="0" u="sng" strike="noStrike" kern="0" cap="none" spc="0" normalizeH="0" baseline="0" noProof="0" dirty="0" smtClean="0">
-              <a:ln>
-                <a:noFill/>
-              </a:ln>
-              <a:effectLst/>
-              <a:uLnTx/>
-              <a:uFillTx/>
-              <a:latin typeface="+mn-lt"/>
-              <a:ea typeface="+mn-ea"/>
-              <a:cs typeface="+mn-cs"/>
-            </a:endParaRPr>
-          </a:p>
-        </p:txBody>
-      </p:sp>
-      <p:sp>
-        <p:nvSpPr>
-          <p:cNvPr id="6" name="ZoneTexte 5"/>
-          <p:cNvSpPr txBox="1"/>
-          <p:nvPr/>
-        </p:nvSpPr>
-        <p:spPr>
-          <a:xfrm>
-            <a:off x="2786050" y="0"/>
-            <a:ext cx="861133" cy="276999"/>
-          </a:xfrm>
-          <a:prstGeom prst="rect">
-            <a:avLst/>
-          </a:prstGeom>
-          <a:noFill/>
-          <a:ln>
-            <a:noFill/>
-          </a:ln>
-        </p:spPr>
-        <p:txBody>
-          <a:bodyPr wrap="none" rtlCol="0">
-            <a:spAutoFit/>
-          </a:bodyPr>
-          <a:lstStyle/>
-          <a:p>
-            <a:pPr fontAlgn="auto">
-              <a:spcBef>
-                <a:spcPct val="20000"/>
-              </a:spcBef>
-              <a:spcAft>
-                <a:spcPts val="0"/>
-              </a:spcAft>
-            </a:pPr>
-            <a:r>
-              <a:rPr lang="fr-FR" sz="1200" kern="0" dirty="0" err="1" smtClean="0">
-                <a:solidFill>
-                  <a:schemeClr val="tx1">
-                    <a:lumMod val="50000"/>
-                    <a:lumOff val="50000"/>
-                  </a:schemeClr>
-                </a:solidFill>
-                <a:latin typeface="+mn-lt"/>
-                <a:cs typeface="+mn-cs"/>
-              </a:rPr>
-              <a:t>ADLChoice</a:t>
-            </a:r>
-            <a:endParaRPr lang="fr-FR" sz="1200" kern="0" dirty="0" smtClean="0">
-              <a:solidFill>
-                <a:schemeClr val="tx1">
-                  <a:lumMod val="50000"/>
-                  <a:lumOff val="50000"/>
-                </a:schemeClr>
-              </a:solidFill>
-              <a:latin typeface="+mn-lt"/>
-              <a:cs typeface="+mn-cs"/>
-            </a:endParaRPr>
-          </a:p>
-        </p:txBody>
-      </p:sp>
-      <p:sp>
-        <p:nvSpPr>
-          <p:cNvPr id="7" name="ZoneTexte 6"/>
-          <p:cNvSpPr txBox="1"/>
-          <p:nvPr/>
-        </p:nvSpPr>
-        <p:spPr>
-          <a:xfrm>
-            <a:off x="4572000" y="0"/>
-            <a:ext cx="1418978" cy="276999"/>
-          </a:xfrm>
-          <a:prstGeom prst="rect">
-            <a:avLst/>
-          </a:prstGeom>
-          <a:noFill/>
-          <a:ln>
-            <a:noFill/>
-          </a:ln>
-        </p:spPr>
-        <p:txBody>
-          <a:bodyPr wrap="none" rtlCol="0">
-            <a:spAutoFit/>
-          </a:bodyPr>
-          <a:lstStyle/>
-          <a:p>
-            <a:pPr marL="0" marR="0" indent="0" algn="l" defTabSz="914400" rtl="0" eaLnBrk="1" fontAlgn="auto" latinLnBrk="0" hangingPunct="1">
-              <a:lnSpc>
-                <a:spcPct val="100000"/>
-              </a:lnSpc>
-              <a:spcBef>
-                <a:spcPct val="20000"/>
-              </a:spcBef>
-              <a:spcAft>
-                <a:spcPts val="0"/>
-              </a:spcAft>
-              <a:buClrTx/>
-              <a:buSzTx/>
-              <a:buFontTx/>
-              <a:buNone/>
-              <a:tabLst/>
-            </a:pPr>
-            <a:r>
-              <a:rPr lang="fr-FR" sz="1200" kern="0" dirty="0" err="1" smtClean="0">
-                <a:solidFill>
-                  <a:schemeClr val="tx1">
-                    <a:lumMod val="50000"/>
-                    <a:lumOff val="50000"/>
-                  </a:schemeClr>
-                </a:solidFill>
-                <a:latin typeface="+mn-lt"/>
-                <a:cs typeface="+mn-cs"/>
-              </a:rPr>
-              <a:t>ACME</a:t>
-            </a:r>
-            <a:r>
-              <a:rPr kumimoji="0" lang="fr-FR" sz="1200" i="0" u="none" strike="noStrike" kern="0" cap="none" spc="0" normalizeH="0" baseline="0" noProof="0" dirty="0" smtClean="0">
-                <a:ln>
-                  <a:noFill/>
-                </a:ln>
-                <a:solidFill>
-                  <a:schemeClr val="tx1">
-                    <a:lumMod val="50000"/>
-                    <a:lumOff val="50000"/>
-                  </a:schemeClr>
-                </a:solidFill>
-                <a:effectLst/>
-                <a:uLnTx/>
-                <a:uFillTx/>
-                <a:latin typeface="+mn-lt"/>
-                <a:ea typeface="+mn-ea"/>
-                <a:cs typeface="+mn-cs"/>
-              </a:rPr>
-              <a:t> </a:t>
-            </a:r>
-            <a:r>
-              <a:rPr lang="fr-FR" sz="1200" kern="0" dirty="0" err="1" smtClean="0">
-                <a:solidFill>
-                  <a:schemeClr val="tx1">
-                    <a:lumMod val="50000"/>
-                    <a:lumOff val="50000"/>
-                  </a:schemeClr>
-                </a:solidFill>
-                <a:latin typeface="+mn-lt"/>
-                <a:cs typeface="+mn-cs"/>
-              </a:rPr>
-              <a:t>Presentation</a:t>
-            </a:r>
-          </a:p>
-        </p:txBody>
-      </p:sp>
-      <p:sp>
-        <p:nvSpPr>
-          <p:cNvPr id="8" name="ZoneTexte 7"/>
-          <p:cNvSpPr txBox="1"/>
-          <p:nvPr/>
-        </p:nvSpPr>
-        <p:spPr>
-          <a:xfrm>
-            <a:off x="6786578" y="0"/>
-            <a:ext cx="1407758" cy="276999"/>
-          </a:xfrm>
-          <a:prstGeom prst="rect">
-            <a:avLst/>
-          </a:prstGeom>
-          <a:noFill/>
-          <a:ln>
-            <a:noFill/>
-          </a:ln>
-        </p:spPr>
-        <p:txBody>
-          <a:bodyPr wrap="none" rtlCol="0">
-            <a:spAutoFit/>
-          </a:bodyPr>
-          <a:lstStyle/>
-          <a:p>
-            <a:pPr marL="0" marR="0" indent="0" algn="l" defTabSz="914400" rtl="0" eaLnBrk="1" fontAlgn="auto" latinLnBrk="0" hangingPunct="1">
-              <a:lnSpc>
-                <a:spcPct val="100000"/>
-              </a:lnSpc>
-              <a:spcBef>
-                <a:spcPct val="20000"/>
-              </a:spcBef>
-              <a:spcAft>
-                <a:spcPts val="0"/>
-              </a:spcAft>
-              <a:buClrTx/>
-              <a:buSzTx/>
-              <a:buFontTx/>
-              <a:buNone/>
-              <a:tabLst/>
-            </a:pPr>
-            <a:r>
-              <a:rPr lang="fr-FR" sz="1200" b="1" u="sng" kern="0" dirty="0" smtClean="0">
-                <a:latin typeface="+mn-lt"/>
-                <a:cs typeface="+mn-cs"/>
-              </a:rPr>
-              <a:t>ATAM</a:t>
-            </a:r>
-            <a:r>
-              <a:rPr kumimoji="0" lang="fr-FR" sz="1200" i="0" u="none" strike="noStrike" kern="0" cap="none" spc="0" normalizeH="0" baseline="0" noProof="0" dirty="0" smtClean="0">
-                <a:ln>
-                  <a:noFill/>
-                </a:ln>
-                <a:solidFill>
-                  <a:schemeClr val="tx1">
-                    <a:lumMod val="50000"/>
-                    <a:lumOff val="50000"/>
-                  </a:schemeClr>
-                </a:solidFill>
-                <a:effectLst/>
-                <a:uLnTx/>
-                <a:uFillTx/>
-                <a:latin typeface="+mn-lt"/>
-                <a:ea typeface="+mn-ea"/>
-                <a:cs typeface="+mn-cs"/>
-              </a:rPr>
-              <a:t> </a:t>
-            </a:r>
-            <a:r>
-              <a:rPr lang="fr-FR" sz="1200" b="1" u="sng" kern="0" dirty="0" smtClean="0">
-                <a:latin typeface="+mn-lt"/>
-                <a:cs typeface="+mn-cs"/>
-              </a:rPr>
-              <a:t>introduction</a:t>
-            </a:r>
+            <a:r>
+              <a:rPr lang="en-US" dirty="0" smtClean="0"/>
+              <a:t>The output of an ATAM is an out-brief presentation and/or a written report that includes the major findings of the evaluation. </a:t>
+            </a:r>
+          </a:p>
+          <a:p>
+            <a:endParaRPr lang="en-US" dirty="0" smtClean="0"/>
+          </a:p>
+          <a:p>
+            <a:r>
+              <a:rPr lang="en-US" dirty="0" smtClean="0"/>
+              <a:t>These are typically</a:t>
+            </a:r>
+          </a:p>
+          <a:p>
+            <a:pPr lvl="1"/>
+            <a:r>
+              <a:rPr lang="en-US" sz="2400" dirty="0" smtClean="0"/>
+              <a:t>the architectural styles identified</a:t>
+            </a:r>
+          </a:p>
+          <a:p>
+            <a:pPr lvl="1"/>
+            <a:r>
+              <a:rPr lang="en-US" sz="2400" dirty="0" smtClean="0"/>
+              <a:t>a "utility tree" </a:t>
+            </a:r>
+            <a:r>
+              <a:rPr lang="en-US" sz="2400" dirty="0" smtClean="0"/>
+              <a:t>- </a:t>
+            </a:r>
+            <a:r>
+              <a:rPr lang="en-US" sz="2400" dirty="0" smtClean="0"/>
+              <a:t>a hierarchic model of the driving architectural requirements</a:t>
+            </a:r>
+          </a:p>
+          <a:p>
+            <a:pPr lvl="1"/>
+            <a:r>
+              <a:rPr lang="en-US" sz="2400" dirty="0" smtClean="0"/>
+              <a:t>the tradeoff points</a:t>
+            </a:r>
+          </a:p>
+          <a:p>
+            <a:pPr lvl="1"/>
+            <a:r>
+              <a:rPr lang="en-US" sz="2400" dirty="0" smtClean="0"/>
+              <a:t>the sensitivity points</a:t>
+            </a:r>
+          </a:p>
+          <a:p>
+            <a:pPr lvl="1"/>
+            <a:r>
+              <a:rPr lang="en-US" sz="2400" dirty="0" smtClean="0"/>
+              <a:t>a set of identified risks</a:t>
+            </a:r>
+          </a:p>
+          <a:p>
+            <a:pPr lvl="1"/>
+            <a:r>
+              <a:rPr lang="en-US" sz="2400" dirty="0" smtClean="0"/>
+              <a:t>a set of identified non-risks</a:t>
+            </a:r>
+          </a:p>
+          <a:p>
+            <a:endParaRPr lang="en-US" dirty="0"/>
           </a:p>
         </p:txBody>
       </p:sp>
@@ -14353,7 +18660,7 @@
       </p:grpSpPr>
       <p:sp>
         <p:nvSpPr>
-          <p:cNvPr id="2" name="Titre 1"/>
+          <p:cNvPr id="4" name="Titre 3"/>
           <p:cNvSpPr>
             <a:spLocks noGrp="1"/>
           </p:cNvSpPr>
@@ -14361,26 +18668,31 @@
             <p:ph type="ctrTitle"/>
           </p:nvPr>
         </p:nvSpPr>
-        <p:spPr/>
+        <p:spPr>
+          <a:xfrm>
+            <a:off x="300038" y="323832"/>
+            <a:ext cx="8486804" cy="533400"/>
+          </a:xfrm>
+        </p:spPr>
         <p:txBody>
           <a:bodyPr/>
           <a:lstStyle/>
           <a:p>
             <a:r>
-              <a:rPr lang="en-US" dirty="0" smtClean="0"/>
-              <a:t>2. Utility </a:t>
-            </a:r>
-            <a:r>
-              <a:rPr lang="en-US" dirty="0" smtClean="0"/>
-              <a:t>tree</a:t>
-            </a:r>
-            <a:endParaRPr lang="en-US" dirty="0"/>
+              <a:rPr smtClean="0"/>
+              <a:t>2. Business </a:t>
+            </a:r>
+            <a:r>
+              <a:rPr smtClean="0"/>
+              <a:t>drivers - context</a:t>
+            </a:r>
+            <a:endParaRPr lang="fr-FR" dirty="0"/>
           </a:p>
         </p:txBody>
       </p:sp>
       <p:sp>
         <p:nvSpPr>
-          <p:cNvPr id="3" name="Espace réservé du texte 2"/>
+          <p:cNvPr id="5" name="Espace réservé du texte 4"/>
           <p:cNvSpPr>
             <a:spLocks noGrp="1"/>
           </p:cNvSpPr>
@@ -14393,26 +18705,106 @@
           <a:bodyPr/>
           <a:lstStyle/>
           <a:p>
-            <a:endParaRPr lang="en-US" dirty="0"/>
+            <a:r>
+              <a:rPr lang="en-US" i="1" u="sng" dirty="0" smtClean="0"/>
+              <a:t>Client</a:t>
+            </a:r>
+            <a:r>
+              <a:rPr lang="en-US" dirty="0" smtClean="0"/>
+              <a:t> : </a:t>
+            </a:r>
+            <a:r>
+              <a:rPr lang="en-US" dirty="0" smtClean="0"/>
+              <a:t>NASA</a:t>
+            </a:r>
+          </a:p>
+          <a:p>
+            <a:r>
+              <a:rPr lang="en-US" i="1" u="sng" dirty="0" smtClean="0"/>
+              <a:t>Users </a:t>
+            </a:r>
+            <a:r>
+              <a:rPr lang="en-US" dirty="0" smtClean="0"/>
+              <a:t>: Spaceship crew and flight control can manually control the system</a:t>
+            </a:r>
+          </a:p>
+          <a:p>
+            <a:endParaRPr lang="en-US" dirty="0" smtClean="0"/>
+          </a:p>
+          <a:p>
+            <a:r>
+              <a:rPr lang="en-US" i="1" u="sng" dirty="0" smtClean="0"/>
+              <a:t>The problem </a:t>
+            </a:r>
+            <a:r>
+              <a:rPr lang="en-US" dirty="0" smtClean="0"/>
+              <a:t>: Fault detection</a:t>
+            </a:r>
+          </a:p>
+          <a:p>
+            <a:pPr lvl="1"/>
+            <a:r>
+              <a:rPr lang="en-US" dirty="0" smtClean="0"/>
+              <a:t>Detected when monitored values are </a:t>
+            </a:r>
+            <a:r>
+              <a:rPr lang="en-US" dirty="0" smtClean="0"/>
+              <a:t>out-of-tolerance</a:t>
+            </a:r>
+            <a:endParaRPr lang="en-US" dirty="0" smtClean="0"/>
+          </a:p>
+          <a:p>
+            <a:endParaRPr lang="en-US" i="1" u="sng" dirty="0" smtClean="0"/>
+          </a:p>
+          <a:p>
+            <a:r>
+              <a:rPr lang="en-US" i="1" u="sng" dirty="0" smtClean="0"/>
+              <a:t>The </a:t>
+            </a:r>
+            <a:r>
+              <a:rPr lang="en-US" i="1" u="sng" dirty="0" smtClean="0"/>
+              <a:t>solution </a:t>
+            </a:r>
+            <a:r>
+              <a:rPr lang="en-US" dirty="0" smtClean="0"/>
+              <a:t>: Fault protection system (FDIR)</a:t>
+            </a:r>
+          </a:p>
+          <a:p>
+            <a:pPr lvl="1"/>
+            <a:r>
+              <a:rPr lang="en-US" dirty="0" smtClean="0"/>
+              <a:t>Act when the spacecraft is going through an error or a fault</a:t>
+            </a:r>
+          </a:p>
+          <a:p>
+            <a:pPr lvl="1"/>
+            <a:r>
+              <a:rPr lang="en-US" dirty="0" smtClean="0"/>
+              <a:t>FDIR is a layered system. If a lower layer cannot resolve an issue it’s forwarded to an upper layer. If the Issue cannot be resolved by the system. It’s escalated to manual control.</a:t>
+            </a:r>
+          </a:p>
+          <a:p>
+            <a:pPr lvl="1"/>
+            <a:r>
+              <a:rPr lang="en-US" dirty="0" smtClean="0"/>
+              <a:t>Automatic system</a:t>
+            </a:r>
+          </a:p>
+          <a:p>
+            <a:endParaRPr lang="en-US" dirty="0" smtClean="0"/>
+          </a:p>
+          <a:p>
+            <a:pPr>
+              <a:buNone/>
+            </a:pPr>
+            <a:endParaRPr lang="en-US" dirty="0" smtClean="0"/>
+          </a:p>
+          <a:p>
+            <a:endParaRPr lang="en-US" dirty="0" smtClean="0"/>
           </a:p>
         </p:txBody>
       </p:sp>
-      <p:graphicFrame>
-        <p:nvGraphicFramePr>
-          <p:cNvPr id="4" name="Diagramme 3"/>
-          <p:cNvGraphicFramePr/>
-          <p:nvPr/>
-        </p:nvGraphicFramePr>
-        <p:xfrm>
-          <a:off x="0" y="1000108"/>
-          <a:ext cx="8929718" cy="5500726"/>
-        </p:xfrm>
-        <a:graphic>
-          <a:graphicData uri="http://schemas.openxmlformats.org/drawingml/2006/diagram">
-            <dgm:relIds xmlns:dgm="http://schemas.openxmlformats.org/drawingml/2006/diagram" xmlns:r="http://schemas.openxmlformats.org/officeDocument/2006/relationships" r:dm="rId2" r:lo="rId3" r:qs="rId4" r:cs="rId5"/>
-          </a:graphicData>
-        </a:graphic>
-      </p:graphicFrame>
     </p:spTree>
   </p:cSld>
   <p:clrMapOvr>
@@ -14447,218 +18839,7 @@
       </p:grpSpPr>
       <p:sp>
         <p:nvSpPr>
-          <p:cNvPr id="10" name="Rectangle à coins arrondis 9"/>
-          <p:cNvSpPr/>
-          <p:nvPr/>
-        </p:nvSpPr>
-        <p:spPr>
-          <a:xfrm>
-            <a:off x="4786314" y="428604"/>
-            <a:ext cx="4000528" cy="1000132"/>
-          </a:xfrm>
-          <a:prstGeom prst="wedgeRoundRectCallout">
-            <a:avLst>
-              <a:gd name="adj1" fmla="val -40425"/>
-              <a:gd name="adj2" fmla="val 73928"/>
-              <a:gd name="adj3" fmla="val 16667"/>
-            </a:avLst>
-          </a:prstGeom>
-          <a:effectLst>
-            <a:outerShdw blurRad="50800" dist="38100" dir="2700000" algn="tl" rotWithShape="0">
-              <a:prstClr val="black">
-                <a:alpha val="40000"/>
-              </a:prstClr>
-            </a:outerShdw>
-          </a:effectLst>
-        </p:spPr>
-        <p:style>
-          <a:lnRef idx="2">
-            <a:schemeClr val="accent6"/>
-          </a:lnRef>
-          <a:fillRef idx="1">
-            <a:schemeClr val="lt1"/>
-          </a:fillRef>
-          <a:effectRef idx="0">
-            <a:schemeClr val="accent6"/>
-          </a:effectRef>
-          <a:fontRef idx="minor">
-            <a:schemeClr val="dk1"/>
-          </a:fontRef>
-        </p:style>
-        <p:txBody>
-          <a:bodyPr rtlCol="0" anchor="ctr"/>
-          <a:lstStyle/>
-          <a:p>
-            <a:pPr algn="ctr"/>
-            <a:r>
-              <a:rPr lang="fr-FR" sz="2400" b="1" i="1" dirty="0" err="1" smtClean="0">
-                <a:solidFill>
-                  <a:schemeClr val="accent6"/>
-                </a:solidFill>
-              </a:rPr>
-              <a:t>Thank</a:t>
-            </a:r>
-            <a:r>
-              <a:rPr lang="fr-FR" sz="2400" b="1" i="1" dirty="0" smtClean="0">
-                <a:solidFill>
-                  <a:schemeClr val="accent6"/>
-                </a:solidFill>
-              </a:rPr>
-              <a:t> </a:t>
-            </a:r>
-            <a:r>
-              <a:rPr lang="fr-FR" sz="2400" b="1" i="1" dirty="0" err="1" smtClean="0">
-                <a:solidFill>
-                  <a:schemeClr val="accent6"/>
-                </a:solidFill>
-              </a:rPr>
-              <a:t>you</a:t>
-            </a:r>
-            <a:r>
-              <a:rPr lang="fr-FR" sz="2400" b="1" i="1" dirty="0" smtClean="0">
-                <a:solidFill>
-                  <a:schemeClr val="accent6"/>
-                </a:solidFill>
-              </a:rPr>
-              <a:t> for attention !</a:t>
-            </a:r>
-            <a:endParaRPr lang="fr-FR" sz="2400" b="1" i="1" dirty="0">
-              <a:solidFill>
-                <a:schemeClr val="accent6"/>
-              </a:solidFill>
-            </a:endParaRPr>
-          </a:p>
-        </p:txBody>
-      </p:sp>
-      <p:sp>
-        <p:nvSpPr>
-          <p:cNvPr id="2" name="Sous-titre 1"/>
-          <p:cNvSpPr>
-            <a:spLocks noGrp="1"/>
-          </p:cNvSpPr>
-          <p:nvPr>
-            <p:ph type="subTitle" idx="1"/>
-          </p:nvPr>
-        </p:nvSpPr>
-        <p:spPr>
-          <a:xfrm>
-            <a:off x="214313" y="4786313"/>
-            <a:ext cx="8715375" cy="1643062"/>
-          </a:xfrm>
-        </p:spPr>
-        <p:txBody>
-          <a:bodyPr vert="horz" wrap="square" lIns="91440" tIns="45720" rIns="91440" bIns="45720" numCol="1" anchor="t" anchorCtr="0" compatLnSpc="1">
-            <a:prstTxWarp prst="textNoShape">
-              <a:avLst/>
-            </a:prstTxWarp>
-          </a:bodyPr>
-          <a:lstStyle/>
-          <a:p>
-            <a:pPr>
-              <a:defRPr/>
-            </a:pPr>
-            <a:r>
-              <a:rPr altLang="ko-KR" dirty="0" smtClean="0">
-                <a:solidFill>
-                  <a:srgbClr val="C44F00"/>
-                </a:solidFill>
-                <a:effectLst>
-                  <a:outerShdw blurRad="38100" dist="38100" dir="2700000" algn="tl">
-                    <a:srgbClr val="C0C0C0"/>
-                  </a:outerShdw>
-                </a:effectLst>
-                <a:ea typeface="굴림" charset="-127"/>
-              </a:rPr>
-              <a:t>Euro Team</a:t>
-            </a:r>
-          </a:p>
-          <a:p>
-            <a:pPr>
-              <a:defRPr/>
-            </a:pPr>
-            <a:r>
-              <a:rPr altLang="ko-KR" dirty="0" smtClean="0">
-                <a:solidFill>
-                  <a:srgbClr val="595959"/>
-                </a:solidFill>
-                <a:effectLst>
-                  <a:outerShdw blurRad="38100" dist="38100" dir="2700000" algn="tl">
-                    <a:srgbClr val="C0C0C0"/>
-                  </a:outerShdw>
-                </a:effectLst>
-                <a:ea typeface="굴림" charset="-127"/>
-              </a:rPr>
-              <a:t>Alauzet Pierre, </a:t>
-            </a:r>
-            <a:r>
-              <a:rPr altLang="ko-KR" dirty="0" err="1" smtClean="0">
-                <a:solidFill>
-                  <a:srgbClr val="595959"/>
-                </a:solidFill>
-                <a:effectLst>
-                  <a:outerShdw blurRad="38100" dist="38100" dir="2700000" algn="tl">
-                    <a:srgbClr val="C0C0C0"/>
-                  </a:outerShdw>
-                </a:effectLst>
-                <a:ea typeface="굴림" charset="-127"/>
-              </a:rPr>
-              <a:t>Ahvenniemi</a:t>
-            </a:r>
-            <a:r>
-              <a:rPr altLang="ko-KR" dirty="0" smtClean="0">
-                <a:solidFill>
-                  <a:srgbClr val="595959"/>
-                </a:solidFill>
-                <a:effectLst>
-                  <a:outerShdw blurRad="38100" dist="38100" dir="2700000" algn="tl">
-                    <a:srgbClr val="C0C0C0"/>
-                  </a:outerShdw>
-                </a:effectLst>
-                <a:ea typeface="굴림" charset="-127"/>
-              </a:rPr>
-              <a:t> Mikko, </a:t>
-            </a:r>
-          </a:p>
-          <a:p>
-            <a:pPr>
-              <a:defRPr/>
-            </a:pPr>
-            <a:r>
-              <a:rPr altLang="ko-KR" dirty="0" smtClean="0">
-                <a:solidFill>
-                  <a:srgbClr val="595959"/>
-                </a:solidFill>
-                <a:effectLst>
-                  <a:outerShdw blurRad="38100" dist="38100" dir="2700000" algn="tl">
-                    <a:srgbClr val="C0C0C0"/>
-                  </a:outerShdw>
-                </a:effectLst>
-                <a:ea typeface="굴림" charset="-127"/>
-              </a:rPr>
-              <a:t>Colin Julien, Starck Benoit</a:t>
-            </a:r>
-          </a:p>
-          <a:p>
-            <a:pPr>
-              <a:defRPr/>
-            </a:pPr>
-            <a:endParaRPr altLang="ko-KR" dirty="0" smtClean="0">
-              <a:solidFill>
-                <a:srgbClr val="8F481E"/>
-              </a:solidFill>
-              <a:effectLst>
-                <a:outerShdw blurRad="38100" dist="38100" dir="2700000" algn="tl">
-                  <a:srgbClr val="C0C0C0"/>
-                </a:outerShdw>
-              </a:effectLst>
-              <a:ea typeface="굴림" charset="-127"/>
-            </a:endParaRPr>
-          </a:p>
-        </p:txBody>
-      </p:sp>
-      <p:sp>
-        <p:nvSpPr>
-          <p:cNvPr id="3" name="Titre 2"/>
+          <p:cNvPr id="2" name="Titre 1"/>
           <p:cNvSpPr>
             <a:spLocks noGrp="1"/>
           </p:cNvSpPr>
@@ -14666,360 +18847,121 @@
             <p:ph type="ctrTitle"/>
           </p:nvPr>
         </p:nvSpPr>
-        <p:spPr>
-          <a:xfrm>
-            <a:off x="214282" y="3000372"/>
-            <a:ext cx="8629680" cy="1643074"/>
-          </a:xfrm>
-          <a:effectLst>
-            <a:outerShdw blurRad="50800" dist="38100" dir="5400000" algn="t" rotWithShape="0">
-              <a:prstClr val="black">
-                <a:alpha val="40000"/>
-              </a:prstClr>
-            </a:outerShdw>
-          </a:effectLst>
-        </p:spPr>
+        <p:spPr/>
         <p:txBody>
           <a:bodyPr/>
           <a:lstStyle/>
           <a:p>
-            <a:pPr>
-              <a:defRPr/>
-            </a:pPr>
-            <a:r>
-              <a:rPr sz="4400" b="0" cap="none" smtClean="0">
-                <a:ln>
-                  <a:noFill/>
-                </a:ln>
-                <a:effectLst>
-                  <a:outerShdw blurRad="38100" dist="38100" dir="2700000" algn="tl">
-                    <a:srgbClr val="000000">
-                      <a:alpha val="43137"/>
-                    </a:srgbClr>
-                  </a:outerShdw>
-                </a:effectLst>
-              </a:rPr>
-              <a:t>ACME</a:t>
-            </a:r>
-            <a:r>
-              <a:rPr b="0" cap="none" dirty="0" smtClean="0">
-                <a:ln>
-                  <a:noFill/>
-                </a:ln>
-                <a:solidFill>
-                  <a:schemeClr val="tx1"/>
-                </a:solidFill>
-                <a:effectLst>
-                  <a:outerShdw blurRad="38100" dist="38100" dir="2700000" algn="tl">
-                    <a:srgbClr val="000000">
-                      <a:alpha val="43137"/>
-                    </a:srgbClr>
-                  </a:outerShdw>
-                </a:effectLst>
-              </a:rPr>
-              <a:t/>
-            </a:r>
-            <a:br>
-              <a:rPr b="0" cap="none" dirty="0" smtClean="0">
-                <a:ln>
-                  <a:noFill/>
-                </a:ln>
-                <a:solidFill>
-                  <a:schemeClr val="tx1"/>
-                </a:solidFill>
-                <a:effectLst>
-                  <a:outerShdw blurRad="38100" dist="38100" dir="2700000" algn="tl">
-                    <a:srgbClr val="000000">
-                      <a:alpha val="43137"/>
-                    </a:srgbClr>
-                  </a:outerShdw>
-                </a:effectLst>
-              </a:rPr>
-            </a:br>
-            <a:r>
-              <a:rPr b="0" cap="none" smtClean="0">
-                <a:ln>
-                  <a:noFill/>
-                </a:ln>
-                <a:solidFill>
-                  <a:schemeClr val="tx1"/>
-                </a:solidFill>
-                <a:effectLst>
-                  <a:outerShdw blurRad="38100" dist="38100" dir="2700000" algn="tl">
-                    <a:srgbClr val="000000">
-                      <a:alpha val="43137"/>
-                    </a:srgbClr>
-                  </a:outerShdw>
-                </a:effectLst>
-              </a:rPr>
-              <a:t>   </a:t>
-            </a:r>
-            <a:r>
-              <a:rPr b="0" i="1" cap="none" smtClean="0">
-                <a:ln>
-                  <a:noFill/>
-                </a:ln>
-                <a:solidFill>
-                  <a:schemeClr val="bg1">
-                    <a:lumMod val="65000"/>
-                  </a:schemeClr>
-                </a:solidFill>
-                <a:effectLst>
-                  <a:outerShdw blurRad="38100" dist="38100" dir="2700000" algn="tl">
-                    <a:srgbClr val="000000">
-                      <a:alpha val="43137"/>
-                    </a:srgbClr>
-                  </a:outerShdw>
-                </a:effectLst>
-              </a:rPr>
-              <a:t>A powerful ADL</a:t>
-            </a:r>
-            <a:endParaRPr sz="2800" b="0" i="1" cap="none" dirty="0">
-              <a:ln>
-                <a:noFill/>
-              </a:ln>
-              <a:solidFill>
-                <a:schemeClr val="bg1">
-                  <a:lumMod val="65000"/>
-                </a:schemeClr>
-              </a:solidFill>
-              <a:effectLst>
-                <a:outerShdw blurRad="38100" dist="38100" dir="2700000" algn="tl">
-                  <a:srgbClr val="000000">
-                    <a:alpha val="43137"/>
-                  </a:srgbClr>
-                </a:outerShdw>
-              </a:effectLst>
-            </a:endParaRPr>
+            <a:r>
+              <a:rPr lang="en-US" dirty="0" smtClean="0"/>
+              <a:t>2. Business </a:t>
+            </a:r>
+            <a:r>
+              <a:rPr lang="en-US" dirty="0" smtClean="0"/>
+              <a:t>Drivers - requirements</a:t>
+            </a:r>
+            <a:endParaRPr lang="en-US" dirty="0"/>
           </a:p>
         </p:txBody>
       </p:sp>
       <p:sp>
         <p:nvSpPr>
-          <p:cNvPr id="4" name="Espace réservé du contenu 3"/>
+          <p:cNvPr id="3" name="Espace réservé du texte 2"/>
           <p:cNvSpPr>
             <a:spLocks noGrp="1"/>
           </p:cNvSpPr>
           <p:nvPr>
-            <p:ph sz="quarter" idx="11"/>
+            <p:ph type="body" sz="quarter" idx="10"/>
           </p:nvPr>
         </p:nvSpPr>
         <p:spPr>
           <a:xfrm>
-            <a:off x="285750" y="6357938"/>
-            <a:ext cx="5286375" cy="571500"/>
+            <a:off x="285720" y="1071546"/>
+            <a:ext cx="8643968" cy="5357828"/>
           </a:xfrm>
         </p:spPr>
         <p:txBody>
           <a:bodyPr/>
           <a:lstStyle/>
           <a:p>
-            <a:pPr>
-              <a:defRPr/>
-            </a:pPr>
-            <a:r>
-              <a:rPr dirty="0" smtClean="0"/>
-              <a:t>CS554 - Design for Software &amp; </a:t>
-            </a:r>
-            <a:r>
-              <a:rPr dirty="0" err="1" smtClean="0"/>
-              <a:t>Systems</a:t>
-            </a:r>
-            <a:endParaRPr dirty="0"/>
-          </a:p>
-        </p:txBody>
-      </p:sp>
-      <p:pic>
-        <p:nvPicPr>
-          <p:cNvPr id="5125" name="Picture 2" descr="D:\Bureau\ci.gif"/>
-          <p:cNvPicPr>
-            <a:picLocks noChangeAspect="1" noChangeArrowheads="1"/>
-          </p:cNvPicPr>
-          <p:nvPr/>
-        </p:nvPicPr>
-        <p:blipFill>
-          <a:blip r:embed="rId2" cstate="print"/>
-          <a:srcRect/>
-          <a:stretch>
-            <a:fillRect/>
-          </a:stretch>
-        </p:blipFill>
-        <p:spPr bwMode="auto">
-          <a:xfrm>
-            <a:off x="7429520" y="5572140"/>
-            <a:ext cx="1428750" cy="685800"/>
-          </a:xfrm>
-          <a:prstGeom prst="roundRect">
-            <a:avLst>
-              <a:gd name="adj" fmla="val 8594"/>
-            </a:avLst>
-          </a:prstGeom>
-          <a:solidFill>
-            <a:srgbClr val="FFFFFF">
-              <a:shade val="85000"/>
-            </a:srgbClr>
-          </a:solidFill>
-          <a:ln>
-            <a:noFill/>
-          </a:ln>
-          <a:effectLst>
-            <a:reflection blurRad="12700" stA="38000" endPos="28000" dist="5000" dir="5400000" sy="-100000" algn="bl" rotWithShape="0"/>
-          </a:effectLst>
-        </p:spPr>
-      </p:pic>
-      <p:pic>
-        <p:nvPicPr>
-          <p:cNvPr id="1026" name="Picture 2" descr="D:\Bureau\acme.jpg"/>
-          <p:cNvPicPr>
-            <a:picLocks noChangeAspect="1" noChangeArrowheads="1"/>
-          </p:cNvPicPr>
-          <p:nvPr/>
-        </p:nvPicPr>
-        <p:blipFill>
-          <a:blip r:embed="rId3">
-            <a:clrChange>
-              <a:clrFrom>
-                <a:srgbClr val="FEFEF4"/>
-              </a:clrFrom>
-              <a:clrTo>
-                <a:srgbClr val="FEFEF4">
-                  <a:alpha val="0"/>
-                </a:srgbClr>
-              </a:clrTo>
-            </a:clrChange>
-          </a:blip>
-          <a:srcRect/>
-          <a:stretch>
-            <a:fillRect/>
-          </a:stretch>
-        </p:blipFill>
-        <p:spPr bwMode="auto">
-          <a:xfrm>
-            <a:off x="3428992" y="857232"/>
-            <a:ext cx="2071702" cy="3507095"/>
-          </a:xfrm>
-          <a:prstGeom prst="rect">
-            <a:avLst/>
-          </a:prstGeom>
-          <a:noFill/>
-          <a:effectLst>
-            <a:outerShdw blurRad="50800" dist="38100" dir="18900000" algn="bl" rotWithShape="0">
-              <a:prstClr val="black">
-                <a:alpha val="40000"/>
-              </a:prstClr>
-            </a:outerShdw>
-          </a:effectLst>
-        </p:spPr>
-      </p:pic>
-      <p:sp>
-        <p:nvSpPr>
-          <p:cNvPr id="9" name="Rectangle 8"/>
-          <p:cNvSpPr/>
-          <p:nvPr/>
-        </p:nvSpPr>
-        <p:spPr>
-          <a:xfrm flipH="1">
-            <a:off x="6588224" y="2928934"/>
-            <a:ext cx="2412932" cy="1213306"/>
-          </a:xfrm>
-          <a:prstGeom prst="wedgeRectCallout">
-            <a:avLst/>
-          </a:prstGeom>
-        </p:spPr>
-        <p:style>
-          <a:lnRef idx="3">
-            <a:schemeClr val="lt1"/>
-          </a:lnRef>
-          <a:fillRef idx="1">
-            <a:schemeClr val="accent6"/>
-          </a:fillRef>
-          <a:effectRef idx="1">
-            <a:schemeClr val="accent6"/>
-          </a:effectRef>
-          <a:fontRef idx="minor">
-            <a:schemeClr val="lt1"/>
-          </a:fontRef>
-        </p:style>
-        <p:txBody>
-          <a:bodyPr rtlCol="0" anchor="ctr"/>
-          <a:lstStyle/>
-          <a:p>
-            <a:pPr algn="ctr"/>
-            <a:r>
-              <a:rPr lang="fr-FR" sz="2400" b="1" dirty="0" smtClean="0">
-                <a:effectLst>
-                  <a:outerShdw blurRad="38100" dist="38100" dir="2700000" algn="tl">
-                    <a:srgbClr val="000000">
-                      <a:alpha val="43137"/>
-                    </a:srgbClr>
-                  </a:outerShdw>
-                </a:effectLst>
-              </a:rPr>
-              <a:t>Project 2</a:t>
-            </a:r>
-          </a:p>
-          <a:p>
-            <a:pPr algn="ctr"/>
-            <a:r>
-              <a:rPr lang="fr-FR" b="1" dirty="0" smtClean="0">
-                <a:effectLst>
-                  <a:outerShdw blurRad="38100" dist="38100" dir="2700000" algn="tl">
-                    <a:srgbClr val="000000">
-                      <a:alpha val="43137"/>
-                    </a:srgbClr>
-                  </a:outerShdw>
-                </a:effectLst>
-              </a:rPr>
-              <a:t>OP4</a:t>
-            </a:r>
-          </a:p>
-          <a:p>
-            <a:pPr algn="ctr"/>
-            <a:endParaRPr lang="fr-FR" sz="1100" b="1" dirty="0" smtClean="0">
-              <a:effectLst>
-                <a:outerShdw blurRad="38100" dist="38100" dir="2700000" algn="tl">
-                  <a:srgbClr val="000000">
-                    <a:alpha val="43137"/>
-                  </a:srgbClr>
-                </a:outerShdw>
-              </a:effectLst>
-            </a:endParaRPr>
-          </a:p>
-          <a:p>
-            <a:pPr algn="ctr"/>
-            <a:r>
-              <a:rPr lang="fr-FR" b="1" i="1" dirty="0" smtClean="0">
-                <a:effectLst>
-                  <a:outerShdw blurRad="38100" dist="38100" dir="2700000" algn="tl">
-                    <a:srgbClr val="000000">
-                      <a:alpha val="43137"/>
-                    </a:srgbClr>
-                  </a:outerShdw>
-                </a:effectLst>
-              </a:rPr>
-              <a:t>ADL </a:t>
-            </a:r>
-            <a:r>
-              <a:rPr lang="fr-FR" b="1" i="1" dirty="0" err="1" smtClean="0">
-                <a:effectLst>
-                  <a:outerShdw blurRad="38100" dist="38100" dir="2700000" algn="tl">
-                    <a:srgbClr val="000000">
-                      <a:alpha val="43137"/>
-                    </a:srgbClr>
-                  </a:outerShdw>
-                </a:effectLst>
-              </a:rPr>
-              <a:t>presentation</a:t>
-            </a:r>
-            <a:endParaRPr lang="fr-FR" b="1" i="1" dirty="0" smtClean="0">
-              <a:effectLst>
-                <a:outerShdw blurRad="38100" dist="38100" dir="2700000" algn="tl">
-                  <a:srgbClr val="000000">
-                    <a:alpha val="43137"/>
-                  </a:srgbClr>
-                </a:outerShdw>
-              </a:effectLst>
-            </a:endParaRPr>
+            <a:r>
+              <a:rPr lang="en-US" sz="2800" dirty="0" smtClean="0"/>
+              <a:t>Clients global needs :</a:t>
+            </a:r>
+          </a:p>
+          <a:p>
+            <a:pPr lvl="1"/>
+            <a:r>
+              <a:rPr lang="en-US" dirty="0" smtClean="0"/>
+              <a:t>Guarantee the completion of any time critical activities of the spaceship</a:t>
+            </a:r>
+          </a:p>
+          <a:p>
+            <a:pPr lvl="1"/>
+            <a:r>
+              <a:rPr lang="en-US" dirty="0" smtClean="0"/>
+              <a:t>Keep the control of the spacecraft with safety, </a:t>
+            </a:r>
+            <a:r>
+              <a:rPr lang="en-US" dirty="0" err="1" smtClean="0"/>
+              <a:t>observability</a:t>
+            </a:r>
+            <a:r>
+              <a:rPr lang="en-US" dirty="0" smtClean="0"/>
+              <a:t> &amp; </a:t>
+            </a:r>
+            <a:r>
+              <a:rPr lang="en-US" dirty="0" err="1" smtClean="0"/>
+              <a:t>commandability</a:t>
+            </a:r>
+            <a:endParaRPr lang="en-US" dirty="0" smtClean="0"/>
+          </a:p>
+          <a:p>
+            <a:endParaRPr lang="en-US" sz="2800" dirty="0" smtClean="0"/>
+          </a:p>
+          <a:p>
+            <a:r>
+              <a:rPr lang="en-US" sz="2800" dirty="0" smtClean="0"/>
+              <a:t>Main </a:t>
+            </a:r>
+            <a:r>
+              <a:rPr lang="en-US" sz="2800" dirty="0" smtClean="0"/>
+              <a:t>qualities attributes :</a:t>
+            </a:r>
+          </a:p>
+          <a:p>
+            <a:pPr lvl="1"/>
+            <a:r>
+              <a:rPr lang="en-US" b="1" i="1" dirty="0" smtClean="0"/>
+              <a:t>Reliability</a:t>
+            </a:r>
+            <a:r>
+              <a:rPr lang="en-US" dirty="0" smtClean="0"/>
+              <a:t> : The system must be reliable in all operating conditions. </a:t>
+            </a:r>
+          </a:p>
+          <a:p>
+            <a:pPr lvl="1"/>
+            <a:r>
+              <a:rPr lang="en-US" b="1" i="1" dirty="0" smtClean="0"/>
+              <a:t>Availability</a:t>
+            </a:r>
+            <a:r>
+              <a:rPr lang="en-US" dirty="0" smtClean="0"/>
+              <a:t> : The system must not lock or stall when processing data. It must work asynchronously and must be available all the time.</a:t>
+            </a:r>
+          </a:p>
+          <a:p>
+            <a:pPr lvl="1"/>
+            <a:r>
+              <a:rPr lang="en-US" b="1" i="1" dirty="0" smtClean="0"/>
+              <a:t>Adaptability</a:t>
+            </a:r>
+            <a:r>
+              <a:rPr lang="en-US" dirty="0" smtClean="0"/>
+              <a:t> : FDIR has to be adaptable for manned and unmanned spacecraft.</a:t>
+            </a:r>
+            <a:endParaRPr lang="en-US" sz="2800" dirty="0"/>
           </a:p>
         </p:txBody>
       </p:sp>
@@ -15065,30 +19007,22 @@
             <p:ph type="ctrTitle"/>
           </p:nvPr>
         </p:nvSpPr>
-        <p:spPr>
-          <a:xfrm>
-            <a:off x="300038" y="466708"/>
-            <a:ext cx="8629680" cy="819152"/>
-          </a:xfrm>
-        </p:spPr>
+        <p:spPr/>
         <p:txBody>
           <a:bodyPr/>
           <a:lstStyle/>
           <a:p>
-            <a:pPr>
-              <a:defRPr/>
-            </a:pPr>
-            <a:r>
-              <a:rPr lang="en-US" dirty="0" smtClean="0"/>
-              <a:t>references</a:t>
-            </a:r>
-            <a:endParaRPr lang="en-US" dirty="0"/>
+            <a:r>
+              <a:rPr smtClean="0"/>
+              <a:t>3. Architecture systems</a:t>
+            </a:r>
+            <a:endParaRPr lang="fr-FR" dirty="0"/>
           </a:p>
         </p:txBody>
       </p:sp>
       <p:sp>
         <p:nvSpPr>
-          <p:cNvPr id="15363" name="Espace réservé du texte 2"/>
+          <p:cNvPr id="3" name="Espace réservé du texte 2"/>
           <p:cNvSpPr>
             <a:spLocks noGrp="1"/>
           </p:cNvSpPr>
@@ -15096,94 +19030,153 @@
             <p:ph type="body" sz="quarter" idx="10"/>
           </p:nvPr>
         </p:nvSpPr>
-        <p:spPr bwMode="auto">
+        <p:spPr>
           <a:xfrm>
-            <a:off x="285750" y="1857375"/>
-            <a:ext cx="8501063" cy="4714875"/>
+            <a:off x="285750" y="1071546"/>
+            <a:ext cx="8643968" cy="5500704"/>
           </a:xfrm>
-          <a:noFill/>
-          <a:ln>
-            <a:miter lim="800000"/>
-            <a:headEnd/>
-            <a:tailEnd/>
-          </a:ln>
         </p:spPr>
         <p:txBody>
-          <a:bodyPr vert="horz" wrap="square" lIns="91440" tIns="45720" rIns="91440" bIns="45720" numCol="1" anchor="t" anchorCtr="0" compatLnSpc="1">
-            <a:prstTxWarp prst="textNoShape">
-              <a:avLst/>
-            </a:prstTxWarp>
-          </a:bodyPr>
+          <a:bodyPr/>
           <a:lstStyle/>
           <a:p>
             <a:r>
-              <a:rPr sz="1600" b="1" smtClean="0"/>
-              <a:t>David S. Wile, </a:t>
-            </a:r>
-            <a:r>
-              <a:rPr sz="1600" i="1" smtClean="0"/>
-              <a:t>ACME: An Interchange Language for Architecture Representation</a:t>
-            </a:r>
-          </a:p>
-          <a:p>
-            <a:endParaRPr sz="1600" i="1" smtClean="0"/>
-          </a:p>
-          <a:p>
-            <a:r>
-              <a:rPr sz="1600" b="1" smtClean="0">
-                <a:hlinkClick r:id="rId2"/>
-              </a:rPr>
-              <a:t>http://www.cs.cmu.edu/~acme</a:t>
-            </a:r>
-            <a:r>
-              <a:rPr sz="1600" b="1" i="1" smtClean="0">
-                <a:hlinkClick r:id="rId2"/>
-              </a:rPr>
-              <a:t>/</a:t>
-            </a:r>
-            <a:r>
-              <a:rPr sz="1600" i="1" smtClean="0"/>
-              <a:t>, ACME websites</a:t>
-            </a:r>
-          </a:p>
-          <a:p>
-            <a:endParaRPr sz="1600" i="1" smtClean="0"/>
-          </a:p>
-          <a:p>
-            <a:r>
-              <a:rPr sz="1600" b="1" smtClean="0">
-                <a:hlinkClick r:id="rId3"/>
-              </a:rPr>
-              <a:t>http://en.wikipedia.org/wiki/Architecture_description_language</a:t>
-            </a:r>
-            <a:r>
-              <a:rPr sz="1600" i="1" smtClean="0"/>
-              <a:t>, ADL wikipedia page</a:t>
-            </a:r>
-          </a:p>
-          <a:p>
-            <a:endParaRPr sz="1600" i="1" smtClean="0"/>
-          </a:p>
-          <a:p>
-            <a:r>
-              <a:rPr lang="en-US" sz="1600" b="1" dirty="0" smtClean="0"/>
-              <a:t>[KKC00] R. </a:t>
-            </a:r>
-            <a:r>
-              <a:rPr lang="en-US" sz="1600" b="1" dirty="0" err="1" smtClean="0"/>
-              <a:t>Kazman</a:t>
-            </a:r>
-            <a:r>
-              <a:rPr lang="en-US" sz="1600" b="1" dirty="0" smtClean="0"/>
-              <a:t>, M. Klein, P. Clements</a:t>
-            </a:r>
-            <a:r>
-              <a:rPr lang="en-US" sz="1600" i="1" dirty="0" smtClean="0"/>
-              <a:t>, ATAM: A Method for Architecture Evaluation, CMU/SEI-2000-TR-004, Software Engineering Institute, Carnegie Mellon University, 2000. </a:t>
-            </a:r>
-            <a:endParaRPr lang="en-US" altLang="ko-KR" sz="1600" i="1" dirty="0" smtClean="0">
-              <a:ea typeface="굴림" charset="-127"/>
-            </a:endParaRPr>
+              <a:rPr smtClean="0"/>
+              <a:t>Fault detector</a:t>
+            </a:r>
+          </a:p>
+          <a:p>
+            <a:pPr lvl="1"/>
+            <a:r>
+              <a:rPr smtClean="0"/>
+              <a:t>Monitored value checker</a:t>
+            </a:r>
+          </a:p>
+          <a:p>
+            <a:pPr lvl="1"/>
+            <a:r>
+              <a:rPr smtClean="0"/>
+              <a:t>Fault filtering system</a:t>
+            </a:r>
+          </a:p>
+          <a:p>
+            <a:r>
+              <a:rPr smtClean="0"/>
+              <a:t>D</a:t>
+            </a:r>
+            <a:r>
+              <a:rPr smtClean="0"/>
+              <a:t>ata storage system (logs</a:t>
+            </a:r>
+            <a:r>
+              <a:rPr smtClean="0"/>
+              <a:t>, monitored values, reports, etc.)</a:t>
+            </a:r>
+            <a:endParaRPr smtClean="0"/>
+          </a:p>
+          <a:p>
+            <a:r>
+              <a:rPr smtClean="0"/>
+              <a:t>F</a:t>
+            </a:r>
+            <a:r>
+              <a:rPr smtClean="0"/>
+              <a:t>ault analyzer</a:t>
+            </a:r>
+          </a:p>
+          <a:p>
+            <a:pPr lvl="1"/>
+            <a:r>
+              <a:rPr smtClean="0"/>
+              <a:t>Layers system </a:t>
+            </a:r>
+          </a:p>
+          <a:p>
+            <a:pPr lvl="2"/>
+            <a:r>
+              <a:rPr smtClean="0"/>
+              <a:t>individual device</a:t>
+            </a:r>
+          </a:p>
+          <a:p>
+            <a:pPr lvl="2"/>
+            <a:r>
+              <a:rPr smtClean="0"/>
+              <a:t>device functions</a:t>
+            </a:r>
+          </a:p>
+          <a:p>
+            <a:pPr lvl="2"/>
+            <a:r>
+              <a:rPr lang="fr-FR" dirty="0" smtClean="0"/>
+              <a:t>S</a:t>
+            </a:r>
+            <a:r>
+              <a:rPr smtClean="0"/>
+              <a:t>ubsystem</a:t>
+            </a:r>
+          </a:p>
+          <a:p>
+            <a:pPr lvl="2"/>
+            <a:r>
+              <a:rPr smtClean="0"/>
+              <a:t>system control</a:t>
+            </a:r>
+          </a:p>
+          <a:p>
+            <a:pPr lvl="2"/>
+            <a:r>
+              <a:rPr lang="fr-FR" dirty="0" smtClean="0"/>
+              <a:t>M</a:t>
+            </a:r>
+            <a:r>
+              <a:rPr smtClean="0"/>
+              <a:t>anual FDIR</a:t>
+            </a:r>
+          </a:p>
+          <a:p>
+            <a:pPr lvl="1"/>
+            <a:r>
+              <a:rPr smtClean="0"/>
+              <a:t>Automatical control</a:t>
+            </a:r>
+          </a:p>
+          <a:p>
+            <a:r>
+              <a:rPr smtClean="0"/>
+              <a:t>Control system</a:t>
+            </a:r>
+          </a:p>
+          <a:p>
+            <a:r>
+              <a:rPr smtClean="0"/>
+              <a:t>Reporting system</a:t>
+            </a:r>
+          </a:p>
+          <a:p>
+            <a:r>
+              <a:rPr smtClean="0"/>
+              <a:t>Information displayer</a:t>
+            </a:r>
+          </a:p>
+          <a:p>
+            <a:pPr lvl="1"/>
+            <a:endParaRPr smtClean="0"/>
+          </a:p>
+          <a:p>
+            <a:pPr lvl="1"/>
+            <a:endParaRPr smtClean="0"/>
+          </a:p>
+          <a:p>
+            <a:endParaRPr smtClean="0"/>
+          </a:p>
+          <a:p>
+            <a:pPr lvl="1"/>
+            <a:endParaRPr smtClean="0"/>
+          </a:p>
+          <a:p>
+            <a:pPr lvl="1"/>
+            <a:endParaRPr lang="fr-FR" dirty="0"/>
           </a:p>
         </p:txBody>
       </p:sp>

--- a/trunk/Project 2/Part1/CS554_EuroTeam_Project2_OP4.pptx
+++ b/trunk/Project 2/Part1/CS554_EuroTeam_Project2_OP4.pptx
@@ -1816,11 +1816,7 @@
           </a:r>
           <a:r>
             <a:rPr lang="en-US" b="0" dirty="0" smtClean="0"/>
-            <a:t> business </a:t>
-          </a:r>
-          <a:r>
-            <a:rPr lang="en-US" b="0" dirty="0" smtClean="0"/>
-            <a:t>drivers</a:t>
+            <a:t> business drivers</a:t>
           </a:r>
           <a:endParaRPr lang="en-US" b="1" dirty="0"/>
         </a:p>
@@ -5597,15 +5593,15 @@
     <dgm:cxn modelId="{31968E50-5F21-4E14-BD6C-AC0765C075E7}" srcId="{A8C23566-4532-4937-B70D-96EEB679EC18}" destId="{C384DB3C-1D18-40E5-9144-7A2744677CC4}" srcOrd="1" destOrd="0" parTransId="{099F60C3-6A1D-4019-8D14-F50A8A09C660}" sibTransId="{4210D62D-6E5A-40C5-B85F-1A94EA636C1F}"/>
     <dgm:cxn modelId="{39771F41-37FA-44E5-AEF7-C01E3FC43E72}" srcId="{DF4CB7B1-5045-4437-87E4-E1CC84BEBD5B}" destId="{BF3692B0-B2F5-475B-A0E0-09F2750DB354}" srcOrd="0" destOrd="0" parTransId="{13AF1296-7130-4B35-8D2B-004E85C49434}" sibTransId="{48EF8DA7-6090-4DAC-AE67-DEEC18C5A62C}"/>
     <dgm:cxn modelId="{EA1D1CC3-A43B-4356-AD8E-FCF2A3400E1F}" type="presOf" srcId="{16D19E56-C5C2-4577-88A6-9E27624927B0}" destId="{8EED4110-D933-465E-906C-A01F6CDFF9F4}" srcOrd="0" destOrd="0" presId="urn:microsoft.com/office/officeart/2005/8/layout/hierarchy2"/>
+    <dgm:cxn modelId="{DBD98826-319B-4C11-84A5-FA8D505A473F}" type="presOf" srcId="{A560B286-F608-4BFD-AA59-E075D6FBB207}" destId="{3380103F-7920-42BF-840B-740FF2A9D9B7}" srcOrd="0" destOrd="0" presId="urn:microsoft.com/office/officeart/2005/8/layout/hierarchy2"/>
     <dgm:cxn modelId="{D74A857B-359F-47B2-BBC3-466621D6FBAD}" type="presOf" srcId="{90D73243-8D83-4D3B-B5DC-8C34197E2F93}" destId="{FCF125C1-8616-4ABD-9AB0-4A1A49D24A67}" srcOrd="0" destOrd="0" presId="urn:microsoft.com/office/officeart/2005/8/layout/hierarchy2"/>
-    <dgm:cxn modelId="{DBD98826-319B-4C11-84A5-FA8D505A473F}" type="presOf" srcId="{A560B286-F608-4BFD-AA59-E075D6FBB207}" destId="{3380103F-7920-42BF-840B-740FF2A9D9B7}" srcOrd="0" destOrd="0" presId="urn:microsoft.com/office/officeart/2005/8/layout/hierarchy2"/>
+    <dgm:cxn modelId="{E662FF71-4994-4F7F-AB5E-6126ECE6BBD2}" type="presOf" srcId="{13AF1296-7130-4B35-8D2B-004E85C49434}" destId="{1DA7B367-DBA7-4C41-9559-471EF152BD59}" srcOrd="1" destOrd="0" presId="urn:microsoft.com/office/officeart/2005/8/layout/hierarchy2"/>
     <dgm:cxn modelId="{A22255BE-E30D-451F-B017-A5BD01836BCC}" type="presOf" srcId="{14A5EC74-9959-4160-B9E4-0B92E2FD7AB3}" destId="{87F7909A-440D-40AC-876B-2232C1AF2660}" srcOrd="0" destOrd="0" presId="urn:microsoft.com/office/officeart/2005/8/layout/hierarchy2"/>
-    <dgm:cxn modelId="{E662FF71-4994-4F7F-AB5E-6126ECE6BBD2}" type="presOf" srcId="{13AF1296-7130-4B35-8D2B-004E85C49434}" destId="{1DA7B367-DBA7-4C41-9559-471EF152BD59}" srcOrd="1" destOrd="0" presId="urn:microsoft.com/office/officeart/2005/8/layout/hierarchy2"/>
     <dgm:cxn modelId="{DFB8114F-DFE9-4112-8801-EB79F983533D}" type="presOf" srcId="{18C4E4F1-6FFE-40C7-B98F-CD8AC747D6A9}" destId="{11767DAC-E465-47AF-A168-BECB10E544FF}" srcOrd="0" destOrd="0" presId="urn:microsoft.com/office/officeart/2005/8/layout/hierarchy2"/>
     <dgm:cxn modelId="{DBC71433-260B-4220-99C2-DB77AD5FCB04}" srcId="{AC7D7CEA-60A9-4B39-9FE0-FBB48D821DA2}" destId="{9C11D38D-B6EE-4602-B5DC-0E873D6BC312}" srcOrd="0" destOrd="0" parTransId="{E4802F1B-C275-465F-B611-017EA9F4FFD0}" sibTransId="{58D1AB30-A659-4F62-98D2-23A4B59321D5}"/>
     <dgm:cxn modelId="{4C3BC575-682C-429F-AD43-847CEBCA252A}" type="presOf" srcId="{18C4E4F1-6FFE-40C7-B98F-CD8AC747D6A9}" destId="{35D06866-0351-4C8F-9E03-1F846DF64B86}" srcOrd="1" destOrd="0" presId="urn:microsoft.com/office/officeart/2005/8/layout/hierarchy2"/>
+    <dgm:cxn modelId="{F2624E66-B0A9-4B1A-97ED-6F214AD06DE4}" type="presOf" srcId="{94EC7959-A5F1-407E-BA45-E580F4FDC9E6}" destId="{C4060063-10F1-47DC-BDD6-8740C4B8A1B4}" srcOrd="0" destOrd="0" presId="urn:microsoft.com/office/officeart/2005/8/layout/hierarchy2"/>
     <dgm:cxn modelId="{C9F154D7-EC8C-4B03-A171-F625DB05C0D3}" srcId="{16D19E56-C5C2-4577-88A6-9E27624927B0}" destId="{E3C31717-A998-409B-B0F2-24EA2C48B82B}" srcOrd="4" destOrd="0" parTransId="{6992EDD1-C975-4FD1-9081-85AF3BD8B1E6}" sibTransId="{1DD2EC39-182A-44E3-9F1D-0BECB21AC125}"/>
-    <dgm:cxn modelId="{F2624E66-B0A9-4B1A-97ED-6F214AD06DE4}" type="presOf" srcId="{94EC7959-A5F1-407E-BA45-E580F4FDC9E6}" destId="{C4060063-10F1-47DC-BDD6-8740C4B8A1B4}" srcOrd="0" destOrd="0" presId="urn:microsoft.com/office/officeart/2005/8/layout/hierarchy2"/>
     <dgm:cxn modelId="{CA0F98C1-EBB5-4242-9261-C7CEE6CA6CE0}" type="presOf" srcId="{5D7D13A5-02B4-451B-A0B5-BB9AD3A5B383}" destId="{FBAF7BD0-5E39-4916-B887-6706A458849A}" srcOrd="1" destOrd="0" presId="urn:microsoft.com/office/officeart/2005/8/layout/hierarchy2"/>
     <dgm:cxn modelId="{A9AE2426-4506-4C19-AC6C-CB9005D7B043}" type="presOf" srcId="{A560B286-F608-4BFD-AA59-E075D6FBB207}" destId="{7911A52D-005C-4CFB-A839-DBD92BD59548}" srcOrd="1" destOrd="0" presId="urn:microsoft.com/office/officeart/2005/8/layout/hierarchy2"/>
     <dgm:cxn modelId="{9EE4CDE7-83DC-4909-A867-4E69C42923DB}" type="presOf" srcId="{5634F704-5E38-4869-919B-D1BF893C2A0E}" destId="{D2CF9E6E-EB2D-441D-9C22-D6CB2094DBB8}" srcOrd="0" destOrd="0" presId="urn:microsoft.com/office/officeart/2005/8/layout/hierarchy2"/>
@@ -5613,8 +5609,8 @@
     <dgm:cxn modelId="{9BCE7B16-64B1-431C-9358-CB6804951DC4}" srcId="{16D19E56-C5C2-4577-88A6-9E27624927B0}" destId="{F6952C61-9C3A-4BE1-A252-93B737E8386B}" srcOrd="0" destOrd="0" parTransId="{5D7D13A5-02B4-451B-A0B5-BB9AD3A5B383}" sibTransId="{6CEFC87E-D954-483B-BA2E-10D84BECFF59}"/>
     <dgm:cxn modelId="{B2595663-A38A-4F6D-808E-41045EC1135B}" srcId="{0B6CE9A0-C6EE-429F-ADDF-EDFE8BC26AEA}" destId="{16D19E56-C5C2-4577-88A6-9E27624927B0}" srcOrd="0" destOrd="0" parTransId="{B412D9D2-BEB6-4D02-86E1-44B1D62A0444}" sibTransId="{F97894F1-DF58-491E-8AAC-F54B0ACF2156}"/>
     <dgm:cxn modelId="{D0B22DF5-C4FA-4896-A8B8-B7B1F46F20F8}" type="presOf" srcId="{96B4AF63-BD34-4C99-907A-076A76C40AC1}" destId="{32316891-284F-487A-B750-C5FD37FCD542}" srcOrd="0" destOrd="0" presId="urn:microsoft.com/office/officeart/2005/8/layout/hierarchy2"/>
+    <dgm:cxn modelId="{DE116E4A-9402-4E83-9880-B6DB83B2AA00}" type="presOf" srcId="{A8C23566-4532-4937-B70D-96EEB679EC18}" destId="{DCBBB97E-EC3B-4A6C-B046-4F5569B2BCE3}" srcOrd="0" destOrd="0" presId="urn:microsoft.com/office/officeart/2005/8/layout/hierarchy2"/>
     <dgm:cxn modelId="{A9363C94-54E6-4A79-9651-A4CD7CCC4607}" srcId="{885221A3-C986-4F1A-B5D1-5CB7100BCCD6}" destId="{56AD0DD9-BDFD-48CB-B8AD-229B40BE1DA7}" srcOrd="0" destOrd="0" parTransId="{A560B286-F608-4BFD-AA59-E075D6FBB207}" sibTransId="{B4A30BB2-4A6F-4D6B-B7E7-3938FB83587B}"/>
-    <dgm:cxn modelId="{DE116E4A-9402-4E83-9880-B6DB83B2AA00}" type="presOf" srcId="{A8C23566-4532-4937-B70D-96EEB679EC18}" destId="{DCBBB97E-EC3B-4A6C-B046-4F5569B2BCE3}" srcOrd="0" destOrd="0" presId="urn:microsoft.com/office/officeart/2005/8/layout/hierarchy2"/>
     <dgm:cxn modelId="{0B4453EB-EE04-48E0-A610-ED15EC37341B}" srcId="{8842B8E6-2FED-446C-AA95-ECB6BE04C5CF}" destId="{6F0EE3D6-5DC0-4B96-B37E-57BC52C39BF6}" srcOrd="0" destOrd="0" parTransId="{B39E708A-4F4D-40E2-8CAB-066D137F0865}" sibTransId="{CC1B1915-600B-4178-BB54-14D29C1FC6EB}"/>
     <dgm:cxn modelId="{8620BC95-08F6-4843-9C32-921105ECE228}" type="presOf" srcId="{F4C03097-4B08-4AC5-A053-2E376F80E313}" destId="{62B4E467-65B7-4B2D-8401-C100098041D5}" srcOrd="1" destOrd="0" presId="urn:microsoft.com/office/officeart/2005/8/layout/hierarchy2"/>
     <dgm:cxn modelId="{0D39AAF5-FA34-494D-8329-EF9B1732B848}" type="presOf" srcId="{C45DAEAA-8C55-44A1-8683-0B8998291E78}" destId="{DB9727DF-A505-4539-A942-A4614724AF8B}" srcOrd="0" destOrd="0" presId="urn:microsoft.com/office/officeart/2005/8/layout/hierarchy2"/>
@@ -5626,12 +5622,12 @@
     <dgm:cxn modelId="{EB1C4B56-3E03-40F6-9278-C0C2C36CAB6D}" type="presOf" srcId="{67448084-02F9-4850-9595-63D1824E8119}" destId="{954D97EC-4386-455E-97AC-7035A550C583}" srcOrd="0" destOrd="0" presId="urn:microsoft.com/office/officeart/2005/8/layout/hierarchy2"/>
     <dgm:cxn modelId="{42ACA3F6-06CD-472F-9386-80FD30F0FDA2}" type="presOf" srcId="{96B4AF63-BD34-4C99-907A-076A76C40AC1}" destId="{A002D58C-1F03-4A87-BEE3-1C163E8A8F10}" srcOrd="1" destOrd="0" presId="urn:microsoft.com/office/officeart/2005/8/layout/hierarchy2"/>
     <dgm:cxn modelId="{F2E5260D-8025-4514-91D8-B0B97D030E32}" srcId="{A8C23566-4532-4937-B70D-96EEB679EC18}" destId="{6BCF5D66-1CCA-4701-8A72-573A8551EA69}" srcOrd="0" destOrd="0" parTransId="{A9E87F83-58B9-4908-B740-093E5EBC7DD8}" sibTransId="{7B320419-0C53-4CE9-B91A-D282F0B2DE6D}"/>
+    <dgm:cxn modelId="{B2953733-457D-4FFB-B856-DE33CF2062B2}" type="presOf" srcId="{CC907B09-0EBC-4738-8DA3-E51A4909A71A}" destId="{B3126015-186F-4CD5-A1AD-9F9CEC7D117B}" srcOrd="0" destOrd="0" presId="urn:microsoft.com/office/officeart/2005/8/layout/hierarchy2"/>
     <dgm:cxn modelId="{ADEFF59C-12A8-457B-98E6-DFCB12A15DAE}" type="presOf" srcId="{BDAA4D47-669A-4154-BF1E-184595A23581}" destId="{BD6EDC37-B8C6-49B7-8269-2127B3FD4BFC}" srcOrd="0" destOrd="0" presId="urn:microsoft.com/office/officeart/2005/8/layout/hierarchy2"/>
-    <dgm:cxn modelId="{B2953733-457D-4FFB-B856-DE33CF2062B2}" type="presOf" srcId="{CC907B09-0EBC-4738-8DA3-E51A4909A71A}" destId="{B3126015-186F-4CD5-A1AD-9F9CEC7D117B}" srcOrd="0" destOrd="0" presId="urn:microsoft.com/office/officeart/2005/8/layout/hierarchy2"/>
     <dgm:cxn modelId="{DBF76A42-0E98-4C7A-9528-B3D2CF91327D}" type="presOf" srcId="{BF3692B0-B2F5-475B-A0E0-09F2750DB354}" destId="{0AA5EBEC-F204-4587-AF0F-C5AAAACBECD6}" srcOrd="0" destOrd="0" presId="urn:microsoft.com/office/officeart/2005/8/layout/hierarchy2"/>
     <dgm:cxn modelId="{9E8F6AEB-F5F5-4852-9FD8-D1DE6A9CB039}" srcId="{16D19E56-C5C2-4577-88A6-9E27624927B0}" destId="{15B1BA1E-0BE5-4111-9088-567035F6ADF2}" srcOrd="1" destOrd="0" parTransId="{F46B74CD-E2DF-4E6A-965C-1DA6F85D5BDC}" sibTransId="{0B30C8DB-C09E-43E8-8053-D148081F8026}"/>
+    <dgm:cxn modelId="{6A3ED9EB-77B7-40A1-93E0-AFB8BE061CC9}" type="presOf" srcId="{13AF1296-7130-4B35-8D2B-004E85C49434}" destId="{EA1D241F-E12F-4D7E-BDAB-98F9EC475487}" srcOrd="0" destOrd="0" presId="urn:microsoft.com/office/officeart/2005/8/layout/hierarchy2"/>
     <dgm:cxn modelId="{4F1B5FF1-5DE3-4B43-A9A8-E857DED822FA}" type="presOf" srcId="{C384DB3C-1D18-40E5-9144-7A2744677CC4}" destId="{BB4EE058-C3ED-43F3-BCD0-CFC3B961A168}" srcOrd="0" destOrd="0" presId="urn:microsoft.com/office/officeart/2005/8/layout/hierarchy2"/>
-    <dgm:cxn modelId="{6A3ED9EB-77B7-40A1-93E0-AFB8BE061CC9}" type="presOf" srcId="{13AF1296-7130-4B35-8D2B-004E85C49434}" destId="{EA1D241F-E12F-4D7E-BDAB-98F9EC475487}" srcOrd="0" destOrd="0" presId="urn:microsoft.com/office/officeart/2005/8/layout/hierarchy2"/>
     <dgm:cxn modelId="{76973A05-21A3-4991-A5F7-6C953E889E68}" type="presOf" srcId="{62E43A7E-A85F-4740-B234-E1AA158AE21D}" destId="{AC7E11D1-A8C3-443B-A886-74722F2DD6AA}" srcOrd="1" destOrd="0" presId="urn:microsoft.com/office/officeart/2005/8/layout/hierarchy2"/>
     <dgm:cxn modelId="{470F47A9-44B6-4B93-87DE-C3D56711AF9F}" type="presOf" srcId="{5FE6DC38-6776-41DB-B858-4560A59B33C9}" destId="{78256481-66C4-4A91-99FA-69FAAFA9D8B3}" srcOrd="1" destOrd="0" presId="urn:microsoft.com/office/officeart/2005/8/layout/hierarchy2"/>
     <dgm:cxn modelId="{A2416DDF-4B50-43B2-BB71-9E3F42156CC1}" type="presOf" srcId="{C6856C97-98D2-4FCE-AA58-6F5D1996FF39}" destId="{9D4B37A4-EF35-41DD-B652-9623C53F69B5}" srcOrd="0" destOrd="0" presId="urn:microsoft.com/office/officeart/2005/8/layout/hierarchy2"/>
@@ -5641,18 +5637,18 @@
     <dgm:cxn modelId="{B4991116-3B52-49AC-A44F-11A48009DE8F}" srcId="{9C11D38D-B6EE-4602-B5DC-0E873D6BC312}" destId="{BDAA4D47-669A-4154-BF1E-184595A23581}" srcOrd="0" destOrd="0" parTransId="{C45DAEAA-8C55-44A1-8683-0B8998291E78}" sibTransId="{BAADF4B7-C867-41E5-8F3B-DEFAC07E1978}"/>
     <dgm:cxn modelId="{CE301371-B194-41D3-BC32-700C8E043369}" type="presOf" srcId="{F46B74CD-E2DF-4E6A-965C-1DA6F85D5BDC}" destId="{0B238363-D373-48C4-840F-8074B7EA5A25}" srcOrd="0" destOrd="0" presId="urn:microsoft.com/office/officeart/2005/8/layout/hierarchy2"/>
     <dgm:cxn modelId="{8CC2344A-CD3E-433E-8271-A5E5E44B72AE}" type="presOf" srcId="{E3C31717-A998-409B-B0F2-24EA2C48B82B}" destId="{F106D733-4D18-44E9-AE84-8729F86F9A7B}" srcOrd="0" destOrd="0" presId="urn:microsoft.com/office/officeart/2005/8/layout/hierarchy2"/>
+    <dgm:cxn modelId="{3411BD8A-0018-49E3-A32C-5857C6F0C82F}" type="presOf" srcId="{15B1BA1E-0BE5-4111-9088-567035F6ADF2}" destId="{0496E2EF-A6C1-4DEF-8F3A-27FC5344D9C2}" srcOrd="0" destOrd="0" presId="urn:microsoft.com/office/officeart/2005/8/layout/hierarchy2"/>
     <dgm:cxn modelId="{AE77216A-B5A0-45EE-8BBB-164D75095F48}" type="presOf" srcId="{C3F9611D-6F6D-456A-AD45-7E37C504D0D0}" destId="{150C759A-28F1-46C6-81E2-DBCE69B4B728}" srcOrd="1" destOrd="0" presId="urn:microsoft.com/office/officeart/2005/8/layout/hierarchy2"/>
-    <dgm:cxn modelId="{3411BD8A-0018-49E3-A32C-5857C6F0C82F}" type="presOf" srcId="{15B1BA1E-0BE5-4111-9088-567035F6ADF2}" destId="{0496E2EF-A6C1-4DEF-8F3A-27FC5344D9C2}" srcOrd="0" destOrd="0" presId="urn:microsoft.com/office/officeart/2005/8/layout/hierarchy2"/>
     <dgm:cxn modelId="{8B619814-2737-4C1D-A339-DF78EFC7E7C6}" type="presOf" srcId="{6992EDD1-C975-4FD1-9081-85AF3BD8B1E6}" destId="{B37933A7-581F-4B09-80DC-1A672DC67D19}" srcOrd="0" destOrd="0" presId="urn:microsoft.com/office/officeart/2005/8/layout/hierarchy2"/>
     <dgm:cxn modelId="{11399A33-CB20-4319-A7AD-F5E1677FEA2D}" type="presOf" srcId="{94EC7959-A5F1-407E-BA45-E580F4FDC9E6}" destId="{E6E0835C-70C6-4F8D-8FA4-D27085349DBA}" srcOrd="1" destOrd="0" presId="urn:microsoft.com/office/officeart/2005/8/layout/hierarchy2"/>
+    <dgm:cxn modelId="{03DCD012-9021-4261-9824-E2D585F61353}" type="presOf" srcId="{B39E708A-4F4D-40E2-8CAB-066D137F0865}" destId="{D890A412-ED49-4F6C-955F-73FD46A96135}" srcOrd="1" destOrd="0" presId="urn:microsoft.com/office/officeart/2005/8/layout/hierarchy2"/>
     <dgm:cxn modelId="{039A1F71-5BF0-4E68-98E0-93E288F1C5EA}" type="presOf" srcId="{56AD0DD9-BDFD-48CB-B8AD-229B40BE1DA7}" destId="{6370C388-798B-4F24-B822-DD7770C24AB0}" srcOrd="0" destOrd="0" presId="urn:microsoft.com/office/officeart/2005/8/layout/hierarchy2"/>
-    <dgm:cxn modelId="{03DCD012-9021-4261-9824-E2D585F61353}" type="presOf" srcId="{B39E708A-4F4D-40E2-8CAB-066D137F0865}" destId="{D890A412-ED49-4F6C-955F-73FD46A96135}" srcOrd="1" destOrd="0" presId="urn:microsoft.com/office/officeart/2005/8/layout/hierarchy2"/>
     <dgm:cxn modelId="{DD9FBBF4-F0D3-48A6-8406-B7FBFFABF549}" type="presOf" srcId="{C3F9611D-6F6D-456A-AD45-7E37C504D0D0}" destId="{A99B90C1-D2BA-4007-B3A2-86E6FF8390B2}" srcOrd="0" destOrd="0" presId="urn:microsoft.com/office/officeart/2005/8/layout/hierarchy2"/>
     <dgm:cxn modelId="{C9E7E609-1F04-40D5-97B9-AF0CDB32629D}" type="presOf" srcId="{14A5EC74-9959-4160-B9E4-0B92E2FD7AB3}" destId="{A5A96E28-EBAE-4C72-9BD9-7E8E4A6F8BC4}" srcOrd="1" destOrd="0" presId="urn:microsoft.com/office/officeart/2005/8/layout/hierarchy2"/>
     <dgm:cxn modelId="{EB29A2A9-E8A5-4FBF-BA56-5187F36DD431}" srcId="{A8C23566-4532-4937-B70D-96EEB679EC18}" destId="{CC907B09-0EBC-4738-8DA3-E51A4909A71A}" srcOrd="2" destOrd="0" parTransId="{F4C03097-4B08-4AC5-A053-2E376F80E313}" sibTransId="{F3DB8824-CE90-4C2E-ACD7-F4856A650F04}"/>
     <dgm:cxn modelId="{7F3DA564-2F09-4833-AC47-DE8A0557E8C2}" type="presOf" srcId="{6992EDD1-C975-4FD1-9081-85AF3BD8B1E6}" destId="{E54FFAC4-0083-4D7C-85A4-651FD575ED50}" srcOrd="1" destOrd="0" presId="urn:microsoft.com/office/officeart/2005/8/layout/hierarchy2"/>
+    <dgm:cxn modelId="{3EC35809-2DDB-4DAF-A290-57842BD2450C}" srcId="{D42F0D00-8154-42C0-8474-0CB7B1AB1B9B}" destId="{F73C7A69-BB24-4690-B743-4D45CE473802}" srcOrd="0" destOrd="0" parTransId="{5634F704-5E38-4869-919B-D1BF893C2A0E}" sibTransId="{8F9AC238-421C-40E4-A39E-EEDBBBB995CC}"/>
     <dgm:cxn modelId="{EA7E83A7-DFCA-4790-AEF3-2D9DF0FB22C7}" type="presOf" srcId="{099F60C3-6A1D-4019-8D14-F50A8A09C660}" destId="{5866272B-8B55-44A1-98A7-3687E6E1573E}" srcOrd="1" destOrd="0" presId="urn:microsoft.com/office/officeart/2005/8/layout/hierarchy2"/>
-    <dgm:cxn modelId="{3EC35809-2DDB-4DAF-A290-57842BD2450C}" srcId="{D42F0D00-8154-42C0-8474-0CB7B1AB1B9B}" destId="{F73C7A69-BB24-4690-B743-4D45CE473802}" srcOrd="0" destOrd="0" parTransId="{5634F704-5E38-4869-919B-D1BF893C2A0E}" sibTransId="{8F9AC238-421C-40E4-A39E-EEDBBBB995CC}"/>
     <dgm:cxn modelId="{6A4B5304-EC41-4F22-B4F4-9A47DA72FFF2}" srcId="{75E55147-B0A0-4B51-AB5B-0E7E0075355E}" destId="{A0DC8813-CD9E-4884-A5AA-A81616F70BD6}" srcOrd="0" destOrd="0" parTransId="{94EC7959-A5F1-407E-BA45-E580F4FDC9E6}" sibTransId="{ABF4BC37-865D-461E-A6BB-27E40458ADAC}"/>
     <dgm:cxn modelId="{6F69324A-AC5E-49FA-9AC3-28C28E5828E8}" srcId="{52F0D684-9EDC-4C8E-91C6-9243E7B678DE}" destId="{2974A326-5891-4019-8EDC-3284212C991A}" srcOrd="0" destOrd="0" parTransId="{C6856C97-98D2-4FCE-AA58-6F5D1996FF39}" sibTransId="{B2B15F7F-1168-4449-9A7B-68B2562E7430}"/>
     <dgm:cxn modelId="{D850EEB3-5959-4A99-8DDA-F5CCBDAA2546}" srcId="{2974A326-5891-4019-8EDC-3284212C991A}" destId="{C9B6E853-7B9D-482B-A6DA-3CC93E428CBB}" srcOrd="0" destOrd="0" parTransId="{F2C92844-18BA-429F-BC14-FD565864E3FE}" sibTransId="{E4B27800-6FE1-4074-931C-6BA909107949}"/>
@@ -5672,8 +5668,8 @@
     <dgm:cxn modelId="{451FD1EE-FD69-40D4-97EF-B719D1206358}" type="presOf" srcId="{67448084-02F9-4850-9595-63D1824E8119}" destId="{FD4B4655-D87C-47C8-9492-81F759CC9D82}" srcOrd="1" destOrd="0" presId="urn:microsoft.com/office/officeart/2005/8/layout/hierarchy2"/>
     <dgm:cxn modelId="{06CFA0AE-330F-47DC-B643-915B23B75716}" type="presOf" srcId="{64850580-2D76-445F-9B82-9BA5722BC486}" destId="{F56107AA-6DCE-48B0-AC00-6DB6766E6259}" srcOrd="1" destOrd="0" presId="urn:microsoft.com/office/officeart/2005/8/layout/hierarchy2"/>
     <dgm:cxn modelId="{B1292B95-6EB8-49EE-92F2-F4DAAFEA2610}" srcId="{16D19E56-C5C2-4577-88A6-9E27624927B0}" destId="{8842B8E6-2FED-446C-AA95-ECB6BE04C5CF}" srcOrd="5" destOrd="0" parTransId="{5FE6DC38-6776-41DB-B858-4560A59B33C9}" sibTransId="{8731D08B-C26D-4F73-9589-B4201034831C}"/>
+    <dgm:cxn modelId="{526B7BEF-D00F-4BE4-A2B8-37449658246B}" srcId="{16D19E56-C5C2-4577-88A6-9E27624927B0}" destId="{AC7D7CEA-60A9-4B39-9FE0-FBB48D821DA2}" srcOrd="2" destOrd="0" parTransId="{67448084-02F9-4850-9595-63D1824E8119}" sibTransId="{52FEDC56-5FA4-4F8E-8610-C16C434DAEB7}"/>
     <dgm:cxn modelId="{9108A4B0-3C1B-46E0-94B8-8C9B7709AC0F}" type="presOf" srcId="{C9B6E853-7B9D-482B-A6DA-3CC93E428CBB}" destId="{DD5EBFFC-A722-4AB2-89B0-0B1C4E0C9C86}" srcOrd="0" destOrd="0" presId="urn:microsoft.com/office/officeart/2005/8/layout/hierarchy2"/>
-    <dgm:cxn modelId="{526B7BEF-D00F-4BE4-A2B8-37449658246B}" srcId="{16D19E56-C5C2-4577-88A6-9E27624927B0}" destId="{AC7D7CEA-60A9-4B39-9FE0-FBB48D821DA2}" srcOrd="2" destOrd="0" parTransId="{67448084-02F9-4850-9595-63D1824E8119}" sibTransId="{52FEDC56-5FA4-4F8E-8610-C16C434DAEB7}"/>
     <dgm:cxn modelId="{FA69161E-C924-4B60-9D00-D968044A7272}" type="presOf" srcId="{DF4CB7B1-5045-4437-87E4-E1CC84BEBD5B}" destId="{BEE878CC-66AC-46BB-B254-1430ED20255B}" srcOrd="0" destOrd="0" presId="urn:microsoft.com/office/officeart/2005/8/layout/hierarchy2"/>
     <dgm:cxn modelId="{2D202745-437F-4010-896B-897EA2DA900F}" type="presOf" srcId="{6202B1ED-6E28-4A5B-B4BF-CFC862F69283}" destId="{F3B226C5-98DD-485E-968E-64F0568910A6}" srcOrd="1" destOrd="0" presId="urn:microsoft.com/office/officeart/2005/8/layout/hierarchy2"/>
     <dgm:cxn modelId="{CA489D2B-1155-486E-9CF2-BB7CCA5B7667}" srcId="{16D19E56-C5C2-4577-88A6-9E27624927B0}" destId="{52F0D684-9EDC-4C8E-91C6-9243E7B678DE}" srcOrd="3" destOrd="0" parTransId="{62E43A7E-A85F-4740-B234-E1AA158AE21D}" sibTransId="{59662C48-3013-4235-AA81-02CB32C3C6AF}"/>
@@ -5683,8 +5679,8 @@
     <dgm:cxn modelId="{F9CACAAA-F355-462A-AE6C-0ED69C7F98A6}" type="presOf" srcId="{9C11D38D-B6EE-4602-B5DC-0E873D6BC312}" destId="{1F27BB9C-9316-401D-8861-F2A6D8471D15}" srcOrd="0" destOrd="0" presId="urn:microsoft.com/office/officeart/2005/8/layout/hierarchy2"/>
     <dgm:cxn modelId="{C1B2EB86-D6A6-4AC5-B502-1F1B9BEEB728}" type="presOf" srcId="{A0DC8813-CD9E-4884-A5AA-A81616F70BD6}" destId="{B4D4BC37-43D5-4A51-B84F-131B2101F5C4}" srcOrd="0" destOrd="0" presId="urn:microsoft.com/office/officeart/2005/8/layout/hierarchy2"/>
     <dgm:cxn modelId="{ECA23E49-F89D-427C-80F7-3568B7637953}" type="presOf" srcId="{D42F0D00-8154-42C0-8474-0CB7B1AB1B9B}" destId="{D7797290-2D69-4666-BAC2-F46A2EA90FC3}" srcOrd="0" destOrd="0" presId="urn:microsoft.com/office/officeart/2005/8/layout/hierarchy2"/>
+    <dgm:cxn modelId="{E979F581-53FB-4580-BCEC-04494B5950B9}" type="presOf" srcId="{F2C92844-18BA-429F-BC14-FD565864E3FE}" destId="{53849AAB-7F70-484D-A1A6-B53F1DD8DFE5}" srcOrd="0" destOrd="0" presId="urn:microsoft.com/office/officeart/2005/8/layout/hierarchy2"/>
     <dgm:cxn modelId="{F86D9B19-1563-4F1A-85FB-CE81B4BB6BE7}" type="presOf" srcId="{5634F704-5E38-4869-919B-D1BF893C2A0E}" destId="{80378285-1B84-411F-8D05-9358152BE1C5}" srcOrd="1" destOrd="0" presId="urn:microsoft.com/office/officeart/2005/8/layout/hierarchy2"/>
-    <dgm:cxn modelId="{E979F581-53FB-4580-BCEC-04494B5950B9}" type="presOf" srcId="{F2C92844-18BA-429F-BC14-FD565864E3FE}" destId="{53849AAB-7F70-484D-A1A6-B53F1DD8DFE5}" srcOrd="0" destOrd="0" presId="urn:microsoft.com/office/officeart/2005/8/layout/hierarchy2"/>
     <dgm:cxn modelId="{2196CCA9-63CD-4799-8F19-526202D463DA}" type="presOf" srcId="{A9E87F83-58B9-4908-B740-093E5EBC7DD8}" destId="{FB173F69-C99F-4321-BE91-B2F74931D9A8}" srcOrd="0" destOrd="0" presId="urn:microsoft.com/office/officeart/2005/8/layout/hierarchy2"/>
     <dgm:cxn modelId="{F5695A3E-D22F-4E63-A303-8FFE01D5C8AE}" type="presOf" srcId="{6BCF5D66-1CCA-4701-8A72-573A8551EA69}" destId="{E75F7DEC-522E-4BF1-9659-D038AEFA4384}" srcOrd="0" destOrd="0" presId="urn:microsoft.com/office/officeart/2005/8/layout/hierarchy2"/>
     <dgm:cxn modelId="{E19E356C-A518-4040-B920-C18A68687850}" type="presParOf" srcId="{51AF58BE-B55C-412E-AF2E-5B03A34A5E58}" destId="{4FCA5650-1573-419E-B7C6-AAEC71044674}" srcOrd="0" destOrd="0" presId="urn:microsoft.com/office/officeart/2005/8/layout/hierarchy2"/>
@@ -8569,7 +8565,7 @@
               <a:pPr>
                 <a:defRPr/>
               </a:pPr>
-              <a:t>12/11/2009</a:t>
+              <a:t>02/12/2009</a:t>
             </a:fld>
             <a:endParaRPr lang="fr-FR" altLang="ko-KR"/>
           </a:p>
@@ -8666,7 +8662,7 @@
     </p:spTree>
     <p:extLst>
       <p:ext uri="{BB962C8B-B14F-4D97-AF65-F5344CB8AC3E}">
-        <p14:creationId xmlns:p14="http://schemas.microsoft.com/office/powerpoint/2007/7/12/main" xmlns="" val="3216856891"/>
+        <p14:creationId xmlns="" xmlns:p14="http://schemas.microsoft.com/office/powerpoint/2007/7/12/main" val="3216856891"/>
       </p:ext>
     </p:extLst>
   </p:cSld>
@@ -8778,7 +8774,7 @@
               <a:pPr>
                 <a:defRPr/>
               </a:pPr>
-              <a:t>12/11/2009</a:t>
+              <a:t>02/12/2009</a:t>
             </a:fld>
             <a:endParaRPr lang="fr-FR" altLang="ko-KR"/>
           </a:p>
@@ -8971,7 +8967,7 @@
     </p:spTree>
     <p:extLst>
       <p:ext uri="{BB962C8B-B14F-4D97-AF65-F5344CB8AC3E}">
-        <p14:creationId xmlns:p14="http://schemas.microsoft.com/office/powerpoint/2007/7/12/main" xmlns="" val="3483236166"/>
+        <p14:creationId xmlns="" xmlns:p14="http://schemas.microsoft.com/office/powerpoint/2007/7/12/main" val="3483236166"/>
       </p:ext>
     </p:extLst>
   </p:cSld>
@@ -10849,7 +10845,7 @@
           <a:blip r:embed="rId4">
             <a:extLst>
               <a:ext uri="28A0092B-C50C-407e-A947-70E740481C1C">
-                <a14:useLocalDpi xmlns:a14="http://schemas.microsoft.com/office/drawing/2007/7/7/main" xmlns="" val="0"/>
+                <a14:useLocalDpi xmlns="" xmlns:a14="http://schemas.microsoft.com/office/drawing/2007/7/7/main" val="0"/>
               </a:ext>
             </a:extLst>
           </a:blip>
@@ -10869,14 +10865,14 @@
           <a:noFill/>
           <a:extLst>
             <a:ext uri="{909E8E84-426E-40dd-AFC4-6F175D3DCCD1}">
-              <a14:hiddenFill xmlns:a14="http://schemas.microsoft.com/office/drawing/2007/7/7/main" xmlns="">
+              <a14:hiddenFill xmlns="" xmlns:a14="http://schemas.microsoft.com/office/drawing/2007/7/7/main">
                 <a:solidFill>
                   <a:schemeClr val="accent1"/>
                 </a:solidFill>
               </a14:hiddenFill>
             </a:ext>
             <a:ext uri="{91240B29-F687-4f45-9708-019B960494DF}">
-              <a14:hiddenLine xmlns:a14="http://schemas.microsoft.com/office/drawing/2007/7/7/main" xmlns="" w="9525">
+              <a14:hiddenLine xmlns="" xmlns:a14="http://schemas.microsoft.com/office/drawing/2007/7/7/main" w="9525">
                 <a:solidFill>
                   <a:schemeClr val="tx1"/>
                 </a:solidFill>
@@ -10886,7 +10882,7 @@
               </a14:hiddenLine>
             </a:ext>
             <a:ext uri="{AF507438-7753-43e0-B8FC-AC1667EBCBE1}">
-              <a14:hiddenEffects xmlns:a14="http://schemas.microsoft.com/office/drawing/2007/7/7/main" xmlns="">
+              <a14:hiddenEffects xmlns="" xmlns:a14="http://schemas.microsoft.com/office/drawing/2007/7/7/main">
                 <a:effectLst>
                   <a:outerShdw dist="35921" dir="2700000" algn="ctr" rotWithShape="0">
                     <a:schemeClr val="bg2"/>
@@ -10900,7 +10896,7 @@
     </p:spTree>
     <p:extLst>
       <p:ext uri="{BB962C8B-B14F-4D97-AF65-F5344CB8AC3E}">
-        <p14:creationId xmlns:p14="http://schemas.microsoft.com/office/powerpoint/2007/7/12/main" xmlns="" val="1066328049"/>
+        <p14:creationId xmlns="" xmlns:p14="http://schemas.microsoft.com/office/powerpoint/2007/7/12/main" val="1066328049"/>
       </p:ext>
     </p:extLst>
   </p:cSld>
@@ -11354,19 +11350,7 @@
                 <a:latin typeface="+mn-lt"/>
                 <a:cs typeface="+mn-cs"/>
               </a:rPr>
-              <a:t> / </a:t>
-            </a:r>
-            <a:r>
-              <a:rPr lang="fr-FR" sz="1100" b="1" kern="0" dirty="0" smtClean="0">
-                <a:solidFill>
-                  <a:schemeClr val="bg1">
-                    <a:lumMod val="65000"/>
-                  </a:schemeClr>
-                </a:solidFill>
-                <a:latin typeface="+mn-lt"/>
-                <a:cs typeface="+mn-cs"/>
-              </a:rPr>
-              <a:t>15    </a:t>
+              <a:t> / 15    </a:t>
             </a:r>
             <a:endParaRPr lang="fr-FR" sz="1100" b="1" kern="0" dirty="0">
               <a:solidFill>
@@ -12615,22 +12599,62 @@
           <a:p>
             <a:pPr algn="ctr"/>
             <a:r>
-              <a:rPr lang="fr-FR" dirty="0" smtClean="0"/>
+              <a:rPr lang="fr-FR" b="1" dirty="0" smtClean="0">
+                <a:effectLst>
+                  <a:outerShdw blurRad="38100" dist="38100" dir="2700000" algn="tl">
+                    <a:srgbClr val="000000">
+                      <a:alpha val="43137"/>
+                    </a:srgbClr>
+                  </a:outerShdw>
+                </a:effectLst>
+              </a:rPr>
               <a:t>FDIR </a:t>
             </a:r>
             <a:r>
-              <a:rPr lang="fr-FR" dirty="0" err="1" smtClean="0"/>
+              <a:rPr lang="fr-FR" b="1" dirty="0" err="1" smtClean="0">
+                <a:effectLst>
+                  <a:outerShdw blurRad="38100" dist="38100" dir="2700000" algn="tl">
+                    <a:srgbClr val="000000">
+                      <a:alpha val="43137"/>
+                    </a:srgbClr>
+                  </a:outerShdw>
+                </a:effectLst>
+              </a:rPr>
               <a:t>fault</a:t>
             </a:r>
             <a:r>
-              <a:rPr lang="fr-FR" dirty="0" smtClean="0"/>
+              <a:rPr lang="fr-FR" b="1" dirty="0" smtClean="0">
+                <a:effectLst>
+                  <a:outerShdw blurRad="38100" dist="38100" dir="2700000" algn="tl">
+                    <a:srgbClr val="000000">
+                      <a:alpha val="43137"/>
+                    </a:srgbClr>
+                  </a:outerShdw>
+                </a:effectLst>
+              </a:rPr>
               <a:t> </a:t>
             </a:r>
             <a:r>
-              <a:rPr lang="fr-FR" dirty="0" err="1" smtClean="0"/>
+              <a:rPr lang="fr-FR" b="1" dirty="0" err="1" smtClean="0">
+                <a:effectLst>
+                  <a:outerShdw blurRad="38100" dist="38100" dir="2700000" algn="tl">
+                    <a:srgbClr val="000000">
+                      <a:alpha val="43137"/>
+                    </a:srgbClr>
+                  </a:outerShdw>
+                </a:effectLst>
+              </a:rPr>
               <a:t>analyzer</a:t>
             </a:r>
-            <a:endParaRPr lang="fr-FR" dirty="0"/>
+            <a:endParaRPr lang="fr-FR" b="1" dirty="0">
+              <a:effectLst>
+                <a:outerShdw blurRad="38100" dist="38100" dir="2700000" algn="tl">
+                  <a:srgbClr val="000000">
+                    <a:alpha val="43137"/>
+                  </a:srgbClr>
+                </a:outerShdw>
+              </a:effectLst>
+            </a:endParaRPr>
           </a:p>
         </p:txBody>
       </p:sp>
@@ -13445,22 +13469,6 @@
               </a:rPr>
               <a:t>values</a:t>
             </a:r>
-            <a:endParaRPr kumimoji="0" lang="fr-FR" sz="1400" b="1" i="0" u="none" strike="noStrike" kern="0" cap="none" spc="0" normalizeH="0" baseline="0" noProof="0" dirty="0" smtClean="0">
-              <a:ln>
-                <a:noFill/>
-              </a:ln>
-              <a:solidFill>
-                <a:schemeClr val="accent6">
-                  <a:lumMod val="75000"/>
-                </a:schemeClr>
-              </a:solidFill>
-              <a:effectLst/>
-              <a:uLnTx/>
-              <a:uFillTx/>
-              <a:latin typeface="+mn-lt"/>
-              <a:ea typeface="+mn-ea"/>
-              <a:cs typeface="+mn-cs"/>
-            </a:endParaRPr>
           </a:p>
         </p:txBody>
       </p:sp>
@@ -14020,22 +14028,6 @@
               </a:rPr>
               <a:t>Values</a:t>
             </a:r>
-            <a:endParaRPr kumimoji="0" lang="fr-FR" sz="1400" b="1" i="0" u="none" strike="noStrike" kern="0" cap="none" spc="0" normalizeH="0" baseline="0" noProof="0" dirty="0" smtClean="0">
-              <a:ln>
-                <a:noFill/>
-              </a:ln>
-              <a:solidFill>
-                <a:schemeClr val="accent6">
-                  <a:lumMod val="75000"/>
-                </a:schemeClr>
-              </a:solidFill>
-              <a:effectLst/>
-              <a:uLnTx/>
-              <a:uFillTx/>
-              <a:latin typeface="+mn-lt"/>
-              <a:ea typeface="+mn-ea"/>
-              <a:cs typeface="+mn-cs"/>
-            </a:endParaRPr>
           </a:p>
         </p:txBody>
       </p:sp>
@@ -14469,22 +14461,6 @@
               </a:rPr>
               <a:t>Control flow</a:t>
             </a:r>
-            <a:endParaRPr kumimoji="0" lang="fr-FR" sz="1400" b="1" i="0" u="none" strike="noStrike" kern="0" cap="none" spc="0" normalizeH="0" baseline="0" noProof="0" dirty="0" smtClean="0">
-              <a:ln>
-                <a:noFill/>
-              </a:ln>
-              <a:solidFill>
-                <a:schemeClr val="accent4">
-                  <a:shade val="50000"/>
-                </a:schemeClr>
-              </a:solidFill>
-              <a:effectLst/>
-              <a:uLnTx/>
-              <a:uFillTx/>
-              <a:latin typeface="+mn-lt"/>
-              <a:ea typeface="+mn-ea"/>
-              <a:cs typeface="+mn-cs"/>
-            </a:endParaRPr>
           </a:p>
         </p:txBody>
       </p:sp>
@@ -14614,23 +14590,6 @@
               </a:rPr>
               <a:t> :</a:t>
             </a:r>
-            <a:endParaRPr kumimoji="0" lang="fr-FR" sz="2000" b="1" i="0" u="none" strike="noStrike" kern="0" cap="none" spc="0" normalizeH="0" baseline="0" noProof="0" dirty="0" smtClean="0">
-              <a:ln>
-                <a:noFill/>
-              </a:ln>
-              <a:effectLst>
-                <a:outerShdw blurRad="38100" dist="38100" dir="2700000" algn="tl">
-                  <a:srgbClr val="000000">
-                    <a:alpha val="43137"/>
-                  </a:srgbClr>
-                </a:outerShdw>
-              </a:effectLst>
-              <a:uLnTx/>
-              <a:uFillTx/>
-              <a:latin typeface="+mn-lt"/>
-              <a:ea typeface="+mn-ea"/>
-              <a:cs typeface="+mn-cs"/>
-            </a:endParaRPr>
           </a:p>
         </p:txBody>
       </p:sp>
@@ -14822,16 +14781,6 @@
               </a:rPr>
               <a:t> system</a:t>
             </a:r>
-            <a:endParaRPr kumimoji="0" lang="fr-FR" sz="1400" b="1" i="0" u="none" strike="noStrike" kern="0" cap="none" spc="0" normalizeH="0" baseline="0" noProof="0" dirty="0" smtClean="0">
-              <a:ln>
-                <a:noFill/>
-              </a:ln>
-              <a:uLnTx/>
-              <a:uFillTx/>
-              <a:latin typeface="+mn-lt"/>
-              <a:ea typeface="+mn-ea"/>
-              <a:cs typeface="+mn-cs"/>
-            </a:endParaRPr>
           </a:p>
         </p:txBody>
       </p:sp>
@@ -15220,11 +15169,7 @@
             </a:r>
             <a:r>
               <a:rPr lang="fr-FR" b="1" dirty="0" smtClean="0"/>
-              <a:t> </a:t>
-            </a:r>
-            <a:r>
-              <a:rPr lang="fr-FR" b="1" dirty="0" smtClean="0"/>
-              <a:t>FDIR</a:t>
+              <a:t> FDIR</a:t>
             </a:r>
             <a:endParaRPr lang="fr-FR" b="1" dirty="0"/>
           </a:p>
@@ -15370,7 +15315,15 @@
             <a:pPr algn="ctr"/>
             <a:r>
               <a:rPr lang="fr-FR" dirty="0" smtClean="0"/>
-              <a:t>DB</a:t>
+              <a:t>Data </a:t>
+            </a:r>
+            <a:r>
+              <a:rPr lang="fr-FR" dirty="0" err="1" smtClean="0"/>
+              <a:t>storage</a:t>
+            </a:r>
+            <a:r>
+              <a:rPr lang="fr-FR" dirty="0" smtClean="0"/>
+              <a:t> system</a:t>
             </a:r>
             <a:endParaRPr lang="fr-FR" dirty="0"/>
           </a:p>
@@ -15679,22 +15632,6 @@
               </a:rPr>
               <a:t>Values</a:t>
             </a:r>
-            <a:endParaRPr kumimoji="0" lang="fr-FR" sz="1400" b="1" i="0" u="none" strike="noStrike" kern="0" cap="none" spc="0" normalizeH="0" baseline="0" noProof="0" dirty="0" smtClean="0">
-              <a:ln>
-                <a:noFill/>
-              </a:ln>
-              <a:solidFill>
-                <a:schemeClr val="accent6">
-                  <a:lumMod val="75000"/>
-                </a:schemeClr>
-              </a:solidFill>
-              <a:effectLst/>
-              <a:uLnTx/>
-              <a:uFillTx/>
-              <a:latin typeface="+mn-lt"/>
-              <a:ea typeface="+mn-ea"/>
-              <a:cs typeface="+mn-cs"/>
-            </a:endParaRPr>
           </a:p>
         </p:txBody>
       </p:sp>
@@ -16447,22 +16384,6 @@
               </a:rPr>
               <a:t>Control flow</a:t>
             </a:r>
-            <a:endParaRPr kumimoji="0" lang="fr-FR" sz="1400" b="1" i="0" u="none" strike="noStrike" kern="0" cap="none" spc="0" normalizeH="0" baseline="0" noProof="0" dirty="0" smtClean="0">
-              <a:ln>
-                <a:noFill/>
-              </a:ln>
-              <a:solidFill>
-                <a:schemeClr val="accent4">
-                  <a:shade val="50000"/>
-                </a:schemeClr>
-              </a:solidFill>
-              <a:effectLst/>
-              <a:uLnTx/>
-              <a:uFillTx/>
-              <a:latin typeface="+mn-lt"/>
-              <a:ea typeface="+mn-ea"/>
-              <a:cs typeface="+mn-cs"/>
-            </a:endParaRPr>
           </a:p>
         </p:txBody>
       </p:sp>
@@ -16547,23 +16468,6 @@
               </a:rPr>
               <a:t> :</a:t>
             </a:r>
-            <a:endParaRPr kumimoji="0" lang="fr-FR" sz="2000" b="1" i="0" u="none" strike="noStrike" kern="0" cap="none" spc="0" normalizeH="0" baseline="0" noProof="0" dirty="0" smtClean="0">
-              <a:ln>
-                <a:noFill/>
-              </a:ln>
-              <a:effectLst>
-                <a:outerShdw blurRad="38100" dist="38100" dir="2700000" algn="tl">
-                  <a:srgbClr val="000000">
-                    <a:alpha val="43137"/>
-                  </a:srgbClr>
-                </a:outerShdw>
-              </a:effectLst>
-              <a:uLnTx/>
-              <a:uFillTx/>
-              <a:latin typeface="+mn-lt"/>
-              <a:ea typeface="+mn-ea"/>
-              <a:cs typeface="+mn-cs"/>
-            </a:endParaRPr>
           </a:p>
         </p:txBody>
       </p:sp>
@@ -16673,8 +16577,8 @@
         </p:nvSpPr>
         <p:spPr>
           <a:xfrm>
-            <a:off x="357158" y="1857364"/>
-            <a:ext cx="1261884" cy="634020"/>
+            <a:off x="142844" y="1428736"/>
+            <a:ext cx="1785950" cy="584775"/>
           </a:xfrm>
           <a:prstGeom prst="rect">
             <a:avLst/>
@@ -16685,7 +16589,7 @@
           </a:ln>
         </p:spPr>
         <p:txBody>
-          <a:bodyPr wrap="none" rtlCol="0">
+          <a:bodyPr wrap="square" rtlCol="0">
             <a:spAutoFit/>
           </a:bodyPr>
           <a:lstStyle/>
@@ -16722,26 +16626,56 @@
                 <a:ea typeface="+mn-ea"/>
                 <a:cs typeface="+mn-cs"/>
               </a:rPr>
-              <a:t>FDIR control </a:t>
-            </a:r>
-          </a:p>
-          <a:p>
-            <a:pPr marL="0" marR="0" indent="0" algn="ctr" defTabSz="914400" rtl="0" eaLnBrk="1" fontAlgn="auto" latinLnBrk="0" hangingPunct="1">
-              <a:lnSpc>
-                <a:spcPct val="100000"/>
-              </a:lnSpc>
-              <a:spcBef>
-                <a:spcPct val="20000"/>
-              </a:spcBef>
-              <a:spcAft>
-                <a:spcPts val="0"/>
-              </a:spcAft>
-              <a:buClrTx/>
-              <a:buSzTx/>
-              <a:buFontTx/>
-              <a:buNone/>
-              <a:tabLst/>
-            </a:pPr>
+              <a:t>FDIR </a:t>
+            </a:r>
+            <a:r>
+              <a:rPr kumimoji="0" lang="fr-FR" sz="1600" i="0" u="none" strike="noStrike" kern="0" cap="none" spc="0" normalizeH="0" baseline="0" noProof="0" dirty="0" err="1" smtClean="0">
+                <a:ln>
+                  <a:noFill/>
+                </a:ln>
+                <a:solidFill>
+                  <a:schemeClr val="bg1">
+                    <a:lumMod val="50000"/>
+                  </a:schemeClr>
+                </a:solidFill>
+                <a:uLnTx/>
+                <a:uFillTx/>
+                <a:latin typeface="+mn-lt"/>
+                <a:ea typeface="+mn-ea"/>
+                <a:cs typeface="+mn-cs"/>
+              </a:rPr>
+              <a:t>fault</a:t>
+            </a:r>
+            <a:r>
+              <a:rPr lang="fr-FR" sz="1600" kern="0" dirty="0" smtClean="0">
+                <a:solidFill>
+                  <a:schemeClr val="bg1">
+                    <a:lumMod val="50000"/>
+                  </a:schemeClr>
+                </a:solidFill>
+                <a:latin typeface="+mn-lt"/>
+                <a:cs typeface="+mn-cs"/>
+              </a:rPr>
+              <a:t> </a:t>
+            </a:r>
+            <a:r>
+              <a:rPr kumimoji="0" lang="fr-FR" sz="1600" i="0" u="none" strike="noStrike" kern="0" cap="none" spc="0" normalizeH="0" baseline="0" noProof="0" dirty="0" err="1" smtClean="0">
+                <a:ln>
+                  <a:noFill/>
+                </a:ln>
+                <a:solidFill>
+                  <a:schemeClr val="bg1">
+                    <a:lumMod val="50000"/>
+                  </a:schemeClr>
+                </a:solidFill>
+                <a:uLnTx/>
+                <a:uFillTx/>
+                <a:latin typeface="+mn-lt"/>
+                <a:ea typeface="+mn-ea"/>
+                <a:cs typeface="+mn-cs"/>
+              </a:rPr>
+              <a:t>analyzer</a:t>
+            </a:r>
             <a:r>
               <a:rPr kumimoji="0" lang="fr-FR" sz="1600" i="0" u="none" strike="noStrike" kern="0" cap="none" spc="0" normalizeH="0" baseline="0" noProof="0" dirty="0" smtClean="0">
                 <a:ln>
@@ -16758,7 +16692,25 @@
                 <a:ea typeface="+mn-ea"/>
                 <a:cs typeface="+mn-cs"/>
               </a:rPr>
-              <a:t>system</a:t>
+              <a:t> + control</a:t>
+            </a:r>
+            <a:r>
+              <a:rPr kumimoji="0" lang="fr-FR" sz="1600" i="0" u="none" strike="noStrike" kern="0" cap="none" spc="0" normalizeH="0" noProof="0" dirty="0" smtClean="0">
+                <a:ln>
+                  <a:noFill/>
+                </a:ln>
+                <a:solidFill>
+                  <a:schemeClr val="bg1">
+                    <a:lumMod val="50000"/>
+                  </a:schemeClr>
+                </a:solidFill>
+                <a:uLnTx/>
+                <a:uFillTx/>
+                <a:latin typeface="+mn-lt"/>
+                <a:ea typeface="+mn-ea"/>
+                <a:cs typeface="+mn-cs"/>
+              </a:rPr>
+              <a:t> system</a:t>
             </a:r>
             <a:endParaRPr kumimoji="0" lang="fr-FR" sz="1600" i="0" u="none" strike="noStrike" kern="0" cap="none" spc="0" normalizeH="0" baseline="0" noProof="0" dirty="0" smtClean="0">
               <a:ln>
@@ -16906,21 +16858,6 @@
               </a:rPr>
               <a:t> detector</a:t>
             </a:r>
-            <a:endParaRPr kumimoji="0" lang="fr-FR" sz="1600" i="0" u="none" strike="noStrike" kern="0" cap="none" spc="0" normalizeH="0" baseline="0" noProof="0" dirty="0" smtClean="0">
-              <a:ln>
-                <a:noFill/>
-              </a:ln>
-              <a:solidFill>
-                <a:schemeClr val="bg1">
-                  <a:lumMod val="50000"/>
-                </a:schemeClr>
-              </a:solidFill>
-              <a:uLnTx/>
-              <a:uFillTx/>
-              <a:latin typeface="+mn-lt"/>
-              <a:ea typeface="+mn-ea"/>
-              <a:cs typeface="+mn-cs"/>
-            </a:endParaRPr>
           </a:p>
         </p:txBody>
       </p:sp>
@@ -16928,15 +16865,15 @@
         <p:nvCxnSpPr>
           <p:cNvPr id="85" name="Connecteur droit avec flèche 84"/>
           <p:cNvCxnSpPr>
-            <a:stCxn id="82" idx="3"/>
+            <a:stCxn id="82" idx="2"/>
             <a:endCxn id="80" idx="2"/>
           </p:cNvCxnSpPr>
           <p:nvPr/>
         </p:nvCxnSpPr>
         <p:spPr>
-          <a:xfrm>
-            <a:off x="1619042" y="2174374"/>
-            <a:ext cx="524066" cy="754560"/>
+          <a:xfrm rot="16200000" flipH="1">
+            <a:off x="1131752" y="1917577"/>
+            <a:ext cx="915423" cy="1107289"/>
           </a:xfrm>
           <a:prstGeom prst="straightConnector1">
             <a:avLst/>
@@ -17057,11 +16994,7 @@
           <a:p>
             <a:r>
               <a:rPr lang="en-US" dirty="0" smtClean="0"/>
-              <a:t>4. Architectural </a:t>
-            </a:r>
-            <a:r>
-              <a:rPr lang="en-US" dirty="0" smtClean="0"/>
-              <a:t>approach</a:t>
+              <a:t>4. Architectural approach</a:t>
             </a:r>
             <a:endParaRPr lang="en-US" dirty="0"/>
           </a:p>
@@ -17195,15 +17128,7 @@
           <a:p>
             <a:r>
               <a:rPr lang="en-US" dirty="0" smtClean="0"/>
-              <a:t>5</a:t>
-            </a:r>
-            <a:r>
-              <a:rPr lang="en-US" dirty="0" smtClean="0"/>
-              <a:t>. </a:t>
-            </a:r>
-            <a:r>
-              <a:rPr lang="en-US" dirty="0" smtClean="0"/>
-              <a:t>Utility tree</a:t>
+              <a:t>5. Utility tree</a:t>
             </a:r>
             <a:endParaRPr lang="en-US" dirty="0"/>
           </a:p>
@@ -17293,11 +17218,7 @@
           <a:p>
             <a:r>
               <a:rPr lang="en-US" dirty="0" smtClean="0"/>
-              <a:t>5. Utility </a:t>
-            </a:r>
-            <a:r>
-              <a:rPr lang="en-US" dirty="0" smtClean="0"/>
-              <a:t>Scenarios</a:t>
+              <a:t>5. Utility Scenarios</a:t>
             </a:r>
             <a:endParaRPr lang="en-US" dirty="0"/>
           </a:p>
@@ -18022,9 +17943,6 @@
               </a:rPr>
               <a:t>ATAM Presentation</a:t>
             </a:r>
-            <a:endParaRPr altLang="ko-KR" smtClean="0">
-              <a:ea typeface="굴림" charset="-127"/>
-            </a:endParaRPr>
           </a:p>
           <a:p>
             <a:pPr eaLnBrk="1" hangingPunct="1">
@@ -18046,9 +17964,6 @@
               </a:rPr>
               <a:t>Business Drivers</a:t>
             </a:r>
-            <a:endParaRPr altLang="ko-KR" smtClean="0">
-              <a:ea typeface="굴림" charset="-127"/>
-            </a:endParaRPr>
           </a:p>
           <a:p>
             <a:pPr eaLnBrk="1" hangingPunct="1">
@@ -18112,9 +18027,6 @@
               </a:rPr>
               <a:t>Quality attribute utility tree</a:t>
             </a:r>
-            <a:endParaRPr altLang="ko-KR" smtClean="0">
-              <a:ea typeface="굴림" charset="-127"/>
-            </a:endParaRPr>
           </a:p>
           <a:p>
             <a:pPr eaLnBrk="1" hangingPunct="1">
@@ -18205,11 +18117,7 @@
             </a:r>
             <a:r>
               <a:rPr lang="en-US" dirty="0" smtClean="0"/>
-              <a:t> </a:t>
-            </a:r>
-            <a:r>
-              <a:rPr lang="en-US" dirty="0" smtClean="0"/>
-              <a:t>assessment steps</a:t>
+              <a:t> assessment steps</a:t>
             </a:r>
             <a:endParaRPr lang="en-US" dirty="0"/>
           </a:p>
@@ -18299,11 +18207,7 @@
           <a:p>
             <a:r>
               <a:rPr lang="en-US" dirty="0" smtClean="0"/>
-              <a:t>1. ATAM </a:t>
-            </a:r>
-            <a:r>
-              <a:rPr lang="en-US" dirty="0" smtClean="0"/>
-              <a:t>presentation</a:t>
+              <a:t>1. ATAM presentation</a:t>
             </a:r>
             <a:endParaRPr lang="en-US" dirty="0"/>
           </a:p>
@@ -18420,11 +18324,7 @@
           <a:p>
             <a:r>
               <a:rPr lang="en-US" dirty="0" smtClean="0"/>
-              <a:t>1. ATAM </a:t>
-            </a:r>
-            <a:r>
-              <a:rPr lang="en-US" dirty="0" smtClean="0"/>
-              <a:t>presentation</a:t>
+              <a:t>1. ATAM presentation</a:t>
             </a:r>
             <a:endParaRPr lang="en-US" dirty="0"/>
           </a:p>
@@ -18532,11 +18432,7 @@
           <a:p>
             <a:r>
               <a:rPr lang="en-US" dirty="0" smtClean="0"/>
-              <a:t>1. ATAM </a:t>
-            </a:r>
-            <a:r>
-              <a:rPr lang="en-US" dirty="0" smtClean="0"/>
-              <a:t>presentation</a:t>
+              <a:t>1. ATAM presentation</a:t>
             </a:r>
             <a:endParaRPr lang="en-US" dirty="0"/>
           </a:p>
@@ -18582,15 +18478,7 @@
             <a:pPr lvl="1"/>
             <a:r>
               <a:rPr lang="en-US" sz="2400" dirty="0" smtClean="0"/>
-              <a:t>a "utility tree" </a:t>
-            </a:r>
-            <a:r>
-              <a:rPr lang="en-US" sz="2400" dirty="0" smtClean="0"/>
-              <a:t>- </a:t>
-            </a:r>
-            <a:r>
-              <a:rPr lang="en-US" sz="2400" dirty="0" smtClean="0"/>
-              <a:t>a hierarchic model of the driving architectural requirements</a:t>
+              <a:t>a "utility tree" - a hierarchic model of the driving architectural requirements</a:t>
             </a:r>
           </a:p>
           <a:p>
@@ -18680,11 +18568,7 @@
           <a:p>
             <a:r>
               <a:rPr smtClean="0"/>
-              <a:t>2. Business </a:t>
-            </a:r>
-            <a:r>
-              <a:rPr smtClean="0"/>
-              <a:t>drivers - context</a:t>
+              <a:t>2. Business drivers - context</a:t>
             </a:r>
             <a:endParaRPr lang="fr-FR" dirty="0"/>
           </a:p>
@@ -18711,11 +18595,7 @@
             </a:r>
             <a:r>
               <a:rPr lang="en-US" dirty="0" smtClean="0"/>
-              <a:t> : </a:t>
-            </a:r>
-            <a:r>
-              <a:rPr lang="en-US" dirty="0" smtClean="0"/>
-              <a:t>NASA</a:t>
+              <a:t> : NASA</a:t>
             </a:r>
           </a:p>
           <a:p>
@@ -18745,13 +18625,8 @@
             <a:pPr lvl="1"/>
             <a:r>
               <a:rPr lang="en-US" dirty="0" smtClean="0"/>
-              <a:t>Detected when monitored values are </a:t>
-            </a:r>
-            <a:r>
-              <a:rPr lang="en-US" dirty="0" smtClean="0"/>
-              <a:t>out-of-tolerance</a:t>
-            </a:r>
-            <a:endParaRPr lang="en-US" dirty="0" smtClean="0"/>
+              <a:t>Detected when monitored values are out-of-tolerance</a:t>
+            </a:r>
           </a:p>
           <a:p>
             <a:endParaRPr lang="en-US" i="1" u="sng" dirty="0" smtClean="0"/>
@@ -18759,11 +18634,7 @@
           <a:p>
             <a:r>
               <a:rPr lang="en-US" i="1" u="sng" dirty="0" smtClean="0"/>
-              <a:t>The </a:t>
-            </a:r>
-            <a:r>
-              <a:rPr lang="en-US" i="1" u="sng" dirty="0" smtClean="0"/>
-              <a:t>solution </a:t>
+              <a:t>The solution </a:t>
             </a:r>
             <a:r>
               <a:rPr lang="en-US" dirty="0" smtClean="0"/>
@@ -18854,11 +18725,7 @@
           <a:p>
             <a:r>
               <a:rPr lang="en-US" dirty="0" smtClean="0"/>
-              <a:t>2. Business </a:t>
-            </a:r>
-            <a:r>
-              <a:rPr lang="en-US" dirty="0" smtClean="0"/>
-              <a:t>Drivers - requirements</a:t>
+              <a:t>2. Business Drivers - requirements</a:t>
             </a:r>
             <a:endParaRPr lang="en-US" dirty="0"/>
           </a:p>
@@ -18922,11 +18789,7 @@
           <a:p>
             <a:r>
               <a:rPr lang="en-US" sz="2800" dirty="0" smtClean="0"/>
-              <a:t>Main </a:t>
-            </a:r>
-            <a:r>
-              <a:rPr lang="en-US" sz="2800" dirty="0" smtClean="0"/>
-              <a:t>qualities attributes :</a:t>
+              <a:t>Main qualities attributes :</a:t>
             </a:r>
           </a:p>
           <a:p>
@@ -19062,26 +18925,13 @@
           <a:p>
             <a:r>
               <a:rPr smtClean="0"/>
-              <a:t>D</a:t>
-            </a:r>
+              <a:t>Data storage system (logs, monitored values, reports, etc.)</a:t>
+            </a:r>
+          </a:p>
+          <a:p>
             <a:r>
               <a:rPr smtClean="0"/>
-              <a:t>ata storage system (logs</a:t>
-            </a:r>
-            <a:r>
-              <a:rPr smtClean="0"/>
-              <a:t>, monitored values, reports, etc.)</a:t>
-            </a:r>
-            <a:endParaRPr smtClean="0"/>
-          </a:p>
-          <a:p>
-            <a:r>
-              <a:rPr smtClean="0"/>
-              <a:t>F</a:t>
-            </a:r>
-            <a:r>
-              <a:rPr smtClean="0"/>
-              <a:t>ault analyzer</a:t>
+              <a:t>Fault analyzer</a:t>
             </a:r>
           </a:p>
           <a:p>
